--- a/LostTransmission.pptx
+++ b/LostTransmission.pptx
@@ -36,6 +36,10 @@
     <p:sldId id="270" r:id="rId29"/>
     <p:sldId id="271" r:id="rId30"/>
     <p:sldId id="272" r:id="rId31"/>
+    <p:sldId id="273" r:id="rId32"/>
+    <p:sldId id="274" r:id="rId33"/>
+    <p:sldId id="275" r:id="rId34"/>
+    <p:sldId id="276" r:id="rId35"/>
   </p:sldIdLst>
   <p:sldSz cx="10080625" cy="5670550"/>
   <p:notesSz cx="7559675" cy="10691813"/>
@@ -319,7 +323,7 @@
             <a:pPr algn="r">
               <a:buNone/>
             </a:pPr>
-            <a:fld id="{C8160B30-0614-4812-93F4-A0F799A71F89}" type="slidenum">
+            <a:fld id="{07FFE3EF-4E7B-4030-ADFE-F31C2FB42D66}" type="slidenum">
               <a:rPr b="0" lang="en-US" sz="1400" spc="-1" strike="noStrike">
                 <a:latin typeface="Times New Roman"/>
               </a:rPr>
@@ -356,7 +360,7 @@
       </p:grpSpPr>
       <p:sp>
         <p:nvSpPr>
-          <p:cNvPr id="678" name="PlaceHolder 1"/>
+          <p:cNvPr id="686" name="PlaceHolder 1"/>
           <p:cNvSpPr>
             <a:spLocks noGrp="1"/>
           </p:cNvSpPr>
@@ -367,19 +371,19 @@
         <p:spPr>
           <a:xfrm>
             <a:off x="1107000" y="812520"/>
-            <a:ext cx="5344560" cy="4008240"/>
-          </a:xfrm>
-          <a:prstGeom prst="rect">
-            <a:avLst/>
-          </a:prstGeom>
-          <a:ln w="0">
-            <a:noFill/>
-          </a:ln>
-        </p:spPr>
-      </p:sp>
-      <p:sp>
-        <p:nvSpPr>
-          <p:cNvPr id="679" name="PlaceHolder 2"/>
+            <a:ext cx="5343840" cy="4007520"/>
+          </a:xfrm>
+          <a:prstGeom prst="rect">
+            <a:avLst/>
+          </a:prstGeom>
+          <a:ln w="0">
+            <a:noFill/>
+          </a:ln>
+        </p:spPr>
+      </p:sp>
+      <p:sp>
+        <p:nvSpPr>
+          <p:cNvPr id="687" name="PlaceHolder 2"/>
           <p:cNvSpPr>
             <a:spLocks noGrp="1"/>
           </p:cNvSpPr>
@@ -390,7 +394,7 @@
         <p:spPr>
           <a:xfrm>
             <a:off x="756000" y="5078520"/>
-            <a:ext cx="6046920" cy="4810320"/>
+            <a:ext cx="6046200" cy="4809600"/>
           </a:xfrm>
           <a:prstGeom prst="rect">
             <a:avLst/>
@@ -450,7 +454,7 @@
       </p:grpSpPr>
       <p:sp>
         <p:nvSpPr>
-          <p:cNvPr id="696" name="PlaceHolder 1"/>
+          <p:cNvPr id="704" name="PlaceHolder 1"/>
           <p:cNvSpPr>
             <a:spLocks noGrp="1"/>
           </p:cNvSpPr>
@@ -461,19 +465,19 @@
         <p:spPr>
           <a:xfrm>
             <a:off x="216000" y="812520"/>
-            <a:ext cx="7124760" cy="4006440"/>
-          </a:xfrm>
-          <a:prstGeom prst="rect">
-            <a:avLst/>
-          </a:prstGeom>
-          <a:ln w="0">
-            <a:noFill/>
-          </a:ln>
-        </p:spPr>
-      </p:sp>
-      <p:sp>
-        <p:nvSpPr>
-          <p:cNvPr id="697" name="PlaceHolder 2"/>
+            <a:ext cx="7124040" cy="4005720"/>
+          </a:xfrm>
+          <a:prstGeom prst="rect">
+            <a:avLst/>
+          </a:prstGeom>
+          <a:ln w="0">
+            <a:noFill/>
+          </a:ln>
+        </p:spPr>
+      </p:sp>
+      <p:sp>
+        <p:nvSpPr>
+          <p:cNvPr id="705" name="PlaceHolder 2"/>
           <p:cNvSpPr>
             <a:spLocks noGrp="1"/>
           </p:cNvSpPr>
@@ -484,7 +488,7 @@
         <p:spPr>
           <a:xfrm>
             <a:off x="756000" y="5078520"/>
-            <a:ext cx="6045120" cy="4808520"/>
+            <a:ext cx="6044400" cy="4807800"/>
           </a:xfrm>
           <a:prstGeom prst="rect">
             <a:avLst/>
@@ -558,7 +562,7 @@
       </p:grpSpPr>
       <p:sp>
         <p:nvSpPr>
-          <p:cNvPr id="698" name="PlaceHolder 1"/>
+          <p:cNvPr id="706" name="PlaceHolder 1"/>
           <p:cNvSpPr>
             <a:spLocks noGrp="1"/>
           </p:cNvSpPr>
@@ -569,19 +573,19 @@
         <p:spPr>
           <a:xfrm>
             <a:off x="216000" y="812520"/>
-            <a:ext cx="7124760" cy="4006440"/>
-          </a:xfrm>
-          <a:prstGeom prst="rect">
-            <a:avLst/>
-          </a:prstGeom>
-          <a:ln w="0">
-            <a:noFill/>
-          </a:ln>
-        </p:spPr>
-      </p:sp>
-      <p:sp>
-        <p:nvSpPr>
-          <p:cNvPr id="699" name="PlaceHolder 2"/>
+            <a:ext cx="7124040" cy="4005720"/>
+          </a:xfrm>
+          <a:prstGeom prst="rect">
+            <a:avLst/>
+          </a:prstGeom>
+          <a:ln w="0">
+            <a:noFill/>
+          </a:ln>
+        </p:spPr>
+      </p:sp>
+      <p:sp>
+        <p:nvSpPr>
+          <p:cNvPr id="707" name="PlaceHolder 2"/>
           <p:cNvSpPr>
             <a:spLocks noGrp="1"/>
           </p:cNvSpPr>
@@ -592,7 +596,7 @@
         <p:spPr>
           <a:xfrm>
             <a:off x="756000" y="5078520"/>
-            <a:ext cx="6045120" cy="4808520"/>
+            <a:ext cx="6044400" cy="4807800"/>
           </a:xfrm>
           <a:prstGeom prst="rect">
             <a:avLst/>
@@ -638,14 +642,14 @@
       </p:sp>
       <p:sp>
         <p:nvSpPr>
-          <p:cNvPr id="700" name=""/>
+          <p:cNvPr id="708" name=""/>
           <p:cNvSpPr/>
           <p:nvPr/>
         </p:nvSpPr>
         <p:spPr>
           <a:xfrm>
             <a:off x="10080" y="4970160"/>
-            <a:ext cx="7304760" cy="5721120"/>
+            <a:ext cx="7304040" cy="5720400"/>
           </a:xfrm>
           <a:prstGeom prst="rect">
             <a:avLst/>
@@ -674,6 +678,9 @@
             </a:pPr>
             <a:r>
               <a:rPr b="0" lang="en-US" sz="1800" spc="-1" strike="noStrike">
+                <a:solidFill>
+                  <a:srgbClr val="000000"/>
+                </a:solidFill>
                 <a:latin typeface="Arial"/>
               </a:rPr>
               <a:t>(P32, P46, P52, P64[+67], P66)</a:t>
@@ -702,6 +709,9 @@
             </a:pPr>
             <a:r>
               <a:rPr b="0" lang="en-US" sz="1800" spc="-1" strike="noStrike">
+                <a:solidFill>
+                  <a:srgbClr val="000000"/>
+                </a:solidFill>
                 <a:latin typeface="Arial"/>
               </a:rPr>
               <a:t>P52 is a fragment of the Gospel of John dated to the early second century, possibly only about fifty to seventy-five years after the book was written</a:t>
@@ -719,6 +729,9 @@
             </a:pPr>
             <a:r>
               <a:rPr b="0" lang="en-US" sz="1800" spc="-1" strike="noStrike">
+                <a:solidFill>
+                  <a:srgbClr val="000000"/>
+                </a:solidFill>
                 <a:latin typeface="Arial"/>
               </a:rPr>
               <a:t>The autographs were either written by their authors or dictated to scribes (or amanuenses; see Rom 16:22; 2 Thess 3:17). Once the letters were written, they were delivered to their respective churches by friends or travelers going to that destination. </a:t>
@@ -747,6 +760,9 @@
             </a:pPr>
             <a:r>
               <a:rPr b="0" lang="en-US" sz="1800" spc="-1" strike="noStrike">
+                <a:solidFill>
+                  <a:srgbClr val="000000"/>
+                </a:solidFill>
                 <a:latin typeface="Arial"/>
               </a:rPr>
               <a:t>For example, Tychicus, one of Paul’s friends and faithful brother, delivered Paul’s letters to the Ephesians (Eph 6:21–22), to the Colossians (Col 4:7–9) and possibly to Titus (Tit 3:12).</a:t>
@@ -775,6 +791,9 @@
             </a:pPr>
             <a:r>
               <a:rPr b="0" lang="en-US" sz="1800" spc="-1" strike="noStrike">
+                <a:solidFill>
+                  <a:srgbClr val="000000"/>
+                </a:solidFill>
                 <a:latin typeface="Arial"/>
               </a:rPr>
               <a:t>Paul sometimes encourages the recipients of his letters to circulate them among the other churches (Col 4:16), and thus the autographs would at times have been copied almost immediately and sent off to other churches. It is unlikely that a professional scribe would be hired to copy these letters since the cost generally would have been prohibitive. Most likely someone from the various recipient churches would copy the autographs and send them on to the next church.</a:t>
@@ -820,7 +839,7 @@
       </p:grpSpPr>
       <p:sp>
         <p:nvSpPr>
-          <p:cNvPr id="701" name="PlaceHolder 1"/>
+          <p:cNvPr id="709" name="PlaceHolder 1"/>
           <p:cNvSpPr>
             <a:spLocks noGrp="1"/>
           </p:cNvSpPr>
@@ -831,19 +850,19 @@
         <p:spPr>
           <a:xfrm>
             <a:off x="216000" y="812520"/>
-            <a:ext cx="7124760" cy="4006440"/>
-          </a:xfrm>
-          <a:prstGeom prst="rect">
-            <a:avLst/>
-          </a:prstGeom>
-          <a:ln w="0">
-            <a:noFill/>
-          </a:ln>
-        </p:spPr>
-      </p:sp>
-      <p:sp>
-        <p:nvSpPr>
-          <p:cNvPr id="702" name="PlaceHolder 2"/>
+            <a:ext cx="7124040" cy="4005720"/>
+          </a:xfrm>
+          <a:prstGeom prst="rect">
+            <a:avLst/>
+          </a:prstGeom>
+          <a:ln w="0">
+            <a:noFill/>
+          </a:ln>
+        </p:spPr>
+      </p:sp>
+      <p:sp>
+        <p:nvSpPr>
+          <p:cNvPr id="710" name="PlaceHolder 2"/>
           <p:cNvSpPr>
             <a:spLocks noGrp="1"/>
           </p:cNvSpPr>
@@ -854,7 +873,7 @@
         <p:spPr>
           <a:xfrm>
             <a:off x="756000" y="5078520"/>
-            <a:ext cx="6045120" cy="4808520"/>
+            <a:ext cx="6044400" cy="4807800"/>
           </a:xfrm>
           <a:prstGeom prst="rect">
             <a:avLst/>
@@ -956,7 +975,7 @@
       </p:grpSpPr>
       <p:sp>
         <p:nvSpPr>
-          <p:cNvPr id="703" name="PlaceHolder 1"/>
+          <p:cNvPr id="711" name="PlaceHolder 1"/>
           <p:cNvSpPr>
             <a:spLocks noGrp="1"/>
           </p:cNvSpPr>
@@ -967,19 +986,19 @@
         <p:spPr>
           <a:xfrm>
             <a:off x="216000" y="812520"/>
-            <a:ext cx="7124760" cy="4006440"/>
-          </a:xfrm>
-          <a:prstGeom prst="rect">
-            <a:avLst/>
-          </a:prstGeom>
-          <a:ln w="0">
-            <a:noFill/>
-          </a:ln>
-        </p:spPr>
-      </p:sp>
-      <p:sp>
-        <p:nvSpPr>
-          <p:cNvPr id="704" name="PlaceHolder 2"/>
+            <a:ext cx="7124040" cy="4005720"/>
+          </a:xfrm>
+          <a:prstGeom prst="rect">
+            <a:avLst/>
+          </a:prstGeom>
+          <a:ln w="0">
+            <a:noFill/>
+          </a:ln>
+        </p:spPr>
+      </p:sp>
+      <p:sp>
+        <p:nvSpPr>
+          <p:cNvPr id="712" name="PlaceHolder 2"/>
           <p:cNvSpPr>
             <a:spLocks noGrp="1"/>
           </p:cNvSpPr>
@@ -990,7 +1009,7 @@
         <p:spPr>
           <a:xfrm>
             <a:off x="756000" y="5078520"/>
-            <a:ext cx="6045120" cy="4808520"/>
+            <a:ext cx="6044400" cy="4807800"/>
           </a:xfrm>
           <a:prstGeom prst="rect">
             <a:avLst/>
@@ -1036,30 +1055,45 @@
       </p:sp>
       <p:sp>
         <p:nvSpPr>
-          <p:cNvPr id="705" name=""/>
-          <p:cNvSpPr txBox="1"/>
+          <p:cNvPr id="713" name=""/>
+          <p:cNvSpPr/>
           <p:nvPr/>
         </p:nvSpPr>
         <p:spPr>
           <a:xfrm>
             <a:off x="228600" y="5432760"/>
-            <a:ext cx="7086600" cy="4854240"/>
-          </a:xfrm>
-          <a:prstGeom prst="rect">
-            <a:avLst/>
-          </a:prstGeom>
-          <a:noFill/>
-          <a:ln w="0">
-            <a:noFill/>
-          </a:ln>
-        </p:spPr>
+            <a:ext cx="7085880" cy="4853520"/>
+          </a:xfrm>
+          <a:prstGeom prst="rect">
+            <a:avLst/>
+          </a:prstGeom>
+          <a:noFill/>
+          <a:ln w="0">
+            <a:noFill/>
+          </a:ln>
+        </p:spPr>
+        <p:style>
+          <a:lnRef idx="0"/>
+          <a:fillRef idx="0"/>
+          <a:effectRef idx="0"/>
+          <a:fontRef idx="minor"/>
+        </p:style>
         <p:txBody>
           <a:bodyPr lIns="90000" rIns="90000" tIns="45000" bIns="45000" anchor="t">
             <a:noAutofit/>
           </a:bodyPr>
           <a:p>
+            <a:pPr>
+              <a:lnSpc>
+                <a:spcPct val="100000"/>
+              </a:lnSpc>
+              <a:buNone/>
+            </a:pPr>
             <a:r>
               <a:rPr b="0" lang="en-US" sz="1800" spc="-1" strike="noStrike">
+                <a:solidFill>
+                  <a:srgbClr val="000000"/>
+                </a:solidFill>
                 <a:latin typeface="Arial"/>
               </a:rPr>
               <a:t>In A.D. 64 Nero charged the Christians with setting Rome on fire and persecuted them as traitors. In 303 Diocletian ordered all sacred Scriptures of the Christians to be burned, but soon Emperor Constantine halted their persecution and declared freedom of religion throughout the Roman Empire in the Edict of Milan (313). The Christian church grew so fast during this period that Constantine requested fifty new copies of the Scriptures from Eusebius for the churches of Constantinople.</a:t>
@@ -1069,13 +1103,28 @@
             </a:endParaRPr>
           </a:p>
           <a:p>
+            <a:pPr>
+              <a:lnSpc>
+                <a:spcPct val="100000"/>
+              </a:lnSpc>
+              <a:buNone/>
+            </a:pPr>
             <a:endParaRPr b="0" lang="en-US" sz="1800" spc="-1" strike="noStrike">
               <a:latin typeface="Arial"/>
             </a:endParaRPr>
           </a:p>
           <a:p>
+            <a:pPr>
+              <a:lnSpc>
+                <a:spcPct val="100000"/>
+              </a:lnSpc>
+              <a:buNone/>
+            </a:pPr>
             <a:r>
               <a:rPr b="0" lang="en-US" sz="1800" spc="-1" strike="noStrike">
+                <a:solidFill>
+                  <a:srgbClr val="000000"/>
+                </a:solidFill>
                 <a:latin typeface="Arial"/>
               </a:rPr>
               <a:t>From 4th C on, it was the task of monks to study and make copies of Scripture.</a:t>
@@ -1110,7 +1159,7 @@
       </p:grpSpPr>
       <p:sp>
         <p:nvSpPr>
-          <p:cNvPr id="706" name="PlaceHolder 1"/>
+          <p:cNvPr id="714" name="PlaceHolder 1"/>
           <p:cNvSpPr>
             <a:spLocks noGrp="1"/>
           </p:cNvSpPr>
@@ -1121,19 +1170,19 @@
         <p:spPr>
           <a:xfrm>
             <a:off x="216000" y="812520"/>
-            <a:ext cx="7124760" cy="4006440"/>
-          </a:xfrm>
-          <a:prstGeom prst="rect">
-            <a:avLst/>
-          </a:prstGeom>
-          <a:ln w="0">
-            <a:noFill/>
-          </a:ln>
-        </p:spPr>
-      </p:sp>
-      <p:sp>
-        <p:nvSpPr>
-          <p:cNvPr id="707" name="PlaceHolder 2"/>
+            <a:ext cx="7124040" cy="4005720"/>
+          </a:xfrm>
+          <a:prstGeom prst="rect">
+            <a:avLst/>
+          </a:prstGeom>
+          <a:ln w="0">
+            <a:noFill/>
+          </a:ln>
+        </p:spPr>
+      </p:sp>
+      <p:sp>
+        <p:nvSpPr>
+          <p:cNvPr id="715" name="PlaceHolder 2"/>
           <p:cNvSpPr>
             <a:spLocks noGrp="1"/>
           </p:cNvSpPr>
@@ -1144,7 +1193,7 @@
         <p:spPr>
           <a:xfrm>
             <a:off x="756000" y="5078520"/>
-            <a:ext cx="6045120" cy="4808520"/>
+            <a:ext cx="6044400" cy="4807800"/>
           </a:xfrm>
           <a:prstGeom prst="rect">
             <a:avLst/>
@@ -1190,30 +1239,45 @@
       </p:sp>
       <p:sp>
         <p:nvSpPr>
-          <p:cNvPr id="708" name=""/>
-          <p:cNvSpPr txBox="1"/>
+          <p:cNvPr id="716" name=""/>
+          <p:cNvSpPr/>
           <p:nvPr/>
         </p:nvSpPr>
         <p:spPr>
           <a:xfrm>
             <a:off x="0" y="4866120"/>
-            <a:ext cx="7521840" cy="5649480"/>
-          </a:xfrm>
-          <a:prstGeom prst="rect">
-            <a:avLst/>
-          </a:prstGeom>
-          <a:noFill/>
-          <a:ln w="0">
-            <a:noFill/>
-          </a:ln>
-        </p:spPr>
+            <a:ext cx="7521120" cy="5648760"/>
+          </a:xfrm>
+          <a:prstGeom prst="rect">
+            <a:avLst/>
+          </a:prstGeom>
+          <a:noFill/>
+          <a:ln w="0">
+            <a:noFill/>
+          </a:ln>
+        </p:spPr>
+        <p:style>
+          <a:lnRef idx="0"/>
+          <a:fillRef idx="0"/>
+          <a:effectRef idx="0"/>
+          <a:fontRef idx="minor"/>
+        </p:style>
         <p:txBody>
           <a:bodyPr lIns="90000" rIns="90000" tIns="45000" bIns="45000" anchor="t">
             <a:noAutofit/>
           </a:bodyPr>
           <a:p>
+            <a:pPr>
+              <a:lnSpc>
+                <a:spcPct val="100000"/>
+              </a:lnSpc>
+              <a:buNone/>
+            </a:pPr>
             <a:r>
               <a:rPr b="0" lang="en-US" sz="1800" spc="-1" strike="noStrike">
+                <a:solidFill>
+                  <a:srgbClr val="000000"/>
+                </a:solidFill>
                 <a:latin typeface="Arial"/>
               </a:rPr>
               <a:t>Uncial script was commonly used between the first and about the sixth century A.D., though it did continue into the tenth or eleventh centuries. For several centuries these uncial texts were written with no breaks between words. This could lead to mistakes (e.g., see Mark 10:40 where the letters ΑΛΛΟΙΣΗΤΟΙΜΑΣΤΑΙ can be read as ἀλλʼ οἷς ἡτοίμασται, “but [it is for] those whom it has been prepared,” or less likely ἂλλοις ἡτοίμασται, “but [it is for] others whom it has been prepared”). Codex Sinaiticus (fourth century) and Codex Alexandrinus (fifth century) do not have divisions between words, but by the sixth century, and possibly because of the use of cursive writing, divisions began to appear between words.</a:t>
@@ -1223,13 +1287,28 @@
             </a:endParaRPr>
           </a:p>
           <a:p>
+            <a:pPr>
+              <a:lnSpc>
+                <a:spcPct val="100000"/>
+              </a:lnSpc>
+              <a:buNone/>
+            </a:pPr>
             <a:endParaRPr b="0" lang="en-US" sz="1800" spc="-1" strike="noStrike">
               <a:latin typeface="Arial"/>
             </a:endParaRPr>
           </a:p>
           <a:p>
+            <a:pPr>
+              <a:lnSpc>
+                <a:spcPct val="100000"/>
+              </a:lnSpc>
+              <a:buNone/>
+            </a:pPr>
             <a:r>
               <a:rPr b="0" lang="en-US" sz="1800" spc="-1" strike="noStrike">
+                <a:solidFill>
+                  <a:srgbClr val="000000"/>
+                </a:solidFill>
                 <a:latin typeface="Arial"/>
               </a:rPr>
               <a:t>At present there are about 2,754 New Testament minuscule manuscripts.</a:t>
@@ -1264,7 +1343,7 @@
       </p:grpSpPr>
       <p:sp>
         <p:nvSpPr>
-          <p:cNvPr id="709" name="PlaceHolder 1"/>
+          <p:cNvPr id="717" name="PlaceHolder 1"/>
           <p:cNvSpPr>
             <a:spLocks noGrp="1"/>
           </p:cNvSpPr>
@@ -1275,19 +1354,19 @@
         <p:spPr>
           <a:xfrm>
             <a:off x="216000" y="812520"/>
-            <a:ext cx="7124760" cy="4006440"/>
-          </a:xfrm>
-          <a:prstGeom prst="rect">
-            <a:avLst/>
-          </a:prstGeom>
-          <a:ln w="0">
-            <a:noFill/>
-          </a:ln>
-        </p:spPr>
-      </p:sp>
-      <p:sp>
-        <p:nvSpPr>
-          <p:cNvPr id="710" name="PlaceHolder 2"/>
+            <a:ext cx="7124040" cy="4005720"/>
+          </a:xfrm>
+          <a:prstGeom prst="rect">
+            <a:avLst/>
+          </a:prstGeom>
+          <a:ln w="0">
+            <a:noFill/>
+          </a:ln>
+        </p:spPr>
+      </p:sp>
+      <p:sp>
+        <p:nvSpPr>
+          <p:cNvPr id="718" name="PlaceHolder 2"/>
           <p:cNvSpPr>
             <a:spLocks noGrp="1"/>
           </p:cNvSpPr>
@@ -1298,7 +1377,7 @@
         <p:spPr>
           <a:xfrm>
             <a:off x="756000" y="5078520"/>
-            <a:ext cx="6045120" cy="4808520"/>
+            <a:ext cx="6044400" cy="4807800"/>
           </a:xfrm>
           <a:prstGeom prst="rect">
             <a:avLst/>
@@ -1372,7 +1451,7 @@
       </p:grpSpPr>
       <p:sp>
         <p:nvSpPr>
-          <p:cNvPr id="711" name="PlaceHolder 1"/>
+          <p:cNvPr id="719" name="PlaceHolder 1"/>
           <p:cNvSpPr>
             <a:spLocks noGrp="1"/>
           </p:cNvSpPr>
@@ -1383,19 +1462,19 @@
         <p:spPr>
           <a:xfrm>
             <a:off x="216000" y="812520"/>
-            <a:ext cx="7124760" cy="4006440"/>
-          </a:xfrm>
-          <a:prstGeom prst="rect">
-            <a:avLst/>
-          </a:prstGeom>
-          <a:ln w="0">
-            <a:noFill/>
-          </a:ln>
-        </p:spPr>
-      </p:sp>
-      <p:sp>
-        <p:nvSpPr>
-          <p:cNvPr id="712" name="PlaceHolder 2"/>
+            <a:ext cx="7124040" cy="4005720"/>
+          </a:xfrm>
+          <a:prstGeom prst="rect">
+            <a:avLst/>
+          </a:prstGeom>
+          <a:ln w="0">
+            <a:noFill/>
+          </a:ln>
+        </p:spPr>
+      </p:sp>
+      <p:sp>
+        <p:nvSpPr>
+          <p:cNvPr id="720" name="PlaceHolder 2"/>
           <p:cNvSpPr>
             <a:spLocks noGrp="1"/>
           </p:cNvSpPr>
@@ -1406,7 +1485,7 @@
         <p:spPr>
           <a:xfrm>
             <a:off x="756000" y="5078520"/>
-            <a:ext cx="6045120" cy="4808520"/>
+            <a:ext cx="6044400" cy="4807800"/>
           </a:xfrm>
           <a:prstGeom prst="rect">
             <a:avLst/>
@@ -1420,26 +1499,6 @@
           <a:bodyPr lIns="0" rIns="0" tIns="0" bIns="0" anchor="t">
             <a:noAutofit/>
           </a:bodyPr>
-          <a:p>
-            <a:pPr marL="216000" indent="-216000">
-              <a:lnSpc>
-                <a:spcPct val="100000"/>
-              </a:lnSpc>
-              <a:buNone/>
-              <a:tabLst>
-                <a:tab algn="l" pos="0"/>
-              </a:tabLst>
-            </a:pPr>
-            <a:r>
-              <a:rPr b="0" lang="en-US" sz="2000" spc="-1" strike="noStrike">
-                <a:latin typeface="Arial"/>
-              </a:rPr>
-              <a:t>In some cases New Testament manuscripts date to within fifty to one hundred years after their autographs. For example, Rylands Papyrus 457 (P52) is thought to be dated to about A.D. 125 to 150, and the Gospel of John ranges anywhere from A.D. 40 to 110; the interval between its authorship and extant manuscript evidence is thus very short.</a:t>
-            </a:r>
-            <a:endParaRPr b="0" lang="en-US" sz="2000" spc="-1" strike="noStrike">
-              <a:latin typeface="Arial"/>
-            </a:endParaRPr>
-          </a:p>
           <a:p>
             <a:pPr marL="216000" indent="-216000">
               <a:lnSpc>
@@ -1468,36 +1527,8 @@
               <a:rPr b="0" lang="en-US" sz="2000" spc="-1" strike="noStrike">
                 <a:latin typeface="Arial"/>
               </a:rPr>
-              <a:t>2 million extant words in 5300 MSS.  The NT has about 138K words.</a:t>
-            </a:r>
-            <a:endParaRPr b="0" lang="en-US" sz="2000" spc="-1" strike="noStrike">
-              <a:latin typeface="Arial"/>
-            </a:endParaRPr>
-          </a:p>
-          <a:p>
-            <a:pPr marL="216000" indent="-216000">
-              <a:lnSpc>
-                <a:spcPct val="100000"/>
-              </a:lnSpc>
-              <a:buNone/>
-              <a:tabLst>
-                <a:tab algn="l" pos="0"/>
-              </a:tabLst>
-            </a:pPr>
-            <a:endParaRPr b="0" lang="en-US" sz="2000" spc="-1" strike="noStrike">
-              <a:latin typeface="Arial"/>
-            </a:endParaRPr>
-          </a:p>
-          <a:p>
-            <a:pPr marL="216000" indent="-216000">
-              <a:lnSpc>
-                <a:spcPct val="100000"/>
-              </a:lnSpc>
-              <a:buNone/>
-              <a:tabLst>
-                <a:tab algn="l" pos="0"/>
-              </a:tabLst>
-            </a:pPr>
+              <a:t>Logos favorite link 5.</a:t>
+            </a:r>
             <a:endParaRPr b="0" lang="en-US" sz="2000" spc="-1" strike="noStrike">
               <a:latin typeface="Arial"/>
             </a:endParaRPr>
@@ -1528,7 +1559,7 @@
       </p:grpSpPr>
       <p:sp>
         <p:nvSpPr>
-          <p:cNvPr id="713" name="PlaceHolder 1"/>
+          <p:cNvPr id="721" name="PlaceHolder 1"/>
           <p:cNvSpPr>
             <a:spLocks noGrp="1"/>
           </p:cNvSpPr>
@@ -1539,19 +1570,19 @@
         <p:spPr>
           <a:xfrm>
             <a:off x="216000" y="812520"/>
-            <a:ext cx="7124760" cy="4006440"/>
-          </a:xfrm>
-          <a:prstGeom prst="rect">
-            <a:avLst/>
-          </a:prstGeom>
-          <a:ln w="0">
-            <a:noFill/>
-          </a:ln>
-        </p:spPr>
-      </p:sp>
-      <p:sp>
-        <p:nvSpPr>
-          <p:cNvPr id="714" name="PlaceHolder 2"/>
+            <a:ext cx="7124040" cy="4005720"/>
+          </a:xfrm>
+          <a:prstGeom prst="rect">
+            <a:avLst/>
+          </a:prstGeom>
+          <a:ln w="0">
+            <a:noFill/>
+          </a:ln>
+        </p:spPr>
+      </p:sp>
+      <p:sp>
+        <p:nvSpPr>
+          <p:cNvPr id="722" name="PlaceHolder 2"/>
           <p:cNvSpPr>
             <a:spLocks noGrp="1"/>
           </p:cNvSpPr>
@@ -1562,7 +1593,7 @@
         <p:spPr>
           <a:xfrm>
             <a:off x="756000" y="5078520"/>
-            <a:ext cx="6045120" cy="4808520"/>
+            <a:ext cx="6044400" cy="4807800"/>
           </a:xfrm>
           <a:prstGeom prst="rect">
             <a:avLst/>
@@ -1576,26 +1607,6 @@
           <a:bodyPr lIns="0" rIns="0" tIns="0" bIns="0" anchor="t">
             <a:noAutofit/>
           </a:bodyPr>
-          <a:p>
-            <a:pPr marL="216000" indent="-216000">
-              <a:lnSpc>
-                <a:spcPct val="100000"/>
-              </a:lnSpc>
-              <a:buNone/>
-              <a:tabLst>
-                <a:tab algn="l" pos="0"/>
-              </a:tabLst>
-            </a:pPr>
-            <a:r>
-              <a:rPr b="0" lang="en-US" sz="2000" spc="-1" strike="noStrike">
-                <a:latin typeface="Arial"/>
-              </a:rPr>
-              <a:t>In some cases New Testament manuscripts date to within fifty to one hundred years after their autographs. For example, Rylands Papyrus 457 (P52) is thought to be dated to about A.D. 125 to 150, and the Gospel of John ranges anywhere from A.D. 40 to 110; the interval between its authorship and extant manuscript evidence is thus very short.</a:t>
-            </a:r>
-            <a:endParaRPr b="0" lang="en-US" sz="2000" spc="-1" strike="noStrike">
-              <a:latin typeface="Arial"/>
-            </a:endParaRPr>
-          </a:p>
           <a:p>
             <a:pPr marL="216000" indent="-216000">
               <a:lnSpc>
@@ -1624,12 +1635,118 @@
               <a:rPr b="0" lang="en-US" sz="2000" spc="-1" strike="noStrike">
                 <a:latin typeface="Arial"/>
               </a:rPr>
-              <a:t>2 million extant words in 5300 MSS.  The NT has about 138K words.</a:t>
+              <a:t>Logos favorite link 6.</a:t>
             </a:r>
             <a:endParaRPr b="0" lang="en-US" sz="2000" spc="-1" strike="noStrike">
               <a:latin typeface="Arial"/>
             </a:endParaRPr>
           </a:p>
+          <a:p>
+            <a:pPr marL="216000" indent="-216000">
+              <a:lnSpc>
+                <a:spcPct val="100000"/>
+              </a:lnSpc>
+              <a:buNone/>
+              <a:tabLst>
+                <a:tab algn="l" pos="0"/>
+              </a:tabLst>
+            </a:pPr>
+            <a:r>
+              <a:rPr b="0" lang="en-US" sz="2000" spc="-1" strike="noStrike">
+                <a:latin typeface="Arial"/>
+              </a:rPr>
+              <a:t>20</a:t>
+            </a:r>
+            <a:r>
+              <a:rPr b="0" lang="en-US" sz="2000" spc="-1" strike="noStrike" baseline="33000">
+                <a:latin typeface="Arial"/>
+              </a:rPr>
+              <a:t>th</a:t>
+            </a:r>
+            <a:r>
+              <a:rPr b="0" lang="en-US" sz="2000" spc="-1" strike="noStrike">
+                <a:latin typeface="Arial"/>
+              </a:rPr>
+              <a:t> C state because this book is not aware of the CBGM which we will get to later.</a:t>
+            </a:r>
+            <a:endParaRPr b="0" lang="en-US" sz="2000" spc="-1" strike="noStrike">
+              <a:latin typeface="Arial"/>
+            </a:endParaRPr>
+          </a:p>
+        </p:txBody>
+      </p:sp>
+    </p:spTree>
+  </p:cSld>
+</p:notes>
+</file>
+
+<file path=ppt/notesSlides/notesSlide18.xml><?xml version="1.0" encoding="utf-8"?>
+<p:notes xmlns:a="http://schemas.openxmlformats.org/drawingml/2006/main" xmlns:p="http://schemas.openxmlformats.org/presentationml/2006/main" xmlns:r="http://schemas.openxmlformats.org/officeDocument/2006/relationships" xmlns:p14="http://schemas.microsoft.com/office/powerpoint/2010/main" xmlns:p15="http://schemas.microsoft.com/office/powerpoint/2012/main" xmlns:mc="http://schemas.openxmlformats.org/markup-compatibility/2006">
+  <p:cSld>
+    <p:spTree>
+      <p:nvGrpSpPr>
+        <p:cNvPr id="1" name=""/>
+        <p:cNvGrpSpPr/>
+        <p:nvPr/>
+      </p:nvGrpSpPr>
+      <p:grpSpPr>
+        <a:xfrm>
+          <a:off x="0" y="0"/>
+          <a:ext cx="0" cy="0"/>
+          <a:chOff x="0" y="0"/>
+          <a:chExt cx="0" cy="0"/>
+        </a:xfrm>
+      </p:grpSpPr>
+      <p:sp>
+        <p:nvSpPr>
+          <p:cNvPr id="723" name="PlaceHolder 1"/>
+          <p:cNvSpPr>
+            <a:spLocks noGrp="1"/>
+          </p:cNvSpPr>
+          <p:nvPr>
+            <p:ph type="sldImg"/>
+          </p:nvPr>
+        </p:nvSpPr>
+        <p:spPr>
+          <a:xfrm>
+            <a:off x="216000" y="812520"/>
+            <a:ext cx="7124040" cy="4005720"/>
+          </a:xfrm>
+          <a:prstGeom prst="rect">
+            <a:avLst/>
+          </a:prstGeom>
+          <a:ln w="0">
+            <a:noFill/>
+          </a:ln>
+        </p:spPr>
+      </p:sp>
+      <p:sp>
+        <p:nvSpPr>
+          <p:cNvPr id="724" name="PlaceHolder 2"/>
+          <p:cNvSpPr>
+            <a:spLocks noGrp="1"/>
+          </p:cNvSpPr>
+          <p:nvPr>
+            <p:ph type="body"/>
+          </p:nvPr>
+        </p:nvSpPr>
+        <p:spPr>
+          <a:xfrm>
+            <a:off x="756000" y="5078520"/>
+            <a:ext cx="6044400" cy="4807800"/>
+          </a:xfrm>
+          <a:prstGeom prst="rect">
+            <a:avLst/>
+          </a:prstGeom>
+          <a:noFill/>
+          <a:ln w="0">
+            <a:noFill/>
+          </a:ln>
+        </p:spPr>
+        <p:txBody>
+          <a:bodyPr lIns="0" rIns="0" tIns="0" bIns="0" anchor="t">
+            <a:noAutofit/>
+          </a:bodyPr>
           <a:p>
             <a:pPr marL="216000" indent="-216000">
               <a:lnSpc>
@@ -1654,6 +1771,120 @@
                 <a:tab algn="l" pos="0"/>
               </a:tabLst>
             </a:pPr>
+            <a:r>
+              <a:rPr b="0" lang="en-US" sz="2000" spc="-1" strike="noStrike">
+                <a:latin typeface="Arial"/>
+              </a:rPr>
+              <a:t>Logos favorite link 7.</a:t>
+            </a:r>
+            <a:endParaRPr b="0" lang="en-US" sz="2000" spc="-1" strike="noStrike">
+              <a:latin typeface="Arial"/>
+            </a:endParaRPr>
+          </a:p>
+        </p:txBody>
+      </p:sp>
+    </p:spTree>
+  </p:cSld>
+</p:notes>
+</file>
+
+<file path=ppt/notesSlides/notesSlide19.xml><?xml version="1.0" encoding="utf-8"?>
+<p:notes xmlns:a="http://schemas.openxmlformats.org/drawingml/2006/main" xmlns:p="http://schemas.openxmlformats.org/presentationml/2006/main" xmlns:r="http://schemas.openxmlformats.org/officeDocument/2006/relationships" xmlns:p14="http://schemas.microsoft.com/office/powerpoint/2010/main" xmlns:p15="http://schemas.microsoft.com/office/powerpoint/2012/main" xmlns:mc="http://schemas.openxmlformats.org/markup-compatibility/2006">
+  <p:cSld>
+    <p:spTree>
+      <p:nvGrpSpPr>
+        <p:cNvPr id="1" name=""/>
+        <p:cNvGrpSpPr/>
+        <p:nvPr/>
+      </p:nvGrpSpPr>
+      <p:grpSpPr>
+        <a:xfrm>
+          <a:off x="0" y="0"/>
+          <a:ext cx="0" cy="0"/>
+          <a:chOff x="0" y="0"/>
+          <a:chExt cx="0" cy="0"/>
+        </a:xfrm>
+      </p:grpSpPr>
+      <p:sp>
+        <p:nvSpPr>
+          <p:cNvPr id="725" name="PlaceHolder 1"/>
+          <p:cNvSpPr>
+            <a:spLocks noGrp="1"/>
+          </p:cNvSpPr>
+          <p:nvPr>
+            <p:ph type="sldImg"/>
+          </p:nvPr>
+        </p:nvSpPr>
+        <p:spPr>
+          <a:xfrm>
+            <a:off x="216000" y="812520"/>
+            <a:ext cx="7124040" cy="4005720"/>
+          </a:xfrm>
+          <a:prstGeom prst="rect">
+            <a:avLst/>
+          </a:prstGeom>
+          <a:ln w="0">
+            <a:noFill/>
+          </a:ln>
+        </p:spPr>
+      </p:sp>
+      <p:sp>
+        <p:nvSpPr>
+          <p:cNvPr id="726" name="PlaceHolder 2"/>
+          <p:cNvSpPr>
+            <a:spLocks noGrp="1"/>
+          </p:cNvSpPr>
+          <p:nvPr>
+            <p:ph type="body"/>
+          </p:nvPr>
+        </p:nvSpPr>
+        <p:spPr>
+          <a:xfrm>
+            <a:off x="756000" y="5078520"/>
+            <a:ext cx="6044400" cy="4807800"/>
+          </a:xfrm>
+          <a:prstGeom prst="rect">
+            <a:avLst/>
+          </a:prstGeom>
+          <a:noFill/>
+          <a:ln w="0">
+            <a:noFill/>
+          </a:ln>
+        </p:spPr>
+        <p:txBody>
+          <a:bodyPr lIns="0" rIns="0" tIns="0" bIns="0" anchor="t">
+            <a:noAutofit/>
+          </a:bodyPr>
+          <a:p>
+            <a:pPr marL="216000" indent="-216000">
+              <a:lnSpc>
+                <a:spcPct val="100000"/>
+              </a:lnSpc>
+              <a:buNone/>
+              <a:tabLst>
+                <a:tab algn="l" pos="0"/>
+              </a:tabLst>
+            </a:pPr>
+            <a:endParaRPr b="0" lang="en-US" sz="2000" spc="-1" strike="noStrike">
+              <a:latin typeface="Arial"/>
+            </a:endParaRPr>
+          </a:p>
+          <a:p>
+            <a:pPr marL="216000" indent="-216000">
+              <a:lnSpc>
+                <a:spcPct val="100000"/>
+              </a:lnSpc>
+              <a:buNone/>
+              <a:tabLst>
+                <a:tab algn="l" pos="0"/>
+              </a:tabLst>
+            </a:pPr>
+            <a:r>
+              <a:rPr b="0" lang="en-US" sz="2000" spc="-1" strike="noStrike">
+                <a:latin typeface="Arial"/>
+              </a:rPr>
+              <a:t>Logos favorite link 8.</a:t>
+            </a:r>
             <a:endParaRPr b="0" lang="en-US" sz="2000" spc="-1" strike="noStrike">
               <a:latin typeface="Arial"/>
             </a:endParaRPr>
@@ -1684,7 +1915,7 @@
       </p:grpSpPr>
       <p:sp>
         <p:nvSpPr>
-          <p:cNvPr id="680" name="PlaceHolder 1"/>
+          <p:cNvPr id="688" name="PlaceHolder 1"/>
           <p:cNvSpPr>
             <a:spLocks noGrp="1"/>
           </p:cNvSpPr>
@@ -1695,19 +1926,19 @@
         <p:spPr>
           <a:xfrm>
             <a:off x="216000" y="812520"/>
-            <a:ext cx="7124760" cy="4006440"/>
-          </a:xfrm>
-          <a:prstGeom prst="rect">
-            <a:avLst/>
-          </a:prstGeom>
-          <a:ln w="0">
-            <a:noFill/>
-          </a:ln>
-        </p:spPr>
-      </p:sp>
-      <p:sp>
-        <p:nvSpPr>
-          <p:cNvPr id="681" name="PlaceHolder 2"/>
+            <a:ext cx="7124040" cy="4005720"/>
+          </a:xfrm>
+          <a:prstGeom prst="rect">
+            <a:avLst/>
+          </a:prstGeom>
+          <a:ln w="0">
+            <a:noFill/>
+          </a:ln>
+        </p:spPr>
+      </p:sp>
+      <p:sp>
+        <p:nvSpPr>
+          <p:cNvPr id="689" name="PlaceHolder 2"/>
           <p:cNvSpPr>
             <a:spLocks noGrp="1"/>
           </p:cNvSpPr>
@@ -1718,7 +1949,7 @@
         <p:spPr>
           <a:xfrm>
             <a:off x="756000" y="5078520"/>
-            <a:ext cx="6045120" cy="4808520"/>
+            <a:ext cx="6044400" cy="4807800"/>
           </a:xfrm>
           <a:prstGeom prst="rect">
             <a:avLst/>
@@ -1762,6 +1993,318 @@
               </a:rPr>
               <a:t> </a:t>
             </a:r>
+            <a:endParaRPr b="0" lang="en-US" sz="2000" spc="-1" strike="noStrike">
+              <a:latin typeface="Arial"/>
+            </a:endParaRPr>
+          </a:p>
+        </p:txBody>
+      </p:sp>
+    </p:spTree>
+  </p:cSld>
+</p:notes>
+</file>
+
+<file path=ppt/notesSlides/notesSlide20.xml><?xml version="1.0" encoding="utf-8"?>
+<p:notes xmlns:a="http://schemas.openxmlformats.org/drawingml/2006/main" xmlns:p="http://schemas.openxmlformats.org/presentationml/2006/main" xmlns:r="http://schemas.openxmlformats.org/officeDocument/2006/relationships" xmlns:p14="http://schemas.microsoft.com/office/powerpoint/2010/main" xmlns:p15="http://schemas.microsoft.com/office/powerpoint/2012/main" xmlns:mc="http://schemas.openxmlformats.org/markup-compatibility/2006">
+  <p:cSld>
+    <p:spTree>
+      <p:nvGrpSpPr>
+        <p:cNvPr id="1" name=""/>
+        <p:cNvGrpSpPr/>
+        <p:nvPr/>
+      </p:nvGrpSpPr>
+      <p:grpSpPr>
+        <a:xfrm>
+          <a:off x="0" y="0"/>
+          <a:ext cx="0" cy="0"/>
+          <a:chOff x="0" y="0"/>
+          <a:chExt cx="0" cy="0"/>
+        </a:xfrm>
+      </p:grpSpPr>
+      <p:sp>
+        <p:nvSpPr>
+          <p:cNvPr id="727" name="PlaceHolder 1"/>
+          <p:cNvSpPr>
+            <a:spLocks noGrp="1"/>
+          </p:cNvSpPr>
+          <p:nvPr>
+            <p:ph type="sldImg"/>
+          </p:nvPr>
+        </p:nvSpPr>
+        <p:spPr>
+          <a:xfrm>
+            <a:off x="216000" y="812520"/>
+            <a:ext cx="7124040" cy="4005720"/>
+          </a:xfrm>
+          <a:prstGeom prst="rect">
+            <a:avLst/>
+          </a:prstGeom>
+          <a:ln w="0">
+            <a:noFill/>
+          </a:ln>
+        </p:spPr>
+      </p:sp>
+      <p:sp>
+        <p:nvSpPr>
+          <p:cNvPr id="728" name="PlaceHolder 2"/>
+          <p:cNvSpPr>
+            <a:spLocks noGrp="1"/>
+          </p:cNvSpPr>
+          <p:nvPr>
+            <p:ph type="body"/>
+          </p:nvPr>
+        </p:nvSpPr>
+        <p:spPr>
+          <a:xfrm>
+            <a:off x="756000" y="5078520"/>
+            <a:ext cx="6044400" cy="4807800"/>
+          </a:xfrm>
+          <a:prstGeom prst="rect">
+            <a:avLst/>
+          </a:prstGeom>
+          <a:noFill/>
+          <a:ln w="0">
+            <a:noFill/>
+          </a:ln>
+        </p:spPr>
+        <p:txBody>
+          <a:bodyPr lIns="0" rIns="0" tIns="0" bIns="0" anchor="t">
+            <a:noAutofit/>
+          </a:bodyPr>
+          <a:p>
+            <a:pPr marL="216000" indent="-216000">
+              <a:lnSpc>
+                <a:spcPct val="100000"/>
+              </a:lnSpc>
+              <a:buNone/>
+              <a:tabLst>
+                <a:tab algn="l" pos="0"/>
+              </a:tabLst>
+            </a:pPr>
+            <a:r>
+              <a:rPr b="0" lang="en-US" sz="2000" spc="-1" strike="noStrike">
+                <a:latin typeface="Arial"/>
+              </a:rPr>
+              <a:t>In some cases New Testament manuscripts date to within fifty to one hundred years after their autographs. For example, Rylands Papyrus 457 (P52) is thought to be dated to about A.D. 125 to 150, and the Gospel of John ranges anywhere from A.D. 40 to 110; the interval between its authorship and extant manuscript evidence is thus very short.</a:t>
+            </a:r>
+            <a:endParaRPr b="0" lang="en-US" sz="2000" spc="-1" strike="noStrike">
+              <a:latin typeface="Arial"/>
+            </a:endParaRPr>
+          </a:p>
+          <a:p>
+            <a:pPr marL="216000" indent="-216000">
+              <a:lnSpc>
+                <a:spcPct val="100000"/>
+              </a:lnSpc>
+              <a:buNone/>
+              <a:tabLst>
+                <a:tab algn="l" pos="0"/>
+              </a:tabLst>
+            </a:pPr>
+            <a:endParaRPr b="0" lang="en-US" sz="2000" spc="-1" strike="noStrike">
+              <a:latin typeface="Arial"/>
+            </a:endParaRPr>
+          </a:p>
+          <a:p>
+            <a:pPr marL="216000" indent="-216000">
+              <a:lnSpc>
+                <a:spcPct val="100000"/>
+              </a:lnSpc>
+              <a:buNone/>
+              <a:tabLst>
+                <a:tab algn="l" pos="0"/>
+              </a:tabLst>
+            </a:pPr>
+            <a:r>
+              <a:rPr b="0" lang="en-US" sz="2000" spc="-1" strike="noStrike">
+                <a:latin typeface="Arial"/>
+              </a:rPr>
+              <a:t>2 million extant words in 5300 MSS.  The NT has about 138K words.</a:t>
+            </a:r>
+            <a:endParaRPr b="0" lang="en-US" sz="2000" spc="-1" strike="noStrike">
+              <a:latin typeface="Arial"/>
+            </a:endParaRPr>
+          </a:p>
+          <a:p>
+            <a:pPr marL="216000" indent="-216000">
+              <a:lnSpc>
+                <a:spcPct val="100000"/>
+              </a:lnSpc>
+              <a:buNone/>
+              <a:tabLst>
+                <a:tab algn="l" pos="0"/>
+              </a:tabLst>
+            </a:pPr>
+            <a:endParaRPr b="0" lang="en-US" sz="2000" spc="-1" strike="noStrike">
+              <a:latin typeface="Arial"/>
+            </a:endParaRPr>
+          </a:p>
+          <a:p>
+            <a:pPr marL="216000" indent="-216000">
+              <a:lnSpc>
+                <a:spcPct val="100000"/>
+              </a:lnSpc>
+              <a:buNone/>
+              <a:tabLst>
+                <a:tab algn="l" pos="0"/>
+              </a:tabLst>
+            </a:pPr>
+            <a:endParaRPr b="0" lang="en-US" sz="2000" spc="-1" strike="noStrike">
+              <a:latin typeface="Arial"/>
+            </a:endParaRPr>
+          </a:p>
+        </p:txBody>
+      </p:sp>
+    </p:spTree>
+  </p:cSld>
+</p:notes>
+</file>
+
+<file path=ppt/notesSlides/notesSlide21.xml><?xml version="1.0" encoding="utf-8"?>
+<p:notes xmlns:a="http://schemas.openxmlformats.org/drawingml/2006/main" xmlns:p="http://schemas.openxmlformats.org/presentationml/2006/main" xmlns:r="http://schemas.openxmlformats.org/officeDocument/2006/relationships" xmlns:p14="http://schemas.microsoft.com/office/powerpoint/2010/main" xmlns:p15="http://schemas.microsoft.com/office/powerpoint/2012/main" xmlns:mc="http://schemas.openxmlformats.org/markup-compatibility/2006">
+  <p:cSld>
+    <p:spTree>
+      <p:nvGrpSpPr>
+        <p:cNvPr id="1" name=""/>
+        <p:cNvGrpSpPr/>
+        <p:nvPr/>
+      </p:nvGrpSpPr>
+      <p:grpSpPr>
+        <a:xfrm>
+          <a:off x="0" y="0"/>
+          <a:ext cx="0" cy="0"/>
+          <a:chOff x="0" y="0"/>
+          <a:chExt cx="0" cy="0"/>
+        </a:xfrm>
+      </p:grpSpPr>
+      <p:sp>
+        <p:nvSpPr>
+          <p:cNvPr id="729" name="PlaceHolder 1"/>
+          <p:cNvSpPr>
+            <a:spLocks noGrp="1"/>
+          </p:cNvSpPr>
+          <p:nvPr>
+            <p:ph type="sldImg"/>
+          </p:nvPr>
+        </p:nvSpPr>
+        <p:spPr>
+          <a:xfrm>
+            <a:off x="216000" y="812520"/>
+            <a:ext cx="7124040" cy="4005720"/>
+          </a:xfrm>
+          <a:prstGeom prst="rect">
+            <a:avLst/>
+          </a:prstGeom>
+          <a:ln w="0">
+            <a:noFill/>
+          </a:ln>
+        </p:spPr>
+      </p:sp>
+      <p:sp>
+        <p:nvSpPr>
+          <p:cNvPr id="730" name="PlaceHolder 2"/>
+          <p:cNvSpPr>
+            <a:spLocks noGrp="1"/>
+          </p:cNvSpPr>
+          <p:nvPr>
+            <p:ph type="body"/>
+          </p:nvPr>
+        </p:nvSpPr>
+        <p:spPr>
+          <a:xfrm>
+            <a:off x="756000" y="5078520"/>
+            <a:ext cx="6044400" cy="4807800"/>
+          </a:xfrm>
+          <a:prstGeom prst="rect">
+            <a:avLst/>
+          </a:prstGeom>
+          <a:noFill/>
+          <a:ln w="0">
+            <a:noFill/>
+          </a:ln>
+        </p:spPr>
+        <p:txBody>
+          <a:bodyPr lIns="0" rIns="0" tIns="0" bIns="0" anchor="t">
+            <a:noAutofit/>
+          </a:bodyPr>
+          <a:p>
+            <a:pPr marL="216000" indent="-216000">
+              <a:lnSpc>
+                <a:spcPct val="100000"/>
+              </a:lnSpc>
+              <a:buNone/>
+              <a:tabLst>
+                <a:tab algn="l" pos="0"/>
+              </a:tabLst>
+            </a:pPr>
+            <a:r>
+              <a:rPr b="0" lang="en-US" sz="2000" spc="-1" strike="noStrike">
+                <a:latin typeface="Arial"/>
+              </a:rPr>
+              <a:t>In some cases New Testament manuscripts date to within fifty to one hundred years after their autographs. For example, Rylands Papyrus 457 (P52) is thought to be dated to about A.D. 125 to 150, and the Gospel of John ranges anywhere from A.D. 40 to 110; the interval between its authorship and extant manuscript evidence is thus very short.</a:t>
+            </a:r>
+            <a:endParaRPr b="0" lang="en-US" sz="2000" spc="-1" strike="noStrike">
+              <a:latin typeface="Arial"/>
+            </a:endParaRPr>
+          </a:p>
+          <a:p>
+            <a:pPr marL="216000" indent="-216000">
+              <a:lnSpc>
+                <a:spcPct val="100000"/>
+              </a:lnSpc>
+              <a:buNone/>
+              <a:tabLst>
+                <a:tab algn="l" pos="0"/>
+              </a:tabLst>
+            </a:pPr>
+            <a:endParaRPr b="0" lang="en-US" sz="2000" spc="-1" strike="noStrike">
+              <a:latin typeface="Arial"/>
+            </a:endParaRPr>
+          </a:p>
+          <a:p>
+            <a:pPr marL="216000" indent="-216000">
+              <a:lnSpc>
+                <a:spcPct val="100000"/>
+              </a:lnSpc>
+              <a:buNone/>
+              <a:tabLst>
+                <a:tab algn="l" pos="0"/>
+              </a:tabLst>
+            </a:pPr>
+            <a:r>
+              <a:rPr b="0" lang="en-US" sz="2000" spc="-1" strike="noStrike">
+                <a:latin typeface="Arial"/>
+              </a:rPr>
+              <a:t>2 million extant words in 5300 MSS.  The NT has about 138K words.</a:t>
+            </a:r>
+            <a:endParaRPr b="0" lang="en-US" sz="2000" spc="-1" strike="noStrike">
+              <a:latin typeface="Arial"/>
+            </a:endParaRPr>
+          </a:p>
+          <a:p>
+            <a:pPr marL="216000" indent="-216000">
+              <a:lnSpc>
+                <a:spcPct val="100000"/>
+              </a:lnSpc>
+              <a:buNone/>
+              <a:tabLst>
+                <a:tab algn="l" pos="0"/>
+              </a:tabLst>
+            </a:pPr>
+            <a:endParaRPr b="0" lang="en-US" sz="2000" spc="-1" strike="noStrike">
+              <a:latin typeface="Arial"/>
+            </a:endParaRPr>
+          </a:p>
+          <a:p>
+            <a:pPr marL="216000" indent="-216000">
+              <a:lnSpc>
+                <a:spcPct val="100000"/>
+              </a:lnSpc>
+              <a:buNone/>
+              <a:tabLst>
+                <a:tab algn="l" pos="0"/>
+              </a:tabLst>
+            </a:pPr>
             <a:endParaRPr b="0" lang="en-US" sz="2000" spc="-1" strike="noStrike">
               <a:latin typeface="Arial"/>
             </a:endParaRPr>
@@ -1792,7 +2335,7 @@
       </p:grpSpPr>
       <p:sp>
         <p:nvSpPr>
-          <p:cNvPr id="682" name="PlaceHolder 1"/>
+          <p:cNvPr id="690" name="PlaceHolder 1"/>
           <p:cNvSpPr>
             <a:spLocks noGrp="1"/>
           </p:cNvSpPr>
@@ -1803,19 +2346,19 @@
         <p:spPr>
           <a:xfrm>
             <a:off x="216000" y="812520"/>
-            <a:ext cx="7124760" cy="4006440"/>
-          </a:xfrm>
-          <a:prstGeom prst="rect">
-            <a:avLst/>
-          </a:prstGeom>
-          <a:ln w="0">
-            <a:noFill/>
-          </a:ln>
-        </p:spPr>
-      </p:sp>
-      <p:sp>
-        <p:nvSpPr>
-          <p:cNvPr id="683" name="PlaceHolder 2"/>
+            <a:ext cx="7124040" cy="4005720"/>
+          </a:xfrm>
+          <a:prstGeom prst="rect">
+            <a:avLst/>
+          </a:prstGeom>
+          <a:ln w="0">
+            <a:noFill/>
+          </a:ln>
+        </p:spPr>
+      </p:sp>
+      <p:sp>
+        <p:nvSpPr>
+          <p:cNvPr id="691" name="PlaceHolder 2"/>
           <p:cNvSpPr>
             <a:spLocks noGrp="1"/>
           </p:cNvSpPr>
@@ -1826,7 +2369,7 @@
         <p:spPr>
           <a:xfrm>
             <a:off x="756000" y="5078520"/>
-            <a:ext cx="6045120" cy="4808520"/>
+            <a:ext cx="6044400" cy="4807800"/>
           </a:xfrm>
           <a:prstGeom prst="rect">
             <a:avLst/>
@@ -1988,7 +2531,7 @@
       </p:grpSpPr>
       <p:sp>
         <p:nvSpPr>
-          <p:cNvPr id="684" name="PlaceHolder 1"/>
+          <p:cNvPr id="692" name="PlaceHolder 1"/>
           <p:cNvSpPr>
             <a:spLocks noGrp="1"/>
           </p:cNvSpPr>
@@ -1999,19 +2542,19 @@
         <p:spPr>
           <a:xfrm>
             <a:off x="216000" y="812520"/>
-            <a:ext cx="7124760" cy="4006440"/>
-          </a:xfrm>
-          <a:prstGeom prst="rect">
-            <a:avLst/>
-          </a:prstGeom>
-          <a:ln w="0">
-            <a:noFill/>
-          </a:ln>
-        </p:spPr>
-      </p:sp>
-      <p:sp>
-        <p:nvSpPr>
-          <p:cNvPr id="685" name="PlaceHolder 2"/>
+            <a:ext cx="7124040" cy="4005720"/>
+          </a:xfrm>
+          <a:prstGeom prst="rect">
+            <a:avLst/>
+          </a:prstGeom>
+          <a:ln w="0">
+            <a:noFill/>
+          </a:ln>
+        </p:spPr>
+      </p:sp>
+      <p:sp>
+        <p:nvSpPr>
+          <p:cNvPr id="693" name="PlaceHolder 2"/>
           <p:cNvSpPr>
             <a:spLocks noGrp="1"/>
           </p:cNvSpPr>
@@ -2022,7 +2565,7 @@
         <p:spPr>
           <a:xfrm>
             <a:off x="756000" y="5078520"/>
-            <a:ext cx="6045120" cy="5380920"/>
+            <a:ext cx="6044400" cy="5380200"/>
           </a:xfrm>
           <a:prstGeom prst="rect">
             <a:avLst/>
@@ -2184,7 +2727,7 @@
       </p:grpSpPr>
       <p:sp>
         <p:nvSpPr>
-          <p:cNvPr id="686" name="PlaceHolder 1"/>
+          <p:cNvPr id="694" name="PlaceHolder 1"/>
           <p:cNvSpPr>
             <a:spLocks noGrp="1"/>
           </p:cNvSpPr>
@@ -2195,19 +2738,19 @@
         <p:spPr>
           <a:xfrm>
             <a:off x="216000" y="812520"/>
-            <a:ext cx="7124760" cy="4006440"/>
-          </a:xfrm>
-          <a:prstGeom prst="rect">
-            <a:avLst/>
-          </a:prstGeom>
-          <a:ln w="0">
-            <a:noFill/>
-          </a:ln>
-        </p:spPr>
-      </p:sp>
-      <p:sp>
-        <p:nvSpPr>
-          <p:cNvPr id="687" name="PlaceHolder 2"/>
+            <a:ext cx="7124040" cy="4005720"/>
+          </a:xfrm>
+          <a:prstGeom prst="rect">
+            <a:avLst/>
+          </a:prstGeom>
+          <a:ln w="0">
+            <a:noFill/>
+          </a:ln>
+        </p:spPr>
+      </p:sp>
+      <p:sp>
+        <p:nvSpPr>
+          <p:cNvPr id="695" name="PlaceHolder 2"/>
           <p:cNvSpPr>
             <a:spLocks noGrp="1"/>
           </p:cNvSpPr>
@@ -2218,7 +2761,7 @@
         <p:spPr>
           <a:xfrm>
             <a:off x="756000" y="5078520"/>
-            <a:ext cx="6045120" cy="5097600"/>
+            <a:ext cx="6044400" cy="5096880"/>
           </a:xfrm>
           <a:prstGeom prst="rect">
             <a:avLst/>
@@ -2394,7 +2937,7 @@
       </p:grpSpPr>
       <p:sp>
         <p:nvSpPr>
-          <p:cNvPr id="688" name="PlaceHolder 1"/>
+          <p:cNvPr id="696" name="PlaceHolder 1"/>
           <p:cNvSpPr>
             <a:spLocks noGrp="1"/>
           </p:cNvSpPr>
@@ -2405,19 +2948,19 @@
         <p:spPr>
           <a:xfrm>
             <a:off x="216000" y="812520"/>
-            <a:ext cx="7124760" cy="4006440"/>
-          </a:xfrm>
-          <a:prstGeom prst="rect">
-            <a:avLst/>
-          </a:prstGeom>
-          <a:ln w="0">
-            <a:noFill/>
-          </a:ln>
-        </p:spPr>
-      </p:sp>
-      <p:sp>
-        <p:nvSpPr>
-          <p:cNvPr id="689" name="PlaceHolder 2"/>
+            <a:ext cx="7124040" cy="4005720"/>
+          </a:xfrm>
+          <a:prstGeom prst="rect">
+            <a:avLst/>
+          </a:prstGeom>
+          <a:ln w="0">
+            <a:noFill/>
+          </a:ln>
+        </p:spPr>
+      </p:sp>
+      <p:sp>
+        <p:nvSpPr>
+          <p:cNvPr id="697" name="PlaceHolder 2"/>
           <p:cNvSpPr>
             <a:spLocks noGrp="1"/>
           </p:cNvSpPr>
@@ -2428,7 +2971,7 @@
         <p:spPr>
           <a:xfrm>
             <a:off x="756000" y="5078520"/>
-            <a:ext cx="6045120" cy="4808520"/>
+            <a:ext cx="6044400" cy="4807800"/>
           </a:xfrm>
           <a:prstGeom prst="rect">
             <a:avLst/>
@@ -2550,7 +3093,7 @@
       </p:grpSpPr>
       <p:sp>
         <p:nvSpPr>
-          <p:cNvPr id="690" name="PlaceHolder 1"/>
+          <p:cNvPr id="698" name="PlaceHolder 1"/>
           <p:cNvSpPr>
             <a:spLocks noGrp="1"/>
           </p:cNvSpPr>
@@ -2561,19 +3104,19 @@
         <p:spPr>
           <a:xfrm>
             <a:off x="216000" y="812520"/>
-            <a:ext cx="7124760" cy="4006440"/>
-          </a:xfrm>
-          <a:prstGeom prst="rect">
-            <a:avLst/>
-          </a:prstGeom>
-          <a:ln w="0">
-            <a:noFill/>
-          </a:ln>
-        </p:spPr>
-      </p:sp>
-      <p:sp>
-        <p:nvSpPr>
-          <p:cNvPr id="691" name="PlaceHolder 2"/>
+            <a:ext cx="7124040" cy="4005720"/>
+          </a:xfrm>
+          <a:prstGeom prst="rect">
+            <a:avLst/>
+          </a:prstGeom>
+          <a:ln w="0">
+            <a:noFill/>
+          </a:ln>
+        </p:spPr>
+      </p:sp>
+      <p:sp>
+        <p:nvSpPr>
+          <p:cNvPr id="699" name="PlaceHolder 2"/>
           <p:cNvSpPr>
             <a:spLocks noGrp="1"/>
           </p:cNvSpPr>
@@ -2584,7 +3127,7 @@
         <p:spPr>
           <a:xfrm>
             <a:off x="756000" y="5078520"/>
-            <a:ext cx="6045120" cy="4808520"/>
+            <a:ext cx="6044400" cy="4807800"/>
           </a:xfrm>
           <a:prstGeom prst="rect">
             <a:avLst/>
@@ -2706,7 +3249,7 @@
       </p:grpSpPr>
       <p:sp>
         <p:nvSpPr>
-          <p:cNvPr id="692" name="PlaceHolder 1"/>
+          <p:cNvPr id="700" name="PlaceHolder 1"/>
           <p:cNvSpPr>
             <a:spLocks noGrp="1"/>
           </p:cNvSpPr>
@@ -2717,19 +3260,19 @@
         <p:spPr>
           <a:xfrm>
             <a:off x="216000" y="812520"/>
-            <a:ext cx="7124760" cy="4006440"/>
-          </a:xfrm>
-          <a:prstGeom prst="rect">
-            <a:avLst/>
-          </a:prstGeom>
-          <a:ln w="0">
-            <a:noFill/>
-          </a:ln>
-        </p:spPr>
-      </p:sp>
-      <p:sp>
-        <p:nvSpPr>
-          <p:cNvPr id="693" name="PlaceHolder 2"/>
+            <a:ext cx="7124040" cy="4005720"/>
+          </a:xfrm>
+          <a:prstGeom prst="rect">
+            <a:avLst/>
+          </a:prstGeom>
+          <a:ln w="0">
+            <a:noFill/>
+          </a:ln>
+        </p:spPr>
+      </p:sp>
+      <p:sp>
+        <p:nvSpPr>
+          <p:cNvPr id="701" name="PlaceHolder 2"/>
           <p:cNvSpPr>
             <a:spLocks noGrp="1"/>
           </p:cNvSpPr>
@@ -2740,7 +3283,7 @@
         <p:spPr>
           <a:xfrm>
             <a:off x="756000" y="5078520"/>
-            <a:ext cx="6045120" cy="4808520"/>
+            <a:ext cx="6044400" cy="4807800"/>
           </a:xfrm>
           <a:prstGeom prst="rect">
             <a:avLst/>
@@ -2814,7 +3357,7 @@
       </p:grpSpPr>
       <p:sp>
         <p:nvSpPr>
-          <p:cNvPr id="694" name="PlaceHolder 1"/>
+          <p:cNvPr id="702" name="PlaceHolder 1"/>
           <p:cNvSpPr>
             <a:spLocks noGrp="1"/>
           </p:cNvSpPr>
@@ -2825,19 +3368,19 @@
         <p:spPr>
           <a:xfrm>
             <a:off x="216000" y="812520"/>
-            <a:ext cx="7124760" cy="4006440"/>
-          </a:xfrm>
-          <a:prstGeom prst="rect">
-            <a:avLst/>
-          </a:prstGeom>
-          <a:ln w="0">
-            <a:noFill/>
-          </a:ln>
-        </p:spPr>
-      </p:sp>
-      <p:sp>
-        <p:nvSpPr>
-          <p:cNvPr id="695" name="PlaceHolder 2"/>
+            <a:ext cx="7124040" cy="4005720"/>
+          </a:xfrm>
+          <a:prstGeom prst="rect">
+            <a:avLst/>
+          </a:prstGeom>
+          <a:ln w="0">
+            <a:noFill/>
+          </a:ln>
+        </p:spPr>
+      </p:sp>
+      <p:sp>
+        <p:nvSpPr>
+          <p:cNvPr id="703" name="PlaceHolder 2"/>
           <p:cNvSpPr>
             <a:spLocks noGrp="1"/>
           </p:cNvSpPr>
@@ -2848,7 +3391,7 @@
         <p:spPr>
           <a:xfrm>
             <a:off x="756000" y="5078520"/>
-            <a:ext cx="6045120" cy="4808520"/>
+            <a:ext cx="6044400" cy="4807800"/>
           </a:xfrm>
           <a:prstGeom prst="rect">
             <a:avLst/>
@@ -2954,7 +3497,7 @@
         <p:txBody>
           <a:bodyPr/>
           <a:p>
-            <a:fld id="{7632AB4A-9E73-4D11-AB4C-0C1BB514273F}" type="slidenum">
+            <a:fld id="{2F04D900-BBAF-49C5-A785-B6D89BC06445}" type="slidenum">
               <a:t>&lt;#&gt;</a:t>
             </a:fld>
           </a:p>
@@ -3142,7 +3685,7 @@
         <p:txBody>
           <a:bodyPr/>
           <a:p>
-            <a:fld id="{842AF8E0-2B53-4520-86D9-0038E54C21F6}" type="slidenum">
+            <a:fld id="{DA48EEA3-4D21-42F8-AD8B-CD8A530D0C07}" type="slidenum">
               <a:t>&lt;#&gt;</a:t>
             </a:fld>
           </a:p>
@@ -3330,7 +3873,7 @@
         <p:txBody>
           <a:bodyPr/>
           <a:p>
-            <a:fld id="{60AF3F16-5817-4FB7-AB5B-A70EFE1BDA21}" type="slidenum">
+            <a:fld id="{41E5F80A-7FBA-444C-AFF2-BD8C92AAFC06}" type="slidenum">
               <a:t>&lt;#&gt;</a:t>
             </a:fld>
           </a:p>
@@ -3450,7 +3993,7 @@
         <p:txBody>
           <a:bodyPr/>
           <a:p>
-            <a:fld id="{DBE29041-46DE-4BFD-83C3-2CA1398E8F47}" type="slidenum">
+            <a:fld id="{F8C8A0A4-44FC-45E5-87D3-32642E4998DB}" type="slidenum">
               <a:t>&lt;#&gt;</a:t>
             </a:fld>
           </a:p>
@@ -3570,7 +4113,7 @@
         <p:txBody>
           <a:bodyPr/>
           <a:p>
-            <a:fld id="{B722F570-5432-4AD5-82BD-D4CB4580F2C7}" type="slidenum">
+            <a:fld id="{B482FC35-662D-49F3-9EB0-ED03B186EDF2}" type="slidenum">
               <a:t>&lt;#&gt;</a:t>
             </a:fld>
           </a:p>
@@ -3792,7 +4335,7 @@
         <p:txBody>
           <a:bodyPr/>
           <a:p>
-            <a:fld id="{936F497C-3C57-4267-885A-FE2D41163FBD}" type="slidenum">
+            <a:fld id="{FB5E97C0-EF73-490D-8CDB-F2D3B4B71789}" type="slidenum">
               <a:t>&lt;#&gt;</a:t>
             </a:fld>
           </a:p>
@@ -4014,7 +4557,7 @@
         <p:txBody>
           <a:bodyPr/>
           <a:p>
-            <a:fld id="{B8EEC55F-90F5-4A09-BCAB-77B772E01E98}" type="slidenum">
+            <a:fld id="{66307B77-3E5E-4490-8787-88B68A2D53A3}" type="slidenum">
               <a:t>&lt;#&gt;</a:t>
             </a:fld>
           </a:p>
@@ -4236,7 +4779,7 @@
         <p:txBody>
           <a:bodyPr/>
           <a:p>
-            <a:fld id="{F902C667-FB6D-4681-9DDA-159A7547902C}" type="slidenum">
+            <a:fld id="{4B837382-26A6-4366-8B3D-7D5C3CB9A148}" type="slidenum">
               <a:t>&lt;#&gt;</a:t>
             </a:fld>
           </a:p>
@@ -4424,7 +4967,7 @@
         <p:txBody>
           <a:bodyPr/>
           <a:p>
-            <a:fld id="{D5FC8888-6B1F-4608-B3CA-D3BC24E53DDD}" type="slidenum">
+            <a:fld id="{BEBD9DD8-F924-4CCD-9CA5-00745158DC2A}" type="slidenum">
               <a:t>&lt;#&gt;</a:t>
             </a:fld>
           </a:p>
@@ -4680,7 +5223,7 @@
         <p:txBody>
           <a:bodyPr/>
           <a:p>
-            <a:fld id="{82F107C8-A6E0-4907-B02A-591AA3DBDE1D}" type="slidenum">
+            <a:fld id="{56848363-124C-48B1-AF3E-63E06E0639D5}" type="slidenum">
               <a:t>&lt;#&gt;</a:t>
             </a:fld>
           </a:p>
@@ -5004,7 +5547,7 @@
         <p:txBody>
           <a:bodyPr/>
           <a:p>
-            <a:fld id="{131D163E-AD13-4EEB-8F22-44A74C0A1F88}" type="slidenum">
+            <a:fld id="{A162B2DB-C7F4-4849-80B7-5436C06F34C7}" type="slidenum">
               <a:t>&lt;#&gt;</a:t>
             </a:fld>
           </a:p>
@@ -5087,7 +5630,7 @@
         <p:txBody>
           <a:bodyPr/>
           <a:p>
-            <a:fld id="{2451C9A7-17B6-4792-80E9-2D99C62BD079}" type="slidenum">
+            <a:fld id="{8818EEA5-9AFA-451D-98E0-BAF48AD23FBD}" type="slidenum">
               <a:t>&lt;#&gt;</a:t>
             </a:fld>
           </a:p>
@@ -5343,7 +5886,7 @@
         <p:txBody>
           <a:bodyPr/>
           <a:p>
-            <a:fld id="{AA33627D-4CD1-4DA5-9416-79C0971FC63D}" type="slidenum">
+            <a:fld id="{5F48FBBD-7E19-4B70-B56D-08AACA1F4988}" type="slidenum">
               <a:t>&lt;#&gt;</a:t>
             </a:fld>
           </a:p>
@@ -5500,7 +6043,7 @@
         <p:txBody>
           <a:bodyPr/>
           <a:p>
-            <a:fld id="{6EC96F98-1263-47AE-8451-332D013E3355}" type="slidenum">
+            <a:fld id="{1F61FC99-FEF7-4D74-B665-6D7EDFB5267A}" type="slidenum">
               <a:t>&lt;#&gt;</a:t>
             </a:fld>
           </a:p>
@@ -5654,7 +6197,7 @@
         <p:txBody>
           <a:bodyPr/>
           <a:p>
-            <a:fld id="{C6739943-4625-41FE-991D-85640033191F}" type="slidenum">
+            <a:fld id="{A7240B73-1141-44FF-98EF-24A4B9F20A20}" type="slidenum">
               <a:t>&lt;#&gt;</a:t>
             </a:fld>
           </a:p>
@@ -5842,7 +6385,7 @@
         <p:txBody>
           <a:bodyPr/>
           <a:p>
-            <a:fld id="{1A358DD0-4165-47F5-B656-C754F7BB775F}" type="slidenum">
+            <a:fld id="{4FFCE339-CDB9-4341-A059-FDBAB3DA858C}" type="slidenum">
               <a:t>&lt;#&gt;</a:t>
             </a:fld>
           </a:p>
@@ -5962,7 +6505,7 @@
         <p:txBody>
           <a:bodyPr/>
           <a:p>
-            <a:fld id="{DBC47EA4-0281-40D4-B048-B6CC6DF022F2}" type="slidenum">
+            <a:fld id="{A7613130-7C81-4A44-81B8-660D4908C5E3}" type="slidenum">
               <a:t>&lt;#&gt;</a:t>
             </a:fld>
           </a:p>
@@ -6082,7 +6625,7 @@
         <p:txBody>
           <a:bodyPr/>
           <a:p>
-            <a:fld id="{402CCB18-64DC-46F9-89A0-43765C23F26B}" type="slidenum">
+            <a:fld id="{05D2ED3B-3C35-45F0-AAA4-3D27E3D8ADC3}" type="slidenum">
               <a:t>&lt;#&gt;</a:t>
             </a:fld>
           </a:p>
@@ -6304,7 +6847,7 @@
         <p:txBody>
           <a:bodyPr/>
           <a:p>
-            <a:fld id="{08834B5C-4A75-413C-A526-E784815BD73D}" type="slidenum">
+            <a:fld id="{7950F9DA-16AC-4C0C-A28D-6BD176227F95}" type="slidenum">
               <a:t>&lt;#&gt;</a:t>
             </a:fld>
           </a:p>
@@ -6526,7 +7069,7 @@
         <p:txBody>
           <a:bodyPr/>
           <a:p>
-            <a:fld id="{A961E7CB-8955-4E2E-8500-E55A51AD0AEA}" type="slidenum">
+            <a:fld id="{8D3CCED6-7612-4618-8E33-50DF5DB5B2CB}" type="slidenum">
               <a:t>&lt;#&gt;</a:t>
             </a:fld>
           </a:p>
@@ -6748,7 +7291,7 @@
         <p:txBody>
           <a:bodyPr/>
           <a:p>
-            <a:fld id="{9BBBE7C3-6F13-4501-8D01-7952958055CF}" type="slidenum">
+            <a:fld id="{D71A5F66-C488-46AE-A9EC-037036E49C34}" type="slidenum">
               <a:t>&lt;#&gt;</a:t>
             </a:fld>
           </a:p>
@@ -6936,7 +7479,7 @@
         <p:txBody>
           <a:bodyPr/>
           <a:p>
-            <a:fld id="{A7B11A52-DC31-4B60-ADAD-E5B7C82B4A90}" type="slidenum">
+            <a:fld id="{BF179532-384E-4BDD-BBAA-E49D5F2E442A}" type="slidenum">
               <a:t>&lt;#&gt;</a:t>
             </a:fld>
           </a:p>
@@ -7192,7 +7735,7 @@
         <p:txBody>
           <a:bodyPr/>
           <a:p>
-            <a:fld id="{D3DD00EB-AD24-41C0-A1A1-159BF2652013}" type="slidenum">
+            <a:fld id="{3361502D-B573-4406-9066-89999B70BA68}" type="slidenum">
               <a:t>&lt;#&gt;</a:t>
             </a:fld>
           </a:p>
@@ -7516,7 +8059,7 @@
         <p:txBody>
           <a:bodyPr/>
           <a:p>
-            <a:fld id="{B8D68046-C375-4E92-AD89-36BF9719E234}" type="slidenum">
+            <a:fld id="{C6B7253D-4C4C-4637-B937-4EC7CFAC6C33}" type="slidenum">
               <a:t>&lt;#&gt;</a:t>
             </a:fld>
           </a:p>
@@ -7840,7 +8383,7 @@
         <p:txBody>
           <a:bodyPr/>
           <a:p>
-            <a:fld id="{01729010-A1DC-4921-AE88-5B27164BD0B7}" type="slidenum">
+            <a:fld id="{C0A8AEA7-0E11-4F7D-B4C9-2E2910D64136}" type="slidenum">
               <a:t>&lt;#&gt;</a:t>
             </a:fld>
           </a:p>
@@ -7923,7 +8466,7 @@
         <p:txBody>
           <a:bodyPr/>
           <a:p>
-            <a:fld id="{162A0FF6-6735-456B-AEE5-1E9DBA3280BE}" type="slidenum">
+            <a:fld id="{1FD67D5B-437C-4398-A82C-C7E477C29C8A}" type="slidenum">
               <a:t>&lt;#&gt;</a:t>
             </a:fld>
           </a:p>
@@ -8080,7 +8623,7 @@
         <p:txBody>
           <a:bodyPr/>
           <a:p>
-            <a:fld id="{5A6DFF6C-8A78-48FA-92DA-A65AF1E80297}" type="slidenum">
+            <a:fld id="{A8B6A9FA-625B-47DE-8655-49F263EE6A57}" type="slidenum">
               <a:t>&lt;#&gt;</a:t>
             </a:fld>
           </a:p>
@@ -8234,7 +8777,7 @@
         <p:txBody>
           <a:bodyPr/>
           <a:p>
-            <a:fld id="{05AB0D89-E2A3-47FB-AED2-BFEAE37789FF}" type="slidenum">
+            <a:fld id="{C28A3540-405D-4356-ADF5-061D6AFD692F}" type="slidenum">
               <a:t>&lt;#&gt;</a:t>
             </a:fld>
           </a:p>
@@ -8422,7 +8965,7 @@
         <p:txBody>
           <a:bodyPr/>
           <a:p>
-            <a:fld id="{D30D71FD-8560-433E-A262-CC8A1ECED571}" type="slidenum">
+            <a:fld id="{9EBFC973-FE95-4673-99CE-C43232F72C32}" type="slidenum">
               <a:t>&lt;#&gt;</a:t>
             </a:fld>
           </a:p>
@@ -8542,7 +9085,7 @@
         <p:txBody>
           <a:bodyPr/>
           <a:p>
-            <a:fld id="{DEC2FAE0-72BF-4BC6-9335-BF3760D46A1F}" type="slidenum">
+            <a:fld id="{E9FFF5C0-799A-49C1-AED6-AB7FCB85F8F7}" type="slidenum">
               <a:t>&lt;#&gt;</a:t>
             </a:fld>
           </a:p>
@@ -8662,7 +9205,7 @@
         <p:txBody>
           <a:bodyPr/>
           <a:p>
-            <a:fld id="{DBD5218C-4F9C-4619-8E99-EFFEE66868E2}" type="slidenum">
+            <a:fld id="{040A8035-6680-4475-985E-E28B39790F5E}" type="slidenum">
               <a:t>&lt;#&gt;</a:t>
             </a:fld>
           </a:p>
@@ -8884,7 +9427,7 @@
         <p:txBody>
           <a:bodyPr/>
           <a:p>
-            <a:fld id="{DC97B866-7642-42D2-8B69-71C36771D009}" type="slidenum">
+            <a:fld id="{2DF598F8-3A2B-4AB1-8999-170069F412F5}" type="slidenum">
               <a:t>&lt;#&gt;</a:t>
             </a:fld>
           </a:p>
@@ -9106,7 +9649,7 @@
         <p:txBody>
           <a:bodyPr/>
           <a:p>
-            <a:fld id="{7CD6020C-7A67-4940-B33C-232812C5A7EA}" type="slidenum">
+            <a:fld id="{56AF5AD6-3C80-4B79-B2C9-FE1BD27D9C72}" type="slidenum">
               <a:t>&lt;#&gt;</a:t>
             </a:fld>
           </a:p>
@@ -9328,7 +9871,7 @@
         <p:txBody>
           <a:bodyPr/>
           <a:p>
-            <a:fld id="{DC88FCCF-1C30-437A-AF4D-5A93B369E1A2}" type="slidenum">
+            <a:fld id="{D980C516-F6A0-4836-9910-F794A6A015F1}" type="slidenum">
               <a:t>&lt;#&gt;</a:t>
             </a:fld>
           </a:p>
@@ -9411,7 +9954,7 @@
         <p:txBody>
           <a:bodyPr/>
           <a:p>
-            <a:fld id="{7A573366-50E8-49F5-99A2-4B06CD8F5309}" type="slidenum">
+            <a:fld id="{DB2B6061-C18E-4CB8-9835-CB8EA02D92CA}" type="slidenum">
               <a:t>&lt;#&gt;</a:t>
             </a:fld>
           </a:p>
@@ -9599,7 +10142,7 @@
         <p:txBody>
           <a:bodyPr/>
           <a:p>
-            <a:fld id="{554F0FEB-ECC4-4549-8C72-201307D72B27}" type="slidenum">
+            <a:fld id="{7954B4DE-739A-4F8F-95DC-2192B9DE6E9A}" type="slidenum">
               <a:t>&lt;#&gt;</a:t>
             </a:fld>
           </a:p>
@@ -9855,7 +10398,7 @@
         <p:txBody>
           <a:bodyPr/>
           <a:p>
-            <a:fld id="{EB402AB5-EFFA-44B8-93FB-DC116A10596D}" type="slidenum">
+            <a:fld id="{48689287-87A8-4A85-8118-14A54771E20D}" type="slidenum">
               <a:t>&lt;#&gt;</a:t>
             </a:fld>
           </a:p>
@@ -10179,7 +10722,7 @@
         <p:txBody>
           <a:bodyPr/>
           <a:p>
-            <a:fld id="{42E5618E-8B38-4B13-9956-44BE6BB46368}" type="slidenum">
+            <a:fld id="{FFE4501F-C63D-41A3-A894-E9883C000812}" type="slidenum">
               <a:t>&lt;#&gt;</a:t>
             </a:fld>
           </a:p>
@@ -10262,7 +10805,7 @@
         <p:txBody>
           <a:bodyPr/>
           <a:p>
-            <a:fld id="{25AA946A-C7A1-48A0-A403-8DECFD10D991}" type="slidenum">
+            <a:fld id="{DFED8202-78FA-4CD2-A4C3-3CD5F0178747}" type="slidenum">
               <a:t>&lt;#&gt;</a:t>
             </a:fld>
           </a:p>
@@ -10419,7 +10962,7 @@
         <p:txBody>
           <a:bodyPr/>
           <a:p>
-            <a:fld id="{40106733-B5E7-4B97-997C-1AFC9E192102}" type="slidenum">
+            <a:fld id="{767A228C-0151-4ABD-8C9E-1E49863D536D}" type="slidenum">
               <a:t>&lt;#&gt;</a:t>
             </a:fld>
           </a:p>
@@ -10573,7 +11116,7 @@
         <p:txBody>
           <a:bodyPr/>
           <a:p>
-            <a:fld id="{5B9DA258-B018-461E-893B-1519484F90B1}" type="slidenum">
+            <a:fld id="{FFF6414B-F94F-4426-AF68-30B601DD0D43}" type="slidenum">
               <a:t>&lt;#&gt;</a:t>
             </a:fld>
           </a:p>
@@ -10761,7 +11304,7 @@
         <p:txBody>
           <a:bodyPr/>
           <a:p>
-            <a:fld id="{D8A756C4-8554-4899-8FD5-242058A0B480}" type="slidenum">
+            <a:fld id="{044B0C7C-7EFB-4462-B848-940F6FA065BF}" type="slidenum">
               <a:t>&lt;#&gt;</a:t>
             </a:fld>
           </a:p>
@@ -10881,7 +11424,7 @@
         <p:txBody>
           <a:bodyPr/>
           <a:p>
-            <a:fld id="{B69BEC32-83C0-4C85-B578-9FEA5CBB9335}" type="slidenum">
+            <a:fld id="{E5AF9B82-3ED4-4B8E-B5A3-FC0BF2DA680E}" type="slidenum">
               <a:t>&lt;#&gt;</a:t>
             </a:fld>
           </a:p>
@@ -11001,7 +11544,7 @@
         <p:txBody>
           <a:bodyPr/>
           <a:p>
-            <a:fld id="{B2448162-8DE3-4D9F-A1CD-8A7B977C35BC}" type="slidenum">
+            <a:fld id="{4F47F76D-DC40-4150-BAB7-B24D1A4D6914}" type="slidenum">
               <a:t>&lt;#&gt;</a:t>
             </a:fld>
           </a:p>
@@ -11223,7 +11766,7 @@
         <p:txBody>
           <a:bodyPr/>
           <a:p>
-            <a:fld id="{2DA429B2-7FA3-4009-8BC9-DF908D2E9268}" type="slidenum">
+            <a:fld id="{48EFCE1E-4F17-499E-AEDA-32FFFEAE2C01}" type="slidenum">
               <a:t>&lt;#&gt;</a:t>
             </a:fld>
           </a:p>
@@ -11380,7 +11923,7 @@
         <p:txBody>
           <a:bodyPr/>
           <a:p>
-            <a:fld id="{FDB97744-D7A5-4302-8728-A4DC1D67B7F9}" type="slidenum">
+            <a:fld id="{AE210B8C-FD7E-4B11-A4A9-676C0AEA1977}" type="slidenum">
               <a:t>&lt;#&gt;</a:t>
             </a:fld>
           </a:p>
@@ -11602,7 +12145,7 @@
         <p:txBody>
           <a:bodyPr/>
           <a:p>
-            <a:fld id="{BEA637DC-6DB8-427C-93D5-DCF4A915E7C1}" type="slidenum">
+            <a:fld id="{7CBA3D7D-0C6E-433B-9F1F-906E18C03D0E}" type="slidenum">
               <a:t>&lt;#&gt;</a:t>
             </a:fld>
           </a:p>
@@ -11824,7 +12367,7 @@
         <p:txBody>
           <a:bodyPr/>
           <a:p>
-            <a:fld id="{9C97B76A-BD59-4ABD-B3EB-D9E2D2E09983}" type="slidenum">
+            <a:fld id="{C1BDA3D5-7ABB-4BA5-BC6A-365D0C736173}" type="slidenum">
               <a:t>&lt;#&gt;</a:t>
             </a:fld>
           </a:p>
@@ -12012,7 +12555,7 @@
         <p:txBody>
           <a:bodyPr/>
           <a:p>
-            <a:fld id="{38BA5F39-6311-4150-9688-B880AE2B55BD}" type="slidenum">
+            <a:fld id="{5B1C256B-6B02-4CF0-9C32-4221ACC56B48}" type="slidenum">
               <a:t>&lt;#&gt;</a:t>
             </a:fld>
           </a:p>
@@ -12268,7 +12811,7 @@
         <p:txBody>
           <a:bodyPr/>
           <a:p>
-            <a:fld id="{0DDB0DBF-AD08-44CB-ABD3-334B3EBD7236}" type="slidenum">
+            <a:fld id="{289F9D86-9C2F-45B6-A5F3-824D9CC2095A}" type="slidenum">
               <a:t>&lt;#&gt;</a:t>
             </a:fld>
           </a:p>
@@ -12592,7 +13135,7 @@
         <p:txBody>
           <a:bodyPr/>
           <a:p>
-            <a:fld id="{AD4523FF-0AD0-4B12-B749-949CA1886795}" type="slidenum">
+            <a:fld id="{E8154CC8-FE04-4A7C-87D4-4CD3A6B31DF4}" type="slidenum">
               <a:t>&lt;#&gt;</a:t>
             </a:fld>
           </a:p>
@@ -12746,7 +13289,7 @@
         <p:txBody>
           <a:bodyPr/>
           <a:p>
-            <a:fld id="{B810B84E-2488-4BFF-8A3D-87A88A851032}" type="slidenum">
+            <a:fld id="{6DC949B5-FA1C-4918-80AA-157A19DB9EA7}" type="slidenum">
               <a:t>&lt;#&gt;</a:t>
             </a:fld>
           </a:p>
@@ -12934,7 +13477,7 @@
         <p:txBody>
           <a:bodyPr/>
           <a:p>
-            <a:fld id="{0B4F4CF5-1010-4203-A2F0-A15B0DB3F157}" type="slidenum">
+            <a:fld id="{81B73577-4CC3-4B58-9F9E-5E75CF44E93D}" type="slidenum">
               <a:t>&lt;#&gt;</a:t>
             </a:fld>
           </a:p>
@@ -13054,7 +13597,7 @@
         <p:txBody>
           <a:bodyPr/>
           <a:p>
-            <a:fld id="{11B40826-96F2-4840-8FCD-360B3261934F}" type="slidenum">
+            <a:fld id="{1D2B6E0C-4BEA-4194-A491-7CD4044D4A58}" type="slidenum">
               <a:t>&lt;#&gt;</a:t>
             </a:fld>
           </a:p>
@@ -13174,7 +13717,7 @@
         <p:txBody>
           <a:bodyPr/>
           <a:p>
-            <a:fld id="{18D8767C-F0D6-4828-AFFD-1413B60EC0D1}" type="slidenum">
+            <a:fld id="{79FAA6D1-88CD-4F1B-968D-B917F6090339}" type="slidenum">
               <a:t>&lt;#&gt;</a:t>
             </a:fld>
           </a:p>
@@ -13396,7 +13939,7 @@
         <p:txBody>
           <a:bodyPr/>
           <a:p>
-            <a:fld id="{1C974214-B2C8-435B-914F-F902CDA388D2}" type="slidenum">
+            <a:fld id="{CE6A582A-13B7-4E5C-8B80-478CB5961872}" type="slidenum">
               <a:t>&lt;#&gt;</a:t>
             </a:fld>
           </a:p>
@@ -13553,7 +14096,7 @@
         <p:txBody>
           <a:bodyPr/>
           <a:p>
-            <a:fld id="{062CC6DF-3291-4851-95D0-BCBFBD4B5B13}" type="slidenum">
+            <a:fld id="{9BDFB9BA-DEF9-441C-89F7-B62CC55251B1}" type="slidenum">
               <a:t>&lt;#&gt;</a:t>
             </a:fld>
           </a:p>
@@ -13775,7 +14318,7 @@
         <p:txBody>
           <a:bodyPr/>
           <a:p>
-            <a:fld id="{3AA76F37-0A3A-4203-AB5D-FEE490E68AF7}" type="slidenum">
+            <a:fld id="{F6C8E3F2-F5B8-408D-81AE-E3222E82272C}" type="slidenum">
               <a:t>&lt;#&gt;</a:t>
             </a:fld>
           </a:p>
@@ -13997,7 +14540,7 @@
         <p:txBody>
           <a:bodyPr/>
           <a:p>
-            <a:fld id="{56D78DB9-14DB-48E2-A322-D8AB83A20901}" type="slidenum">
+            <a:fld id="{7ECAE28F-3954-4B26-BACC-C84EAAB55A91}" type="slidenum">
               <a:t>&lt;#&gt;</a:t>
             </a:fld>
           </a:p>
@@ -14185,7 +14728,7 @@
         <p:txBody>
           <a:bodyPr/>
           <a:p>
-            <a:fld id="{02A2AB58-B23F-4CA9-8C0A-4081F02C5220}" type="slidenum">
+            <a:fld id="{DDB812AA-DB43-4CBB-A0A0-8A11EA084545}" type="slidenum">
               <a:t>&lt;#&gt;</a:t>
             </a:fld>
           </a:p>
@@ -14441,7 +14984,7 @@
         <p:txBody>
           <a:bodyPr/>
           <a:p>
-            <a:fld id="{FA152C73-0DC1-4F07-A10B-5374B00995F0}" type="slidenum">
+            <a:fld id="{3B241B3D-C7E1-48DC-BEDF-DC640BA3E561}" type="slidenum">
               <a:t>&lt;#&gt;</a:t>
             </a:fld>
           </a:p>
@@ -14765,7 +15308,7 @@
         <p:txBody>
           <a:bodyPr/>
           <a:p>
-            <a:fld id="{1C5F9924-C4F2-451A-9BF3-A773016F9E37}" type="slidenum">
+            <a:fld id="{FF164DE7-FA97-4CB1-A1EF-A005A77E4116}" type="slidenum">
               <a:t>&lt;#&gt;</a:t>
             </a:fld>
           </a:p>
@@ -14848,7 +15391,7 @@
         <p:txBody>
           <a:bodyPr/>
           <a:p>
-            <a:fld id="{7844D5FE-71A9-4B79-A3A6-64405F86FE7C}" type="slidenum">
+            <a:fld id="{D851062C-AF19-4301-855D-5959B2598ADD}" type="slidenum">
               <a:t>&lt;#&gt;</a:t>
             </a:fld>
           </a:p>
@@ -15005,7 +15548,7 @@
         <p:txBody>
           <a:bodyPr/>
           <a:p>
-            <a:fld id="{289D1458-E521-4DC6-939E-EE8919D25687}" type="slidenum">
+            <a:fld id="{A41E83D7-990A-4625-88C7-EFE15483651D}" type="slidenum">
               <a:t>&lt;#&gt;</a:t>
             </a:fld>
           </a:p>
@@ -15159,7 +15702,7 @@
         <p:txBody>
           <a:bodyPr/>
           <a:p>
-            <a:fld id="{7E601FD8-4B75-4E97-A213-1B4F936C4263}" type="slidenum">
+            <a:fld id="{D9A5FB68-AEFD-4590-8C0F-2076B216EE31}" type="slidenum">
               <a:t>&lt;#&gt;</a:t>
             </a:fld>
           </a:p>
@@ -15347,7 +15890,7 @@
         <p:txBody>
           <a:bodyPr/>
           <a:p>
-            <a:fld id="{6E704442-04AC-480C-883D-BBF69693DCF2}" type="slidenum">
+            <a:fld id="{D9EA0D2B-66D6-4C6F-BF8B-F054C56CB183}" type="slidenum">
               <a:t>&lt;#&gt;</a:t>
             </a:fld>
           </a:p>
@@ -15467,7 +16010,7 @@
         <p:txBody>
           <a:bodyPr/>
           <a:p>
-            <a:fld id="{F9AE07A0-003D-4D29-8081-EF68ACFB585B}" type="slidenum">
+            <a:fld id="{8D8660BF-8987-4579-97CC-5AA3F4D1E026}" type="slidenum">
               <a:t>&lt;#&gt;</a:t>
             </a:fld>
           </a:p>
@@ -15621,7 +16164,7 @@
         <p:txBody>
           <a:bodyPr/>
           <a:p>
-            <a:fld id="{142DBBA9-DB1F-400E-9E13-108A71C01E77}" type="slidenum">
+            <a:fld id="{83AA788A-7C47-4439-BA0B-E8A3B72B37C6}" type="slidenum">
               <a:t>&lt;#&gt;</a:t>
             </a:fld>
           </a:p>
@@ -15741,7 +16284,7 @@
         <p:txBody>
           <a:bodyPr/>
           <a:p>
-            <a:fld id="{F5F19D99-8C0D-494D-8221-05E430A57E5C}" type="slidenum">
+            <a:fld id="{A1EE545E-71AE-4199-9554-1CED6A46A81D}" type="slidenum">
               <a:t>&lt;#&gt;</a:t>
             </a:fld>
           </a:p>
@@ -15963,7 +16506,7 @@
         <p:txBody>
           <a:bodyPr/>
           <a:p>
-            <a:fld id="{50E80613-13C2-415E-B402-7A288AEB7600}" type="slidenum">
+            <a:fld id="{D46427BA-90AC-42D5-BFD3-3010B3FFA41C}" type="slidenum">
               <a:t>&lt;#&gt;</a:t>
             </a:fld>
           </a:p>
@@ -16185,7 +16728,7 @@
         <p:txBody>
           <a:bodyPr/>
           <a:p>
-            <a:fld id="{FBC0327A-12C6-4DC9-AD9B-A4A7777A438E}" type="slidenum">
+            <a:fld id="{72D6EAF5-BCC7-4CEE-B74C-5C397DF4220C}" type="slidenum">
               <a:t>&lt;#&gt;</a:t>
             </a:fld>
           </a:p>
@@ -16407,7 +16950,7 @@
         <p:txBody>
           <a:bodyPr/>
           <a:p>
-            <a:fld id="{62F0EE99-A37F-4207-A1B1-4351E5B37422}" type="slidenum">
+            <a:fld id="{DEA68859-EE33-4AEB-8C33-EDBF76F28C21}" type="slidenum">
               <a:t>&lt;#&gt;</a:t>
             </a:fld>
           </a:p>
@@ -16595,7 +17138,7 @@
         <p:txBody>
           <a:bodyPr/>
           <a:p>
-            <a:fld id="{BC3720D1-CFEC-4CBA-B71A-9767598DC45E}" type="slidenum">
+            <a:fld id="{C3DDCA1D-3A69-4931-9DAD-FCC848910610}" type="slidenum">
               <a:t>&lt;#&gt;</a:t>
             </a:fld>
           </a:p>
@@ -16851,7 +17394,7 @@
         <p:txBody>
           <a:bodyPr/>
           <a:p>
-            <a:fld id="{539A912F-8E35-432B-97F4-DB99F799DB8E}" type="slidenum">
+            <a:fld id="{D1BE5071-A87E-4260-B249-088FD359248D}" type="slidenum">
               <a:t>&lt;#&gt;</a:t>
             </a:fld>
           </a:p>
@@ -17175,7 +17718,7 @@
         <p:txBody>
           <a:bodyPr/>
           <a:p>
-            <a:fld id="{554C482F-2702-4534-A2CB-8CCF7CFF81EE}" type="slidenum">
+            <a:fld id="{02D1E382-C7C1-4083-B767-BFB2558E657A}" type="slidenum">
               <a:t>&lt;#&gt;</a:t>
             </a:fld>
           </a:p>
@@ -17258,7 +17801,7 @@
         <p:txBody>
           <a:bodyPr/>
           <a:p>
-            <a:fld id="{0E7F600C-0F95-496A-8176-5C3A0FC20B10}" type="slidenum">
+            <a:fld id="{9D0936DE-5C59-49FB-A1BC-1B8D491FF67E}" type="slidenum">
               <a:t>&lt;#&gt;</a:t>
             </a:fld>
           </a:p>
@@ -17415,7 +17958,7 @@
         <p:txBody>
           <a:bodyPr/>
           <a:p>
-            <a:fld id="{38922DAE-72A4-4E59-924B-6F4E52E6C66B}" type="slidenum">
+            <a:fld id="{DBAAE96B-58A1-4B33-81CA-F0E08124B215}" type="slidenum">
               <a:t>&lt;#&gt;</a:t>
             </a:fld>
           </a:p>
@@ -17569,7 +18112,7 @@
         <p:txBody>
           <a:bodyPr/>
           <a:p>
-            <a:fld id="{D66ECD58-D66B-4871-87B0-BB1BC08A7248}" type="slidenum">
+            <a:fld id="{EBC2A0F3-BAFE-4851-8EAF-6EDF7319993F}" type="slidenum">
               <a:t>&lt;#&gt;</a:t>
             </a:fld>
           </a:p>
@@ -17757,7 +18300,7 @@
         <p:txBody>
           <a:bodyPr/>
           <a:p>
-            <a:fld id="{59B77EAA-71F4-4495-B211-936EFCBD5C31}" type="slidenum">
+            <a:fld id="{13B9FDE0-E70A-43DD-AAE9-215DE5C10D43}" type="slidenum">
               <a:t>&lt;#&gt;</a:t>
             </a:fld>
           </a:p>
@@ -17945,7 +18488,7 @@
         <p:txBody>
           <a:bodyPr/>
           <a:p>
-            <a:fld id="{F4024138-A6BC-46BE-B602-3EE6879397E1}" type="slidenum">
+            <a:fld id="{74C7BEB0-2489-4DC5-A310-F1BA16ACB558}" type="slidenum">
               <a:t>&lt;#&gt;</a:t>
             </a:fld>
           </a:p>
@@ -18065,7 +18608,7 @@
         <p:txBody>
           <a:bodyPr/>
           <a:p>
-            <a:fld id="{40A2DA2C-E78B-4D20-8BC6-DE29F5835877}" type="slidenum">
+            <a:fld id="{34331C47-4E04-4F3E-B42D-64AD6FCACFCF}" type="slidenum">
               <a:t>&lt;#&gt;</a:t>
             </a:fld>
           </a:p>
@@ -18185,7 +18728,7 @@
         <p:txBody>
           <a:bodyPr/>
           <a:p>
-            <a:fld id="{4DCF6A6B-5CD9-4995-B216-4B54AF0A74AB}" type="slidenum">
+            <a:fld id="{D1721715-1983-41FA-960F-C8966B0A5D23}" type="slidenum">
               <a:t>&lt;#&gt;</a:t>
             </a:fld>
           </a:p>
@@ -18407,7 +18950,7 @@
         <p:txBody>
           <a:bodyPr/>
           <a:p>
-            <a:fld id="{95E2417F-952D-4A4A-8879-09C38275EA3B}" type="slidenum">
+            <a:fld id="{430C5797-C8FC-4A5F-9EE5-D06266138A82}" type="slidenum">
               <a:t>&lt;#&gt;</a:t>
             </a:fld>
           </a:p>
@@ -18629,7 +19172,7 @@
         <p:txBody>
           <a:bodyPr/>
           <a:p>
-            <a:fld id="{FE698C2A-4525-424E-B37A-D4BDF389760F}" type="slidenum">
+            <a:fld id="{6F239F6B-2513-4277-947A-62CAE0A00E99}" type="slidenum">
               <a:t>&lt;#&gt;</a:t>
             </a:fld>
           </a:p>
@@ -18851,7 +19394,7 @@
         <p:txBody>
           <a:bodyPr/>
           <a:p>
-            <a:fld id="{39C05576-2C4B-438E-9201-1ED2F456B8B6}" type="slidenum">
+            <a:fld id="{4A28B36E-BE4D-47AD-84A8-A3EE9C5F30DD}" type="slidenum">
               <a:t>&lt;#&gt;</a:t>
             </a:fld>
           </a:p>
@@ -19039,7 +19582,7 @@
         <p:txBody>
           <a:bodyPr/>
           <a:p>
-            <a:fld id="{C6163852-421A-41C9-8B4F-D8DF65A05319}" type="slidenum">
+            <a:fld id="{8893BB9A-B984-4EF4-A469-06E88014308B}" type="slidenum">
               <a:t>&lt;#&gt;</a:t>
             </a:fld>
           </a:p>
@@ -19295,7 +19838,7 @@
         <p:txBody>
           <a:bodyPr/>
           <a:p>
-            <a:fld id="{E2198836-4B35-4900-83AD-F78EBBD5C039}" type="slidenum">
+            <a:fld id="{C0245F4E-4106-4145-99CA-2FDB76AAC807}" type="slidenum">
               <a:t>&lt;#&gt;</a:t>
             </a:fld>
           </a:p>
@@ -19619,7 +20162,7 @@
         <p:txBody>
           <a:bodyPr/>
           <a:p>
-            <a:fld id="{1E04CF75-104D-444A-A040-7E0A5A8D31B8}" type="slidenum">
+            <a:fld id="{81FAF7AC-9CB5-40BA-A477-225C00A9C465}" type="slidenum">
               <a:t>&lt;#&gt;</a:t>
             </a:fld>
           </a:p>
@@ -19702,7 +20245,7 @@
         <p:txBody>
           <a:bodyPr/>
           <a:p>
-            <a:fld id="{230115FE-EB2C-4BD8-A6EC-D029B68340C0}" type="slidenum">
+            <a:fld id="{E30A6CFB-13DE-47FB-8B14-A03B01A1D20B}" type="slidenum">
               <a:t>&lt;#&gt;</a:t>
             </a:fld>
           </a:p>
@@ -19822,7 +20365,7 @@
         <p:txBody>
           <a:bodyPr/>
           <a:p>
-            <a:fld id="{9D66FFCA-6A59-4045-A9D6-8D62580574D6}" type="slidenum">
+            <a:fld id="{AEEF6B7E-1B95-4AB8-AF5C-7A9B0FF3614F}" type="slidenum">
               <a:t>&lt;#&gt;</a:t>
             </a:fld>
           </a:p>
@@ -19979,7 +20522,7 @@
         <p:txBody>
           <a:bodyPr/>
           <a:p>
-            <a:fld id="{FA8E7919-39EF-4571-BAB9-39C5D40ED810}" type="slidenum">
+            <a:fld id="{7B8FCF03-3A98-4080-9BE2-64BB7CC28575}" type="slidenum">
               <a:t>&lt;#&gt;</a:t>
             </a:fld>
           </a:p>
@@ -20133,7 +20676,7 @@
         <p:txBody>
           <a:bodyPr/>
           <a:p>
-            <a:fld id="{E4096044-3B68-435F-BE86-F697539CF0B2}" type="slidenum">
+            <a:fld id="{A1295438-E84E-44AE-92BF-8BC778C56D66}" type="slidenum">
               <a:t>&lt;#&gt;</a:t>
             </a:fld>
           </a:p>
@@ -20321,7 +20864,7 @@
         <p:txBody>
           <a:bodyPr/>
           <a:p>
-            <a:fld id="{E2544A6C-A3DA-47A8-8D74-402FAC453E95}" type="slidenum">
+            <a:fld id="{68EFB6EC-6FCF-4E6D-98D5-53D74A7B0F81}" type="slidenum">
               <a:t>&lt;#&gt;</a:t>
             </a:fld>
           </a:p>
@@ -20441,7 +20984,7 @@
         <p:txBody>
           <a:bodyPr/>
           <a:p>
-            <a:fld id="{35111F15-904A-4720-8C6E-63227E41D457}" type="slidenum">
+            <a:fld id="{319C5E2A-AA80-4B69-9810-18435CF6AD23}" type="slidenum">
               <a:t>&lt;#&gt;</a:t>
             </a:fld>
           </a:p>
@@ -20561,7 +21104,7 @@
         <p:txBody>
           <a:bodyPr/>
           <a:p>
-            <a:fld id="{CDCC39C8-34A7-4F1C-BA40-691DA3AA0770}" type="slidenum">
+            <a:fld id="{7CF56FC7-E51E-4E74-B1F4-129D0DF7C7E4}" type="slidenum">
               <a:t>&lt;#&gt;</a:t>
             </a:fld>
           </a:p>
@@ -20783,7 +21326,7 @@
         <p:txBody>
           <a:bodyPr/>
           <a:p>
-            <a:fld id="{193C48CD-8093-42E7-9FA0-0EBD905F05F0}" type="slidenum">
+            <a:fld id="{31DC24F9-9C1E-4019-9A2C-9417D8B9A11C}" type="slidenum">
               <a:t>&lt;#&gt;</a:t>
             </a:fld>
           </a:p>
@@ -21005,7 +21548,7 @@
         <p:txBody>
           <a:bodyPr/>
           <a:p>
-            <a:fld id="{B40DA377-2D8E-4229-AEB7-AFE6683842B3}" type="slidenum">
+            <a:fld id="{BBC24622-BB74-4151-A57E-22C5D472DB21}" type="slidenum">
               <a:t>&lt;#&gt;</a:t>
             </a:fld>
           </a:p>
@@ -21227,7 +21770,7 @@
         <p:txBody>
           <a:bodyPr/>
           <a:p>
-            <a:fld id="{D971A91C-F27A-4E8D-846B-8C3CDC9CD6E5}" type="slidenum">
+            <a:fld id="{960CCA9F-B0F3-4393-BA46-0E28BC6C7E33}" type="slidenum">
               <a:t>&lt;#&gt;</a:t>
             </a:fld>
           </a:p>
@@ -21415,7 +21958,7 @@
         <p:txBody>
           <a:bodyPr/>
           <a:p>
-            <a:fld id="{CAD0C645-F57D-4BE3-B0BD-98B91D85C6B6}" type="slidenum">
+            <a:fld id="{F88CC624-E0F2-46D9-A60A-AA23ABAEA704}" type="slidenum">
               <a:t>&lt;#&gt;</a:t>
             </a:fld>
           </a:p>
@@ -21671,7 +22214,7 @@
         <p:txBody>
           <a:bodyPr/>
           <a:p>
-            <a:fld id="{3837D138-F2E2-4EE6-880D-647981ED0295}" type="slidenum">
+            <a:fld id="{775547B4-978A-4C2C-9328-945BC0DD35EA}" type="slidenum">
               <a:t>&lt;#&gt;</a:t>
             </a:fld>
           </a:p>
@@ -21791,7 +22334,7 @@
         <p:txBody>
           <a:bodyPr/>
           <a:p>
-            <a:fld id="{F405A85D-FD48-4DFE-92E1-B84C7BF1299B}" type="slidenum">
+            <a:fld id="{203A5D74-7E84-42B2-AB09-0EFD7FA53331}" type="slidenum">
               <a:t>&lt;#&gt;</a:t>
             </a:fld>
           </a:p>
@@ -22115,7 +22658,7 @@
         <p:txBody>
           <a:bodyPr/>
           <a:p>
-            <a:fld id="{7F9F0CB1-E92F-45D5-9677-15BCC4C7026B}" type="slidenum">
+            <a:fld id="{0F8E174F-85D1-4D32-A437-7A2F62D69572}" type="slidenum">
               <a:t>&lt;#&gt;</a:t>
             </a:fld>
           </a:p>
@@ -22198,7 +22741,7 @@
         <p:txBody>
           <a:bodyPr/>
           <a:p>
-            <a:fld id="{6E9604AA-AF5A-436C-8D87-814E4E17F2E3}" type="slidenum">
+            <a:fld id="{947119EB-51E5-447E-B8B0-F7FCD247F9B6}" type="slidenum">
               <a:t>&lt;#&gt;</a:t>
             </a:fld>
           </a:p>
@@ -22355,7 +22898,7 @@
         <p:txBody>
           <a:bodyPr/>
           <a:p>
-            <a:fld id="{EC3F8008-8369-4528-8AE6-60C796740B84}" type="slidenum">
+            <a:fld id="{4F001CBF-A7EF-43BD-BA10-A9FADEE97D51}" type="slidenum">
               <a:t>&lt;#&gt;</a:t>
             </a:fld>
           </a:p>
@@ -22509,7 +23052,7 @@
         <p:txBody>
           <a:bodyPr/>
           <a:p>
-            <a:fld id="{B82B46A4-2531-4AC8-84DA-DBFAA1ED12D0}" type="slidenum">
+            <a:fld id="{3A7C59C8-42D4-436C-B18E-924C9F438E29}" type="slidenum">
               <a:t>&lt;#&gt;</a:t>
             </a:fld>
           </a:p>
@@ -22697,7 +23240,7 @@
         <p:txBody>
           <a:bodyPr/>
           <a:p>
-            <a:fld id="{6C80900F-63F6-4F87-B453-F1FF6A5BAF6B}" type="slidenum">
+            <a:fld id="{20304BC4-9001-4E38-8B70-4C1F07FAB686}" type="slidenum">
               <a:t>&lt;#&gt;</a:t>
             </a:fld>
           </a:p>
@@ -22817,7 +23360,7 @@
         <p:txBody>
           <a:bodyPr/>
           <a:p>
-            <a:fld id="{B4E65D02-A207-4D49-9316-C75FDB54EFA1}" type="slidenum">
+            <a:fld id="{E481A160-942F-476F-86C1-F4235DE3AE6F}" type="slidenum">
               <a:t>&lt;#&gt;</a:t>
             </a:fld>
           </a:p>
@@ -22937,7 +23480,7 @@
         <p:txBody>
           <a:bodyPr/>
           <a:p>
-            <a:fld id="{0B5F31AD-83CE-47F4-8B85-0449A72A6782}" type="slidenum">
+            <a:fld id="{8CDD554E-32EB-4E69-8302-B9BB899B4D75}" type="slidenum">
               <a:t>&lt;#&gt;</a:t>
             </a:fld>
           </a:p>
@@ -23159,7 +23702,7 @@
         <p:txBody>
           <a:bodyPr/>
           <a:p>
-            <a:fld id="{1978BB09-15CB-416D-9C4A-A5C921E58DA4}" type="slidenum">
+            <a:fld id="{88120648-F21E-4574-9DAF-9AA8F263347A}" type="slidenum">
               <a:t>&lt;#&gt;</a:t>
             </a:fld>
           </a:p>
@@ -23381,7 +23924,7 @@
         <p:txBody>
           <a:bodyPr/>
           <a:p>
-            <a:fld id="{5D0317B3-DEAD-4EBF-A37B-69298A285A79}" type="slidenum">
+            <a:fld id="{1BE3CEDE-B7ED-4353-8300-C55D35316F87}" type="slidenum">
               <a:t>&lt;#&gt;</a:t>
             </a:fld>
           </a:p>
@@ -23603,7 +24146,7 @@
         <p:txBody>
           <a:bodyPr/>
           <a:p>
-            <a:fld id="{45707B71-B271-4D9E-9BF6-3C93455CE9D6}" type="slidenum">
+            <a:fld id="{6FE5A3E4-4E62-4675-85D9-86A747CC8804}" type="slidenum">
               <a:t>&lt;#&gt;</a:t>
             </a:fld>
           </a:p>
@@ -23825,7 +24368,7 @@
         <p:txBody>
           <a:bodyPr/>
           <a:p>
-            <a:fld id="{550E319C-8630-4ED5-8C8A-79052BF5E8C9}" type="slidenum">
+            <a:fld id="{533999F5-5913-4E43-B61C-048EDC52BF29}" type="slidenum">
               <a:t>&lt;#&gt;</a:t>
             </a:fld>
           </a:p>
@@ -24013,7 +24556,7 @@
         <p:txBody>
           <a:bodyPr/>
           <a:p>
-            <a:fld id="{3645F3A0-DC5B-4BBF-BFC7-073A0E761125}" type="slidenum">
+            <a:fld id="{1107CDD9-EFC8-4966-A60B-C162574BD98B}" type="slidenum">
               <a:t>&lt;#&gt;</a:t>
             </a:fld>
           </a:p>
@@ -24269,7 +24812,7 @@
         <p:txBody>
           <a:bodyPr/>
           <a:p>
-            <a:fld id="{71408FE6-3265-4685-BE84-EB0B23442AF7}" type="slidenum">
+            <a:fld id="{BE0254AD-F1FC-468E-9774-37CC53A9CA00}" type="slidenum">
               <a:t>&lt;#&gt;</a:t>
             </a:fld>
           </a:p>
@@ -24593,7 +25136,7 @@
         <p:txBody>
           <a:bodyPr/>
           <a:p>
-            <a:fld id="{8CE408C6-08A5-47B3-93CD-4C1FCCDF417A}" type="slidenum">
+            <a:fld id="{733E25B2-9064-458D-B2FE-4D1584B36587}" type="slidenum">
               <a:t>&lt;#&gt;</a:t>
             </a:fld>
           </a:p>
@@ -24676,7 +25219,7 @@
         <p:txBody>
           <a:bodyPr/>
           <a:p>
-            <a:fld id="{B35CFE1F-66D6-479C-8238-60CC112EFC49}" type="slidenum">
+            <a:fld id="{DACF624A-3BCD-4B2F-A072-11EA7B9C9C24}" type="slidenum">
               <a:t>&lt;#&gt;</a:t>
             </a:fld>
           </a:p>
@@ -24833,7 +25376,7 @@
         <p:txBody>
           <a:bodyPr/>
           <a:p>
-            <a:fld id="{E01924B9-325C-4838-9761-AD3A31954ADF}" type="slidenum">
+            <a:fld id="{65005296-FB3A-404A-85B5-B809AF2BE3FD}" type="slidenum">
               <a:t>&lt;#&gt;</a:t>
             </a:fld>
           </a:p>
@@ -24987,7 +25530,7 @@
         <p:txBody>
           <a:bodyPr/>
           <a:p>
-            <a:fld id="{37D081E6-4781-442C-8F1A-81958D9CC4AC}" type="slidenum">
+            <a:fld id="{28A0CB2C-7DFE-4027-BC22-F252F5F1094C}" type="slidenum">
               <a:t>&lt;#&gt;</a:t>
             </a:fld>
           </a:p>
@@ -25175,7 +25718,7 @@
         <p:txBody>
           <a:bodyPr/>
           <a:p>
-            <a:fld id="{FF8D3F1C-D8A2-4139-8516-C5D4D4B7ECBA}" type="slidenum">
+            <a:fld id="{F4550C1C-F584-44A9-BFF7-8E705930ACC7}" type="slidenum">
               <a:t>&lt;#&gt;</a:t>
             </a:fld>
           </a:p>
@@ -25295,7 +25838,7 @@
         <p:txBody>
           <a:bodyPr/>
           <a:p>
-            <a:fld id="{57A273C1-60C6-4DCF-B704-DF3BD898A74A}" type="slidenum">
+            <a:fld id="{93701E15-4EFA-4B1B-9C70-7F04BEA3E8BF}" type="slidenum">
               <a:t>&lt;#&gt;</a:t>
             </a:fld>
           </a:p>
@@ -25415,7 +25958,7 @@
         <p:txBody>
           <a:bodyPr/>
           <a:p>
-            <a:fld id="{9BEAC23B-CFA9-4D5E-AE44-27FC0A12F9F0}" type="slidenum">
+            <a:fld id="{0FEF7DF6-9485-4E3D-ADEB-5D1BD24F73E8}" type="slidenum">
               <a:t>&lt;#&gt;</a:t>
             </a:fld>
           </a:p>
@@ -25637,7 +26180,7 @@
         <p:txBody>
           <a:bodyPr/>
           <a:p>
-            <a:fld id="{64A31042-6B6F-4107-BCA1-31489C1113DB}" type="slidenum">
+            <a:fld id="{AEB5C2BA-DBDC-4DDA-9477-2ED513988F57}" type="slidenum">
               <a:t>&lt;#&gt;</a:t>
             </a:fld>
           </a:p>
@@ -25859,7 +26402,7 @@
         <p:txBody>
           <a:bodyPr/>
           <a:p>
-            <a:fld id="{4A99382B-AFF6-4B27-A0AE-4D0ECB7DA252}" type="slidenum">
+            <a:fld id="{C7DF5E49-4395-454E-84C2-E92E8AC2F75A}" type="slidenum">
               <a:t>&lt;#&gt;</a:t>
             </a:fld>
           </a:p>
@@ -26081,7 +26624,7 @@
         <p:txBody>
           <a:bodyPr/>
           <a:p>
-            <a:fld id="{5D1B0C77-313E-4ABD-AEAA-73E5FA44A465}" type="slidenum">
+            <a:fld id="{0AD34C80-E1D4-4CA3-8FDD-DD461C66A37A}" type="slidenum">
               <a:t>&lt;#&gt;</a:t>
             </a:fld>
           </a:p>
@@ -26303,7 +26846,7 @@
         <p:txBody>
           <a:bodyPr/>
           <a:p>
-            <a:fld id="{3582D5FC-0F46-4A4F-9E3C-E1FD6024C15A}" type="slidenum">
+            <a:fld id="{3F56E013-D163-47DF-8E05-2FBD1FC22B5D}" type="slidenum">
               <a:t>&lt;#&gt;</a:t>
             </a:fld>
           </a:p>
@@ -26491,7 +27034,7 @@
         <p:txBody>
           <a:bodyPr/>
           <a:p>
-            <a:fld id="{5A6E63FA-C2DD-4D37-99C1-C99213AFF621}" type="slidenum">
+            <a:fld id="{AE40F5B5-A04C-4F63-A129-B801BA61EAE4}" type="slidenum">
               <a:t>&lt;#&gt;</a:t>
             </a:fld>
           </a:p>
@@ -26747,7 +27290,7 @@
         <p:txBody>
           <a:bodyPr/>
           <a:p>
-            <a:fld id="{C6A263A6-972E-4C18-8809-D6F2C98DD88A}" type="slidenum">
+            <a:fld id="{10286D48-E952-42E9-9333-9B60DC24B876}" type="slidenum">
               <a:t>&lt;#&gt;</a:t>
             </a:fld>
           </a:p>
@@ -27071,7 +27614,7 @@
         <p:txBody>
           <a:bodyPr/>
           <a:p>
-            <a:fld id="{887952FA-CDA7-4C10-81CE-039B1E56DA30}" type="slidenum">
+            <a:fld id="{95446FF4-B28B-4C49-A8D0-C63BE0C6D293}" type="slidenum">
               <a:t>&lt;#&gt;</a:t>
             </a:fld>
           </a:p>
@@ -27154,7 +27697,7 @@
         <p:txBody>
           <a:bodyPr/>
           <a:p>
-            <a:fld id="{EF00B4C7-486F-4AEC-8A13-7DC025070A65}" type="slidenum">
+            <a:fld id="{F9F22A20-4F80-4E77-BB67-E324737576C0}" type="slidenum">
               <a:t>&lt;#&gt;</a:t>
             </a:fld>
           </a:p>
@@ -27311,7 +27854,7 @@
         <p:txBody>
           <a:bodyPr/>
           <a:p>
-            <a:fld id="{235F9039-83AF-41A7-B0EC-331CE5903188}" type="slidenum">
+            <a:fld id="{2B6AC233-4199-4903-B27E-77D374A535FB}" type="slidenum">
               <a:t>&lt;#&gt;</a:t>
             </a:fld>
           </a:p>
@@ -27465,7 +28008,7 @@
         <p:txBody>
           <a:bodyPr/>
           <a:p>
-            <a:fld id="{B8BDD823-6ED1-4478-8037-656FC3727079}" type="slidenum">
+            <a:fld id="{31834FAF-7CB5-4B62-B5E5-FEC95DDB4D11}" type="slidenum">
               <a:t>&lt;#&gt;</a:t>
             </a:fld>
           </a:p>
@@ -27653,7 +28196,7 @@
         <p:txBody>
           <a:bodyPr/>
           <a:p>
-            <a:fld id="{B8170033-F5C8-4015-B38E-D2328DCC208F}" type="slidenum">
+            <a:fld id="{1F6FD522-E10E-4010-9270-3EED324790DD}" type="slidenum">
               <a:t>&lt;#&gt;</a:t>
             </a:fld>
           </a:p>
@@ -27773,7 +28316,7 @@
         <p:txBody>
           <a:bodyPr/>
           <a:p>
-            <a:fld id="{DA493C0D-A282-4C7F-8529-5D7D42E6A203}" type="slidenum">
+            <a:fld id="{3837B228-BA35-4BDD-B451-07D25BDD6C71}" type="slidenum">
               <a:t>&lt;#&gt;</a:t>
             </a:fld>
           </a:p>
@@ -27995,7 +28538,7 @@
         <p:txBody>
           <a:bodyPr/>
           <a:p>
-            <a:fld id="{45C64124-F565-475C-B087-7A42326863E8}" type="slidenum">
+            <a:fld id="{645897CB-4806-465B-804B-860A7E8FF21F}" type="slidenum">
               <a:t>&lt;#&gt;</a:t>
             </a:fld>
           </a:p>
@@ -28115,7 +28658,7 @@
         <p:txBody>
           <a:bodyPr/>
           <a:p>
-            <a:fld id="{887E7561-5EDE-4B5E-B933-A7B391F005F6}" type="slidenum">
+            <a:fld id="{92F0EDB1-89BB-4807-A10A-706F19C1F941}" type="slidenum">
               <a:t>&lt;#&gt;</a:t>
             </a:fld>
           </a:p>
@@ -28337,7 +28880,7 @@
         <p:txBody>
           <a:bodyPr/>
           <a:p>
-            <a:fld id="{942FF919-5DAE-4726-9035-1A78F704609C}" type="slidenum">
+            <a:fld id="{1660588A-4BD1-47FE-A5C2-48E5B2C1A1C6}" type="slidenum">
               <a:t>&lt;#&gt;</a:t>
             </a:fld>
           </a:p>
@@ -28559,7 +29102,7 @@
         <p:txBody>
           <a:bodyPr/>
           <a:p>
-            <a:fld id="{15CA2DF3-6A6F-4D7C-B806-23393F984996}" type="slidenum">
+            <a:fld id="{3CF70F58-C167-4FE3-B5FA-51E08A00D05D}" type="slidenum">
               <a:t>&lt;#&gt;</a:t>
             </a:fld>
           </a:p>
@@ -28781,7 +29324,7 @@
         <p:txBody>
           <a:bodyPr/>
           <a:p>
-            <a:fld id="{B6FFA11A-99B8-44C6-AC6C-A1C0C1BBAAA6}" type="slidenum">
+            <a:fld id="{4346CFD4-5E44-4BCC-9947-54319DE422D1}" type="slidenum">
               <a:t>&lt;#&gt;</a:t>
             </a:fld>
           </a:p>
@@ -28969,7 +29512,7 @@
         <p:txBody>
           <a:bodyPr/>
           <a:p>
-            <a:fld id="{A94AD437-46F7-4836-89D9-F818F91DB3BB}" type="slidenum">
+            <a:fld id="{A19A4632-B11F-4072-A5A5-D589565EF422}" type="slidenum">
               <a:t>&lt;#&gt;</a:t>
             </a:fld>
           </a:p>
@@ -29225,7 +29768,7 @@
         <p:txBody>
           <a:bodyPr/>
           <a:p>
-            <a:fld id="{6234CDA3-EE53-4D7F-8284-30F603612AFA}" type="slidenum">
+            <a:fld id="{2AEE92E3-829E-45A1-94C1-8B54D626CFD3}" type="slidenum">
               <a:t>&lt;#&gt;</a:t>
             </a:fld>
           </a:p>
@@ -29549,7 +30092,7 @@
         <p:txBody>
           <a:bodyPr/>
           <a:p>
-            <a:fld id="{F6AFDCB2-B276-416E-AC34-E821E51C2DC8}" type="slidenum">
+            <a:fld id="{CA55BF0E-DBED-417A-91D2-DDD7DDB3E7E2}" type="slidenum">
               <a:t>&lt;#&gt;</a:t>
             </a:fld>
           </a:p>
@@ -29632,7 +30175,7 @@
         <p:txBody>
           <a:bodyPr/>
           <a:p>
-            <a:fld id="{07290749-FBCE-4D88-9E48-1AA90316B20B}" type="slidenum">
+            <a:fld id="{EFE6A53A-1790-4D85-9970-1948648A4D0B}" type="slidenum">
               <a:t>&lt;#&gt;</a:t>
             </a:fld>
           </a:p>
@@ -29789,7 +30332,7 @@
         <p:txBody>
           <a:bodyPr/>
           <a:p>
-            <a:fld id="{694C1240-2C80-46B6-A7E8-19F866D2FDF5}" type="slidenum">
+            <a:fld id="{2D5D237B-3EF1-4A1F-9538-0D6910BFF304}" type="slidenum">
               <a:t>&lt;#&gt;</a:t>
             </a:fld>
           </a:p>
@@ -29943,7 +30486,7 @@
         <p:txBody>
           <a:bodyPr/>
           <a:p>
-            <a:fld id="{7C1DA4DA-31A4-4944-A6C6-24FFC94F5AAC}" type="slidenum">
+            <a:fld id="{529766D9-4ACF-42BC-BFB7-814E29381137}" type="slidenum">
               <a:t>&lt;#&gt;</a:t>
             </a:fld>
           </a:p>
@@ -30001,7 +30544,7 @@
         <p:spPr>
           <a:xfrm>
             <a:off x="0" y="0"/>
-            <a:ext cx="10080000" cy="5670000"/>
+            <a:ext cx="10079280" cy="5669280"/>
           </a:xfrm>
           <a:prstGeom prst="rect">
             <a:avLst/>
@@ -30037,7 +30580,7 @@
         <p:spPr>
           <a:xfrm>
             <a:off x="1440000" y="1080000"/>
-            <a:ext cx="1439280" cy="1259280"/>
+            <a:ext cx="1438560" cy="1258560"/>
           </a:xfrm>
           <a:prstGeom prst="ellipse">
             <a:avLst/>
@@ -30067,7 +30610,7 @@
         <p:spPr>
           <a:xfrm>
             <a:off x="7380360" y="3960360"/>
-            <a:ext cx="1439280" cy="1259280"/>
+            <a:ext cx="1438560" cy="1258560"/>
           </a:xfrm>
           <a:prstGeom prst="ellipse">
             <a:avLst/>
@@ -30097,7 +30640,7 @@
         <p:spPr>
           <a:xfrm>
             <a:off x="9000360" y="2700000"/>
-            <a:ext cx="1259280" cy="1079280"/>
+            <a:ext cx="1258560" cy="1078560"/>
           </a:xfrm>
           <a:prstGeom prst="ellipse">
             <a:avLst/>
@@ -30127,7 +30670,7 @@
         <p:spPr>
           <a:xfrm>
             <a:off x="-180000" y="2430000"/>
-            <a:ext cx="1439280" cy="1349280"/>
+            <a:ext cx="1438560" cy="1348560"/>
           </a:xfrm>
           <a:prstGeom prst="ellipse">
             <a:avLst/>
@@ -30157,7 +30700,7 @@
         <p:spPr>
           <a:xfrm>
             <a:off x="540000" y="1080000"/>
-            <a:ext cx="719280" cy="719280"/>
+            <a:ext cx="718560" cy="718560"/>
           </a:xfrm>
           <a:prstGeom prst="ellipse">
             <a:avLst/>
@@ -30187,7 +30730,7 @@
         <p:spPr>
           <a:xfrm>
             <a:off x="0" y="1260000"/>
-            <a:ext cx="719280" cy="719280"/>
+            <a:ext cx="718560" cy="718560"/>
           </a:xfrm>
           <a:prstGeom prst="ellipse">
             <a:avLst/>
@@ -30217,7 +30760,7 @@
         <p:spPr>
           <a:xfrm>
             <a:off x="0" y="5220360"/>
-            <a:ext cx="1619280" cy="1259280"/>
+            <a:ext cx="1618560" cy="1258560"/>
           </a:xfrm>
           <a:prstGeom prst="ellipse">
             <a:avLst/>
@@ -30247,7 +30790,7 @@
         <p:spPr>
           <a:xfrm>
             <a:off x="9720360" y="4680360"/>
-            <a:ext cx="719280" cy="719280"/>
+            <a:ext cx="718560" cy="718560"/>
           </a:xfrm>
           <a:prstGeom prst="ellipse">
             <a:avLst/>
@@ -30277,7 +30820,7 @@
         <p:spPr>
           <a:xfrm>
             <a:off x="9540360" y="3420360"/>
-            <a:ext cx="719280" cy="719280"/>
+            <a:ext cx="718560" cy="718560"/>
           </a:xfrm>
           <a:prstGeom prst="ellipse">
             <a:avLst/>
@@ -30307,7 +30850,7 @@
         <p:spPr>
           <a:xfrm>
             <a:off x="8100360" y="4680360"/>
-            <a:ext cx="1079280" cy="841680"/>
+            <a:ext cx="1078560" cy="840960"/>
           </a:xfrm>
           <a:prstGeom prst="ellipse">
             <a:avLst/>
@@ -30337,7 +30880,7 @@
         <p:spPr>
           <a:xfrm>
             <a:off x="7920360" y="5400360"/>
-            <a:ext cx="899280" cy="899280"/>
+            <a:ext cx="898560" cy="898560"/>
           </a:xfrm>
           <a:prstGeom prst="ellipse">
             <a:avLst/>
@@ -30371,7 +30914,7 @@
         <p:spPr>
           <a:xfrm>
             <a:off x="3420000" y="5130360"/>
-            <a:ext cx="3239640" cy="391680"/>
+            <a:ext cx="3238920" cy="390960"/>
           </a:xfrm>
           <a:prstGeom prst="rect">
             <a:avLst/>
@@ -30434,7 +30977,7 @@
         <p:spPr>
           <a:xfrm>
             <a:off x="7560360" y="5130360"/>
-            <a:ext cx="2339280" cy="391680"/>
+            <a:ext cx="2338560" cy="390960"/>
           </a:xfrm>
           <a:prstGeom prst="rect">
             <a:avLst/>
@@ -30469,7 +31012,7 @@
               </a:lnSpc>
               <a:buNone/>
             </a:pPr>
-            <a:fld id="{ABE9CA16-8668-49F2-926B-98598C5F48B9}" type="slidenum">
+            <a:fld id="{76C69102-A5C3-4731-B61D-8FB55DDE96E9}" type="slidenum">
               <a:rPr b="0" lang="en-US" sz="1400" spc="-1" strike="noStrike">
                 <a:solidFill>
                   <a:srgbClr val="ffffff"/>
@@ -30497,7 +31040,7 @@
         <p:spPr>
           <a:xfrm>
             <a:off x="180000" y="5130360"/>
-            <a:ext cx="2339280" cy="391680"/>
+            <a:ext cx="2338560" cy="390960"/>
           </a:xfrm>
           <a:prstGeom prst="rect">
             <a:avLst/>
@@ -30803,7 +31346,7 @@
         <p:spPr>
           <a:xfrm>
             <a:off x="0" y="0"/>
-            <a:ext cx="10080000" cy="5670000"/>
+            <a:ext cx="10079280" cy="5669280"/>
           </a:xfrm>
           <a:prstGeom prst="rect">
             <a:avLst/>
@@ -30839,7 +31382,7 @@
         <p:spPr>
           <a:xfrm>
             <a:off x="1440000" y="1080000"/>
-            <a:ext cx="1439280" cy="1259280"/>
+            <a:ext cx="1438560" cy="1258560"/>
           </a:xfrm>
           <a:prstGeom prst="ellipse">
             <a:avLst/>
@@ -30869,7 +31412,7 @@
         <p:spPr>
           <a:xfrm>
             <a:off x="7380360" y="3960360"/>
-            <a:ext cx="1439280" cy="1259280"/>
+            <a:ext cx="1438560" cy="1258560"/>
           </a:xfrm>
           <a:prstGeom prst="ellipse">
             <a:avLst/>
@@ -30899,7 +31442,7 @@
         <p:spPr>
           <a:xfrm>
             <a:off x="9000360" y="2700000"/>
-            <a:ext cx="1259280" cy="1079280"/>
+            <a:ext cx="1258560" cy="1078560"/>
           </a:xfrm>
           <a:prstGeom prst="ellipse">
             <a:avLst/>
@@ -30929,7 +31472,7 @@
         <p:spPr>
           <a:xfrm>
             <a:off x="-180000" y="2430000"/>
-            <a:ext cx="1439280" cy="1349280"/>
+            <a:ext cx="1438560" cy="1348560"/>
           </a:xfrm>
           <a:prstGeom prst="ellipse">
             <a:avLst/>
@@ -30959,7 +31502,7 @@
         <p:spPr>
           <a:xfrm>
             <a:off x="540000" y="1080000"/>
-            <a:ext cx="719280" cy="719280"/>
+            <a:ext cx="718560" cy="718560"/>
           </a:xfrm>
           <a:prstGeom prst="ellipse">
             <a:avLst/>
@@ -30989,7 +31532,7 @@
         <p:spPr>
           <a:xfrm>
             <a:off x="0" y="1260000"/>
-            <a:ext cx="719280" cy="719280"/>
+            <a:ext cx="718560" cy="718560"/>
           </a:xfrm>
           <a:prstGeom prst="ellipse">
             <a:avLst/>
@@ -31019,7 +31562,7 @@
         <p:spPr>
           <a:xfrm>
             <a:off x="0" y="5220360"/>
-            <a:ext cx="1619280" cy="1259280"/>
+            <a:ext cx="1618560" cy="1258560"/>
           </a:xfrm>
           <a:prstGeom prst="ellipse">
             <a:avLst/>
@@ -31049,7 +31592,7 @@
         <p:spPr>
           <a:xfrm>
             <a:off x="9720360" y="4680360"/>
-            <a:ext cx="719280" cy="719280"/>
+            <a:ext cx="718560" cy="718560"/>
           </a:xfrm>
           <a:prstGeom prst="ellipse">
             <a:avLst/>
@@ -31079,7 +31622,7 @@
         <p:spPr>
           <a:xfrm>
             <a:off x="9540360" y="3420360"/>
-            <a:ext cx="719280" cy="719280"/>
+            <a:ext cx="718560" cy="718560"/>
           </a:xfrm>
           <a:prstGeom prst="ellipse">
             <a:avLst/>
@@ -31109,7 +31652,7 @@
         <p:spPr>
           <a:xfrm>
             <a:off x="8100360" y="4680360"/>
-            <a:ext cx="1079280" cy="841680"/>
+            <a:ext cx="1078560" cy="840960"/>
           </a:xfrm>
           <a:prstGeom prst="ellipse">
             <a:avLst/>
@@ -31139,7 +31682,7 @@
         <p:spPr>
           <a:xfrm>
             <a:off x="7920360" y="5400360"/>
-            <a:ext cx="899280" cy="899280"/>
+            <a:ext cx="898560" cy="898560"/>
           </a:xfrm>
           <a:prstGeom prst="ellipse">
             <a:avLst/>
@@ -31173,7 +31716,7 @@
         <p:spPr>
           <a:xfrm>
             <a:off x="3420000" y="5130360"/>
-            <a:ext cx="3239640" cy="391680"/>
+            <a:ext cx="3238920" cy="390960"/>
           </a:xfrm>
           <a:prstGeom prst="rect">
             <a:avLst/>
@@ -31230,7 +31773,7 @@
         <p:spPr>
           <a:xfrm>
             <a:off x="7560360" y="5130360"/>
-            <a:ext cx="2339280" cy="391680"/>
+            <a:ext cx="2338560" cy="390960"/>
           </a:xfrm>
           <a:prstGeom prst="rect">
             <a:avLst/>
@@ -31262,7 +31805,7 @@
               </a:lnSpc>
               <a:buNone/>
             </a:pPr>
-            <a:fld id="{C1FFC517-80C2-4C26-9624-FF79B1E5844B}" type="slidenum">
+            <a:fld id="{641F9B65-9272-4BD4-AC9B-9146C0E38965}" type="slidenum">
               <a:rPr b="0" lang="en-US" sz="1400" spc="-1" strike="noStrike">
                 <a:latin typeface="Times New Roman"/>
               </a:rPr>
@@ -31287,7 +31830,7 @@
         <p:spPr>
           <a:xfrm>
             <a:off x="180000" y="5130360"/>
-            <a:ext cx="2339280" cy="391680"/>
+            <a:ext cx="2338560" cy="390960"/>
           </a:xfrm>
           <a:prstGeom prst="rect">
             <a:avLst/>
@@ -31593,7 +32136,7 @@
         <p:spPr>
           <a:xfrm>
             <a:off x="0" y="0"/>
-            <a:ext cx="10080000" cy="5670000"/>
+            <a:ext cx="10079280" cy="5669280"/>
           </a:xfrm>
           <a:prstGeom prst="rect">
             <a:avLst/>
@@ -31629,7 +32172,7 @@
         <p:spPr>
           <a:xfrm>
             <a:off x="1440000" y="1080000"/>
-            <a:ext cx="1439280" cy="1259280"/>
+            <a:ext cx="1438560" cy="1258560"/>
           </a:xfrm>
           <a:prstGeom prst="ellipse">
             <a:avLst/>
@@ -31659,7 +32202,7 @@
         <p:spPr>
           <a:xfrm>
             <a:off x="7380360" y="3960360"/>
-            <a:ext cx="1439280" cy="1259280"/>
+            <a:ext cx="1438560" cy="1258560"/>
           </a:xfrm>
           <a:prstGeom prst="ellipse">
             <a:avLst/>
@@ -31689,7 +32232,7 @@
         <p:spPr>
           <a:xfrm>
             <a:off x="9000360" y="2700000"/>
-            <a:ext cx="1259280" cy="1079280"/>
+            <a:ext cx="1258560" cy="1078560"/>
           </a:xfrm>
           <a:prstGeom prst="ellipse">
             <a:avLst/>
@@ -31719,7 +32262,7 @@
         <p:spPr>
           <a:xfrm>
             <a:off x="-180000" y="2430000"/>
-            <a:ext cx="1439280" cy="1349280"/>
+            <a:ext cx="1438560" cy="1348560"/>
           </a:xfrm>
           <a:prstGeom prst="ellipse">
             <a:avLst/>
@@ -31749,7 +32292,7 @@
         <p:spPr>
           <a:xfrm>
             <a:off x="540000" y="1080000"/>
-            <a:ext cx="719280" cy="719280"/>
+            <a:ext cx="718560" cy="718560"/>
           </a:xfrm>
           <a:prstGeom prst="ellipse">
             <a:avLst/>
@@ -31779,7 +32322,7 @@
         <p:spPr>
           <a:xfrm>
             <a:off x="0" y="1260000"/>
-            <a:ext cx="719280" cy="719280"/>
+            <a:ext cx="718560" cy="718560"/>
           </a:xfrm>
           <a:prstGeom prst="ellipse">
             <a:avLst/>
@@ -31809,7 +32352,7 @@
         <p:spPr>
           <a:xfrm>
             <a:off x="0" y="5220360"/>
-            <a:ext cx="1619280" cy="1259280"/>
+            <a:ext cx="1618560" cy="1258560"/>
           </a:xfrm>
           <a:prstGeom prst="ellipse">
             <a:avLst/>
@@ -31839,7 +32382,7 @@
         <p:spPr>
           <a:xfrm>
             <a:off x="9720360" y="4680360"/>
-            <a:ext cx="719280" cy="719280"/>
+            <a:ext cx="718560" cy="718560"/>
           </a:xfrm>
           <a:prstGeom prst="ellipse">
             <a:avLst/>
@@ -31869,7 +32412,7 @@
         <p:spPr>
           <a:xfrm>
             <a:off x="9540360" y="3420360"/>
-            <a:ext cx="719280" cy="719280"/>
+            <a:ext cx="718560" cy="718560"/>
           </a:xfrm>
           <a:prstGeom prst="ellipse">
             <a:avLst/>
@@ -31899,7 +32442,7 @@
         <p:spPr>
           <a:xfrm>
             <a:off x="8100360" y="4680360"/>
-            <a:ext cx="1079280" cy="841680"/>
+            <a:ext cx="1078560" cy="840960"/>
           </a:xfrm>
           <a:prstGeom prst="ellipse">
             <a:avLst/>
@@ -31929,7 +32472,7 @@
         <p:spPr>
           <a:xfrm>
             <a:off x="7920360" y="5400360"/>
-            <a:ext cx="899280" cy="899280"/>
+            <a:ext cx="898560" cy="898560"/>
           </a:xfrm>
           <a:prstGeom prst="ellipse">
             <a:avLst/>
@@ -31963,7 +32506,7 @@
         <p:spPr>
           <a:xfrm>
             <a:off x="3420000" y="5130360"/>
-            <a:ext cx="3239640" cy="391680"/>
+            <a:ext cx="3238920" cy="390960"/>
           </a:xfrm>
           <a:prstGeom prst="rect">
             <a:avLst/>
@@ -32020,7 +32563,7 @@
         <p:spPr>
           <a:xfrm>
             <a:off x="7560360" y="5130360"/>
-            <a:ext cx="2339280" cy="391680"/>
+            <a:ext cx="2338560" cy="390960"/>
           </a:xfrm>
           <a:prstGeom prst="rect">
             <a:avLst/>
@@ -32052,7 +32595,7 @@
               </a:lnSpc>
               <a:buNone/>
             </a:pPr>
-            <a:fld id="{4B90A600-BF1D-4F8C-9F63-8822BF6C0CD5}" type="slidenum">
+            <a:fld id="{5AAF672F-C2E4-42DD-AE22-C22E6E5D68F3}" type="slidenum">
               <a:rPr b="0" lang="en-US" sz="1400" spc="-1" strike="noStrike">
                 <a:latin typeface="Times New Roman"/>
               </a:rPr>
@@ -32077,7 +32620,7 @@
         <p:spPr>
           <a:xfrm>
             <a:off x="180000" y="5130360"/>
-            <a:ext cx="2339280" cy="391680"/>
+            <a:ext cx="2338560" cy="390960"/>
           </a:xfrm>
           <a:prstGeom prst="rect">
             <a:avLst/>
@@ -32383,7 +32926,7 @@
         <p:spPr>
           <a:xfrm>
             <a:off x="0" y="0"/>
-            <a:ext cx="10080000" cy="5670000"/>
+            <a:ext cx="10079280" cy="5669280"/>
           </a:xfrm>
           <a:prstGeom prst="rect">
             <a:avLst/>
@@ -32419,7 +32962,7 @@
         <p:spPr>
           <a:xfrm>
             <a:off x="1440000" y="1080000"/>
-            <a:ext cx="1439280" cy="1259280"/>
+            <a:ext cx="1438560" cy="1258560"/>
           </a:xfrm>
           <a:prstGeom prst="ellipse">
             <a:avLst/>
@@ -32449,7 +32992,7 @@
         <p:spPr>
           <a:xfrm>
             <a:off x="7380360" y="3960360"/>
-            <a:ext cx="1439280" cy="1259280"/>
+            <a:ext cx="1438560" cy="1258560"/>
           </a:xfrm>
           <a:prstGeom prst="ellipse">
             <a:avLst/>
@@ -32479,7 +33022,7 @@
         <p:spPr>
           <a:xfrm>
             <a:off x="9000360" y="2700000"/>
-            <a:ext cx="1259280" cy="1079280"/>
+            <a:ext cx="1258560" cy="1078560"/>
           </a:xfrm>
           <a:prstGeom prst="ellipse">
             <a:avLst/>
@@ -32509,7 +33052,7 @@
         <p:spPr>
           <a:xfrm>
             <a:off x="-180000" y="2430000"/>
-            <a:ext cx="1439280" cy="1349280"/>
+            <a:ext cx="1438560" cy="1348560"/>
           </a:xfrm>
           <a:prstGeom prst="ellipse">
             <a:avLst/>
@@ -32539,7 +33082,7 @@
         <p:spPr>
           <a:xfrm>
             <a:off x="540000" y="1080000"/>
-            <a:ext cx="719280" cy="719280"/>
+            <a:ext cx="718560" cy="718560"/>
           </a:xfrm>
           <a:prstGeom prst="ellipse">
             <a:avLst/>
@@ -32569,7 +33112,7 @@
         <p:spPr>
           <a:xfrm>
             <a:off x="0" y="1260000"/>
-            <a:ext cx="719280" cy="719280"/>
+            <a:ext cx="718560" cy="718560"/>
           </a:xfrm>
           <a:prstGeom prst="ellipse">
             <a:avLst/>
@@ -32599,7 +33142,7 @@
         <p:spPr>
           <a:xfrm>
             <a:off x="0" y="5220360"/>
-            <a:ext cx="1619280" cy="1259280"/>
+            <a:ext cx="1618560" cy="1258560"/>
           </a:xfrm>
           <a:prstGeom prst="ellipse">
             <a:avLst/>
@@ -32629,7 +33172,7 @@
         <p:spPr>
           <a:xfrm>
             <a:off x="9720360" y="4680360"/>
-            <a:ext cx="719280" cy="719280"/>
+            <a:ext cx="718560" cy="718560"/>
           </a:xfrm>
           <a:prstGeom prst="ellipse">
             <a:avLst/>
@@ -32659,7 +33202,7 @@
         <p:spPr>
           <a:xfrm>
             <a:off x="9540360" y="3420360"/>
-            <a:ext cx="719280" cy="719280"/>
+            <a:ext cx="718560" cy="718560"/>
           </a:xfrm>
           <a:prstGeom prst="ellipse">
             <a:avLst/>
@@ -32689,7 +33232,7 @@
         <p:spPr>
           <a:xfrm>
             <a:off x="8100360" y="4680360"/>
-            <a:ext cx="1079280" cy="841680"/>
+            <a:ext cx="1078560" cy="840960"/>
           </a:xfrm>
           <a:prstGeom prst="ellipse">
             <a:avLst/>
@@ -32719,7 +33262,7 @@
         <p:spPr>
           <a:xfrm>
             <a:off x="7920360" y="5400360"/>
-            <a:ext cx="899280" cy="899280"/>
+            <a:ext cx="898560" cy="898560"/>
           </a:xfrm>
           <a:prstGeom prst="ellipse">
             <a:avLst/>
@@ -32753,7 +33296,7 @@
         <p:spPr>
           <a:xfrm>
             <a:off x="3420000" y="5130360"/>
-            <a:ext cx="3239640" cy="391680"/>
+            <a:ext cx="3238920" cy="390960"/>
           </a:xfrm>
           <a:prstGeom prst="rect">
             <a:avLst/>
@@ -32810,7 +33353,7 @@
         <p:spPr>
           <a:xfrm>
             <a:off x="7560360" y="5130360"/>
-            <a:ext cx="2339280" cy="391680"/>
+            <a:ext cx="2338560" cy="390960"/>
           </a:xfrm>
           <a:prstGeom prst="rect">
             <a:avLst/>
@@ -32842,7 +33385,7 @@
               </a:lnSpc>
               <a:buNone/>
             </a:pPr>
-            <a:fld id="{E678A021-7705-47C0-9B1C-C7AC0B5635BA}" type="slidenum">
+            <a:fld id="{9CB4243D-57DB-47E0-8796-98C0128B5D6F}" type="slidenum">
               <a:rPr b="0" lang="en-US" sz="1400" spc="-1" strike="noStrike">
                 <a:latin typeface="Times New Roman"/>
               </a:rPr>
@@ -32867,7 +33410,7 @@
         <p:spPr>
           <a:xfrm>
             <a:off x="180000" y="5130360"/>
-            <a:ext cx="2339280" cy="391680"/>
+            <a:ext cx="2338560" cy="390960"/>
           </a:xfrm>
           <a:prstGeom prst="rect">
             <a:avLst/>
@@ -33173,7 +33716,7 @@
         <p:spPr>
           <a:xfrm>
             <a:off x="0" y="0"/>
-            <a:ext cx="10080000" cy="5670000"/>
+            <a:ext cx="10079280" cy="5669280"/>
           </a:xfrm>
           <a:prstGeom prst="rect">
             <a:avLst/>
@@ -33209,7 +33752,7 @@
         <p:spPr>
           <a:xfrm>
             <a:off x="1440000" y="1080000"/>
-            <a:ext cx="1439280" cy="1259280"/>
+            <a:ext cx="1438560" cy="1258560"/>
           </a:xfrm>
           <a:prstGeom prst="ellipse">
             <a:avLst/>
@@ -33239,7 +33782,7 @@
         <p:spPr>
           <a:xfrm>
             <a:off x="7380360" y="3960360"/>
-            <a:ext cx="1439280" cy="1259280"/>
+            <a:ext cx="1438560" cy="1258560"/>
           </a:xfrm>
           <a:prstGeom prst="ellipse">
             <a:avLst/>
@@ -33269,7 +33812,7 @@
         <p:spPr>
           <a:xfrm>
             <a:off x="9000360" y="2700000"/>
-            <a:ext cx="1259280" cy="1079280"/>
+            <a:ext cx="1258560" cy="1078560"/>
           </a:xfrm>
           <a:prstGeom prst="ellipse">
             <a:avLst/>
@@ -33299,7 +33842,7 @@
         <p:spPr>
           <a:xfrm>
             <a:off x="-180000" y="2430000"/>
-            <a:ext cx="1439280" cy="1349280"/>
+            <a:ext cx="1438560" cy="1348560"/>
           </a:xfrm>
           <a:prstGeom prst="ellipse">
             <a:avLst/>
@@ -33329,7 +33872,7 @@
         <p:spPr>
           <a:xfrm>
             <a:off x="540000" y="1080000"/>
-            <a:ext cx="719280" cy="719280"/>
+            <a:ext cx="718560" cy="718560"/>
           </a:xfrm>
           <a:prstGeom prst="ellipse">
             <a:avLst/>
@@ -33359,7 +33902,7 @@
         <p:spPr>
           <a:xfrm>
             <a:off x="0" y="1260000"/>
-            <a:ext cx="719280" cy="719280"/>
+            <a:ext cx="718560" cy="718560"/>
           </a:xfrm>
           <a:prstGeom prst="ellipse">
             <a:avLst/>
@@ -33389,7 +33932,7 @@
         <p:spPr>
           <a:xfrm>
             <a:off x="0" y="5220360"/>
-            <a:ext cx="1619280" cy="1259280"/>
+            <a:ext cx="1618560" cy="1258560"/>
           </a:xfrm>
           <a:prstGeom prst="ellipse">
             <a:avLst/>
@@ -33419,7 +33962,7 @@
         <p:spPr>
           <a:xfrm>
             <a:off x="9720360" y="4680360"/>
-            <a:ext cx="719280" cy="719280"/>
+            <a:ext cx="718560" cy="718560"/>
           </a:xfrm>
           <a:prstGeom prst="ellipse">
             <a:avLst/>
@@ -33449,7 +33992,7 @@
         <p:spPr>
           <a:xfrm>
             <a:off x="9540360" y="3420360"/>
-            <a:ext cx="719280" cy="719280"/>
+            <a:ext cx="718560" cy="718560"/>
           </a:xfrm>
           <a:prstGeom prst="ellipse">
             <a:avLst/>
@@ -33479,7 +34022,7 @@
         <p:spPr>
           <a:xfrm>
             <a:off x="8100360" y="4680360"/>
-            <a:ext cx="1079280" cy="841680"/>
+            <a:ext cx="1078560" cy="840960"/>
           </a:xfrm>
           <a:prstGeom prst="ellipse">
             <a:avLst/>
@@ -33509,7 +34052,7 @@
         <p:spPr>
           <a:xfrm>
             <a:off x="7920360" y="5400360"/>
-            <a:ext cx="899280" cy="899280"/>
+            <a:ext cx="898560" cy="898560"/>
           </a:xfrm>
           <a:prstGeom prst="ellipse">
             <a:avLst/>
@@ -33543,7 +34086,7 @@
         <p:spPr>
           <a:xfrm>
             <a:off x="3420000" y="5130360"/>
-            <a:ext cx="3239640" cy="391680"/>
+            <a:ext cx="3238920" cy="390960"/>
           </a:xfrm>
           <a:prstGeom prst="rect">
             <a:avLst/>
@@ -33600,7 +34143,7 @@
         <p:spPr>
           <a:xfrm>
             <a:off x="7560360" y="5130360"/>
-            <a:ext cx="2339280" cy="391680"/>
+            <a:ext cx="2338560" cy="390960"/>
           </a:xfrm>
           <a:prstGeom prst="rect">
             <a:avLst/>
@@ -33632,7 +34175,7 @@
               </a:lnSpc>
               <a:buNone/>
             </a:pPr>
-            <a:fld id="{B8D4F712-8875-4135-842A-DB6C917C6D07}" type="slidenum">
+            <a:fld id="{FFC965AE-110C-4CAB-9EE7-671B147995E8}" type="slidenum">
               <a:rPr b="0" lang="en-US" sz="1400" spc="-1" strike="noStrike">
                 <a:latin typeface="Times New Roman"/>
               </a:rPr>
@@ -33657,7 +34200,7 @@
         <p:spPr>
           <a:xfrm>
             <a:off x="180000" y="5130360"/>
-            <a:ext cx="2339280" cy="391680"/>
+            <a:ext cx="2338560" cy="390960"/>
           </a:xfrm>
           <a:prstGeom prst="rect">
             <a:avLst/>
@@ -33963,7 +34506,7 @@
         <p:spPr>
           <a:xfrm>
             <a:off x="0" y="0"/>
-            <a:ext cx="10080000" cy="5670000"/>
+            <a:ext cx="10079280" cy="5669280"/>
           </a:xfrm>
           <a:prstGeom prst="rect">
             <a:avLst/>
@@ -33999,7 +34542,7 @@
         <p:spPr>
           <a:xfrm>
             <a:off x="1440000" y="1080000"/>
-            <a:ext cx="1439280" cy="1259280"/>
+            <a:ext cx="1438560" cy="1258560"/>
           </a:xfrm>
           <a:prstGeom prst="ellipse">
             <a:avLst/>
@@ -34029,7 +34572,7 @@
         <p:spPr>
           <a:xfrm>
             <a:off x="7380360" y="3960360"/>
-            <a:ext cx="1439280" cy="1259280"/>
+            <a:ext cx="1438560" cy="1258560"/>
           </a:xfrm>
           <a:prstGeom prst="ellipse">
             <a:avLst/>
@@ -34059,7 +34602,7 @@
         <p:spPr>
           <a:xfrm>
             <a:off x="9000360" y="2700000"/>
-            <a:ext cx="1259280" cy="1079280"/>
+            <a:ext cx="1258560" cy="1078560"/>
           </a:xfrm>
           <a:prstGeom prst="ellipse">
             <a:avLst/>
@@ -34089,7 +34632,7 @@
         <p:spPr>
           <a:xfrm>
             <a:off x="-180000" y="2430000"/>
-            <a:ext cx="1439280" cy="1349280"/>
+            <a:ext cx="1438560" cy="1348560"/>
           </a:xfrm>
           <a:prstGeom prst="ellipse">
             <a:avLst/>
@@ -34119,7 +34662,7 @@
         <p:spPr>
           <a:xfrm>
             <a:off x="540000" y="1080000"/>
-            <a:ext cx="719280" cy="719280"/>
+            <a:ext cx="718560" cy="718560"/>
           </a:xfrm>
           <a:prstGeom prst="ellipse">
             <a:avLst/>
@@ -34149,7 +34692,7 @@
         <p:spPr>
           <a:xfrm>
             <a:off x="0" y="1260000"/>
-            <a:ext cx="719280" cy="719280"/>
+            <a:ext cx="718560" cy="718560"/>
           </a:xfrm>
           <a:prstGeom prst="ellipse">
             <a:avLst/>
@@ -34179,7 +34722,7 @@
         <p:spPr>
           <a:xfrm>
             <a:off x="0" y="5220360"/>
-            <a:ext cx="1619280" cy="1259280"/>
+            <a:ext cx="1618560" cy="1258560"/>
           </a:xfrm>
           <a:prstGeom prst="ellipse">
             <a:avLst/>
@@ -34209,7 +34752,7 @@
         <p:spPr>
           <a:xfrm>
             <a:off x="9720360" y="4680360"/>
-            <a:ext cx="719280" cy="719280"/>
+            <a:ext cx="718560" cy="718560"/>
           </a:xfrm>
           <a:prstGeom prst="ellipse">
             <a:avLst/>
@@ -34239,7 +34782,7 @@
         <p:spPr>
           <a:xfrm>
             <a:off x="9540360" y="3420360"/>
-            <a:ext cx="719280" cy="719280"/>
+            <a:ext cx="718560" cy="718560"/>
           </a:xfrm>
           <a:prstGeom prst="ellipse">
             <a:avLst/>
@@ -34269,7 +34812,7 @@
         <p:spPr>
           <a:xfrm>
             <a:off x="8100360" y="4680360"/>
-            <a:ext cx="1079280" cy="841680"/>
+            <a:ext cx="1078560" cy="840960"/>
           </a:xfrm>
           <a:prstGeom prst="ellipse">
             <a:avLst/>
@@ -34299,7 +34842,7 @@
         <p:spPr>
           <a:xfrm>
             <a:off x="7920360" y="5400360"/>
-            <a:ext cx="899280" cy="899280"/>
+            <a:ext cx="898560" cy="898560"/>
           </a:xfrm>
           <a:prstGeom prst="ellipse">
             <a:avLst/>
@@ -34333,7 +34876,7 @@
         <p:spPr>
           <a:xfrm>
             <a:off x="3420000" y="5130360"/>
-            <a:ext cx="3239640" cy="391680"/>
+            <a:ext cx="3238920" cy="390960"/>
           </a:xfrm>
           <a:prstGeom prst="rect">
             <a:avLst/>
@@ -34390,7 +34933,7 @@
         <p:spPr>
           <a:xfrm>
             <a:off x="7560360" y="5130360"/>
-            <a:ext cx="2339280" cy="391680"/>
+            <a:ext cx="2338560" cy="390960"/>
           </a:xfrm>
           <a:prstGeom prst="rect">
             <a:avLst/>
@@ -34422,7 +34965,7 @@
               </a:lnSpc>
               <a:buNone/>
             </a:pPr>
-            <a:fld id="{14D75D80-89DD-4447-A436-57571ECF9401}" type="slidenum">
+            <a:fld id="{0D7C67A7-07B1-41C1-AEDB-CD55F39ED35D}" type="slidenum">
               <a:rPr b="0" lang="en-US" sz="1400" spc="-1" strike="noStrike">
                 <a:latin typeface="Times New Roman"/>
               </a:rPr>
@@ -34447,7 +34990,7 @@
         <p:spPr>
           <a:xfrm>
             <a:off x="180000" y="5130360"/>
-            <a:ext cx="2339280" cy="391680"/>
+            <a:ext cx="2338560" cy="390960"/>
           </a:xfrm>
           <a:prstGeom prst="rect">
             <a:avLst/>
@@ -34753,7 +35296,7 @@
         <p:spPr>
           <a:xfrm>
             <a:off x="0" y="0"/>
-            <a:ext cx="10080000" cy="5670000"/>
+            <a:ext cx="10079280" cy="5669280"/>
           </a:xfrm>
           <a:prstGeom prst="rect">
             <a:avLst/>
@@ -34789,7 +35332,7 @@
         <p:spPr>
           <a:xfrm>
             <a:off x="1440000" y="1080000"/>
-            <a:ext cx="1439280" cy="1259280"/>
+            <a:ext cx="1438560" cy="1258560"/>
           </a:xfrm>
           <a:prstGeom prst="ellipse">
             <a:avLst/>
@@ -34819,7 +35362,7 @@
         <p:spPr>
           <a:xfrm>
             <a:off x="7380360" y="3960360"/>
-            <a:ext cx="1439280" cy="1259280"/>
+            <a:ext cx="1438560" cy="1258560"/>
           </a:xfrm>
           <a:prstGeom prst="ellipse">
             <a:avLst/>
@@ -34849,7 +35392,7 @@
         <p:spPr>
           <a:xfrm>
             <a:off x="9000360" y="2700000"/>
-            <a:ext cx="1259280" cy="1079280"/>
+            <a:ext cx="1258560" cy="1078560"/>
           </a:xfrm>
           <a:prstGeom prst="ellipse">
             <a:avLst/>
@@ -34879,7 +35422,7 @@
         <p:spPr>
           <a:xfrm>
             <a:off x="-180000" y="2430000"/>
-            <a:ext cx="1439280" cy="1349280"/>
+            <a:ext cx="1438560" cy="1348560"/>
           </a:xfrm>
           <a:prstGeom prst="ellipse">
             <a:avLst/>
@@ -34909,7 +35452,7 @@
         <p:spPr>
           <a:xfrm>
             <a:off x="540000" y="1080000"/>
-            <a:ext cx="719280" cy="719280"/>
+            <a:ext cx="718560" cy="718560"/>
           </a:xfrm>
           <a:prstGeom prst="ellipse">
             <a:avLst/>
@@ -34939,7 +35482,7 @@
         <p:spPr>
           <a:xfrm>
             <a:off x="0" y="1260000"/>
-            <a:ext cx="719280" cy="719280"/>
+            <a:ext cx="718560" cy="718560"/>
           </a:xfrm>
           <a:prstGeom prst="ellipse">
             <a:avLst/>
@@ -34969,7 +35512,7 @@
         <p:spPr>
           <a:xfrm>
             <a:off x="0" y="5220360"/>
-            <a:ext cx="1619280" cy="1259280"/>
+            <a:ext cx="1618560" cy="1258560"/>
           </a:xfrm>
           <a:prstGeom prst="ellipse">
             <a:avLst/>
@@ -34999,7 +35542,7 @@
         <p:spPr>
           <a:xfrm>
             <a:off x="9720360" y="4680360"/>
-            <a:ext cx="719280" cy="719280"/>
+            <a:ext cx="718560" cy="718560"/>
           </a:xfrm>
           <a:prstGeom prst="ellipse">
             <a:avLst/>
@@ -35029,7 +35572,7 @@
         <p:spPr>
           <a:xfrm>
             <a:off x="9540360" y="3420360"/>
-            <a:ext cx="719280" cy="719280"/>
+            <a:ext cx="718560" cy="718560"/>
           </a:xfrm>
           <a:prstGeom prst="ellipse">
             <a:avLst/>
@@ -35059,7 +35602,7 @@
         <p:spPr>
           <a:xfrm>
             <a:off x="8100360" y="4680360"/>
-            <a:ext cx="1079280" cy="841680"/>
+            <a:ext cx="1078560" cy="840960"/>
           </a:xfrm>
           <a:prstGeom prst="ellipse">
             <a:avLst/>
@@ -35089,7 +35632,7 @@
         <p:spPr>
           <a:xfrm>
             <a:off x="7920360" y="5400360"/>
-            <a:ext cx="899280" cy="899280"/>
+            <a:ext cx="898560" cy="898560"/>
           </a:xfrm>
           <a:prstGeom prst="ellipse">
             <a:avLst/>
@@ -35123,7 +35666,7 @@
         <p:spPr>
           <a:xfrm>
             <a:off x="3420000" y="5130360"/>
-            <a:ext cx="3239640" cy="391680"/>
+            <a:ext cx="3238920" cy="390960"/>
           </a:xfrm>
           <a:prstGeom prst="rect">
             <a:avLst/>
@@ -35180,7 +35723,7 @@
         <p:spPr>
           <a:xfrm>
             <a:off x="7560360" y="5130360"/>
-            <a:ext cx="2339280" cy="391680"/>
+            <a:ext cx="2338560" cy="390960"/>
           </a:xfrm>
           <a:prstGeom prst="rect">
             <a:avLst/>
@@ -35212,7 +35755,7 @@
               </a:lnSpc>
               <a:buNone/>
             </a:pPr>
-            <a:fld id="{D6E9F389-4954-4EC6-86D1-CB47F593275E}" type="slidenum">
+            <a:fld id="{927C2A7B-7163-46C7-BD11-7ECD176290E5}" type="slidenum">
               <a:rPr b="0" lang="en-US" sz="1400" spc="-1" strike="noStrike">
                 <a:latin typeface="Times New Roman"/>
               </a:rPr>
@@ -35237,7 +35780,7 @@
         <p:spPr>
           <a:xfrm>
             <a:off x="180000" y="5130360"/>
-            <a:ext cx="2339280" cy="391680"/>
+            <a:ext cx="2338560" cy="390960"/>
           </a:xfrm>
           <a:prstGeom prst="rect">
             <a:avLst/>
@@ -35543,7 +36086,7 @@
         <p:spPr>
           <a:xfrm>
             <a:off x="0" y="0"/>
-            <a:ext cx="10080000" cy="5670000"/>
+            <a:ext cx="10079280" cy="5669280"/>
           </a:xfrm>
           <a:prstGeom prst="rect">
             <a:avLst/>
@@ -35579,7 +36122,7 @@
         <p:spPr>
           <a:xfrm>
             <a:off x="1440000" y="1080000"/>
-            <a:ext cx="1439280" cy="1259280"/>
+            <a:ext cx="1438560" cy="1258560"/>
           </a:xfrm>
           <a:prstGeom prst="ellipse">
             <a:avLst/>
@@ -35609,7 +36152,7 @@
         <p:spPr>
           <a:xfrm>
             <a:off x="7380360" y="3960360"/>
-            <a:ext cx="1439280" cy="1259280"/>
+            <a:ext cx="1438560" cy="1258560"/>
           </a:xfrm>
           <a:prstGeom prst="ellipse">
             <a:avLst/>
@@ -35639,7 +36182,7 @@
         <p:spPr>
           <a:xfrm>
             <a:off x="9000360" y="2700000"/>
-            <a:ext cx="1259280" cy="1079280"/>
+            <a:ext cx="1258560" cy="1078560"/>
           </a:xfrm>
           <a:prstGeom prst="ellipse">
             <a:avLst/>
@@ -35669,7 +36212,7 @@
         <p:spPr>
           <a:xfrm>
             <a:off x="-180000" y="2430000"/>
-            <a:ext cx="1439280" cy="1349280"/>
+            <a:ext cx="1438560" cy="1348560"/>
           </a:xfrm>
           <a:prstGeom prst="ellipse">
             <a:avLst/>
@@ -35699,7 +36242,7 @@
         <p:spPr>
           <a:xfrm>
             <a:off x="540000" y="1080000"/>
-            <a:ext cx="719280" cy="719280"/>
+            <a:ext cx="718560" cy="718560"/>
           </a:xfrm>
           <a:prstGeom prst="ellipse">
             <a:avLst/>
@@ -35729,7 +36272,7 @@
         <p:spPr>
           <a:xfrm>
             <a:off x="0" y="1260000"/>
-            <a:ext cx="719280" cy="719280"/>
+            <a:ext cx="718560" cy="718560"/>
           </a:xfrm>
           <a:prstGeom prst="ellipse">
             <a:avLst/>
@@ -35759,7 +36302,7 @@
         <p:spPr>
           <a:xfrm>
             <a:off x="0" y="5220360"/>
-            <a:ext cx="1619280" cy="1259280"/>
+            <a:ext cx="1618560" cy="1258560"/>
           </a:xfrm>
           <a:prstGeom prst="ellipse">
             <a:avLst/>
@@ -35789,7 +36332,7 @@
         <p:spPr>
           <a:xfrm>
             <a:off x="9720360" y="4680360"/>
-            <a:ext cx="719280" cy="719280"/>
+            <a:ext cx="718560" cy="718560"/>
           </a:xfrm>
           <a:prstGeom prst="ellipse">
             <a:avLst/>
@@ -35819,7 +36362,7 @@
         <p:spPr>
           <a:xfrm>
             <a:off x="9540360" y="3420360"/>
-            <a:ext cx="719280" cy="719280"/>
+            <a:ext cx="718560" cy="718560"/>
           </a:xfrm>
           <a:prstGeom prst="ellipse">
             <a:avLst/>
@@ -35849,7 +36392,7 @@
         <p:spPr>
           <a:xfrm>
             <a:off x="8100360" y="4680360"/>
-            <a:ext cx="1079280" cy="841680"/>
+            <a:ext cx="1078560" cy="840960"/>
           </a:xfrm>
           <a:prstGeom prst="ellipse">
             <a:avLst/>
@@ -35879,7 +36422,7 @@
         <p:spPr>
           <a:xfrm>
             <a:off x="7920360" y="5400360"/>
-            <a:ext cx="899280" cy="899280"/>
+            <a:ext cx="898560" cy="898560"/>
           </a:xfrm>
           <a:prstGeom prst="ellipse">
             <a:avLst/>
@@ -35913,7 +36456,7 @@
         <p:spPr>
           <a:xfrm>
             <a:off x="3420000" y="5130360"/>
-            <a:ext cx="3239640" cy="391680"/>
+            <a:ext cx="3238920" cy="390960"/>
           </a:xfrm>
           <a:prstGeom prst="rect">
             <a:avLst/>
@@ -35970,7 +36513,7 @@
         <p:spPr>
           <a:xfrm>
             <a:off x="7560360" y="5130360"/>
-            <a:ext cx="2339280" cy="391680"/>
+            <a:ext cx="2338560" cy="390960"/>
           </a:xfrm>
           <a:prstGeom prst="rect">
             <a:avLst/>
@@ -36002,7 +36545,7 @@
               </a:lnSpc>
               <a:buNone/>
             </a:pPr>
-            <a:fld id="{12A8BBEA-C2B7-4C55-8C62-51052436B30E}" type="slidenum">
+            <a:fld id="{C921D93C-0FA5-4288-AA9B-572565E2C8CC}" type="slidenum">
               <a:rPr b="0" lang="en-US" sz="1400" spc="-1" strike="noStrike">
                 <a:latin typeface="Times New Roman"/>
               </a:rPr>
@@ -36027,7 +36570,7 @@
         <p:spPr>
           <a:xfrm>
             <a:off x="180000" y="5130360"/>
-            <a:ext cx="2339280" cy="391680"/>
+            <a:ext cx="2338560" cy="390960"/>
           </a:xfrm>
           <a:prstGeom prst="rect">
             <a:avLst/>
@@ -36333,7 +36876,7 @@
         <p:spPr>
           <a:xfrm>
             <a:off x="0" y="0"/>
-            <a:ext cx="10080000" cy="5670000"/>
+            <a:ext cx="10079280" cy="5669280"/>
           </a:xfrm>
           <a:prstGeom prst="rect">
             <a:avLst/>
@@ -36369,7 +36912,7 @@
         <p:spPr>
           <a:xfrm>
             <a:off x="1440000" y="1080000"/>
-            <a:ext cx="1439280" cy="1259280"/>
+            <a:ext cx="1438560" cy="1258560"/>
           </a:xfrm>
           <a:prstGeom prst="ellipse">
             <a:avLst/>
@@ -36399,7 +36942,7 @@
         <p:spPr>
           <a:xfrm>
             <a:off x="7380360" y="3960360"/>
-            <a:ext cx="1439280" cy="1259280"/>
+            <a:ext cx="1438560" cy="1258560"/>
           </a:xfrm>
           <a:prstGeom prst="ellipse">
             <a:avLst/>
@@ -36429,7 +36972,7 @@
         <p:spPr>
           <a:xfrm>
             <a:off x="9000360" y="2700000"/>
-            <a:ext cx="1259280" cy="1079280"/>
+            <a:ext cx="1258560" cy="1078560"/>
           </a:xfrm>
           <a:prstGeom prst="ellipse">
             <a:avLst/>
@@ -36459,7 +37002,7 @@
         <p:spPr>
           <a:xfrm>
             <a:off x="-180000" y="2430000"/>
-            <a:ext cx="1439280" cy="1349280"/>
+            <a:ext cx="1438560" cy="1348560"/>
           </a:xfrm>
           <a:prstGeom prst="ellipse">
             <a:avLst/>
@@ -36489,7 +37032,7 @@
         <p:spPr>
           <a:xfrm>
             <a:off x="540000" y="1080000"/>
-            <a:ext cx="719280" cy="719280"/>
+            <a:ext cx="718560" cy="718560"/>
           </a:xfrm>
           <a:prstGeom prst="ellipse">
             <a:avLst/>
@@ -36519,7 +37062,7 @@
         <p:spPr>
           <a:xfrm>
             <a:off x="0" y="1260000"/>
-            <a:ext cx="719280" cy="719280"/>
+            <a:ext cx="718560" cy="718560"/>
           </a:xfrm>
           <a:prstGeom prst="ellipse">
             <a:avLst/>
@@ -36549,7 +37092,7 @@
         <p:spPr>
           <a:xfrm>
             <a:off x="0" y="5220360"/>
-            <a:ext cx="1619280" cy="1259280"/>
+            <a:ext cx="1618560" cy="1258560"/>
           </a:xfrm>
           <a:prstGeom prst="ellipse">
             <a:avLst/>
@@ -36579,7 +37122,7 @@
         <p:spPr>
           <a:xfrm>
             <a:off x="9720360" y="4680360"/>
-            <a:ext cx="719280" cy="719280"/>
+            <a:ext cx="718560" cy="718560"/>
           </a:xfrm>
           <a:prstGeom prst="ellipse">
             <a:avLst/>
@@ -36609,7 +37152,7 @@
         <p:spPr>
           <a:xfrm>
             <a:off x="9540360" y="3420360"/>
-            <a:ext cx="719280" cy="719280"/>
+            <a:ext cx="718560" cy="718560"/>
           </a:xfrm>
           <a:prstGeom prst="ellipse">
             <a:avLst/>
@@ -36639,7 +37182,7 @@
         <p:spPr>
           <a:xfrm>
             <a:off x="8100360" y="4680360"/>
-            <a:ext cx="1079280" cy="841680"/>
+            <a:ext cx="1078560" cy="840960"/>
           </a:xfrm>
           <a:prstGeom prst="ellipse">
             <a:avLst/>
@@ -36669,7 +37212,7 @@
         <p:spPr>
           <a:xfrm>
             <a:off x="7920360" y="5400360"/>
-            <a:ext cx="899280" cy="899280"/>
+            <a:ext cx="898560" cy="898560"/>
           </a:xfrm>
           <a:prstGeom prst="ellipse">
             <a:avLst/>
@@ -36703,7 +37246,7 @@
         <p:spPr>
           <a:xfrm>
             <a:off x="3420000" y="5130360"/>
-            <a:ext cx="3239640" cy="391680"/>
+            <a:ext cx="3238920" cy="390960"/>
           </a:xfrm>
           <a:prstGeom prst="rect">
             <a:avLst/>
@@ -36760,7 +37303,7 @@
         <p:spPr>
           <a:xfrm>
             <a:off x="7560360" y="5130360"/>
-            <a:ext cx="2339280" cy="391680"/>
+            <a:ext cx="2338560" cy="390960"/>
           </a:xfrm>
           <a:prstGeom prst="rect">
             <a:avLst/>
@@ -36792,7 +37335,7 @@
               </a:lnSpc>
               <a:buNone/>
             </a:pPr>
-            <a:fld id="{2FEB88D6-F679-4F08-BD5A-07951A5E7DAC}" type="slidenum">
+            <a:fld id="{9F807686-1365-4DF3-B451-0BDAD94A2852}" type="slidenum">
               <a:rPr b="0" lang="en-US" sz="1400" spc="-1" strike="noStrike">
                 <a:latin typeface="Times New Roman"/>
               </a:rPr>
@@ -36817,7 +37360,7 @@
         <p:spPr>
           <a:xfrm>
             <a:off x="180000" y="5130360"/>
-            <a:ext cx="2339280" cy="391680"/>
+            <a:ext cx="2338560" cy="390960"/>
           </a:xfrm>
           <a:prstGeom prst="rect">
             <a:avLst/>
@@ -37123,7 +37666,7 @@
         <p:spPr>
           <a:xfrm>
             <a:off x="0" y="0"/>
-            <a:ext cx="10080000" cy="5670000"/>
+            <a:ext cx="10079280" cy="5669280"/>
           </a:xfrm>
           <a:prstGeom prst="rect">
             <a:avLst/>
@@ -37159,7 +37702,7 @@
         <p:spPr>
           <a:xfrm>
             <a:off x="1440000" y="1080000"/>
-            <a:ext cx="1439280" cy="1259280"/>
+            <a:ext cx="1438560" cy="1258560"/>
           </a:xfrm>
           <a:prstGeom prst="ellipse">
             <a:avLst/>
@@ -37189,7 +37732,7 @@
         <p:spPr>
           <a:xfrm>
             <a:off x="7380360" y="3960360"/>
-            <a:ext cx="1439280" cy="1259280"/>
+            <a:ext cx="1438560" cy="1258560"/>
           </a:xfrm>
           <a:prstGeom prst="ellipse">
             <a:avLst/>
@@ -37219,7 +37762,7 @@
         <p:spPr>
           <a:xfrm>
             <a:off x="9000360" y="2700000"/>
-            <a:ext cx="1259280" cy="1079280"/>
+            <a:ext cx="1258560" cy="1078560"/>
           </a:xfrm>
           <a:prstGeom prst="ellipse">
             <a:avLst/>
@@ -37249,7 +37792,7 @@
         <p:spPr>
           <a:xfrm>
             <a:off x="-180000" y="2430000"/>
-            <a:ext cx="1439280" cy="1349280"/>
+            <a:ext cx="1438560" cy="1348560"/>
           </a:xfrm>
           <a:prstGeom prst="ellipse">
             <a:avLst/>
@@ -37279,7 +37822,7 @@
         <p:spPr>
           <a:xfrm>
             <a:off x="540000" y="1080000"/>
-            <a:ext cx="719280" cy="719280"/>
+            <a:ext cx="718560" cy="718560"/>
           </a:xfrm>
           <a:prstGeom prst="ellipse">
             <a:avLst/>
@@ -37309,7 +37852,7 @@
         <p:spPr>
           <a:xfrm>
             <a:off x="0" y="1260000"/>
-            <a:ext cx="719280" cy="719280"/>
+            <a:ext cx="718560" cy="718560"/>
           </a:xfrm>
           <a:prstGeom prst="ellipse">
             <a:avLst/>
@@ -37339,7 +37882,7 @@
         <p:spPr>
           <a:xfrm>
             <a:off x="0" y="5220360"/>
-            <a:ext cx="1619280" cy="1259280"/>
+            <a:ext cx="1618560" cy="1258560"/>
           </a:xfrm>
           <a:prstGeom prst="ellipse">
             <a:avLst/>
@@ -37369,7 +37912,7 @@
         <p:spPr>
           <a:xfrm>
             <a:off x="9720360" y="4680360"/>
-            <a:ext cx="719280" cy="719280"/>
+            <a:ext cx="718560" cy="718560"/>
           </a:xfrm>
           <a:prstGeom prst="ellipse">
             <a:avLst/>
@@ -37399,7 +37942,7 @@
         <p:spPr>
           <a:xfrm>
             <a:off x="9540360" y="3420360"/>
-            <a:ext cx="719280" cy="719280"/>
+            <a:ext cx="718560" cy="718560"/>
           </a:xfrm>
           <a:prstGeom prst="ellipse">
             <a:avLst/>
@@ -37429,7 +37972,7 @@
         <p:spPr>
           <a:xfrm>
             <a:off x="8100360" y="4680360"/>
-            <a:ext cx="1079280" cy="841680"/>
+            <a:ext cx="1078560" cy="840960"/>
           </a:xfrm>
           <a:prstGeom prst="ellipse">
             <a:avLst/>
@@ -37459,7 +38002,7 @@
         <p:spPr>
           <a:xfrm>
             <a:off x="7920360" y="5400360"/>
-            <a:ext cx="899280" cy="899280"/>
+            <a:ext cx="898560" cy="898560"/>
           </a:xfrm>
           <a:prstGeom prst="ellipse">
             <a:avLst/>
@@ -37493,7 +38036,7 @@
         <p:spPr>
           <a:xfrm>
             <a:off x="3420000" y="5130360"/>
-            <a:ext cx="3239640" cy="391680"/>
+            <a:ext cx="3238920" cy="390960"/>
           </a:xfrm>
           <a:prstGeom prst="rect">
             <a:avLst/>
@@ -37550,7 +38093,7 @@
         <p:spPr>
           <a:xfrm>
             <a:off x="7560360" y="5130360"/>
-            <a:ext cx="2339280" cy="391680"/>
+            <a:ext cx="2338560" cy="390960"/>
           </a:xfrm>
           <a:prstGeom prst="rect">
             <a:avLst/>
@@ -37582,7 +38125,7 @@
               </a:lnSpc>
               <a:buNone/>
             </a:pPr>
-            <a:fld id="{E75C464F-0C1A-47F8-8878-43A2B832359F}" type="slidenum">
+            <a:fld id="{3F108063-F2BF-4290-85B3-2B66E4C04435}" type="slidenum">
               <a:rPr b="0" lang="en-US" sz="1400" spc="-1" strike="noStrike">
                 <a:latin typeface="Times New Roman"/>
               </a:rPr>
@@ -37607,7 +38150,7 @@
         <p:spPr>
           <a:xfrm>
             <a:off x="180000" y="5130360"/>
-            <a:ext cx="2339280" cy="391680"/>
+            <a:ext cx="2338560" cy="390960"/>
           </a:xfrm>
           <a:prstGeom prst="rect">
             <a:avLst/>
@@ -37913,7 +38456,7 @@
         <p:spPr>
           <a:xfrm>
             <a:off x="0" y="0"/>
-            <a:ext cx="10080000" cy="5670000"/>
+            <a:ext cx="10079280" cy="5669280"/>
           </a:xfrm>
           <a:prstGeom prst="rect">
             <a:avLst/>
@@ -37949,7 +38492,7 @@
         <p:spPr>
           <a:xfrm>
             <a:off x="1440000" y="1080000"/>
-            <a:ext cx="1439280" cy="1259280"/>
+            <a:ext cx="1438560" cy="1258560"/>
           </a:xfrm>
           <a:prstGeom prst="ellipse">
             <a:avLst/>
@@ -37979,7 +38522,7 @@
         <p:spPr>
           <a:xfrm>
             <a:off x="7380360" y="3960360"/>
-            <a:ext cx="1439280" cy="1259280"/>
+            <a:ext cx="1438560" cy="1258560"/>
           </a:xfrm>
           <a:prstGeom prst="ellipse">
             <a:avLst/>
@@ -38009,7 +38552,7 @@
         <p:spPr>
           <a:xfrm>
             <a:off x="9000360" y="2700000"/>
-            <a:ext cx="1259280" cy="1079280"/>
+            <a:ext cx="1258560" cy="1078560"/>
           </a:xfrm>
           <a:prstGeom prst="ellipse">
             <a:avLst/>
@@ -38039,7 +38582,7 @@
         <p:spPr>
           <a:xfrm>
             <a:off x="-180000" y="2430000"/>
-            <a:ext cx="1439280" cy="1349280"/>
+            <a:ext cx="1438560" cy="1348560"/>
           </a:xfrm>
           <a:prstGeom prst="ellipse">
             <a:avLst/>
@@ -38069,7 +38612,7 @@
         <p:spPr>
           <a:xfrm>
             <a:off x="540000" y="1080000"/>
-            <a:ext cx="719280" cy="719280"/>
+            <a:ext cx="718560" cy="718560"/>
           </a:xfrm>
           <a:prstGeom prst="ellipse">
             <a:avLst/>
@@ -38099,7 +38642,7 @@
         <p:spPr>
           <a:xfrm>
             <a:off x="0" y="1260000"/>
-            <a:ext cx="719280" cy="719280"/>
+            <a:ext cx="718560" cy="718560"/>
           </a:xfrm>
           <a:prstGeom prst="ellipse">
             <a:avLst/>
@@ -38129,7 +38672,7 @@
         <p:spPr>
           <a:xfrm>
             <a:off x="0" y="5220360"/>
-            <a:ext cx="1619280" cy="1259280"/>
+            <a:ext cx="1618560" cy="1258560"/>
           </a:xfrm>
           <a:prstGeom prst="ellipse">
             <a:avLst/>
@@ -38159,7 +38702,7 @@
         <p:spPr>
           <a:xfrm>
             <a:off x="9720360" y="4680360"/>
-            <a:ext cx="719280" cy="719280"/>
+            <a:ext cx="718560" cy="718560"/>
           </a:xfrm>
           <a:prstGeom prst="ellipse">
             <a:avLst/>
@@ -38189,7 +38732,7 @@
         <p:spPr>
           <a:xfrm>
             <a:off x="9540360" y="3420360"/>
-            <a:ext cx="719280" cy="719280"/>
+            <a:ext cx="718560" cy="718560"/>
           </a:xfrm>
           <a:prstGeom prst="ellipse">
             <a:avLst/>
@@ -38219,7 +38762,7 @@
         <p:spPr>
           <a:xfrm>
             <a:off x="8100360" y="4680360"/>
-            <a:ext cx="1079280" cy="841680"/>
+            <a:ext cx="1078560" cy="840960"/>
           </a:xfrm>
           <a:prstGeom prst="ellipse">
             <a:avLst/>
@@ -38249,7 +38792,7 @@
         <p:spPr>
           <a:xfrm>
             <a:off x="7920360" y="5400360"/>
-            <a:ext cx="899280" cy="899280"/>
+            <a:ext cx="898560" cy="898560"/>
           </a:xfrm>
           <a:prstGeom prst="ellipse">
             <a:avLst/>
@@ -38283,7 +38826,7 @@
         <p:spPr>
           <a:xfrm>
             <a:off x="3420000" y="5130360"/>
-            <a:ext cx="3239640" cy="391680"/>
+            <a:ext cx="3238920" cy="390960"/>
           </a:xfrm>
           <a:prstGeom prst="rect">
             <a:avLst/>
@@ -38340,7 +38883,7 @@
         <p:spPr>
           <a:xfrm>
             <a:off x="7560360" y="5130360"/>
-            <a:ext cx="2339280" cy="391680"/>
+            <a:ext cx="2338560" cy="390960"/>
           </a:xfrm>
           <a:prstGeom prst="rect">
             <a:avLst/>
@@ -38372,7 +38915,7 @@
               </a:lnSpc>
               <a:buNone/>
             </a:pPr>
-            <a:fld id="{F2E75695-F80F-4897-A468-8C1FFFEF3F98}" type="slidenum">
+            <a:fld id="{8115FA06-12F7-4674-9C88-DD87ABD4080F}" type="slidenum">
               <a:rPr b="0" lang="en-US" sz="1400" spc="-1" strike="noStrike">
                 <a:latin typeface="Times New Roman"/>
               </a:rPr>
@@ -38397,7 +38940,7 @@
         <p:spPr>
           <a:xfrm>
             <a:off x="180000" y="5130360"/>
-            <a:ext cx="2339280" cy="391680"/>
+            <a:ext cx="2338560" cy="390960"/>
           </a:xfrm>
           <a:prstGeom prst="rect">
             <a:avLst/>
@@ -38703,7 +39246,7 @@
         <p:spPr>
           <a:xfrm>
             <a:off x="0" y="0"/>
-            <a:ext cx="10080000" cy="5670000"/>
+            <a:ext cx="10079280" cy="5669280"/>
           </a:xfrm>
           <a:prstGeom prst="rect">
             <a:avLst/>
@@ -38739,7 +39282,7 @@
         <p:spPr>
           <a:xfrm>
             <a:off x="1440000" y="1080000"/>
-            <a:ext cx="1439280" cy="1259280"/>
+            <a:ext cx="1438560" cy="1258560"/>
           </a:xfrm>
           <a:prstGeom prst="ellipse">
             <a:avLst/>
@@ -38769,7 +39312,7 @@
         <p:spPr>
           <a:xfrm>
             <a:off x="7380360" y="3960360"/>
-            <a:ext cx="1439280" cy="1259280"/>
+            <a:ext cx="1438560" cy="1258560"/>
           </a:xfrm>
           <a:prstGeom prst="ellipse">
             <a:avLst/>
@@ -38799,7 +39342,7 @@
         <p:spPr>
           <a:xfrm>
             <a:off x="9000360" y="2700000"/>
-            <a:ext cx="1259280" cy="1079280"/>
+            <a:ext cx="1258560" cy="1078560"/>
           </a:xfrm>
           <a:prstGeom prst="ellipse">
             <a:avLst/>
@@ -38829,7 +39372,7 @@
         <p:spPr>
           <a:xfrm>
             <a:off x="-180000" y="2430000"/>
-            <a:ext cx="1439280" cy="1349280"/>
+            <a:ext cx="1438560" cy="1348560"/>
           </a:xfrm>
           <a:prstGeom prst="ellipse">
             <a:avLst/>
@@ -38859,7 +39402,7 @@
         <p:spPr>
           <a:xfrm>
             <a:off x="540000" y="1080000"/>
-            <a:ext cx="719280" cy="719280"/>
+            <a:ext cx="718560" cy="718560"/>
           </a:xfrm>
           <a:prstGeom prst="ellipse">
             <a:avLst/>
@@ -38889,7 +39432,7 @@
         <p:spPr>
           <a:xfrm>
             <a:off x="0" y="1260000"/>
-            <a:ext cx="719280" cy="719280"/>
+            <a:ext cx="718560" cy="718560"/>
           </a:xfrm>
           <a:prstGeom prst="ellipse">
             <a:avLst/>
@@ -38919,7 +39462,7 @@
         <p:spPr>
           <a:xfrm>
             <a:off x="0" y="5220360"/>
-            <a:ext cx="1619280" cy="1259280"/>
+            <a:ext cx="1618560" cy="1258560"/>
           </a:xfrm>
           <a:prstGeom prst="ellipse">
             <a:avLst/>
@@ -38949,7 +39492,7 @@
         <p:spPr>
           <a:xfrm>
             <a:off x="9720360" y="4680360"/>
-            <a:ext cx="719280" cy="719280"/>
+            <a:ext cx="718560" cy="718560"/>
           </a:xfrm>
           <a:prstGeom prst="ellipse">
             <a:avLst/>
@@ -38979,7 +39522,7 @@
         <p:spPr>
           <a:xfrm>
             <a:off x="9540360" y="3420360"/>
-            <a:ext cx="719280" cy="719280"/>
+            <a:ext cx="718560" cy="718560"/>
           </a:xfrm>
           <a:prstGeom prst="ellipse">
             <a:avLst/>
@@ -39009,7 +39552,7 @@
         <p:spPr>
           <a:xfrm>
             <a:off x="8100360" y="4680360"/>
-            <a:ext cx="1079280" cy="841680"/>
+            <a:ext cx="1078560" cy="840960"/>
           </a:xfrm>
           <a:prstGeom prst="ellipse">
             <a:avLst/>
@@ -39039,7 +39582,7 @@
         <p:spPr>
           <a:xfrm>
             <a:off x="7920360" y="5400360"/>
-            <a:ext cx="899280" cy="899280"/>
+            <a:ext cx="898560" cy="898560"/>
           </a:xfrm>
           <a:prstGeom prst="ellipse">
             <a:avLst/>
@@ -39073,7 +39616,7 @@
         <p:spPr>
           <a:xfrm>
             <a:off x="3420000" y="5130360"/>
-            <a:ext cx="3239640" cy="391680"/>
+            <a:ext cx="3238920" cy="390960"/>
           </a:xfrm>
           <a:prstGeom prst="rect">
             <a:avLst/>
@@ -39130,7 +39673,7 @@
         <p:spPr>
           <a:xfrm>
             <a:off x="7560360" y="5130360"/>
-            <a:ext cx="2339280" cy="391680"/>
+            <a:ext cx="2338560" cy="390960"/>
           </a:xfrm>
           <a:prstGeom prst="rect">
             <a:avLst/>
@@ -39162,7 +39705,7 @@
               </a:lnSpc>
               <a:buNone/>
             </a:pPr>
-            <a:fld id="{DFA400EF-3736-40B1-B358-18E1D4BA532E}" type="slidenum">
+            <a:fld id="{8F53E57D-EFCF-47F0-A563-DB19B4FB5A93}" type="slidenum">
               <a:rPr b="0" lang="en-US" sz="1400" spc="-1" strike="noStrike">
                 <a:latin typeface="Times New Roman"/>
               </a:rPr>
@@ -39187,7 +39730,7 @@
         <p:spPr>
           <a:xfrm>
             <a:off x="180000" y="5130360"/>
-            <a:ext cx="2339280" cy="391680"/>
+            <a:ext cx="2338560" cy="390960"/>
           </a:xfrm>
           <a:prstGeom prst="rect">
             <a:avLst/>
@@ -39493,7 +40036,7 @@
         <p:spPr>
           <a:xfrm>
             <a:off x="504000" y="810000"/>
-            <a:ext cx="9069120" cy="1293480"/>
+            <a:ext cx="9068400" cy="1292760"/>
           </a:xfrm>
           <a:prstGeom prst="rect">
             <a:avLst/>
@@ -39545,7 +40088,7 @@
         <p:spPr>
           <a:xfrm>
             <a:off x="504000" y="2376000"/>
-            <a:ext cx="9069120" cy="2751480"/>
+            <a:ext cx="9068400" cy="2750760"/>
           </a:xfrm>
           <a:prstGeom prst="rect">
             <a:avLst/>
@@ -39648,7 +40191,7 @@
         <p:spPr>
           <a:xfrm>
             <a:off x="504000" y="810000"/>
-            <a:ext cx="9069120" cy="1293480"/>
+            <a:ext cx="9068400" cy="1292760"/>
           </a:xfrm>
           <a:prstGeom prst="rect">
             <a:avLst/>
@@ -39700,7 +40243,7 @@
         <p:spPr>
           <a:xfrm>
             <a:off x="504000" y="2376000"/>
-            <a:ext cx="9069120" cy="2751480"/>
+            <a:ext cx="9068400" cy="2750760"/>
           </a:xfrm>
           <a:prstGeom prst="rect">
             <a:avLst/>
@@ -39949,7 +40492,7 @@
         <p:spPr>
           <a:xfrm>
             <a:off x="504000" y="810000"/>
-            <a:ext cx="9069120" cy="1293480"/>
+            <a:ext cx="9068400" cy="1292760"/>
           </a:xfrm>
           <a:prstGeom prst="rect">
             <a:avLst/>
@@ -40001,7 +40544,7 @@
         <p:spPr>
           <a:xfrm>
             <a:off x="504000" y="2376000"/>
-            <a:ext cx="9069120" cy="2751480"/>
+            <a:ext cx="9068400" cy="2750760"/>
           </a:xfrm>
           <a:prstGeom prst="rect">
             <a:avLst/>
@@ -40222,7 +40765,7 @@
         <p:spPr>
           <a:xfrm>
             <a:off x="504000" y="810000"/>
-            <a:ext cx="9069120" cy="1293480"/>
+            <a:ext cx="9068400" cy="1292760"/>
           </a:xfrm>
           <a:prstGeom prst="rect">
             <a:avLst/>
@@ -40274,7 +40817,7 @@
         <p:spPr>
           <a:xfrm>
             <a:off x="504000" y="2376000"/>
-            <a:ext cx="9069120" cy="2751480"/>
+            <a:ext cx="9068400" cy="2750760"/>
           </a:xfrm>
           <a:prstGeom prst="rect">
             <a:avLst/>
@@ -40333,7 +40876,7 @@
         <p:spPr>
           <a:xfrm>
             <a:off x="87480" y="2057400"/>
-            <a:ext cx="9970560" cy="2742840"/>
+            <a:ext cx="9969840" cy="2742120"/>
           </a:xfrm>
           <a:prstGeom prst="rect">
             <a:avLst/>
@@ -40366,6 +40909,7 @@
                   <a:srgbClr val="ffffff"/>
                 </a:solidFill>
                 <a:latin typeface="Arial"/>
+                <a:ea typeface="DejaVu Sans"/>
               </a:rPr>
               <a:t>In the early years of the Christian Church, marked by rapid expansion and consequent increased demand by individuals and by the congregations for copies of the Scriptures, the speedy multiplication of copies, even by non-professional scribes, sometimes took precedence over strict accuracy of detail.  </a:t>
             </a:r>
@@ -40386,6 +40930,7 @@
                   <a:srgbClr val="ffffff"/>
                 </a:solidFill>
                 <a:latin typeface="Arial"/>
+                <a:ea typeface="DejaVu Sans"/>
               </a:rPr>
               <a:t>Bruce Metzger, </a:t>
             </a:r>
@@ -40395,6 +40940,7 @@
                   <a:srgbClr val="ffffff"/>
                 </a:solidFill>
                 <a:latin typeface="Arial"/>
+                <a:ea typeface="DejaVu Sans"/>
               </a:rPr>
               <a:t>Manuscripts of the Greek Bible: An Introduction to Greek Palaeography</a:t>
             </a:r>
@@ -40404,6 +40950,7 @@
                   <a:srgbClr val="ffffff"/>
                 </a:solidFill>
                 <a:latin typeface="Arial"/>
+                <a:ea typeface="DejaVu Sans"/>
               </a:rPr>
               <a:t>, New York: Oxford University Press, 1081, p.21</a:t>
             </a:r>
@@ -40452,7 +40999,7 @@
         <p:spPr>
           <a:xfrm>
             <a:off x="504000" y="810000"/>
-            <a:ext cx="9069120" cy="1293480"/>
+            <a:ext cx="9068400" cy="1292760"/>
           </a:xfrm>
           <a:prstGeom prst="rect">
             <a:avLst/>
@@ -40504,7 +41051,7 @@
         <p:spPr>
           <a:xfrm>
             <a:off x="504000" y="2376000"/>
-            <a:ext cx="9069120" cy="2751480"/>
+            <a:ext cx="9068400" cy="2750760"/>
           </a:xfrm>
           <a:prstGeom prst="rect">
             <a:avLst/>
@@ -40652,7 +41199,7 @@
         <p:spPr>
           <a:xfrm>
             <a:off x="504000" y="810000"/>
-            <a:ext cx="9069120" cy="1293480"/>
+            <a:ext cx="9068400" cy="1292760"/>
           </a:xfrm>
           <a:prstGeom prst="rect">
             <a:avLst/>
@@ -40704,7 +41251,7 @@
         <p:spPr>
           <a:xfrm>
             <a:off x="504000" y="2376000"/>
-            <a:ext cx="9069120" cy="2751480"/>
+            <a:ext cx="9068400" cy="2750760"/>
           </a:xfrm>
           <a:prstGeom prst="rect">
             <a:avLst/>
@@ -40921,7 +41468,7 @@
         <p:spPr>
           <a:xfrm>
             <a:off x="504000" y="810000"/>
-            <a:ext cx="9069120" cy="1293480"/>
+            <a:ext cx="9068400" cy="1292760"/>
           </a:xfrm>
           <a:prstGeom prst="rect">
             <a:avLst/>
@@ -40973,7 +41520,7 @@
         <p:spPr>
           <a:xfrm>
             <a:off x="504000" y="2376000"/>
-            <a:ext cx="9069120" cy="2751480"/>
+            <a:ext cx="9068400" cy="2750760"/>
           </a:xfrm>
           <a:prstGeom prst="rect">
             <a:avLst/>
@@ -41063,7 +41610,7 @@
         <p:spPr>
           <a:xfrm>
             <a:off x="504000" y="810000"/>
-            <a:ext cx="9069120" cy="1293480"/>
+            <a:ext cx="9068400" cy="1292760"/>
           </a:xfrm>
           <a:prstGeom prst="rect">
             <a:avLst/>
@@ -41098,7 +41645,7 @@
                 <a:latin typeface="Arial"/>
                 <a:ea typeface="DejaVu Sans"/>
               </a:rPr>
-              <a:t>Takeways</a:t>
+              <a:t>The Transmission Process</a:t>
             </a:r>
             <a:endParaRPr b="0" lang="en-US" sz="4400" spc="-1" strike="noStrike">
               <a:latin typeface="Arial"/>
@@ -41115,7 +41662,7 @@
         <p:spPr>
           <a:xfrm>
             <a:off x="504000" y="2376000"/>
-            <a:ext cx="9069120" cy="2751480"/>
+            <a:ext cx="9068400" cy="2750760"/>
           </a:xfrm>
           <a:prstGeom prst="rect">
             <a:avLst/>
@@ -41133,7 +41680,7 @@
         </p:style>
         <p:txBody>
           <a:bodyPr lIns="0" rIns="0" tIns="0" bIns="0" anchor="t">
-            <a:normAutofit/>
+            <a:normAutofit fontScale="99000"/>
           </a:bodyPr>
           <a:p>
             <a:pPr marL="432000" indent="-324000">
@@ -41158,7 +41705,7 @@
                 <a:latin typeface="Arial"/>
                 <a:ea typeface="DejaVu Sans"/>
               </a:rPr>
-              <a:t>Living Tradition, not Sola, cath and protestant</a:t>
+              <a:t>Every MSS textual tradition or text-form contains evidence of corruption.</a:t>
             </a:r>
             <a:endParaRPr b="0" lang="en-US" sz="3150" spc="-1" strike="noStrike">
               <a:latin typeface="Arial"/>
@@ -41187,7 +41734,7 @@
                 <a:latin typeface="Arial"/>
                 <a:ea typeface="DejaVu Sans"/>
               </a:rPr>
-              <a:t>Teach wisdom, do not indoctrinate</a:t>
+              <a:t>Greater quantity of later MSS discovered than earlier ones due to the perishable nature.</a:t>
             </a:r>
             <a:endParaRPr b="0" lang="en-US" sz="3150" spc="-1" strike="noStrike">
               <a:latin typeface="Arial"/>
@@ -41216,36 +41763,7 @@
                 <a:latin typeface="Arial"/>
                 <a:ea typeface="DejaVu Sans"/>
               </a:rPr>
-              <a:t>Argue with reason, not religion</a:t>
-            </a:r>
-            <a:endParaRPr b="0" lang="en-US" sz="3150" spc="-1" strike="noStrike">
-              <a:latin typeface="Arial"/>
-            </a:endParaRPr>
-          </a:p>
-          <a:p>
-            <a:pPr marL="432000" indent="-324000">
-              <a:lnSpc>
-                <a:spcPct val="100000"/>
-              </a:lnSpc>
-              <a:spcBef>
-                <a:spcPts val="1414"/>
-              </a:spcBef>
-              <a:buClr>
-                <a:srgbClr val="ffffff"/>
-              </a:buClr>
-              <a:buSzPct val="45000"/>
-              <a:buFont typeface="Wingdings" charset="2"/>
-              <a:buChar char=""/>
-            </a:pPr>
-            <a:r>
-              <a:rPr b="0" lang="en-US" sz="3150" spc="-1" strike="noStrike">
-                <a:solidFill>
-                  <a:srgbClr val="ffffff"/>
-                </a:solidFill>
-                <a:latin typeface="Arial"/>
-                <a:ea typeface="DejaVu Sans"/>
-              </a:rPr>
-              <a:t>Truth is objective, but subjective in this climate</a:t>
+              <a:t>Some late MSS may be copies of much earlier.</a:t>
             </a:r>
             <a:endParaRPr b="0" lang="en-US" sz="3150" spc="-1" strike="noStrike">
               <a:latin typeface="Arial"/>
@@ -41292,7 +41810,7 @@
         <p:spPr>
           <a:xfrm>
             <a:off x="504000" y="810000"/>
-            <a:ext cx="9069120" cy="1293480"/>
+            <a:ext cx="9068400" cy="1292760"/>
           </a:xfrm>
           <a:prstGeom prst="rect">
             <a:avLst/>
@@ -41327,7 +41845,7 @@
                 <a:latin typeface="Arial"/>
                 <a:ea typeface="DejaVu Sans"/>
               </a:rPr>
-              <a:t>TODO</a:t>
+              <a:t>History of NT Textual Criticism</a:t>
             </a:r>
             <a:endParaRPr b="0" lang="en-US" sz="4400" spc="-1" strike="noStrike">
               <a:latin typeface="Arial"/>
@@ -41344,7 +41862,7 @@
         <p:spPr>
           <a:xfrm>
             <a:off x="504000" y="2376000"/>
-            <a:ext cx="9069120" cy="2751480"/>
+            <a:ext cx="9068400" cy="2750760"/>
           </a:xfrm>
           <a:prstGeom prst="rect">
             <a:avLst/>
@@ -41380,16 +41898,16 @@
               <a:buChar char=""/>
             </a:pPr>
             <a:r>
-              <a:rPr b="0" lang="en-US" sz="1300" spc="-1" strike="noStrike">
+              <a:rPr b="0" lang="en-US" sz="3150" spc="-1" strike="noStrike">
                 <a:solidFill>
                   <a:srgbClr val="ffffff"/>
                 </a:solidFill>
                 <a:latin typeface="Arial"/>
                 <a:ea typeface="DejaVu Sans"/>
               </a:rPr>
-              <a:t>CBGM record, text, mss, CBGM source code</a:t>
-            </a:r>
-            <a:endParaRPr b="0" lang="en-US" sz="1300" spc="-1" strike="noStrike">
+              <a:t>Irenaeus, Origen, Jerome</a:t>
+            </a:r>
+            <a:endParaRPr b="0" lang="en-US" sz="3150" spc="-1" strike="noStrike">
               <a:latin typeface="Arial"/>
             </a:endParaRPr>
           </a:p>
@@ -41409,16 +41927,16 @@
               <a:buChar char=""/>
             </a:pPr>
             <a:r>
-              <a:rPr b="0" lang="en-US" sz="1300" spc="-1" strike="noStrike">
+              <a:rPr b="0" lang="en-US" sz="3150" spc="-1" strike="noStrike">
                 <a:solidFill>
                   <a:srgbClr val="ffffff"/>
                 </a:solidFill>
                 <a:latin typeface="Arial"/>
                 <a:ea typeface="DejaVu Sans"/>
               </a:rPr>
-              <a:t>Define predicate e.g. generic swap</a:t>
-            </a:r>
-            <a:endParaRPr b="0" lang="en-US" sz="1300" spc="-1" strike="noStrike">
+              <a:t>Erasmus, Walton, other Gr. Texts</a:t>
+            </a:r>
+            <a:endParaRPr b="0" lang="en-US" sz="3150" spc="-1" strike="noStrike">
               <a:latin typeface="Arial"/>
             </a:endParaRPr>
           </a:p>
@@ -41438,16 +41956,16 @@
               <a:buChar char=""/>
             </a:pPr>
             <a:r>
-              <a:rPr b="0" lang="en-US" sz="1300" spc="-1" strike="noStrike">
+              <a:rPr b="0" lang="en-US" sz="3150" spc="-1" strike="noStrike">
                 <a:solidFill>
                   <a:srgbClr val="ffffff"/>
                 </a:solidFill>
                 <a:latin typeface="Arial"/>
                 <a:ea typeface="DejaVu Sans"/>
               </a:rPr>
-              <a:t>What is ‘a’, ‘b’</a:t>
-            </a:r>
-            <a:endParaRPr b="0" lang="en-US" sz="1300" spc="-1" strike="noStrike">
+              <a:t>Bengal, Griesbach, Lachmann, Tischendorf</a:t>
+            </a:r>
+            <a:endParaRPr b="0" lang="en-US" sz="3150" spc="-1" strike="noStrike">
               <a:latin typeface="Arial"/>
             </a:endParaRPr>
           </a:p>
@@ -41467,19 +41985,152 @@
               <a:buChar char=""/>
             </a:pPr>
             <a:r>
-              <a:rPr b="0" lang="en-US" sz="1300" spc="-1" strike="noStrike">
+              <a:rPr b="0" lang="en-US" sz="3150" spc="-1" strike="noStrike">
                 <a:solidFill>
                   <a:srgbClr val="ffffff"/>
                 </a:solidFill>
                 <a:latin typeface="Arial"/>
                 <a:ea typeface="DejaVu Sans"/>
               </a:rPr>
-              <a:t>Run queries, ask if we will be online</a:t>
-            </a:r>
-            <a:endParaRPr b="0" lang="en-US" sz="1300" spc="-1" strike="noStrike">
-              <a:latin typeface="Arial"/>
-            </a:endParaRPr>
-          </a:p>
+              <a:t>Westcott &amp; Hort, 20</a:t>
+            </a:r>
+            <a:r>
+              <a:rPr b="0" lang="en-US" sz="3150" spc="-1" strike="noStrike" baseline="33000">
+                <a:solidFill>
+                  <a:srgbClr val="ffffff"/>
+                </a:solidFill>
+                <a:latin typeface="Arial"/>
+                <a:ea typeface="DejaVu Sans"/>
+              </a:rPr>
+              <a:t>th</a:t>
+            </a:r>
+            <a:r>
+              <a:rPr b="0" lang="en-US" sz="3150" spc="-1" strike="noStrike">
+                <a:solidFill>
+                  <a:srgbClr val="ffffff"/>
+                </a:solidFill>
+                <a:latin typeface="Arial"/>
+                <a:ea typeface="DejaVu Sans"/>
+              </a:rPr>
+              <a:t> C State of NT TC</a:t>
+            </a:r>
+            <a:endParaRPr b="0" lang="en-US" sz="3150" spc="-1" strike="noStrike">
+              <a:latin typeface="Arial"/>
+            </a:endParaRPr>
+          </a:p>
+        </p:txBody>
+      </p:sp>
+    </p:spTree>
+  </p:cSld>
+  <mc:AlternateContent>
+    <mc:Choice Requires="p14">
+      <p:transition spd="slow" p14:dur="2000"/>
+    </mc:Choice>
+    <mc:Fallback>
+      <p:transition spd="slow"/>
+    </mc:Fallback>
+  </mc:AlternateContent>
+</p:sld>
+</file>
+
+<file path=ppt/slides/slide18.xml><?xml version="1.0" encoding="utf-8"?>
+<p:sld xmlns:a="http://schemas.openxmlformats.org/drawingml/2006/main" xmlns:p="http://schemas.openxmlformats.org/presentationml/2006/main" xmlns:r="http://schemas.openxmlformats.org/officeDocument/2006/relationships" xmlns:p14="http://schemas.microsoft.com/office/powerpoint/2010/main" xmlns:p15="http://schemas.microsoft.com/office/powerpoint/2012/main" xmlns:mc="http://schemas.openxmlformats.org/markup-compatibility/2006">
+  <p:cSld>
+    <p:spTree>
+      <p:nvGrpSpPr>
+        <p:cNvPr id="1" name=""/>
+        <p:cNvGrpSpPr/>
+        <p:nvPr/>
+      </p:nvGrpSpPr>
+      <p:grpSpPr>
+        <a:xfrm>
+          <a:off x="0" y="0"/>
+          <a:ext cx="0" cy="0"/>
+          <a:chOff x="0" y="0"/>
+          <a:chExt cx="0" cy="0"/>
+        </a:xfrm>
+      </p:grpSpPr>
+      <p:sp>
+        <p:nvSpPr>
+          <p:cNvPr id="678" name=""/>
+          <p:cNvSpPr/>
+          <p:nvPr/>
+        </p:nvSpPr>
+        <p:spPr>
+          <a:xfrm>
+            <a:off x="504000" y="810000"/>
+            <a:ext cx="9068400" cy="1292760"/>
+          </a:xfrm>
+          <a:prstGeom prst="rect">
+            <a:avLst/>
+          </a:prstGeom>
+          <a:noFill/>
+          <a:ln w="0">
+            <a:noFill/>
+          </a:ln>
+        </p:spPr>
+        <p:style>
+          <a:lnRef idx="0"/>
+          <a:fillRef idx="0"/>
+          <a:effectRef idx="0"/>
+          <a:fontRef idx="minor"/>
+        </p:style>
+        <p:txBody>
+          <a:bodyPr lIns="0" rIns="0" tIns="0" bIns="0" anchor="ctr">
+            <a:noAutofit/>
+          </a:bodyPr>
+          <a:p>
+            <a:pPr algn="ctr">
+              <a:lnSpc>
+                <a:spcPct val="100000"/>
+              </a:lnSpc>
+              <a:buNone/>
+            </a:pPr>
+            <a:r>
+              <a:rPr b="0" lang="en-US" sz="4400" spc="-1" strike="noStrike">
+                <a:solidFill>
+                  <a:srgbClr val="ffffff"/>
+                </a:solidFill>
+                <a:latin typeface="Arial"/>
+                <a:ea typeface="DejaVu Sans"/>
+              </a:rPr>
+              <a:t>Modern Eclectic Editions</a:t>
+            </a:r>
+            <a:endParaRPr b="0" lang="en-US" sz="4400" spc="-1" strike="noStrike">
+              <a:latin typeface="Arial"/>
+            </a:endParaRPr>
+          </a:p>
+        </p:txBody>
+      </p:sp>
+      <p:sp>
+        <p:nvSpPr>
+          <p:cNvPr id="679" name=""/>
+          <p:cNvSpPr/>
+          <p:nvPr/>
+        </p:nvSpPr>
+        <p:spPr>
+          <a:xfrm>
+            <a:off x="504000" y="2376000"/>
+            <a:ext cx="9068400" cy="2750760"/>
+          </a:xfrm>
+          <a:prstGeom prst="rect">
+            <a:avLst/>
+          </a:prstGeom>
+          <a:noFill/>
+          <a:ln w="0">
+            <a:noFill/>
+          </a:ln>
+        </p:spPr>
+        <p:style>
+          <a:lnRef idx="0"/>
+          <a:fillRef idx="0"/>
+          <a:effectRef idx="0"/>
+          <a:fontRef idx="minor"/>
+        </p:style>
+        <p:txBody>
+          <a:bodyPr lIns="0" rIns="0" tIns="0" bIns="0" anchor="t">
+            <a:normAutofit/>
+          </a:bodyPr>
           <a:p>
             <a:pPr marL="432000" indent="-324000">
               <a:lnSpc>
@@ -41496,16 +42147,16 @@
               <a:buChar char=""/>
             </a:pPr>
             <a:r>
-              <a:rPr b="0" lang="en-US" sz="1300" spc="-1" strike="noStrike">
+              <a:rPr b="0" lang="en-US" sz="3150" spc="-1" strike="noStrike">
                 <a:solidFill>
                   <a:srgbClr val="ffffff"/>
                 </a:solidFill>
                 <a:latin typeface="Arial"/>
                 <a:ea typeface="DejaVu Sans"/>
               </a:rPr>
-              <a:t>Show examples, 2 peter 3 10</a:t>
-            </a:r>
-            <a:endParaRPr b="0" lang="en-US" sz="1300" spc="-1" strike="noStrike">
+              <a:t>{C} letter system for certainty</a:t>
+            </a:r>
+            <a:endParaRPr b="0" lang="en-US" sz="3150" spc="-1" strike="noStrike">
               <a:latin typeface="Arial"/>
             </a:endParaRPr>
           </a:p>
@@ -41525,16 +42176,245 @@
               <a:buChar char=""/>
             </a:pPr>
             <a:r>
-              <a:rPr b="0" lang="en-US" sz="1300" spc="-1" strike="noStrike">
+              <a:rPr b="0" lang="en-US" sz="3150" spc="-1" strike="noStrike">
                 <a:solidFill>
                   <a:srgbClr val="ffffff"/>
                 </a:solidFill>
                 <a:latin typeface="Arial"/>
                 <a:ea typeface="DejaVu Sans"/>
               </a:rPr>
-              <a:t>Show MSS</a:t>
-            </a:r>
-            <a:endParaRPr b="0" lang="en-US" sz="1300" spc="-1" strike="noStrike">
+              <a:t>Apparatus sources</a:t>
+            </a:r>
+            <a:endParaRPr b="0" lang="en-US" sz="3150" spc="-1" strike="noStrike">
+              <a:latin typeface="Arial"/>
+            </a:endParaRPr>
+          </a:p>
+          <a:p>
+            <a:pPr marL="432000" indent="-324000">
+              <a:lnSpc>
+                <a:spcPct val="100000"/>
+              </a:lnSpc>
+              <a:spcBef>
+                <a:spcPts val="1414"/>
+              </a:spcBef>
+              <a:buClr>
+                <a:srgbClr val="ffffff"/>
+              </a:buClr>
+              <a:buSzPct val="45000"/>
+              <a:buFont typeface="Wingdings" charset="2"/>
+              <a:buChar char=""/>
+            </a:pPr>
+            <a:r>
+              <a:rPr b="0" lang="en-US" sz="3150" spc="-1" strike="noStrike">
+                <a:solidFill>
+                  <a:srgbClr val="ffffff"/>
+                </a:solidFill>
+                <a:latin typeface="Arial"/>
+                <a:ea typeface="DejaVu Sans"/>
+              </a:rPr>
+              <a:t>Worksheet for NT Textual Criticism</a:t>
+            </a:r>
+            <a:endParaRPr b="0" lang="en-US" sz="3150" spc="-1" strike="noStrike">
+              <a:latin typeface="Arial"/>
+            </a:endParaRPr>
+          </a:p>
+        </p:txBody>
+      </p:sp>
+    </p:spTree>
+  </p:cSld>
+  <mc:AlternateContent>
+    <mc:Choice Requires="p14">
+      <p:transition spd="slow" p14:dur="2000"/>
+    </mc:Choice>
+    <mc:Fallback>
+      <p:transition spd="slow"/>
+    </mc:Fallback>
+  </mc:AlternateContent>
+</p:sld>
+</file>
+
+<file path=ppt/slides/slide19.xml><?xml version="1.0" encoding="utf-8"?>
+<p:sld xmlns:a="http://schemas.openxmlformats.org/drawingml/2006/main" xmlns:p="http://schemas.openxmlformats.org/presentationml/2006/main" xmlns:r="http://schemas.openxmlformats.org/officeDocument/2006/relationships" xmlns:p14="http://schemas.microsoft.com/office/powerpoint/2010/main" xmlns:p15="http://schemas.microsoft.com/office/powerpoint/2012/main" xmlns:mc="http://schemas.openxmlformats.org/markup-compatibility/2006">
+  <p:cSld>
+    <p:spTree>
+      <p:nvGrpSpPr>
+        <p:cNvPr id="1" name=""/>
+        <p:cNvGrpSpPr/>
+        <p:nvPr/>
+      </p:nvGrpSpPr>
+      <p:grpSpPr>
+        <a:xfrm>
+          <a:off x="0" y="0"/>
+          <a:ext cx="0" cy="0"/>
+          <a:chOff x="0" y="0"/>
+          <a:chExt cx="0" cy="0"/>
+        </a:xfrm>
+      </p:grpSpPr>
+      <p:sp>
+        <p:nvSpPr>
+          <p:cNvPr id="680" name=""/>
+          <p:cNvSpPr/>
+          <p:nvPr/>
+        </p:nvSpPr>
+        <p:spPr>
+          <a:xfrm>
+            <a:off x="504000" y="810000"/>
+            <a:ext cx="9068400" cy="1292760"/>
+          </a:xfrm>
+          <a:prstGeom prst="rect">
+            <a:avLst/>
+          </a:prstGeom>
+          <a:noFill/>
+          <a:ln w="0">
+            <a:noFill/>
+          </a:ln>
+        </p:spPr>
+        <p:style>
+          <a:lnRef idx="0"/>
+          <a:fillRef idx="0"/>
+          <a:effectRef idx="0"/>
+          <a:fontRef idx="minor"/>
+        </p:style>
+        <p:txBody>
+          <a:bodyPr lIns="0" rIns="0" tIns="0" bIns="0" anchor="ctr">
+            <a:noAutofit/>
+          </a:bodyPr>
+          <a:p>
+            <a:pPr algn="ctr">
+              <a:lnSpc>
+                <a:spcPct val="100000"/>
+              </a:lnSpc>
+              <a:buNone/>
+            </a:pPr>
+            <a:r>
+              <a:rPr b="0" lang="en-US" sz="4400" spc="-1" strike="noStrike">
+                <a:solidFill>
+                  <a:srgbClr val="ffffff"/>
+                </a:solidFill>
+                <a:latin typeface="Arial"/>
+                <a:ea typeface="DejaVu Sans"/>
+              </a:rPr>
+              <a:t>Determining Most Plausible Reading</a:t>
+            </a:r>
+            <a:endParaRPr b="0" lang="en-US" sz="4400" spc="-1" strike="noStrike">
+              <a:latin typeface="Arial"/>
+            </a:endParaRPr>
+          </a:p>
+        </p:txBody>
+      </p:sp>
+      <p:sp>
+        <p:nvSpPr>
+          <p:cNvPr id="681" name=""/>
+          <p:cNvSpPr/>
+          <p:nvPr/>
+        </p:nvSpPr>
+        <p:spPr>
+          <a:xfrm>
+            <a:off x="504000" y="2376000"/>
+            <a:ext cx="9068400" cy="2750760"/>
+          </a:xfrm>
+          <a:prstGeom prst="rect">
+            <a:avLst/>
+          </a:prstGeom>
+          <a:noFill/>
+          <a:ln w="0">
+            <a:noFill/>
+          </a:ln>
+        </p:spPr>
+        <p:style>
+          <a:lnRef idx="0"/>
+          <a:fillRef idx="0"/>
+          <a:effectRef idx="0"/>
+          <a:fontRef idx="minor"/>
+        </p:style>
+        <p:txBody>
+          <a:bodyPr lIns="0" rIns="0" tIns="0" bIns="0" anchor="t">
+            <a:normAutofit/>
+          </a:bodyPr>
+          <a:p>
+            <a:pPr marL="432000" indent="-324000">
+              <a:lnSpc>
+                <a:spcPct val="100000"/>
+              </a:lnSpc>
+              <a:spcBef>
+                <a:spcPts val="1414"/>
+              </a:spcBef>
+              <a:buClr>
+                <a:srgbClr val="ffffff"/>
+              </a:buClr>
+              <a:buSzPct val="45000"/>
+              <a:buFont typeface="Wingdings" charset="2"/>
+              <a:buChar char=""/>
+            </a:pPr>
+            <a:r>
+              <a:rPr b="0" lang="en-US" sz="3150" spc="-1" strike="noStrike">
+                <a:solidFill>
+                  <a:srgbClr val="ffffff"/>
+                </a:solidFill>
+                <a:latin typeface="Arial"/>
+                <a:ea typeface="DejaVu Sans"/>
+              </a:rPr>
+              <a:t>{C} letter system for certainty</a:t>
+            </a:r>
+            <a:endParaRPr b="0" lang="en-US" sz="3150" spc="-1" strike="noStrike">
+              <a:latin typeface="Arial"/>
+            </a:endParaRPr>
+          </a:p>
+          <a:p>
+            <a:pPr marL="432000" indent="-324000">
+              <a:lnSpc>
+                <a:spcPct val="100000"/>
+              </a:lnSpc>
+              <a:spcBef>
+                <a:spcPts val="1414"/>
+              </a:spcBef>
+              <a:buClr>
+                <a:srgbClr val="ffffff"/>
+              </a:buClr>
+              <a:buSzPct val="45000"/>
+              <a:buFont typeface="Wingdings" charset="2"/>
+              <a:buChar char=""/>
+            </a:pPr>
+            <a:r>
+              <a:rPr b="0" lang="en-US" sz="3150" spc="-1" strike="noStrike">
+                <a:solidFill>
+                  <a:srgbClr val="ffffff"/>
+                </a:solidFill>
+                <a:latin typeface="Arial"/>
+                <a:ea typeface="DejaVu Sans"/>
+              </a:rPr>
+              <a:t>Apparatus sources</a:t>
+            </a:r>
+            <a:endParaRPr b="0" lang="en-US" sz="3150" spc="-1" strike="noStrike">
+              <a:latin typeface="Arial"/>
+            </a:endParaRPr>
+          </a:p>
+          <a:p>
+            <a:pPr marL="432000" indent="-324000">
+              <a:lnSpc>
+                <a:spcPct val="100000"/>
+              </a:lnSpc>
+              <a:spcBef>
+                <a:spcPts val="1414"/>
+              </a:spcBef>
+              <a:buClr>
+                <a:srgbClr val="ffffff"/>
+              </a:buClr>
+              <a:buSzPct val="45000"/>
+              <a:buFont typeface="Wingdings" charset="2"/>
+              <a:buChar char=""/>
+            </a:pPr>
+            <a:r>
+              <a:rPr b="0" lang="en-US" sz="3150" spc="-1" strike="noStrike">
+                <a:solidFill>
+                  <a:srgbClr val="ffffff"/>
+                </a:solidFill>
+                <a:latin typeface="Arial"/>
+                <a:ea typeface="DejaVu Sans"/>
+              </a:rPr>
+              <a:t>Worksheet for NT Textual Criticism</a:t>
+            </a:r>
+            <a:endParaRPr b="0" lang="en-US" sz="3150" spc="-1" strike="noStrike">
               <a:latin typeface="Arial"/>
             </a:endParaRPr>
           </a:p>
@@ -41586,7 +42466,7 @@
         <p:spPr>
           <a:xfrm>
             <a:off x="504000" y="810000"/>
-            <a:ext cx="9069120" cy="1293480"/>
+            <a:ext cx="9068400" cy="1292760"/>
           </a:xfrm>
           <a:prstGeom prst="rect">
             <a:avLst/>
@@ -41638,7 +42518,7 @@
         <p:spPr>
           <a:xfrm>
             <a:off x="504000" y="2376000"/>
-            <a:ext cx="9069120" cy="2751480"/>
+            <a:ext cx="9068400" cy="2750760"/>
           </a:xfrm>
           <a:prstGeom prst="rect">
             <a:avLst/>
@@ -41664,7 +42544,7 @@
         <p:spPr>
           <a:xfrm>
             <a:off x="-75600" y="-1810440"/>
-            <a:ext cx="10238400" cy="9304560"/>
+            <a:ext cx="10237680" cy="9303840"/>
           </a:xfrm>
           <a:prstGeom prst="rect">
             <a:avLst/>
@@ -42352,6 +43232,551 @@
               <a:t> Edited by Barbara Aland, Kurt Aland, Johannes Karavidopoulos, Carlo M. Martini, and Bruce M. Metzger. 28. revidierte Auflage. Stuttgart: Deutsche Bibelgesellschaft, 2012.</a:t>
             </a:r>
             <a:endParaRPr b="0" lang="en-US" sz="1200" spc="-1" strike="noStrike">
+              <a:latin typeface="Arial"/>
+            </a:endParaRPr>
+          </a:p>
+        </p:txBody>
+      </p:sp>
+    </p:spTree>
+  </p:cSld>
+  <mc:AlternateContent>
+    <mc:Choice Requires="p14">
+      <p:transition spd="slow" p14:dur="2000"/>
+    </mc:Choice>
+    <mc:Fallback>
+      <p:transition spd="slow"/>
+    </mc:Fallback>
+  </mc:AlternateContent>
+</p:sld>
+</file>
+
+<file path=ppt/slides/slide20.xml><?xml version="1.0" encoding="utf-8"?>
+<p:sld xmlns:a="http://schemas.openxmlformats.org/drawingml/2006/main" xmlns:p="http://schemas.openxmlformats.org/presentationml/2006/main" xmlns:r="http://schemas.openxmlformats.org/officeDocument/2006/relationships" xmlns:p14="http://schemas.microsoft.com/office/powerpoint/2010/main" xmlns:p15="http://schemas.microsoft.com/office/powerpoint/2012/main" xmlns:mc="http://schemas.openxmlformats.org/markup-compatibility/2006">
+  <p:cSld>
+    <p:spTree>
+      <p:nvGrpSpPr>
+        <p:cNvPr id="1" name=""/>
+        <p:cNvGrpSpPr/>
+        <p:nvPr/>
+      </p:nvGrpSpPr>
+      <p:grpSpPr>
+        <a:xfrm>
+          <a:off x="0" y="0"/>
+          <a:ext cx="0" cy="0"/>
+          <a:chOff x="0" y="0"/>
+          <a:chExt cx="0" cy="0"/>
+        </a:xfrm>
+      </p:grpSpPr>
+      <p:sp>
+        <p:nvSpPr>
+          <p:cNvPr id="682" name=""/>
+          <p:cNvSpPr/>
+          <p:nvPr/>
+        </p:nvSpPr>
+        <p:spPr>
+          <a:xfrm>
+            <a:off x="504000" y="810000"/>
+            <a:ext cx="9068400" cy="1292760"/>
+          </a:xfrm>
+          <a:prstGeom prst="rect">
+            <a:avLst/>
+          </a:prstGeom>
+          <a:noFill/>
+          <a:ln w="0">
+            <a:noFill/>
+          </a:ln>
+        </p:spPr>
+        <p:style>
+          <a:lnRef idx="0"/>
+          <a:fillRef idx="0"/>
+          <a:effectRef idx="0"/>
+          <a:fontRef idx="minor"/>
+        </p:style>
+        <p:txBody>
+          <a:bodyPr lIns="0" rIns="0" tIns="0" bIns="0" anchor="ctr">
+            <a:noAutofit/>
+          </a:bodyPr>
+          <a:p>
+            <a:pPr algn="ctr">
+              <a:lnSpc>
+                <a:spcPct val="100000"/>
+              </a:lnSpc>
+              <a:buNone/>
+            </a:pPr>
+            <a:r>
+              <a:rPr b="0" lang="en-US" sz="4400" spc="-1" strike="noStrike">
+                <a:solidFill>
+                  <a:srgbClr val="ffffff"/>
+                </a:solidFill>
+                <a:latin typeface="Arial"/>
+                <a:ea typeface="DejaVu Sans"/>
+              </a:rPr>
+              <a:t>Takeways</a:t>
+            </a:r>
+            <a:endParaRPr b="0" lang="en-US" sz="4400" spc="-1" strike="noStrike">
+              <a:latin typeface="Arial"/>
+            </a:endParaRPr>
+          </a:p>
+        </p:txBody>
+      </p:sp>
+      <p:sp>
+        <p:nvSpPr>
+          <p:cNvPr id="683" name=""/>
+          <p:cNvSpPr/>
+          <p:nvPr/>
+        </p:nvSpPr>
+        <p:spPr>
+          <a:xfrm>
+            <a:off x="504000" y="2376000"/>
+            <a:ext cx="9068400" cy="2750760"/>
+          </a:xfrm>
+          <a:prstGeom prst="rect">
+            <a:avLst/>
+          </a:prstGeom>
+          <a:noFill/>
+          <a:ln w="0">
+            <a:noFill/>
+          </a:ln>
+        </p:spPr>
+        <p:style>
+          <a:lnRef idx="0"/>
+          <a:fillRef idx="0"/>
+          <a:effectRef idx="0"/>
+          <a:fontRef idx="minor"/>
+        </p:style>
+        <p:txBody>
+          <a:bodyPr lIns="0" rIns="0" tIns="0" bIns="0" anchor="t">
+            <a:normAutofit/>
+          </a:bodyPr>
+          <a:p>
+            <a:pPr marL="432000" indent="-324000">
+              <a:lnSpc>
+                <a:spcPct val="100000"/>
+              </a:lnSpc>
+              <a:spcBef>
+                <a:spcPts val="1414"/>
+              </a:spcBef>
+              <a:buClr>
+                <a:srgbClr val="ffffff"/>
+              </a:buClr>
+              <a:buSzPct val="45000"/>
+              <a:buFont typeface="Wingdings" charset="2"/>
+              <a:buChar char=""/>
+            </a:pPr>
+            <a:r>
+              <a:rPr b="0" lang="en-US" sz="3150" spc="-1" strike="noStrike">
+                <a:solidFill>
+                  <a:srgbClr val="ffffff"/>
+                </a:solidFill>
+                <a:latin typeface="Arial"/>
+                <a:ea typeface="DejaVu Sans"/>
+              </a:rPr>
+              <a:t>Living Tradition, not Sola, cath and protestant</a:t>
+            </a:r>
+            <a:endParaRPr b="0" lang="en-US" sz="3150" spc="-1" strike="noStrike">
+              <a:latin typeface="Arial"/>
+            </a:endParaRPr>
+          </a:p>
+          <a:p>
+            <a:pPr marL="432000" indent="-324000">
+              <a:lnSpc>
+                <a:spcPct val="100000"/>
+              </a:lnSpc>
+              <a:spcBef>
+                <a:spcPts val="1414"/>
+              </a:spcBef>
+              <a:buClr>
+                <a:srgbClr val="ffffff"/>
+              </a:buClr>
+              <a:buSzPct val="45000"/>
+              <a:buFont typeface="Wingdings" charset="2"/>
+              <a:buChar char=""/>
+            </a:pPr>
+            <a:r>
+              <a:rPr b="0" lang="en-US" sz="3150" spc="-1" strike="noStrike">
+                <a:solidFill>
+                  <a:srgbClr val="ffffff"/>
+                </a:solidFill>
+                <a:latin typeface="Arial"/>
+                <a:ea typeface="DejaVu Sans"/>
+              </a:rPr>
+              <a:t>Teach wisdom, do not indoctrinate</a:t>
+            </a:r>
+            <a:endParaRPr b="0" lang="en-US" sz="3150" spc="-1" strike="noStrike">
+              <a:latin typeface="Arial"/>
+            </a:endParaRPr>
+          </a:p>
+          <a:p>
+            <a:pPr marL="432000" indent="-324000">
+              <a:lnSpc>
+                <a:spcPct val="100000"/>
+              </a:lnSpc>
+              <a:spcBef>
+                <a:spcPts val="1414"/>
+              </a:spcBef>
+              <a:buClr>
+                <a:srgbClr val="ffffff"/>
+              </a:buClr>
+              <a:buSzPct val="45000"/>
+              <a:buFont typeface="Wingdings" charset="2"/>
+              <a:buChar char=""/>
+            </a:pPr>
+            <a:r>
+              <a:rPr b="0" lang="en-US" sz="3150" spc="-1" strike="noStrike">
+                <a:solidFill>
+                  <a:srgbClr val="ffffff"/>
+                </a:solidFill>
+                <a:latin typeface="Arial"/>
+                <a:ea typeface="DejaVu Sans"/>
+              </a:rPr>
+              <a:t>Argue with reason, not religion</a:t>
+            </a:r>
+            <a:endParaRPr b="0" lang="en-US" sz="3150" spc="-1" strike="noStrike">
+              <a:latin typeface="Arial"/>
+            </a:endParaRPr>
+          </a:p>
+          <a:p>
+            <a:pPr marL="432000" indent="-324000">
+              <a:lnSpc>
+                <a:spcPct val="100000"/>
+              </a:lnSpc>
+              <a:spcBef>
+                <a:spcPts val="1414"/>
+              </a:spcBef>
+              <a:buClr>
+                <a:srgbClr val="ffffff"/>
+              </a:buClr>
+              <a:buSzPct val="45000"/>
+              <a:buFont typeface="Wingdings" charset="2"/>
+              <a:buChar char=""/>
+            </a:pPr>
+            <a:r>
+              <a:rPr b="0" lang="en-US" sz="3150" spc="-1" strike="noStrike">
+                <a:solidFill>
+                  <a:srgbClr val="ffffff"/>
+                </a:solidFill>
+                <a:latin typeface="Arial"/>
+                <a:ea typeface="DejaVu Sans"/>
+              </a:rPr>
+              <a:t>Truth is objective, but subjective in this climate</a:t>
+            </a:r>
+            <a:endParaRPr b="0" lang="en-US" sz="3150" spc="-1" strike="noStrike">
+              <a:latin typeface="Arial"/>
+            </a:endParaRPr>
+          </a:p>
+        </p:txBody>
+      </p:sp>
+    </p:spTree>
+  </p:cSld>
+  <mc:AlternateContent>
+    <mc:Choice Requires="p14">
+      <p:transition spd="slow" p14:dur="2000"/>
+    </mc:Choice>
+    <mc:Fallback>
+      <p:transition spd="slow"/>
+    </mc:Fallback>
+  </mc:AlternateContent>
+</p:sld>
+</file>
+
+<file path=ppt/slides/slide21.xml><?xml version="1.0" encoding="utf-8"?>
+<p:sld xmlns:a="http://schemas.openxmlformats.org/drawingml/2006/main" xmlns:p="http://schemas.openxmlformats.org/presentationml/2006/main" xmlns:r="http://schemas.openxmlformats.org/officeDocument/2006/relationships" xmlns:p14="http://schemas.microsoft.com/office/powerpoint/2010/main" xmlns:p15="http://schemas.microsoft.com/office/powerpoint/2012/main" xmlns:mc="http://schemas.openxmlformats.org/markup-compatibility/2006">
+  <p:cSld>
+    <p:spTree>
+      <p:nvGrpSpPr>
+        <p:cNvPr id="1" name=""/>
+        <p:cNvGrpSpPr/>
+        <p:nvPr/>
+      </p:nvGrpSpPr>
+      <p:grpSpPr>
+        <a:xfrm>
+          <a:off x="0" y="0"/>
+          <a:ext cx="0" cy="0"/>
+          <a:chOff x="0" y="0"/>
+          <a:chExt cx="0" cy="0"/>
+        </a:xfrm>
+      </p:grpSpPr>
+      <p:sp>
+        <p:nvSpPr>
+          <p:cNvPr id="684" name=""/>
+          <p:cNvSpPr/>
+          <p:nvPr/>
+        </p:nvSpPr>
+        <p:spPr>
+          <a:xfrm>
+            <a:off x="504000" y="810000"/>
+            <a:ext cx="9068400" cy="1292760"/>
+          </a:xfrm>
+          <a:prstGeom prst="rect">
+            <a:avLst/>
+          </a:prstGeom>
+          <a:noFill/>
+          <a:ln w="0">
+            <a:noFill/>
+          </a:ln>
+        </p:spPr>
+        <p:style>
+          <a:lnRef idx="0"/>
+          <a:fillRef idx="0"/>
+          <a:effectRef idx="0"/>
+          <a:fontRef idx="minor"/>
+        </p:style>
+        <p:txBody>
+          <a:bodyPr lIns="0" rIns="0" tIns="0" bIns="0" anchor="ctr">
+            <a:noAutofit/>
+          </a:bodyPr>
+          <a:p>
+            <a:pPr algn="ctr">
+              <a:lnSpc>
+                <a:spcPct val="100000"/>
+              </a:lnSpc>
+              <a:buNone/>
+            </a:pPr>
+            <a:r>
+              <a:rPr b="0" lang="en-US" sz="4400" spc="-1" strike="noStrike">
+                <a:solidFill>
+                  <a:srgbClr val="ffffff"/>
+                </a:solidFill>
+                <a:latin typeface="Arial"/>
+                <a:ea typeface="DejaVu Sans"/>
+              </a:rPr>
+              <a:t>TODO</a:t>
+            </a:r>
+            <a:endParaRPr b="0" lang="en-US" sz="4400" spc="-1" strike="noStrike">
+              <a:latin typeface="Arial"/>
+            </a:endParaRPr>
+          </a:p>
+        </p:txBody>
+      </p:sp>
+      <p:sp>
+        <p:nvSpPr>
+          <p:cNvPr id="685" name=""/>
+          <p:cNvSpPr/>
+          <p:nvPr/>
+        </p:nvSpPr>
+        <p:spPr>
+          <a:xfrm>
+            <a:off x="504000" y="2376000"/>
+            <a:ext cx="9068400" cy="2750760"/>
+          </a:xfrm>
+          <a:prstGeom prst="rect">
+            <a:avLst/>
+          </a:prstGeom>
+          <a:noFill/>
+          <a:ln w="0">
+            <a:noFill/>
+          </a:ln>
+        </p:spPr>
+        <p:style>
+          <a:lnRef idx="0"/>
+          <a:fillRef idx="0"/>
+          <a:effectRef idx="0"/>
+          <a:fontRef idx="minor"/>
+        </p:style>
+        <p:txBody>
+          <a:bodyPr lIns="0" rIns="0" tIns="0" bIns="0" anchor="t">
+            <a:normAutofit/>
+          </a:bodyPr>
+          <a:p>
+            <a:pPr marL="432000" indent="-324000">
+              <a:lnSpc>
+                <a:spcPct val="100000"/>
+              </a:lnSpc>
+              <a:spcBef>
+                <a:spcPts val="1414"/>
+              </a:spcBef>
+              <a:buClr>
+                <a:srgbClr val="ffffff"/>
+              </a:buClr>
+              <a:buSzPct val="45000"/>
+              <a:buFont typeface="Wingdings" charset="2"/>
+              <a:buChar char=""/>
+            </a:pPr>
+            <a:r>
+              <a:rPr b="0" lang="en-US" sz="1300" spc="-1" strike="noStrike">
+                <a:solidFill>
+                  <a:srgbClr val="ffffff"/>
+                </a:solidFill>
+                <a:latin typeface="Arial"/>
+                <a:ea typeface="DejaVu Sans"/>
+              </a:rPr>
+              <a:t>Give Metzger commentary example of variant resolution</a:t>
+            </a:r>
+            <a:endParaRPr b="0" lang="en-US" sz="1300" spc="-1" strike="noStrike">
+              <a:latin typeface="Arial"/>
+            </a:endParaRPr>
+          </a:p>
+          <a:p>
+            <a:pPr marL="432000" indent="-324000">
+              <a:lnSpc>
+                <a:spcPct val="100000"/>
+              </a:lnSpc>
+              <a:spcBef>
+                <a:spcPts val="1414"/>
+              </a:spcBef>
+              <a:buClr>
+                <a:srgbClr val="ffffff"/>
+              </a:buClr>
+              <a:buSzPct val="45000"/>
+              <a:buFont typeface="Wingdings" charset="2"/>
+              <a:buChar char=""/>
+            </a:pPr>
+            <a:r>
+              <a:rPr b="0" lang="en-US" sz="1300" spc="-1" strike="noStrike">
+                <a:solidFill>
+                  <a:srgbClr val="ffffff"/>
+                </a:solidFill>
+                <a:latin typeface="Arial"/>
+                <a:ea typeface="DejaVu Sans"/>
+              </a:rPr>
+              <a:t>CBGM record, text, mss, CBGM source code</a:t>
+            </a:r>
+            <a:endParaRPr b="0" lang="en-US" sz="1300" spc="-1" strike="noStrike">
+              <a:latin typeface="Arial"/>
+            </a:endParaRPr>
+          </a:p>
+          <a:p>
+            <a:pPr marL="432000" indent="-324000">
+              <a:lnSpc>
+                <a:spcPct val="100000"/>
+              </a:lnSpc>
+              <a:spcBef>
+                <a:spcPts val="1414"/>
+              </a:spcBef>
+              <a:buClr>
+                <a:srgbClr val="ffffff"/>
+              </a:buClr>
+              <a:buSzPct val="45000"/>
+              <a:buFont typeface="Wingdings" charset="2"/>
+              <a:buChar char=""/>
+            </a:pPr>
+            <a:r>
+              <a:rPr b="0" lang="en-US" sz="1300" spc="-1" strike="noStrike">
+                <a:solidFill>
+                  <a:srgbClr val="ffffff"/>
+                </a:solidFill>
+                <a:latin typeface="Arial"/>
+                <a:ea typeface="DejaVu Sans"/>
+              </a:rPr>
+              <a:t>Define predicate e.g. generic swap</a:t>
+            </a:r>
+            <a:endParaRPr b="0" lang="en-US" sz="1300" spc="-1" strike="noStrike">
+              <a:latin typeface="Arial"/>
+            </a:endParaRPr>
+          </a:p>
+          <a:p>
+            <a:pPr marL="432000" indent="-324000">
+              <a:lnSpc>
+                <a:spcPct val="100000"/>
+              </a:lnSpc>
+              <a:spcBef>
+                <a:spcPts val="1414"/>
+              </a:spcBef>
+              <a:buClr>
+                <a:srgbClr val="ffffff"/>
+              </a:buClr>
+              <a:buSzPct val="45000"/>
+              <a:buFont typeface="Wingdings" charset="2"/>
+              <a:buChar char=""/>
+            </a:pPr>
+            <a:r>
+              <a:rPr b="0" lang="en-US" sz="1300" spc="-1" strike="noStrike">
+                <a:solidFill>
+                  <a:srgbClr val="ffffff"/>
+                </a:solidFill>
+                <a:latin typeface="Arial"/>
+                <a:ea typeface="DejaVu Sans"/>
+              </a:rPr>
+              <a:t>What is ‘a’, ‘b’</a:t>
+            </a:r>
+            <a:endParaRPr b="0" lang="en-US" sz="1300" spc="-1" strike="noStrike">
+              <a:latin typeface="Arial"/>
+            </a:endParaRPr>
+          </a:p>
+          <a:p>
+            <a:pPr marL="432000" indent="-324000">
+              <a:lnSpc>
+                <a:spcPct val="100000"/>
+              </a:lnSpc>
+              <a:spcBef>
+                <a:spcPts val="1414"/>
+              </a:spcBef>
+              <a:buClr>
+                <a:srgbClr val="ffffff"/>
+              </a:buClr>
+              <a:buSzPct val="45000"/>
+              <a:buFont typeface="Wingdings" charset="2"/>
+              <a:buChar char=""/>
+            </a:pPr>
+            <a:r>
+              <a:rPr b="0" lang="en-US" sz="1300" spc="-1" strike="noStrike">
+                <a:solidFill>
+                  <a:srgbClr val="ffffff"/>
+                </a:solidFill>
+                <a:latin typeface="Arial"/>
+                <a:ea typeface="DejaVu Sans"/>
+              </a:rPr>
+              <a:t>Run queries, ask if we will be online</a:t>
+            </a:r>
+            <a:endParaRPr b="0" lang="en-US" sz="1300" spc="-1" strike="noStrike">
+              <a:latin typeface="Arial"/>
+            </a:endParaRPr>
+          </a:p>
+          <a:p>
+            <a:pPr marL="432000" indent="-324000">
+              <a:lnSpc>
+                <a:spcPct val="100000"/>
+              </a:lnSpc>
+              <a:spcBef>
+                <a:spcPts val="1414"/>
+              </a:spcBef>
+              <a:buClr>
+                <a:srgbClr val="ffffff"/>
+              </a:buClr>
+              <a:buSzPct val="45000"/>
+              <a:buFont typeface="Wingdings" charset="2"/>
+              <a:buChar char=""/>
+            </a:pPr>
+            <a:r>
+              <a:rPr b="0" lang="en-US" sz="1300" spc="-1" strike="noStrike">
+                <a:solidFill>
+                  <a:srgbClr val="ffffff"/>
+                </a:solidFill>
+                <a:latin typeface="Arial"/>
+                <a:ea typeface="DejaVu Sans"/>
+              </a:rPr>
+              <a:t>Show examples, 2 peter 3 10</a:t>
+            </a:r>
+            <a:endParaRPr b="0" lang="en-US" sz="1300" spc="-1" strike="noStrike">
+              <a:latin typeface="Arial"/>
+            </a:endParaRPr>
+          </a:p>
+          <a:p>
+            <a:pPr marL="432000" indent="-324000">
+              <a:lnSpc>
+                <a:spcPct val="100000"/>
+              </a:lnSpc>
+              <a:spcBef>
+                <a:spcPts val="1414"/>
+              </a:spcBef>
+              <a:buClr>
+                <a:srgbClr val="ffffff"/>
+              </a:buClr>
+              <a:buSzPct val="45000"/>
+              <a:buFont typeface="Wingdings" charset="2"/>
+              <a:buChar char=""/>
+            </a:pPr>
+            <a:r>
+              <a:rPr b="0" lang="en-US" sz="1300" spc="-1" strike="noStrike">
+                <a:solidFill>
+                  <a:srgbClr val="ffffff"/>
+                </a:solidFill>
+                <a:latin typeface="Arial"/>
+                <a:ea typeface="DejaVu Sans"/>
+              </a:rPr>
+              <a:t>Show MSS</a:t>
+            </a:r>
+            <a:endParaRPr b="0" lang="en-US" sz="1300" spc="-1" strike="noStrike">
               <a:latin typeface="Arial"/>
             </a:endParaRPr>
           </a:p>
@@ -42396,7 +43821,7 @@
         <p:spPr>
           <a:xfrm>
             <a:off x="504000" y="810000"/>
-            <a:ext cx="9069120" cy="1293480"/>
+            <a:ext cx="9068400" cy="1292760"/>
           </a:xfrm>
           <a:prstGeom prst="rect">
             <a:avLst/>
@@ -42448,7 +43873,7 @@
         <p:spPr>
           <a:xfrm>
             <a:off x="504000" y="2376000"/>
-            <a:ext cx="9069120" cy="2751480"/>
+            <a:ext cx="9068400" cy="2750760"/>
           </a:xfrm>
           <a:prstGeom prst="rect">
             <a:avLst/>
@@ -42596,7 +44021,7 @@
         <p:spPr>
           <a:xfrm>
             <a:off x="504000" y="810000"/>
-            <a:ext cx="9069120" cy="1293480"/>
+            <a:ext cx="9068400" cy="1292760"/>
           </a:xfrm>
           <a:prstGeom prst="rect">
             <a:avLst/>
@@ -42648,7 +44073,7 @@
         <p:spPr>
           <a:xfrm>
             <a:off x="504000" y="2376000"/>
-            <a:ext cx="9069120" cy="2751480"/>
+            <a:ext cx="9068400" cy="2750760"/>
           </a:xfrm>
           <a:prstGeom prst="rect">
             <a:avLst/>
@@ -42796,7 +44221,7 @@
         <p:spPr>
           <a:xfrm>
             <a:off x="504000" y="810000"/>
-            <a:ext cx="9069120" cy="1293480"/>
+            <a:ext cx="9068400" cy="1292760"/>
           </a:xfrm>
           <a:prstGeom prst="rect">
             <a:avLst/>
@@ -42848,7 +44273,7 @@
         <p:spPr>
           <a:xfrm>
             <a:off x="504000" y="2376000"/>
-            <a:ext cx="9069120" cy="2751480"/>
+            <a:ext cx="9068400" cy="2750760"/>
           </a:xfrm>
           <a:prstGeom prst="rect">
             <a:avLst/>
@@ -42967,7 +44392,7 @@
         <p:spPr>
           <a:xfrm>
             <a:off x="504000" y="810000"/>
-            <a:ext cx="9069120" cy="1293480"/>
+            <a:ext cx="9068400" cy="1292760"/>
           </a:xfrm>
           <a:prstGeom prst="rect">
             <a:avLst/>
@@ -43019,7 +44444,7 @@
         <p:spPr>
           <a:xfrm>
             <a:off x="504000" y="2376000"/>
-            <a:ext cx="9069120" cy="2751480"/>
+            <a:ext cx="9068400" cy="2750760"/>
           </a:xfrm>
           <a:prstGeom prst="rect">
             <a:avLst/>
@@ -43138,7 +44563,7 @@
         <p:spPr>
           <a:xfrm>
             <a:off x="504000" y="810000"/>
-            <a:ext cx="9069120" cy="1293480"/>
+            <a:ext cx="9068400" cy="1292760"/>
           </a:xfrm>
           <a:prstGeom prst="rect">
             <a:avLst/>
@@ -43190,7 +44615,7 @@
         <p:spPr>
           <a:xfrm>
             <a:off x="504000" y="2376000"/>
-            <a:ext cx="9069120" cy="2751480"/>
+            <a:ext cx="9068400" cy="2750760"/>
           </a:xfrm>
           <a:prstGeom prst="rect">
             <a:avLst/>
@@ -43378,7 +44803,7 @@
         <p:spPr>
           <a:xfrm>
             <a:off x="504000" y="810000"/>
-            <a:ext cx="9069120" cy="1293480"/>
+            <a:ext cx="9068400" cy="1292760"/>
           </a:xfrm>
           <a:prstGeom prst="rect">
             <a:avLst/>
@@ -43430,7 +44855,7 @@
         <p:spPr>
           <a:xfrm>
             <a:off x="504000" y="2376000"/>
-            <a:ext cx="9069120" cy="2751480"/>
+            <a:ext cx="9068400" cy="2750760"/>
           </a:xfrm>
           <a:prstGeom prst="rect">
             <a:avLst/>
@@ -43534,7 +44959,7 @@
         <p:spPr>
           <a:xfrm>
             <a:off x="504000" y="810000"/>
-            <a:ext cx="9069120" cy="1293480"/>
+            <a:ext cx="9068400" cy="1292760"/>
           </a:xfrm>
           <a:prstGeom prst="rect">
             <a:avLst/>
@@ -43586,7 +45011,7 @@
         <p:spPr>
           <a:xfrm>
             <a:off x="504000" y="2376000"/>
-            <a:ext cx="9069120" cy="2751480"/>
+            <a:ext cx="9068400" cy="2750760"/>
           </a:xfrm>
           <a:prstGeom prst="rect">
             <a:avLst/>

--- a/LostTransmission.pptx
+++ b/LostTransmission.pptx
@@ -39,6 +39,16 @@
     <p:sldId id="273" r:id="rId32"/>
     <p:sldId id="274" r:id="rId33"/>
     <p:sldId id="275" r:id="rId34"/>
+    <p:sldId id="276" r:id="rId35"/>
+    <p:sldId id="277" r:id="rId36"/>
+    <p:sldId id="278" r:id="rId37"/>
+    <p:sldId id="279" r:id="rId38"/>
+    <p:sldId id="280" r:id="rId39"/>
+    <p:sldId id="281" r:id="rId40"/>
+    <p:sldId id="282" r:id="rId41"/>
+    <p:sldId id="283" r:id="rId42"/>
+    <p:sldId id="284" r:id="rId43"/>
+    <p:sldId id="285" r:id="rId44"/>
   </p:sldIdLst>
   <p:sldSz cx="10077450" cy="5668963"/>
   <p:notesSz cx="7559675" cy="10691813"/>
@@ -322,7 +332,7 @@
             <a:pPr algn="r">
               <a:buNone/>
             </a:pPr>
-            <a:fld id="{634D2E72-CE86-4153-AF12-09E546D5B555}" type="slidenum">
+            <a:fld id="{BA679224-63A9-4FAA-89C0-AF26C1B5B748}" type="slidenum">
               <a:rPr b="0" lang="en-US" sz="1400" spc="-1" strike="noStrike">
                 <a:latin typeface="Times New Roman"/>
               </a:rPr>
@@ -359,7 +369,7 @@
       </p:grpSpPr>
       <p:sp>
         <p:nvSpPr>
-          <p:cNvPr id="684" name="PlaceHolder 1"/>
+          <p:cNvPr id="704" name="PlaceHolder 1"/>
           <p:cNvSpPr>
             <a:spLocks noGrp="1"/>
           </p:cNvSpPr>
@@ -370,19 +380,19 @@
         <p:spPr>
           <a:xfrm>
             <a:off x="1107000" y="812520"/>
-            <a:ext cx="5342400" cy="4006080"/>
-          </a:xfrm>
-          <a:prstGeom prst="rect">
-            <a:avLst/>
-          </a:prstGeom>
-          <a:ln w="0">
-            <a:noFill/>
-          </a:ln>
-        </p:spPr>
-      </p:sp>
-      <p:sp>
-        <p:nvSpPr>
-          <p:cNvPr id="685" name="PlaceHolder 2"/>
+            <a:ext cx="5342040" cy="4005720"/>
+          </a:xfrm>
+          <a:prstGeom prst="rect">
+            <a:avLst/>
+          </a:prstGeom>
+          <a:ln w="0">
+            <a:noFill/>
+          </a:ln>
+        </p:spPr>
+      </p:sp>
+      <p:sp>
+        <p:nvSpPr>
+          <p:cNvPr id="705" name="PlaceHolder 2"/>
           <p:cNvSpPr>
             <a:spLocks noGrp="1"/>
           </p:cNvSpPr>
@@ -393,7 +403,7 @@
         <p:spPr>
           <a:xfrm>
             <a:off x="756000" y="5078520"/>
-            <a:ext cx="6044760" cy="4808160"/>
+            <a:ext cx="6044400" cy="4807800"/>
           </a:xfrm>
           <a:prstGeom prst="rect">
             <a:avLst/>
@@ -453,7 +463,7 @@
       </p:grpSpPr>
       <p:sp>
         <p:nvSpPr>
-          <p:cNvPr id="702" name="PlaceHolder 1"/>
+          <p:cNvPr id="722" name="PlaceHolder 1"/>
           <p:cNvSpPr>
             <a:spLocks noGrp="1"/>
           </p:cNvSpPr>
@@ -464,19 +474,19 @@
         <p:spPr>
           <a:xfrm>
             <a:off x="216000" y="812520"/>
-            <a:ext cx="7122600" cy="4004280"/>
-          </a:xfrm>
-          <a:prstGeom prst="rect">
-            <a:avLst/>
-          </a:prstGeom>
-          <a:ln w="0">
-            <a:noFill/>
-          </a:ln>
-        </p:spPr>
-      </p:sp>
-      <p:sp>
-        <p:nvSpPr>
-          <p:cNvPr id="703" name="PlaceHolder 2"/>
+            <a:ext cx="7122240" cy="4003920"/>
+          </a:xfrm>
+          <a:prstGeom prst="rect">
+            <a:avLst/>
+          </a:prstGeom>
+          <a:ln w="0">
+            <a:noFill/>
+          </a:ln>
+        </p:spPr>
+      </p:sp>
+      <p:sp>
+        <p:nvSpPr>
+          <p:cNvPr id="723" name="PlaceHolder 2"/>
           <p:cNvSpPr>
             <a:spLocks noGrp="1"/>
           </p:cNvSpPr>
@@ -487,7 +497,7 @@
         <p:spPr>
           <a:xfrm>
             <a:off x="756000" y="5078520"/>
-            <a:ext cx="6042960" cy="4806360"/>
+            <a:ext cx="6042600" cy="4806000"/>
           </a:xfrm>
           <a:prstGeom prst="rect">
             <a:avLst/>
@@ -561,7 +571,7 @@
       </p:grpSpPr>
       <p:sp>
         <p:nvSpPr>
-          <p:cNvPr id="704" name="PlaceHolder 1"/>
+          <p:cNvPr id="724" name="PlaceHolder 1"/>
           <p:cNvSpPr>
             <a:spLocks noGrp="1"/>
           </p:cNvSpPr>
@@ -572,19 +582,19 @@
         <p:spPr>
           <a:xfrm>
             <a:off x="216000" y="812520"/>
-            <a:ext cx="7122600" cy="4004280"/>
-          </a:xfrm>
-          <a:prstGeom prst="rect">
-            <a:avLst/>
-          </a:prstGeom>
-          <a:ln w="0">
-            <a:noFill/>
-          </a:ln>
-        </p:spPr>
-      </p:sp>
-      <p:sp>
-        <p:nvSpPr>
-          <p:cNvPr id="705" name="PlaceHolder 2"/>
+            <a:ext cx="7122240" cy="4003920"/>
+          </a:xfrm>
+          <a:prstGeom prst="rect">
+            <a:avLst/>
+          </a:prstGeom>
+          <a:ln w="0">
+            <a:noFill/>
+          </a:ln>
+        </p:spPr>
+      </p:sp>
+      <p:sp>
+        <p:nvSpPr>
+          <p:cNvPr id="725" name="PlaceHolder 2"/>
           <p:cNvSpPr>
             <a:spLocks noGrp="1"/>
           </p:cNvSpPr>
@@ -595,7 +605,7 @@
         <p:spPr>
           <a:xfrm>
             <a:off x="756000" y="5078520"/>
-            <a:ext cx="6042960" cy="4806360"/>
+            <a:ext cx="6042600" cy="4806000"/>
           </a:xfrm>
           <a:prstGeom prst="rect">
             <a:avLst/>
@@ -641,14 +651,14 @@
       </p:sp>
       <p:sp>
         <p:nvSpPr>
-          <p:cNvPr id="706" name=""/>
+          <p:cNvPr id="726" name=""/>
           <p:cNvSpPr/>
           <p:nvPr/>
         </p:nvSpPr>
         <p:spPr>
           <a:xfrm>
             <a:off x="10080" y="4970160"/>
-            <a:ext cx="7302600" cy="5718960"/>
+            <a:ext cx="7302240" cy="5718600"/>
           </a:xfrm>
           <a:prstGeom prst="rect">
             <a:avLst/>
@@ -838,7 +848,7 @@
       </p:grpSpPr>
       <p:sp>
         <p:nvSpPr>
-          <p:cNvPr id="707" name="PlaceHolder 1"/>
+          <p:cNvPr id="727" name="PlaceHolder 1"/>
           <p:cNvSpPr>
             <a:spLocks noGrp="1"/>
           </p:cNvSpPr>
@@ -849,19 +859,19 @@
         <p:spPr>
           <a:xfrm>
             <a:off x="216000" y="812520"/>
-            <a:ext cx="7122600" cy="4004280"/>
-          </a:xfrm>
-          <a:prstGeom prst="rect">
-            <a:avLst/>
-          </a:prstGeom>
-          <a:ln w="0">
-            <a:noFill/>
-          </a:ln>
-        </p:spPr>
-      </p:sp>
-      <p:sp>
-        <p:nvSpPr>
-          <p:cNvPr id="708" name="PlaceHolder 2"/>
+            <a:ext cx="7122240" cy="4003920"/>
+          </a:xfrm>
+          <a:prstGeom prst="rect">
+            <a:avLst/>
+          </a:prstGeom>
+          <a:ln w="0">
+            <a:noFill/>
+          </a:ln>
+        </p:spPr>
+      </p:sp>
+      <p:sp>
+        <p:nvSpPr>
+          <p:cNvPr id="728" name="PlaceHolder 2"/>
           <p:cNvSpPr>
             <a:spLocks noGrp="1"/>
           </p:cNvSpPr>
@@ -872,7 +882,7 @@
         <p:spPr>
           <a:xfrm>
             <a:off x="756000" y="5078520"/>
-            <a:ext cx="6042960" cy="4806360"/>
+            <a:ext cx="6042600" cy="4806000"/>
           </a:xfrm>
           <a:prstGeom prst="rect">
             <a:avLst/>
@@ -974,7 +984,7 @@
       </p:grpSpPr>
       <p:sp>
         <p:nvSpPr>
-          <p:cNvPr id="709" name="PlaceHolder 1"/>
+          <p:cNvPr id="729" name="PlaceHolder 1"/>
           <p:cNvSpPr>
             <a:spLocks noGrp="1"/>
           </p:cNvSpPr>
@@ -985,19 +995,19 @@
         <p:spPr>
           <a:xfrm>
             <a:off x="216000" y="812520"/>
-            <a:ext cx="7122600" cy="4004280"/>
-          </a:xfrm>
-          <a:prstGeom prst="rect">
-            <a:avLst/>
-          </a:prstGeom>
-          <a:ln w="0">
-            <a:noFill/>
-          </a:ln>
-        </p:spPr>
-      </p:sp>
-      <p:sp>
-        <p:nvSpPr>
-          <p:cNvPr id="710" name="PlaceHolder 2"/>
+            <a:ext cx="7122240" cy="4003920"/>
+          </a:xfrm>
+          <a:prstGeom prst="rect">
+            <a:avLst/>
+          </a:prstGeom>
+          <a:ln w="0">
+            <a:noFill/>
+          </a:ln>
+        </p:spPr>
+      </p:sp>
+      <p:sp>
+        <p:nvSpPr>
+          <p:cNvPr id="730" name="PlaceHolder 2"/>
           <p:cNvSpPr>
             <a:spLocks noGrp="1"/>
           </p:cNvSpPr>
@@ -1008,7 +1018,7 @@
         <p:spPr>
           <a:xfrm>
             <a:off x="756000" y="5078520"/>
-            <a:ext cx="6042960" cy="4806360"/>
+            <a:ext cx="6042600" cy="4806000"/>
           </a:xfrm>
           <a:prstGeom prst="rect">
             <a:avLst/>
@@ -1054,14 +1064,14 @@
       </p:sp>
       <p:sp>
         <p:nvSpPr>
-          <p:cNvPr id="711" name=""/>
+          <p:cNvPr id="731" name=""/>
           <p:cNvSpPr/>
           <p:nvPr/>
         </p:nvSpPr>
         <p:spPr>
           <a:xfrm>
             <a:off x="228600" y="5432760"/>
-            <a:ext cx="7084440" cy="4852080"/>
+            <a:ext cx="7084080" cy="4851720"/>
           </a:xfrm>
           <a:prstGeom prst="rect">
             <a:avLst/>
@@ -1158,7 +1168,7 @@
       </p:grpSpPr>
       <p:sp>
         <p:nvSpPr>
-          <p:cNvPr id="712" name="PlaceHolder 1"/>
+          <p:cNvPr id="732" name="PlaceHolder 1"/>
           <p:cNvSpPr>
             <a:spLocks noGrp="1"/>
           </p:cNvSpPr>
@@ -1169,19 +1179,19 @@
         <p:spPr>
           <a:xfrm>
             <a:off x="216000" y="812520"/>
-            <a:ext cx="7122600" cy="4004280"/>
-          </a:xfrm>
-          <a:prstGeom prst="rect">
-            <a:avLst/>
-          </a:prstGeom>
-          <a:ln w="0">
-            <a:noFill/>
-          </a:ln>
-        </p:spPr>
-      </p:sp>
-      <p:sp>
-        <p:nvSpPr>
-          <p:cNvPr id="713" name="PlaceHolder 2"/>
+            <a:ext cx="7122240" cy="4003920"/>
+          </a:xfrm>
+          <a:prstGeom prst="rect">
+            <a:avLst/>
+          </a:prstGeom>
+          <a:ln w="0">
+            <a:noFill/>
+          </a:ln>
+        </p:spPr>
+      </p:sp>
+      <p:sp>
+        <p:nvSpPr>
+          <p:cNvPr id="733" name="PlaceHolder 2"/>
           <p:cNvSpPr>
             <a:spLocks noGrp="1"/>
           </p:cNvSpPr>
@@ -1192,7 +1202,7 @@
         <p:spPr>
           <a:xfrm>
             <a:off x="756000" y="5078520"/>
-            <a:ext cx="6042960" cy="4806360"/>
+            <a:ext cx="6042600" cy="4806000"/>
           </a:xfrm>
           <a:prstGeom prst="rect">
             <a:avLst/>
@@ -1238,14 +1248,14 @@
       </p:sp>
       <p:sp>
         <p:nvSpPr>
-          <p:cNvPr id="714" name=""/>
+          <p:cNvPr id="734" name=""/>
           <p:cNvSpPr/>
           <p:nvPr/>
         </p:nvSpPr>
         <p:spPr>
           <a:xfrm>
             <a:off x="0" y="4866120"/>
-            <a:ext cx="7519680" cy="5647320"/>
+            <a:ext cx="7519320" cy="5646960"/>
           </a:xfrm>
           <a:prstGeom prst="rect">
             <a:avLst/>
@@ -1342,7 +1352,7 @@
       </p:grpSpPr>
       <p:sp>
         <p:nvSpPr>
-          <p:cNvPr id="715" name="PlaceHolder 1"/>
+          <p:cNvPr id="735" name="PlaceHolder 1"/>
           <p:cNvSpPr>
             <a:spLocks noGrp="1"/>
           </p:cNvSpPr>
@@ -1353,19 +1363,19 @@
         <p:spPr>
           <a:xfrm>
             <a:off x="216000" y="812520"/>
-            <a:ext cx="7122600" cy="4004280"/>
-          </a:xfrm>
-          <a:prstGeom prst="rect">
-            <a:avLst/>
-          </a:prstGeom>
-          <a:ln w="0">
-            <a:noFill/>
-          </a:ln>
-        </p:spPr>
-      </p:sp>
-      <p:sp>
-        <p:nvSpPr>
-          <p:cNvPr id="716" name="PlaceHolder 2"/>
+            <a:ext cx="7122240" cy="4003920"/>
+          </a:xfrm>
+          <a:prstGeom prst="rect">
+            <a:avLst/>
+          </a:prstGeom>
+          <a:ln w="0">
+            <a:noFill/>
+          </a:ln>
+        </p:spPr>
+      </p:sp>
+      <p:sp>
+        <p:nvSpPr>
+          <p:cNvPr id="736" name="PlaceHolder 2"/>
           <p:cNvSpPr>
             <a:spLocks noGrp="1"/>
           </p:cNvSpPr>
@@ -1376,7 +1386,7 @@
         <p:spPr>
           <a:xfrm>
             <a:off x="756000" y="5078520"/>
-            <a:ext cx="6042960" cy="4806360"/>
+            <a:ext cx="6042600" cy="4806000"/>
           </a:xfrm>
           <a:prstGeom prst="rect">
             <a:avLst/>
@@ -1450,7 +1460,7 @@
       </p:grpSpPr>
       <p:sp>
         <p:nvSpPr>
-          <p:cNvPr id="717" name="PlaceHolder 1"/>
+          <p:cNvPr id="737" name="PlaceHolder 1"/>
           <p:cNvSpPr>
             <a:spLocks noGrp="1"/>
           </p:cNvSpPr>
@@ -1461,19 +1471,19 @@
         <p:spPr>
           <a:xfrm>
             <a:off x="216000" y="812520"/>
-            <a:ext cx="7122600" cy="4004280"/>
-          </a:xfrm>
-          <a:prstGeom prst="rect">
-            <a:avLst/>
-          </a:prstGeom>
-          <a:ln w="0">
-            <a:noFill/>
-          </a:ln>
-        </p:spPr>
-      </p:sp>
-      <p:sp>
-        <p:nvSpPr>
-          <p:cNvPr id="718" name="PlaceHolder 2"/>
+            <a:ext cx="7122240" cy="4003920"/>
+          </a:xfrm>
+          <a:prstGeom prst="rect">
+            <a:avLst/>
+          </a:prstGeom>
+          <a:ln w="0">
+            <a:noFill/>
+          </a:ln>
+        </p:spPr>
+      </p:sp>
+      <p:sp>
+        <p:nvSpPr>
+          <p:cNvPr id="738" name="PlaceHolder 2"/>
           <p:cNvSpPr>
             <a:spLocks noGrp="1"/>
           </p:cNvSpPr>
@@ -1484,7 +1494,7 @@
         <p:spPr>
           <a:xfrm>
             <a:off x="756000" y="5078520"/>
-            <a:ext cx="6042960" cy="4806360"/>
+            <a:ext cx="6042600" cy="4806000"/>
           </a:xfrm>
           <a:prstGeom prst="rect">
             <a:avLst/>
@@ -1558,7 +1568,7 @@
       </p:grpSpPr>
       <p:sp>
         <p:nvSpPr>
-          <p:cNvPr id="719" name="PlaceHolder 1"/>
+          <p:cNvPr id="739" name="PlaceHolder 1"/>
           <p:cNvSpPr>
             <a:spLocks noGrp="1"/>
           </p:cNvSpPr>
@@ -1569,19 +1579,19 @@
         <p:spPr>
           <a:xfrm>
             <a:off x="216000" y="812520"/>
-            <a:ext cx="7122600" cy="4004280"/>
-          </a:xfrm>
-          <a:prstGeom prst="rect">
-            <a:avLst/>
-          </a:prstGeom>
-          <a:ln w="0">
-            <a:noFill/>
-          </a:ln>
-        </p:spPr>
-      </p:sp>
-      <p:sp>
-        <p:nvSpPr>
-          <p:cNvPr id="720" name="PlaceHolder 2"/>
+            <a:ext cx="7122240" cy="4003920"/>
+          </a:xfrm>
+          <a:prstGeom prst="rect">
+            <a:avLst/>
+          </a:prstGeom>
+          <a:ln w="0">
+            <a:noFill/>
+          </a:ln>
+        </p:spPr>
+      </p:sp>
+      <p:sp>
+        <p:nvSpPr>
+          <p:cNvPr id="740" name="PlaceHolder 2"/>
           <p:cNvSpPr>
             <a:spLocks noGrp="1"/>
           </p:cNvSpPr>
@@ -1592,7 +1602,7 @@
         <p:spPr>
           <a:xfrm>
             <a:off x="756000" y="5078520"/>
-            <a:ext cx="6042960" cy="4806360"/>
+            <a:ext cx="6042600" cy="4806000"/>
           </a:xfrm>
           <a:prstGeom prst="rect">
             <a:avLst/>
@@ -1698,7 +1708,7 @@
       </p:grpSpPr>
       <p:sp>
         <p:nvSpPr>
-          <p:cNvPr id="721" name="PlaceHolder 1"/>
+          <p:cNvPr id="741" name="PlaceHolder 1"/>
           <p:cNvSpPr>
             <a:spLocks noGrp="1"/>
           </p:cNvSpPr>
@@ -1709,19 +1719,19 @@
         <p:spPr>
           <a:xfrm>
             <a:off x="216000" y="812520"/>
-            <a:ext cx="7122600" cy="4004280"/>
-          </a:xfrm>
-          <a:prstGeom prst="rect">
-            <a:avLst/>
-          </a:prstGeom>
-          <a:ln w="0">
-            <a:noFill/>
-          </a:ln>
-        </p:spPr>
-      </p:sp>
-      <p:sp>
-        <p:nvSpPr>
-          <p:cNvPr id="722" name="PlaceHolder 2"/>
+            <a:ext cx="7122240" cy="4003920"/>
+          </a:xfrm>
+          <a:prstGeom prst="rect">
+            <a:avLst/>
+          </a:prstGeom>
+          <a:ln w="0">
+            <a:noFill/>
+          </a:ln>
+        </p:spPr>
+      </p:sp>
+      <p:sp>
+        <p:nvSpPr>
+          <p:cNvPr id="742" name="PlaceHolder 2"/>
           <p:cNvSpPr>
             <a:spLocks noGrp="1"/>
           </p:cNvSpPr>
@@ -1732,7 +1742,7 @@
         <p:spPr>
           <a:xfrm>
             <a:off x="756000" y="5078520"/>
-            <a:ext cx="6042960" cy="4806360"/>
+            <a:ext cx="6042600" cy="4806000"/>
           </a:xfrm>
           <a:prstGeom prst="rect">
             <a:avLst/>
@@ -1806,7 +1816,7 @@
       </p:grpSpPr>
       <p:sp>
         <p:nvSpPr>
-          <p:cNvPr id="723" name="PlaceHolder 1"/>
+          <p:cNvPr id="743" name="PlaceHolder 1"/>
           <p:cNvSpPr>
             <a:spLocks noGrp="1"/>
           </p:cNvSpPr>
@@ -1817,19 +1827,19 @@
         <p:spPr>
           <a:xfrm>
             <a:off x="216000" y="812520"/>
-            <a:ext cx="7122600" cy="4004280"/>
-          </a:xfrm>
-          <a:prstGeom prst="rect">
-            <a:avLst/>
-          </a:prstGeom>
-          <a:ln w="0">
-            <a:noFill/>
-          </a:ln>
-        </p:spPr>
-      </p:sp>
-      <p:sp>
-        <p:nvSpPr>
-          <p:cNvPr id="724" name="PlaceHolder 2"/>
+            <a:ext cx="7122240" cy="4003920"/>
+          </a:xfrm>
+          <a:prstGeom prst="rect">
+            <a:avLst/>
+          </a:prstGeom>
+          <a:ln w="0">
+            <a:noFill/>
+          </a:ln>
+        </p:spPr>
+      </p:sp>
+      <p:sp>
+        <p:nvSpPr>
+          <p:cNvPr id="744" name="PlaceHolder 2"/>
           <p:cNvSpPr>
             <a:spLocks noGrp="1"/>
           </p:cNvSpPr>
@@ -1840,7 +1850,7 @@
         <p:spPr>
           <a:xfrm>
             <a:off x="756000" y="5078520"/>
-            <a:ext cx="6042960" cy="4806360"/>
+            <a:ext cx="6042600" cy="4806000"/>
           </a:xfrm>
           <a:prstGeom prst="rect">
             <a:avLst/>
@@ -1883,6 +1893,40 @@
                 <a:latin typeface="Arial"/>
               </a:rPr>
               <a:t>Logos favorite link 8.</a:t>
+            </a:r>
+            <a:endParaRPr b="0" lang="en-US" sz="2000" spc="-1" strike="noStrike">
+              <a:latin typeface="Arial"/>
+            </a:endParaRPr>
+          </a:p>
+          <a:p>
+            <a:pPr marL="216000" indent="-216000">
+              <a:lnSpc>
+                <a:spcPct val="100000"/>
+              </a:lnSpc>
+              <a:buNone/>
+              <a:tabLst>
+                <a:tab algn="l" pos="0"/>
+              </a:tabLst>
+            </a:pPr>
+            <a:endParaRPr b="0" lang="en-US" sz="2000" spc="-1" strike="noStrike">
+              <a:latin typeface="Arial"/>
+            </a:endParaRPr>
+          </a:p>
+          <a:p>
+            <a:pPr marL="216000" indent="-216000">
+              <a:lnSpc>
+                <a:spcPct val="100000"/>
+              </a:lnSpc>
+              <a:buNone/>
+              <a:tabLst>
+                <a:tab algn="l" pos="0"/>
+              </a:tabLst>
+            </a:pPr>
+            <a:r>
+              <a:rPr b="0" lang="en-US" sz="2000" spc="-1" strike="noStrike">
+                <a:latin typeface="Arial"/>
+              </a:rPr>
+              <a:t>No major points of doctrine affected, well except for the doctrine of scripture perhaps.</a:t>
             </a:r>
             <a:endParaRPr b="0" lang="en-US" sz="2000" spc="-1" strike="noStrike">
               <a:latin typeface="Arial"/>
@@ -1914,7 +1958,7 @@
       </p:grpSpPr>
       <p:sp>
         <p:nvSpPr>
-          <p:cNvPr id="686" name="PlaceHolder 1"/>
+          <p:cNvPr id="706" name="PlaceHolder 1"/>
           <p:cNvSpPr>
             <a:spLocks noGrp="1"/>
           </p:cNvSpPr>
@@ -1925,19 +1969,19 @@
         <p:spPr>
           <a:xfrm>
             <a:off x="216000" y="812520"/>
-            <a:ext cx="7122600" cy="4004280"/>
-          </a:xfrm>
-          <a:prstGeom prst="rect">
-            <a:avLst/>
-          </a:prstGeom>
-          <a:ln w="0">
-            <a:noFill/>
-          </a:ln>
-        </p:spPr>
-      </p:sp>
-      <p:sp>
-        <p:nvSpPr>
-          <p:cNvPr id="687" name="PlaceHolder 2"/>
+            <a:ext cx="7122240" cy="4003920"/>
+          </a:xfrm>
+          <a:prstGeom prst="rect">
+            <a:avLst/>
+          </a:prstGeom>
+          <a:ln w="0">
+            <a:noFill/>
+          </a:ln>
+        </p:spPr>
+      </p:sp>
+      <p:sp>
+        <p:nvSpPr>
+          <p:cNvPr id="707" name="PlaceHolder 2"/>
           <p:cNvSpPr>
             <a:spLocks noGrp="1"/>
           </p:cNvSpPr>
@@ -1948,7 +1992,7 @@
         <p:spPr>
           <a:xfrm>
             <a:off x="756000" y="5078520"/>
-            <a:ext cx="6042960" cy="4806360"/>
+            <a:ext cx="6042600" cy="4806000"/>
           </a:xfrm>
           <a:prstGeom prst="rect">
             <a:avLst/>
@@ -2022,7 +2066,7 @@
       </p:grpSpPr>
       <p:sp>
         <p:nvSpPr>
-          <p:cNvPr id="725" name="PlaceHolder 1"/>
+          <p:cNvPr id="745" name="PlaceHolder 1"/>
           <p:cNvSpPr>
             <a:spLocks noGrp="1"/>
           </p:cNvSpPr>
@@ -2033,19 +2077,19 @@
         <p:spPr>
           <a:xfrm>
             <a:off x="216000" y="812520"/>
-            <a:ext cx="7122600" cy="4004280"/>
-          </a:xfrm>
-          <a:prstGeom prst="rect">
-            <a:avLst/>
-          </a:prstGeom>
-          <a:ln w="0">
-            <a:noFill/>
-          </a:ln>
-        </p:spPr>
-      </p:sp>
-      <p:sp>
-        <p:nvSpPr>
-          <p:cNvPr id="726" name="PlaceHolder 2"/>
+            <a:ext cx="7122240" cy="4003920"/>
+          </a:xfrm>
+          <a:prstGeom prst="rect">
+            <a:avLst/>
+          </a:prstGeom>
+          <a:ln w="0">
+            <a:noFill/>
+          </a:ln>
+        </p:spPr>
+      </p:sp>
+      <p:sp>
+        <p:nvSpPr>
+          <p:cNvPr id="746" name="PlaceHolder 2"/>
           <p:cNvSpPr>
             <a:spLocks noGrp="1"/>
           </p:cNvSpPr>
@@ -2056,7 +2100,7 @@
         <p:spPr>
           <a:xfrm>
             <a:off x="756000" y="5078520"/>
-            <a:ext cx="6042960" cy="4806360"/>
+            <a:ext cx="6042600" cy="4806000"/>
           </a:xfrm>
           <a:prstGeom prst="rect">
             <a:avLst/>
@@ -2080,12 +2124,6 @@
                 <a:tab algn="l" pos="0"/>
               </a:tabLst>
             </a:pPr>
-            <a:r>
-              <a:rPr b="0" lang="en-US" sz="2000" spc="-1" strike="noStrike">
-                <a:latin typeface="Arial"/>
-              </a:rPr>
-              <a:t>In some cases New Testament manuscripts date to within fifty to one hundred years after their autographs. For example, Rylands Papyrus 457 (P52) is thought to be dated to about A.D. 125 to 150, and the Gospel of John ranges anywhere from A.D. 40 to 110; the interval between its authorship and extant manuscript evidence is thus very short.</a:t>
-            </a:r>
             <a:endParaRPr b="0" lang="en-US" sz="2000" spc="-1" strike="noStrike">
               <a:latin typeface="Arial"/>
             </a:endParaRPr>
@@ -2104,6 +2142,80 @@
               <a:latin typeface="Arial"/>
             </a:endParaRPr>
           </a:p>
+        </p:txBody>
+      </p:sp>
+    </p:spTree>
+  </p:cSld>
+</p:notes>
+</file>
+
+<file path=ppt/notesSlides/notesSlide21.xml><?xml version="1.0" encoding="utf-8"?>
+<p:notes xmlns:a="http://schemas.openxmlformats.org/drawingml/2006/main" xmlns:p="http://schemas.openxmlformats.org/presentationml/2006/main" xmlns:r="http://schemas.openxmlformats.org/officeDocument/2006/relationships" xmlns:p14="http://schemas.microsoft.com/office/powerpoint/2010/main" xmlns:p15="http://schemas.microsoft.com/office/powerpoint/2012/main" xmlns:mc="http://schemas.openxmlformats.org/markup-compatibility/2006">
+  <p:cSld>
+    <p:spTree>
+      <p:nvGrpSpPr>
+        <p:cNvPr id="1" name=""/>
+        <p:cNvGrpSpPr/>
+        <p:nvPr/>
+      </p:nvGrpSpPr>
+      <p:grpSpPr>
+        <a:xfrm>
+          <a:off x="0" y="0"/>
+          <a:ext cx="0" cy="0"/>
+          <a:chOff x="0" y="0"/>
+          <a:chExt cx="0" cy="0"/>
+        </a:xfrm>
+      </p:grpSpPr>
+      <p:sp>
+        <p:nvSpPr>
+          <p:cNvPr id="747" name="PlaceHolder 1"/>
+          <p:cNvSpPr>
+            <a:spLocks noGrp="1"/>
+          </p:cNvSpPr>
+          <p:nvPr>
+            <p:ph type="sldImg"/>
+          </p:nvPr>
+        </p:nvSpPr>
+        <p:spPr>
+          <a:xfrm>
+            <a:off x="216000" y="812520"/>
+            <a:ext cx="7122240" cy="4003920"/>
+          </a:xfrm>
+          <a:prstGeom prst="rect">
+            <a:avLst/>
+          </a:prstGeom>
+          <a:ln w="0">
+            <a:noFill/>
+          </a:ln>
+        </p:spPr>
+      </p:sp>
+      <p:sp>
+        <p:nvSpPr>
+          <p:cNvPr id="748" name="PlaceHolder 2"/>
+          <p:cNvSpPr>
+            <a:spLocks noGrp="1"/>
+          </p:cNvSpPr>
+          <p:nvPr>
+            <p:ph type="body"/>
+          </p:nvPr>
+        </p:nvSpPr>
+        <p:spPr>
+          <a:xfrm>
+            <a:off x="756000" y="5078520"/>
+            <a:ext cx="6042600" cy="4806000"/>
+          </a:xfrm>
+          <a:prstGeom prst="rect">
+            <a:avLst/>
+          </a:prstGeom>
+          <a:noFill/>
+          <a:ln w="0">
+            <a:noFill/>
+          </a:ln>
+        </p:spPr>
+        <p:txBody>
+          <a:bodyPr lIns="0" rIns="0" tIns="0" bIns="0" anchor="t">
+            <a:noAutofit/>
+          </a:bodyPr>
           <a:p>
             <a:pPr marL="216000" indent="-216000">
               <a:lnSpc>
@@ -2114,16 +2226,812 @@
                 <a:tab algn="l" pos="0"/>
               </a:tabLst>
             </a:pPr>
-            <a:r>
-              <a:rPr b="0" lang="en-US" sz="2000" spc="-1" strike="noStrike">
-                <a:latin typeface="Arial"/>
-              </a:rPr>
-              <a:t>2 million extant words in 5300 MSS.  The NT has about 138K words.</a:t>
-            </a:r>
             <a:endParaRPr b="0" lang="en-US" sz="2000" spc="-1" strike="noStrike">
               <a:latin typeface="Arial"/>
             </a:endParaRPr>
           </a:p>
+          <a:p>
+            <a:pPr marL="216000" indent="-216000">
+              <a:lnSpc>
+                <a:spcPct val="100000"/>
+              </a:lnSpc>
+              <a:buNone/>
+              <a:tabLst>
+                <a:tab algn="l" pos="0"/>
+              </a:tabLst>
+            </a:pPr>
+            <a:endParaRPr b="0" lang="en-US" sz="2000" spc="-1" strike="noStrike">
+              <a:latin typeface="Arial"/>
+            </a:endParaRPr>
+          </a:p>
+        </p:txBody>
+      </p:sp>
+    </p:spTree>
+  </p:cSld>
+</p:notes>
+</file>
+
+<file path=ppt/notesSlides/notesSlide22.xml><?xml version="1.0" encoding="utf-8"?>
+<p:notes xmlns:a="http://schemas.openxmlformats.org/drawingml/2006/main" xmlns:p="http://schemas.openxmlformats.org/presentationml/2006/main" xmlns:r="http://schemas.openxmlformats.org/officeDocument/2006/relationships" xmlns:p14="http://schemas.microsoft.com/office/powerpoint/2010/main" xmlns:p15="http://schemas.microsoft.com/office/powerpoint/2012/main" xmlns:mc="http://schemas.openxmlformats.org/markup-compatibility/2006">
+  <p:cSld>
+    <p:spTree>
+      <p:nvGrpSpPr>
+        <p:cNvPr id="1" name=""/>
+        <p:cNvGrpSpPr/>
+        <p:nvPr/>
+      </p:nvGrpSpPr>
+      <p:grpSpPr>
+        <a:xfrm>
+          <a:off x="0" y="0"/>
+          <a:ext cx="0" cy="0"/>
+          <a:chOff x="0" y="0"/>
+          <a:chExt cx="0" cy="0"/>
+        </a:xfrm>
+      </p:grpSpPr>
+      <p:sp>
+        <p:nvSpPr>
+          <p:cNvPr id="749" name="PlaceHolder 1"/>
+          <p:cNvSpPr>
+            <a:spLocks noGrp="1"/>
+          </p:cNvSpPr>
+          <p:nvPr>
+            <p:ph type="sldImg"/>
+          </p:nvPr>
+        </p:nvSpPr>
+        <p:spPr>
+          <a:xfrm>
+            <a:off x="216000" y="812520"/>
+            <a:ext cx="7122240" cy="4003920"/>
+          </a:xfrm>
+          <a:prstGeom prst="rect">
+            <a:avLst/>
+          </a:prstGeom>
+          <a:ln w="0">
+            <a:noFill/>
+          </a:ln>
+        </p:spPr>
+      </p:sp>
+      <p:sp>
+        <p:nvSpPr>
+          <p:cNvPr id="750" name="PlaceHolder 2"/>
+          <p:cNvSpPr>
+            <a:spLocks noGrp="1"/>
+          </p:cNvSpPr>
+          <p:nvPr>
+            <p:ph type="body"/>
+          </p:nvPr>
+        </p:nvSpPr>
+        <p:spPr>
+          <a:xfrm>
+            <a:off x="756000" y="5078520"/>
+            <a:ext cx="6042600" cy="4806000"/>
+          </a:xfrm>
+          <a:prstGeom prst="rect">
+            <a:avLst/>
+          </a:prstGeom>
+          <a:noFill/>
+          <a:ln w="0">
+            <a:noFill/>
+          </a:ln>
+        </p:spPr>
+        <p:txBody>
+          <a:bodyPr lIns="0" rIns="0" tIns="0" bIns="0" anchor="t">
+            <a:noAutofit/>
+          </a:bodyPr>
+          <a:p>
+            <a:pPr marL="216000" indent="-216000">
+              <a:lnSpc>
+                <a:spcPct val="100000"/>
+              </a:lnSpc>
+              <a:buNone/>
+              <a:tabLst>
+                <a:tab algn="l" pos="0"/>
+              </a:tabLst>
+            </a:pPr>
+            <a:endParaRPr b="0" lang="en-US" sz="2000" spc="-1" strike="noStrike">
+              <a:latin typeface="Arial"/>
+            </a:endParaRPr>
+          </a:p>
+          <a:p>
+            <a:pPr marL="216000" indent="-216000">
+              <a:lnSpc>
+                <a:spcPct val="100000"/>
+              </a:lnSpc>
+              <a:buNone/>
+              <a:tabLst>
+                <a:tab algn="l" pos="0"/>
+              </a:tabLst>
+            </a:pPr>
+            <a:endParaRPr b="0" lang="en-US" sz="2000" spc="-1" strike="noStrike">
+              <a:latin typeface="Arial"/>
+            </a:endParaRPr>
+          </a:p>
+        </p:txBody>
+      </p:sp>
+    </p:spTree>
+  </p:cSld>
+</p:notes>
+</file>
+
+<file path=ppt/notesSlides/notesSlide23.xml><?xml version="1.0" encoding="utf-8"?>
+<p:notes xmlns:a="http://schemas.openxmlformats.org/drawingml/2006/main" xmlns:p="http://schemas.openxmlformats.org/presentationml/2006/main" xmlns:r="http://schemas.openxmlformats.org/officeDocument/2006/relationships" xmlns:p14="http://schemas.microsoft.com/office/powerpoint/2010/main" xmlns:p15="http://schemas.microsoft.com/office/powerpoint/2012/main" xmlns:mc="http://schemas.openxmlformats.org/markup-compatibility/2006">
+  <p:cSld>
+    <p:spTree>
+      <p:nvGrpSpPr>
+        <p:cNvPr id="1" name=""/>
+        <p:cNvGrpSpPr/>
+        <p:nvPr/>
+      </p:nvGrpSpPr>
+      <p:grpSpPr>
+        <a:xfrm>
+          <a:off x="0" y="0"/>
+          <a:ext cx="0" cy="0"/>
+          <a:chOff x="0" y="0"/>
+          <a:chExt cx="0" cy="0"/>
+        </a:xfrm>
+      </p:grpSpPr>
+      <p:sp>
+        <p:nvSpPr>
+          <p:cNvPr id="751" name="PlaceHolder 1"/>
+          <p:cNvSpPr>
+            <a:spLocks noGrp="1"/>
+          </p:cNvSpPr>
+          <p:nvPr>
+            <p:ph type="sldImg"/>
+          </p:nvPr>
+        </p:nvSpPr>
+        <p:spPr>
+          <a:xfrm>
+            <a:off x="216000" y="812520"/>
+            <a:ext cx="7122240" cy="4003920"/>
+          </a:xfrm>
+          <a:prstGeom prst="rect">
+            <a:avLst/>
+          </a:prstGeom>
+          <a:ln w="0">
+            <a:noFill/>
+          </a:ln>
+        </p:spPr>
+      </p:sp>
+      <p:sp>
+        <p:nvSpPr>
+          <p:cNvPr id="752" name="PlaceHolder 2"/>
+          <p:cNvSpPr>
+            <a:spLocks noGrp="1"/>
+          </p:cNvSpPr>
+          <p:nvPr>
+            <p:ph type="body"/>
+          </p:nvPr>
+        </p:nvSpPr>
+        <p:spPr>
+          <a:xfrm>
+            <a:off x="756000" y="5078520"/>
+            <a:ext cx="6042600" cy="4806000"/>
+          </a:xfrm>
+          <a:prstGeom prst="rect">
+            <a:avLst/>
+          </a:prstGeom>
+          <a:noFill/>
+          <a:ln w="0">
+            <a:noFill/>
+          </a:ln>
+        </p:spPr>
+        <p:txBody>
+          <a:bodyPr lIns="0" rIns="0" tIns="0" bIns="0" anchor="t">
+            <a:noAutofit/>
+          </a:bodyPr>
+          <a:p>
+            <a:pPr marL="216000" indent="-216000">
+              <a:lnSpc>
+                <a:spcPct val="100000"/>
+              </a:lnSpc>
+              <a:buNone/>
+              <a:tabLst>
+                <a:tab algn="l" pos="0"/>
+              </a:tabLst>
+            </a:pPr>
+            <a:endParaRPr b="0" lang="en-US" sz="2000" spc="-1" strike="noStrike">
+              <a:latin typeface="Arial"/>
+            </a:endParaRPr>
+          </a:p>
+          <a:p>
+            <a:pPr marL="216000" indent="-216000">
+              <a:lnSpc>
+                <a:spcPct val="100000"/>
+              </a:lnSpc>
+              <a:buNone/>
+              <a:tabLst>
+                <a:tab algn="l" pos="0"/>
+              </a:tabLst>
+            </a:pPr>
+            <a:endParaRPr b="0" lang="en-US" sz="2000" spc="-1" strike="noStrike">
+              <a:latin typeface="Arial"/>
+            </a:endParaRPr>
+          </a:p>
+        </p:txBody>
+      </p:sp>
+    </p:spTree>
+  </p:cSld>
+</p:notes>
+</file>
+
+<file path=ppt/notesSlides/notesSlide24.xml><?xml version="1.0" encoding="utf-8"?>
+<p:notes xmlns:a="http://schemas.openxmlformats.org/drawingml/2006/main" xmlns:p="http://schemas.openxmlformats.org/presentationml/2006/main" xmlns:r="http://schemas.openxmlformats.org/officeDocument/2006/relationships" xmlns:p14="http://schemas.microsoft.com/office/powerpoint/2010/main" xmlns:p15="http://schemas.microsoft.com/office/powerpoint/2012/main" xmlns:mc="http://schemas.openxmlformats.org/markup-compatibility/2006">
+  <p:cSld>
+    <p:spTree>
+      <p:nvGrpSpPr>
+        <p:cNvPr id="1" name=""/>
+        <p:cNvGrpSpPr/>
+        <p:nvPr/>
+      </p:nvGrpSpPr>
+      <p:grpSpPr>
+        <a:xfrm>
+          <a:off x="0" y="0"/>
+          <a:ext cx="0" cy="0"/>
+          <a:chOff x="0" y="0"/>
+          <a:chExt cx="0" cy="0"/>
+        </a:xfrm>
+      </p:grpSpPr>
+      <p:sp>
+        <p:nvSpPr>
+          <p:cNvPr id="753" name="PlaceHolder 1"/>
+          <p:cNvSpPr>
+            <a:spLocks noGrp="1"/>
+          </p:cNvSpPr>
+          <p:nvPr>
+            <p:ph type="sldImg"/>
+          </p:nvPr>
+        </p:nvSpPr>
+        <p:spPr>
+          <a:xfrm>
+            <a:off x="216000" y="812520"/>
+            <a:ext cx="7122240" cy="4003920"/>
+          </a:xfrm>
+          <a:prstGeom prst="rect">
+            <a:avLst/>
+          </a:prstGeom>
+          <a:ln w="0">
+            <a:noFill/>
+          </a:ln>
+        </p:spPr>
+      </p:sp>
+      <p:sp>
+        <p:nvSpPr>
+          <p:cNvPr id="754" name="PlaceHolder 2"/>
+          <p:cNvSpPr>
+            <a:spLocks noGrp="1"/>
+          </p:cNvSpPr>
+          <p:nvPr>
+            <p:ph type="body"/>
+          </p:nvPr>
+        </p:nvSpPr>
+        <p:spPr>
+          <a:xfrm>
+            <a:off x="756000" y="5078520"/>
+            <a:ext cx="6042600" cy="4806000"/>
+          </a:xfrm>
+          <a:prstGeom prst="rect">
+            <a:avLst/>
+          </a:prstGeom>
+          <a:noFill/>
+          <a:ln w="0">
+            <a:noFill/>
+          </a:ln>
+        </p:spPr>
+        <p:txBody>
+          <a:bodyPr lIns="0" rIns="0" tIns="0" bIns="0" anchor="t">
+            <a:noAutofit/>
+          </a:bodyPr>
+          <a:p>
+            <a:pPr marL="216000" indent="-216000">
+              <a:lnSpc>
+                <a:spcPct val="100000"/>
+              </a:lnSpc>
+              <a:buNone/>
+              <a:tabLst>
+                <a:tab algn="l" pos="0"/>
+              </a:tabLst>
+            </a:pPr>
+            <a:endParaRPr b="0" lang="en-US" sz="2000" spc="-1" strike="noStrike">
+              <a:latin typeface="Arial"/>
+            </a:endParaRPr>
+          </a:p>
+          <a:p>
+            <a:pPr marL="216000" indent="-216000">
+              <a:lnSpc>
+                <a:spcPct val="100000"/>
+              </a:lnSpc>
+              <a:buNone/>
+              <a:tabLst>
+                <a:tab algn="l" pos="0"/>
+              </a:tabLst>
+            </a:pPr>
+            <a:endParaRPr b="0" lang="en-US" sz="2000" spc="-1" strike="noStrike">
+              <a:latin typeface="Arial"/>
+            </a:endParaRPr>
+          </a:p>
+        </p:txBody>
+      </p:sp>
+    </p:spTree>
+  </p:cSld>
+</p:notes>
+</file>
+
+<file path=ppt/notesSlides/notesSlide25.xml><?xml version="1.0" encoding="utf-8"?>
+<p:notes xmlns:a="http://schemas.openxmlformats.org/drawingml/2006/main" xmlns:p="http://schemas.openxmlformats.org/presentationml/2006/main" xmlns:r="http://schemas.openxmlformats.org/officeDocument/2006/relationships" xmlns:p14="http://schemas.microsoft.com/office/powerpoint/2010/main" xmlns:p15="http://schemas.microsoft.com/office/powerpoint/2012/main" xmlns:mc="http://schemas.openxmlformats.org/markup-compatibility/2006">
+  <p:cSld>
+    <p:spTree>
+      <p:nvGrpSpPr>
+        <p:cNvPr id="1" name=""/>
+        <p:cNvGrpSpPr/>
+        <p:nvPr/>
+      </p:nvGrpSpPr>
+      <p:grpSpPr>
+        <a:xfrm>
+          <a:off x="0" y="0"/>
+          <a:ext cx="0" cy="0"/>
+          <a:chOff x="0" y="0"/>
+          <a:chExt cx="0" cy="0"/>
+        </a:xfrm>
+      </p:grpSpPr>
+      <p:sp>
+        <p:nvSpPr>
+          <p:cNvPr id="755" name="PlaceHolder 1"/>
+          <p:cNvSpPr>
+            <a:spLocks noGrp="1"/>
+          </p:cNvSpPr>
+          <p:nvPr>
+            <p:ph type="sldImg"/>
+          </p:nvPr>
+        </p:nvSpPr>
+        <p:spPr>
+          <a:xfrm>
+            <a:off x="216000" y="812520"/>
+            <a:ext cx="7122240" cy="4003920"/>
+          </a:xfrm>
+          <a:prstGeom prst="rect">
+            <a:avLst/>
+          </a:prstGeom>
+          <a:ln w="0">
+            <a:noFill/>
+          </a:ln>
+        </p:spPr>
+      </p:sp>
+      <p:sp>
+        <p:nvSpPr>
+          <p:cNvPr id="756" name="PlaceHolder 2"/>
+          <p:cNvSpPr>
+            <a:spLocks noGrp="1"/>
+          </p:cNvSpPr>
+          <p:nvPr>
+            <p:ph type="body"/>
+          </p:nvPr>
+        </p:nvSpPr>
+        <p:spPr>
+          <a:xfrm>
+            <a:off x="756000" y="5078520"/>
+            <a:ext cx="6042600" cy="4806000"/>
+          </a:xfrm>
+          <a:prstGeom prst="rect">
+            <a:avLst/>
+          </a:prstGeom>
+          <a:noFill/>
+          <a:ln w="0">
+            <a:noFill/>
+          </a:ln>
+        </p:spPr>
+        <p:txBody>
+          <a:bodyPr lIns="0" rIns="0" tIns="0" bIns="0" anchor="t">
+            <a:noAutofit/>
+          </a:bodyPr>
+          <a:p>
+            <a:pPr marL="216000" indent="-216000">
+              <a:lnSpc>
+                <a:spcPct val="100000"/>
+              </a:lnSpc>
+              <a:buNone/>
+              <a:tabLst>
+                <a:tab algn="l" pos="0"/>
+              </a:tabLst>
+            </a:pPr>
+            <a:endParaRPr b="0" lang="en-US" sz="2000" spc="-1" strike="noStrike">
+              <a:latin typeface="Arial"/>
+            </a:endParaRPr>
+          </a:p>
+          <a:p>
+            <a:pPr marL="216000" indent="-216000">
+              <a:lnSpc>
+                <a:spcPct val="100000"/>
+              </a:lnSpc>
+              <a:buNone/>
+              <a:tabLst>
+                <a:tab algn="l" pos="0"/>
+              </a:tabLst>
+            </a:pPr>
+            <a:endParaRPr b="0" lang="en-US" sz="2000" spc="-1" strike="noStrike">
+              <a:latin typeface="Arial"/>
+            </a:endParaRPr>
+          </a:p>
+        </p:txBody>
+      </p:sp>
+    </p:spTree>
+  </p:cSld>
+</p:notes>
+</file>
+
+<file path=ppt/notesSlides/notesSlide26.xml><?xml version="1.0" encoding="utf-8"?>
+<p:notes xmlns:a="http://schemas.openxmlformats.org/drawingml/2006/main" xmlns:p="http://schemas.openxmlformats.org/presentationml/2006/main" xmlns:r="http://schemas.openxmlformats.org/officeDocument/2006/relationships" xmlns:p14="http://schemas.microsoft.com/office/powerpoint/2010/main" xmlns:p15="http://schemas.microsoft.com/office/powerpoint/2012/main" xmlns:mc="http://schemas.openxmlformats.org/markup-compatibility/2006">
+  <p:cSld>
+    <p:spTree>
+      <p:nvGrpSpPr>
+        <p:cNvPr id="1" name=""/>
+        <p:cNvGrpSpPr/>
+        <p:nvPr/>
+      </p:nvGrpSpPr>
+      <p:grpSpPr>
+        <a:xfrm>
+          <a:off x="0" y="0"/>
+          <a:ext cx="0" cy="0"/>
+          <a:chOff x="0" y="0"/>
+          <a:chExt cx="0" cy="0"/>
+        </a:xfrm>
+      </p:grpSpPr>
+      <p:sp>
+        <p:nvSpPr>
+          <p:cNvPr id="757" name="PlaceHolder 1"/>
+          <p:cNvSpPr>
+            <a:spLocks noGrp="1"/>
+          </p:cNvSpPr>
+          <p:nvPr>
+            <p:ph type="sldImg"/>
+          </p:nvPr>
+        </p:nvSpPr>
+        <p:spPr>
+          <a:xfrm>
+            <a:off x="216000" y="812520"/>
+            <a:ext cx="7122240" cy="4003920"/>
+          </a:xfrm>
+          <a:prstGeom prst="rect">
+            <a:avLst/>
+          </a:prstGeom>
+          <a:ln w="0">
+            <a:noFill/>
+          </a:ln>
+        </p:spPr>
+      </p:sp>
+      <p:sp>
+        <p:nvSpPr>
+          <p:cNvPr id="758" name="PlaceHolder 2"/>
+          <p:cNvSpPr>
+            <a:spLocks noGrp="1"/>
+          </p:cNvSpPr>
+          <p:nvPr>
+            <p:ph type="body"/>
+          </p:nvPr>
+        </p:nvSpPr>
+        <p:spPr>
+          <a:xfrm>
+            <a:off x="756000" y="5078520"/>
+            <a:ext cx="6042600" cy="4806000"/>
+          </a:xfrm>
+          <a:prstGeom prst="rect">
+            <a:avLst/>
+          </a:prstGeom>
+          <a:noFill/>
+          <a:ln w="0">
+            <a:noFill/>
+          </a:ln>
+        </p:spPr>
+        <p:txBody>
+          <a:bodyPr lIns="0" rIns="0" tIns="0" bIns="0" anchor="t">
+            <a:noAutofit/>
+          </a:bodyPr>
+          <a:p>
+            <a:pPr marL="216000" indent="-216000">
+              <a:lnSpc>
+                <a:spcPct val="100000"/>
+              </a:lnSpc>
+              <a:buNone/>
+              <a:tabLst>
+                <a:tab algn="l" pos="0"/>
+              </a:tabLst>
+            </a:pPr>
+            <a:endParaRPr b="0" lang="en-US" sz="2000" spc="-1" strike="noStrike">
+              <a:latin typeface="Arial"/>
+            </a:endParaRPr>
+          </a:p>
+          <a:p>
+            <a:pPr marL="216000" indent="-216000">
+              <a:lnSpc>
+                <a:spcPct val="100000"/>
+              </a:lnSpc>
+              <a:buNone/>
+              <a:tabLst>
+                <a:tab algn="l" pos="0"/>
+              </a:tabLst>
+            </a:pPr>
+            <a:endParaRPr b="0" lang="en-US" sz="2000" spc="-1" strike="noStrike">
+              <a:latin typeface="Arial"/>
+            </a:endParaRPr>
+          </a:p>
+        </p:txBody>
+      </p:sp>
+    </p:spTree>
+  </p:cSld>
+</p:notes>
+</file>
+
+<file path=ppt/notesSlides/notesSlide27.xml><?xml version="1.0" encoding="utf-8"?>
+<p:notes xmlns:a="http://schemas.openxmlformats.org/drawingml/2006/main" xmlns:p="http://schemas.openxmlformats.org/presentationml/2006/main" xmlns:r="http://schemas.openxmlformats.org/officeDocument/2006/relationships" xmlns:p14="http://schemas.microsoft.com/office/powerpoint/2010/main" xmlns:p15="http://schemas.microsoft.com/office/powerpoint/2012/main" xmlns:mc="http://schemas.openxmlformats.org/markup-compatibility/2006">
+  <p:cSld>
+    <p:spTree>
+      <p:nvGrpSpPr>
+        <p:cNvPr id="1" name=""/>
+        <p:cNvGrpSpPr/>
+        <p:nvPr/>
+      </p:nvGrpSpPr>
+      <p:grpSpPr>
+        <a:xfrm>
+          <a:off x="0" y="0"/>
+          <a:ext cx="0" cy="0"/>
+          <a:chOff x="0" y="0"/>
+          <a:chExt cx="0" cy="0"/>
+        </a:xfrm>
+      </p:grpSpPr>
+      <p:sp>
+        <p:nvSpPr>
+          <p:cNvPr id="759" name="PlaceHolder 1"/>
+          <p:cNvSpPr>
+            <a:spLocks noGrp="1"/>
+          </p:cNvSpPr>
+          <p:nvPr>
+            <p:ph type="sldImg"/>
+          </p:nvPr>
+        </p:nvSpPr>
+        <p:spPr>
+          <a:xfrm>
+            <a:off x="216000" y="812520"/>
+            <a:ext cx="7122240" cy="4003920"/>
+          </a:xfrm>
+          <a:prstGeom prst="rect">
+            <a:avLst/>
+          </a:prstGeom>
+          <a:ln w="0">
+            <a:noFill/>
+          </a:ln>
+        </p:spPr>
+      </p:sp>
+      <p:sp>
+        <p:nvSpPr>
+          <p:cNvPr id="760" name="PlaceHolder 2"/>
+          <p:cNvSpPr>
+            <a:spLocks noGrp="1"/>
+          </p:cNvSpPr>
+          <p:nvPr>
+            <p:ph type="body"/>
+          </p:nvPr>
+        </p:nvSpPr>
+        <p:spPr>
+          <a:xfrm>
+            <a:off x="756000" y="5078520"/>
+            <a:ext cx="6042600" cy="4806000"/>
+          </a:xfrm>
+          <a:prstGeom prst="rect">
+            <a:avLst/>
+          </a:prstGeom>
+          <a:noFill/>
+          <a:ln w="0">
+            <a:noFill/>
+          </a:ln>
+        </p:spPr>
+        <p:txBody>
+          <a:bodyPr lIns="0" rIns="0" tIns="0" bIns="0" anchor="t">
+            <a:noAutofit/>
+          </a:bodyPr>
+          <a:p>
+            <a:pPr marL="216000" indent="-216000">
+              <a:lnSpc>
+                <a:spcPct val="100000"/>
+              </a:lnSpc>
+              <a:buNone/>
+              <a:tabLst>
+                <a:tab algn="l" pos="0"/>
+              </a:tabLst>
+            </a:pPr>
+            <a:endParaRPr b="0" lang="en-US" sz="2000" spc="-1" strike="noStrike">
+              <a:latin typeface="Arial"/>
+            </a:endParaRPr>
+          </a:p>
+          <a:p>
+            <a:pPr marL="216000" indent="-216000">
+              <a:lnSpc>
+                <a:spcPct val="100000"/>
+              </a:lnSpc>
+              <a:buNone/>
+              <a:tabLst>
+                <a:tab algn="l" pos="0"/>
+              </a:tabLst>
+            </a:pPr>
+            <a:endParaRPr b="0" lang="en-US" sz="2000" spc="-1" strike="noStrike">
+              <a:latin typeface="Arial"/>
+            </a:endParaRPr>
+          </a:p>
+        </p:txBody>
+      </p:sp>
+    </p:spTree>
+  </p:cSld>
+</p:notes>
+</file>
+
+<file path=ppt/notesSlides/notesSlide28.xml><?xml version="1.0" encoding="utf-8"?>
+<p:notes xmlns:a="http://schemas.openxmlformats.org/drawingml/2006/main" xmlns:p="http://schemas.openxmlformats.org/presentationml/2006/main" xmlns:r="http://schemas.openxmlformats.org/officeDocument/2006/relationships" xmlns:p14="http://schemas.microsoft.com/office/powerpoint/2010/main" xmlns:p15="http://schemas.microsoft.com/office/powerpoint/2012/main" xmlns:mc="http://schemas.openxmlformats.org/markup-compatibility/2006">
+  <p:cSld>
+    <p:spTree>
+      <p:nvGrpSpPr>
+        <p:cNvPr id="1" name=""/>
+        <p:cNvGrpSpPr/>
+        <p:nvPr/>
+      </p:nvGrpSpPr>
+      <p:grpSpPr>
+        <a:xfrm>
+          <a:off x="0" y="0"/>
+          <a:ext cx="0" cy="0"/>
+          <a:chOff x="0" y="0"/>
+          <a:chExt cx="0" cy="0"/>
+        </a:xfrm>
+      </p:grpSpPr>
+      <p:sp>
+        <p:nvSpPr>
+          <p:cNvPr id="761" name="PlaceHolder 1"/>
+          <p:cNvSpPr>
+            <a:spLocks noGrp="1"/>
+          </p:cNvSpPr>
+          <p:nvPr>
+            <p:ph type="sldImg"/>
+          </p:nvPr>
+        </p:nvSpPr>
+        <p:spPr>
+          <a:xfrm>
+            <a:off x="216000" y="812520"/>
+            <a:ext cx="7122240" cy="4003920"/>
+          </a:xfrm>
+          <a:prstGeom prst="rect">
+            <a:avLst/>
+          </a:prstGeom>
+          <a:ln w="0">
+            <a:noFill/>
+          </a:ln>
+        </p:spPr>
+      </p:sp>
+      <p:sp>
+        <p:nvSpPr>
+          <p:cNvPr id="762" name="PlaceHolder 2"/>
+          <p:cNvSpPr>
+            <a:spLocks noGrp="1"/>
+          </p:cNvSpPr>
+          <p:nvPr>
+            <p:ph type="body"/>
+          </p:nvPr>
+        </p:nvSpPr>
+        <p:spPr>
+          <a:xfrm>
+            <a:off x="756000" y="5078520"/>
+            <a:ext cx="6042600" cy="4806000"/>
+          </a:xfrm>
+          <a:prstGeom prst="rect">
+            <a:avLst/>
+          </a:prstGeom>
+          <a:noFill/>
+          <a:ln w="0">
+            <a:noFill/>
+          </a:ln>
+        </p:spPr>
+        <p:txBody>
+          <a:bodyPr lIns="0" rIns="0" tIns="0" bIns="0" anchor="t">
+            <a:noAutofit/>
+          </a:bodyPr>
+          <a:p>
+            <a:pPr marL="216000" indent="-216000">
+              <a:lnSpc>
+                <a:spcPct val="100000"/>
+              </a:lnSpc>
+              <a:buNone/>
+              <a:tabLst>
+                <a:tab algn="l" pos="0"/>
+              </a:tabLst>
+            </a:pPr>
+            <a:endParaRPr b="0" lang="en-US" sz="2000" spc="-1" strike="noStrike">
+              <a:latin typeface="Arial"/>
+            </a:endParaRPr>
+          </a:p>
+          <a:p>
+            <a:pPr marL="216000" indent="-216000">
+              <a:lnSpc>
+                <a:spcPct val="100000"/>
+              </a:lnSpc>
+              <a:buNone/>
+              <a:tabLst>
+                <a:tab algn="l" pos="0"/>
+              </a:tabLst>
+            </a:pPr>
+            <a:endParaRPr b="0" lang="en-US" sz="2000" spc="-1" strike="noStrike">
+              <a:latin typeface="Arial"/>
+            </a:endParaRPr>
+          </a:p>
+        </p:txBody>
+      </p:sp>
+    </p:spTree>
+  </p:cSld>
+</p:notes>
+</file>
+
+<file path=ppt/notesSlides/notesSlide29.xml><?xml version="1.0" encoding="utf-8"?>
+<p:notes xmlns:a="http://schemas.openxmlformats.org/drawingml/2006/main" xmlns:p="http://schemas.openxmlformats.org/presentationml/2006/main" xmlns:r="http://schemas.openxmlformats.org/officeDocument/2006/relationships" xmlns:p14="http://schemas.microsoft.com/office/powerpoint/2010/main" xmlns:p15="http://schemas.microsoft.com/office/powerpoint/2012/main" xmlns:mc="http://schemas.openxmlformats.org/markup-compatibility/2006">
+  <p:cSld>
+    <p:spTree>
+      <p:nvGrpSpPr>
+        <p:cNvPr id="1" name=""/>
+        <p:cNvGrpSpPr/>
+        <p:nvPr/>
+      </p:nvGrpSpPr>
+      <p:grpSpPr>
+        <a:xfrm>
+          <a:off x="0" y="0"/>
+          <a:ext cx="0" cy="0"/>
+          <a:chOff x="0" y="0"/>
+          <a:chExt cx="0" cy="0"/>
+        </a:xfrm>
+      </p:grpSpPr>
+      <p:sp>
+        <p:nvSpPr>
+          <p:cNvPr id="763" name="PlaceHolder 1"/>
+          <p:cNvSpPr>
+            <a:spLocks noGrp="1"/>
+          </p:cNvSpPr>
+          <p:nvPr>
+            <p:ph type="sldImg"/>
+          </p:nvPr>
+        </p:nvSpPr>
+        <p:spPr>
+          <a:xfrm>
+            <a:off x="216000" y="812520"/>
+            <a:ext cx="7122240" cy="4003920"/>
+          </a:xfrm>
+          <a:prstGeom prst="rect">
+            <a:avLst/>
+          </a:prstGeom>
+          <a:ln w="0">
+            <a:noFill/>
+          </a:ln>
+        </p:spPr>
+      </p:sp>
+      <p:sp>
+        <p:nvSpPr>
+          <p:cNvPr id="764" name="PlaceHolder 2"/>
+          <p:cNvSpPr>
+            <a:spLocks noGrp="1"/>
+          </p:cNvSpPr>
+          <p:nvPr>
+            <p:ph type="body"/>
+          </p:nvPr>
+        </p:nvSpPr>
+        <p:spPr>
+          <a:xfrm>
+            <a:off x="756000" y="5078520"/>
+            <a:ext cx="6042600" cy="4806000"/>
+          </a:xfrm>
+          <a:prstGeom prst="rect">
+            <a:avLst/>
+          </a:prstGeom>
+          <a:noFill/>
+          <a:ln w="0">
+            <a:noFill/>
+          </a:ln>
+        </p:spPr>
+        <p:txBody>
+          <a:bodyPr lIns="0" rIns="0" tIns="0" bIns="0" anchor="t">
+            <a:noAutofit/>
+          </a:bodyPr>
           <a:p>
             <a:pPr marL="216000" indent="-216000">
               <a:lnSpc>
@@ -2178,7 +3086,7 @@
       </p:grpSpPr>
       <p:sp>
         <p:nvSpPr>
-          <p:cNvPr id="688" name="PlaceHolder 1"/>
+          <p:cNvPr id="708" name="PlaceHolder 1"/>
           <p:cNvSpPr>
             <a:spLocks noGrp="1"/>
           </p:cNvSpPr>
@@ -2189,19 +3097,19 @@
         <p:spPr>
           <a:xfrm>
             <a:off x="216000" y="812520"/>
-            <a:ext cx="7122600" cy="4004280"/>
-          </a:xfrm>
-          <a:prstGeom prst="rect">
-            <a:avLst/>
-          </a:prstGeom>
-          <a:ln w="0">
-            <a:noFill/>
-          </a:ln>
-        </p:spPr>
-      </p:sp>
-      <p:sp>
-        <p:nvSpPr>
-          <p:cNvPr id="689" name="PlaceHolder 2"/>
+            <a:ext cx="7122240" cy="4003920"/>
+          </a:xfrm>
+          <a:prstGeom prst="rect">
+            <a:avLst/>
+          </a:prstGeom>
+          <a:ln w="0">
+            <a:noFill/>
+          </a:ln>
+        </p:spPr>
+      </p:sp>
+      <p:sp>
+        <p:nvSpPr>
+          <p:cNvPr id="709" name="PlaceHolder 2"/>
           <p:cNvSpPr>
             <a:spLocks noGrp="1"/>
           </p:cNvSpPr>
@@ -2212,7 +3120,7 @@
         <p:spPr>
           <a:xfrm>
             <a:off x="756000" y="5078520"/>
-            <a:ext cx="6042960" cy="4806360"/>
+            <a:ext cx="6042600" cy="4806000"/>
           </a:xfrm>
           <a:prstGeom prst="rect">
             <a:avLst/>
@@ -2344,6 +3252,162 @@
               </a:rPr>
               <a:t> </a:t>
             </a:r>
+            <a:endParaRPr b="0" lang="en-US" sz="2000" spc="-1" strike="noStrike">
+              <a:latin typeface="Arial"/>
+            </a:endParaRPr>
+          </a:p>
+        </p:txBody>
+      </p:sp>
+    </p:spTree>
+  </p:cSld>
+</p:notes>
+</file>
+
+<file path=ppt/notesSlides/notesSlide30.xml><?xml version="1.0" encoding="utf-8"?>
+<p:notes xmlns:a="http://schemas.openxmlformats.org/drawingml/2006/main" xmlns:p="http://schemas.openxmlformats.org/presentationml/2006/main" xmlns:r="http://schemas.openxmlformats.org/officeDocument/2006/relationships" xmlns:p14="http://schemas.microsoft.com/office/powerpoint/2010/main" xmlns:p15="http://schemas.microsoft.com/office/powerpoint/2012/main" xmlns:mc="http://schemas.openxmlformats.org/markup-compatibility/2006">
+  <p:cSld>
+    <p:spTree>
+      <p:nvGrpSpPr>
+        <p:cNvPr id="1" name=""/>
+        <p:cNvGrpSpPr/>
+        <p:nvPr/>
+      </p:nvGrpSpPr>
+      <p:grpSpPr>
+        <a:xfrm>
+          <a:off x="0" y="0"/>
+          <a:ext cx="0" cy="0"/>
+          <a:chOff x="0" y="0"/>
+          <a:chExt cx="0" cy="0"/>
+        </a:xfrm>
+      </p:grpSpPr>
+      <p:sp>
+        <p:nvSpPr>
+          <p:cNvPr id="765" name="PlaceHolder 1"/>
+          <p:cNvSpPr>
+            <a:spLocks noGrp="1"/>
+          </p:cNvSpPr>
+          <p:nvPr>
+            <p:ph type="sldImg"/>
+          </p:nvPr>
+        </p:nvSpPr>
+        <p:spPr>
+          <a:xfrm>
+            <a:off x="216000" y="812520"/>
+            <a:ext cx="7122240" cy="4003920"/>
+          </a:xfrm>
+          <a:prstGeom prst="rect">
+            <a:avLst/>
+          </a:prstGeom>
+          <a:ln w="0">
+            <a:noFill/>
+          </a:ln>
+        </p:spPr>
+      </p:sp>
+      <p:sp>
+        <p:nvSpPr>
+          <p:cNvPr id="766" name="PlaceHolder 2"/>
+          <p:cNvSpPr>
+            <a:spLocks noGrp="1"/>
+          </p:cNvSpPr>
+          <p:nvPr>
+            <p:ph type="body"/>
+          </p:nvPr>
+        </p:nvSpPr>
+        <p:spPr>
+          <a:xfrm>
+            <a:off x="756000" y="5078520"/>
+            <a:ext cx="6042600" cy="4806000"/>
+          </a:xfrm>
+          <a:prstGeom prst="rect">
+            <a:avLst/>
+          </a:prstGeom>
+          <a:noFill/>
+          <a:ln w="0">
+            <a:noFill/>
+          </a:ln>
+        </p:spPr>
+        <p:txBody>
+          <a:bodyPr lIns="0" rIns="0" tIns="0" bIns="0" anchor="t">
+            <a:noAutofit/>
+          </a:bodyPr>
+          <a:p>
+            <a:pPr marL="216000" indent="-216000">
+              <a:lnSpc>
+                <a:spcPct val="100000"/>
+              </a:lnSpc>
+              <a:buNone/>
+              <a:tabLst>
+                <a:tab algn="l" pos="0"/>
+              </a:tabLst>
+            </a:pPr>
+            <a:r>
+              <a:rPr b="0" lang="en-US" sz="2000" spc="-1" strike="noStrike">
+                <a:latin typeface="Arial"/>
+              </a:rPr>
+              <a:t>In some cases New Testament manuscripts date to within fifty to one hundred years after their autographs. For example, Rylands Papyrus 457 (P52) is thought to be dated to about A.D. 125 to 150, and the Gospel of John ranges anywhere from A.D. 40 to 110; the interval between its authorship and extant manuscript evidence is thus very short.</a:t>
+            </a:r>
+            <a:endParaRPr b="0" lang="en-US" sz="2000" spc="-1" strike="noStrike">
+              <a:latin typeface="Arial"/>
+            </a:endParaRPr>
+          </a:p>
+          <a:p>
+            <a:pPr marL="216000" indent="-216000">
+              <a:lnSpc>
+                <a:spcPct val="100000"/>
+              </a:lnSpc>
+              <a:buNone/>
+              <a:tabLst>
+                <a:tab algn="l" pos="0"/>
+              </a:tabLst>
+            </a:pPr>
+            <a:endParaRPr b="0" lang="en-US" sz="2000" spc="-1" strike="noStrike">
+              <a:latin typeface="Arial"/>
+            </a:endParaRPr>
+          </a:p>
+          <a:p>
+            <a:pPr marL="216000" indent="-216000">
+              <a:lnSpc>
+                <a:spcPct val="100000"/>
+              </a:lnSpc>
+              <a:buNone/>
+              <a:tabLst>
+                <a:tab algn="l" pos="0"/>
+              </a:tabLst>
+            </a:pPr>
+            <a:r>
+              <a:rPr b="0" lang="en-US" sz="2000" spc="-1" strike="noStrike">
+                <a:latin typeface="Arial"/>
+              </a:rPr>
+              <a:t>2 million extant words in 5300 MSS.  The NT has about 138K words.</a:t>
+            </a:r>
+            <a:endParaRPr b="0" lang="en-US" sz="2000" spc="-1" strike="noStrike">
+              <a:latin typeface="Arial"/>
+            </a:endParaRPr>
+          </a:p>
+          <a:p>
+            <a:pPr marL="216000" indent="-216000">
+              <a:lnSpc>
+                <a:spcPct val="100000"/>
+              </a:lnSpc>
+              <a:buNone/>
+              <a:tabLst>
+                <a:tab algn="l" pos="0"/>
+              </a:tabLst>
+            </a:pPr>
+            <a:endParaRPr b="0" lang="en-US" sz="2000" spc="-1" strike="noStrike">
+              <a:latin typeface="Arial"/>
+            </a:endParaRPr>
+          </a:p>
+          <a:p>
+            <a:pPr marL="216000" indent="-216000">
+              <a:lnSpc>
+                <a:spcPct val="100000"/>
+              </a:lnSpc>
+              <a:buNone/>
+              <a:tabLst>
+                <a:tab algn="l" pos="0"/>
+              </a:tabLst>
+            </a:pPr>
             <a:endParaRPr b="0" lang="en-US" sz="2000" spc="-1" strike="noStrike">
               <a:latin typeface="Arial"/>
             </a:endParaRPr>
@@ -2374,7 +3438,7 @@
       </p:grpSpPr>
       <p:sp>
         <p:nvSpPr>
-          <p:cNvPr id="690" name="PlaceHolder 1"/>
+          <p:cNvPr id="710" name="PlaceHolder 1"/>
           <p:cNvSpPr>
             <a:spLocks noGrp="1"/>
           </p:cNvSpPr>
@@ -2385,19 +3449,19 @@
         <p:spPr>
           <a:xfrm>
             <a:off x="216000" y="812520"/>
-            <a:ext cx="7122600" cy="4004280"/>
-          </a:xfrm>
-          <a:prstGeom prst="rect">
-            <a:avLst/>
-          </a:prstGeom>
-          <a:ln w="0">
-            <a:noFill/>
-          </a:ln>
-        </p:spPr>
-      </p:sp>
-      <p:sp>
-        <p:nvSpPr>
-          <p:cNvPr id="691" name="PlaceHolder 2"/>
+            <a:ext cx="7122240" cy="4003920"/>
+          </a:xfrm>
+          <a:prstGeom prst="rect">
+            <a:avLst/>
+          </a:prstGeom>
+          <a:ln w="0">
+            <a:noFill/>
+          </a:ln>
+        </p:spPr>
+      </p:sp>
+      <p:sp>
+        <p:nvSpPr>
+          <p:cNvPr id="711" name="PlaceHolder 2"/>
           <p:cNvSpPr>
             <a:spLocks noGrp="1"/>
           </p:cNvSpPr>
@@ -2408,7 +3472,7 @@
         <p:spPr>
           <a:xfrm>
             <a:off x="756000" y="5078520"/>
-            <a:ext cx="6042960" cy="5378760"/>
+            <a:ext cx="6042600" cy="5378400"/>
           </a:xfrm>
           <a:prstGeom prst="rect">
             <a:avLst/>
@@ -2570,7 +3634,7 @@
       </p:grpSpPr>
       <p:sp>
         <p:nvSpPr>
-          <p:cNvPr id="692" name="PlaceHolder 1"/>
+          <p:cNvPr id="712" name="PlaceHolder 1"/>
           <p:cNvSpPr>
             <a:spLocks noGrp="1"/>
           </p:cNvSpPr>
@@ -2581,19 +3645,19 @@
         <p:spPr>
           <a:xfrm>
             <a:off x="216000" y="812520"/>
-            <a:ext cx="7122600" cy="4004280"/>
-          </a:xfrm>
-          <a:prstGeom prst="rect">
-            <a:avLst/>
-          </a:prstGeom>
-          <a:ln w="0">
-            <a:noFill/>
-          </a:ln>
-        </p:spPr>
-      </p:sp>
-      <p:sp>
-        <p:nvSpPr>
-          <p:cNvPr id="693" name="PlaceHolder 2"/>
+            <a:ext cx="7122240" cy="4003920"/>
+          </a:xfrm>
+          <a:prstGeom prst="rect">
+            <a:avLst/>
+          </a:prstGeom>
+          <a:ln w="0">
+            <a:noFill/>
+          </a:ln>
+        </p:spPr>
+      </p:sp>
+      <p:sp>
+        <p:nvSpPr>
+          <p:cNvPr id="713" name="PlaceHolder 2"/>
           <p:cNvSpPr>
             <a:spLocks noGrp="1"/>
           </p:cNvSpPr>
@@ -2604,7 +3668,7 @@
         <p:spPr>
           <a:xfrm>
             <a:off x="756000" y="5078520"/>
-            <a:ext cx="6042960" cy="5095440"/>
+            <a:ext cx="6042600" cy="5095080"/>
           </a:xfrm>
           <a:prstGeom prst="rect">
             <a:avLst/>
@@ -2780,7 +3844,7 @@
       </p:grpSpPr>
       <p:sp>
         <p:nvSpPr>
-          <p:cNvPr id="694" name="PlaceHolder 1"/>
+          <p:cNvPr id="714" name="PlaceHolder 1"/>
           <p:cNvSpPr>
             <a:spLocks noGrp="1"/>
           </p:cNvSpPr>
@@ -2791,19 +3855,19 @@
         <p:spPr>
           <a:xfrm>
             <a:off x="216000" y="812520"/>
-            <a:ext cx="7122600" cy="4004280"/>
-          </a:xfrm>
-          <a:prstGeom prst="rect">
-            <a:avLst/>
-          </a:prstGeom>
-          <a:ln w="0">
-            <a:noFill/>
-          </a:ln>
-        </p:spPr>
-      </p:sp>
-      <p:sp>
-        <p:nvSpPr>
-          <p:cNvPr id="695" name="PlaceHolder 2"/>
+            <a:ext cx="7122240" cy="4003920"/>
+          </a:xfrm>
+          <a:prstGeom prst="rect">
+            <a:avLst/>
+          </a:prstGeom>
+          <a:ln w="0">
+            <a:noFill/>
+          </a:ln>
+        </p:spPr>
+      </p:sp>
+      <p:sp>
+        <p:nvSpPr>
+          <p:cNvPr id="715" name="PlaceHolder 2"/>
           <p:cNvSpPr>
             <a:spLocks noGrp="1"/>
           </p:cNvSpPr>
@@ -2814,7 +3878,7 @@
         <p:spPr>
           <a:xfrm>
             <a:off x="756000" y="5078520"/>
-            <a:ext cx="6042960" cy="4806360"/>
+            <a:ext cx="6042600" cy="4806000"/>
           </a:xfrm>
           <a:prstGeom prst="rect">
             <a:avLst/>
@@ -2936,7 +4000,7 @@
       </p:grpSpPr>
       <p:sp>
         <p:nvSpPr>
-          <p:cNvPr id="696" name="PlaceHolder 1"/>
+          <p:cNvPr id="716" name="PlaceHolder 1"/>
           <p:cNvSpPr>
             <a:spLocks noGrp="1"/>
           </p:cNvSpPr>
@@ -2947,19 +4011,19 @@
         <p:spPr>
           <a:xfrm>
             <a:off x="216000" y="812520"/>
-            <a:ext cx="7122600" cy="4004280"/>
-          </a:xfrm>
-          <a:prstGeom prst="rect">
-            <a:avLst/>
-          </a:prstGeom>
-          <a:ln w="0">
-            <a:noFill/>
-          </a:ln>
-        </p:spPr>
-      </p:sp>
-      <p:sp>
-        <p:nvSpPr>
-          <p:cNvPr id="697" name="PlaceHolder 2"/>
+            <a:ext cx="7122240" cy="4003920"/>
+          </a:xfrm>
+          <a:prstGeom prst="rect">
+            <a:avLst/>
+          </a:prstGeom>
+          <a:ln w="0">
+            <a:noFill/>
+          </a:ln>
+        </p:spPr>
+      </p:sp>
+      <p:sp>
+        <p:nvSpPr>
+          <p:cNvPr id="717" name="PlaceHolder 2"/>
           <p:cNvSpPr>
             <a:spLocks noGrp="1"/>
           </p:cNvSpPr>
@@ -2970,7 +4034,7 @@
         <p:spPr>
           <a:xfrm>
             <a:off x="756000" y="5078520"/>
-            <a:ext cx="6042960" cy="4806360"/>
+            <a:ext cx="6042600" cy="4806000"/>
           </a:xfrm>
           <a:prstGeom prst="rect">
             <a:avLst/>
@@ -3092,7 +4156,7 @@
       </p:grpSpPr>
       <p:sp>
         <p:nvSpPr>
-          <p:cNvPr id="698" name="PlaceHolder 1"/>
+          <p:cNvPr id="718" name="PlaceHolder 1"/>
           <p:cNvSpPr>
             <a:spLocks noGrp="1"/>
           </p:cNvSpPr>
@@ -3103,19 +4167,19 @@
         <p:spPr>
           <a:xfrm>
             <a:off x="216000" y="812520"/>
-            <a:ext cx="7122600" cy="4004280"/>
-          </a:xfrm>
-          <a:prstGeom prst="rect">
-            <a:avLst/>
-          </a:prstGeom>
-          <a:ln w="0">
-            <a:noFill/>
-          </a:ln>
-        </p:spPr>
-      </p:sp>
-      <p:sp>
-        <p:nvSpPr>
-          <p:cNvPr id="699" name="PlaceHolder 2"/>
+            <a:ext cx="7122240" cy="4003920"/>
+          </a:xfrm>
+          <a:prstGeom prst="rect">
+            <a:avLst/>
+          </a:prstGeom>
+          <a:ln w="0">
+            <a:noFill/>
+          </a:ln>
+        </p:spPr>
+      </p:sp>
+      <p:sp>
+        <p:nvSpPr>
+          <p:cNvPr id="719" name="PlaceHolder 2"/>
           <p:cNvSpPr>
             <a:spLocks noGrp="1"/>
           </p:cNvSpPr>
@@ -3126,7 +4190,7 @@
         <p:spPr>
           <a:xfrm>
             <a:off x="756000" y="5078520"/>
-            <a:ext cx="6042960" cy="4806360"/>
+            <a:ext cx="6042600" cy="4806000"/>
           </a:xfrm>
           <a:prstGeom prst="rect">
             <a:avLst/>
@@ -3200,7 +4264,7 @@
       </p:grpSpPr>
       <p:sp>
         <p:nvSpPr>
-          <p:cNvPr id="700" name="PlaceHolder 1"/>
+          <p:cNvPr id="720" name="PlaceHolder 1"/>
           <p:cNvSpPr>
             <a:spLocks noGrp="1"/>
           </p:cNvSpPr>
@@ -3211,19 +4275,19 @@
         <p:spPr>
           <a:xfrm>
             <a:off x="216000" y="812520"/>
-            <a:ext cx="7122600" cy="4004280"/>
-          </a:xfrm>
-          <a:prstGeom prst="rect">
-            <a:avLst/>
-          </a:prstGeom>
-          <a:ln w="0">
-            <a:noFill/>
-          </a:ln>
-        </p:spPr>
-      </p:sp>
-      <p:sp>
-        <p:nvSpPr>
-          <p:cNvPr id="701" name="PlaceHolder 2"/>
+            <a:ext cx="7122240" cy="4003920"/>
+          </a:xfrm>
+          <a:prstGeom prst="rect">
+            <a:avLst/>
+          </a:prstGeom>
+          <a:ln w="0">
+            <a:noFill/>
+          </a:ln>
+        </p:spPr>
+      </p:sp>
+      <p:sp>
+        <p:nvSpPr>
+          <p:cNvPr id="721" name="PlaceHolder 2"/>
           <p:cNvSpPr>
             <a:spLocks noGrp="1"/>
           </p:cNvSpPr>
@@ -3234,7 +4298,7 @@
         <p:spPr>
           <a:xfrm>
             <a:off x="756000" y="5078520"/>
-            <a:ext cx="6042960" cy="4806360"/>
+            <a:ext cx="6042600" cy="4806000"/>
           </a:xfrm>
           <a:prstGeom prst="rect">
             <a:avLst/>
@@ -3340,7 +4404,7 @@
         <p:txBody>
           <a:bodyPr/>
           <a:p>
-            <a:fld id="{F4E77779-9B7F-418C-B9D1-C4E5717C6A6F}" type="slidenum">
+            <a:fld id="{0E0FBAC4-BAFC-47D9-8FEC-DE278D5D2BAB}" type="slidenum">
               <a:t>&lt;#&gt;</a:t>
             </a:fld>
           </a:p>
@@ -3528,7 +4592,7 @@
         <p:txBody>
           <a:bodyPr/>
           <a:p>
-            <a:fld id="{0A122332-562F-44FF-99CD-E2A2607B2758}" type="slidenum">
+            <a:fld id="{63545BE2-8FBF-4A35-AE33-0ECACCF340C9}" type="slidenum">
               <a:t>&lt;#&gt;</a:t>
             </a:fld>
           </a:p>
@@ -3716,7 +4780,7 @@
         <p:txBody>
           <a:bodyPr/>
           <a:p>
-            <a:fld id="{BD636327-9594-4D87-8F24-8F524A6D205B}" type="slidenum">
+            <a:fld id="{15C4D6AC-6BFC-4403-BA37-A61C0DD5EF22}" type="slidenum">
               <a:t>&lt;#&gt;</a:t>
             </a:fld>
           </a:p>
@@ -3836,7 +4900,7 @@
         <p:txBody>
           <a:bodyPr/>
           <a:p>
-            <a:fld id="{464CEDE8-65C7-47D0-9282-D8D6A7D353B8}" type="slidenum">
+            <a:fld id="{3080B004-FB2C-49C7-96B1-80F1F8BC4908}" type="slidenum">
               <a:t>&lt;#&gt;</a:t>
             </a:fld>
           </a:p>
@@ -3956,7 +5020,7 @@
         <p:txBody>
           <a:bodyPr/>
           <a:p>
-            <a:fld id="{46321F20-A522-42DA-ACB6-BA5CD424E6BC}" type="slidenum">
+            <a:fld id="{A986AB6F-581E-4CAB-A0B3-EDF91A5FB57F}" type="slidenum">
               <a:t>&lt;#&gt;</a:t>
             </a:fld>
           </a:p>
@@ -4178,7 +5242,7 @@
         <p:txBody>
           <a:bodyPr/>
           <a:p>
-            <a:fld id="{30D5F4B1-7AA7-48B3-83BE-5F9EB7620DAE}" type="slidenum">
+            <a:fld id="{C25F0C8D-2688-48CD-BBA3-D03762C21623}" type="slidenum">
               <a:t>&lt;#&gt;</a:t>
             </a:fld>
           </a:p>
@@ -4400,7 +5464,7 @@
         <p:txBody>
           <a:bodyPr/>
           <a:p>
-            <a:fld id="{303DA241-046B-417F-9C5A-5283603A6A6B}" type="slidenum">
+            <a:fld id="{91C0441A-307D-4752-9FEF-EA9281738971}" type="slidenum">
               <a:t>&lt;#&gt;</a:t>
             </a:fld>
           </a:p>
@@ -4622,7 +5686,7 @@
         <p:txBody>
           <a:bodyPr/>
           <a:p>
-            <a:fld id="{85E8780A-53D1-4E4D-BE19-3BDCC0238208}" type="slidenum">
+            <a:fld id="{12A3EB8B-5BAB-4B7C-BC1A-D8ECAB6FCCD7}" type="slidenum">
               <a:t>&lt;#&gt;</a:t>
             </a:fld>
           </a:p>
@@ -4810,7 +5874,7 @@
         <p:txBody>
           <a:bodyPr/>
           <a:p>
-            <a:fld id="{F4B010B7-0886-4B91-ACF2-73544922458B}" type="slidenum">
+            <a:fld id="{FDE3C81C-D7E6-48B0-9F57-AF9586ACA12F}" type="slidenum">
               <a:t>&lt;#&gt;</a:t>
             </a:fld>
           </a:p>
@@ -5066,7 +6130,7 @@
         <p:txBody>
           <a:bodyPr/>
           <a:p>
-            <a:fld id="{166CB410-96FF-470D-99CA-DCE149C3FDC8}" type="slidenum">
+            <a:fld id="{D44C4B2C-8B8B-4925-8D15-DC19C0B0B059}" type="slidenum">
               <a:t>&lt;#&gt;</a:t>
             </a:fld>
           </a:p>
@@ -5390,7 +6454,7 @@
         <p:txBody>
           <a:bodyPr/>
           <a:p>
-            <a:fld id="{BCCF6DCA-2B50-4CEE-A1C9-7621604FCBD3}" type="slidenum">
+            <a:fld id="{1ECFA922-23C0-4DBB-9313-2FEC546D4C22}" type="slidenum">
               <a:t>&lt;#&gt;</a:t>
             </a:fld>
           </a:p>
@@ -5473,7 +6537,7 @@
         <p:txBody>
           <a:bodyPr/>
           <a:p>
-            <a:fld id="{AE36CD45-8AE3-4657-8034-B780B82DFD59}" type="slidenum">
+            <a:fld id="{A3DDADC2-5E82-401B-9C88-AED8D91642F1}" type="slidenum">
               <a:t>&lt;#&gt;</a:t>
             </a:fld>
           </a:p>
@@ -5729,7 +6793,7 @@
         <p:txBody>
           <a:bodyPr/>
           <a:p>
-            <a:fld id="{69C22D63-DF42-42CE-88BE-0316091DE191}" type="slidenum">
+            <a:fld id="{67C368E9-48F8-45B2-9D5A-5D9B14B39AB9}" type="slidenum">
               <a:t>&lt;#&gt;</a:t>
             </a:fld>
           </a:p>
@@ -5886,7 +6950,7 @@
         <p:txBody>
           <a:bodyPr/>
           <a:p>
-            <a:fld id="{18162811-342E-44B3-8856-B960D6435558}" type="slidenum">
+            <a:fld id="{D25ECD40-6AB5-49D1-B4E4-8F66075AAC1E}" type="slidenum">
               <a:t>&lt;#&gt;</a:t>
             </a:fld>
           </a:p>
@@ -6040,7 +7104,7 @@
         <p:txBody>
           <a:bodyPr/>
           <a:p>
-            <a:fld id="{652143DB-CF28-4EB3-AC3E-0D2874F230FA}" type="slidenum">
+            <a:fld id="{B8BC1DB6-C8B7-455F-840B-F95162F813AA}" type="slidenum">
               <a:t>&lt;#&gt;</a:t>
             </a:fld>
           </a:p>
@@ -6228,7 +7292,7 @@
         <p:txBody>
           <a:bodyPr/>
           <a:p>
-            <a:fld id="{4A657A91-0094-4EBE-8D7A-8ABB8C4CB2CD}" type="slidenum">
+            <a:fld id="{DCF84887-6B41-4F73-B67A-563F5F977452}" type="slidenum">
               <a:t>&lt;#&gt;</a:t>
             </a:fld>
           </a:p>
@@ -6348,7 +7412,7 @@
         <p:txBody>
           <a:bodyPr/>
           <a:p>
-            <a:fld id="{241B1C11-B169-4AA0-8A82-CF9928E80744}" type="slidenum">
+            <a:fld id="{A6EDB4D3-FB16-4B5A-B347-51637B75BD24}" type="slidenum">
               <a:t>&lt;#&gt;</a:t>
             </a:fld>
           </a:p>
@@ -6468,7 +7532,7 @@
         <p:txBody>
           <a:bodyPr/>
           <a:p>
-            <a:fld id="{E5855E40-2019-4182-82AB-4165EF543C3D}" type="slidenum">
+            <a:fld id="{BDC389F2-3883-4E58-BDC1-C9C30D263E3E}" type="slidenum">
               <a:t>&lt;#&gt;</a:t>
             </a:fld>
           </a:p>
@@ -6690,7 +7754,7 @@
         <p:txBody>
           <a:bodyPr/>
           <a:p>
-            <a:fld id="{31C4505B-AE12-4A08-9A97-56799603DECE}" type="slidenum">
+            <a:fld id="{C793DDB3-DDBB-4DB8-8E88-FF7854E96FF3}" type="slidenum">
               <a:t>&lt;#&gt;</a:t>
             </a:fld>
           </a:p>
@@ -6912,7 +7976,7 @@
         <p:txBody>
           <a:bodyPr/>
           <a:p>
-            <a:fld id="{79EBE3A1-81F2-4E96-9EE4-7A18666B8A98}" type="slidenum">
+            <a:fld id="{4B814D9E-03DC-4BC6-BF08-5A4DB5288AAC}" type="slidenum">
               <a:t>&lt;#&gt;</a:t>
             </a:fld>
           </a:p>
@@ -7134,7 +8198,7 @@
         <p:txBody>
           <a:bodyPr/>
           <a:p>
-            <a:fld id="{A514C9B8-77F3-4A2C-BEDF-45DBE2694EC3}" type="slidenum">
+            <a:fld id="{F8F5A887-1C25-4BE2-9D66-36339ED6CAA1}" type="slidenum">
               <a:t>&lt;#&gt;</a:t>
             </a:fld>
           </a:p>
@@ -7322,7 +8386,7 @@
         <p:txBody>
           <a:bodyPr/>
           <a:p>
-            <a:fld id="{E9CBAA51-F13F-4F99-8BA9-25FB0AEE6C2D}" type="slidenum">
+            <a:fld id="{BA5742A2-564C-4FEE-B500-B0E4549D88A7}" type="slidenum">
               <a:t>&lt;#&gt;</a:t>
             </a:fld>
           </a:p>
@@ -7578,7 +8642,7 @@
         <p:txBody>
           <a:bodyPr/>
           <a:p>
-            <a:fld id="{9AB057E7-D455-4B1B-B79F-12354FF41D07}" type="slidenum">
+            <a:fld id="{AB2CCFF7-2EF1-4F2B-A395-88E49A6F240D}" type="slidenum">
               <a:t>&lt;#&gt;</a:t>
             </a:fld>
           </a:p>
@@ -7902,7 +8966,7 @@
         <p:txBody>
           <a:bodyPr/>
           <a:p>
-            <a:fld id="{B9AF140D-F3E4-4FF0-939B-882ABC7BAA9A}" type="slidenum">
+            <a:fld id="{7DDF41F5-8ED8-497A-93EF-D67E2A223AC6}" type="slidenum">
               <a:t>&lt;#&gt;</a:t>
             </a:fld>
           </a:p>
@@ -8226,7 +9290,7 @@
         <p:txBody>
           <a:bodyPr/>
           <a:p>
-            <a:fld id="{8809B980-4E40-477D-B26C-596E22D8381A}" type="slidenum">
+            <a:fld id="{28469423-ED50-4AE1-9D8D-9B3FD79C2872}" type="slidenum">
               <a:t>&lt;#&gt;</a:t>
             </a:fld>
           </a:p>
@@ -8309,7 +9373,7 @@
         <p:txBody>
           <a:bodyPr/>
           <a:p>
-            <a:fld id="{E2C59AFB-12F6-4FA4-BE90-2F8FAB04EADA}" type="slidenum">
+            <a:fld id="{55D90966-54CC-4600-AC14-9D2295289158}" type="slidenum">
               <a:t>&lt;#&gt;</a:t>
             </a:fld>
           </a:p>
@@ -8466,7 +9530,7 @@
         <p:txBody>
           <a:bodyPr/>
           <a:p>
-            <a:fld id="{150D5B30-84ED-4CBE-AC08-736635655A85}" type="slidenum">
+            <a:fld id="{C6528397-BD63-4265-8610-2C884E5D4E6B}" type="slidenum">
               <a:t>&lt;#&gt;</a:t>
             </a:fld>
           </a:p>
@@ -8620,7 +9684,7 @@
         <p:txBody>
           <a:bodyPr/>
           <a:p>
-            <a:fld id="{D1B46B91-C5A0-49B4-B50A-FECA4AE6CE50}" type="slidenum">
+            <a:fld id="{190FD685-DDF2-4C16-BBC0-8724B1C64F48}" type="slidenum">
               <a:t>&lt;#&gt;</a:t>
             </a:fld>
           </a:p>
@@ -8808,7 +9872,7 @@
         <p:txBody>
           <a:bodyPr/>
           <a:p>
-            <a:fld id="{17A2E503-1F8F-4AB0-AD39-EC18AB575ED2}" type="slidenum">
+            <a:fld id="{A9786C99-97DA-43FC-A05D-9A044FDD1195}" type="slidenum">
               <a:t>&lt;#&gt;</a:t>
             </a:fld>
           </a:p>
@@ -8928,7 +9992,7 @@
         <p:txBody>
           <a:bodyPr/>
           <a:p>
-            <a:fld id="{A5863558-953F-4EB3-A053-76897227538E}" type="slidenum">
+            <a:fld id="{93908597-C743-4936-9692-AA677CDEDB9B}" type="slidenum">
               <a:t>&lt;#&gt;</a:t>
             </a:fld>
           </a:p>
@@ -9048,7 +10112,7 @@
         <p:txBody>
           <a:bodyPr/>
           <a:p>
-            <a:fld id="{74067DA5-3C4E-46A2-A3B8-F1BA579C8E6B}" type="slidenum">
+            <a:fld id="{BAEC6ED1-D8D8-429E-A471-BE42EFC1B49D}" type="slidenum">
               <a:t>&lt;#&gt;</a:t>
             </a:fld>
           </a:p>
@@ -9270,7 +10334,7 @@
         <p:txBody>
           <a:bodyPr/>
           <a:p>
-            <a:fld id="{1EF0C064-3674-4F07-B0F1-C3B27605F625}" type="slidenum">
+            <a:fld id="{2423F0F9-A5FF-43B6-9587-AB9C809D9B65}" type="slidenum">
               <a:t>&lt;#&gt;</a:t>
             </a:fld>
           </a:p>
@@ -9492,7 +10556,7 @@
         <p:txBody>
           <a:bodyPr/>
           <a:p>
-            <a:fld id="{915F378F-B6B8-47AA-A1E9-1E57B6AA6C3C}" type="slidenum">
+            <a:fld id="{99E2740A-7750-4E02-983B-A4A06DBC2A28}" type="slidenum">
               <a:t>&lt;#&gt;</a:t>
             </a:fld>
           </a:p>
@@ -9714,7 +10778,7 @@
         <p:txBody>
           <a:bodyPr/>
           <a:p>
-            <a:fld id="{8322CE2B-2542-4C86-9BC9-E7AA9B812739}" type="slidenum">
+            <a:fld id="{075EF493-E094-488A-A76E-CCE1B232E5D3}" type="slidenum">
               <a:t>&lt;#&gt;</a:t>
             </a:fld>
           </a:p>
@@ -9797,7 +10861,7 @@
         <p:txBody>
           <a:bodyPr/>
           <a:p>
-            <a:fld id="{73619A77-6DC7-4DDF-A0A1-93FB9BD52E50}" type="slidenum">
+            <a:fld id="{C7B53612-2A64-4900-8A77-06A36288010B}" type="slidenum">
               <a:t>&lt;#&gt;</a:t>
             </a:fld>
           </a:p>
@@ -9985,7 +11049,7 @@
         <p:txBody>
           <a:bodyPr/>
           <a:p>
-            <a:fld id="{E6F48E4A-98CF-4DE0-9776-32CB14445BE1}" type="slidenum">
+            <a:fld id="{6479214A-E463-4833-B109-E26900F5AF01}" type="slidenum">
               <a:t>&lt;#&gt;</a:t>
             </a:fld>
           </a:p>
@@ -10241,7 +11305,7 @@
         <p:txBody>
           <a:bodyPr/>
           <a:p>
-            <a:fld id="{D51B6CD7-3AAA-4035-A0AA-4B501DD17F8A}" type="slidenum">
+            <a:fld id="{89A41408-48E8-476B-BFDD-34A41AD014E6}" type="slidenum">
               <a:t>&lt;#&gt;</a:t>
             </a:fld>
           </a:p>
@@ -10565,7 +11629,7 @@
         <p:txBody>
           <a:bodyPr/>
           <a:p>
-            <a:fld id="{89E256AC-61D6-4847-B83E-DF716AA231E8}" type="slidenum">
+            <a:fld id="{E4E98808-0CFC-45D1-AB7D-CCB19FA4F169}" type="slidenum">
               <a:t>&lt;#&gt;</a:t>
             </a:fld>
           </a:p>
@@ -10648,7 +11712,7 @@
         <p:txBody>
           <a:bodyPr/>
           <a:p>
-            <a:fld id="{27B85762-5607-4EA1-9032-0936CF8249D4}" type="slidenum">
+            <a:fld id="{2A31BF08-DC27-4175-9731-4E228FE4075A}" type="slidenum">
               <a:t>&lt;#&gt;</a:t>
             </a:fld>
           </a:p>
@@ -10805,7 +11869,7 @@
         <p:txBody>
           <a:bodyPr/>
           <a:p>
-            <a:fld id="{0A299A2A-6F36-459D-B4DB-EF79CD137D5B}" type="slidenum">
+            <a:fld id="{55FB134F-4CA9-41BA-8352-823AB6117912}" type="slidenum">
               <a:t>&lt;#&gt;</a:t>
             </a:fld>
           </a:p>
@@ -10959,7 +12023,7 @@
         <p:txBody>
           <a:bodyPr/>
           <a:p>
-            <a:fld id="{B0D2539F-4462-493F-AAAF-E8FEC09D8796}" type="slidenum">
+            <a:fld id="{089CBD00-BDA1-4230-B327-2AC3760CD4A4}" type="slidenum">
               <a:t>&lt;#&gt;</a:t>
             </a:fld>
           </a:p>
@@ -11147,7 +12211,7 @@
         <p:txBody>
           <a:bodyPr/>
           <a:p>
-            <a:fld id="{00731A43-A5AC-4D6D-983F-A0BE8B6675B3}" type="slidenum">
+            <a:fld id="{32B139D5-EE9F-42C3-B5E7-7815196F3ACC}" type="slidenum">
               <a:t>&lt;#&gt;</a:t>
             </a:fld>
           </a:p>
@@ -11267,7 +12331,7 @@
         <p:txBody>
           <a:bodyPr/>
           <a:p>
-            <a:fld id="{7AD75D10-6C52-4A2D-9DB8-2A5801BE62AB}" type="slidenum">
+            <a:fld id="{C8CED944-3304-4CBA-9CEA-7C0B4123F87E}" type="slidenum">
               <a:t>&lt;#&gt;</a:t>
             </a:fld>
           </a:p>
@@ -11387,7 +12451,7 @@
         <p:txBody>
           <a:bodyPr/>
           <a:p>
-            <a:fld id="{399B7631-D997-4A98-9931-F66BFFC425A0}" type="slidenum">
+            <a:fld id="{8F88AB96-B160-451A-AFCC-BF196D4C6674}" type="slidenum">
               <a:t>&lt;#&gt;</a:t>
             </a:fld>
           </a:p>
@@ -11609,7 +12673,7 @@
         <p:txBody>
           <a:bodyPr/>
           <a:p>
-            <a:fld id="{AD8428EA-DB2C-4919-950D-D60E4A0C878A}" type="slidenum">
+            <a:fld id="{6C7BBBAA-99D6-49DC-AC3B-53331C067C61}" type="slidenum">
               <a:t>&lt;#&gt;</a:t>
             </a:fld>
           </a:p>
@@ -11766,7 +12830,7 @@
         <p:txBody>
           <a:bodyPr/>
           <a:p>
-            <a:fld id="{1619F917-5A20-455A-AE95-20986D168859}" type="slidenum">
+            <a:fld id="{8039E040-3E2C-4D91-A824-5787BFC8E575}" type="slidenum">
               <a:t>&lt;#&gt;</a:t>
             </a:fld>
           </a:p>
@@ -11988,7 +13052,7 @@
         <p:txBody>
           <a:bodyPr/>
           <a:p>
-            <a:fld id="{552C8507-6643-48DD-B6C5-2820774AFA1A}" type="slidenum">
+            <a:fld id="{FDE23DF7-34EE-4E44-AA21-132D8A716260}" type="slidenum">
               <a:t>&lt;#&gt;</a:t>
             </a:fld>
           </a:p>
@@ -12210,7 +13274,7 @@
         <p:txBody>
           <a:bodyPr/>
           <a:p>
-            <a:fld id="{C3E2EC1D-4C51-4444-804E-4201405DCDFC}" type="slidenum">
+            <a:fld id="{917132A9-7F6F-4E61-A86C-B610D75D78F4}" type="slidenum">
               <a:t>&lt;#&gt;</a:t>
             </a:fld>
           </a:p>
@@ -12398,7 +13462,7 @@
         <p:txBody>
           <a:bodyPr/>
           <a:p>
-            <a:fld id="{9DC05240-20C7-42EF-BF50-A22716C82B37}" type="slidenum">
+            <a:fld id="{D263C829-9CAF-4410-8D9D-B71BBB4DABEF}" type="slidenum">
               <a:t>&lt;#&gt;</a:t>
             </a:fld>
           </a:p>
@@ -12654,7 +13718,7 @@
         <p:txBody>
           <a:bodyPr/>
           <a:p>
-            <a:fld id="{B5A261A6-FDD0-46AA-8FD9-4741BDB6FFB1}" type="slidenum">
+            <a:fld id="{A127D962-4762-4D0C-8D48-2678F721846C}" type="slidenum">
               <a:t>&lt;#&gt;</a:t>
             </a:fld>
           </a:p>
@@ -12978,7 +14042,7 @@
         <p:txBody>
           <a:bodyPr/>
           <a:p>
-            <a:fld id="{1296DA77-0505-4502-AAB0-4204320CA240}" type="slidenum">
+            <a:fld id="{DA2EB312-3834-4E1F-9AD5-BB310EC30EFE}" type="slidenum">
               <a:t>&lt;#&gt;</a:t>
             </a:fld>
           </a:p>
@@ -13132,7 +14196,7 @@
         <p:txBody>
           <a:bodyPr/>
           <a:p>
-            <a:fld id="{ADE120FD-70FC-4473-B865-F014813FACDA}" type="slidenum">
+            <a:fld id="{EDD7D7AF-D432-447F-8C9C-F53FAD5A9C9F}" type="slidenum">
               <a:t>&lt;#&gt;</a:t>
             </a:fld>
           </a:p>
@@ -13320,7 +14384,7 @@
         <p:txBody>
           <a:bodyPr/>
           <a:p>
-            <a:fld id="{CF5ED583-CD32-4930-9FA6-936E8E7B8B6E}" type="slidenum">
+            <a:fld id="{6722758E-127B-46CB-830B-442E7CB22ED6}" type="slidenum">
               <a:t>&lt;#&gt;</a:t>
             </a:fld>
           </a:p>
@@ -13440,7 +14504,7 @@
         <p:txBody>
           <a:bodyPr/>
           <a:p>
-            <a:fld id="{2994A70F-3E71-4E06-8BF2-A71CD74EDAA7}" type="slidenum">
+            <a:fld id="{3F20DF92-9356-40D0-B2E9-2ADB24A6C4BE}" type="slidenum">
               <a:t>&lt;#&gt;</a:t>
             </a:fld>
           </a:p>
@@ -13560,7 +14624,7 @@
         <p:txBody>
           <a:bodyPr/>
           <a:p>
-            <a:fld id="{85F15CE9-CBE8-4DDF-9465-D92E56D4CA01}" type="slidenum">
+            <a:fld id="{73A0DB0D-5591-45A9-B636-DD2293F57073}" type="slidenum">
               <a:t>&lt;#&gt;</a:t>
             </a:fld>
           </a:p>
@@ -13782,7 +14846,7 @@
         <p:txBody>
           <a:bodyPr/>
           <a:p>
-            <a:fld id="{56F91E80-9055-448A-80ED-1C4FFF19553E}" type="slidenum">
+            <a:fld id="{5A8E0F1F-2410-483E-86AA-5608550706F9}" type="slidenum">
               <a:t>&lt;#&gt;</a:t>
             </a:fld>
           </a:p>
@@ -13939,7 +15003,7 @@
         <p:txBody>
           <a:bodyPr/>
           <a:p>
-            <a:fld id="{1680850F-6D13-4F82-8956-D2C55A06CBA9}" type="slidenum">
+            <a:fld id="{AF07D776-15EE-4107-B677-4B014A1F595F}" type="slidenum">
               <a:t>&lt;#&gt;</a:t>
             </a:fld>
           </a:p>
@@ -14161,7 +15225,7 @@
         <p:txBody>
           <a:bodyPr/>
           <a:p>
-            <a:fld id="{B59619AB-B034-42B0-B7FB-6E74F871BA87}" type="slidenum">
+            <a:fld id="{D1AE72AD-6081-4CE8-A55D-90C138ABE78F}" type="slidenum">
               <a:t>&lt;#&gt;</a:t>
             </a:fld>
           </a:p>
@@ -14383,7 +15447,7 @@
         <p:txBody>
           <a:bodyPr/>
           <a:p>
-            <a:fld id="{0DE225E5-0EA8-4BC1-A5F7-AB5E0EFDDDAC}" type="slidenum">
+            <a:fld id="{4D0DC917-E71B-4FC3-873D-D9DC6B7AF98F}" type="slidenum">
               <a:t>&lt;#&gt;</a:t>
             </a:fld>
           </a:p>
@@ -14571,7 +15635,7 @@
         <p:txBody>
           <a:bodyPr/>
           <a:p>
-            <a:fld id="{D1FAD0EC-729E-47E3-8AA8-85AD2ECCC5B8}" type="slidenum">
+            <a:fld id="{A4D0951B-1013-4D7E-859A-026C0436A45E}" type="slidenum">
               <a:t>&lt;#&gt;</a:t>
             </a:fld>
           </a:p>
@@ -14827,7 +15891,7 @@
         <p:txBody>
           <a:bodyPr/>
           <a:p>
-            <a:fld id="{04CD1DD6-252A-4579-B10D-771B204042BB}" type="slidenum">
+            <a:fld id="{B5A94B61-388A-498A-AAE7-C1C7A8C9B1E4}" type="slidenum">
               <a:t>&lt;#&gt;</a:t>
             </a:fld>
           </a:p>
@@ -15151,7 +16215,7 @@
         <p:txBody>
           <a:bodyPr/>
           <a:p>
-            <a:fld id="{392D8907-CDD7-4D96-AEC7-85BB4D8B10DE}" type="slidenum">
+            <a:fld id="{E5859F86-3343-4B72-A528-A13BA8B763DB}" type="slidenum">
               <a:t>&lt;#&gt;</a:t>
             </a:fld>
           </a:p>
@@ -15234,7 +16298,7 @@
         <p:txBody>
           <a:bodyPr/>
           <a:p>
-            <a:fld id="{DC9668A7-B775-4504-A96C-6D8F9E246290}" type="slidenum">
+            <a:fld id="{F5CE91B2-69BB-4388-9AA3-B00C70A6C504}" type="slidenum">
               <a:t>&lt;#&gt;</a:t>
             </a:fld>
           </a:p>
@@ -15391,7 +16455,7 @@
         <p:txBody>
           <a:bodyPr/>
           <a:p>
-            <a:fld id="{B985D19F-E9AD-4584-A1A2-C6B2789101A3}" type="slidenum">
+            <a:fld id="{31F15376-8335-4C65-86C9-BFDB21448999}" type="slidenum">
               <a:t>&lt;#&gt;</a:t>
             </a:fld>
           </a:p>
@@ -15545,7 +16609,7 @@
         <p:txBody>
           <a:bodyPr/>
           <a:p>
-            <a:fld id="{3B6EA202-8E38-4B83-8034-EEA002FAD0E8}" type="slidenum">
+            <a:fld id="{5D26EE61-B61F-4BAB-874A-99F144F9AAA6}" type="slidenum">
               <a:t>&lt;#&gt;</a:t>
             </a:fld>
           </a:p>
@@ -15733,7 +16797,7 @@
         <p:txBody>
           <a:bodyPr/>
           <a:p>
-            <a:fld id="{0E78A73D-190E-42C5-84EB-39302DEFCC67}" type="slidenum">
+            <a:fld id="{13A12208-6FCB-4C04-85F1-4779B33F8D78}" type="slidenum">
               <a:t>&lt;#&gt;</a:t>
             </a:fld>
           </a:p>
@@ -15853,7 +16917,7 @@
         <p:txBody>
           <a:bodyPr/>
           <a:p>
-            <a:fld id="{7A844F0D-3B7B-4B25-AE65-2BCB434E3EC7}" type="slidenum">
+            <a:fld id="{E8F2893D-2B52-4DBA-9B01-956D0B94549A}" type="slidenum">
               <a:t>&lt;#&gt;</a:t>
             </a:fld>
           </a:p>
@@ -16007,7 +17071,7 @@
         <p:txBody>
           <a:bodyPr/>
           <a:p>
-            <a:fld id="{A305A42B-BBE8-4CAB-B95F-7DD28C4B2CE8}" type="slidenum">
+            <a:fld id="{69F97015-7A9B-40BB-B535-E96A7BDEA3D1}" type="slidenum">
               <a:t>&lt;#&gt;</a:t>
             </a:fld>
           </a:p>
@@ -16127,7 +17191,7 @@
         <p:txBody>
           <a:bodyPr/>
           <a:p>
-            <a:fld id="{16EF148D-81C8-4277-B8EB-59EFE83792AC}" type="slidenum">
+            <a:fld id="{A56BE04A-4F72-4B89-9DB6-C71888E47E84}" type="slidenum">
               <a:t>&lt;#&gt;</a:t>
             </a:fld>
           </a:p>
@@ -16349,7 +17413,7 @@
         <p:txBody>
           <a:bodyPr/>
           <a:p>
-            <a:fld id="{4EB179E0-6F72-410B-A715-9D80A16C50DB}" type="slidenum">
+            <a:fld id="{FA86F2AB-CD99-4663-A3D4-B678C898C4AE}" type="slidenum">
               <a:t>&lt;#&gt;</a:t>
             </a:fld>
           </a:p>
@@ -16571,7 +17635,7 @@
         <p:txBody>
           <a:bodyPr/>
           <a:p>
-            <a:fld id="{9B9D8409-40D0-40D2-B4E9-3060709B5091}" type="slidenum">
+            <a:fld id="{EB4E6CBE-96AD-4EC8-B129-CA14BC1BA204}" type="slidenum">
               <a:t>&lt;#&gt;</a:t>
             </a:fld>
           </a:p>
@@ -16793,7 +17857,7 @@
         <p:txBody>
           <a:bodyPr/>
           <a:p>
-            <a:fld id="{DFC83FB5-7BF3-4FFF-BEAD-A45D8A67DDC8}" type="slidenum">
+            <a:fld id="{94B9B463-4878-4FD1-883C-454CF72D741E}" type="slidenum">
               <a:t>&lt;#&gt;</a:t>
             </a:fld>
           </a:p>
@@ -16981,7 +18045,7 @@
         <p:txBody>
           <a:bodyPr/>
           <a:p>
-            <a:fld id="{AC8C5C20-97BA-496C-9190-76A118DCD1A3}" type="slidenum">
+            <a:fld id="{153AC807-7856-4BB5-8DC9-3B26C5F287F2}" type="slidenum">
               <a:t>&lt;#&gt;</a:t>
             </a:fld>
           </a:p>
@@ -17237,7 +18301,7 @@
         <p:txBody>
           <a:bodyPr/>
           <a:p>
-            <a:fld id="{DCEC08A1-FA6C-43EF-98DD-0E0204893509}" type="slidenum">
+            <a:fld id="{DE9FCA53-513E-446B-B004-5B6D6654034E}" type="slidenum">
               <a:t>&lt;#&gt;</a:t>
             </a:fld>
           </a:p>
@@ -17561,7 +18625,7 @@
         <p:txBody>
           <a:bodyPr/>
           <a:p>
-            <a:fld id="{8CB85DD1-0A7C-4C08-A34C-0F69A592B959}" type="slidenum">
+            <a:fld id="{FBA779EF-0FE8-4C98-B6B3-48BC10533B5D}" type="slidenum">
               <a:t>&lt;#&gt;</a:t>
             </a:fld>
           </a:p>
@@ -17644,7 +18708,7 @@
         <p:txBody>
           <a:bodyPr/>
           <a:p>
-            <a:fld id="{81C3386C-43E5-459E-BC33-32E660A26FD6}" type="slidenum">
+            <a:fld id="{6466DD69-6CC8-477F-8DB9-14AFA6712F29}" type="slidenum">
               <a:t>&lt;#&gt;</a:t>
             </a:fld>
           </a:p>
@@ -17801,7 +18865,7 @@
         <p:txBody>
           <a:bodyPr/>
           <a:p>
-            <a:fld id="{EC4FAACB-3BF7-446E-805C-20CE40DC703B}" type="slidenum">
+            <a:fld id="{CF1F0D12-6E30-40C1-89D0-3F08D1EF4659}" type="slidenum">
               <a:t>&lt;#&gt;</a:t>
             </a:fld>
           </a:p>
@@ -17955,7 +19019,7 @@
         <p:txBody>
           <a:bodyPr/>
           <a:p>
-            <a:fld id="{D0E3B340-E65C-4625-8BBA-0F2A72D4BEBF}" type="slidenum">
+            <a:fld id="{E513D5E0-6267-49AB-80A8-7D8ADF357954}" type="slidenum">
               <a:t>&lt;#&gt;</a:t>
             </a:fld>
           </a:p>
@@ -18143,7 +19207,7 @@
         <p:txBody>
           <a:bodyPr/>
           <a:p>
-            <a:fld id="{47063E9E-B95C-4428-96F8-13D54DBAA18C}" type="slidenum">
+            <a:fld id="{C417732E-19B3-46B1-B8C9-B7FB48B64045}" type="slidenum">
               <a:t>&lt;#&gt;</a:t>
             </a:fld>
           </a:p>
@@ -18331,7 +19395,7 @@
         <p:txBody>
           <a:bodyPr/>
           <a:p>
-            <a:fld id="{8218D96F-864E-45B8-8E92-66DFEAB47D68}" type="slidenum">
+            <a:fld id="{B218BBA9-6BA9-4992-989D-97519F2CF576}" type="slidenum">
               <a:t>&lt;#&gt;</a:t>
             </a:fld>
           </a:p>
@@ -18451,7 +19515,7 @@
         <p:txBody>
           <a:bodyPr/>
           <a:p>
-            <a:fld id="{8D0AAC37-F35C-4989-8F12-A21DAC2ED704}" type="slidenum">
+            <a:fld id="{67123100-E2FD-4112-B9A0-14E8510C83DC}" type="slidenum">
               <a:t>&lt;#&gt;</a:t>
             </a:fld>
           </a:p>
@@ -18571,7 +19635,7 @@
         <p:txBody>
           <a:bodyPr/>
           <a:p>
-            <a:fld id="{04893D7A-94F0-493F-A067-986E55189A9D}" type="slidenum">
+            <a:fld id="{79C1255A-7D3D-49F2-BC32-B2ACC1A4A011}" type="slidenum">
               <a:t>&lt;#&gt;</a:t>
             </a:fld>
           </a:p>
@@ -18793,7 +19857,7 @@
         <p:txBody>
           <a:bodyPr/>
           <a:p>
-            <a:fld id="{731951EA-AF5E-47FD-80C8-659DEBA963F5}" type="slidenum">
+            <a:fld id="{EA347200-7F3F-461E-B8CB-F0DCDB92337C}" type="slidenum">
               <a:t>&lt;#&gt;</a:t>
             </a:fld>
           </a:p>
@@ -19015,7 +20079,7 @@
         <p:txBody>
           <a:bodyPr/>
           <a:p>
-            <a:fld id="{0A40AA5D-5924-4C54-96F5-8C30600B35B3}" type="slidenum">
+            <a:fld id="{C990025C-CE2B-448D-97C4-2E3B8DC4172A}" type="slidenum">
               <a:t>&lt;#&gt;</a:t>
             </a:fld>
           </a:p>
@@ -19237,7 +20301,7 @@
         <p:txBody>
           <a:bodyPr/>
           <a:p>
-            <a:fld id="{850C1090-FD76-4B15-8482-405D5CA571D8}" type="slidenum">
+            <a:fld id="{5387A608-41A8-4B57-A89D-79E036543B39}" type="slidenum">
               <a:t>&lt;#&gt;</a:t>
             </a:fld>
           </a:p>
@@ -19425,7 +20489,7 @@
         <p:txBody>
           <a:bodyPr/>
           <a:p>
-            <a:fld id="{EE6E1ECE-2F86-4D1B-8894-AB878D213A9E}" type="slidenum">
+            <a:fld id="{26470FE7-5D36-4254-9630-B61079325918}" type="slidenum">
               <a:t>&lt;#&gt;</a:t>
             </a:fld>
           </a:p>
@@ -19681,7 +20745,7 @@
         <p:txBody>
           <a:bodyPr/>
           <a:p>
-            <a:fld id="{377E3799-EFC0-4644-AAD7-4D4FF4C50DDE}" type="slidenum">
+            <a:fld id="{3CEA9649-2435-451E-AEAE-98C4547FD159}" type="slidenum">
               <a:t>&lt;#&gt;</a:t>
             </a:fld>
           </a:p>
@@ -20005,7 +21069,7 @@
         <p:txBody>
           <a:bodyPr/>
           <a:p>
-            <a:fld id="{340A8054-1703-43B7-B53B-F1FA9B5B6952}" type="slidenum">
+            <a:fld id="{201CF21F-1525-4FE6-85D6-870BE7525091}" type="slidenum">
               <a:t>&lt;#&gt;</a:t>
             </a:fld>
           </a:p>
@@ -20088,7 +21152,7 @@
         <p:txBody>
           <a:bodyPr/>
           <a:p>
-            <a:fld id="{3234BB82-3426-48FB-A49C-CD11BBC7C262}" type="slidenum">
+            <a:fld id="{4B5E8F56-BFEE-4735-B3A7-4C590BC817D7}" type="slidenum">
               <a:t>&lt;#&gt;</a:t>
             </a:fld>
           </a:p>
@@ -20208,7 +21272,7 @@
         <p:txBody>
           <a:bodyPr/>
           <a:p>
-            <a:fld id="{04281DF8-8B4E-48E1-AAD2-0810C763F0BA}" type="slidenum">
+            <a:fld id="{CF0A0747-65B6-472D-8E13-820B4CE79D99}" type="slidenum">
               <a:t>&lt;#&gt;</a:t>
             </a:fld>
           </a:p>
@@ -20365,7 +21429,7 @@
         <p:txBody>
           <a:bodyPr/>
           <a:p>
-            <a:fld id="{8D1EA8B5-6A94-4D9E-86A9-F362D63CCE36}" type="slidenum">
+            <a:fld id="{6A4C4B50-E7E7-4DBE-A6C6-9F3AEE77AA56}" type="slidenum">
               <a:t>&lt;#&gt;</a:t>
             </a:fld>
           </a:p>
@@ -20519,7 +21583,7 @@
         <p:txBody>
           <a:bodyPr/>
           <a:p>
-            <a:fld id="{DEBC943F-61F5-41E6-B01B-C205C684DE8D}" type="slidenum">
+            <a:fld id="{0AF02ABB-1FA4-4AFF-9CD8-F66DB3B7EF71}" type="slidenum">
               <a:t>&lt;#&gt;</a:t>
             </a:fld>
           </a:p>
@@ -20707,7 +21771,7 @@
         <p:txBody>
           <a:bodyPr/>
           <a:p>
-            <a:fld id="{68039554-D43A-47C0-A221-EFB785182C50}" type="slidenum">
+            <a:fld id="{EF1D0E2C-4B50-40D9-9459-6B115B62B19C}" type="slidenum">
               <a:t>&lt;#&gt;</a:t>
             </a:fld>
           </a:p>
@@ -20827,7 +21891,7 @@
         <p:txBody>
           <a:bodyPr/>
           <a:p>
-            <a:fld id="{EC196F4C-BF68-4DFC-9A6B-0AD0DFA582CE}" type="slidenum">
+            <a:fld id="{C5E55418-81D6-4FB6-9F63-BEE2BC024EB4}" type="slidenum">
               <a:t>&lt;#&gt;</a:t>
             </a:fld>
           </a:p>
@@ -20947,7 +22011,7 @@
         <p:txBody>
           <a:bodyPr/>
           <a:p>
-            <a:fld id="{B63B153E-33C2-461F-95C6-26A5BA988969}" type="slidenum">
+            <a:fld id="{802F094A-D03C-40B1-ACCD-7906F7CBB4C7}" type="slidenum">
               <a:t>&lt;#&gt;</a:t>
             </a:fld>
           </a:p>
@@ -21169,7 +22233,7 @@
         <p:txBody>
           <a:bodyPr/>
           <a:p>
-            <a:fld id="{1C3DA16D-49F7-4B97-9529-9341AEC6C540}" type="slidenum">
+            <a:fld id="{02CAA539-4C67-4A51-BACB-BE90DC4D3B1E}" type="slidenum">
               <a:t>&lt;#&gt;</a:t>
             </a:fld>
           </a:p>
@@ -21391,7 +22455,7 @@
         <p:txBody>
           <a:bodyPr/>
           <a:p>
-            <a:fld id="{38336AC6-004B-427C-9755-D1D423F5DCFE}" type="slidenum">
+            <a:fld id="{AF3667B3-7D1D-43EE-92FF-6498B4E3B6B8}" type="slidenum">
               <a:t>&lt;#&gt;</a:t>
             </a:fld>
           </a:p>
@@ -21613,7 +22677,7 @@
         <p:txBody>
           <a:bodyPr/>
           <a:p>
-            <a:fld id="{3D589256-072A-4A08-A99F-39976799D741}" type="slidenum">
+            <a:fld id="{D5EF697B-F410-46B7-99E5-4865227BE622}" type="slidenum">
               <a:t>&lt;#&gt;</a:t>
             </a:fld>
           </a:p>
@@ -21801,7 +22865,7 @@
         <p:txBody>
           <a:bodyPr/>
           <a:p>
-            <a:fld id="{3037DC8F-3E63-4DBD-AFA3-6EC71B6A863D}" type="slidenum">
+            <a:fld id="{B0782AB4-B384-4F8F-B7FF-D885E5F4D492}" type="slidenum">
               <a:t>&lt;#&gt;</a:t>
             </a:fld>
           </a:p>
@@ -22057,7 +23121,7 @@
         <p:txBody>
           <a:bodyPr/>
           <a:p>
-            <a:fld id="{894C4D89-AC10-476E-95DD-9F231A88BF70}" type="slidenum">
+            <a:fld id="{814632DB-9E9E-48A7-9C9A-32FCA6C6AB97}" type="slidenum">
               <a:t>&lt;#&gt;</a:t>
             </a:fld>
           </a:p>
@@ -22177,7 +23241,7 @@
         <p:txBody>
           <a:bodyPr/>
           <a:p>
-            <a:fld id="{875C550B-D986-44F5-9532-1A639D1B0553}" type="slidenum">
+            <a:fld id="{01A97536-AE61-4C4A-89BF-D97BD22F7BCF}" type="slidenum">
               <a:t>&lt;#&gt;</a:t>
             </a:fld>
           </a:p>
@@ -22501,7 +23565,7 @@
         <p:txBody>
           <a:bodyPr/>
           <a:p>
-            <a:fld id="{CDC70078-0D6C-453A-A7DD-2EF3AD925969}" type="slidenum">
+            <a:fld id="{63CE8EAD-7D70-4360-8521-35A9E79E25DA}" type="slidenum">
               <a:t>&lt;#&gt;</a:t>
             </a:fld>
           </a:p>
@@ -22584,7 +23648,7 @@
         <p:txBody>
           <a:bodyPr/>
           <a:p>
-            <a:fld id="{1ADB2B54-A843-400C-B6BC-B4086EF2B731}" type="slidenum">
+            <a:fld id="{3BFACEF3-61D1-431E-BA90-D41C4CD150C9}" type="slidenum">
               <a:t>&lt;#&gt;</a:t>
             </a:fld>
           </a:p>
@@ -22741,7 +23805,7 @@
         <p:txBody>
           <a:bodyPr/>
           <a:p>
-            <a:fld id="{EE4B90EC-BA45-4E6D-BECD-932E2C0E238F}" type="slidenum">
+            <a:fld id="{2AC1426A-3605-4A77-8DA3-28EF33EFE84A}" type="slidenum">
               <a:t>&lt;#&gt;</a:t>
             </a:fld>
           </a:p>
@@ -22895,7 +23959,7 @@
         <p:txBody>
           <a:bodyPr/>
           <a:p>
-            <a:fld id="{D8239811-68DD-4B15-AA5B-6BD589045DBE}" type="slidenum">
+            <a:fld id="{234DCAE7-F799-4687-A8AF-0DF3FB2C9CA5}" type="slidenum">
               <a:t>&lt;#&gt;</a:t>
             </a:fld>
           </a:p>
@@ -23083,7 +24147,7 @@
         <p:txBody>
           <a:bodyPr/>
           <a:p>
-            <a:fld id="{BA19016B-3BC1-4751-AEFE-837FC4743636}" type="slidenum">
+            <a:fld id="{2324159F-7581-449C-8CE7-1653521D1F7F}" type="slidenum">
               <a:t>&lt;#&gt;</a:t>
             </a:fld>
           </a:p>
@@ -23203,7 +24267,7 @@
         <p:txBody>
           <a:bodyPr/>
           <a:p>
-            <a:fld id="{5F06983F-1D5B-46E3-A500-E4C6D8BCACAC}" type="slidenum">
+            <a:fld id="{0AA4806A-5711-4603-8678-5DCD22B8FCF9}" type="slidenum">
               <a:t>&lt;#&gt;</a:t>
             </a:fld>
           </a:p>
@@ -23323,7 +24387,7 @@
         <p:txBody>
           <a:bodyPr/>
           <a:p>
-            <a:fld id="{88787CB9-9261-439E-B8FF-FDE427443BCE}" type="slidenum">
+            <a:fld id="{980151B4-028B-4485-BDF8-AFC6791C2483}" type="slidenum">
               <a:t>&lt;#&gt;</a:t>
             </a:fld>
           </a:p>
@@ -23545,7 +24609,7 @@
         <p:txBody>
           <a:bodyPr/>
           <a:p>
-            <a:fld id="{9785F179-CA4E-4547-A44F-C69A1460AFC7}" type="slidenum">
+            <a:fld id="{87278456-ADA6-45B4-9E8B-E658BC6A8875}" type="slidenum">
               <a:t>&lt;#&gt;</a:t>
             </a:fld>
           </a:p>
@@ -23767,7 +24831,7 @@
         <p:txBody>
           <a:bodyPr/>
           <a:p>
-            <a:fld id="{8CD20685-3785-4642-BE03-856FCE9EB814}" type="slidenum">
+            <a:fld id="{20E2C89E-9F23-43FF-A3E6-BFDB4E7F83A1}" type="slidenum">
               <a:t>&lt;#&gt;</a:t>
             </a:fld>
           </a:p>
@@ -23989,7 +25053,7 @@
         <p:txBody>
           <a:bodyPr/>
           <a:p>
-            <a:fld id="{A0996357-5BDF-4B85-BD64-8258549DCC0D}" type="slidenum">
+            <a:fld id="{1C93BD58-0650-4761-9CB7-6D7B85061DF6}" type="slidenum">
               <a:t>&lt;#&gt;</a:t>
             </a:fld>
           </a:p>
@@ -24211,7 +25275,7 @@
         <p:txBody>
           <a:bodyPr/>
           <a:p>
-            <a:fld id="{CF0003B6-C93A-4665-AE98-C77E73478BA1}" type="slidenum">
+            <a:fld id="{8043924F-306F-4230-B005-AC830423A5A8}" type="slidenum">
               <a:t>&lt;#&gt;</a:t>
             </a:fld>
           </a:p>
@@ -24399,7 +25463,7 @@
         <p:txBody>
           <a:bodyPr/>
           <a:p>
-            <a:fld id="{556EAFFF-19AA-434E-8EEC-09F84C36545E}" type="slidenum">
+            <a:fld id="{796D3619-E936-4DEE-8C2B-12C7B06C9D1F}" type="slidenum">
               <a:t>&lt;#&gt;</a:t>
             </a:fld>
           </a:p>
@@ -24655,7 +25719,7 @@
         <p:txBody>
           <a:bodyPr/>
           <a:p>
-            <a:fld id="{B9BE9B12-BE6F-4A76-BD1D-83B6E1368B44}" type="slidenum">
+            <a:fld id="{5B956651-70D2-4218-B995-1BAE4151816F}" type="slidenum">
               <a:t>&lt;#&gt;</a:t>
             </a:fld>
           </a:p>
@@ -24979,7 +26043,7 @@
         <p:txBody>
           <a:bodyPr/>
           <a:p>
-            <a:fld id="{7F891194-3AF1-4AE8-9D4D-309CDECD91C4}" type="slidenum">
+            <a:fld id="{173D1A91-A0A4-4951-8401-9E1F52F49667}" type="slidenum">
               <a:t>&lt;#&gt;</a:t>
             </a:fld>
           </a:p>
@@ -25062,7 +26126,7 @@
         <p:txBody>
           <a:bodyPr/>
           <a:p>
-            <a:fld id="{0450EA5D-C55C-49CF-9ACE-8BCD27696784}" type="slidenum">
+            <a:fld id="{50B8157F-805C-4CA1-8526-3EF3FD6BA20D}" type="slidenum">
               <a:t>&lt;#&gt;</a:t>
             </a:fld>
           </a:p>
@@ -25219,7 +26283,7 @@
         <p:txBody>
           <a:bodyPr/>
           <a:p>
-            <a:fld id="{C046FB06-B7CF-4F30-A7AF-0FC98C51C46C}" type="slidenum">
+            <a:fld id="{93F66AEC-F0DA-48B9-8584-5E0784E464E7}" type="slidenum">
               <a:t>&lt;#&gt;</a:t>
             </a:fld>
           </a:p>
@@ -25373,7 +26437,7 @@
         <p:txBody>
           <a:bodyPr/>
           <a:p>
-            <a:fld id="{B1A0F51E-7207-48CC-AB4F-A130B05E03FF}" type="slidenum">
+            <a:fld id="{D91A4A90-195D-4942-B9A8-B851E9EC13EE}" type="slidenum">
               <a:t>&lt;#&gt;</a:t>
             </a:fld>
           </a:p>
@@ -25561,7 +26625,7 @@
         <p:txBody>
           <a:bodyPr/>
           <a:p>
-            <a:fld id="{72181E7F-3977-485E-B0F0-2CB2A6AE6DDA}" type="slidenum">
+            <a:fld id="{57C3477A-5EA6-43D6-A162-FCFAB0057841}" type="slidenum">
               <a:t>&lt;#&gt;</a:t>
             </a:fld>
           </a:p>
@@ -25681,7 +26745,7 @@
         <p:txBody>
           <a:bodyPr/>
           <a:p>
-            <a:fld id="{E956EFAC-34F4-46CD-86EB-617FDDCDD5E5}" type="slidenum">
+            <a:fld id="{19235C93-3C4E-4F8C-855D-1CB0F50863F0}" type="slidenum">
               <a:t>&lt;#&gt;</a:t>
             </a:fld>
           </a:p>
@@ -25801,7 +26865,7 @@
         <p:txBody>
           <a:bodyPr/>
           <a:p>
-            <a:fld id="{FF79744E-4837-4C78-9160-B52637B70675}" type="slidenum">
+            <a:fld id="{F0BABF17-3AB6-4C93-A8EA-EDE4EEE6D476}" type="slidenum">
               <a:t>&lt;#&gt;</a:t>
             </a:fld>
           </a:p>
@@ -26023,7 +27087,7 @@
         <p:txBody>
           <a:bodyPr/>
           <a:p>
-            <a:fld id="{3FFD5434-6A16-4D11-BCB7-35E7D8938177}" type="slidenum">
+            <a:fld id="{B3E0C9D5-8174-4B5C-A020-C35A611FA389}" type="slidenum">
               <a:t>&lt;#&gt;</a:t>
             </a:fld>
           </a:p>
@@ -26245,7 +27309,7 @@
         <p:txBody>
           <a:bodyPr/>
           <a:p>
-            <a:fld id="{97F061D0-461A-4CB0-BF53-53C36D1508F0}" type="slidenum">
+            <a:fld id="{023DB755-9C3A-49CB-AA66-30BD867BC5F4}" type="slidenum">
               <a:t>&lt;#&gt;</a:t>
             </a:fld>
           </a:p>
@@ -26467,7 +27531,7 @@
         <p:txBody>
           <a:bodyPr/>
           <a:p>
-            <a:fld id="{614E03E2-5695-4EFB-960B-8DA67BCA9360}" type="slidenum">
+            <a:fld id="{45A8566B-B31F-4646-B1B1-5DD3EBD55B51}" type="slidenum">
               <a:t>&lt;#&gt;</a:t>
             </a:fld>
           </a:p>
@@ -26689,7 +27753,7 @@
         <p:txBody>
           <a:bodyPr/>
           <a:p>
-            <a:fld id="{984AAD07-D28C-46DF-AE5B-081879EB72AC}" type="slidenum">
+            <a:fld id="{76BDA504-9A17-4581-8749-38CC18AE0EE1}" type="slidenum">
               <a:t>&lt;#&gt;</a:t>
             </a:fld>
           </a:p>
@@ -26877,7 +27941,7 @@
         <p:txBody>
           <a:bodyPr/>
           <a:p>
-            <a:fld id="{B5E61A07-3C69-4BA4-8019-A6163CA22D40}" type="slidenum">
+            <a:fld id="{AE1C9252-AD26-4A18-9B43-B33FFFD069D0}" type="slidenum">
               <a:t>&lt;#&gt;</a:t>
             </a:fld>
           </a:p>
@@ -27133,7 +28197,7 @@
         <p:txBody>
           <a:bodyPr/>
           <a:p>
-            <a:fld id="{C582E5FB-03E7-4A40-B937-0E1A879DB1B4}" type="slidenum">
+            <a:fld id="{FE4807BA-42BC-4C3D-954A-10ED482B2C96}" type="slidenum">
               <a:t>&lt;#&gt;</a:t>
             </a:fld>
           </a:p>
@@ -27457,7 +28521,7 @@
         <p:txBody>
           <a:bodyPr/>
           <a:p>
-            <a:fld id="{6624E8B3-2857-4366-8EC2-66CCDF260007}" type="slidenum">
+            <a:fld id="{99F26872-E222-4AD7-9C94-1C952375E22E}" type="slidenum">
               <a:t>&lt;#&gt;</a:t>
             </a:fld>
           </a:p>
@@ -27540,7 +28604,7 @@
         <p:txBody>
           <a:bodyPr/>
           <a:p>
-            <a:fld id="{A046BAE8-1B23-4767-B41C-4C962EBEA57A}" type="slidenum">
+            <a:fld id="{CC7C64F5-FA03-40DA-9876-851E14AC9DB0}" type="slidenum">
               <a:t>&lt;#&gt;</a:t>
             </a:fld>
           </a:p>
@@ -27697,7 +28761,7 @@
         <p:txBody>
           <a:bodyPr/>
           <a:p>
-            <a:fld id="{A1EAFD4B-C614-4354-B5A9-AD4A7A2B5D31}" type="slidenum">
+            <a:fld id="{A073ED50-269C-47C1-B3A9-937D81B5A104}" type="slidenum">
               <a:t>&lt;#&gt;</a:t>
             </a:fld>
           </a:p>
@@ -27851,7 +28915,7 @@
         <p:txBody>
           <a:bodyPr/>
           <a:p>
-            <a:fld id="{5F5D65F7-C9A8-41C8-BC92-CA452086BC66}" type="slidenum">
+            <a:fld id="{23A8A012-D64E-42E7-B0FB-954D4DB9DC87}" type="slidenum">
               <a:t>&lt;#&gt;</a:t>
             </a:fld>
           </a:p>
@@ -28039,7 +29103,7 @@
         <p:txBody>
           <a:bodyPr/>
           <a:p>
-            <a:fld id="{E662C06F-1CD7-41DB-9B35-0044BCF7D24F}" type="slidenum">
+            <a:fld id="{EDD3FA62-CC21-40DF-9CAE-25BF39E2F625}" type="slidenum">
               <a:t>&lt;#&gt;</a:t>
             </a:fld>
           </a:p>
@@ -28159,7 +29223,7 @@
         <p:txBody>
           <a:bodyPr/>
           <a:p>
-            <a:fld id="{3686D233-89E8-4751-B9F6-3F16BE40A9D6}" type="slidenum">
+            <a:fld id="{9BCA84EC-6C57-4565-B517-9B4C04CCB9F4}" type="slidenum">
               <a:t>&lt;#&gt;</a:t>
             </a:fld>
           </a:p>
@@ -28381,7 +29445,7 @@
         <p:txBody>
           <a:bodyPr/>
           <a:p>
-            <a:fld id="{A4AB0A93-B18F-4348-A5B2-CFFF2E9441F7}" type="slidenum">
+            <a:fld id="{BB82307D-2CAC-4A91-8C26-082B4B6E7AF8}" type="slidenum">
               <a:t>&lt;#&gt;</a:t>
             </a:fld>
           </a:p>
@@ -28501,7 +29565,7 @@
         <p:txBody>
           <a:bodyPr/>
           <a:p>
-            <a:fld id="{9D244779-EE5F-4AC2-B102-9A08190EF732}" type="slidenum">
+            <a:fld id="{7E9A0C54-922D-43D1-A522-07600D496A79}" type="slidenum">
               <a:t>&lt;#&gt;</a:t>
             </a:fld>
           </a:p>
@@ -28723,7 +29787,7 @@
         <p:txBody>
           <a:bodyPr/>
           <a:p>
-            <a:fld id="{5B130C68-454A-4C1E-8E07-588DBA220D84}" type="slidenum">
+            <a:fld id="{AB5C7735-0011-4C3F-B1C4-ECD931FB7317}" type="slidenum">
               <a:t>&lt;#&gt;</a:t>
             </a:fld>
           </a:p>
@@ -28945,7 +30009,7 @@
         <p:txBody>
           <a:bodyPr/>
           <a:p>
-            <a:fld id="{9D8B4D00-2C2A-4F43-8161-B6D9B4DE23E7}" type="slidenum">
+            <a:fld id="{AE8CAF8D-A6C0-4E4D-9FAC-857DDF8425DD}" type="slidenum">
               <a:t>&lt;#&gt;</a:t>
             </a:fld>
           </a:p>
@@ -29167,7 +30231,7 @@
         <p:txBody>
           <a:bodyPr/>
           <a:p>
-            <a:fld id="{B63EC6C3-99D4-429A-933C-0C20CD7B9277}" type="slidenum">
+            <a:fld id="{413EB5C3-E2C7-49F2-9566-8A92BC380E07}" type="slidenum">
               <a:t>&lt;#&gt;</a:t>
             </a:fld>
           </a:p>
@@ -29355,7 +30419,7 @@
         <p:txBody>
           <a:bodyPr/>
           <a:p>
-            <a:fld id="{66EC1417-B6E8-4F1A-A18B-8D32DF28350D}" type="slidenum">
+            <a:fld id="{E41A8C03-EBAA-4817-9C2E-A94073A9868E}" type="slidenum">
               <a:t>&lt;#&gt;</a:t>
             </a:fld>
           </a:p>
@@ -29611,7 +30675,7 @@
         <p:txBody>
           <a:bodyPr/>
           <a:p>
-            <a:fld id="{B52E9CC3-7653-4084-9EBF-CBDEEBCE0C2F}" type="slidenum">
+            <a:fld id="{C1575770-7C4C-482C-9B73-339541022CD6}" type="slidenum">
               <a:t>&lt;#&gt;</a:t>
             </a:fld>
           </a:p>
@@ -29935,7 +30999,7 @@
         <p:txBody>
           <a:bodyPr/>
           <a:p>
-            <a:fld id="{52E98975-0DC3-42F0-B708-D466F3883E4D}" type="slidenum">
+            <a:fld id="{E4E63562-E3C0-4979-96E2-E3EE4CD716F7}" type="slidenum">
               <a:t>&lt;#&gt;</a:t>
             </a:fld>
           </a:p>
@@ -30018,7 +31082,7 @@
         <p:txBody>
           <a:bodyPr/>
           <a:p>
-            <a:fld id="{26697D13-6BC6-4D01-A808-8C986B1C09BA}" type="slidenum">
+            <a:fld id="{C18B88A8-361F-462B-85A1-DD0D3FE7CCE9}" type="slidenum">
               <a:t>&lt;#&gt;</a:t>
             </a:fld>
           </a:p>
@@ -30175,7 +31239,7 @@
         <p:txBody>
           <a:bodyPr/>
           <a:p>
-            <a:fld id="{9E590D2B-B394-464C-B5B4-B0F99796B3F8}" type="slidenum">
+            <a:fld id="{8D70ECA4-391A-4E37-B068-5EBD1393EC00}" type="slidenum">
               <a:t>&lt;#&gt;</a:t>
             </a:fld>
           </a:p>
@@ -30329,7 +31393,7 @@
         <p:txBody>
           <a:bodyPr/>
           <a:p>
-            <a:fld id="{A95597EA-14A4-4C07-BB36-6630DE0AF351}" type="slidenum">
+            <a:fld id="{AACDA44A-A3A6-43F3-9FDA-81A9143553F7}" type="slidenum">
               <a:t>&lt;#&gt;</a:t>
             </a:fld>
           </a:p>
@@ -30387,7 +31451,7 @@
         <p:spPr>
           <a:xfrm>
             <a:off x="0" y="0"/>
-            <a:ext cx="10073880" cy="5666400"/>
+            <a:ext cx="10073520" cy="5666040"/>
           </a:xfrm>
           <a:prstGeom prst="rect">
             <a:avLst/>
@@ -30423,7 +31487,7 @@
         <p:spPr>
           <a:xfrm>
             <a:off x="1439280" y="1079640"/>
-            <a:ext cx="1436400" cy="1256760"/>
+            <a:ext cx="1436040" cy="1256400"/>
           </a:xfrm>
           <a:prstGeom prst="ellipse">
             <a:avLst/>
@@ -30453,7 +31517,7 @@
         <p:spPr>
           <a:xfrm>
             <a:off x="7377120" y="3959280"/>
-            <a:ext cx="1436400" cy="1256760"/>
+            <a:ext cx="1436040" cy="1256400"/>
           </a:xfrm>
           <a:prstGeom prst="ellipse">
             <a:avLst/>
@@ -30483,7 +31547,7 @@
         <p:spPr>
           <a:xfrm>
             <a:off x="8996760" y="2699280"/>
-            <a:ext cx="1256760" cy="1076760"/>
+            <a:ext cx="1256400" cy="1076400"/>
           </a:xfrm>
           <a:prstGeom prst="ellipse">
             <a:avLst/>
@@ -30513,7 +31577,7 @@
         <p:spPr>
           <a:xfrm>
             <a:off x="-179640" y="2429280"/>
-            <a:ext cx="1436400" cy="1346760"/>
+            <a:ext cx="1436040" cy="1346400"/>
           </a:xfrm>
           <a:prstGeom prst="ellipse">
             <a:avLst/>
@@ -30543,7 +31607,7 @@
         <p:spPr>
           <a:xfrm>
             <a:off x="539640" y="1079640"/>
-            <a:ext cx="716760" cy="716760"/>
+            <a:ext cx="716400" cy="716400"/>
           </a:xfrm>
           <a:prstGeom prst="ellipse">
             <a:avLst/>
@@ -30573,7 +31637,7 @@
         <p:spPr>
           <a:xfrm>
             <a:off x="0" y="1259640"/>
-            <a:ext cx="716760" cy="716760"/>
+            <a:ext cx="716400" cy="716400"/>
           </a:xfrm>
           <a:prstGeom prst="ellipse">
             <a:avLst/>
@@ -30603,7 +31667,7 @@
         <p:spPr>
           <a:xfrm>
             <a:off x="0" y="5218920"/>
-            <a:ext cx="1616400" cy="1256760"/>
+            <a:ext cx="1616040" cy="1256400"/>
           </a:xfrm>
           <a:prstGeom prst="ellipse">
             <a:avLst/>
@@ -30633,7 +31697,7 @@
         <p:spPr>
           <a:xfrm>
             <a:off x="9716400" y="4678920"/>
-            <a:ext cx="716760" cy="716760"/>
+            <a:ext cx="716400" cy="716400"/>
           </a:xfrm>
           <a:prstGeom prst="ellipse">
             <a:avLst/>
@@ -30663,7 +31727,7 @@
         <p:spPr>
           <a:xfrm>
             <a:off x="9536400" y="3419280"/>
-            <a:ext cx="716760" cy="716760"/>
+            <a:ext cx="716400" cy="716400"/>
           </a:xfrm>
           <a:prstGeom prst="ellipse">
             <a:avLst/>
@@ -30693,7 +31757,7 @@
         <p:spPr>
           <a:xfrm>
             <a:off x="8097120" y="4678920"/>
-            <a:ext cx="1076760" cy="839160"/>
+            <a:ext cx="1076400" cy="838800"/>
           </a:xfrm>
           <a:prstGeom prst="ellipse">
             <a:avLst/>
@@ -30723,7 +31787,7 @@
         <p:spPr>
           <a:xfrm>
             <a:off x="7917120" y="5398920"/>
-            <a:ext cx="896760" cy="896760"/>
+            <a:ext cx="896400" cy="896400"/>
           </a:xfrm>
           <a:prstGeom prst="ellipse">
             <a:avLst/>
@@ -30757,7 +31821,7 @@
         <p:spPr>
           <a:xfrm>
             <a:off x="3418560" y="5128920"/>
-            <a:ext cx="3236040" cy="389520"/>
+            <a:ext cx="3235680" cy="389160"/>
           </a:xfrm>
           <a:prstGeom prst="rect">
             <a:avLst/>
@@ -30820,7 +31884,7 @@
         <p:spPr>
           <a:xfrm>
             <a:off x="7557120" y="5128920"/>
-            <a:ext cx="2336040" cy="389520"/>
+            <a:ext cx="2335680" cy="389160"/>
           </a:xfrm>
           <a:prstGeom prst="rect">
             <a:avLst/>
@@ -30855,7 +31919,7 @@
               </a:lnSpc>
               <a:buNone/>
             </a:pPr>
-            <a:fld id="{26E3B54E-6764-423A-9E4D-6E07FE21DB2E}" type="slidenum">
+            <a:fld id="{B0874C47-9010-4025-B20F-C7ADEB6C8855}" type="slidenum">
               <a:rPr b="0" lang="en-US" sz="1400" spc="-1" strike="noStrike">
                 <a:solidFill>
                   <a:srgbClr val="ffffff"/>
@@ -30883,7 +31947,7 @@
         <p:spPr>
           <a:xfrm>
             <a:off x="179640" y="5128920"/>
-            <a:ext cx="2336040" cy="389520"/>
+            <a:ext cx="2335680" cy="389160"/>
           </a:xfrm>
           <a:prstGeom prst="rect">
             <a:avLst/>
@@ -31189,7 +32253,7 @@
         <p:spPr>
           <a:xfrm>
             <a:off x="0" y="0"/>
-            <a:ext cx="10073880" cy="5666400"/>
+            <a:ext cx="10073520" cy="5666040"/>
           </a:xfrm>
           <a:prstGeom prst="rect">
             <a:avLst/>
@@ -31225,7 +32289,7 @@
         <p:spPr>
           <a:xfrm>
             <a:off x="1439280" y="1079640"/>
-            <a:ext cx="1436400" cy="1256760"/>
+            <a:ext cx="1436040" cy="1256400"/>
           </a:xfrm>
           <a:prstGeom prst="ellipse">
             <a:avLst/>
@@ -31255,7 +32319,7 @@
         <p:spPr>
           <a:xfrm>
             <a:off x="7377120" y="3959280"/>
-            <a:ext cx="1436400" cy="1256760"/>
+            <a:ext cx="1436040" cy="1256400"/>
           </a:xfrm>
           <a:prstGeom prst="ellipse">
             <a:avLst/>
@@ -31285,7 +32349,7 @@
         <p:spPr>
           <a:xfrm>
             <a:off x="8996760" y="2699280"/>
-            <a:ext cx="1256760" cy="1076760"/>
+            <a:ext cx="1256400" cy="1076400"/>
           </a:xfrm>
           <a:prstGeom prst="ellipse">
             <a:avLst/>
@@ -31315,7 +32379,7 @@
         <p:spPr>
           <a:xfrm>
             <a:off x="-179640" y="2429280"/>
-            <a:ext cx="1436400" cy="1346760"/>
+            <a:ext cx="1436040" cy="1346400"/>
           </a:xfrm>
           <a:prstGeom prst="ellipse">
             <a:avLst/>
@@ -31345,7 +32409,7 @@
         <p:spPr>
           <a:xfrm>
             <a:off x="539640" y="1079640"/>
-            <a:ext cx="716760" cy="716760"/>
+            <a:ext cx="716400" cy="716400"/>
           </a:xfrm>
           <a:prstGeom prst="ellipse">
             <a:avLst/>
@@ -31375,7 +32439,7 @@
         <p:spPr>
           <a:xfrm>
             <a:off x="0" y="1259640"/>
-            <a:ext cx="716760" cy="716760"/>
+            <a:ext cx="716400" cy="716400"/>
           </a:xfrm>
           <a:prstGeom prst="ellipse">
             <a:avLst/>
@@ -31405,7 +32469,7 @@
         <p:spPr>
           <a:xfrm>
             <a:off x="0" y="5218920"/>
-            <a:ext cx="1616400" cy="1256760"/>
+            <a:ext cx="1616040" cy="1256400"/>
           </a:xfrm>
           <a:prstGeom prst="ellipse">
             <a:avLst/>
@@ -31435,7 +32499,7 @@
         <p:spPr>
           <a:xfrm>
             <a:off x="9716400" y="4678920"/>
-            <a:ext cx="716760" cy="716760"/>
+            <a:ext cx="716400" cy="716400"/>
           </a:xfrm>
           <a:prstGeom prst="ellipse">
             <a:avLst/>
@@ -31465,7 +32529,7 @@
         <p:spPr>
           <a:xfrm>
             <a:off x="9536400" y="3419280"/>
-            <a:ext cx="716760" cy="716760"/>
+            <a:ext cx="716400" cy="716400"/>
           </a:xfrm>
           <a:prstGeom prst="ellipse">
             <a:avLst/>
@@ -31495,7 +32559,7 @@
         <p:spPr>
           <a:xfrm>
             <a:off x="8097120" y="4678920"/>
-            <a:ext cx="1076760" cy="839160"/>
+            <a:ext cx="1076400" cy="838800"/>
           </a:xfrm>
           <a:prstGeom prst="ellipse">
             <a:avLst/>
@@ -31525,7 +32589,7 @@
         <p:spPr>
           <a:xfrm>
             <a:off x="7917120" y="5398920"/>
-            <a:ext cx="896760" cy="896760"/>
+            <a:ext cx="896400" cy="896400"/>
           </a:xfrm>
           <a:prstGeom prst="ellipse">
             <a:avLst/>
@@ -31559,7 +32623,7 @@
         <p:spPr>
           <a:xfrm>
             <a:off x="3418560" y="5128920"/>
-            <a:ext cx="3236040" cy="389520"/>
+            <a:ext cx="3235680" cy="389160"/>
           </a:xfrm>
           <a:prstGeom prst="rect">
             <a:avLst/>
@@ -31616,7 +32680,7 @@
         <p:spPr>
           <a:xfrm>
             <a:off x="7557120" y="5128920"/>
-            <a:ext cx="2336040" cy="389520"/>
+            <a:ext cx="2335680" cy="389160"/>
           </a:xfrm>
           <a:prstGeom prst="rect">
             <a:avLst/>
@@ -31648,7 +32712,7 @@
               </a:lnSpc>
               <a:buNone/>
             </a:pPr>
-            <a:fld id="{14639199-8887-4103-A36B-88D66F95409F}" type="slidenum">
+            <a:fld id="{C03F9504-37AC-45D0-BA31-9BE18C36D799}" type="slidenum">
               <a:rPr b="0" lang="en-US" sz="1400" spc="-1" strike="noStrike">
                 <a:latin typeface="Times New Roman"/>
               </a:rPr>
@@ -31673,7 +32737,7 @@
         <p:spPr>
           <a:xfrm>
             <a:off x="179640" y="5128920"/>
-            <a:ext cx="2336040" cy="389520"/>
+            <a:ext cx="2335680" cy="389160"/>
           </a:xfrm>
           <a:prstGeom prst="rect">
             <a:avLst/>
@@ -31979,7 +33043,7 @@
         <p:spPr>
           <a:xfrm>
             <a:off x="0" y="0"/>
-            <a:ext cx="10073880" cy="5666400"/>
+            <a:ext cx="10073520" cy="5666040"/>
           </a:xfrm>
           <a:prstGeom prst="rect">
             <a:avLst/>
@@ -32015,7 +33079,7 @@
         <p:spPr>
           <a:xfrm>
             <a:off x="1439280" y="1079640"/>
-            <a:ext cx="1436400" cy="1256760"/>
+            <a:ext cx="1436040" cy="1256400"/>
           </a:xfrm>
           <a:prstGeom prst="ellipse">
             <a:avLst/>
@@ -32045,7 +33109,7 @@
         <p:spPr>
           <a:xfrm>
             <a:off x="7377120" y="3959280"/>
-            <a:ext cx="1436400" cy="1256760"/>
+            <a:ext cx="1436040" cy="1256400"/>
           </a:xfrm>
           <a:prstGeom prst="ellipse">
             <a:avLst/>
@@ -32075,7 +33139,7 @@
         <p:spPr>
           <a:xfrm>
             <a:off x="8996760" y="2699280"/>
-            <a:ext cx="1256760" cy="1076760"/>
+            <a:ext cx="1256400" cy="1076400"/>
           </a:xfrm>
           <a:prstGeom prst="ellipse">
             <a:avLst/>
@@ -32105,7 +33169,7 @@
         <p:spPr>
           <a:xfrm>
             <a:off x="-179640" y="2429280"/>
-            <a:ext cx="1436400" cy="1346760"/>
+            <a:ext cx="1436040" cy="1346400"/>
           </a:xfrm>
           <a:prstGeom prst="ellipse">
             <a:avLst/>
@@ -32135,7 +33199,7 @@
         <p:spPr>
           <a:xfrm>
             <a:off x="539640" y="1079640"/>
-            <a:ext cx="716760" cy="716760"/>
+            <a:ext cx="716400" cy="716400"/>
           </a:xfrm>
           <a:prstGeom prst="ellipse">
             <a:avLst/>
@@ -32165,7 +33229,7 @@
         <p:spPr>
           <a:xfrm>
             <a:off x="0" y="1259640"/>
-            <a:ext cx="716760" cy="716760"/>
+            <a:ext cx="716400" cy="716400"/>
           </a:xfrm>
           <a:prstGeom prst="ellipse">
             <a:avLst/>
@@ -32195,7 +33259,7 @@
         <p:spPr>
           <a:xfrm>
             <a:off x="0" y="5218920"/>
-            <a:ext cx="1616400" cy="1256760"/>
+            <a:ext cx="1616040" cy="1256400"/>
           </a:xfrm>
           <a:prstGeom prst="ellipse">
             <a:avLst/>
@@ -32225,7 +33289,7 @@
         <p:spPr>
           <a:xfrm>
             <a:off x="9716400" y="4678920"/>
-            <a:ext cx="716760" cy="716760"/>
+            <a:ext cx="716400" cy="716400"/>
           </a:xfrm>
           <a:prstGeom prst="ellipse">
             <a:avLst/>
@@ -32255,7 +33319,7 @@
         <p:spPr>
           <a:xfrm>
             <a:off x="9536400" y="3419280"/>
-            <a:ext cx="716760" cy="716760"/>
+            <a:ext cx="716400" cy="716400"/>
           </a:xfrm>
           <a:prstGeom prst="ellipse">
             <a:avLst/>
@@ -32285,7 +33349,7 @@
         <p:spPr>
           <a:xfrm>
             <a:off x="8097120" y="4678920"/>
-            <a:ext cx="1076760" cy="839160"/>
+            <a:ext cx="1076400" cy="838800"/>
           </a:xfrm>
           <a:prstGeom prst="ellipse">
             <a:avLst/>
@@ -32315,7 +33379,7 @@
         <p:spPr>
           <a:xfrm>
             <a:off x="7917120" y="5398920"/>
-            <a:ext cx="896760" cy="896760"/>
+            <a:ext cx="896400" cy="896400"/>
           </a:xfrm>
           <a:prstGeom prst="ellipse">
             <a:avLst/>
@@ -32349,7 +33413,7 @@
         <p:spPr>
           <a:xfrm>
             <a:off x="3418560" y="5128920"/>
-            <a:ext cx="3236040" cy="389520"/>
+            <a:ext cx="3235680" cy="389160"/>
           </a:xfrm>
           <a:prstGeom prst="rect">
             <a:avLst/>
@@ -32406,7 +33470,7 @@
         <p:spPr>
           <a:xfrm>
             <a:off x="7557120" y="5128920"/>
-            <a:ext cx="2336040" cy="389520"/>
+            <a:ext cx="2335680" cy="389160"/>
           </a:xfrm>
           <a:prstGeom prst="rect">
             <a:avLst/>
@@ -32438,7 +33502,7 @@
               </a:lnSpc>
               <a:buNone/>
             </a:pPr>
-            <a:fld id="{4DEDEADC-817A-48A3-9442-235BCA8B2056}" type="slidenum">
+            <a:fld id="{587DC3DB-9B5B-4EF7-9313-9DF38AF238DF}" type="slidenum">
               <a:rPr b="0" lang="en-US" sz="1400" spc="-1" strike="noStrike">
                 <a:latin typeface="Times New Roman"/>
               </a:rPr>
@@ -32463,7 +33527,7 @@
         <p:spPr>
           <a:xfrm>
             <a:off x="179640" y="5128920"/>
-            <a:ext cx="2336040" cy="389520"/>
+            <a:ext cx="2335680" cy="389160"/>
           </a:xfrm>
           <a:prstGeom prst="rect">
             <a:avLst/>
@@ -32769,7 +33833,7 @@
         <p:spPr>
           <a:xfrm>
             <a:off x="0" y="0"/>
-            <a:ext cx="10073880" cy="5666400"/>
+            <a:ext cx="10073520" cy="5666040"/>
           </a:xfrm>
           <a:prstGeom prst="rect">
             <a:avLst/>
@@ -32805,7 +33869,7 @@
         <p:spPr>
           <a:xfrm>
             <a:off x="1439280" y="1079640"/>
-            <a:ext cx="1436400" cy="1256760"/>
+            <a:ext cx="1436040" cy="1256400"/>
           </a:xfrm>
           <a:prstGeom prst="ellipse">
             <a:avLst/>
@@ -32835,7 +33899,7 @@
         <p:spPr>
           <a:xfrm>
             <a:off x="7377120" y="3959280"/>
-            <a:ext cx="1436400" cy="1256760"/>
+            <a:ext cx="1436040" cy="1256400"/>
           </a:xfrm>
           <a:prstGeom prst="ellipse">
             <a:avLst/>
@@ -32865,7 +33929,7 @@
         <p:spPr>
           <a:xfrm>
             <a:off x="8996760" y="2699280"/>
-            <a:ext cx="1256760" cy="1076760"/>
+            <a:ext cx="1256400" cy="1076400"/>
           </a:xfrm>
           <a:prstGeom prst="ellipse">
             <a:avLst/>
@@ -32895,7 +33959,7 @@
         <p:spPr>
           <a:xfrm>
             <a:off x="-179640" y="2429280"/>
-            <a:ext cx="1436400" cy="1346760"/>
+            <a:ext cx="1436040" cy="1346400"/>
           </a:xfrm>
           <a:prstGeom prst="ellipse">
             <a:avLst/>
@@ -32925,7 +33989,7 @@
         <p:spPr>
           <a:xfrm>
             <a:off x="539640" y="1079640"/>
-            <a:ext cx="716760" cy="716760"/>
+            <a:ext cx="716400" cy="716400"/>
           </a:xfrm>
           <a:prstGeom prst="ellipse">
             <a:avLst/>
@@ -32955,7 +34019,7 @@
         <p:spPr>
           <a:xfrm>
             <a:off x="0" y="1259640"/>
-            <a:ext cx="716760" cy="716760"/>
+            <a:ext cx="716400" cy="716400"/>
           </a:xfrm>
           <a:prstGeom prst="ellipse">
             <a:avLst/>
@@ -32985,7 +34049,7 @@
         <p:spPr>
           <a:xfrm>
             <a:off x="0" y="5218920"/>
-            <a:ext cx="1616400" cy="1256760"/>
+            <a:ext cx="1616040" cy="1256400"/>
           </a:xfrm>
           <a:prstGeom prst="ellipse">
             <a:avLst/>
@@ -33015,7 +34079,7 @@
         <p:spPr>
           <a:xfrm>
             <a:off x="9716400" y="4678920"/>
-            <a:ext cx="716760" cy="716760"/>
+            <a:ext cx="716400" cy="716400"/>
           </a:xfrm>
           <a:prstGeom prst="ellipse">
             <a:avLst/>
@@ -33045,7 +34109,7 @@
         <p:spPr>
           <a:xfrm>
             <a:off x="9536400" y="3419280"/>
-            <a:ext cx="716760" cy="716760"/>
+            <a:ext cx="716400" cy="716400"/>
           </a:xfrm>
           <a:prstGeom prst="ellipse">
             <a:avLst/>
@@ -33075,7 +34139,7 @@
         <p:spPr>
           <a:xfrm>
             <a:off x="8097120" y="4678920"/>
-            <a:ext cx="1076760" cy="839160"/>
+            <a:ext cx="1076400" cy="838800"/>
           </a:xfrm>
           <a:prstGeom prst="ellipse">
             <a:avLst/>
@@ -33105,7 +34169,7 @@
         <p:spPr>
           <a:xfrm>
             <a:off x="7917120" y="5398920"/>
-            <a:ext cx="896760" cy="896760"/>
+            <a:ext cx="896400" cy="896400"/>
           </a:xfrm>
           <a:prstGeom prst="ellipse">
             <a:avLst/>
@@ -33139,7 +34203,7 @@
         <p:spPr>
           <a:xfrm>
             <a:off x="3418560" y="5128920"/>
-            <a:ext cx="3236040" cy="389520"/>
+            <a:ext cx="3235680" cy="389160"/>
           </a:xfrm>
           <a:prstGeom prst="rect">
             <a:avLst/>
@@ -33196,7 +34260,7 @@
         <p:spPr>
           <a:xfrm>
             <a:off x="7557120" y="5128920"/>
-            <a:ext cx="2336040" cy="389520"/>
+            <a:ext cx="2335680" cy="389160"/>
           </a:xfrm>
           <a:prstGeom prst="rect">
             <a:avLst/>
@@ -33228,7 +34292,7 @@
               </a:lnSpc>
               <a:buNone/>
             </a:pPr>
-            <a:fld id="{5999FA41-75E2-423F-AD3A-314F1DA96A3A}" type="slidenum">
+            <a:fld id="{CB76D1E0-F7A8-4D0B-8A9A-B07F31A68BD0}" type="slidenum">
               <a:rPr b="0" lang="en-US" sz="1400" spc="-1" strike="noStrike">
                 <a:latin typeface="Times New Roman"/>
               </a:rPr>
@@ -33253,7 +34317,7 @@
         <p:spPr>
           <a:xfrm>
             <a:off x="179640" y="5128920"/>
-            <a:ext cx="2336040" cy="389520"/>
+            <a:ext cx="2335680" cy="389160"/>
           </a:xfrm>
           <a:prstGeom prst="rect">
             <a:avLst/>
@@ -33559,7 +34623,7 @@
         <p:spPr>
           <a:xfrm>
             <a:off x="0" y="0"/>
-            <a:ext cx="10073880" cy="5666400"/>
+            <a:ext cx="10073520" cy="5666040"/>
           </a:xfrm>
           <a:prstGeom prst="rect">
             <a:avLst/>
@@ -33595,7 +34659,7 @@
         <p:spPr>
           <a:xfrm>
             <a:off x="1439280" y="1079640"/>
-            <a:ext cx="1436400" cy="1256760"/>
+            <a:ext cx="1436040" cy="1256400"/>
           </a:xfrm>
           <a:prstGeom prst="ellipse">
             <a:avLst/>
@@ -33625,7 +34689,7 @@
         <p:spPr>
           <a:xfrm>
             <a:off x="7377120" y="3959280"/>
-            <a:ext cx="1436400" cy="1256760"/>
+            <a:ext cx="1436040" cy="1256400"/>
           </a:xfrm>
           <a:prstGeom prst="ellipse">
             <a:avLst/>
@@ -33655,7 +34719,7 @@
         <p:spPr>
           <a:xfrm>
             <a:off x="8996760" y="2699280"/>
-            <a:ext cx="1256760" cy="1076760"/>
+            <a:ext cx="1256400" cy="1076400"/>
           </a:xfrm>
           <a:prstGeom prst="ellipse">
             <a:avLst/>
@@ -33685,7 +34749,7 @@
         <p:spPr>
           <a:xfrm>
             <a:off x="-179640" y="2429280"/>
-            <a:ext cx="1436400" cy="1346760"/>
+            <a:ext cx="1436040" cy="1346400"/>
           </a:xfrm>
           <a:prstGeom prst="ellipse">
             <a:avLst/>
@@ -33715,7 +34779,7 @@
         <p:spPr>
           <a:xfrm>
             <a:off x="539640" y="1079640"/>
-            <a:ext cx="716760" cy="716760"/>
+            <a:ext cx="716400" cy="716400"/>
           </a:xfrm>
           <a:prstGeom prst="ellipse">
             <a:avLst/>
@@ -33745,7 +34809,7 @@
         <p:spPr>
           <a:xfrm>
             <a:off x="0" y="1259640"/>
-            <a:ext cx="716760" cy="716760"/>
+            <a:ext cx="716400" cy="716400"/>
           </a:xfrm>
           <a:prstGeom prst="ellipse">
             <a:avLst/>
@@ -33775,7 +34839,7 @@
         <p:spPr>
           <a:xfrm>
             <a:off x="0" y="5218920"/>
-            <a:ext cx="1616400" cy="1256760"/>
+            <a:ext cx="1616040" cy="1256400"/>
           </a:xfrm>
           <a:prstGeom prst="ellipse">
             <a:avLst/>
@@ -33805,7 +34869,7 @@
         <p:spPr>
           <a:xfrm>
             <a:off x="9716400" y="4678920"/>
-            <a:ext cx="716760" cy="716760"/>
+            <a:ext cx="716400" cy="716400"/>
           </a:xfrm>
           <a:prstGeom prst="ellipse">
             <a:avLst/>
@@ -33835,7 +34899,7 @@
         <p:spPr>
           <a:xfrm>
             <a:off x="9536400" y="3419280"/>
-            <a:ext cx="716760" cy="716760"/>
+            <a:ext cx="716400" cy="716400"/>
           </a:xfrm>
           <a:prstGeom prst="ellipse">
             <a:avLst/>
@@ -33865,7 +34929,7 @@
         <p:spPr>
           <a:xfrm>
             <a:off x="8097120" y="4678920"/>
-            <a:ext cx="1076760" cy="839160"/>
+            <a:ext cx="1076400" cy="838800"/>
           </a:xfrm>
           <a:prstGeom prst="ellipse">
             <a:avLst/>
@@ -33895,7 +34959,7 @@
         <p:spPr>
           <a:xfrm>
             <a:off x="7917120" y="5398920"/>
-            <a:ext cx="896760" cy="896760"/>
+            <a:ext cx="896400" cy="896400"/>
           </a:xfrm>
           <a:prstGeom prst="ellipse">
             <a:avLst/>
@@ -33929,7 +34993,7 @@
         <p:spPr>
           <a:xfrm>
             <a:off x="3418560" y="5128920"/>
-            <a:ext cx="3236040" cy="389520"/>
+            <a:ext cx="3235680" cy="389160"/>
           </a:xfrm>
           <a:prstGeom prst="rect">
             <a:avLst/>
@@ -33986,7 +35050,7 @@
         <p:spPr>
           <a:xfrm>
             <a:off x="7557120" y="5128920"/>
-            <a:ext cx="2336040" cy="389520"/>
+            <a:ext cx="2335680" cy="389160"/>
           </a:xfrm>
           <a:prstGeom prst="rect">
             <a:avLst/>
@@ -34018,7 +35082,7 @@
               </a:lnSpc>
               <a:buNone/>
             </a:pPr>
-            <a:fld id="{03122A3A-A513-477A-ACD7-66A1EFB5426B}" type="slidenum">
+            <a:fld id="{5A25BCC5-3B47-45DC-94C0-A6D7EDAC657F}" type="slidenum">
               <a:rPr b="0" lang="en-US" sz="1400" spc="-1" strike="noStrike">
                 <a:latin typeface="Times New Roman"/>
               </a:rPr>
@@ -34043,7 +35107,7 @@
         <p:spPr>
           <a:xfrm>
             <a:off x="179640" y="5128920"/>
-            <a:ext cx="2336040" cy="389520"/>
+            <a:ext cx="2335680" cy="389160"/>
           </a:xfrm>
           <a:prstGeom prst="rect">
             <a:avLst/>
@@ -34349,7 +35413,7 @@
         <p:spPr>
           <a:xfrm>
             <a:off x="0" y="0"/>
-            <a:ext cx="10073880" cy="5666400"/>
+            <a:ext cx="10073520" cy="5666040"/>
           </a:xfrm>
           <a:prstGeom prst="rect">
             <a:avLst/>
@@ -34385,7 +35449,7 @@
         <p:spPr>
           <a:xfrm>
             <a:off x="1439280" y="1079640"/>
-            <a:ext cx="1436400" cy="1256760"/>
+            <a:ext cx="1436040" cy="1256400"/>
           </a:xfrm>
           <a:prstGeom prst="ellipse">
             <a:avLst/>
@@ -34415,7 +35479,7 @@
         <p:spPr>
           <a:xfrm>
             <a:off x="7377120" y="3959280"/>
-            <a:ext cx="1436400" cy="1256760"/>
+            <a:ext cx="1436040" cy="1256400"/>
           </a:xfrm>
           <a:prstGeom prst="ellipse">
             <a:avLst/>
@@ -34445,7 +35509,7 @@
         <p:spPr>
           <a:xfrm>
             <a:off x="8996760" y="2699280"/>
-            <a:ext cx="1256760" cy="1076760"/>
+            <a:ext cx="1256400" cy="1076400"/>
           </a:xfrm>
           <a:prstGeom prst="ellipse">
             <a:avLst/>
@@ -34475,7 +35539,7 @@
         <p:spPr>
           <a:xfrm>
             <a:off x="-179640" y="2429280"/>
-            <a:ext cx="1436400" cy="1346760"/>
+            <a:ext cx="1436040" cy="1346400"/>
           </a:xfrm>
           <a:prstGeom prst="ellipse">
             <a:avLst/>
@@ -34505,7 +35569,7 @@
         <p:spPr>
           <a:xfrm>
             <a:off x="539640" y="1079640"/>
-            <a:ext cx="716760" cy="716760"/>
+            <a:ext cx="716400" cy="716400"/>
           </a:xfrm>
           <a:prstGeom prst="ellipse">
             <a:avLst/>
@@ -34535,7 +35599,7 @@
         <p:spPr>
           <a:xfrm>
             <a:off x="0" y="1259640"/>
-            <a:ext cx="716760" cy="716760"/>
+            <a:ext cx="716400" cy="716400"/>
           </a:xfrm>
           <a:prstGeom prst="ellipse">
             <a:avLst/>
@@ -34565,7 +35629,7 @@
         <p:spPr>
           <a:xfrm>
             <a:off x="0" y="5218920"/>
-            <a:ext cx="1616400" cy="1256760"/>
+            <a:ext cx="1616040" cy="1256400"/>
           </a:xfrm>
           <a:prstGeom prst="ellipse">
             <a:avLst/>
@@ -34595,7 +35659,7 @@
         <p:spPr>
           <a:xfrm>
             <a:off x="9716400" y="4678920"/>
-            <a:ext cx="716760" cy="716760"/>
+            <a:ext cx="716400" cy="716400"/>
           </a:xfrm>
           <a:prstGeom prst="ellipse">
             <a:avLst/>
@@ -34625,7 +35689,7 @@
         <p:spPr>
           <a:xfrm>
             <a:off x="9536400" y="3419280"/>
-            <a:ext cx="716760" cy="716760"/>
+            <a:ext cx="716400" cy="716400"/>
           </a:xfrm>
           <a:prstGeom prst="ellipse">
             <a:avLst/>
@@ -34655,7 +35719,7 @@
         <p:spPr>
           <a:xfrm>
             <a:off x="8097120" y="4678920"/>
-            <a:ext cx="1076760" cy="839160"/>
+            <a:ext cx="1076400" cy="838800"/>
           </a:xfrm>
           <a:prstGeom prst="ellipse">
             <a:avLst/>
@@ -34685,7 +35749,7 @@
         <p:spPr>
           <a:xfrm>
             <a:off x="7917120" y="5398920"/>
-            <a:ext cx="896760" cy="896760"/>
+            <a:ext cx="896400" cy="896400"/>
           </a:xfrm>
           <a:prstGeom prst="ellipse">
             <a:avLst/>
@@ -34719,7 +35783,7 @@
         <p:spPr>
           <a:xfrm>
             <a:off x="3418560" y="5128920"/>
-            <a:ext cx="3236040" cy="389520"/>
+            <a:ext cx="3235680" cy="389160"/>
           </a:xfrm>
           <a:prstGeom prst="rect">
             <a:avLst/>
@@ -34776,7 +35840,7 @@
         <p:spPr>
           <a:xfrm>
             <a:off x="7557120" y="5128920"/>
-            <a:ext cx="2336040" cy="389520"/>
+            <a:ext cx="2335680" cy="389160"/>
           </a:xfrm>
           <a:prstGeom prst="rect">
             <a:avLst/>
@@ -34808,7 +35872,7 @@
               </a:lnSpc>
               <a:buNone/>
             </a:pPr>
-            <a:fld id="{EB3DD399-5ACA-4A01-8FD2-F0B21AF83907}" type="slidenum">
+            <a:fld id="{CC2AC1E0-B862-4ECB-A753-6CD532C8C03D}" type="slidenum">
               <a:rPr b="0" lang="en-US" sz="1400" spc="-1" strike="noStrike">
                 <a:latin typeface="Times New Roman"/>
               </a:rPr>
@@ -34833,7 +35897,7 @@
         <p:spPr>
           <a:xfrm>
             <a:off x="179640" y="5128920"/>
-            <a:ext cx="2336040" cy="389520"/>
+            <a:ext cx="2335680" cy="389160"/>
           </a:xfrm>
           <a:prstGeom prst="rect">
             <a:avLst/>
@@ -35139,7 +36203,7 @@
         <p:spPr>
           <a:xfrm>
             <a:off x="0" y="0"/>
-            <a:ext cx="10073880" cy="5666400"/>
+            <a:ext cx="10073520" cy="5666040"/>
           </a:xfrm>
           <a:prstGeom prst="rect">
             <a:avLst/>
@@ -35175,7 +36239,7 @@
         <p:spPr>
           <a:xfrm>
             <a:off x="1439280" y="1079640"/>
-            <a:ext cx="1436400" cy="1256760"/>
+            <a:ext cx="1436040" cy="1256400"/>
           </a:xfrm>
           <a:prstGeom prst="ellipse">
             <a:avLst/>
@@ -35205,7 +36269,7 @@
         <p:spPr>
           <a:xfrm>
             <a:off x="7377120" y="3959280"/>
-            <a:ext cx="1436400" cy="1256760"/>
+            <a:ext cx="1436040" cy="1256400"/>
           </a:xfrm>
           <a:prstGeom prst="ellipse">
             <a:avLst/>
@@ -35235,7 +36299,7 @@
         <p:spPr>
           <a:xfrm>
             <a:off x="8996760" y="2699280"/>
-            <a:ext cx="1256760" cy="1076760"/>
+            <a:ext cx="1256400" cy="1076400"/>
           </a:xfrm>
           <a:prstGeom prst="ellipse">
             <a:avLst/>
@@ -35265,7 +36329,7 @@
         <p:spPr>
           <a:xfrm>
             <a:off x="-179640" y="2429280"/>
-            <a:ext cx="1436400" cy="1346760"/>
+            <a:ext cx="1436040" cy="1346400"/>
           </a:xfrm>
           <a:prstGeom prst="ellipse">
             <a:avLst/>
@@ -35295,7 +36359,7 @@
         <p:spPr>
           <a:xfrm>
             <a:off x="539640" y="1079640"/>
-            <a:ext cx="716760" cy="716760"/>
+            <a:ext cx="716400" cy="716400"/>
           </a:xfrm>
           <a:prstGeom prst="ellipse">
             <a:avLst/>
@@ -35325,7 +36389,7 @@
         <p:spPr>
           <a:xfrm>
             <a:off x="0" y="1259640"/>
-            <a:ext cx="716760" cy="716760"/>
+            <a:ext cx="716400" cy="716400"/>
           </a:xfrm>
           <a:prstGeom prst="ellipse">
             <a:avLst/>
@@ -35355,7 +36419,7 @@
         <p:spPr>
           <a:xfrm>
             <a:off x="0" y="5218920"/>
-            <a:ext cx="1616400" cy="1256760"/>
+            <a:ext cx="1616040" cy="1256400"/>
           </a:xfrm>
           <a:prstGeom prst="ellipse">
             <a:avLst/>
@@ -35385,7 +36449,7 @@
         <p:spPr>
           <a:xfrm>
             <a:off x="9716400" y="4678920"/>
-            <a:ext cx="716760" cy="716760"/>
+            <a:ext cx="716400" cy="716400"/>
           </a:xfrm>
           <a:prstGeom prst="ellipse">
             <a:avLst/>
@@ -35415,7 +36479,7 @@
         <p:spPr>
           <a:xfrm>
             <a:off x="9536400" y="3419280"/>
-            <a:ext cx="716760" cy="716760"/>
+            <a:ext cx="716400" cy="716400"/>
           </a:xfrm>
           <a:prstGeom prst="ellipse">
             <a:avLst/>
@@ -35445,7 +36509,7 @@
         <p:spPr>
           <a:xfrm>
             <a:off x="8097120" y="4678920"/>
-            <a:ext cx="1076760" cy="839160"/>
+            <a:ext cx="1076400" cy="838800"/>
           </a:xfrm>
           <a:prstGeom prst="ellipse">
             <a:avLst/>
@@ -35475,7 +36539,7 @@
         <p:spPr>
           <a:xfrm>
             <a:off x="7917120" y="5398920"/>
-            <a:ext cx="896760" cy="896760"/>
+            <a:ext cx="896400" cy="896400"/>
           </a:xfrm>
           <a:prstGeom prst="ellipse">
             <a:avLst/>
@@ -35509,7 +36573,7 @@
         <p:spPr>
           <a:xfrm>
             <a:off x="3418560" y="5128920"/>
-            <a:ext cx="3236040" cy="389520"/>
+            <a:ext cx="3235680" cy="389160"/>
           </a:xfrm>
           <a:prstGeom prst="rect">
             <a:avLst/>
@@ -35566,7 +36630,7 @@
         <p:spPr>
           <a:xfrm>
             <a:off x="7557120" y="5128920"/>
-            <a:ext cx="2336040" cy="389520"/>
+            <a:ext cx="2335680" cy="389160"/>
           </a:xfrm>
           <a:prstGeom prst="rect">
             <a:avLst/>
@@ -35598,7 +36662,7 @@
               </a:lnSpc>
               <a:buNone/>
             </a:pPr>
-            <a:fld id="{87F712B3-335F-42AB-AE57-D6AE230A87A9}" type="slidenum">
+            <a:fld id="{51BD5A11-BEF1-4637-A5C8-EF8624B76D49}" type="slidenum">
               <a:rPr b="0" lang="en-US" sz="1400" spc="-1" strike="noStrike">
                 <a:latin typeface="Times New Roman"/>
               </a:rPr>
@@ -35623,7 +36687,7 @@
         <p:spPr>
           <a:xfrm>
             <a:off x="179640" y="5128920"/>
-            <a:ext cx="2336040" cy="389520"/>
+            <a:ext cx="2335680" cy="389160"/>
           </a:xfrm>
           <a:prstGeom prst="rect">
             <a:avLst/>
@@ -35929,7 +36993,7 @@
         <p:spPr>
           <a:xfrm>
             <a:off x="0" y="0"/>
-            <a:ext cx="10073880" cy="5666400"/>
+            <a:ext cx="10073520" cy="5666040"/>
           </a:xfrm>
           <a:prstGeom prst="rect">
             <a:avLst/>
@@ -35965,7 +37029,7 @@
         <p:spPr>
           <a:xfrm>
             <a:off x="1439280" y="1079640"/>
-            <a:ext cx="1436400" cy="1256760"/>
+            <a:ext cx="1436040" cy="1256400"/>
           </a:xfrm>
           <a:prstGeom prst="ellipse">
             <a:avLst/>
@@ -35995,7 +37059,7 @@
         <p:spPr>
           <a:xfrm>
             <a:off x="7377120" y="3959280"/>
-            <a:ext cx="1436400" cy="1256760"/>
+            <a:ext cx="1436040" cy="1256400"/>
           </a:xfrm>
           <a:prstGeom prst="ellipse">
             <a:avLst/>
@@ -36025,7 +37089,7 @@
         <p:spPr>
           <a:xfrm>
             <a:off x="8996760" y="2699280"/>
-            <a:ext cx="1256760" cy="1076760"/>
+            <a:ext cx="1256400" cy="1076400"/>
           </a:xfrm>
           <a:prstGeom prst="ellipse">
             <a:avLst/>
@@ -36055,7 +37119,7 @@
         <p:spPr>
           <a:xfrm>
             <a:off x="-179640" y="2429280"/>
-            <a:ext cx="1436400" cy="1346760"/>
+            <a:ext cx="1436040" cy="1346400"/>
           </a:xfrm>
           <a:prstGeom prst="ellipse">
             <a:avLst/>
@@ -36085,7 +37149,7 @@
         <p:spPr>
           <a:xfrm>
             <a:off x="539640" y="1079640"/>
-            <a:ext cx="716760" cy="716760"/>
+            <a:ext cx="716400" cy="716400"/>
           </a:xfrm>
           <a:prstGeom prst="ellipse">
             <a:avLst/>
@@ -36115,7 +37179,7 @@
         <p:spPr>
           <a:xfrm>
             <a:off x="0" y="1259640"/>
-            <a:ext cx="716760" cy="716760"/>
+            <a:ext cx="716400" cy="716400"/>
           </a:xfrm>
           <a:prstGeom prst="ellipse">
             <a:avLst/>
@@ -36145,7 +37209,7 @@
         <p:spPr>
           <a:xfrm>
             <a:off x="0" y="5218920"/>
-            <a:ext cx="1616400" cy="1256760"/>
+            <a:ext cx="1616040" cy="1256400"/>
           </a:xfrm>
           <a:prstGeom prst="ellipse">
             <a:avLst/>
@@ -36175,7 +37239,7 @@
         <p:spPr>
           <a:xfrm>
             <a:off x="9716400" y="4678920"/>
-            <a:ext cx="716760" cy="716760"/>
+            <a:ext cx="716400" cy="716400"/>
           </a:xfrm>
           <a:prstGeom prst="ellipse">
             <a:avLst/>
@@ -36205,7 +37269,7 @@
         <p:spPr>
           <a:xfrm>
             <a:off x="9536400" y="3419280"/>
-            <a:ext cx="716760" cy="716760"/>
+            <a:ext cx="716400" cy="716400"/>
           </a:xfrm>
           <a:prstGeom prst="ellipse">
             <a:avLst/>
@@ -36235,7 +37299,7 @@
         <p:spPr>
           <a:xfrm>
             <a:off x="8097120" y="4678920"/>
-            <a:ext cx="1076760" cy="839160"/>
+            <a:ext cx="1076400" cy="838800"/>
           </a:xfrm>
           <a:prstGeom prst="ellipse">
             <a:avLst/>
@@ -36265,7 +37329,7 @@
         <p:spPr>
           <a:xfrm>
             <a:off x="7917120" y="5398920"/>
-            <a:ext cx="896760" cy="896760"/>
+            <a:ext cx="896400" cy="896400"/>
           </a:xfrm>
           <a:prstGeom prst="ellipse">
             <a:avLst/>
@@ -36299,7 +37363,7 @@
         <p:spPr>
           <a:xfrm>
             <a:off x="3418560" y="5128920"/>
-            <a:ext cx="3236040" cy="389520"/>
+            <a:ext cx="3235680" cy="389160"/>
           </a:xfrm>
           <a:prstGeom prst="rect">
             <a:avLst/>
@@ -36356,7 +37420,7 @@
         <p:spPr>
           <a:xfrm>
             <a:off x="7557120" y="5128920"/>
-            <a:ext cx="2336040" cy="389520"/>
+            <a:ext cx="2335680" cy="389160"/>
           </a:xfrm>
           <a:prstGeom prst="rect">
             <a:avLst/>
@@ -36388,7 +37452,7 @@
               </a:lnSpc>
               <a:buNone/>
             </a:pPr>
-            <a:fld id="{73359CEF-9CB9-4702-9A66-D43EE2D9D425}" type="slidenum">
+            <a:fld id="{BB9F16F1-9FF5-4EAD-87B2-36179286C282}" type="slidenum">
               <a:rPr b="0" lang="en-US" sz="1400" spc="-1" strike="noStrike">
                 <a:latin typeface="Times New Roman"/>
               </a:rPr>
@@ -36413,7 +37477,7 @@
         <p:spPr>
           <a:xfrm>
             <a:off x="179640" y="5128920"/>
-            <a:ext cx="2336040" cy="389520"/>
+            <a:ext cx="2335680" cy="389160"/>
           </a:xfrm>
           <a:prstGeom prst="rect">
             <a:avLst/>
@@ -36719,7 +37783,7 @@
         <p:spPr>
           <a:xfrm>
             <a:off x="0" y="0"/>
-            <a:ext cx="10073880" cy="5666400"/>
+            <a:ext cx="10073520" cy="5666040"/>
           </a:xfrm>
           <a:prstGeom prst="rect">
             <a:avLst/>
@@ -36755,7 +37819,7 @@
         <p:spPr>
           <a:xfrm>
             <a:off x="1439280" y="1079640"/>
-            <a:ext cx="1436400" cy="1256760"/>
+            <a:ext cx="1436040" cy="1256400"/>
           </a:xfrm>
           <a:prstGeom prst="ellipse">
             <a:avLst/>
@@ -36785,7 +37849,7 @@
         <p:spPr>
           <a:xfrm>
             <a:off x="7377120" y="3959280"/>
-            <a:ext cx="1436400" cy="1256760"/>
+            <a:ext cx="1436040" cy="1256400"/>
           </a:xfrm>
           <a:prstGeom prst="ellipse">
             <a:avLst/>
@@ -36815,7 +37879,7 @@
         <p:spPr>
           <a:xfrm>
             <a:off x="8996760" y="2699280"/>
-            <a:ext cx="1256760" cy="1076760"/>
+            <a:ext cx="1256400" cy="1076400"/>
           </a:xfrm>
           <a:prstGeom prst="ellipse">
             <a:avLst/>
@@ -36845,7 +37909,7 @@
         <p:spPr>
           <a:xfrm>
             <a:off x="-179640" y="2429280"/>
-            <a:ext cx="1436400" cy="1346760"/>
+            <a:ext cx="1436040" cy="1346400"/>
           </a:xfrm>
           <a:prstGeom prst="ellipse">
             <a:avLst/>
@@ -36875,7 +37939,7 @@
         <p:spPr>
           <a:xfrm>
             <a:off x="539640" y="1079640"/>
-            <a:ext cx="716760" cy="716760"/>
+            <a:ext cx="716400" cy="716400"/>
           </a:xfrm>
           <a:prstGeom prst="ellipse">
             <a:avLst/>
@@ -36905,7 +37969,7 @@
         <p:spPr>
           <a:xfrm>
             <a:off x="0" y="1259640"/>
-            <a:ext cx="716760" cy="716760"/>
+            <a:ext cx="716400" cy="716400"/>
           </a:xfrm>
           <a:prstGeom prst="ellipse">
             <a:avLst/>
@@ -36935,7 +37999,7 @@
         <p:spPr>
           <a:xfrm>
             <a:off x="0" y="5218920"/>
-            <a:ext cx="1616400" cy="1256760"/>
+            <a:ext cx="1616040" cy="1256400"/>
           </a:xfrm>
           <a:prstGeom prst="ellipse">
             <a:avLst/>
@@ -36965,7 +38029,7 @@
         <p:spPr>
           <a:xfrm>
             <a:off x="9716400" y="4678920"/>
-            <a:ext cx="716760" cy="716760"/>
+            <a:ext cx="716400" cy="716400"/>
           </a:xfrm>
           <a:prstGeom prst="ellipse">
             <a:avLst/>
@@ -36995,7 +38059,7 @@
         <p:spPr>
           <a:xfrm>
             <a:off x="9536400" y="3419280"/>
-            <a:ext cx="716760" cy="716760"/>
+            <a:ext cx="716400" cy="716400"/>
           </a:xfrm>
           <a:prstGeom prst="ellipse">
             <a:avLst/>
@@ -37025,7 +38089,7 @@
         <p:spPr>
           <a:xfrm>
             <a:off x="8097120" y="4678920"/>
-            <a:ext cx="1076760" cy="839160"/>
+            <a:ext cx="1076400" cy="838800"/>
           </a:xfrm>
           <a:prstGeom prst="ellipse">
             <a:avLst/>
@@ -37055,7 +38119,7 @@
         <p:spPr>
           <a:xfrm>
             <a:off x="7917120" y="5398920"/>
-            <a:ext cx="896760" cy="896760"/>
+            <a:ext cx="896400" cy="896400"/>
           </a:xfrm>
           <a:prstGeom prst="ellipse">
             <a:avLst/>
@@ -37089,7 +38153,7 @@
         <p:spPr>
           <a:xfrm>
             <a:off x="3418560" y="5128920"/>
-            <a:ext cx="3236040" cy="389520"/>
+            <a:ext cx="3235680" cy="389160"/>
           </a:xfrm>
           <a:prstGeom prst="rect">
             <a:avLst/>
@@ -37146,7 +38210,7 @@
         <p:spPr>
           <a:xfrm>
             <a:off x="7557120" y="5128920"/>
-            <a:ext cx="2336040" cy="389520"/>
+            <a:ext cx="2335680" cy="389160"/>
           </a:xfrm>
           <a:prstGeom prst="rect">
             <a:avLst/>
@@ -37178,7 +38242,7 @@
               </a:lnSpc>
               <a:buNone/>
             </a:pPr>
-            <a:fld id="{9C67E6B7-2138-48BD-A162-8C2BF87E0C86}" type="slidenum">
+            <a:fld id="{F135F9B6-6DA0-41DD-8CA0-D9E9E3F24A9C}" type="slidenum">
               <a:rPr b="0" lang="en-US" sz="1400" spc="-1" strike="noStrike">
                 <a:latin typeface="Times New Roman"/>
               </a:rPr>
@@ -37203,7 +38267,7 @@
         <p:spPr>
           <a:xfrm>
             <a:off x="179640" y="5128920"/>
-            <a:ext cx="2336040" cy="389520"/>
+            <a:ext cx="2335680" cy="389160"/>
           </a:xfrm>
           <a:prstGeom prst="rect">
             <a:avLst/>
@@ -37509,7 +38573,7 @@
         <p:spPr>
           <a:xfrm>
             <a:off x="0" y="0"/>
-            <a:ext cx="10073880" cy="5666400"/>
+            <a:ext cx="10073520" cy="5666040"/>
           </a:xfrm>
           <a:prstGeom prst="rect">
             <a:avLst/>
@@ -37545,7 +38609,7 @@
         <p:spPr>
           <a:xfrm>
             <a:off x="1439280" y="1079640"/>
-            <a:ext cx="1436400" cy="1256760"/>
+            <a:ext cx="1436040" cy="1256400"/>
           </a:xfrm>
           <a:prstGeom prst="ellipse">
             <a:avLst/>
@@ -37575,7 +38639,7 @@
         <p:spPr>
           <a:xfrm>
             <a:off x="7377120" y="3959280"/>
-            <a:ext cx="1436400" cy="1256760"/>
+            <a:ext cx="1436040" cy="1256400"/>
           </a:xfrm>
           <a:prstGeom prst="ellipse">
             <a:avLst/>
@@ -37605,7 +38669,7 @@
         <p:spPr>
           <a:xfrm>
             <a:off x="8996760" y="2699280"/>
-            <a:ext cx="1256760" cy="1076760"/>
+            <a:ext cx="1256400" cy="1076400"/>
           </a:xfrm>
           <a:prstGeom prst="ellipse">
             <a:avLst/>
@@ -37635,7 +38699,7 @@
         <p:spPr>
           <a:xfrm>
             <a:off x="-179640" y="2429280"/>
-            <a:ext cx="1436400" cy="1346760"/>
+            <a:ext cx="1436040" cy="1346400"/>
           </a:xfrm>
           <a:prstGeom prst="ellipse">
             <a:avLst/>
@@ -37665,7 +38729,7 @@
         <p:spPr>
           <a:xfrm>
             <a:off x="539640" y="1079640"/>
-            <a:ext cx="716760" cy="716760"/>
+            <a:ext cx="716400" cy="716400"/>
           </a:xfrm>
           <a:prstGeom prst="ellipse">
             <a:avLst/>
@@ -37695,7 +38759,7 @@
         <p:spPr>
           <a:xfrm>
             <a:off x="0" y="1259640"/>
-            <a:ext cx="716760" cy="716760"/>
+            <a:ext cx="716400" cy="716400"/>
           </a:xfrm>
           <a:prstGeom prst="ellipse">
             <a:avLst/>
@@ -37725,7 +38789,7 @@
         <p:spPr>
           <a:xfrm>
             <a:off x="0" y="5218920"/>
-            <a:ext cx="1616400" cy="1256760"/>
+            <a:ext cx="1616040" cy="1256400"/>
           </a:xfrm>
           <a:prstGeom prst="ellipse">
             <a:avLst/>
@@ -37755,7 +38819,7 @@
         <p:spPr>
           <a:xfrm>
             <a:off x="9716400" y="4678920"/>
-            <a:ext cx="716760" cy="716760"/>
+            <a:ext cx="716400" cy="716400"/>
           </a:xfrm>
           <a:prstGeom prst="ellipse">
             <a:avLst/>
@@ -37785,7 +38849,7 @@
         <p:spPr>
           <a:xfrm>
             <a:off x="9536400" y="3419280"/>
-            <a:ext cx="716760" cy="716760"/>
+            <a:ext cx="716400" cy="716400"/>
           </a:xfrm>
           <a:prstGeom prst="ellipse">
             <a:avLst/>
@@ -37815,7 +38879,7 @@
         <p:spPr>
           <a:xfrm>
             <a:off x="8097120" y="4678920"/>
-            <a:ext cx="1076760" cy="839160"/>
+            <a:ext cx="1076400" cy="838800"/>
           </a:xfrm>
           <a:prstGeom prst="ellipse">
             <a:avLst/>
@@ -37845,7 +38909,7 @@
         <p:spPr>
           <a:xfrm>
             <a:off x="7917120" y="5398920"/>
-            <a:ext cx="896760" cy="896760"/>
+            <a:ext cx="896400" cy="896400"/>
           </a:xfrm>
           <a:prstGeom prst="ellipse">
             <a:avLst/>
@@ -37879,7 +38943,7 @@
         <p:spPr>
           <a:xfrm>
             <a:off x="3418560" y="5128920"/>
-            <a:ext cx="3236040" cy="389520"/>
+            <a:ext cx="3235680" cy="389160"/>
           </a:xfrm>
           <a:prstGeom prst="rect">
             <a:avLst/>
@@ -37936,7 +39000,7 @@
         <p:spPr>
           <a:xfrm>
             <a:off x="7557120" y="5128920"/>
-            <a:ext cx="2336040" cy="389520"/>
+            <a:ext cx="2335680" cy="389160"/>
           </a:xfrm>
           <a:prstGeom prst="rect">
             <a:avLst/>
@@ -37968,7 +39032,7 @@
               </a:lnSpc>
               <a:buNone/>
             </a:pPr>
-            <a:fld id="{B784C444-DEB0-47E2-B3D8-0932995D8779}" type="slidenum">
+            <a:fld id="{394BB456-9143-480F-A293-4D5A8CCD85C7}" type="slidenum">
               <a:rPr b="0" lang="en-US" sz="1400" spc="-1" strike="noStrike">
                 <a:latin typeface="Times New Roman"/>
               </a:rPr>
@@ -37993,7 +39057,7 @@
         <p:spPr>
           <a:xfrm>
             <a:off x="179640" y="5128920"/>
-            <a:ext cx="2336040" cy="389520"/>
+            <a:ext cx="2335680" cy="389160"/>
           </a:xfrm>
           <a:prstGeom prst="rect">
             <a:avLst/>
@@ -38299,7 +39363,7 @@
         <p:spPr>
           <a:xfrm>
             <a:off x="0" y="0"/>
-            <a:ext cx="10073880" cy="5666400"/>
+            <a:ext cx="10073520" cy="5666040"/>
           </a:xfrm>
           <a:prstGeom prst="rect">
             <a:avLst/>
@@ -38335,7 +39399,7 @@
         <p:spPr>
           <a:xfrm>
             <a:off x="1439280" y="1079640"/>
-            <a:ext cx="1436400" cy="1256760"/>
+            <a:ext cx="1436040" cy="1256400"/>
           </a:xfrm>
           <a:prstGeom prst="ellipse">
             <a:avLst/>
@@ -38365,7 +39429,7 @@
         <p:spPr>
           <a:xfrm>
             <a:off x="7377120" y="3959280"/>
-            <a:ext cx="1436400" cy="1256760"/>
+            <a:ext cx="1436040" cy="1256400"/>
           </a:xfrm>
           <a:prstGeom prst="ellipse">
             <a:avLst/>
@@ -38395,7 +39459,7 @@
         <p:spPr>
           <a:xfrm>
             <a:off x="8996760" y="2699280"/>
-            <a:ext cx="1256760" cy="1076760"/>
+            <a:ext cx="1256400" cy="1076400"/>
           </a:xfrm>
           <a:prstGeom prst="ellipse">
             <a:avLst/>
@@ -38425,7 +39489,7 @@
         <p:spPr>
           <a:xfrm>
             <a:off x="-179640" y="2429280"/>
-            <a:ext cx="1436400" cy="1346760"/>
+            <a:ext cx="1436040" cy="1346400"/>
           </a:xfrm>
           <a:prstGeom prst="ellipse">
             <a:avLst/>
@@ -38455,7 +39519,7 @@
         <p:spPr>
           <a:xfrm>
             <a:off x="539640" y="1079640"/>
-            <a:ext cx="716760" cy="716760"/>
+            <a:ext cx="716400" cy="716400"/>
           </a:xfrm>
           <a:prstGeom prst="ellipse">
             <a:avLst/>
@@ -38485,7 +39549,7 @@
         <p:spPr>
           <a:xfrm>
             <a:off x="0" y="1259640"/>
-            <a:ext cx="716760" cy="716760"/>
+            <a:ext cx="716400" cy="716400"/>
           </a:xfrm>
           <a:prstGeom prst="ellipse">
             <a:avLst/>
@@ -38515,7 +39579,7 @@
         <p:spPr>
           <a:xfrm>
             <a:off x="0" y="5218920"/>
-            <a:ext cx="1616400" cy="1256760"/>
+            <a:ext cx="1616040" cy="1256400"/>
           </a:xfrm>
           <a:prstGeom prst="ellipse">
             <a:avLst/>
@@ -38545,7 +39609,7 @@
         <p:spPr>
           <a:xfrm>
             <a:off x="9716400" y="4678920"/>
-            <a:ext cx="716760" cy="716760"/>
+            <a:ext cx="716400" cy="716400"/>
           </a:xfrm>
           <a:prstGeom prst="ellipse">
             <a:avLst/>
@@ -38575,7 +39639,7 @@
         <p:spPr>
           <a:xfrm>
             <a:off x="9536400" y="3419280"/>
-            <a:ext cx="716760" cy="716760"/>
+            <a:ext cx="716400" cy="716400"/>
           </a:xfrm>
           <a:prstGeom prst="ellipse">
             <a:avLst/>
@@ -38605,7 +39669,7 @@
         <p:spPr>
           <a:xfrm>
             <a:off x="8097120" y="4678920"/>
-            <a:ext cx="1076760" cy="839160"/>
+            <a:ext cx="1076400" cy="838800"/>
           </a:xfrm>
           <a:prstGeom prst="ellipse">
             <a:avLst/>
@@ -38635,7 +39699,7 @@
         <p:spPr>
           <a:xfrm>
             <a:off x="7917120" y="5398920"/>
-            <a:ext cx="896760" cy="896760"/>
+            <a:ext cx="896400" cy="896400"/>
           </a:xfrm>
           <a:prstGeom prst="ellipse">
             <a:avLst/>
@@ -38669,7 +39733,7 @@
         <p:spPr>
           <a:xfrm>
             <a:off x="3418560" y="5128920"/>
-            <a:ext cx="3236040" cy="389520"/>
+            <a:ext cx="3235680" cy="389160"/>
           </a:xfrm>
           <a:prstGeom prst="rect">
             <a:avLst/>
@@ -38726,7 +39790,7 @@
         <p:spPr>
           <a:xfrm>
             <a:off x="7557120" y="5128920"/>
-            <a:ext cx="2336040" cy="389520"/>
+            <a:ext cx="2335680" cy="389160"/>
           </a:xfrm>
           <a:prstGeom prst="rect">
             <a:avLst/>
@@ -38758,7 +39822,7 @@
               </a:lnSpc>
               <a:buNone/>
             </a:pPr>
-            <a:fld id="{CAFA940A-E22A-432C-BD10-807FECA4CFB5}" type="slidenum">
+            <a:fld id="{4AF15BE7-4C92-429A-B5E5-B9280471CCE8}" type="slidenum">
               <a:rPr b="0" lang="en-US" sz="1400" spc="-1" strike="noStrike">
                 <a:latin typeface="Times New Roman"/>
               </a:rPr>
@@ -38783,7 +39847,7 @@
         <p:spPr>
           <a:xfrm>
             <a:off x="179640" y="5128920"/>
-            <a:ext cx="2336040" cy="389520"/>
+            <a:ext cx="2335680" cy="389160"/>
           </a:xfrm>
           <a:prstGeom prst="rect">
             <a:avLst/>
@@ -39089,7 +40153,7 @@
         <p:spPr>
           <a:xfrm>
             <a:off x="0" y="0"/>
-            <a:ext cx="10073880" cy="5666400"/>
+            <a:ext cx="10073520" cy="5666040"/>
           </a:xfrm>
           <a:prstGeom prst="rect">
             <a:avLst/>
@@ -39125,7 +40189,7 @@
         <p:spPr>
           <a:xfrm>
             <a:off x="1439280" y="1079640"/>
-            <a:ext cx="1436400" cy="1256760"/>
+            <a:ext cx="1436040" cy="1256400"/>
           </a:xfrm>
           <a:prstGeom prst="ellipse">
             <a:avLst/>
@@ -39155,7 +40219,7 @@
         <p:spPr>
           <a:xfrm>
             <a:off x="7377120" y="3959280"/>
-            <a:ext cx="1436400" cy="1256760"/>
+            <a:ext cx="1436040" cy="1256400"/>
           </a:xfrm>
           <a:prstGeom prst="ellipse">
             <a:avLst/>
@@ -39185,7 +40249,7 @@
         <p:spPr>
           <a:xfrm>
             <a:off x="8996760" y="2699280"/>
-            <a:ext cx="1256760" cy="1076760"/>
+            <a:ext cx="1256400" cy="1076400"/>
           </a:xfrm>
           <a:prstGeom prst="ellipse">
             <a:avLst/>
@@ -39215,7 +40279,7 @@
         <p:spPr>
           <a:xfrm>
             <a:off x="-179640" y="2429280"/>
-            <a:ext cx="1436400" cy="1346760"/>
+            <a:ext cx="1436040" cy="1346400"/>
           </a:xfrm>
           <a:prstGeom prst="ellipse">
             <a:avLst/>
@@ -39245,7 +40309,7 @@
         <p:spPr>
           <a:xfrm>
             <a:off x="539640" y="1079640"/>
-            <a:ext cx="716760" cy="716760"/>
+            <a:ext cx="716400" cy="716400"/>
           </a:xfrm>
           <a:prstGeom prst="ellipse">
             <a:avLst/>
@@ -39275,7 +40339,7 @@
         <p:spPr>
           <a:xfrm>
             <a:off x="0" y="1259640"/>
-            <a:ext cx="716760" cy="716760"/>
+            <a:ext cx="716400" cy="716400"/>
           </a:xfrm>
           <a:prstGeom prst="ellipse">
             <a:avLst/>
@@ -39305,7 +40369,7 @@
         <p:spPr>
           <a:xfrm>
             <a:off x="0" y="5218920"/>
-            <a:ext cx="1616400" cy="1256760"/>
+            <a:ext cx="1616040" cy="1256400"/>
           </a:xfrm>
           <a:prstGeom prst="ellipse">
             <a:avLst/>
@@ -39335,7 +40399,7 @@
         <p:spPr>
           <a:xfrm>
             <a:off x="9716400" y="4678920"/>
-            <a:ext cx="716760" cy="716760"/>
+            <a:ext cx="716400" cy="716400"/>
           </a:xfrm>
           <a:prstGeom prst="ellipse">
             <a:avLst/>
@@ -39365,7 +40429,7 @@
         <p:spPr>
           <a:xfrm>
             <a:off x="9536400" y="3419280"/>
-            <a:ext cx="716760" cy="716760"/>
+            <a:ext cx="716400" cy="716400"/>
           </a:xfrm>
           <a:prstGeom prst="ellipse">
             <a:avLst/>
@@ -39395,7 +40459,7 @@
         <p:spPr>
           <a:xfrm>
             <a:off x="8097120" y="4678920"/>
-            <a:ext cx="1076760" cy="839160"/>
+            <a:ext cx="1076400" cy="838800"/>
           </a:xfrm>
           <a:prstGeom prst="ellipse">
             <a:avLst/>
@@ -39425,7 +40489,7 @@
         <p:spPr>
           <a:xfrm>
             <a:off x="7917120" y="5398920"/>
-            <a:ext cx="896760" cy="896760"/>
+            <a:ext cx="896400" cy="896400"/>
           </a:xfrm>
           <a:prstGeom prst="ellipse">
             <a:avLst/>
@@ -39459,7 +40523,7 @@
         <p:spPr>
           <a:xfrm>
             <a:off x="3418560" y="5128920"/>
-            <a:ext cx="3236040" cy="389520"/>
+            <a:ext cx="3235680" cy="389160"/>
           </a:xfrm>
           <a:prstGeom prst="rect">
             <a:avLst/>
@@ -39516,7 +40580,7 @@
         <p:spPr>
           <a:xfrm>
             <a:off x="7557120" y="5128920"/>
-            <a:ext cx="2336040" cy="389520"/>
+            <a:ext cx="2335680" cy="389160"/>
           </a:xfrm>
           <a:prstGeom prst="rect">
             <a:avLst/>
@@ -39548,7 +40612,7 @@
               </a:lnSpc>
               <a:buNone/>
             </a:pPr>
-            <a:fld id="{A1E05E4D-3C09-4B76-82B0-F41D24F34EDB}" type="slidenum">
+            <a:fld id="{6BC02070-8DD6-4586-B546-462704F70BFC}" type="slidenum">
               <a:rPr b="0" lang="en-US" sz="1400" spc="-1" strike="noStrike">
                 <a:latin typeface="Times New Roman"/>
               </a:rPr>
@@ -39573,7 +40637,7 @@
         <p:spPr>
           <a:xfrm>
             <a:off x="179640" y="5128920"/>
-            <a:ext cx="2336040" cy="389520"/>
+            <a:ext cx="2335680" cy="389160"/>
           </a:xfrm>
           <a:prstGeom prst="rect">
             <a:avLst/>
@@ -39879,7 +40943,7 @@
         <p:spPr>
           <a:xfrm>
             <a:off x="503640" y="809640"/>
-            <a:ext cx="9063360" cy="1290960"/>
+            <a:ext cx="9063000" cy="1290600"/>
           </a:xfrm>
           <a:prstGeom prst="rect">
             <a:avLst/>
@@ -39931,7 +40995,7 @@
         <p:spPr>
           <a:xfrm>
             <a:off x="503640" y="2375280"/>
-            <a:ext cx="9063360" cy="2748600"/>
+            <a:ext cx="9063000" cy="2748240"/>
           </a:xfrm>
           <a:prstGeom prst="rect">
             <a:avLst/>
@@ -40034,7 +41098,7 @@
         <p:spPr>
           <a:xfrm>
             <a:off x="503640" y="809640"/>
-            <a:ext cx="9063360" cy="1290960"/>
+            <a:ext cx="9063000" cy="1290600"/>
           </a:xfrm>
           <a:prstGeom prst="rect">
             <a:avLst/>
@@ -40086,7 +41150,7 @@
         <p:spPr>
           <a:xfrm>
             <a:off x="503640" y="2375280"/>
-            <a:ext cx="9063360" cy="2748600"/>
+            <a:ext cx="9063000" cy="2748240"/>
           </a:xfrm>
           <a:prstGeom prst="rect">
             <a:avLst/>
@@ -40335,7 +41399,7 @@
         <p:spPr>
           <a:xfrm>
             <a:off x="503640" y="809640"/>
-            <a:ext cx="9063360" cy="1290960"/>
+            <a:ext cx="9063000" cy="1290600"/>
           </a:xfrm>
           <a:prstGeom prst="rect">
             <a:avLst/>
@@ -40387,7 +41451,7 @@
         <p:spPr>
           <a:xfrm>
             <a:off x="503640" y="2375280"/>
-            <a:ext cx="9063360" cy="2748600"/>
+            <a:ext cx="9063000" cy="2748240"/>
           </a:xfrm>
           <a:prstGeom prst="rect">
             <a:avLst/>
@@ -40608,7 +41672,7 @@
         <p:spPr>
           <a:xfrm>
             <a:off x="503640" y="809640"/>
-            <a:ext cx="9063360" cy="1290960"/>
+            <a:ext cx="9063000" cy="1290600"/>
           </a:xfrm>
           <a:prstGeom prst="rect">
             <a:avLst/>
@@ -40660,7 +41724,7 @@
         <p:spPr>
           <a:xfrm>
             <a:off x="503640" y="2375280"/>
-            <a:ext cx="9063360" cy="2748600"/>
+            <a:ext cx="9063000" cy="2748240"/>
           </a:xfrm>
           <a:prstGeom prst="rect">
             <a:avLst/>
@@ -40719,7 +41783,7 @@
         <p:spPr>
           <a:xfrm>
             <a:off x="87120" y="2056680"/>
-            <a:ext cx="9964440" cy="2739960"/>
+            <a:ext cx="9964080" cy="2739600"/>
           </a:xfrm>
           <a:prstGeom prst="rect">
             <a:avLst/>
@@ -40842,7 +41906,7 @@
         <p:spPr>
           <a:xfrm>
             <a:off x="503640" y="809640"/>
-            <a:ext cx="9063360" cy="1290960"/>
+            <a:ext cx="9063000" cy="1290600"/>
           </a:xfrm>
           <a:prstGeom prst="rect">
             <a:avLst/>
@@ -40894,7 +41958,7 @@
         <p:spPr>
           <a:xfrm>
             <a:off x="503640" y="2375280"/>
-            <a:ext cx="9063360" cy="2748600"/>
+            <a:ext cx="9063000" cy="2748240"/>
           </a:xfrm>
           <a:prstGeom prst="rect">
             <a:avLst/>
@@ -41042,7 +42106,7 @@
         <p:spPr>
           <a:xfrm>
             <a:off x="503640" y="809640"/>
-            <a:ext cx="9063360" cy="1290960"/>
+            <a:ext cx="9063000" cy="1290600"/>
           </a:xfrm>
           <a:prstGeom prst="rect">
             <a:avLst/>
@@ -41094,7 +42158,7 @@
         <p:spPr>
           <a:xfrm>
             <a:off x="503640" y="2375280"/>
-            <a:ext cx="9063360" cy="2748600"/>
+            <a:ext cx="9063000" cy="2748240"/>
           </a:xfrm>
           <a:prstGeom prst="rect">
             <a:avLst/>
@@ -41311,7 +42375,7 @@
         <p:spPr>
           <a:xfrm>
             <a:off x="503640" y="809640"/>
-            <a:ext cx="9063360" cy="1290960"/>
+            <a:ext cx="9063000" cy="1290600"/>
           </a:xfrm>
           <a:prstGeom prst="rect">
             <a:avLst/>
@@ -41363,7 +42427,7 @@
         <p:spPr>
           <a:xfrm>
             <a:off x="503640" y="2375280"/>
-            <a:ext cx="9063360" cy="2748600"/>
+            <a:ext cx="9063000" cy="2748240"/>
           </a:xfrm>
           <a:prstGeom prst="rect">
             <a:avLst/>
@@ -41453,7 +42517,7 @@
         <p:spPr>
           <a:xfrm>
             <a:off x="503640" y="809640"/>
-            <a:ext cx="9063360" cy="1290960"/>
+            <a:ext cx="9063000" cy="1290600"/>
           </a:xfrm>
           <a:prstGeom prst="rect">
             <a:avLst/>
@@ -41505,7 +42569,7 @@
         <p:spPr>
           <a:xfrm>
             <a:off x="503640" y="2375280"/>
-            <a:ext cx="9063360" cy="2748600"/>
+            <a:ext cx="9063000" cy="2748240"/>
           </a:xfrm>
           <a:prstGeom prst="rect">
             <a:avLst/>
@@ -41653,7 +42717,7 @@
         <p:spPr>
           <a:xfrm>
             <a:off x="503640" y="809640"/>
-            <a:ext cx="9063360" cy="1290960"/>
+            <a:ext cx="9063000" cy="1290600"/>
           </a:xfrm>
           <a:prstGeom prst="rect">
             <a:avLst/>
@@ -41705,7 +42769,7 @@
         <p:spPr>
           <a:xfrm>
             <a:off x="503640" y="2375280"/>
-            <a:ext cx="9063360" cy="2748600"/>
+            <a:ext cx="9063000" cy="2748240"/>
           </a:xfrm>
           <a:prstGeom prst="rect">
             <a:avLst/>
@@ -41902,7 +42966,7 @@
         <p:spPr>
           <a:xfrm>
             <a:off x="503640" y="809640"/>
-            <a:ext cx="9063360" cy="1290960"/>
+            <a:ext cx="9063000" cy="1290600"/>
           </a:xfrm>
           <a:prstGeom prst="rect">
             <a:avLst/>
@@ -41954,7 +43018,7 @@
         <p:spPr>
           <a:xfrm>
             <a:off x="503640" y="2375280"/>
-            <a:ext cx="9063360" cy="2748600"/>
+            <a:ext cx="9063000" cy="2748240"/>
           </a:xfrm>
           <a:prstGeom prst="rect">
             <a:avLst/>
@@ -42102,7 +43166,7 @@
         <p:spPr>
           <a:xfrm>
             <a:off x="503640" y="809640"/>
-            <a:ext cx="9063360" cy="1290960"/>
+            <a:ext cx="9063000" cy="1290600"/>
           </a:xfrm>
           <a:prstGeom prst="rect">
             <a:avLst/>
@@ -42154,7 +43218,7 @@
         <p:spPr>
           <a:xfrm>
             <a:off x="503640" y="2375280"/>
-            <a:ext cx="9063360" cy="2748600"/>
+            <a:ext cx="9063000" cy="2748240"/>
           </a:xfrm>
           <a:prstGeom prst="rect">
             <a:avLst/>
@@ -42197,7 +43261,7 @@
                 <a:latin typeface="Arial"/>
                 <a:ea typeface="DejaVu Sans"/>
               </a:rPr>
-              <a:t>{C} letter system for certainty</a:t>
+              <a:t>Study extant MSS, evaluate variants</a:t>
             </a:r>
             <a:endParaRPr b="0" lang="en-US" sz="3150" spc="-1" strike="noStrike">
               <a:latin typeface="Arial"/>
@@ -42226,7 +43290,7 @@
                 <a:latin typeface="Arial"/>
                 <a:ea typeface="DejaVu Sans"/>
               </a:rPr>
-              <a:t>Apparatus sources</a:t>
+              <a:t>Percentage of variants in NT is 7%</a:t>
             </a:r>
             <a:endParaRPr b="0" lang="en-US" sz="3150" spc="-1" strike="noStrike">
               <a:latin typeface="Arial"/>
@@ -42255,7 +43319,7 @@
                 <a:latin typeface="Arial"/>
                 <a:ea typeface="DejaVu Sans"/>
               </a:rPr>
-              <a:t>Worksheet for NT Textual Criticism</a:t>
+              <a:t>No matter of doctrine affected </a:t>
             </a:r>
             <a:endParaRPr b="0" lang="en-US" sz="3150" spc="-1" strike="noStrike">
               <a:latin typeface="Arial"/>
@@ -42311,7 +43375,7 @@
         <p:spPr>
           <a:xfrm>
             <a:off x="503640" y="809640"/>
-            <a:ext cx="9063360" cy="1290960"/>
+            <a:ext cx="9063000" cy="1290600"/>
           </a:xfrm>
           <a:prstGeom prst="rect">
             <a:avLst/>
@@ -42363,7 +43427,7 @@
         <p:spPr>
           <a:xfrm>
             <a:off x="503640" y="2375280"/>
-            <a:ext cx="9063360" cy="2748600"/>
+            <a:ext cx="9063000" cy="2748240"/>
           </a:xfrm>
           <a:prstGeom prst="rect">
             <a:avLst/>
@@ -42389,7 +43453,7 @@
         <p:spPr>
           <a:xfrm>
             <a:off x="-75240" y="-1809720"/>
-            <a:ext cx="10232280" cy="9299880"/>
+            <a:ext cx="10231920" cy="9299520"/>
           </a:xfrm>
           <a:prstGeom prst="rect">
             <a:avLst/>
@@ -43121,7 +44185,7 @@
         <p:spPr>
           <a:xfrm>
             <a:off x="503640" y="809640"/>
-            <a:ext cx="9063360" cy="1290960"/>
+            <a:ext cx="9063000" cy="1290600"/>
           </a:xfrm>
           <a:prstGeom prst="rect">
             <a:avLst/>
@@ -43156,7 +44220,7 @@
                 <a:latin typeface="Arial"/>
                 <a:ea typeface="DejaVu Sans"/>
               </a:rPr>
-              <a:t>TODO</a:t>
+              <a:t>Collecting the Evidence: External</a:t>
             </a:r>
             <a:endParaRPr b="0" lang="en-US" sz="4400" spc="-1" strike="noStrike">
               <a:latin typeface="Arial"/>
@@ -43173,7 +44237,7 @@
         <p:spPr>
           <a:xfrm>
             <a:off x="503640" y="2375280"/>
-            <a:ext cx="9063360" cy="2748600"/>
+            <a:ext cx="9063000" cy="2748240"/>
           </a:xfrm>
           <a:prstGeom prst="rect">
             <a:avLst/>
@@ -43209,16 +44273,16 @@
               <a:buChar char=""/>
             </a:pPr>
             <a:r>
-              <a:rPr b="0" lang="en-US" sz="1300" spc="-1" strike="noStrike">
+              <a:rPr b="0" lang="en-US" sz="3150" spc="-1" strike="noStrike">
                 <a:solidFill>
                   <a:srgbClr val="ffffff"/>
                 </a:solidFill>
                 <a:latin typeface="Arial"/>
                 <a:ea typeface="DejaVu Sans"/>
               </a:rPr>
-              <a:t>Give Metzger commentary example of variant resolution</a:t>
-            </a:r>
-            <a:endParaRPr b="0" lang="en-US" sz="1300" spc="-1" strike="noStrike">
+              <a:t>Versions: Old Lat., Vul., Syr., Coptic, Gothic, Armenian, Georgian, Ethiopic, Arabic, Slavonic</a:t>
+            </a:r>
+            <a:endParaRPr b="0" lang="en-US" sz="3150" spc="-1" strike="noStrike">
               <a:latin typeface="Arial"/>
             </a:endParaRPr>
           </a:p>
@@ -43238,19 +44302,132 @@
               <a:buChar char=""/>
             </a:pPr>
             <a:r>
-              <a:rPr b="0" lang="en-US" sz="1300" spc="-1" strike="noStrike">
+              <a:rPr b="0" lang="en-US" sz="3150" spc="-1" strike="noStrike">
                 <a:solidFill>
                   <a:srgbClr val="ffffff"/>
                 </a:solidFill>
                 <a:latin typeface="Arial"/>
                 <a:ea typeface="DejaVu Sans"/>
               </a:rPr>
-              <a:t>CBGM record, text, mss, CBGM source code</a:t>
-            </a:r>
-            <a:endParaRPr b="0" lang="en-US" sz="1300" spc="-1" strike="noStrike">
-              <a:latin typeface="Arial"/>
-            </a:endParaRPr>
-          </a:p>
+              <a:t>Patristic citations</a:t>
+            </a:r>
+            <a:endParaRPr b="0" lang="en-US" sz="3150" spc="-1" strike="noStrike">
+              <a:latin typeface="Arial"/>
+            </a:endParaRPr>
+          </a:p>
+        </p:txBody>
+      </p:sp>
+    </p:spTree>
+  </p:cSld>
+  <mc:AlternateContent>
+    <mc:Choice Requires="p14">
+      <p:transition spd="slow" p14:dur="2000"/>
+    </mc:Choice>
+    <mc:Fallback>
+      <p:transition spd="slow"/>
+    </mc:Fallback>
+  </mc:AlternateContent>
+</p:sld>
+</file>
+
+<file path=ppt/slides/slide21.xml><?xml version="1.0" encoding="utf-8"?>
+<p:sld xmlns:a="http://schemas.openxmlformats.org/drawingml/2006/main" xmlns:p="http://schemas.openxmlformats.org/presentationml/2006/main" xmlns:r="http://schemas.openxmlformats.org/officeDocument/2006/relationships" xmlns:p14="http://schemas.microsoft.com/office/powerpoint/2010/main" xmlns:p15="http://schemas.microsoft.com/office/powerpoint/2012/main" xmlns:mc="http://schemas.openxmlformats.org/markup-compatibility/2006">
+  <p:cSld>
+    <p:spTree>
+      <p:nvGrpSpPr>
+        <p:cNvPr id="1" name=""/>
+        <p:cNvGrpSpPr/>
+        <p:nvPr/>
+      </p:nvGrpSpPr>
+      <p:grpSpPr>
+        <a:xfrm>
+          <a:off x="0" y="0"/>
+          <a:ext cx="0" cy="0"/>
+          <a:chOff x="0" y="0"/>
+          <a:chExt cx="0" cy="0"/>
+        </a:xfrm>
+      </p:grpSpPr>
+      <p:sp>
+        <p:nvSpPr>
+          <p:cNvPr id="684" name=""/>
+          <p:cNvSpPr/>
+          <p:nvPr/>
+        </p:nvSpPr>
+        <p:spPr>
+          <a:xfrm>
+            <a:off x="503640" y="809640"/>
+            <a:ext cx="9063000" cy="1290600"/>
+          </a:xfrm>
+          <a:prstGeom prst="rect">
+            <a:avLst/>
+          </a:prstGeom>
+          <a:noFill/>
+          <a:ln w="0">
+            <a:noFill/>
+          </a:ln>
+        </p:spPr>
+        <p:style>
+          <a:lnRef idx="0"/>
+          <a:fillRef idx="0"/>
+          <a:effectRef idx="0"/>
+          <a:fontRef idx="minor"/>
+        </p:style>
+        <p:txBody>
+          <a:bodyPr lIns="0" rIns="0" tIns="0" bIns="0" anchor="ctr">
+            <a:noAutofit/>
+          </a:bodyPr>
+          <a:p>
+            <a:pPr algn="ctr">
+              <a:lnSpc>
+                <a:spcPct val="100000"/>
+              </a:lnSpc>
+              <a:buNone/>
+            </a:pPr>
+            <a:r>
+              <a:rPr b="0" lang="en-US" sz="4400" spc="-1" strike="noStrike">
+                <a:solidFill>
+                  <a:srgbClr val="ffffff"/>
+                </a:solidFill>
+                <a:latin typeface="Arial"/>
+                <a:ea typeface="DejaVu Sans"/>
+              </a:rPr>
+              <a:t>Collecting the Evidence: Internal</a:t>
+            </a:r>
+            <a:endParaRPr b="0" lang="en-US" sz="4400" spc="-1" strike="noStrike">
+              <a:latin typeface="Arial"/>
+            </a:endParaRPr>
+          </a:p>
+        </p:txBody>
+      </p:sp>
+      <p:sp>
+        <p:nvSpPr>
+          <p:cNvPr id="685" name=""/>
+          <p:cNvSpPr/>
+          <p:nvPr/>
+        </p:nvSpPr>
+        <p:spPr>
+          <a:xfrm>
+            <a:off x="503640" y="2375280"/>
+            <a:ext cx="9063000" cy="2748240"/>
+          </a:xfrm>
+          <a:prstGeom prst="rect">
+            <a:avLst/>
+          </a:prstGeom>
+          <a:noFill/>
+          <a:ln w="0">
+            <a:noFill/>
+          </a:ln>
+        </p:spPr>
+        <p:style>
+          <a:lnRef idx="0"/>
+          <a:fillRef idx="0"/>
+          <a:effectRef idx="0"/>
+          <a:fontRef idx="minor"/>
+        </p:style>
+        <p:txBody>
+          <a:bodyPr lIns="0" rIns="0" tIns="0" bIns="0" anchor="t">
+            <a:normAutofit fontScale="94000"/>
+          </a:bodyPr>
           <a:p>
             <a:pPr marL="432000" indent="-324000">
               <a:lnSpc>
@@ -43267,16 +44444,16 @@
               <a:buChar char=""/>
             </a:pPr>
             <a:r>
-              <a:rPr b="0" lang="en-US" sz="1300" spc="-1" strike="noStrike">
+              <a:rPr b="0" lang="en-US" sz="3150" spc="-1" strike="noStrike">
                 <a:solidFill>
                   <a:srgbClr val="ffffff"/>
                 </a:solidFill>
                 <a:latin typeface="Arial"/>
                 <a:ea typeface="DejaVu Sans"/>
               </a:rPr>
-              <a:t>Define predicate e.g. generic swap</a:t>
-            </a:r>
-            <a:endParaRPr b="0" lang="en-US" sz="1300" spc="-1" strike="noStrike">
+              <a:t>Scribal habits: literary forms, grammar, spelling, phrases</a:t>
+            </a:r>
+            <a:endParaRPr b="0" lang="en-US" sz="3150" spc="-1" strike="noStrike">
               <a:latin typeface="Arial"/>
             </a:endParaRPr>
           </a:p>
@@ -43296,19 +44473,132 @@
               <a:buChar char=""/>
             </a:pPr>
             <a:r>
-              <a:rPr b="0" lang="en-US" sz="1300" spc="-1" strike="noStrike">
+              <a:rPr b="0" lang="en-US" sz="3150" spc="-1" strike="noStrike">
                 <a:solidFill>
                   <a:srgbClr val="ffffff"/>
                 </a:solidFill>
                 <a:latin typeface="Arial"/>
                 <a:ea typeface="DejaVu Sans"/>
               </a:rPr>
-              <a:t>What is ‘a’, ‘b’</a:t>
-            </a:r>
-            <a:endParaRPr b="0" lang="en-US" sz="1300" spc="-1" strike="noStrike">
-              <a:latin typeface="Arial"/>
-            </a:endParaRPr>
-          </a:p>
+              <a:t>Other: near context, mechanical means, phrasing same or related books, fugure of speech, rational for alteration, grammatical or theoligical difficulty.</a:t>
+            </a:r>
+            <a:endParaRPr b="0" lang="en-US" sz="3150" spc="-1" strike="noStrike">
+              <a:latin typeface="Arial"/>
+            </a:endParaRPr>
+          </a:p>
+        </p:txBody>
+      </p:sp>
+    </p:spTree>
+  </p:cSld>
+  <mc:AlternateContent>
+    <mc:Choice Requires="p14">
+      <p:transition spd="slow" p14:dur="2000"/>
+    </mc:Choice>
+    <mc:Fallback>
+      <p:transition spd="slow"/>
+    </mc:Fallback>
+  </mc:AlternateContent>
+</p:sld>
+</file>
+
+<file path=ppt/slides/slide22.xml><?xml version="1.0" encoding="utf-8"?>
+<p:sld xmlns:a="http://schemas.openxmlformats.org/drawingml/2006/main" xmlns:p="http://schemas.openxmlformats.org/presentationml/2006/main" xmlns:r="http://schemas.openxmlformats.org/officeDocument/2006/relationships" xmlns:p14="http://schemas.microsoft.com/office/powerpoint/2010/main" xmlns:p15="http://schemas.microsoft.com/office/powerpoint/2012/main" xmlns:mc="http://schemas.openxmlformats.org/markup-compatibility/2006">
+  <p:cSld>
+    <p:spTree>
+      <p:nvGrpSpPr>
+        <p:cNvPr id="1" name=""/>
+        <p:cNvGrpSpPr/>
+        <p:nvPr/>
+      </p:nvGrpSpPr>
+      <p:grpSpPr>
+        <a:xfrm>
+          <a:off x="0" y="0"/>
+          <a:ext cx="0" cy="0"/>
+          <a:chOff x="0" y="0"/>
+          <a:chExt cx="0" cy="0"/>
+        </a:xfrm>
+      </p:grpSpPr>
+      <p:sp>
+        <p:nvSpPr>
+          <p:cNvPr id="686" name=""/>
+          <p:cNvSpPr/>
+          <p:nvPr/>
+        </p:nvSpPr>
+        <p:spPr>
+          <a:xfrm>
+            <a:off x="503640" y="809640"/>
+            <a:ext cx="9063000" cy="1290600"/>
+          </a:xfrm>
+          <a:prstGeom prst="rect">
+            <a:avLst/>
+          </a:prstGeom>
+          <a:noFill/>
+          <a:ln w="0">
+            <a:noFill/>
+          </a:ln>
+        </p:spPr>
+        <p:style>
+          <a:lnRef idx="0"/>
+          <a:fillRef idx="0"/>
+          <a:effectRef idx="0"/>
+          <a:fontRef idx="minor"/>
+        </p:style>
+        <p:txBody>
+          <a:bodyPr lIns="0" rIns="0" tIns="0" bIns="0" anchor="ctr">
+            <a:noAutofit/>
+          </a:bodyPr>
+          <a:p>
+            <a:pPr algn="ctr">
+              <a:lnSpc>
+                <a:spcPct val="100000"/>
+              </a:lnSpc>
+              <a:buNone/>
+            </a:pPr>
+            <a:r>
+              <a:rPr b="0" lang="en-US" sz="4400" spc="-1" strike="noStrike">
+                <a:solidFill>
+                  <a:srgbClr val="ffffff"/>
+                </a:solidFill>
+                <a:latin typeface="Arial"/>
+                <a:ea typeface="DejaVu Sans"/>
+              </a:rPr>
+              <a:t>Evaluating the Evidence</a:t>
+            </a:r>
+            <a:endParaRPr b="0" lang="en-US" sz="4400" spc="-1" strike="noStrike">
+              <a:latin typeface="Arial"/>
+            </a:endParaRPr>
+          </a:p>
+        </p:txBody>
+      </p:sp>
+      <p:sp>
+        <p:nvSpPr>
+          <p:cNvPr id="687" name=""/>
+          <p:cNvSpPr/>
+          <p:nvPr/>
+        </p:nvSpPr>
+        <p:spPr>
+          <a:xfrm>
+            <a:off x="503640" y="2375280"/>
+            <a:ext cx="9063000" cy="2748240"/>
+          </a:xfrm>
+          <a:prstGeom prst="rect">
+            <a:avLst/>
+          </a:prstGeom>
+          <a:noFill/>
+          <a:ln w="0">
+            <a:noFill/>
+          </a:ln>
+        </p:spPr>
+        <p:style>
+          <a:lnRef idx="0"/>
+          <a:fillRef idx="0"/>
+          <a:effectRef idx="0"/>
+          <a:fontRef idx="minor"/>
+        </p:style>
+        <p:txBody>
+          <a:bodyPr lIns="0" rIns="0" tIns="0" bIns="0" anchor="t">
+            <a:normAutofit/>
+          </a:bodyPr>
           <a:p>
             <a:pPr marL="432000" indent="-324000">
               <a:lnSpc>
@@ -43325,16 +44615,16 @@
               <a:buChar char=""/>
             </a:pPr>
             <a:r>
-              <a:rPr b="0" lang="en-US" sz="1300" spc="-1" strike="noStrike">
+              <a:rPr b="0" lang="en-US" sz="3150" spc="-1" strike="noStrike">
                 <a:solidFill>
                   <a:srgbClr val="ffffff"/>
                 </a:solidFill>
                 <a:latin typeface="Arial"/>
                 <a:ea typeface="DejaVu Sans"/>
               </a:rPr>
-              <a:t>Run queries, ask if we will be online</a:t>
-            </a:r>
-            <a:endParaRPr b="0" lang="en-US" sz="1300" spc="-1" strike="noStrike">
+              <a:t>Reasoned eclecticism (used by crit versions)</a:t>
+            </a:r>
+            <a:endParaRPr b="0" lang="en-US" sz="3150" spc="-1" strike="noStrike">
               <a:latin typeface="Arial"/>
             </a:endParaRPr>
           </a:p>
@@ -43354,16 +44644,16 @@
               <a:buChar char=""/>
             </a:pPr>
             <a:r>
-              <a:rPr b="0" lang="en-US" sz="1300" spc="-1" strike="noStrike">
+              <a:rPr b="0" lang="en-US" sz="3150" spc="-1" strike="noStrike">
                 <a:solidFill>
                   <a:srgbClr val="ffffff"/>
                 </a:solidFill>
                 <a:latin typeface="Arial"/>
                 <a:ea typeface="DejaVu Sans"/>
               </a:rPr>
-              <a:t>Show examples, 2 peter 3 10</a:t>
-            </a:r>
-            <a:endParaRPr b="0" lang="en-US" sz="1300" spc="-1" strike="noStrike">
+              <a:t>Radical/thoroughgoing eclecticism</a:t>
+            </a:r>
+            <a:endParaRPr b="0" lang="en-US" sz="3150" spc="-1" strike="noStrike">
               <a:latin typeface="Arial"/>
             </a:endParaRPr>
           </a:p>
@@ -43383,16 +44673,1706 @@
               <a:buChar char=""/>
             </a:pPr>
             <a:r>
-              <a:rPr b="0" lang="en-US" sz="1300" spc="-1" strike="noStrike">
+              <a:rPr b="0" lang="en-US" sz="3150" spc="-1" strike="noStrike">
                 <a:solidFill>
                   <a:srgbClr val="ffffff"/>
                 </a:solidFill>
                 <a:latin typeface="Arial"/>
                 <a:ea typeface="DejaVu Sans"/>
               </a:rPr>
-              <a:t>Show MSS</a:t>
-            </a:r>
-            <a:endParaRPr b="0" lang="en-US" sz="1300" spc="-1" strike="noStrike">
+              <a:t>Document approach</a:t>
+            </a:r>
+            <a:endParaRPr b="0" lang="en-US" sz="3150" spc="-1" strike="noStrike">
+              <a:latin typeface="Arial"/>
+            </a:endParaRPr>
+          </a:p>
+          <a:p>
+            <a:pPr marL="432000" indent="-324000">
+              <a:lnSpc>
+                <a:spcPct val="100000"/>
+              </a:lnSpc>
+              <a:spcBef>
+                <a:spcPts val="1414"/>
+              </a:spcBef>
+              <a:buClr>
+                <a:srgbClr val="ffffff"/>
+              </a:buClr>
+              <a:buSzPct val="45000"/>
+              <a:buFont typeface="Wingdings" charset="2"/>
+              <a:buChar char=""/>
+            </a:pPr>
+            <a:r>
+              <a:rPr b="0" lang="en-US" sz="3150" spc="-1" strike="noStrike">
+                <a:solidFill>
+                  <a:srgbClr val="ffffff"/>
+                </a:solidFill>
+                <a:latin typeface="Arial"/>
+                <a:ea typeface="DejaVu Sans"/>
+              </a:rPr>
+              <a:t>Byzantine priority (CBGM vindicating)</a:t>
+            </a:r>
+            <a:endParaRPr b="0" lang="en-US" sz="3150" spc="-1" strike="noStrike">
+              <a:latin typeface="Arial"/>
+            </a:endParaRPr>
+          </a:p>
+        </p:txBody>
+      </p:sp>
+    </p:spTree>
+  </p:cSld>
+  <mc:AlternateContent>
+    <mc:Choice Requires="p14">
+      <p:transition spd="slow" p14:dur="2000"/>
+    </mc:Choice>
+    <mc:Fallback>
+      <p:transition spd="slow"/>
+    </mc:Fallback>
+  </mc:AlternateContent>
+</p:sld>
+</file>
+
+<file path=ppt/slides/slide23.xml><?xml version="1.0" encoding="utf-8"?>
+<p:sld xmlns:a="http://schemas.openxmlformats.org/drawingml/2006/main" xmlns:p="http://schemas.openxmlformats.org/presentationml/2006/main" xmlns:r="http://schemas.openxmlformats.org/officeDocument/2006/relationships" xmlns:p14="http://schemas.microsoft.com/office/powerpoint/2010/main" xmlns:p15="http://schemas.microsoft.com/office/powerpoint/2012/main" xmlns:mc="http://schemas.openxmlformats.org/markup-compatibility/2006">
+  <p:cSld>
+    <p:spTree>
+      <p:nvGrpSpPr>
+        <p:cNvPr id="1" name=""/>
+        <p:cNvGrpSpPr/>
+        <p:nvPr/>
+      </p:nvGrpSpPr>
+      <p:grpSpPr>
+        <a:xfrm>
+          <a:off x="0" y="0"/>
+          <a:ext cx="0" cy="0"/>
+          <a:chOff x="0" y="0"/>
+          <a:chExt cx="0" cy="0"/>
+        </a:xfrm>
+      </p:grpSpPr>
+      <p:sp>
+        <p:nvSpPr>
+          <p:cNvPr id="688" name=""/>
+          <p:cNvSpPr/>
+          <p:nvPr/>
+        </p:nvSpPr>
+        <p:spPr>
+          <a:xfrm>
+            <a:off x="503640" y="809640"/>
+            <a:ext cx="9063000" cy="1290600"/>
+          </a:xfrm>
+          <a:prstGeom prst="rect">
+            <a:avLst/>
+          </a:prstGeom>
+          <a:noFill/>
+          <a:ln w="0">
+            <a:noFill/>
+          </a:ln>
+        </p:spPr>
+        <p:style>
+          <a:lnRef idx="0"/>
+          <a:fillRef idx="0"/>
+          <a:effectRef idx="0"/>
+          <a:fontRef idx="minor"/>
+        </p:style>
+        <p:txBody>
+          <a:bodyPr lIns="0" rIns="0" tIns="0" bIns="0" anchor="ctr">
+            <a:noAutofit/>
+          </a:bodyPr>
+          <a:p>
+            <a:pPr algn="ctr">
+              <a:lnSpc>
+                <a:spcPct val="100000"/>
+              </a:lnSpc>
+              <a:buNone/>
+            </a:pPr>
+            <a:r>
+              <a:rPr b="0" lang="en-US" sz="4400" spc="-1" strike="noStrike">
+                <a:solidFill>
+                  <a:srgbClr val="ffffff"/>
+                </a:solidFill>
+                <a:latin typeface="Arial"/>
+                <a:ea typeface="DejaVu Sans"/>
+              </a:rPr>
+              <a:t>Weighing the MSS</a:t>
+            </a:r>
+            <a:endParaRPr b="0" lang="en-US" sz="4400" spc="-1" strike="noStrike">
+              <a:latin typeface="Arial"/>
+            </a:endParaRPr>
+          </a:p>
+        </p:txBody>
+      </p:sp>
+      <p:sp>
+        <p:nvSpPr>
+          <p:cNvPr id="689" name=""/>
+          <p:cNvSpPr/>
+          <p:nvPr/>
+        </p:nvSpPr>
+        <p:spPr>
+          <a:xfrm>
+            <a:off x="503640" y="2375280"/>
+            <a:ext cx="9063000" cy="2748240"/>
+          </a:xfrm>
+          <a:prstGeom prst="rect">
+            <a:avLst/>
+          </a:prstGeom>
+          <a:noFill/>
+          <a:ln w="0">
+            <a:noFill/>
+          </a:ln>
+        </p:spPr>
+        <p:style>
+          <a:lnRef idx="0"/>
+          <a:fillRef idx="0"/>
+          <a:effectRef idx="0"/>
+          <a:fontRef idx="minor"/>
+        </p:style>
+        <p:txBody>
+          <a:bodyPr lIns="0" rIns="0" tIns="0" bIns="0" anchor="t">
+            <a:normAutofit/>
+          </a:bodyPr>
+          <a:p>
+            <a:pPr marL="432000" indent="-324000">
+              <a:lnSpc>
+                <a:spcPct val="100000"/>
+              </a:lnSpc>
+              <a:spcBef>
+                <a:spcPts val="1414"/>
+              </a:spcBef>
+              <a:buClr>
+                <a:srgbClr val="ffffff"/>
+              </a:buClr>
+              <a:buSzPct val="45000"/>
+              <a:buFont typeface="Wingdings" charset="2"/>
+              <a:buChar char=""/>
+            </a:pPr>
+            <a:r>
+              <a:rPr b="0" lang="en-US" sz="3150" spc="-1" strike="noStrike">
+                <a:solidFill>
+                  <a:srgbClr val="ffffff"/>
+                </a:solidFill>
+                <a:latin typeface="Arial"/>
+                <a:ea typeface="DejaVu Sans"/>
+              </a:rPr>
+              <a:t>Date</a:t>
+            </a:r>
+            <a:endParaRPr b="0" lang="en-US" sz="3150" spc="-1" strike="noStrike">
+              <a:latin typeface="Arial"/>
+            </a:endParaRPr>
+          </a:p>
+          <a:p>
+            <a:pPr marL="432000" indent="-324000">
+              <a:lnSpc>
+                <a:spcPct val="100000"/>
+              </a:lnSpc>
+              <a:spcBef>
+                <a:spcPts val="1414"/>
+              </a:spcBef>
+              <a:buClr>
+                <a:srgbClr val="ffffff"/>
+              </a:buClr>
+              <a:buSzPct val="45000"/>
+              <a:buFont typeface="Wingdings" charset="2"/>
+              <a:buChar char=""/>
+            </a:pPr>
+            <a:r>
+              <a:rPr b="0" lang="en-US" sz="3150" spc="-1" strike="noStrike">
+                <a:solidFill>
+                  <a:srgbClr val="ffffff"/>
+                </a:solidFill>
+                <a:latin typeface="Arial"/>
+                <a:ea typeface="DejaVu Sans"/>
+              </a:rPr>
+              <a:t>Accuracy</a:t>
+            </a:r>
+            <a:endParaRPr b="0" lang="en-US" sz="3150" spc="-1" strike="noStrike">
+              <a:latin typeface="Arial"/>
+            </a:endParaRPr>
+          </a:p>
+          <a:p>
+            <a:pPr marL="432000" indent="-324000">
+              <a:lnSpc>
+                <a:spcPct val="100000"/>
+              </a:lnSpc>
+              <a:spcBef>
+                <a:spcPts val="1414"/>
+              </a:spcBef>
+              <a:buClr>
+                <a:srgbClr val="ffffff"/>
+              </a:buClr>
+              <a:buSzPct val="45000"/>
+              <a:buFont typeface="Wingdings" charset="2"/>
+              <a:buChar char=""/>
+            </a:pPr>
+            <a:r>
+              <a:rPr b="0" lang="en-US" sz="3150" spc="-1" strike="noStrike">
+                <a:solidFill>
+                  <a:srgbClr val="ffffff"/>
+                </a:solidFill>
+                <a:latin typeface="Arial"/>
+                <a:ea typeface="DejaVu Sans"/>
+              </a:rPr>
+              <a:t>Independence of witnesses</a:t>
+            </a:r>
+            <a:endParaRPr b="0" lang="en-US" sz="3150" spc="-1" strike="noStrike">
+              <a:latin typeface="Arial"/>
+            </a:endParaRPr>
+          </a:p>
+          <a:p>
+            <a:pPr marL="432000" indent="-324000">
+              <a:lnSpc>
+                <a:spcPct val="100000"/>
+              </a:lnSpc>
+              <a:spcBef>
+                <a:spcPts val="1414"/>
+              </a:spcBef>
+              <a:buClr>
+                <a:srgbClr val="ffffff"/>
+              </a:buClr>
+              <a:buSzPct val="45000"/>
+              <a:buFont typeface="Wingdings" charset="2"/>
+              <a:buChar char=""/>
+            </a:pPr>
+            <a:r>
+              <a:rPr b="0" lang="en-US" sz="3150" spc="-1" strike="noStrike">
+                <a:solidFill>
+                  <a:srgbClr val="ffffff"/>
+                </a:solidFill>
+                <a:latin typeface="Arial"/>
+                <a:ea typeface="DejaVu Sans"/>
+              </a:rPr>
+              <a:t>Byzantine priority (CBGM vindicating)</a:t>
+            </a:r>
+            <a:endParaRPr b="0" lang="en-US" sz="3150" spc="-1" strike="noStrike">
+              <a:latin typeface="Arial"/>
+            </a:endParaRPr>
+          </a:p>
+        </p:txBody>
+      </p:sp>
+    </p:spTree>
+  </p:cSld>
+  <mc:AlternateContent>
+    <mc:Choice Requires="p14">
+      <p:transition spd="slow" p14:dur="2000"/>
+    </mc:Choice>
+    <mc:Fallback>
+      <p:transition spd="slow"/>
+    </mc:Fallback>
+  </mc:AlternateContent>
+</p:sld>
+</file>
+
+<file path=ppt/slides/slide24.xml><?xml version="1.0" encoding="utf-8"?>
+<p:sld xmlns:a="http://schemas.openxmlformats.org/drawingml/2006/main" xmlns:p="http://schemas.openxmlformats.org/presentationml/2006/main" xmlns:r="http://schemas.openxmlformats.org/officeDocument/2006/relationships" xmlns:p14="http://schemas.microsoft.com/office/powerpoint/2010/main" xmlns:p15="http://schemas.microsoft.com/office/powerpoint/2012/main" xmlns:mc="http://schemas.openxmlformats.org/markup-compatibility/2006">
+  <p:cSld>
+    <p:spTree>
+      <p:nvGrpSpPr>
+        <p:cNvPr id="1" name=""/>
+        <p:cNvGrpSpPr/>
+        <p:nvPr/>
+      </p:nvGrpSpPr>
+      <p:grpSpPr>
+        <a:xfrm>
+          <a:off x="0" y="0"/>
+          <a:ext cx="0" cy="0"/>
+          <a:chOff x="0" y="0"/>
+          <a:chExt cx="0" cy="0"/>
+        </a:xfrm>
+      </p:grpSpPr>
+      <p:sp>
+        <p:nvSpPr>
+          <p:cNvPr id="690" name=""/>
+          <p:cNvSpPr/>
+          <p:nvPr/>
+        </p:nvSpPr>
+        <p:spPr>
+          <a:xfrm>
+            <a:off x="503640" y="809640"/>
+            <a:ext cx="9063000" cy="1290600"/>
+          </a:xfrm>
+          <a:prstGeom prst="rect">
+            <a:avLst/>
+          </a:prstGeom>
+          <a:noFill/>
+          <a:ln w="0">
+            <a:noFill/>
+          </a:ln>
+        </p:spPr>
+        <p:style>
+          <a:lnRef idx="0"/>
+          <a:fillRef idx="0"/>
+          <a:effectRef idx="0"/>
+          <a:fontRef idx="minor"/>
+        </p:style>
+        <p:txBody>
+          <a:bodyPr lIns="0" rIns="0" tIns="0" bIns="0" anchor="ctr">
+            <a:noAutofit/>
+          </a:bodyPr>
+          <a:p>
+            <a:pPr algn="ctr">
+              <a:lnSpc>
+                <a:spcPct val="100000"/>
+              </a:lnSpc>
+              <a:buNone/>
+            </a:pPr>
+            <a:r>
+              <a:rPr b="0" lang="en-US" sz="4400" spc="-1" strike="noStrike">
+                <a:solidFill>
+                  <a:srgbClr val="ffffff"/>
+                </a:solidFill>
+                <a:latin typeface="Arial"/>
+                <a:ea typeface="DejaVu Sans"/>
+              </a:rPr>
+              <a:t>Examine Textual Tradition</a:t>
+            </a:r>
+            <a:endParaRPr b="0" lang="en-US" sz="4400" spc="-1" strike="noStrike">
+              <a:latin typeface="Arial"/>
+            </a:endParaRPr>
+          </a:p>
+        </p:txBody>
+      </p:sp>
+      <p:sp>
+        <p:nvSpPr>
+          <p:cNvPr id="691" name=""/>
+          <p:cNvSpPr/>
+          <p:nvPr/>
+        </p:nvSpPr>
+        <p:spPr>
+          <a:xfrm>
+            <a:off x="503640" y="2375280"/>
+            <a:ext cx="9063000" cy="2748240"/>
+          </a:xfrm>
+          <a:prstGeom prst="rect">
+            <a:avLst/>
+          </a:prstGeom>
+          <a:noFill/>
+          <a:ln w="0">
+            <a:noFill/>
+          </a:ln>
+        </p:spPr>
+        <p:style>
+          <a:lnRef idx="0"/>
+          <a:fillRef idx="0"/>
+          <a:effectRef idx="0"/>
+          <a:fontRef idx="minor"/>
+        </p:style>
+        <p:txBody>
+          <a:bodyPr lIns="0" rIns="0" tIns="0" bIns="0" anchor="t">
+            <a:normAutofit fontScale="93000"/>
+          </a:bodyPr>
+          <a:p>
+            <a:pPr marL="432000" indent="-324000">
+              <a:lnSpc>
+                <a:spcPct val="100000"/>
+              </a:lnSpc>
+              <a:spcBef>
+                <a:spcPts val="1414"/>
+              </a:spcBef>
+              <a:buClr>
+                <a:srgbClr val="ffffff"/>
+              </a:buClr>
+              <a:buSzPct val="45000"/>
+              <a:buFont typeface="Wingdings" charset="2"/>
+              <a:buChar char=""/>
+            </a:pPr>
+            <a:r>
+              <a:rPr b="0" lang="en-US" sz="3150" spc="-1" strike="noStrike">
+                <a:solidFill>
+                  <a:srgbClr val="ffffff"/>
+                </a:solidFill>
+                <a:latin typeface="Arial"/>
+                <a:ea typeface="DejaVu Sans"/>
+              </a:rPr>
+              <a:t>Text Types (with CBGM, this abandoned)</a:t>
+            </a:r>
+            <a:endParaRPr b="0" lang="en-US" sz="3150" spc="-1" strike="noStrike">
+              <a:latin typeface="Arial"/>
+            </a:endParaRPr>
+          </a:p>
+          <a:p>
+            <a:pPr marL="432000" indent="-324000">
+              <a:lnSpc>
+                <a:spcPct val="100000"/>
+              </a:lnSpc>
+              <a:spcBef>
+                <a:spcPts val="1414"/>
+              </a:spcBef>
+              <a:buClr>
+                <a:srgbClr val="ffffff"/>
+              </a:buClr>
+              <a:buSzPct val="45000"/>
+              <a:buFont typeface="Wingdings" charset="2"/>
+              <a:buChar char=""/>
+            </a:pPr>
+            <a:r>
+              <a:rPr b="0" lang="en-US" sz="3150" spc="-1" strike="noStrike">
+                <a:solidFill>
+                  <a:srgbClr val="ffffff"/>
+                </a:solidFill>
+                <a:latin typeface="Arial"/>
+                <a:ea typeface="DejaVu Sans"/>
+              </a:rPr>
+              <a:t>Alexandrian (preferred in 20 C. paradygm)</a:t>
+            </a:r>
+            <a:endParaRPr b="0" lang="en-US" sz="3150" spc="-1" strike="noStrike">
+              <a:latin typeface="Arial"/>
+            </a:endParaRPr>
+          </a:p>
+          <a:p>
+            <a:pPr marL="432000" indent="-324000">
+              <a:lnSpc>
+                <a:spcPct val="100000"/>
+              </a:lnSpc>
+              <a:spcBef>
+                <a:spcPts val="1414"/>
+              </a:spcBef>
+              <a:buClr>
+                <a:srgbClr val="ffffff"/>
+              </a:buClr>
+              <a:buSzPct val="45000"/>
+              <a:buFont typeface="Wingdings" charset="2"/>
+              <a:buChar char=""/>
+            </a:pPr>
+            <a:r>
+              <a:rPr b="0" lang="en-US" sz="3150" spc="-1" strike="noStrike">
+                <a:solidFill>
+                  <a:srgbClr val="ffffff"/>
+                </a:solidFill>
+                <a:latin typeface="Arial"/>
+                <a:ea typeface="DejaVu Sans"/>
+              </a:rPr>
+              <a:t>Western Group</a:t>
+            </a:r>
+            <a:endParaRPr b="0" lang="en-US" sz="3150" spc="-1" strike="noStrike">
+              <a:latin typeface="Arial"/>
+            </a:endParaRPr>
+          </a:p>
+          <a:p>
+            <a:pPr marL="432000" indent="-324000">
+              <a:lnSpc>
+                <a:spcPct val="100000"/>
+              </a:lnSpc>
+              <a:spcBef>
+                <a:spcPts val="1414"/>
+              </a:spcBef>
+              <a:buClr>
+                <a:srgbClr val="ffffff"/>
+              </a:buClr>
+              <a:buSzPct val="45000"/>
+              <a:buFont typeface="Wingdings" charset="2"/>
+              <a:buChar char=""/>
+            </a:pPr>
+            <a:r>
+              <a:rPr b="0" lang="en-US" sz="3150" spc="-1" strike="noStrike">
+                <a:solidFill>
+                  <a:srgbClr val="ffffff"/>
+                </a:solidFill>
+                <a:latin typeface="Arial"/>
+                <a:ea typeface="DejaVu Sans"/>
+              </a:rPr>
+              <a:t>Byzantine priority (20 C. considered least accurate, but CBGM is vindicating)</a:t>
+            </a:r>
+            <a:endParaRPr b="0" lang="en-US" sz="3150" spc="-1" strike="noStrike">
+              <a:latin typeface="Arial"/>
+            </a:endParaRPr>
+          </a:p>
+        </p:txBody>
+      </p:sp>
+    </p:spTree>
+  </p:cSld>
+  <mc:AlternateContent>
+    <mc:Choice Requires="p14">
+      <p:transition spd="slow" p14:dur="2000"/>
+    </mc:Choice>
+    <mc:Fallback>
+      <p:transition spd="slow"/>
+    </mc:Fallback>
+  </mc:AlternateContent>
+</p:sld>
+</file>
+
+<file path=ppt/slides/slide25.xml><?xml version="1.0" encoding="utf-8"?>
+<p:sld xmlns:a="http://schemas.openxmlformats.org/drawingml/2006/main" xmlns:p="http://schemas.openxmlformats.org/presentationml/2006/main" xmlns:r="http://schemas.openxmlformats.org/officeDocument/2006/relationships" xmlns:p14="http://schemas.microsoft.com/office/powerpoint/2010/main" xmlns:p15="http://schemas.microsoft.com/office/powerpoint/2012/main" xmlns:mc="http://schemas.openxmlformats.org/markup-compatibility/2006">
+  <p:cSld>
+    <p:spTree>
+      <p:nvGrpSpPr>
+        <p:cNvPr id="1" name=""/>
+        <p:cNvGrpSpPr/>
+        <p:nvPr/>
+      </p:nvGrpSpPr>
+      <p:grpSpPr>
+        <a:xfrm>
+          <a:off x="0" y="0"/>
+          <a:ext cx="0" cy="0"/>
+          <a:chOff x="0" y="0"/>
+          <a:chExt cx="0" cy="0"/>
+        </a:xfrm>
+      </p:grpSpPr>
+      <p:sp>
+        <p:nvSpPr>
+          <p:cNvPr id="692" name=""/>
+          <p:cNvSpPr/>
+          <p:nvPr/>
+        </p:nvSpPr>
+        <p:spPr>
+          <a:xfrm>
+            <a:off x="503640" y="809640"/>
+            <a:ext cx="9063000" cy="1290600"/>
+          </a:xfrm>
+          <a:prstGeom prst="rect">
+            <a:avLst/>
+          </a:prstGeom>
+          <a:noFill/>
+          <a:ln w="0">
+            <a:noFill/>
+          </a:ln>
+        </p:spPr>
+        <p:style>
+          <a:lnRef idx="0"/>
+          <a:fillRef idx="0"/>
+          <a:effectRef idx="0"/>
+          <a:fontRef idx="minor"/>
+        </p:style>
+        <p:txBody>
+          <a:bodyPr lIns="0" rIns="0" tIns="0" bIns="0" anchor="ctr">
+            <a:noAutofit/>
+          </a:bodyPr>
+          <a:p>
+            <a:pPr algn="ctr">
+              <a:lnSpc>
+                <a:spcPct val="100000"/>
+              </a:lnSpc>
+              <a:buNone/>
+            </a:pPr>
+            <a:r>
+              <a:rPr b="0" lang="en-US" sz="4400" spc="-1" strike="noStrike">
+                <a:solidFill>
+                  <a:srgbClr val="ffffff"/>
+                </a:solidFill>
+                <a:latin typeface="Arial"/>
+                <a:ea typeface="DejaVu Sans"/>
+              </a:rPr>
+              <a:t>Basis for Decisions</a:t>
+            </a:r>
+            <a:endParaRPr b="0" lang="en-US" sz="4400" spc="-1" strike="noStrike">
+              <a:latin typeface="Arial"/>
+            </a:endParaRPr>
+          </a:p>
+        </p:txBody>
+      </p:sp>
+      <p:sp>
+        <p:nvSpPr>
+          <p:cNvPr id="693" name=""/>
+          <p:cNvSpPr/>
+          <p:nvPr/>
+        </p:nvSpPr>
+        <p:spPr>
+          <a:xfrm>
+            <a:off x="503640" y="2375280"/>
+            <a:ext cx="9063000" cy="2748240"/>
+          </a:xfrm>
+          <a:prstGeom prst="rect">
+            <a:avLst/>
+          </a:prstGeom>
+          <a:noFill/>
+          <a:ln w="0">
+            <a:noFill/>
+          </a:ln>
+        </p:spPr>
+        <p:style>
+          <a:lnRef idx="0"/>
+          <a:fillRef idx="0"/>
+          <a:effectRef idx="0"/>
+          <a:fontRef idx="minor"/>
+        </p:style>
+        <p:txBody>
+          <a:bodyPr lIns="0" rIns="0" tIns="0" bIns="0" anchor="t">
+            <a:normAutofit fontScale="93000"/>
+          </a:bodyPr>
+          <a:p>
+            <a:pPr marL="432000" indent="-324000">
+              <a:lnSpc>
+                <a:spcPct val="100000"/>
+              </a:lnSpc>
+              <a:spcBef>
+                <a:spcPts val="1414"/>
+              </a:spcBef>
+              <a:buClr>
+                <a:srgbClr val="ffffff"/>
+              </a:buClr>
+              <a:buSzPct val="45000"/>
+              <a:buFont typeface="Wingdings" charset="2"/>
+              <a:buChar char=""/>
+            </a:pPr>
+            <a:r>
+              <a:rPr b="0" lang="en-US" sz="3150" spc="-1" strike="noStrike">
+                <a:solidFill>
+                  <a:srgbClr val="ffffff"/>
+                </a:solidFill>
+                <a:latin typeface="Arial"/>
+                <a:ea typeface="DejaVu Sans"/>
+              </a:rPr>
+              <a:t>More difficult reading preferred</a:t>
+            </a:r>
+            <a:endParaRPr b="0" lang="en-US" sz="3150" spc="-1" strike="noStrike">
+              <a:latin typeface="Arial"/>
+            </a:endParaRPr>
+          </a:p>
+          <a:p>
+            <a:pPr marL="432000" indent="-324000">
+              <a:lnSpc>
+                <a:spcPct val="100000"/>
+              </a:lnSpc>
+              <a:spcBef>
+                <a:spcPts val="1414"/>
+              </a:spcBef>
+              <a:buClr>
+                <a:srgbClr val="ffffff"/>
+              </a:buClr>
+              <a:buSzPct val="45000"/>
+              <a:buFont typeface="Wingdings" charset="2"/>
+              <a:buChar char=""/>
+            </a:pPr>
+            <a:r>
+              <a:rPr b="0" lang="en-US" sz="3150" spc="-1" strike="noStrike">
+                <a:solidFill>
+                  <a:srgbClr val="ffffff"/>
+                </a:solidFill>
+                <a:latin typeface="Arial"/>
+                <a:ea typeface="DejaVu Sans"/>
+              </a:rPr>
+              <a:t>Shorter reading preferred</a:t>
+            </a:r>
+            <a:endParaRPr b="0" lang="en-US" sz="3150" spc="-1" strike="noStrike">
+              <a:latin typeface="Arial"/>
+            </a:endParaRPr>
+          </a:p>
+          <a:p>
+            <a:pPr marL="432000" indent="-324000">
+              <a:lnSpc>
+                <a:spcPct val="100000"/>
+              </a:lnSpc>
+              <a:spcBef>
+                <a:spcPts val="1414"/>
+              </a:spcBef>
+              <a:buClr>
+                <a:srgbClr val="ffffff"/>
+              </a:buClr>
+              <a:buSzPct val="45000"/>
+              <a:buFont typeface="Wingdings" charset="2"/>
+              <a:buChar char=""/>
+            </a:pPr>
+            <a:r>
+              <a:rPr b="0" lang="en-US" sz="3150" spc="-1" strike="noStrike">
+                <a:solidFill>
+                  <a:srgbClr val="ffffff"/>
+                </a:solidFill>
+                <a:latin typeface="Arial"/>
+                <a:ea typeface="DejaVu Sans"/>
+              </a:rPr>
+              <a:t>Reading context</a:t>
+            </a:r>
+            <a:endParaRPr b="0" lang="en-US" sz="3150" spc="-1" strike="noStrike">
+              <a:latin typeface="Arial"/>
+            </a:endParaRPr>
+          </a:p>
+          <a:p>
+            <a:pPr marL="432000" indent="-324000">
+              <a:lnSpc>
+                <a:spcPct val="100000"/>
+              </a:lnSpc>
+              <a:spcBef>
+                <a:spcPts val="1414"/>
+              </a:spcBef>
+              <a:buClr>
+                <a:srgbClr val="ffffff"/>
+              </a:buClr>
+              <a:buSzPct val="45000"/>
+              <a:buFont typeface="Wingdings" charset="2"/>
+              <a:buChar char=""/>
+            </a:pPr>
+            <a:r>
+              <a:rPr b="0" lang="en-US" sz="3150" spc="-1" strike="noStrike">
+                <a:solidFill>
+                  <a:srgbClr val="ffffff"/>
+                </a:solidFill>
+                <a:latin typeface="Arial"/>
+                <a:ea typeface="DejaVu Sans"/>
+              </a:rPr>
+              <a:t>Byzantine priority (20 C. considered least accurate, but CBGM is vindicating)</a:t>
+            </a:r>
+            <a:endParaRPr b="0" lang="en-US" sz="3150" spc="-1" strike="noStrike">
+              <a:latin typeface="Arial"/>
+            </a:endParaRPr>
+          </a:p>
+        </p:txBody>
+      </p:sp>
+    </p:spTree>
+  </p:cSld>
+  <mc:AlternateContent>
+    <mc:Choice Requires="p14">
+      <p:transition spd="slow" p14:dur="2000"/>
+    </mc:Choice>
+    <mc:Fallback>
+      <p:transition spd="slow"/>
+    </mc:Fallback>
+  </mc:AlternateContent>
+</p:sld>
+</file>
+
+<file path=ppt/slides/slide26.xml><?xml version="1.0" encoding="utf-8"?>
+<p:sld xmlns:a="http://schemas.openxmlformats.org/drawingml/2006/main" xmlns:p="http://schemas.openxmlformats.org/presentationml/2006/main" xmlns:r="http://schemas.openxmlformats.org/officeDocument/2006/relationships" xmlns:p14="http://schemas.microsoft.com/office/powerpoint/2010/main" xmlns:p15="http://schemas.microsoft.com/office/powerpoint/2012/main" xmlns:mc="http://schemas.openxmlformats.org/markup-compatibility/2006">
+  <p:cSld>
+    <p:spTree>
+      <p:nvGrpSpPr>
+        <p:cNvPr id="1" name=""/>
+        <p:cNvGrpSpPr/>
+        <p:nvPr/>
+      </p:nvGrpSpPr>
+      <p:grpSpPr>
+        <a:xfrm>
+          <a:off x="0" y="0"/>
+          <a:ext cx="0" cy="0"/>
+          <a:chOff x="0" y="0"/>
+          <a:chExt cx="0" cy="0"/>
+        </a:xfrm>
+      </p:grpSpPr>
+      <p:sp>
+        <p:nvSpPr>
+          <p:cNvPr id="694" name=""/>
+          <p:cNvSpPr/>
+          <p:nvPr/>
+        </p:nvSpPr>
+        <p:spPr>
+          <a:xfrm>
+            <a:off x="503640" y="809640"/>
+            <a:ext cx="9063000" cy="1290600"/>
+          </a:xfrm>
+          <a:prstGeom prst="rect">
+            <a:avLst/>
+          </a:prstGeom>
+          <a:noFill/>
+          <a:ln w="0">
+            <a:noFill/>
+          </a:ln>
+        </p:spPr>
+        <p:style>
+          <a:lnRef idx="0"/>
+          <a:fillRef idx="0"/>
+          <a:effectRef idx="0"/>
+          <a:fontRef idx="minor"/>
+        </p:style>
+        <p:txBody>
+          <a:bodyPr lIns="0" rIns="0" tIns="0" bIns="0" anchor="ctr">
+            <a:noAutofit/>
+          </a:bodyPr>
+          <a:p>
+            <a:pPr algn="ctr">
+              <a:lnSpc>
+                <a:spcPct val="100000"/>
+              </a:lnSpc>
+              <a:buNone/>
+            </a:pPr>
+            <a:r>
+              <a:rPr b="0" lang="en-US" sz="4400" spc="-1" strike="noStrike">
+                <a:solidFill>
+                  <a:srgbClr val="ffffff"/>
+                </a:solidFill>
+                <a:latin typeface="Arial"/>
+                <a:ea typeface="DejaVu Sans"/>
+              </a:rPr>
+              <a:t>The Sources</a:t>
+            </a:r>
+            <a:endParaRPr b="0" lang="en-US" sz="4400" spc="-1" strike="noStrike">
+              <a:latin typeface="Arial"/>
+            </a:endParaRPr>
+          </a:p>
+        </p:txBody>
+      </p:sp>
+      <p:sp>
+        <p:nvSpPr>
+          <p:cNvPr id="695" name=""/>
+          <p:cNvSpPr/>
+          <p:nvPr/>
+        </p:nvSpPr>
+        <p:spPr>
+          <a:xfrm>
+            <a:off x="503640" y="2375280"/>
+            <a:ext cx="9063000" cy="2748240"/>
+          </a:xfrm>
+          <a:prstGeom prst="rect">
+            <a:avLst/>
+          </a:prstGeom>
+          <a:noFill/>
+          <a:ln w="0">
+            <a:noFill/>
+          </a:ln>
+        </p:spPr>
+        <p:style>
+          <a:lnRef idx="0"/>
+          <a:fillRef idx="0"/>
+          <a:effectRef idx="0"/>
+          <a:fontRef idx="minor"/>
+        </p:style>
+        <p:txBody>
+          <a:bodyPr lIns="0" rIns="0" tIns="0" bIns="0" anchor="t">
+            <a:normAutofit/>
+          </a:bodyPr>
+          <a:p>
+            <a:pPr marL="432000" indent="-324000">
+              <a:lnSpc>
+                <a:spcPct val="100000"/>
+              </a:lnSpc>
+              <a:spcBef>
+                <a:spcPts val="1414"/>
+              </a:spcBef>
+              <a:buClr>
+                <a:srgbClr val="ffffff"/>
+              </a:buClr>
+              <a:buSzPct val="45000"/>
+              <a:buFont typeface="Wingdings" charset="2"/>
+              <a:buChar char=""/>
+            </a:pPr>
+            <a:r>
+              <a:rPr b="0" lang="en-US" sz="3150" spc="-1" strike="noStrike">
+                <a:solidFill>
+                  <a:srgbClr val="ffffff"/>
+                </a:solidFill>
+                <a:latin typeface="Arial"/>
+                <a:ea typeface="DejaVu Sans"/>
+              </a:rPr>
+              <a:t>Biblical Papyri: Beatty, Rylands, Bodmer, </a:t>
+            </a:r>
+            <a:endParaRPr b="0" lang="en-US" sz="3150" spc="-1" strike="noStrike">
+              <a:latin typeface="Arial"/>
+            </a:endParaRPr>
+          </a:p>
+          <a:p>
+            <a:pPr marL="432000" indent="-324000">
+              <a:lnSpc>
+                <a:spcPct val="100000"/>
+              </a:lnSpc>
+              <a:spcBef>
+                <a:spcPts val="1414"/>
+              </a:spcBef>
+              <a:buClr>
+                <a:srgbClr val="ffffff"/>
+              </a:buClr>
+              <a:buSzPct val="45000"/>
+              <a:buFont typeface="Wingdings" charset="2"/>
+              <a:buChar char=""/>
+            </a:pPr>
+            <a:r>
+              <a:rPr b="0" lang="en-US" sz="3150" spc="-1" strike="noStrike">
+                <a:solidFill>
+                  <a:srgbClr val="ffffff"/>
+                </a:solidFill>
+                <a:latin typeface="Arial"/>
+                <a:ea typeface="DejaVu Sans"/>
+              </a:rPr>
+              <a:t>Important uncials: Codex Vaticanus, Sinaiticus,  Alexandrinus, Ephraemi, Bezae, </a:t>
+            </a:r>
+            <a:endParaRPr b="0" lang="en-US" sz="3150" spc="-1" strike="noStrike">
+              <a:latin typeface="Arial"/>
+            </a:endParaRPr>
+          </a:p>
+          <a:p>
+            <a:pPr marL="432000" indent="-324000">
+              <a:lnSpc>
+                <a:spcPct val="100000"/>
+              </a:lnSpc>
+              <a:spcBef>
+                <a:spcPts val="1414"/>
+              </a:spcBef>
+              <a:buClr>
+                <a:srgbClr val="ffffff"/>
+              </a:buClr>
+              <a:buSzPct val="45000"/>
+              <a:buFont typeface="Wingdings" charset="2"/>
+              <a:buChar char=""/>
+            </a:pPr>
+            <a:r>
+              <a:rPr b="0" lang="en-US" sz="3150" spc="-1" strike="noStrike">
+                <a:solidFill>
+                  <a:srgbClr val="ffffff"/>
+                </a:solidFill>
+                <a:latin typeface="Arial"/>
+                <a:ea typeface="DejaVu Sans"/>
+              </a:rPr>
+              <a:t>Miniscules: Ferrar, Lake, 33, 16</a:t>
+            </a:r>
+            <a:endParaRPr b="0" lang="en-US" sz="3150" spc="-1" strike="noStrike">
+              <a:latin typeface="Arial"/>
+            </a:endParaRPr>
+          </a:p>
+        </p:txBody>
+      </p:sp>
+    </p:spTree>
+  </p:cSld>
+  <mc:AlternateContent>
+    <mc:Choice Requires="p14">
+      <p:transition spd="slow" p14:dur="2000"/>
+    </mc:Choice>
+    <mc:Fallback>
+      <p:transition spd="slow"/>
+    </mc:Fallback>
+  </mc:AlternateContent>
+</p:sld>
+</file>
+
+<file path=ppt/slides/slide27.xml><?xml version="1.0" encoding="utf-8"?>
+<p:sld xmlns:a="http://schemas.openxmlformats.org/drawingml/2006/main" xmlns:p="http://schemas.openxmlformats.org/presentationml/2006/main" xmlns:r="http://schemas.openxmlformats.org/officeDocument/2006/relationships" xmlns:p14="http://schemas.microsoft.com/office/powerpoint/2010/main" xmlns:p15="http://schemas.microsoft.com/office/powerpoint/2012/main" xmlns:mc="http://schemas.openxmlformats.org/markup-compatibility/2006">
+  <p:cSld>
+    <p:spTree>
+      <p:nvGrpSpPr>
+        <p:cNvPr id="1" name=""/>
+        <p:cNvGrpSpPr/>
+        <p:nvPr/>
+      </p:nvGrpSpPr>
+      <p:grpSpPr>
+        <a:xfrm>
+          <a:off x="0" y="0"/>
+          <a:ext cx="0" cy="0"/>
+          <a:chOff x="0" y="0"/>
+          <a:chExt cx="0" cy="0"/>
+        </a:xfrm>
+      </p:grpSpPr>
+      <p:sp>
+        <p:nvSpPr>
+          <p:cNvPr id="696" name=""/>
+          <p:cNvSpPr/>
+          <p:nvPr/>
+        </p:nvSpPr>
+        <p:spPr>
+          <a:xfrm>
+            <a:off x="503640" y="809640"/>
+            <a:ext cx="9063000" cy="1290600"/>
+          </a:xfrm>
+          <a:prstGeom prst="rect">
+            <a:avLst/>
+          </a:prstGeom>
+          <a:noFill/>
+          <a:ln w="0">
+            <a:noFill/>
+          </a:ln>
+        </p:spPr>
+        <p:style>
+          <a:lnRef idx="0"/>
+          <a:fillRef idx="0"/>
+          <a:effectRef idx="0"/>
+          <a:fontRef idx="minor"/>
+        </p:style>
+        <p:txBody>
+          <a:bodyPr lIns="0" rIns="0" tIns="0" bIns="0" anchor="ctr">
+            <a:noAutofit/>
+          </a:bodyPr>
+          <a:p>
+            <a:pPr algn="ctr">
+              <a:lnSpc>
+                <a:spcPct val="100000"/>
+              </a:lnSpc>
+              <a:buNone/>
+            </a:pPr>
+            <a:r>
+              <a:rPr b="0" lang="en-US" sz="4400" spc="-1" strike="noStrike">
+                <a:solidFill>
+                  <a:srgbClr val="ffffff"/>
+                </a:solidFill>
+                <a:latin typeface="Arial"/>
+                <a:ea typeface="DejaVu Sans"/>
+              </a:rPr>
+              <a:t>Ancient Versions (Eastern)</a:t>
+            </a:r>
+            <a:endParaRPr b="0" lang="en-US" sz="4400" spc="-1" strike="noStrike">
+              <a:latin typeface="Arial"/>
+            </a:endParaRPr>
+          </a:p>
+        </p:txBody>
+      </p:sp>
+      <p:sp>
+        <p:nvSpPr>
+          <p:cNvPr id="697" name=""/>
+          <p:cNvSpPr/>
+          <p:nvPr/>
+        </p:nvSpPr>
+        <p:spPr>
+          <a:xfrm>
+            <a:off x="503640" y="2375280"/>
+            <a:ext cx="9063000" cy="2748240"/>
+          </a:xfrm>
+          <a:prstGeom prst="rect">
+            <a:avLst/>
+          </a:prstGeom>
+          <a:noFill/>
+          <a:ln w="0">
+            <a:noFill/>
+          </a:ln>
+        </p:spPr>
+        <p:style>
+          <a:lnRef idx="0"/>
+          <a:fillRef idx="0"/>
+          <a:effectRef idx="0"/>
+          <a:fontRef idx="minor"/>
+        </p:style>
+        <p:txBody>
+          <a:bodyPr lIns="0" rIns="0" tIns="0" bIns="0" anchor="t">
+            <a:normAutofit fontScale="88000"/>
+          </a:bodyPr>
+          <a:p>
+            <a:pPr marL="432000" indent="-324000">
+              <a:lnSpc>
+                <a:spcPct val="100000"/>
+              </a:lnSpc>
+              <a:spcBef>
+                <a:spcPts val="1414"/>
+              </a:spcBef>
+              <a:buClr>
+                <a:srgbClr val="ffffff"/>
+              </a:buClr>
+              <a:buSzPct val="45000"/>
+              <a:buFont typeface="Wingdings" charset="2"/>
+              <a:buChar char=""/>
+            </a:pPr>
+            <a:r>
+              <a:rPr b="0" lang="en-US" sz="3150" spc="-1" strike="noStrike">
+                <a:solidFill>
+                  <a:srgbClr val="ffffff"/>
+                </a:solidFill>
+                <a:latin typeface="Arial"/>
+                <a:ea typeface="DejaVu Sans"/>
+              </a:rPr>
+              <a:t>Syriac: Diatessaron, Peshitta</a:t>
+            </a:r>
+            <a:endParaRPr b="0" lang="en-US" sz="3150" spc="-1" strike="noStrike">
+              <a:latin typeface="Arial"/>
+            </a:endParaRPr>
+          </a:p>
+          <a:p>
+            <a:pPr marL="432000" indent="-324000">
+              <a:lnSpc>
+                <a:spcPct val="100000"/>
+              </a:lnSpc>
+              <a:spcBef>
+                <a:spcPts val="1414"/>
+              </a:spcBef>
+              <a:buClr>
+                <a:srgbClr val="ffffff"/>
+              </a:buClr>
+              <a:buSzPct val="45000"/>
+              <a:buFont typeface="Wingdings" charset="2"/>
+              <a:buChar char=""/>
+            </a:pPr>
+            <a:r>
+              <a:rPr b="0" lang="en-US" sz="3150" spc="-1" strike="noStrike">
+                <a:solidFill>
+                  <a:srgbClr val="ffffff"/>
+                </a:solidFill>
+                <a:latin typeface="Arial"/>
+                <a:ea typeface="DejaVu Sans"/>
+              </a:rPr>
+              <a:t>Coptic: Sahidic, Bohairic</a:t>
+            </a:r>
+            <a:endParaRPr b="0" lang="en-US" sz="3150" spc="-1" strike="noStrike">
+              <a:latin typeface="Arial"/>
+            </a:endParaRPr>
+          </a:p>
+          <a:p>
+            <a:pPr marL="432000" indent="-324000">
+              <a:lnSpc>
+                <a:spcPct val="100000"/>
+              </a:lnSpc>
+              <a:spcBef>
+                <a:spcPts val="1414"/>
+              </a:spcBef>
+              <a:buClr>
+                <a:srgbClr val="ffffff"/>
+              </a:buClr>
+              <a:buSzPct val="45000"/>
+              <a:buFont typeface="Wingdings" charset="2"/>
+              <a:buChar char=""/>
+            </a:pPr>
+            <a:r>
+              <a:rPr b="0" lang="en-US" sz="3150" spc="-1" strike="noStrike">
+                <a:solidFill>
+                  <a:srgbClr val="ffffff"/>
+                </a:solidFill>
+                <a:latin typeface="Arial"/>
+                <a:ea typeface="DejaVu Sans"/>
+              </a:rPr>
+              <a:t>Armenian, Georgian</a:t>
+            </a:r>
+            <a:endParaRPr b="0" lang="en-US" sz="3150" spc="-1" strike="noStrike">
+              <a:latin typeface="Arial"/>
+            </a:endParaRPr>
+          </a:p>
+          <a:p>
+            <a:pPr marL="432000" indent="-324000">
+              <a:lnSpc>
+                <a:spcPct val="100000"/>
+              </a:lnSpc>
+              <a:spcBef>
+                <a:spcPts val="1414"/>
+              </a:spcBef>
+              <a:buClr>
+                <a:srgbClr val="ffffff"/>
+              </a:buClr>
+              <a:buSzPct val="45000"/>
+              <a:buFont typeface="Wingdings" charset="2"/>
+              <a:buChar char=""/>
+            </a:pPr>
+            <a:r>
+              <a:rPr b="0" lang="en-US" sz="3150" spc="-1" strike="noStrike">
+                <a:solidFill>
+                  <a:srgbClr val="ffffff"/>
+                </a:solidFill>
+                <a:latin typeface="Arial"/>
+                <a:ea typeface="DejaVu Sans"/>
+              </a:rPr>
+              <a:t>Ethiopic</a:t>
+            </a:r>
+            <a:endParaRPr b="0" lang="en-US" sz="3150" spc="-1" strike="noStrike">
+              <a:latin typeface="Arial"/>
+            </a:endParaRPr>
+          </a:p>
+          <a:p>
+            <a:pPr marL="432000" indent="-324000">
+              <a:lnSpc>
+                <a:spcPct val="100000"/>
+              </a:lnSpc>
+              <a:spcBef>
+                <a:spcPts val="1414"/>
+              </a:spcBef>
+              <a:buClr>
+                <a:srgbClr val="ffffff"/>
+              </a:buClr>
+              <a:buSzPct val="45000"/>
+              <a:buFont typeface="Wingdings" charset="2"/>
+              <a:buChar char=""/>
+            </a:pPr>
+            <a:r>
+              <a:rPr b="0" lang="en-US" sz="3150" spc="-1" strike="noStrike">
+                <a:solidFill>
+                  <a:srgbClr val="ffffff"/>
+                </a:solidFill>
+                <a:latin typeface="Arial"/>
+                <a:ea typeface="DejaVu Sans"/>
+              </a:rPr>
+              <a:t>Arabic</a:t>
+            </a:r>
+            <a:endParaRPr b="0" lang="en-US" sz="3150" spc="-1" strike="noStrike">
+              <a:latin typeface="Arial"/>
+            </a:endParaRPr>
+          </a:p>
+        </p:txBody>
+      </p:sp>
+    </p:spTree>
+  </p:cSld>
+  <mc:AlternateContent>
+    <mc:Choice Requires="p14">
+      <p:transition spd="slow" p14:dur="2000"/>
+    </mc:Choice>
+    <mc:Fallback>
+      <p:transition spd="slow"/>
+    </mc:Fallback>
+  </mc:AlternateContent>
+</p:sld>
+</file>
+
+<file path=ppt/slides/slide28.xml><?xml version="1.0" encoding="utf-8"?>
+<p:sld xmlns:a="http://schemas.openxmlformats.org/drawingml/2006/main" xmlns:p="http://schemas.openxmlformats.org/presentationml/2006/main" xmlns:r="http://schemas.openxmlformats.org/officeDocument/2006/relationships" xmlns:p14="http://schemas.microsoft.com/office/powerpoint/2010/main" xmlns:p15="http://schemas.microsoft.com/office/powerpoint/2012/main" xmlns:mc="http://schemas.openxmlformats.org/markup-compatibility/2006">
+  <p:cSld>
+    <p:spTree>
+      <p:nvGrpSpPr>
+        <p:cNvPr id="1" name=""/>
+        <p:cNvGrpSpPr/>
+        <p:nvPr/>
+      </p:nvGrpSpPr>
+      <p:grpSpPr>
+        <a:xfrm>
+          <a:off x="0" y="0"/>
+          <a:ext cx="0" cy="0"/>
+          <a:chOff x="0" y="0"/>
+          <a:chExt cx="0" cy="0"/>
+        </a:xfrm>
+      </p:grpSpPr>
+      <p:sp>
+        <p:nvSpPr>
+          <p:cNvPr id="698" name=""/>
+          <p:cNvSpPr/>
+          <p:nvPr/>
+        </p:nvSpPr>
+        <p:spPr>
+          <a:xfrm>
+            <a:off x="503640" y="809640"/>
+            <a:ext cx="9063000" cy="1290600"/>
+          </a:xfrm>
+          <a:prstGeom prst="rect">
+            <a:avLst/>
+          </a:prstGeom>
+          <a:noFill/>
+          <a:ln w="0">
+            <a:noFill/>
+          </a:ln>
+        </p:spPr>
+        <p:style>
+          <a:lnRef idx="0"/>
+          <a:fillRef idx="0"/>
+          <a:effectRef idx="0"/>
+          <a:fontRef idx="minor"/>
+        </p:style>
+        <p:txBody>
+          <a:bodyPr lIns="0" rIns="0" tIns="0" bIns="0" anchor="ctr">
+            <a:noAutofit/>
+          </a:bodyPr>
+          <a:p>
+            <a:pPr algn="ctr">
+              <a:lnSpc>
+                <a:spcPct val="100000"/>
+              </a:lnSpc>
+              <a:buNone/>
+            </a:pPr>
+            <a:r>
+              <a:rPr b="0" lang="en-US" sz="4400" spc="-1" strike="noStrike">
+                <a:solidFill>
+                  <a:srgbClr val="ffffff"/>
+                </a:solidFill>
+                <a:latin typeface="Arial"/>
+                <a:ea typeface="DejaVu Sans"/>
+              </a:rPr>
+              <a:t>Ancient Versions (Western)</a:t>
+            </a:r>
+            <a:endParaRPr b="0" lang="en-US" sz="4400" spc="-1" strike="noStrike">
+              <a:latin typeface="Arial"/>
+            </a:endParaRPr>
+          </a:p>
+        </p:txBody>
+      </p:sp>
+      <p:sp>
+        <p:nvSpPr>
+          <p:cNvPr id="699" name=""/>
+          <p:cNvSpPr/>
+          <p:nvPr/>
+        </p:nvSpPr>
+        <p:spPr>
+          <a:xfrm>
+            <a:off x="503640" y="2375280"/>
+            <a:ext cx="9063000" cy="2748240"/>
+          </a:xfrm>
+          <a:prstGeom prst="rect">
+            <a:avLst/>
+          </a:prstGeom>
+          <a:noFill/>
+          <a:ln w="0">
+            <a:noFill/>
+          </a:ln>
+        </p:spPr>
+        <p:style>
+          <a:lnRef idx="0"/>
+          <a:fillRef idx="0"/>
+          <a:effectRef idx="0"/>
+          <a:fontRef idx="minor"/>
+        </p:style>
+        <p:txBody>
+          <a:bodyPr lIns="0" rIns="0" tIns="0" bIns="0" anchor="t">
+            <a:normAutofit fontScale="88000"/>
+          </a:bodyPr>
+          <a:p>
+            <a:pPr marL="432000" indent="-324000">
+              <a:lnSpc>
+                <a:spcPct val="100000"/>
+              </a:lnSpc>
+              <a:spcBef>
+                <a:spcPts val="1414"/>
+              </a:spcBef>
+              <a:buClr>
+                <a:srgbClr val="ffffff"/>
+              </a:buClr>
+              <a:buSzPct val="45000"/>
+              <a:buFont typeface="Wingdings" charset="2"/>
+              <a:buChar char=""/>
+            </a:pPr>
+            <a:r>
+              <a:rPr b="0" lang="en-US" sz="3150" spc="-1" strike="noStrike">
+                <a:solidFill>
+                  <a:srgbClr val="ffffff"/>
+                </a:solidFill>
+                <a:latin typeface="Arial"/>
+                <a:ea typeface="DejaVu Sans"/>
+              </a:rPr>
+              <a:t>Old Latin</a:t>
+            </a:r>
+            <a:endParaRPr b="0" lang="en-US" sz="3150" spc="-1" strike="noStrike">
+              <a:latin typeface="Arial"/>
+            </a:endParaRPr>
+          </a:p>
+          <a:p>
+            <a:pPr marL="432000" indent="-324000">
+              <a:lnSpc>
+                <a:spcPct val="100000"/>
+              </a:lnSpc>
+              <a:spcBef>
+                <a:spcPts val="1414"/>
+              </a:spcBef>
+              <a:buClr>
+                <a:srgbClr val="ffffff"/>
+              </a:buClr>
+              <a:buSzPct val="45000"/>
+              <a:buFont typeface="Wingdings" charset="2"/>
+              <a:buChar char=""/>
+            </a:pPr>
+            <a:r>
+              <a:rPr b="0" lang="en-US" sz="3150" spc="-1" strike="noStrike">
+                <a:solidFill>
+                  <a:srgbClr val="ffffff"/>
+                </a:solidFill>
+                <a:latin typeface="Arial"/>
+                <a:ea typeface="DejaVu Sans"/>
+              </a:rPr>
+              <a:t>Latin Vulgate</a:t>
+            </a:r>
+            <a:endParaRPr b="0" lang="en-US" sz="3150" spc="-1" strike="noStrike">
+              <a:latin typeface="Arial"/>
+            </a:endParaRPr>
+          </a:p>
+          <a:p>
+            <a:pPr marL="432000" indent="-324000">
+              <a:lnSpc>
+                <a:spcPct val="100000"/>
+              </a:lnSpc>
+              <a:spcBef>
+                <a:spcPts val="1414"/>
+              </a:spcBef>
+              <a:buClr>
+                <a:srgbClr val="ffffff"/>
+              </a:buClr>
+              <a:buSzPct val="45000"/>
+              <a:buFont typeface="Wingdings" charset="2"/>
+              <a:buChar char=""/>
+            </a:pPr>
+            <a:r>
+              <a:rPr b="0" lang="en-US" sz="3150" spc="-1" strike="noStrike">
+                <a:solidFill>
+                  <a:srgbClr val="ffffff"/>
+                </a:solidFill>
+                <a:latin typeface="Arial"/>
+                <a:ea typeface="DejaVu Sans"/>
+              </a:rPr>
+              <a:t>Gothic</a:t>
+            </a:r>
+            <a:endParaRPr b="0" lang="en-US" sz="3150" spc="-1" strike="noStrike">
+              <a:latin typeface="Arial"/>
+            </a:endParaRPr>
+          </a:p>
+          <a:p>
+            <a:pPr marL="432000" indent="-324000">
+              <a:lnSpc>
+                <a:spcPct val="100000"/>
+              </a:lnSpc>
+              <a:spcBef>
+                <a:spcPts val="1414"/>
+              </a:spcBef>
+              <a:buClr>
+                <a:srgbClr val="ffffff"/>
+              </a:buClr>
+              <a:buSzPct val="45000"/>
+              <a:buFont typeface="Wingdings" charset="2"/>
+              <a:buChar char=""/>
+            </a:pPr>
+            <a:r>
+              <a:rPr b="0" lang="en-US" sz="3150" spc="-1" strike="noStrike">
+                <a:solidFill>
+                  <a:srgbClr val="ffffff"/>
+                </a:solidFill>
+                <a:latin typeface="Arial"/>
+                <a:ea typeface="DejaVu Sans"/>
+              </a:rPr>
+              <a:t>Old Slavonic</a:t>
+            </a:r>
+            <a:endParaRPr b="0" lang="en-US" sz="3150" spc="-1" strike="noStrike">
+              <a:latin typeface="Arial"/>
+            </a:endParaRPr>
+          </a:p>
+          <a:p>
+            <a:pPr marL="432000" indent="-324000">
+              <a:lnSpc>
+                <a:spcPct val="100000"/>
+              </a:lnSpc>
+              <a:spcBef>
+                <a:spcPts val="1414"/>
+              </a:spcBef>
+              <a:buClr>
+                <a:srgbClr val="ffffff"/>
+              </a:buClr>
+              <a:buSzPct val="45000"/>
+              <a:buFont typeface="Wingdings" charset="2"/>
+              <a:buChar char=""/>
+            </a:pPr>
+            <a:r>
+              <a:rPr b="0" lang="en-US" sz="3150" spc="-1" strike="noStrike">
+                <a:solidFill>
+                  <a:srgbClr val="ffffff"/>
+                </a:solidFill>
+                <a:latin typeface="Arial"/>
+                <a:ea typeface="DejaVu Sans"/>
+              </a:rPr>
+              <a:t>Arabic</a:t>
+            </a:r>
+            <a:endParaRPr b="0" lang="en-US" sz="3150" spc="-1" strike="noStrike">
+              <a:latin typeface="Arial"/>
+            </a:endParaRPr>
+          </a:p>
+        </p:txBody>
+      </p:sp>
+    </p:spTree>
+  </p:cSld>
+  <mc:AlternateContent>
+    <mc:Choice Requires="p14">
+      <p:transition spd="slow" p14:dur="2000"/>
+    </mc:Choice>
+    <mc:Fallback>
+      <p:transition spd="slow"/>
+    </mc:Fallback>
+  </mc:AlternateContent>
+</p:sld>
+</file>
+
+<file path=ppt/slides/slide29.xml><?xml version="1.0" encoding="utf-8"?>
+<p:sld xmlns:a="http://schemas.openxmlformats.org/drawingml/2006/main" xmlns:p="http://schemas.openxmlformats.org/presentationml/2006/main" xmlns:r="http://schemas.openxmlformats.org/officeDocument/2006/relationships" xmlns:p14="http://schemas.microsoft.com/office/powerpoint/2010/main" xmlns:p15="http://schemas.microsoft.com/office/powerpoint/2012/main" xmlns:mc="http://schemas.openxmlformats.org/markup-compatibility/2006">
+  <p:cSld>
+    <p:spTree>
+      <p:nvGrpSpPr>
+        <p:cNvPr id="1" name=""/>
+        <p:cNvGrpSpPr/>
+        <p:nvPr/>
+      </p:nvGrpSpPr>
+      <p:grpSpPr>
+        <a:xfrm>
+          <a:off x="0" y="0"/>
+          <a:ext cx="0" cy="0"/>
+          <a:chOff x="0" y="0"/>
+          <a:chExt cx="0" cy="0"/>
+        </a:xfrm>
+      </p:grpSpPr>
+      <p:sp>
+        <p:nvSpPr>
+          <p:cNvPr id="700" name=""/>
+          <p:cNvSpPr/>
+          <p:nvPr/>
+        </p:nvSpPr>
+        <p:spPr>
+          <a:xfrm>
+            <a:off x="503640" y="809640"/>
+            <a:ext cx="9063000" cy="1290600"/>
+          </a:xfrm>
+          <a:prstGeom prst="rect">
+            <a:avLst/>
+          </a:prstGeom>
+          <a:noFill/>
+          <a:ln w="0">
+            <a:noFill/>
+          </a:ln>
+        </p:spPr>
+        <p:style>
+          <a:lnRef idx="0"/>
+          <a:fillRef idx="0"/>
+          <a:effectRef idx="0"/>
+          <a:fontRef idx="minor"/>
+        </p:style>
+        <p:txBody>
+          <a:bodyPr lIns="0" rIns="0" tIns="0" bIns="0" anchor="ctr">
+            <a:noAutofit/>
+          </a:bodyPr>
+          <a:p>
+            <a:pPr algn="ctr">
+              <a:lnSpc>
+                <a:spcPct val="100000"/>
+              </a:lnSpc>
+              <a:buNone/>
+            </a:pPr>
+            <a:r>
+              <a:rPr b="0" lang="en-US" sz="4400" spc="-1" strike="noStrike">
+                <a:solidFill>
+                  <a:srgbClr val="ffffff"/>
+                </a:solidFill>
+                <a:latin typeface="Arial"/>
+                <a:ea typeface="DejaVu Sans"/>
+              </a:rPr>
+              <a:t>Never Mind! The Coherence Based Geneological Method</a:t>
+            </a:r>
+            <a:endParaRPr b="0" lang="en-US" sz="4400" spc="-1" strike="noStrike">
+              <a:latin typeface="Arial"/>
+            </a:endParaRPr>
+          </a:p>
+        </p:txBody>
+      </p:sp>
+      <p:sp>
+        <p:nvSpPr>
+          <p:cNvPr id="701" name=""/>
+          <p:cNvSpPr/>
+          <p:nvPr/>
+        </p:nvSpPr>
+        <p:spPr>
+          <a:xfrm>
+            <a:off x="503640" y="2375280"/>
+            <a:ext cx="9063000" cy="2748240"/>
+          </a:xfrm>
+          <a:prstGeom prst="rect">
+            <a:avLst/>
+          </a:prstGeom>
+          <a:noFill/>
+          <a:ln w="0">
+            <a:noFill/>
+          </a:ln>
+        </p:spPr>
+        <p:style>
+          <a:lnRef idx="0"/>
+          <a:fillRef idx="0"/>
+          <a:effectRef idx="0"/>
+          <a:fontRef idx="minor"/>
+        </p:style>
+        <p:txBody>
+          <a:bodyPr lIns="0" rIns="0" tIns="0" bIns="0" anchor="t">
+            <a:normAutofit fontScale="76000"/>
+          </a:bodyPr>
+          <a:p>
+            <a:pPr marL="432000" indent="-324000">
+              <a:lnSpc>
+                <a:spcPct val="100000"/>
+              </a:lnSpc>
+              <a:spcBef>
+                <a:spcPts val="1414"/>
+              </a:spcBef>
+              <a:buClr>
+                <a:srgbClr val="ffffff"/>
+              </a:buClr>
+              <a:buSzPct val="45000"/>
+              <a:buFont typeface="Wingdings" charset="2"/>
+              <a:buChar char=""/>
+            </a:pPr>
+            <a:r>
+              <a:rPr b="0" lang="en-US" sz="3150" spc="-1" strike="noStrike">
+                <a:solidFill>
+                  <a:srgbClr val="ffffff"/>
+                </a:solidFill>
+                <a:latin typeface="Arial"/>
+                <a:ea typeface="DejaVu Sans"/>
+              </a:rPr>
+              <a:t>Changing Landscape</a:t>
+            </a:r>
+            <a:endParaRPr b="0" lang="en-US" sz="3150" spc="-1" strike="noStrike">
+              <a:latin typeface="Arial"/>
+            </a:endParaRPr>
+          </a:p>
+          <a:p>
+            <a:pPr marL="432000" indent="-324000">
+              <a:lnSpc>
+                <a:spcPct val="100000"/>
+              </a:lnSpc>
+              <a:spcBef>
+                <a:spcPts val="1414"/>
+              </a:spcBef>
+              <a:buClr>
+                <a:srgbClr val="ffffff"/>
+              </a:buClr>
+              <a:buSzPct val="45000"/>
+              <a:buFont typeface="Wingdings" charset="2"/>
+              <a:buChar char=""/>
+            </a:pPr>
+            <a:r>
+              <a:rPr b="0" lang="en-US" sz="3150" spc="-1" strike="noStrike">
+                <a:solidFill>
+                  <a:srgbClr val="ffffff"/>
+                </a:solidFill>
+                <a:latin typeface="Arial"/>
+                <a:ea typeface="DejaVu Sans"/>
+              </a:rPr>
+              <a:t>CBGM in Brief</a:t>
+            </a:r>
+            <a:endParaRPr b="0" lang="en-US" sz="3150" spc="-1" strike="noStrike">
+              <a:latin typeface="Arial"/>
+            </a:endParaRPr>
+          </a:p>
+          <a:p>
+            <a:pPr marL="432000" indent="-324000">
+              <a:lnSpc>
+                <a:spcPct val="100000"/>
+              </a:lnSpc>
+              <a:spcBef>
+                <a:spcPts val="1414"/>
+              </a:spcBef>
+              <a:buClr>
+                <a:srgbClr val="ffffff"/>
+              </a:buClr>
+              <a:buSzPct val="45000"/>
+              <a:buFont typeface="Wingdings" charset="2"/>
+              <a:buChar char=""/>
+            </a:pPr>
+            <a:r>
+              <a:rPr b="0" lang="en-US" sz="3150" spc="-1" strike="noStrike">
+                <a:solidFill>
+                  <a:srgbClr val="ffffff"/>
+                </a:solidFill>
+                <a:latin typeface="Arial"/>
+                <a:ea typeface="DejaVu Sans"/>
+              </a:rPr>
+              <a:t>It is changing things… like the New Testament!</a:t>
+            </a:r>
+            <a:endParaRPr b="0" lang="en-US" sz="3150" spc="-1" strike="noStrike">
+              <a:latin typeface="Arial"/>
+            </a:endParaRPr>
+          </a:p>
+          <a:p>
+            <a:pPr marL="432000" indent="-324000">
+              <a:lnSpc>
+                <a:spcPct val="100000"/>
+              </a:lnSpc>
+              <a:spcBef>
+                <a:spcPts val="1414"/>
+              </a:spcBef>
+              <a:buClr>
+                <a:srgbClr val="ffffff"/>
+              </a:buClr>
+              <a:buSzPct val="45000"/>
+              <a:buFont typeface="Wingdings" charset="2"/>
+              <a:buChar char=""/>
+            </a:pPr>
+            <a:r>
+              <a:rPr b="0" lang="en-US" sz="3150" spc="-1" strike="noStrike">
+                <a:solidFill>
+                  <a:srgbClr val="ffffff"/>
+                </a:solidFill>
+                <a:latin typeface="Arial"/>
+                <a:ea typeface="DejaVu Sans"/>
+              </a:rPr>
+              <a:t>No more text types EXCEPT Byzantine( yay!)</a:t>
+            </a:r>
+            <a:endParaRPr b="0" lang="en-US" sz="3150" spc="-1" strike="noStrike">
+              <a:latin typeface="Arial"/>
+            </a:endParaRPr>
+          </a:p>
+          <a:p>
+            <a:pPr marL="432000" indent="-324000">
+              <a:lnSpc>
+                <a:spcPct val="100000"/>
+              </a:lnSpc>
+              <a:spcBef>
+                <a:spcPts val="1414"/>
+              </a:spcBef>
+              <a:buClr>
+                <a:srgbClr val="ffffff"/>
+              </a:buClr>
+              <a:buSzPct val="45000"/>
+              <a:buFont typeface="Wingdings" charset="2"/>
+              <a:buChar char=""/>
+            </a:pPr>
+            <a:r>
+              <a:rPr b="0" lang="en-US" sz="3150" spc="-1" strike="noStrike">
+                <a:solidFill>
+                  <a:srgbClr val="ffffff"/>
+                </a:solidFill>
+                <a:latin typeface="Arial"/>
+                <a:ea typeface="DejaVu Sans"/>
+              </a:rPr>
+              <a:t>Not trying to find the originals anymore, lost. Ausgangstext (initial text) instead.</a:t>
+            </a:r>
+            <a:endParaRPr b="0" lang="en-US" sz="3150" spc="-1" strike="noStrike">
               <a:latin typeface="Arial"/>
             </a:endParaRPr>
           </a:p>
@@ -43437,7 +46417,7 @@
         <p:spPr>
           <a:xfrm>
             <a:off x="503640" y="809640"/>
-            <a:ext cx="9063360" cy="1290960"/>
+            <a:ext cx="9063000" cy="1290600"/>
           </a:xfrm>
           <a:prstGeom prst="rect">
             <a:avLst/>
@@ -43489,7 +46469,7 @@
         <p:spPr>
           <a:xfrm>
             <a:off x="503640" y="2375280"/>
-            <a:ext cx="9063360" cy="2748600"/>
+            <a:ext cx="9063000" cy="2748240"/>
           </a:xfrm>
           <a:prstGeom prst="rect">
             <a:avLst/>
@@ -43593,6 +46573,322 @@
               <a:t>TC tries to resolve variants, restore earliest text.</a:t>
             </a:r>
             <a:endParaRPr b="0" lang="en-US" sz="3150" spc="-1" strike="noStrike">
+              <a:latin typeface="Arial"/>
+            </a:endParaRPr>
+          </a:p>
+        </p:txBody>
+      </p:sp>
+    </p:spTree>
+  </p:cSld>
+  <mc:AlternateContent>
+    <mc:Choice Requires="p14">
+      <p:transition spd="slow" p14:dur="2000"/>
+    </mc:Choice>
+    <mc:Fallback>
+      <p:transition spd="slow"/>
+    </mc:Fallback>
+  </mc:AlternateContent>
+</p:sld>
+</file>
+
+<file path=ppt/slides/slide30.xml><?xml version="1.0" encoding="utf-8"?>
+<p:sld xmlns:a="http://schemas.openxmlformats.org/drawingml/2006/main" xmlns:p="http://schemas.openxmlformats.org/presentationml/2006/main" xmlns:r="http://schemas.openxmlformats.org/officeDocument/2006/relationships" xmlns:p14="http://schemas.microsoft.com/office/powerpoint/2010/main" xmlns:p15="http://schemas.microsoft.com/office/powerpoint/2012/main" xmlns:mc="http://schemas.openxmlformats.org/markup-compatibility/2006">
+  <p:cSld>
+    <p:spTree>
+      <p:nvGrpSpPr>
+        <p:cNvPr id="1" name=""/>
+        <p:cNvGrpSpPr/>
+        <p:nvPr/>
+      </p:nvGrpSpPr>
+      <p:grpSpPr>
+        <a:xfrm>
+          <a:off x="0" y="0"/>
+          <a:ext cx="0" cy="0"/>
+          <a:chOff x="0" y="0"/>
+          <a:chExt cx="0" cy="0"/>
+        </a:xfrm>
+      </p:grpSpPr>
+      <p:sp>
+        <p:nvSpPr>
+          <p:cNvPr id="702" name=""/>
+          <p:cNvSpPr/>
+          <p:nvPr/>
+        </p:nvSpPr>
+        <p:spPr>
+          <a:xfrm>
+            <a:off x="503640" y="809640"/>
+            <a:ext cx="9063000" cy="1290600"/>
+          </a:xfrm>
+          <a:prstGeom prst="rect">
+            <a:avLst/>
+          </a:prstGeom>
+          <a:noFill/>
+          <a:ln w="0">
+            <a:noFill/>
+          </a:ln>
+        </p:spPr>
+        <p:style>
+          <a:lnRef idx="0"/>
+          <a:fillRef idx="0"/>
+          <a:effectRef idx="0"/>
+          <a:fontRef idx="minor"/>
+        </p:style>
+        <p:txBody>
+          <a:bodyPr lIns="0" rIns="0" tIns="0" bIns="0" anchor="ctr">
+            <a:noAutofit/>
+          </a:bodyPr>
+          <a:p>
+            <a:pPr algn="ctr">
+              <a:lnSpc>
+                <a:spcPct val="100000"/>
+              </a:lnSpc>
+              <a:buNone/>
+            </a:pPr>
+            <a:r>
+              <a:rPr b="0" lang="en-US" sz="4400" spc="-1" strike="noStrike">
+                <a:solidFill>
+                  <a:srgbClr val="ffffff"/>
+                </a:solidFill>
+                <a:latin typeface="Arial"/>
+                <a:ea typeface="DejaVu Sans"/>
+              </a:rPr>
+              <a:t>TODO</a:t>
+            </a:r>
+            <a:endParaRPr b="0" lang="en-US" sz="4400" spc="-1" strike="noStrike">
+              <a:latin typeface="Arial"/>
+            </a:endParaRPr>
+          </a:p>
+        </p:txBody>
+      </p:sp>
+      <p:sp>
+        <p:nvSpPr>
+          <p:cNvPr id="703" name=""/>
+          <p:cNvSpPr/>
+          <p:nvPr/>
+        </p:nvSpPr>
+        <p:spPr>
+          <a:xfrm>
+            <a:off x="503640" y="2375280"/>
+            <a:ext cx="9063000" cy="2748240"/>
+          </a:xfrm>
+          <a:prstGeom prst="rect">
+            <a:avLst/>
+          </a:prstGeom>
+          <a:noFill/>
+          <a:ln w="0">
+            <a:noFill/>
+          </a:ln>
+        </p:spPr>
+        <p:style>
+          <a:lnRef idx="0"/>
+          <a:fillRef idx="0"/>
+          <a:effectRef idx="0"/>
+          <a:fontRef idx="minor"/>
+        </p:style>
+        <p:txBody>
+          <a:bodyPr lIns="0" rIns="0" tIns="0" bIns="0" anchor="t">
+            <a:normAutofit/>
+          </a:bodyPr>
+          <a:p>
+            <a:pPr marL="432000" indent="-324000">
+              <a:lnSpc>
+                <a:spcPct val="100000"/>
+              </a:lnSpc>
+              <a:spcBef>
+                <a:spcPts val="1414"/>
+              </a:spcBef>
+              <a:buClr>
+                <a:srgbClr val="ffffff"/>
+              </a:buClr>
+              <a:buSzPct val="45000"/>
+              <a:buFont typeface="Wingdings" charset="2"/>
+              <a:buChar char=""/>
+            </a:pPr>
+            <a:r>
+              <a:rPr b="0" lang="en-US" sz="1300" spc="-1" strike="noStrike">
+                <a:solidFill>
+                  <a:srgbClr val="ffffff"/>
+                </a:solidFill>
+                <a:latin typeface="Arial"/>
+                <a:ea typeface="DejaVu Sans"/>
+              </a:rPr>
+              <a:t>Give Metzger commentary example of variant resolution</a:t>
+            </a:r>
+            <a:endParaRPr b="0" lang="en-US" sz="1300" spc="-1" strike="noStrike">
+              <a:latin typeface="Arial"/>
+            </a:endParaRPr>
+          </a:p>
+          <a:p>
+            <a:pPr marL="432000" indent="-324000">
+              <a:lnSpc>
+                <a:spcPct val="100000"/>
+              </a:lnSpc>
+              <a:spcBef>
+                <a:spcPts val="1414"/>
+              </a:spcBef>
+              <a:buClr>
+                <a:srgbClr val="ffffff"/>
+              </a:buClr>
+              <a:buSzPct val="45000"/>
+              <a:buFont typeface="Wingdings" charset="2"/>
+              <a:buChar char=""/>
+            </a:pPr>
+            <a:r>
+              <a:rPr b="0" lang="en-US" sz="1300" spc="-1" strike="noStrike">
+                <a:solidFill>
+                  <a:srgbClr val="ffffff"/>
+                </a:solidFill>
+                <a:latin typeface="Arial"/>
+                <a:ea typeface="DejaVu Sans"/>
+              </a:rPr>
+              <a:t>CBGM record, text, mss, CBGM source code</a:t>
+            </a:r>
+            <a:endParaRPr b="0" lang="en-US" sz="1300" spc="-1" strike="noStrike">
+              <a:latin typeface="Arial"/>
+            </a:endParaRPr>
+          </a:p>
+          <a:p>
+            <a:pPr marL="432000" indent="-324000">
+              <a:lnSpc>
+                <a:spcPct val="100000"/>
+              </a:lnSpc>
+              <a:spcBef>
+                <a:spcPts val="1414"/>
+              </a:spcBef>
+              <a:buClr>
+                <a:srgbClr val="ffffff"/>
+              </a:buClr>
+              <a:buSzPct val="45000"/>
+              <a:buFont typeface="Wingdings" charset="2"/>
+              <a:buChar char=""/>
+            </a:pPr>
+            <a:r>
+              <a:rPr b="0" lang="en-US" sz="1300" spc="-1" strike="noStrike">
+                <a:solidFill>
+                  <a:srgbClr val="ffffff"/>
+                </a:solidFill>
+                <a:latin typeface="Arial"/>
+                <a:ea typeface="DejaVu Sans"/>
+              </a:rPr>
+              <a:t>Define predicate e.g. generic swap</a:t>
+            </a:r>
+            <a:endParaRPr b="0" lang="en-US" sz="1300" spc="-1" strike="noStrike">
+              <a:latin typeface="Arial"/>
+            </a:endParaRPr>
+          </a:p>
+          <a:p>
+            <a:pPr marL="432000" indent="-324000">
+              <a:lnSpc>
+                <a:spcPct val="100000"/>
+              </a:lnSpc>
+              <a:spcBef>
+                <a:spcPts val="1414"/>
+              </a:spcBef>
+              <a:buClr>
+                <a:srgbClr val="ffffff"/>
+              </a:buClr>
+              <a:buSzPct val="45000"/>
+              <a:buFont typeface="Wingdings" charset="2"/>
+              <a:buChar char=""/>
+            </a:pPr>
+            <a:r>
+              <a:rPr b="0" lang="en-US" sz="1300" spc="-1" strike="noStrike">
+                <a:solidFill>
+                  <a:srgbClr val="ffffff"/>
+                </a:solidFill>
+                <a:latin typeface="Arial"/>
+                <a:ea typeface="DejaVu Sans"/>
+              </a:rPr>
+              <a:t>What is ‘a’, ‘b’</a:t>
+            </a:r>
+            <a:endParaRPr b="0" lang="en-US" sz="1300" spc="-1" strike="noStrike">
+              <a:latin typeface="Arial"/>
+            </a:endParaRPr>
+          </a:p>
+          <a:p>
+            <a:pPr marL="432000" indent="-324000">
+              <a:lnSpc>
+                <a:spcPct val="100000"/>
+              </a:lnSpc>
+              <a:spcBef>
+                <a:spcPts val="1414"/>
+              </a:spcBef>
+              <a:buClr>
+                <a:srgbClr val="ffffff"/>
+              </a:buClr>
+              <a:buSzPct val="45000"/>
+              <a:buFont typeface="Wingdings" charset="2"/>
+              <a:buChar char=""/>
+            </a:pPr>
+            <a:r>
+              <a:rPr b="0" lang="en-US" sz="1300" spc="-1" strike="noStrike">
+                <a:solidFill>
+                  <a:srgbClr val="ffffff"/>
+                </a:solidFill>
+                <a:latin typeface="Arial"/>
+                <a:ea typeface="DejaVu Sans"/>
+              </a:rPr>
+              <a:t>Run queries, ask if we will be online</a:t>
+            </a:r>
+            <a:endParaRPr b="0" lang="en-US" sz="1300" spc="-1" strike="noStrike">
+              <a:latin typeface="Arial"/>
+            </a:endParaRPr>
+          </a:p>
+          <a:p>
+            <a:pPr marL="432000" indent="-324000">
+              <a:lnSpc>
+                <a:spcPct val="100000"/>
+              </a:lnSpc>
+              <a:spcBef>
+                <a:spcPts val="1414"/>
+              </a:spcBef>
+              <a:buClr>
+                <a:srgbClr val="ffffff"/>
+              </a:buClr>
+              <a:buSzPct val="45000"/>
+              <a:buFont typeface="Wingdings" charset="2"/>
+              <a:buChar char=""/>
+            </a:pPr>
+            <a:r>
+              <a:rPr b="0" lang="en-US" sz="1300" spc="-1" strike="noStrike">
+                <a:solidFill>
+                  <a:srgbClr val="ffffff"/>
+                </a:solidFill>
+                <a:latin typeface="Arial"/>
+                <a:ea typeface="DejaVu Sans"/>
+              </a:rPr>
+              <a:t>Show examples, 2 peter 3 10</a:t>
+            </a:r>
+            <a:endParaRPr b="0" lang="en-US" sz="1300" spc="-1" strike="noStrike">
+              <a:latin typeface="Arial"/>
+            </a:endParaRPr>
+          </a:p>
+          <a:p>
+            <a:pPr marL="432000" indent="-324000">
+              <a:lnSpc>
+                <a:spcPct val="100000"/>
+              </a:lnSpc>
+              <a:spcBef>
+                <a:spcPts val="1414"/>
+              </a:spcBef>
+              <a:buClr>
+                <a:srgbClr val="ffffff"/>
+              </a:buClr>
+              <a:buSzPct val="45000"/>
+              <a:buFont typeface="Wingdings" charset="2"/>
+              <a:buChar char=""/>
+            </a:pPr>
+            <a:r>
+              <a:rPr b="0" lang="en-US" sz="1300" spc="-1" strike="noStrike">
+                <a:solidFill>
+                  <a:srgbClr val="ffffff"/>
+                </a:solidFill>
+                <a:latin typeface="Arial"/>
+                <a:ea typeface="DejaVu Sans"/>
+              </a:rPr>
+              <a:t>Show MSS</a:t>
+            </a:r>
+            <a:endParaRPr b="0" lang="en-US" sz="1300" spc="-1" strike="noStrike">
               <a:latin typeface="Arial"/>
             </a:endParaRPr>
           </a:p>
@@ -43637,7 +46933,7 @@
         <p:spPr>
           <a:xfrm>
             <a:off x="503640" y="809640"/>
-            <a:ext cx="9063360" cy="1290960"/>
+            <a:ext cx="9063000" cy="1290600"/>
           </a:xfrm>
           <a:prstGeom prst="rect">
             <a:avLst/>
@@ -43689,7 +46985,7 @@
         <p:spPr>
           <a:xfrm>
             <a:off x="503640" y="2375280"/>
-            <a:ext cx="9063360" cy="2748600"/>
+            <a:ext cx="9063000" cy="2748240"/>
           </a:xfrm>
           <a:prstGeom prst="rect">
             <a:avLst/>
@@ -43837,7 +47133,7 @@
         <p:spPr>
           <a:xfrm>
             <a:off x="503640" y="809640"/>
-            <a:ext cx="9063360" cy="1290960"/>
+            <a:ext cx="9063000" cy="1290600"/>
           </a:xfrm>
           <a:prstGeom prst="rect">
             <a:avLst/>
@@ -43889,7 +47185,7 @@
         <p:spPr>
           <a:xfrm>
             <a:off x="503640" y="2375280"/>
-            <a:ext cx="9063360" cy="2748600"/>
+            <a:ext cx="9063000" cy="2748240"/>
           </a:xfrm>
           <a:prstGeom prst="rect">
             <a:avLst/>
@@ -44008,7 +47304,7 @@
         <p:spPr>
           <a:xfrm>
             <a:off x="503640" y="809640"/>
-            <a:ext cx="9063360" cy="1290960"/>
+            <a:ext cx="9063000" cy="1290600"/>
           </a:xfrm>
           <a:prstGeom prst="rect">
             <a:avLst/>
@@ -44060,7 +47356,7 @@
         <p:spPr>
           <a:xfrm>
             <a:off x="503640" y="2375280"/>
-            <a:ext cx="9063360" cy="2748600"/>
+            <a:ext cx="9063000" cy="2748240"/>
           </a:xfrm>
           <a:prstGeom prst="rect">
             <a:avLst/>
@@ -44179,7 +47475,7 @@
         <p:spPr>
           <a:xfrm>
             <a:off x="503640" y="809640"/>
-            <a:ext cx="9063360" cy="1290960"/>
+            <a:ext cx="9063000" cy="1290600"/>
           </a:xfrm>
           <a:prstGeom prst="rect">
             <a:avLst/>
@@ -44231,7 +47527,7 @@
         <p:spPr>
           <a:xfrm>
             <a:off x="503640" y="2375280"/>
-            <a:ext cx="9063360" cy="2748600"/>
+            <a:ext cx="9063000" cy="2748240"/>
           </a:xfrm>
           <a:prstGeom prst="rect">
             <a:avLst/>
@@ -44419,7 +47715,7 @@
         <p:spPr>
           <a:xfrm>
             <a:off x="503640" y="809640"/>
-            <a:ext cx="9063360" cy="1290960"/>
+            <a:ext cx="9063000" cy="1290600"/>
           </a:xfrm>
           <a:prstGeom prst="rect">
             <a:avLst/>
@@ -44471,7 +47767,7 @@
         <p:spPr>
           <a:xfrm>
             <a:off x="503640" y="2375280"/>
-            <a:ext cx="9063360" cy="2748600"/>
+            <a:ext cx="9063000" cy="2748240"/>
           </a:xfrm>
           <a:prstGeom prst="rect">
             <a:avLst/>
@@ -44575,7 +47871,7 @@
         <p:spPr>
           <a:xfrm>
             <a:off x="503640" y="809640"/>
-            <a:ext cx="9063360" cy="1290960"/>
+            <a:ext cx="9063000" cy="1290600"/>
           </a:xfrm>
           <a:prstGeom prst="rect">
             <a:avLst/>
@@ -44627,7 +47923,7 @@
         <p:spPr>
           <a:xfrm>
             <a:off x="503640" y="2375280"/>
-            <a:ext cx="9063360" cy="2748600"/>
+            <a:ext cx="9063000" cy="2748240"/>
           </a:xfrm>
           <a:prstGeom prst="rect">
             <a:avLst/>

--- a/LostTransmission.pptx
+++ b/LostTransmission.pptx
@@ -49,6 +49,11 @@
     <p:sldId id="283" r:id="rId42"/>
     <p:sldId id="284" r:id="rId43"/>
     <p:sldId id="285" r:id="rId44"/>
+    <p:sldId id="286" r:id="rId45"/>
+    <p:sldId id="287" r:id="rId46"/>
+    <p:sldId id="288" r:id="rId47"/>
+    <p:sldId id="289" r:id="rId48"/>
+    <p:sldId id="290" r:id="rId49"/>
   </p:sldIdLst>
   <p:sldSz cx="10077450" cy="5668963"/>
   <p:notesSz cx="7559675" cy="10691813"/>
@@ -332,7 +337,7 @@
             <a:pPr algn="r">
               <a:buNone/>
             </a:pPr>
-            <a:fld id="{BA679224-63A9-4FAA-89C0-AF26C1B5B748}" type="slidenum">
+            <a:fld id="{10944750-CF1A-4867-A473-80699EC75665}" type="slidenum">
               <a:rPr b="0" lang="en-US" sz="1400" spc="-1" strike="noStrike">
                 <a:latin typeface="Times New Roman"/>
               </a:rPr>
@@ -369,7 +374,7 @@
       </p:grpSpPr>
       <p:sp>
         <p:nvSpPr>
-          <p:cNvPr id="704" name="PlaceHolder 1"/>
+          <p:cNvPr id="714" name="PlaceHolder 1"/>
           <p:cNvSpPr>
             <a:spLocks noGrp="1"/>
           </p:cNvSpPr>
@@ -380,19 +385,19 @@
         <p:spPr>
           <a:xfrm>
             <a:off x="1107000" y="812520"/>
-            <a:ext cx="5342040" cy="4005720"/>
-          </a:xfrm>
-          <a:prstGeom prst="rect">
-            <a:avLst/>
-          </a:prstGeom>
-          <a:ln w="0">
-            <a:noFill/>
-          </a:ln>
-        </p:spPr>
-      </p:sp>
-      <p:sp>
-        <p:nvSpPr>
-          <p:cNvPr id="705" name="PlaceHolder 2"/>
+            <a:ext cx="5341680" cy="4005360"/>
+          </a:xfrm>
+          <a:prstGeom prst="rect">
+            <a:avLst/>
+          </a:prstGeom>
+          <a:ln w="0">
+            <a:noFill/>
+          </a:ln>
+        </p:spPr>
+      </p:sp>
+      <p:sp>
+        <p:nvSpPr>
+          <p:cNvPr id="715" name="PlaceHolder 2"/>
           <p:cNvSpPr>
             <a:spLocks noGrp="1"/>
           </p:cNvSpPr>
@@ -403,7 +408,7 @@
         <p:spPr>
           <a:xfrm>
             <a:off x="756000" y="5078520"/>
-            <a:ext cx="6044400" cy="4807800"/>
+            <a:ext cx="6044040" cy="4807440"/>
           </a:xfrm>
           <a:prstGeom prst="rect">
             <a:avLst/>
@@ -463,7 +468,7 @@
       </p:grpSpPr>
       <p:sp>
         <p:nvSpPr>
-          <p:cNvPr id="722" name="PlaceHolder 1"/>
+          <p:cNvPr id="732" name="PlaceHolder 1"/>
           <p:cNvSpPr>
             <a:spLocks noGrp="1"/>
           </p:cNvSpPr>
@@ -474,19 +479,19 @@
         <p:spPr>
           <a:xfrm>
             <a:off x="216000" y="812520"/>
-            <a:ext cx="7122240" cy="4003920"/>
-          </a:xfrm>
-          <a:prstGeom prst="rect">
-            <a:avLst/>
-          </a:prstGeom>
-          <a:ln w="0">
-            <a:noFill/>
-          </a:ln>
-        </p:spPr>
-      </p:sp>
-      <p:sp>
-        <p:nvSpPr>
-          <p:cNvPr id="723" name="PlaceHolder 2"/>
+            <a:ext cx="7121880" cy="4003560"/>
+          </a:xfrm>
+          <a:prstGeom prst="rect">
+            <a:avLst/>
+          </a:prstGeom>
+          <a:ln w="0">
+            <a:noFill/>
+          </a:ln>
+        </p:spPr>
+      </p:sp>
+      <p:sp>
+        <p:nvSpPr>
+          <p:cNvPr id="733" name="PlaceHolder 2"/>
           <p:cNvSpPr>
             <a:spLocks noGrp="1"/>
           </p:cNvSpPr>
@@ -497,7 +502,7 @@
         <p:spPr>
           <a:xfrm>
             <a:off x="756000" y="5078520"/>
-            <a:ext cx="6042600" cy="4806000"/>
+            <a:ext cx="6042240" cy="4805640"/>
           </a:xfrm>
           <a:prstGeom prst="rect">
             <a:avLst/>
@@ -571,7 +576,7 @@
       </p:grpSpPr>
       <p:sp>
         <p:nvSpPr>
-          <p:cNvPr id="724" name="PlaceHolder 1"/>
+          <p:cNvPr id="734" name="PlaceHolder 1"/>
           <p:cNvSpPr>
             <a:spLocks noGrp="1"/>
           </p:cNvSpPr>
@@ -582,19 +587,19 @@
         <p:spPr>
           <a:xfrm>
             <a:off x="216000" y="812520"/>
-            <a:ext cx="7122240" cy="4003920"/>
-          </a:xfrm>
-          <a:prstGeom prst="rect">
-            <a:avLst/>
-          </a:prstGeom>
-          <a:ln w="0">
-            <a:noFill/>
-          </a:ln>
-        </p:spPr>
-      </p:sp>
-      <p:sp>
-        <p:nvSpPr>
-          <p:cNvPr id="725" name="PlaceHolder 2"/>
+            <a:ext cx="7121880" cy="4003560"/>
+          </a:xfrm>
+          <a:prstGeom prst="rect">
+            <a:avLst/>
+          </a:prstGeom>
+          <a:ln w="0">
+            <a:noFill/>
+          </a:ln>
+        </p:spPr>
+      </p:sp>
+      <p:sp>
+        <p:nvSpPr>
+          <p:cNvPr id="735" name="PlaceHolder 2"/>
           <p:cNvSpPr>
             <a:spLocks noGrp="1"/>
           </p:cNvSpPr>
@@ -605,7 +610,7 @@
         <p:spPr>
           <a:xfrm>
             <a:off x="756000" y="5078520"/>
-            <a:ext cx="6042600" cy="4806000"/>
+            <a:ext cx="6042240" cy="4805640"/>
           </a:xfrm>
           <a:prstGeom prst="rect">
             <a:avLst/>
@@ -651,14 +656,14 @@
       </p:sp>
       <p:sp>
         <p:nvSpPr>
-          <p:cNvPr id="726" name=""/>
+          <p:cNvPr id="736" name=""/>
           <p:cNvSpPr/>
           <p:nvPr/>
         </p:nvSpPr>
         <p:spPr>
           <a:xfrm>
             <a:off x="10080" y="4970160"/>
-            <a:ext cx="7302240" cy="5718600"/>
+            <a:ext cx="7301880" cy="5718240"/>
           </a:xfrm>
           <a:prstGeom prst="rect">
             <a:avLst/>
@@ -848,7 +853,7 @@
       </p:grpSpPr>
       <p:sp>
         <p:nvSpPr>
-          <p:cNvPr id="727" name="PlaceHolder 1"/>
+          <p:cNvPr id="737" name="PlaceHolder 1"/>
           <p:cNvSpPr>
             <a:spLocks noGrp="1"/>
           </p:cNvSpPr>
@@ -859,19 +864,19 @@
         <p:spPr>
           <a:xfrm>
             <a:off x="216000" y="812520"/>
-            <a:ext cx="7122240" cy="4003920"/>
-          </a:xfrm>
-          <a:prstGeom prst="rect">
-            <a:avLst/>
-          </a:prstGeom>
-          <a:ln w="0">
-            <a:noFill/>
-          </a:ln>
-        </p:spPr>
-      </p:sp>
-      <p:sp>
-        <p:nvSpPr>
-          <p:cNvPr id="728" name="PlaceHolder 2"/>
+            <a:ext cx="7121880" cy="4003560"/>
+          </a:xfrm>
+          <a:prstGeom prst="rect">
+            <a:avLst/>
+          </a:prstGeom>
+          <a:ln w="0">
+            <a:noFill/>
+          </a:ln>
+        </p:spPr>
+      </p:sp>
+      <p:sp>
+        <p:nvSpPr>
+          <p:cNvPr id="738" name="PlaceHolder 2"/>
           <p:cNvSpPr>
             <a:spLocks noGrp="1"/>
           </p:cNvSpPr>
@@ -882,7 +887,7 @@
         <p:spPr>
           <a:xfrm>
             <a:off x="756000" y="5078520"/>
-            <a:ext cx="6042600" cy="4806000"/>
+            <a:ext cx="6042240" cy="4805640"/>
           </a:xfrm>
           <a:prstGeom prst="rect">
             <a:avLst/>
@@ -984,7 +989,7 @@
       </p:grpSpPr>
       <p:sp>
         <p:nvSpPr>
-          <p:cNvPr id="729" name="PlaceHolder 1"/>
+          <p:cNvPr id="739" name="PlaceHolder 1"/>
           <p:cNvSpPr>
             <a:spLocks noGrp="1"/>
           </p:cNvSpPr>
@@ -995,19 +1000,19 @@
         <p:spPr>
           <a:xfrm>
             <a:off x="216000" y="812520"/>
-            <a:ext cx="7122240" cy="4003920"/>
-          </a:xfrm>
-          <a:prstGeom prst="rect">
-            <a:avLst/>
-          </a:prstGeom>
-          <a:ln w="0">
-            <a:noFill/>
-          </a:ln>
-        </p:spPr>
-      </p:sp>
-      <p:sp>
-        <p:nvSpPr>
-          <p:cNvPr id="730" name="PlaceHolder 2"/>
+            <a:ext cx="7121880" cy="4003560"/>
+          </a:xfrm>
+          <a:prstGeom prst="rect">
+            <a:avLst/>
+          </a:prstGeom>
+          <a:ln w="0">
+            <a:noFill/>
+          </a:ln>
+        </p:spPr>
+      </p:sp>
+      <p:sp>
+        <p:nvSpPr>
+          <p:cNvPr id="740" name="PlaceHolder 2"/>
           <p:cNvSpPr>
             <a:spLocks noGrp="1"/>
           </p:cNvSpPr>
@@ -1018,7 +1023,7 @@
         <p:spPr>
           <a:xfrm>
             <a:off x="756000" y="5078520"/>
-            <a:ext cx="6042600" cy="4806000"/>
+            <a:ext cx="6042240" cy="4805640"/>
           </a:xfrm>
           <a:prstGeom prst="rect">
             <a:avLst/>
@@ -1064,14 +1069,14 @@
       </p:sp>
       <p:sp>
         <p:nvSpPr>
-          <p:cNvPr id="731" name=""/>
+          <p:cNvPr id="741" name=""/>
           <p:cNvSpPr/>
           <p:nvPr/>
         </p:nvSpPr>
         <p:spPr>
           <a:xfrm>
             <a:off x="228600" y="5432760"/>
-            <a:ext cx="7084080" cy="4851720"/>
+            <a:ext cx="7083720" cy="4851360"/>
           </a:xfrm>
           <a:prstGeom prst="rect">
             <a:avLst/>
@@ -1168,7 +1173,7 @@
       </p:grpSpPr>
       <p:sp>
         <p:nvSpPr>
-          <p:cNvPr id="732" name="PlaceHolder 1"/>
+          <p:cNvPr id="742" name="PlaceHolder 1"/>
           <p:cNvSpPr>
             <a:spLocks noGrp="1"/>
           </p:cNvSpPr>
@@ -1179,19 +1184,19 @@
         <p:spPr>
           <a:xfrm>
             <a:off x="216000" y="812520"/>
-            <a:ext cx="7122240" cy="4003920"/>
-          </a:xfrm>
-          <a:prstGeom prst="rect">
-            <a:avLst/>
-          </a:prstGeom>
-          <a:ln w="0">
-            <a:noFill/>
-          </a:ln>
-        </p:spPr>
-      </p:sp>
-      <p:sp>
-        <p:nvSpPr>
-          <p:cNvPr id="733" name="PlaceHolder 2"/>
+            <a:ext cx="7121880" cy="4003560"/>
+          </a:xfrm>
+          <a:prstGeom prst="rect">
+            <a:avLst/>
+          </a:prstGeom>
+          <a:ln w="0">
+            <a:noFill/>
+          </a:ln>
+        </p:spPr>
+      </p:sp>
+      <p:sp>
+        <p:nvSpPr>
+          <p:cNvPr id="743" name="PlaceHolder 2"/>
           <p:cNvSpPr>
             <a:spLocks noGrp="1"/>
           </p:cNvSpPr>
@@ -1202,7 +1207,7 @@
         <p:spPr>
           <a:xfrm>
             <a:off x="756000" y="5078520"/>
-            <a:ext cx="6042600" cy="4806000"/>
+            <a:ext cx="6042240" cy="4805640"/>
           </a:xfrm>
           <a:prstGeom prst="rect">
             <a:avLst/>
@@ -1248,14 +1253,14 @@
       </p:sp>
       <p:sp>
         <p:nvSpPr>
-          <p:cNvPr id="734" name=""/>
+          <p:cNvPr id="744" name=""/>
           <p:cNvSpPr/>
           <p:nvPr/>
         </p:nvSpPr>
         <p:spPr>
           <a:xfrm>
             <a:off x="0" y="4866120"/>
-            <a:ext cx="7519320" cy="5646960"/>
+            <a:ext cx="7518960" cy="5646600"/>
           </a:xfrm>
           <a:prstGeom prst="rect">
             <a:avLst/>
@@ -1352,7 +1357,7 @@
       </p:grpSpPr>
       <p:sp>
         <p:nvSpPr>
-          <p:cNvPr id="735" name="PlaceHolder 1"/>
+          <p:cNvPr id="745" name="PlaceHolder 1"/>
           <p:cNvSpPr>
             <a:spLocks noGrp="1"/>
           </p:cNvSpPr>
@@ -1363,19 +1368,19 @@
         <p:spPr>
           <a:xfrm>
             <a:off x="216000" y="812520"/>
-            <a:ext cx="7122240" cy="4003920"/>
-          </a:xfrm>
-          <a:prstGeom prst="rect">
-            <a:avLst/>
-          </a:prstGeom>
-          <a:ln w="0">
-            <a:noFill/>
-          </a:ln>
-        </p:spPr>
-      </p:sp>
-      <p:sp>
-        <p:nvSpPr>
-          <p:cNvPr id="736" name="PlaceHolder 2"/>
+            <a:ext cx="7121880" cy="4003560"/>
+          </a:xfrm>
+          <a:prstGeom prst="rect">
+            <a:avLst/>
+          </a:prstGeom>
+          <a:ln w="0">
+            <a:noFill/>
+          </a:ln>
+        </p:spPr>
+      </p:sp>
+      <p:sp>
+        <p:nvSpPr>
+          <p:cNvPr id="746" name="PlaceHolder 2"/>
           <p:cNvSpPr>
             <a:spLocks noGrp="1"/>
           </p:cNvSpPr>
@@ -1386,7 +1391,7 @@
         <p:spPr>
           <a:xfrm>
             <a:off x="756000" y="5078520"/>
-            <a:ext cx="6042600" cy="4806000"/>
+            <a:ext cx="6042240" cy="4805640"/>
           </a:xfrm>
           <a:prstGeom prst="rect">
             <a:avLst/>
@@ -1460,7 +1465,7 @@
       </p:grpSpPr>
       <p:sp>
         <p:nvSpPr>
-          <p:cNvPr id="737" name="PlaceHolder 1"/>
+          <p:cNvPr id="747" name="PlaceHolder 1"/>
           <p:cNvSpPr>
             <a:spLocks noGrp="1"/>
           </p:cNvSpPr>
@@ -1471,19 +1476,19 @@
         <p:spPr>
           <a:xfrm>
             <a:off x="216000" y="812520"/>
-            <a:ext cx="7122240" cy="4003920"/>
-          </a:xfrm>
-          <a:prstGeom prst="rect">
-            <a:avLst/>
-          </a:prstGeom>
-          <a:ln w="0">
-            <a:noFill/>
-          </a:ln>
-        </p:spPr>
-      </p:sp>
-      <p:sp>
-        <p:nvSpPr>
-          <p:cNvPr id="738" name="PlaceHolder 2"/>
+            <a:ext cx="7121880" cy="4003560"/>
+          </a:xfrm>
+          <a:prstGeom prst="rect">
+            <a:avLst/>
+          </a:prstGeom>
+          <a:ln w="0">
+            <a:noFill/>
+          </a:ln>
+        </p:spPr>
+      </p:sp>
+      <p:sp>
+        <p:nvSpPr>
+          <p:cNvPr id="748" name="PlaceHolder 2"/>
           <p:cNvSpPr>
             <a:spLocks noGrp="1"/>
           </p:cNvSpPr>
@@ -1494,7 +1499,7 @@
         <p:spPr>
           <a:xfrm>
             <a:off x="756000" y="5078520"/>
-            <a:ext cx="6042600" cy="4806000"/>
+            <a:ext cx="6042240" cy="4805640"/>
           </a:xfrm>
           <a:prstGeom prst="rect">
             <a:avLst/>
@@ -1568,7 +1573,7 @@
       </p:grpSpPr>
       <p:sp>
         <p:nvSpPr>
-          <p:cNvPr id="739" name="PlaceHolder 1"/>
+          <p:cNvPr id="749" name="PlaceHolder 1"/>
           <p:cNvSpPr>
             <a:spLocks noGrp="1"/>
           </p:cNvSpPr>
@@ -1579,19 +1584,19 @@
         <p:spPr>
           <a:xfrm>
             <a:off x="216000" y="812520"/>
-            <a:ext cx="7122240" cy="4003920"/>
-          </a:xfrm>
-          <a:prstGeom prst="rect">
-            <a:avLst/>
-          </a:prstGeom>
-          <a:ln w="0">
-            <a:noFill/>
-          </a:ln>
-        </p:spPr>
-      </p:sp>
-      <p:sp>
-        <p:nvSpPr>
-          <p:cNvPr id="740" name="PlaceHolder 2"/>
+            <a:ext cx="7121880" cy="4003560"/>
+          </a:xfrm>
+          <a:prstGeom prst="rect">
+            <a:avLst/>
+          </a:prstGeom>
+          <a:ln w="0">
+            <a:noFill/>
+          </a:ln>
+        </p:spPr>
+      </p:sp>
+      <p:sp>
+        <p:nvSpPr>
+          <p:cNvPr id="750" name="PlaceHolder 2"/>
           <p:cNvSpPr>
             <a:spLocks noGrp="1"/>
           </p:cNvSpPr>
@@ -1602,7 +1607,7 @@
         <p:spPr>
           <a:xfrm>
             <a:off x="756000" y="5078520"/>
-            <a:ext cx="6042600" cy="4806000"/>
+            <a:ext cx="6042240" cy="4805640"/>
           </a:xfrm>
           <a:prstGeom prst="rect">
             <a:avLst/>
@@ -1708,7 +1713,7 @@
       </p:grpSpPr>
       <p:sp>
         <p:nvSpPr>
-          <p:cNvPr id="741" name="PlaceHolder 1"/>
+          <p:cNvPr id="751" name="PlaceHolder 1"/>
           <p:cNvSpPr>
             <a:spLocks noGrp="1"/>
           </p:cNvSpPr>
@@ -1719,19 +1724,19 @@
         <p:spPr>
           <a:xfrm>
             <a:off x="216000" y="812520"/>
-            <a:ext cx="7122240" cy="4003920"/>
-          </a:xfrm>
-          <a:prstGeom prst="rect">
-            <a:avLst/>
-          </a:prstGeom>
-          <a:ln w="0">
-            <a:noFill/>
-          </a:ln>
-        </p:spPr>
-      </p:sp>
-      <p:sp>
-        <p:nvSpPr>
-          <p:cNvPr id="742" name="PlaceHolder 2"/>
+            <a:ext cx="7121880" cy="4003560"/>
+          </a:xfrm>
+          <a:prstGeom prst="rect">
+            <a:avLst/>
+          </a:prstGeom>
+          <a:ln w="0">
+            <a:noFill/>
+          </a:ln>
+        </p:spPr>
+      </p:sp>
+      <p:sp>
+        <p:nvSpPr>
+          <p:cNvPr id="752" name="PlaceHolder 2"/>
           <p:cNvSpPr>
             <a:spLocks noGrp="1"/>
           </p:cNvSpPr>
@@ -1742,7 +1747,7 @@
         <p:spPr>
           <a:xfrm>
             <a:off x="756000" y="5078520"/>
-            <a:ext cx="6042600" cy="4806000"/>
+            <a:ext cx="6042240" cy="4805640"/>
           </a:xfrm>
           <a:prstGeom prst="rect">
             <a:avLst/>
@@ -1816,7 +1821,7 @@
       </p:grpSpPr>
       <p:sp>
         <p:nvSpPr>
-          <p:cNvPr id="743" name="PlaceHolder 1"/>
+          <p:cNvPr id="753" name="PlaceHolder 1"/>
           <p:cNvSpPr>
             <a:spLocks noGrp="1"/>
           </p:cNvSpPr>
@@ -1827,19 +1832,19 @@
         <p:spPr>
           <a:xfrm>
             <a:off x="216000" y="812520"/>
-            <a:ext cx="7122240" cy="4003920"/>
-          </a:xfrm>
-          <a:prstGeom prst="rect">
-            <a:avLst/>
-          </a:prstGeom>
-          <a:ln w="0">
-            <a:noFill/>
-          </a:ln>
-        </p:spPr>
-      </p:sp>
-      <p:sp>
-        <p:nvSpPr>
-          <p:cNvPr id="744" name="PlaceHolder 2"/>
+            <a:ext cx="7121880" cy="4003560"/>
+          </a:xfrm>
+          <a:prstGeom prst="rect">
+            <a:avLst/>
+          </a:prstGeom>
+          <a:ln w="0">
+            <a:noFill/>
+          </a:ln>
+        </p:spPr>
+      </p:sp>
+      <p:sp>
+        <p:nvSpPr>
+          <p:cNvPr id="754" name="PlaceHolder 2"/>
           <p:cNvSpPr>
             <a:spLocks noGrp="1"/>
           </p:cNvSpPr>
@@ -1850,7 +1855,7 @@
         <p:spPr>
           <a:xfrm>
             <a:off x="756000" y="5078520"/>
-            <a:ext cx="6042600" cy="4806000"/>
+            <a:ext cx="6042240" cy="4805640"/>
           </a:xfrm>
           <a:prstGeom prst="rect">
             <a:avLst/>
@@ -1958,7 +1963,7 @@
       </p:grpSpPr>
       <p:sp>
         <p:nvSpPr>
-          <p:cNvPr id="706" name="PlaceHolder 1"/>
+          <p:cNvPr id="716" name="PlaceHolder 1"/>
           <p:cNvSpPr>
             <a:spLocks noGrp="1"/>
           </p:cNvSpPr>
@@ -1969,19 +1974,19 @@
         <p:spPr>
           <a:xfrm>
             <a:off x="216000" y="812520"/>
-            <a:ext cx="7122240" cy="4003920"/>
-          </a:xfrm>
-          <a:prstGeom prst="rect">
-            <a:avLst/>
-          </a:prstGeom>
-          <a:ln w="0">
-            <a:noFill/>
-          </a:ln>
-        </p:spPr>
-      </p:sp>
-      <p:sp>
-        <p:nvSpPr>
-          <p:cNvPr id="707" name="PlaceHolder 2"/>
+            <a:ext cx="7121880" cy="4003560"/>
+          </a:xfrm>
+          <a:prstGeom prst="rect">
+            <a:avLst/>
+          </a:prstGeom>
+          <a:ln w="0">
+            <a:noFill/>
+          </a:ln>
+        </p:spPr>
+      </p:sp>
+      <p:sp>
+        <p:nvSpPr>
+          <p:cNvPr id="717" name="PlaceHolder 2"/>
           <p:cNvSpPr>
             <a:spLocks noGrp="1"/>
           </p:cNvSpPr>
@@ -1992,7 +1997,7 @@
         <p:spPr>
           <a:xfrm>
             <a:off x="756000" y="5078520"/>
-            <a:ext cx="6042600" cy="4806000"/>
+            <a:ext cx="6042240" cy="4805640"/>
           </a:xfrm>
           <a:prstGeom prst="rect">
             <a:avLst/>
@@ -2066,7 +2071,7 @@
       </p:grpSpPr>
       <p:sp>
         <p:nvSpPr>
-          <p:cNvPr id="745" name="PlaceHolder 1"/>
+          <p:cNvPr id="755" name="PlaceHolder 1"/>
           <p:cNvSpPr>
             <a:spLocks noGrp="1"/>
           </p:cNvSpPr>
@@ -2077,19 +2082,19 @@
         <p:spPr>
           <a:xfrm>
             <a:off x="216000" y="812520"/>
-            <a:ext cx="7122240" cy="4003920"/>
-          </a:xfrm>
-          <a:prstGeom prst="rect">
-            <a:avLst/>
-          </a:prstGeom>
-          <a:ln w="0">
-            <a:noFill/>
-          </a:ln>
-        </p:spPr>
-      </p:sp>
-      <p:sp>
-        <p:nvSpPr>
-          <p:cNvPr id="746" name="PlaceHolder 2"/>
+            <a:ext cx="7121880" cy="4003560"/>
+          </a:xfrm>
+          <a:prstGeom prst="rect">
+            <a:avLst/>
+          </a:prstGeom>
+          <a:ln w="0">
+            <a:noFill/>
+          </a:ln>
+        </p:spPr>
+      </p:sp>
+      <p:sp>
+        <p:nvSpPr>
+          <p:cNvPr id="756" name="PlaceHolder 2"/>
           <p:cNvSpPr>
             <a:spLocks noGrp="1"/>
           </p:cNvSpPr>
@@ -2100,7 +2105,7 @@
         <p:spPr>
           <a:xfrm>
             <a:off x="756000" y="5078520"/>
-            <a:ext cx="6042600" cy="4806000"/>
+            <a:ext cx="6042240" cy="4805640"/>
           </a:xfrm>
           <a:prstGeom prst="rect">
             <a:avLst/>
@@ -2168,7 +2173,7 @@
       </p:grpSpPr>
       <p:sp>
         <p:nvSpPr>
-          <p:cNvPr id="747" name="PlaceHolder 1"/>
+          <p:cNvPr id="757" name="PlaceHolder 1"/>
           <p:cNvSpPr>
             <a:spLocks noGrp="1"/>
           </p:cNvSpPr>
@@ -2179,19 +2184,19 @@
         <p:spPr>
           <a:xfrm>
             <a:off x="216000" y="812520"/>
-            <a:ext cx="7122240" cy="4003920"/>
-          </a:xfrm>
-          <a:prstGeom prst="rect">
-            <a:avLst/>
-          </a:prstGeom>
-          <a:ln w="0">
-            <a:noFill/>
-          </a:ln>
-        </p:spPr>
-      </p:sp>
-      <p:sp>
-        <p:nvSpPr>
-          <p:cNvPr id="748" name="PlaceHolder 2"/>
+            <a:ext cx="7121880" cy="4003560"/>
+          </a:xfrm>
+          <a:prstGeom prst="rect">
+            <a:avLst/>
+          </a:prstGeom>
+          <a:ln w="0">
+            <a:noFill/>
+          </a:ln>
+        </p:spPr>
+      </p:sp>
+      <p:sp>
+        <p:nvSpPr>
+          <p:cNvPr id="758" name="PlaceHolder 2"/>
           <p:cNvSpPr>
             <a:spLocks noGrp="1"/>
           </p:cNvSpPr>
@@ -2202,7 +2207,7 @@
         <p:spPr>
           <a:xfrm>
             <a:off x="756000" y="5078520"/>
-            <a:ext cx="6042600" cy="4806000"/>
+            <a:ext cx="6042240" cy="4805640"/>
           </a:xfrm>
           <a:prstGeom prst="rect">
             <a:avLst/>
@@ -2270,7 +2275,7 @@
       </p:grpSpPr>
       <p:sp>
         <p:nvSpPr>
-          <p:cNvPr id="749" name="PlaceHolder 1"/>
+          <p:cNvPr id="759" name="PlaceHolder 1"/>
           <p:cNvSpPr>
             <a:spLocks noGrp="1"/>
           </p:cNvSpPr>
@@ -2281,19 +2286,19 @@
         <p:spPr>
           <a:xfrm>
             <a:off x="216000" y="812520"/>
-            <a:ext cx="7122240" cy="4003920"/>
-          </a:xfrm>
-          <a:prstGeom prst="rect">
-            <a:avLst/>
-          </a:prstGeom>
-          <a:ln w="0">
-            <a:noFill/>
-          </a:ln>
-        </p:spPr>
-      </p:sp>
-      <p:sp>
-        <p:nvSpPr>
-          <p:cNvPr id="750" name="PlaceHolder 2"/>
+            <a:ext cx="7121880" cy="4003560"/>
+          </a:xfrm>
+          <a:prstGeom prst="rect">
+            <a:avLst/>
+          </a:prstGeom>
+          <a:ln w="0">
+            <a:noFill/>
+          </a:ln>
+        </p:spPr>
+      </p:sp>
+      <p:sp>
+        <p:nvSpPr>
+          <p:cNvPr id="760" name="PlaceHolder 2"/>
           <p:cNvSpPr>
             <a:spLocks noGrp="1"/>
           </p:cNvSpPr>
@@ -2304,7 +2309,7 @@
         <p:spPr>
           <a:xfrm>
             <a:off x="756000" y="5078520"/>
-            <a:ext cx="6042600" cy="4806000"/>
+            <a:ext cx="6042240" cy="4805640"/>
           </a:xfrm>
           <a:prstGeom prst="rect">
             <a:avLst/>
@@ -2372,7 +2377,7 @@
       </p:grpSpPr>
       <p:sp>
         <p:nvSpPr>
-          <p:cNvPr id="751" name="PlaceHolder 1"/>
+          <p:cNvPr id="761" name="PlaceHolder 1"/>
           <p:cNvSpPr>
             <a:spLocks noGrp="1"/>
           </p:cNvSpPr>
@@ -2383,19 +2388,19 @@
         <p:spPr>
           <a:xfrm>
             <a:off x="216000" y="812520"/>
-            <a:ext cx="7122240" cy="4003920"/>
-          </a:xfrm>
-          <a:prstGeom prst="rect">
-            <a:avLst/>
-          </a:prstGeom>
-          <a:ln w="0">
-            <a:noFill/>
-          </a:ln>
-        </p:spPr>
-      </p:sp>
-      <p:sp>
-        <p:nvSpPr>
-          <p:cNvPr id="752" name="PlaceHolder 2"/>
+            <a:ext cx="7121880" cy="4003560"/>
+          </a:xfrm>
+          <a:prstGeom prst="rect">
+            <a:avLst/>
+          </a:prstGeom>
+          <a:ln w="0">
+            <a:noFill/>
+          </a:ln>
+        </p:spPr>
+      </p:sp>
+      <p:sp>
+        <p:nvSpPr>
+          <p:cNvPr id="762" name="PlaceHolder 2"/>
           <p:cNvSpPr>
             <a:spLocks noGrp="1"/>
           </p:cNvSpPr>
@@ -2406,7 +2411,7 @@
         <p:spPr>
           <a:xfrm>
             <a:off x="756000" y="5078520"/>
-            <a:ext cx="6042600" cy="4806000"/>
+            <a:ext cx="6042240" cy="4805640"/>
           </a:xfrm>
           <a:prstGeom prst="rect">
             <a:avLst/>
@@ -2474,7 +2479,7 @@
       </p:grpSpPr>
       <p:sp>
         <p:nvSpPr>
-          <p:cNvPr id="753" name="PlaceHolder 1"/>
+          <p:cNvPr id="763" name="PlaceHolder 1"/>
           <p:cNvSpPr>
             <a:spLocks noGrp="1"/>
           </p:cNvSpPr>
@@ -2485,19 +2490,19 @@
         <p:spPr>
           <a:xfrm>
             <a:off x="216000" y="812520"/>
-            <a:ext cx="7122240" cy="4003920"/>
-          </a:xfrm>
-          <a:prstGeom prst="rect">
-            <a:avLst/>
-          </a:prstGeom>
-          <a:ln w="0">
-            <a:noFill/>
-          </a:ln>
-        </p:spPr>
-      </p:sp>
-      <p:sp>
-        <p:nvSpPr>
-          <p:cNvPr id="754" name="PlaceHolder 2"/>
+            <a:ext cx="7121880" cy="4003560"/>
+          </a:xfrm>
+          <a:prstGeom prst="rect">
+            <a:avLst/>
+          </a:prstGeom>
+          <a:ln w="0">
+            <a:noFill/>
+          </a:ln>
+        </p:spPr>
+      </p:sp>
+      <p:sp>
+        <p:nvSpPr>
+          <p:cNvPr id="764" name="PlaceHolder 2"/>
           <p:cNvSpPr>
             <a:spLocks noGrp="1"/>
           </p:cNvSpPr>
@@ -2508,7 +2513,7 @@
         <p:spPr>
           <a:xfrm>
             <a:off x="756000" y="5078520"/>
-            <a:ext cx="6042600" cy="4806000"/>
+            <a:ext cx="6042240" cy="4805640"/>
           </a:xfrm>
           <a:prstGeom prst="rect">
             <a:avLst/>
@@ -2576,7 +2581,7 @@
       </p:grpSpPr>
       <p:sp>
         <p:nvSpPr>
-          <p:cNvPr id="755" name="PlaceHolder 1"/>
+          <p:cNvPr id="765" name="PlaceHolder 1"/>
           <p:cNvSpPr>
             <a:spLocks noGrp="1"/>
           </p:cNvSpPr>
@@ -2587,19 +2592,19 @@
         <p:spPr>
           <a:xfrm>
             <a:off x="216000" y="812520"/>
-            <a:ext cx="7122240" cy="4003920"/>
-          </a:xfrm>
-          <a:prstGeom prst="rect">
-            <a:avLst/>
-          </a:prstGeom>
-          <a:ln w="0">
-            <a:noFill/>
-          </a:ln>
-        </p:spPr>
-      </p:sp>
-      <p:sp>
-        <p:nvSpPr>
-          <p:cNvPr id="756" name="PlaceHolder 2"/>
+            <a:ext cx="7121880" cy="4003560"/>
+          </a:xfrm>
+          <a:prstGeom prst="rect">
+            <a:avLst/>
+          </a:prstGeom>
+          <a:ln w="0">
+            <a:noFill/>
+          </a:ln>
+        </p:spPr>
+      </p:sp>
+      <p:sp>
+        <p:nvSpPr>
+          <p:cNvPr id="766" name="PlaceHolder 2"/>
           <p:cNvSpPr>
             <a:spLocks noGrp="1"/>
           </p:cNvSpPr>
@@ -2610,7 +2615,7 @@
         <p:spPr>
           <a:xfrm>
             <a:off x="756000" y="5078520"/>
-            <a:ext cx="6042600" cy="4806000"/>
+            <a:ext cx="6042240" cy="4805640"/>
           </a:xfrm>
           <a:prstGeom prst="rect">
             <a:avLst/>
@@ -2678,7 +2683,7 @@
       </p:grpSpPr>
       <p:sp>
         <p:nvSpPr>
-          <p:cNvPr id="757" name="PlaceHolder 1"/>
+          <p:cNvPr id="767" name="PlaceHolder 1"/>
           <p:cNvSpPr>
             <a:spLocks noGrp="1"/>
           </p:cNvSpPr>
@@ -2689,19 +2694,19 @@
         <p:spPr>
           <a:xfrm>
             <a:off x="216000" y="812520"/>
-            <a:ext cx="7122240" cy="4003920"/>
-          </a:xfrm>
-          <a:prstGeom prst="rect">
-            <a:avLst/>
-          </a:prstGeom>
-          <a:ln w="0">
-            <a:noFill/>
-          </a:ln>
-        </p:spPr>
-      </p:sp>
-      <p:sp>
-        <p:nvSpPr>
-          <p:cNvPr id="758" name="PlaceHolder 2"/>
+            <a:ext cx="7121880" cy="4003560"/>
+          </a:xfrm>
+          <a:prstGeom prst="rect">
+            <a:avLst/>
+          </a:prstGeom>
+          <a:ln w="0">
+            <a:noFill/>
+          </a:ln>
+        </p:spPr>
+      </p:sp>
+      <p:sp>
+        <p:nvSpPr>
+          <p:cNvPr id="768" name="PlaceHolder 2"/>
           <p:cNvSpPr>
             <a:spLocks noGrp="1"/>
           </p:cNvSpPr>
@@ -2712,7 +2717,7 @@
         <p:spPr>
           <a:xfrm>
             <a:off x="756000" y="5078520"/>
-            <a:ext cx="6042600" cy="4806000"/>
+            <a:ext cx="6042240" cy="4805640"/>
           </a:xfrm>
           <a:prstGeom prst="rect">
             <a:avLst/>
@@ -2780,7 +2785,7 @@
       </p:grpSpPr>
       <p:sp>
         <p:nvSpPr>
-          <p:cNvPr id="759" name="PlaceHolder 1"/>
+          <p:cNvPr id="769" name="PlaceHolder 1"/>
           <p:cNvSpPr>
             <a:spLocks noGrp="1"/>
           </p:cNvSpPr>
@@ -2791,19 +2796,19 @@
         <p:spPr>
           <a:xfrm>
             <a:off x="216000" y="812520"/>
-            <a:ext cx="7122240" cy="4003920"/>
-          </a:xfrm>
-          <a:prstGeom prst="rect">
-            <a:avLst/>
-          </a:prstGeom>
-          <a:ln w="0">
-            <a:noFill/>
-          </a:ln>
-        </p:spPr>
-      </p:sp>
-      <p:sp>
-        <p:nvSpPr>
-          <p:cNvPr id="760" name="PlaceHolder 2"/>
+            <a:ext cx="7121880" cy="4003560"/>
+          </a:xfrm>
+          <a:prstGeom prst="rect">
+            <a:avLst/>
+          </a:prstGeom>
+          <a:ln w="0">
+            <a:noFill/>
+          </a:ln>
+        </p:spPr>
+      </p:sp>
+      <p:sp>
+        <p:nvSpPr>
+          <p:cNvPr id="770" name="PlaceHolder 2"/>
           <p:cNvSpPr>
             <a:spLocks noGrp="1"/>
           </p:cNvSpPr>
@@ -2814,7 +2819,7 @@
         <p:spPr>
           <a:xfrm>
             <a:off x="756000" y="5078520"/>
-            <a:ext cx="6042600" cy="4806000"/>
+            <a:ext cx="6042240" cy="4805640"/>
           </a:xfrm>
           <a:prstGeom prst="rect">
             <a:avLst/>
@@ -2882,7 +2887,7 @@
       </p:grpSpPr>
       <p:sp>
         <p:nvSpPr>
-          <p:cNvPr id="761" name="PlaceHolder 1"/>
+          <p:cNvPr id="771" name="PlaceHolder 1"/>
           <p:cNvSpPr>
             <a:spLocks noGrp="1"/>
           </p:cNvSpPr>
@@ -2893,19 +2898,19 @@
         <p:spPr>
           <a:xfrm>
             <a:off x="216000" y="812520"/>
-            <a:ext cx="7122240" cy="4003920"/>
-          </a:xfrm>
-          <a:prstGeom prst="rect">
-            <a:avLst/>
-          </a:prstGeom>
-          <a:ln w="0">
-            <a:noFill/>
-          </a:ln>
-        </p:spPr>
-      </p:sp>
-      <p:sp>
-        <p:nvSpPr>
-          <p:cNvPr id="762" name="PlaceHolder 2"/>
+            <a:ext cx="7121880" cy="4003560"/>
+          </a:xfrm>
+          <a:prstGeom prst="rect">
+            <a:avLst/>
+          </a:prstGeom>
+          <a:ln w="0">
+            <a:noFill/>
+          </a:ln>
+        </p:spPr>
+      </p:sp>
+      <p:sp>
+        <p:nvSpPr>
+          <p:cNvPr id="772" name="PlaceHolder 2"/>
           <p:cNvSpPr>
             <a:spLocks noGrp="1"/>
           </p:cNvSpPr>
@@ -2916,7 +2921,7 @@
         <p:spPr>
           <a:xfrm>
             <a:off x="756000" y="5078520"/>
-            <a:ext cx="6042600" cy="4806000"/>
+            <a:ext cx="6042240" cy="4805640"/>
           </a:xfrm>
           <a:prstGeom prst="rect">
             <a:avLst/>
@@ -2984,7 +2989,7 @@
       </p:grpSpPr>
       <p:sp>
         <p:nvSpPr>
-          <p:cNvPr id="763" name="PlaceHolder 1"/>
+          <p:cNvPr id="773" name="PlaceHolder 1"/>
           <p:cNvSpPr>
             <a:spLocks noGrp="1"/>
           </p:cNvSpPr>
@@ -2995,19 +3000,19 @@
         <p:spPr>
           <a:xfrm>
             <a:off x="216000" y="812520"/>
-            <a:ext cx="7122240" cy="4003920"/>
-          </a:xfrm>
-          <a:prstGeom prst="rect">
-            <a:avLst/>
-          </a:prstGeom>
-          <a:ln w="0">
-            <a:noFill/>
-          </a:ln>
-        </p:spPr>
-      </p:sp>
-      <p:sp>
-        <p:nvSpPr>
-          <p:cNvPr id="764" name="PlaceHolder 2"/>
+            <a:ext cx="7121880" cy="4003560"/>
+          </a:xfrm>
+          <a:prstGeom prst="rect">
+            <a:avLst/>
+          </a:prstGeom>
+          <a:ln w="0">
+            <a:noFill/>
+          </a:ln>
+        </p:spPr>
+      </p:sp>
+      <p:sp>
+        <p:nvSpPr>
+          <p:cNvPr id="774" name="PlaceHolder 2"/>
           <p:cNvSpPr>
             <a:spLocks noGrp="1"/>
           </p:cNvSpPr>
@@ -3018,7 +3023,7 @@
         <p:spPr>
           <a:xfrm>
             <a:off x="756000" y="5078520"/>
-            <a:ext cx="6042600" cy="4806000"/>
+            <a:ext cx="6042240" cy="4805640"/>
           </a:xfrm>
           <a:prstGeom prst="rect">
             <a:avLst/>
@@ -3056,6 +3061,148 @@
                 <a:tab algn="l" pos="0"/>
               </a:tabLst>
             </a:pPr>
+            <a:r>
+              <a:rPr b="0" lang="en-US" sz="2000" spc="-1" strike="noStrike">
+                <a:latin typeface="Arial"/>
+              </a:rPr>
+              <a:t>Show Metzger examples. Mat 1:7, show Bibleworks too.</a:t>
+            </a:r>
+            <a:endParaRPr b="0" lang="en-US" sz="2000" spc="-1" strike="noStrike">
+              <a:latin typeface="Arial"/>
+            </a:endParaRPr>
+          </a:p>
+          <a:p>
+            <a:pPr marL="216000" indent="-216000">
+              <a:lnSpc>
+                <a:spcPct val="100000"/>
+              </a:lnSpc>
+              <a:buNone/>
+              <a:tabLst>
+                <a:tab algn="l" pos="0"/>
+              </a:tabLst>
+            </a:pPr>
+            <a:endParaRPr b="0" lang="en-US" sz="2000" spc="-1" strike="noStrike">
+              <a:latin typeface="Arial"/>
+            </a:endParaRPr>
+          </a:p>
+          <a:p>
+            <a:pPr marL="216000" indent="-216000">
+              <a:lnSpc>
+                <a:spcPct val="100000"/>
+              </a:lnSpc>
+              <a:buNone/>
+              <a:tabLst>
+                <a:tab algn="l" pos="0"/>
+              </a:tabLst>
+            </a:pPr>
+            <a:r>
+              <a:rPr b="0" lang="en-US" sz="2000" spc="-1" strike="noStrike">
+                <a:latin typeface="Arial"/>
+              </a:rPr>
+              <a:t>Show Metzger Mark 16:9 ending of Mark</a:t>
+            </a:r>
+            <a:endParaRPr b="0" lang="en-US" sz="2000" spc="-1" strike="noStrike">
+              <a:latin typeface="Arial"/>
+            </a:endParaRPr>
+          </a:p>
+          <a:p>
+            <a:pPr marL="216000" indent="-216000">
+              <a:lnSpc>
+                <a:spcPct val="100000"/>
+              </a:lnSpc>
+              <a:buNone/>
+              <a:tabLst>
+                <a:tab algn="l" pos="0"/>
+              </a:tabLst>
+            </a:pPr>
+            <a:endParaRPr b="0" lang="en-US" sz="2000" spc="-1" strike="noStrike">
+              <a:latin typeface="Arial"/>
+            </a:endParaRPr>
+          </a:p>
+          <a:p>
+            <a:pPr marL="216000" indent="-216000">
+              <a:lnSpc>
+                <a:spcPct val="100000"/>
+              </a:lnSpc>
+              <a:buNone/>
+              <a:tabLst>
+                <a:tab algn="l" pos="0"/>
+              </a:tabLst>
+            </a:pPr>
+            <a:r>
+              <a:rPr b="0" lang="en-US" sz="2000" spc="-1" strike="noStrike">
+                <a:latin typeface="Arial"/>
+              </a:rPr>
+              <a:t>Show Metzger John 7:53</a:t>
+            </a:r>
+            <a:endParaRPr b="0" lang="en-US" sz="2000" spc="-1" strike="noStrike">
+              <a:latin typeface="Arial"/>
+            </a:endParaRPr>
+          </a:p>
+          <a:p>
+            <a:pPr marL="216000" indent="-216000">
+              <a:lnSpc>
+                <a:spcPct val="100000"/>
+              </a:lnSpc>
+              <a:buNone/>
+              <a:tabLst>
+                <a:tab algn="l" pos="0"/>
+              </a:tabLst>
+            </a:pPr>
+            <a:endParaRPr b="0" lang="en-US" sz="2000" spc="-1" strike="noStrike">
+              <a:latin typeface="Arial"/>
+            </a:endParaRPr>
+          </a:p>
+          <a:p>
+            <a:pPr marL="216000" indent="-216000">
+              <a:lnSpc>
+                <a:spcPct val="100000"/>
+              </a:lnSpc>
+              <a:buNone/>
+              <a:tabLst>
+                <a:tab algn="l" pos="0"/>
+              </a:tabLst>
+            </a:pPr>
+            <a:r>
+              <a:rPr b="0" lang="en-US" sz="2000" spc="-1" strike="noStrike">
+                <a:latin typeface="Arial"/>
+              </a:rPr>
+              <a:t>Show Metzger 1 john 5:7</a:t>
+            </a:r>
+            <a:endParaRPr b="0" lang="en-US" sz="2000" spc="-1" strike="noStrike">
+              <a:latin typeface="Arial"/>
+            </a:endParaRPr>
+          </a:p>
+          <a:p>
+            <a:pPr marL="216000" indent="-216000">
+              <a:lnSpc>
+                <a:spcPct val="100000"/>
+              </a:lnSpc>
+              <a:buNone/>
+              <a:tabLst>
+                <a:tab algn="l" pos="0"/>
+              </a:tabLst>
+            </a:pPr>
+            <a:endParaRPr b="0" lang="en-US" sz="2000" spc="-1" strike="noStrike">
+              <a:latin typeface="Arial"/>
+            </a:endParaRPr>
+          </a:p>
+          <a:p>
+            <a:pPr marL="216000" indent="-216000">
+              <a:lnSpc>
+                <a:spcPct val="100000"/>
+              </a:lnSpc>
+              <a:buNone/>
+              <a:tabLst>
+                <a:tab algn="l" pos="0"/>
+              </a:tabLst>
+            </a:pPr>
+            <a:r>
+              <a:rPr b="0" lang="en-US" sz="2000" spc="-1" strike="noStrike">
+                <a:latin typeface="Arial"/>
+              </a:rPr>
+              <a:t>However, all of these longer readings might at least be considered authoritative commentary.</a:t>
+            </a:r>
             <a:endParaRPr b="0" lang="en-US" sz="2000" spc="-1" strike="noStrike">
               <a:latin typeface="Arial"/>
             </a:endParaRPr>
@@ -3086,7 +3233,7 @@
       </p:grpSpPr>
       <p:sp>
         <p:nvSpPr>
-          <p:cNvPr id="708" name="PlaceHolder 1"/>
+          <p:cNvPr id="718" name="PlaceHolder 1"/>
           <p:cNvSpPr>
             <a:spLocks noGrp="1"/>
           </p:cNvSpPr>
@@ -3097,19 +3244,19 @@
         <p:spPr>
           <a:xfrm>
             <a:off x="216000" y="812520"/>
-            <a:ext cx="7122240" cy="4003920"/>
-          </a:xfrm>
-          <a:prstGeom prst="rect">
-            <a:avLst/>
-          </a:prstGeom>
-          <a:ln w="0">
-            <a:noFill/>
-          </a:ln>
-        </p:spPr>
-      </p:sp>
-      <p:sp>
-        <p:nvSpPr>
-          <p:cNvPr id="709" name="PlaceHolder 2"/>
+            <a:ext cx="7121880" cy="4003560"/>
+          </a:xfrm>
+          <a:prstGeom prst="rect">
+            <a:avLst/>
+          </a:prstGeom>
+          <a:ln w="0">
+            <a:noFill/>
+          </a:ln>
+        </p:spPr>
+      </p:sp>
+      <p:sp>
+        <p:nvSpPr>
+          <p:cNvPr id="719" name="PlaceHolder 2"/>
           <p:cNvSpPr>
             <a:spLocks noGrp="1"/>
           </p:cNvSpPr>
@@ -3120,7 +3267,7 @@
         <p:spPr>
           <a:xfrm>
             <a:off x="756000" y="5078520"/>
-            <a:ext cx="6042600" cy="4806000"/>
+            <a:ext cx="6042240" cy="4805640"/>
           </a:xfrm>
           <a:prstGeom prst="rect">
             <a:avLst/>
@@ -3282,7 +3429,7 @@
       </p:grpSpPr>
       <p:sp>
         <p:nvSpPr>
-          <p:cNvPr id="765" name="PlaceHolder 1"/>
+          <p:cNvPr id="775" name="PlaceHolder 1"/>
           <p:cNvSpPr>
             <a:spLocks noGrp="1"/>
           </p:cNvSpPr>
@@ -3293,19 +3440,19 @@
         <p:spPr>
           <a:xfrm>
             <a:off x="216000" y="812520"/>
-            <a:ext cx="7122240" cy="4003920"/>
-          </a:xfrm>
-          <a:prstGeom prst="rect">
-            <a:avLst/>
-          </a:prstGeom>
-          <a:ln w="0">
-            <a:noFill/>
-          </a:ln>
-        </p:spPr>
-      </p:sp>
-      <p:sp>
-        <p:nvSpPr>
-          <p:cNvPr id="766" name="PlaceHolder 2"/>
+            <a:ext cx="7121880" cy="4003560"/>
+          </a:xfrm>
+          <a:prstGeom prst="rect">
+            <a:avLst/>
+          </a:prstGeom>
+          <a:ln w="0">
+            <a:noFill/>
+          </a:ln>
+        </p:spPr>
+      </p:sp>
+      <p:sp>
+        <p:nvSpPr>
+          <p:cNvPr id="776" name="PlaceHolder 2"/>
           <p:cNvSpPr>
             <a:spLocks noGrp="1"/>
           </p:cNvSpPr>
@@ -3316,7 +3463,7 @@
         <p:spPr>
           <a:xfrm>
             <a:off x="756000" y="5078520"/>
-            <a:ext cx="6042600" cy="4806000"/>
+            <a:ext cx="6042240" cy="4805640"/>
           </a:xfrm>
           <a:prstGeom prst="rect">
             <a:avLst/>
@@ -3340,12 +3487,6 @@
                 <a:tab algn="l" pos="0"/>
               </a:tabLst>
             </a:pPr>
-            <a:r>
-              <a:rPr b="0" lang="en-US" sz="2000" spc="-1" strike="noStrike">
-                <a:latin typeface="Arial"/>
-              </a:rPr>
-              <a:t>In some cases New Testament manuscripts date to within fifty to one hundred years after their autographs. For example, Rylands Papyrus 457 (P52) is thought to be dated to about A.D. 125 to 150, and the Gospel of John ranges anywhere from A.D. 40 to 110; the interval between its authorship and extant manuscript evidence is thus very short.</a:t>
-            </a:r>
             <a:endParaRPr b="0" lang="en-US" sz="2000" spc="-1" strike="noStrike">
               <a:latin typeface="Arial"/>
             </a:endParaRPr>
@@ -3364,6 +3505,80 @@
               <a:latin typeface="Arial"/>
             </a:endParaRPr>
           </a:p>
+        </p:txBody>
+      </p:sp>
+    </p:spTree>
+  </p:cSld>
+</p:notes>
+</file>
+
+<file path=ppt/notesSlides/notesSlide31.xml><?xml version="1.0" encoding="utf-8"?>
+<p:notes xmlns:a="http://schemas.openxmlformats.org/drawingml/2006/main" xmlns:p="http://schemas.openxmlformats.org/presentationml/2006/main" xmlns:r="http://schemas.openxmlformats.org/officeDocument/2006/relationships" xmlns:p14="http://schemas.microsoft.com/office/powerpoint/2010/main" xmlns:p15="http://schemas.microsoft.com/office/powerpoint/2012/main" xmlns:mc="http://schemas.openxmlformats.org/markup-compatibility/2006">
+  <p:cSld>
+    <p:spTree>
+      <p:nvGrpSpPr>
+        <p:cNvPr id="1" name=""/>
+        <p:cNvGrpSpPr/>
+        <p:nvPr/>
+      </p:nvGrpSpPr>
+      <p:grpSpPr>
+        <a:xfrm>
+          <a:off x="0" y="0"/>
+          <a:ext cx="0" cy="0"/>
+          <a:chOff x="0" y="0"/>
+          <a:chExt cx="0" cy="0"/>
+        </a:xfrm>
+      </p:grpSpPr>
+      <p:sp>
+        <p:nvSpPr>
+          <p:cNvPr id="777" name="PlaceHolder 1"/>
+          <p:cNvSpPr>
+            <a:spLocks noGrp="1"/>
+          </p:cNvSpPr>
+          <p:nvPr>
+            <p:ph type="sldImg"/>
+          </p:nvPr>
+        </p:nvSpPr>
+        <p:spPr>
+          <a:xfrm>
+            <a:off x="216000" y="812520"/>
+            <a:ext cx="7121880" cy="4003560"/>
+          </a:xfrm>
+          <a:prstGeom prst="rect">
+            <a:avLst/>
+          </a:prstGeom>
+          <a:ln w="0">
+            <a:noFill/>
+          </a:ln>
+        </p:spPr>
+      </p:sp>
+      <p:sp>
+        <p:nvSpPr>
+          <p:cNvPr id="778" name="PlaceHolder 2"/>
+          <p:cNvSpPr>
+            <a:spLocks noGrp="1"/>
+          </p:cNvSpPr>
+          <p:nvPr>
+            <p:ph type="body"/>
+          </p:nvPr>
+        </p:nvSpPr>
+        <p:spPr>
+          <a:xfrm>
+            <a:off x="756000" y="5078520"/>
+            <a:ext cx="6042240" cy="4805640"/>
+          </a:xfrm>
+          <a:prstGeom prst="rect">
+            <a:avLst/>
+          </a:prstGeom>
+          <a:noFill/>
+          <a:ln w="0">
+            <a:noFill/>
+          </a:ln>
+        </p:spPr>
+        <p:txBody>
+          <a:bodyPr lIns="0" rIns="0" tIns="0" bIns="0" anchor="t">
+            <a:noAutofit/>
+          </a:bodyPr>
           <a:p>
             <a:pPr marL="216000" indent="-216000">
               <a:lnSpc>
@@ -3374,16 +3589,418 @@
                 <a:tab algn="l" pos="0"/>
               </a:tabLst>
             </a:pPr>
-            <a:r>
-              <a:rPr b="0" lang="en-US" sz="2000" spc="-1" strike="noStrike">
-                <a:latin typeface="Arial"/>
-              </a:rPr>
-              <a:t>2 million extant words in 5300 MSS.  The NT has about 138K words.</a:t>
-            </a:r>
             <a:endParaRPr b="0" lang="en-US" sz="2000" spc="-1" strike="noStrike">
               <a:latin typeface="Arial"/>
             </a:endParaRPr>
           </a:p>
+          <a:p>
+            <a:pPr marL="216000" indent="-216000">
+              <a:lnSpc>
+                <a:spcPct val="100000"/>
+              </a:lnSpc>
+              <a:buNone/>
+              <a:tabLst>
+                <a:tab algn="l" pos="0"/>
+              </a:tabLst>
+            </a:pPr>
+            <a:endParaRPr b="0" lang="en-US" sz="2000" spc="-1" strike="noStrike">
+              <a:latin typeface="Arial"/>
+            </a:endParaRPr>
+          </a:p>
+        </p:txBody>
+      </p:sp>
+    </p:spTree>
+  </p:cSld>
+</p:notes>
+</file>
+
+<file path=ppt/notesSlides/notesSlide32.xml><?xml version="1.0" encoding="utf-8"?>
+<p:notes xmlns:a="http://schemas.openxmlformats.org/drawingml/2006/main" xmlns:p="http://schemas.openxmlformats.org/presentationml/2006/main" xmlns:r="http://schemas.openxmlformats.org/officeDocument/2006/relationships" xmlns:p14="http://schemas.microsoft.com/office/powerpoint/2010/main" xmlns:p15="http://schemas.microsoft.com/office/powerpoint/2012/main" xmlns:mc="http://schemas.openxmlformats.org/markup-compatibility/2006">
+  <p:cSld>
+    <p:spTree>
+      <p:nvGrpSpPr>
+        <p:cNvPr id="1" name=""/>
+        <p:cNvGrpSpPr/>
+        <p:nvPr/>
+      </p:nvGrpSpPr>
+      <p:grpSpPr>
+        <a:xfrm>
+          <a:off x="0" y="0"/>
+          <a:ext cx="0" cy="0"/>
+          <a:chOff x="0" y="0"/>
+          <a:chExt cx="0" cy="0"/>
+        </a:xfrm>
+      </p:grpSpPr>
+      <p:sp>
+        <p:nvSpPr>
+          <p:cNvPr id="779" name="PlaceHolder 1"/>
+          <p:cNvSpPr>
+            <a:spLocks noGrp="1"/>
+          </p:cNvSpPr>
+          <p:nvPr>
+            <p:ph type="sldImg"/>
+          </p:nvPr>
+        </p:nvSpPr>
+        <p:spPr>
+          <a:xfrm>
+            <a:off x="216000" y="812520"/>
+            <a:ext cx="7121880" cy="4003560"/>
+          </a:xfrm>
+          <a:prstGeom prst="rect">
+            <a:avLst/>
+          </a:prstGeom>
+          <a:ln w="0">
+            <a:noFill/>
+          </a:ln>
+        </p:spPr>
+      </p:sp>
+      <p:sp>
+        <p:nvSpPr>
+          <p:cNvPr id="780" name="PlaceHolder 2"/>
+          <p:cNvSpPr>
+            <a:spLocks noGrp="1"/>
+          </p:cNvSpPr>
+          <p:nvPr>
+            <p:ph type="body"/>
+          </p:nvPr>
+        </p:nvSpPr>
+        <p:spPr>
+          <a:xfrm>
+            <a:off x="756000" y="5078520"/>
+            <a:ext cx="6042240" cy="4805640"/>
+          </a:xfrm>
+          <a:prstGeom prst="rect">
+            <a:avLst/>
+          </a:prstGeom>
+          <a:noFill/>
+          <a:ln w="0">
+            <a:noFill/>
+          </a:ln>
+        </p:spPr>
+        <p:txBody>
+          <a:bodyPr lIns="0" rIns="0" tIns="0" bIns="0" anchor="t">
+            <a:noAutofit/>
+          </a:bodyPr>
+          <a:p>
+            <a:pPr marL="216000" indent="-216000">
+              <a:lnSpc>
+                <a:spcPct val="100000"/>
+              </a:lnSpc>
+              <a:buNone/>
+              <a:tabLst>
+                <a:tab algn="l" pos="0"/>
+              </a:tabLst>
+            </a:pPr>
+            <a:endParaRPr b="0" lang="en-US" sz="2000" spc="-1" strike="noStrike">
+              <a:latin typeface="Arial"/>
+            </a:endParaRPr>
+          </a:p>
+          <a:p>
+            <a:pPr marL="216000" indent="-216000">
+              <a:lnSpc>
+                <a:spcPct val="100000"/>
+              </a:lnSpc>
+              <a:buNone/>
+              <a:tabLst>
+                <a:tab algn="l" pos="0"/>
+              </a:tabLst>
+            </a:pPr>
+            <a:endParaRPr b="0" lang="en-US" sz="2000" spc="-1" strike="noStrike">
+              <a:latin typeface="Arial"/>
+            </a:endParaRPr>
+          </a:p>
+        </p:txBody>
+      </p:sp>
+    </p:spTree>
+  </p:cSld>
+</p:notes>
+</file>
+
+<file path=ppt/notesSlides/notesSlide33.xml><?xml version="1.0" encoding="utf-8"?>
+<p:notes xmlns:a="http://schemas.openxmlformats.org/drawingml/2006/main" xmlns:p="http://schemas.openxmlformats.org/presentationml/2006/main" xmlns:r="http://schemas.openxmlformats.org/officeDocument/2006/relationships" xmlns:p14="http://schemas.microsoft.com/office/powerpoint/2010/main" xmlns:p15="http://schemas.microsoft.com/office/powerpoint/2012/main" xmlns:mc="http://schemas.openxmlformats.org/markup-compatibility/2006">
+  <p:cSld>
+    <p:spTree>
+      <p:nvGrpSpPr>
+        <p:cNvPr id="1" name=""/>
+        <p:cNvGrpSpPr/>
+        <p:nvPr/>
+      </p:nvGrpSpPr>
+      <p:grpSpPr>
+        <a:xfrm>
+          <a:off x="0" y="0"/>
+          <a:ext cx="0" cy="0"/>
+          <a:chOff x="0" y="0"/>
+          <a:chExt cx="0" cy="0"/>
+        </a:xfrm>
+      </p:grpSpPr>
+      <p:sp>
+        <p:nvSpPr>
+          <p:cNvPr id="781" name="PlaceHolder 1"/>
+          <p:cNvSpPr>
+            <a:spLocks noGrp="1"/>
+          </p:cNvSpPr>
+          <p:nvPr>
+            <p:ph type="sldImg"/>
+          </p:nvPr>
+        </p:nvSpPr>
+        <p:spPr>
+          <a:xfrm>
+            <a:off x="216000" y="812520"/>
+            <a:ext cx="7121880" cy="4003560"/>
+          </a:xfrm>
+          <a:prstGeom prst="rect">
+            <a:avLst/>
+          </a:prstGeom>
+          <a:ln w="0">
+            <a:noFill/>
+          </a:ln>
+        </p:spPr>
+      </p:sp>
+      <p:sp>
+        <p:nvSpPr>
+          <p:cNvPr id="782" name="PlaceHolder 2"/>
+          <p:cNvSpPr>
+            <a:spLocks noGrp="1"/>
+          </p:cNvSpPr>
+          <p:nvPr>
+            <p:ph type="body"/>
+          </p:nvPr>
+        </p:nvSpPr>
+        <p:spPr>
+          <a:xfrm>
+            <a:off x="756000" y="5078520"/>
+            <a:ext cx="6042240" cy="4805640"/>
+          </a:xfrm>
+          <a:prstGeom prst="rect">
+            <a:avLst/>
+          </a:prstGeom>
+          <a:noFill/>
+          <a:ln w="0">
+            <a:noFill/>
+          </a:ln>
+        </p:spPr>
+        <p:txBody>
+          <a:bodyPr lIns="0" rIns="0" tIns="0" bIns="0" anchor="t">
+            <a:noAutofit/>
+          </a:bodyPr>
+          <a:p>
+            <a:pPr marL="216000" indent="-216000">
+              <a:lnSpc>
+                <a:spcPct val="100000"/>
+              </a:lnSpc>
+              <a:buNone/>
+              <a:tabLst>
+                <a:tab algn="l" pos="0"/>
+              </a:tabLst>
+            </a:pPr>
+            <a:endParaRPr b="0" lang="en-US" sz="2000" spc="-1" strike="noStrike">
+              <a:latin typeface="Arial"/>
+            </a:endParaRPr>
+          </a:p>
+          <a:p>
+            <a:pPr marL="216000" indent="-216000">
+              <a:lnSpc>
+                <a:spcPct val="100000"/>
+              </a:lnSpc>
+              <a:buNone/>
+              <a:tabLst>
+                <a:tab algn="l" pos="0"/>
+              </a:tabLst>
+            </a:pPr>
+            <a:endParaRPr b="0" lang="en-US" sz="2000" spc="-1" strike="noStrike">
+              <a:latin typeface="Arial"/>
+            </a:endParaRPr>
+          </a:p>
+        </p:txBody>
+      </p:sp>
+    </p:spTree>
+  </p:cSld>
+</p:notes>
+</file>
+
+<file path=ppt/notesSlides/notesSlide34.xml><?xml version="1.0" encoding="utf-8"?>
+<p:notes xmlns:a="http://schemas.openxmlformats.org/drawingml/2006/main" xmlns:p="http://schemas.openxmlformats.org/presentationml/2006/main" xmlns:r="http://schemas.openxmlformats.org/officeDocument/2006/relationships" xmlns:p14="http://schemas.microsoft.com/office/powerpoint/2010/main" xmlns:p15="http://schemas.microsoft.com/office/powerpoint/2012/main" xmlns:mc="http://schemas.openxmlformats.org/markup-compatibility/2006">
+  <p:cSld>
+    <p:spTree>
+      <p:nvGrpSpPr>
+        <p:cNvPr id="1" name=""/>
+        <p:cNvGrpSpPr/>
+        <p:nvPr/>
+      </p:nvGrpSpPr>
+      <p:grpSpPr>
+        <a:xfrm>
+          <a:off x="0" y="0"/>
+          <a:ext cx="0" cy="0"/>
+          <a:chOff x="0" y="0"/>
+          <a:chExt cx="0" cy="0"/>
+        </a:xfrm>
+      </p:grpSpPr>
+      <p:sp>
+        <p:nvSpPr>
+          <p:cNvPr id="783" name="PlaceHolder 1"/>
+          <p:cNvSpPr>
+            <a:spLocks noGrp="1"/>
+          </p:cNvSpPr>
+          <p:nvPr>
+            <p:ph type="sldImg"/>
+          </p:nvPr>
+        </p:nvSpPr>
+        <p:spPr>
+          <a:xfrm>
+            <a:off x="216000" y="812520"/>
+            <a:ext cx="7121880" cy="4003560"/>
+          </a:xfrm>
+          <a:prstGeom prst="rect">
+            <a:avLst/>
+          </a:prstGeom>
+          <a:ln w="0">
+            <a:noFill/>
+          </a:ln>
+        </p:spPr>
+      </p:sp>
+      <p:sp>
+        <p:nvSpPr>
+          <p:cNvPr id="784" name="PlaceHolder 2"/>
+          <p:cNvSpPr>
+            <a:spLocks noGrp="1"/>
+          </p:cNvSpPr>
+          <p:nvPr>
+            <p:ph type="body"/>
+          </p:nvPr>
+        </p:nvSpPr>
+        <p:spPr>
+          <a:xfrm>
+            <a:off x="756000" y="5078520"/>
+            <a:ext cx="6042240" cy="4805640"/>
+          </a:xfrm>
+          <a:prstGeom prst="rect">
+            <a:avLst/>
+          </a:prstGeom>
+          <a:noFill/>
+          <a:ln w="0">
+            <a:noFill/>
+          </a:ln>
+        </p:spPr>
+        <p:txBody>
+          <a:bodyPr lIns="0" rIns="0" tIns="0" bIns="0" anchor="t">
+            <a:noAutofit/>
+          </a:bodyPr>
+          <a:p>
+            <a:pPr marL="216000" indent="-216000">
+              <a:lnSpc>
+                <a:spcPct val="100000"/>
+              </a:lnSpc>
+              <a:buNone/>
+              <a:tabLst>
+                <a:tab algn="l" pos="0"/>
+              </a:tabLst>
+            </a:pPr>
+            <a:endParaRPr b="0" lang="en-US" sz="2000" spc="-1" strike="noStrike">
+              <a:latin typeface="Arial"/>
+            </a:endParaRPr>
+          </a:p>
+          <a:p>
+            <a:pPr marL="216000" indent="-216000">
+              <a:lnSpc>
+                <a:spcPct val="100000"/>
+              </a:lnSpc>
+              <a:buNone/>
+              <a:tabLst>
+                <a:tab algn="l" pos="0"/>
+              </a:tabLst>
+            </a:pPr>
+            <a:endParaRPr b="0" lang="en-US" sz="2000" spc="-1" strike="noStrike">
+              <a:latin typeface="Arial"/>
+            </a:endParaRPr>
+          </a:p>
+          <a:p>
+            <a:pPr marL="216000" indent="-216000">
+              <a:lnSpc>
+                <a:spcPct val="100000"/>
+              </a:lnSpc>
+              <a:buNone/>
+              <a:tabLst>
+                <a:tab algn="l" pos="0"/>
+              </a:tabLst>
+            </a:pPr>
+            <a:endParaRPr b="0" lang="en-US" sz="2000" spc="-1" strike="noStrike">
+              <a:latin typeface="Arial"/>
+            </a:endParaRPr>
+          </a:p>
+        </p:txBody>
+      </p:sp>
+    </p:spTree>
+  </p:cSld>
+</p:notes>
+</file>
+
+<file path=ppt/notesSlides/notesSlide35.xml><?xml version="1.0" encoding="utf-8"?>
+<p:notes xmlns:a="http://schemas.openxmlformats.org/drawingml/2006/main" xmlns:p="http://schemas.openxmlformats.org/presentationml/2006/main" xmlns:r="http://schemas.openxmlformats.org/officeDocument/2006/relationships" xmlns:p14="http://schemas.microsoft.com/office/powerpoint/2010/main" xmlns:p15="http://schemas.microsoft.com/office/powerpoint/2012/main" xmlns:mc="http://schemas.openxmlformats.org/markup-compatibility/2006">
+  <p:cSld>
+    <p:spTree>
+      <p:nvGrpSpPr>
+        <p:cNvPr id="1" name=""/>
+        <p:cNvGrpSpPr/>
+        <p:nvPr/>
+      </p:nvGrpSpPr>
+      <p:grpSpPr>
+        <a:xfrm>
+          <a:off x="0" y="0"/>
+          <a:ext cx="0" cy="0"/>
+          <a:chOff x="0" y="0"/>
+          <a:chExt cx="0" cy="0"/>
+        </a:xfrm>
+      </p:grpSpPr>
+      <p:sp>
+        <p:nvSpPr>
+          <p:cNvPr id="785" name="PlaceHolder 1"/>
+          <p:cNvSpPr>
+            <a:spLocks noGrp="1"/>
+          </p:cNvSpPr>
+          <p:nvPr>
+            <p:ph type="sldImg"/>
+          </p:nvPr>
+        </p:nvSpPr>
+        <p:spPr>
+          <a:xfrm>
+            <a:off x="216000" y="812520"/>
+            <a:ext cx="7121880" cy="4003560"/>
+          </a:xfrm>
+          <a:prstGeom prst="rect">
+            <a:avLst/>
+          </a:prstGeom>
+          <a:ln w="0">
+            <a:noFill/>
+          </a:ln>
+        </p:spPr>
+      </p:sp>
+      <p:sp>
+        <p:nvSpPr>
+          <p:cNvPr id="786" name="PlaceHolder 2"/>
+          <p:cNvSpPr>
+            <a:spLocks noGrp="1"/>
+          </p:cNvSpPr>
+          <p:nvPr>
+            <p:ph type="body"/>
+          </p:nvPr>
+        </p:nvSpPr>
+        <p:spPr>
+          <a:xfrm>
+            <a:off x="756000" y="5078520"/>
+            <a:ext cx="6042240" cy="4805640"/>
+          </a:xfrm>
+          <a:prstGeom prst="rect">
+            <a:avLst/>
+          </a:prstGeom>
+          <a:noFill/>
+          <a:ln w="0">
+            <a:noFill/>
+          </a:ln>
+        </p:spPr>
+        <p:txBody>
+          <a:bodyPr lIns="0" rIns="0" tIns="0" bIns="0" anchor="t">
+            <a:noAutofit/>
+          </a:bodyPr>
           <a:p>
             <a:pPr marL="216000" indent="-216000">
               <a:lnSpc>
@@ -3438,7 +4055,7 @@
       </p:grpSpPr>
       <p:sp>
         <p:nvSpPr>
-          <p:cNvPr id="710" name="PlaceHolder 1"/>
+          <p:cNvPr id="720" name="PlaceHolder 1"/>
           <p:cNvSpPr>
             <a:spLocks noGrp="1"/>
           </p:cNvSpPr>
@@ -3449,19 +4066,19 @@
         <p:spPr>
           <a:xfrm>
             <a:off x="216000" y="812520"/>
-            <a:ext cx="7122240" cy="4003920"/>
-          </a:xfrm>
-          <a:prstGeom prst="rect">
-            <a:avLst/>
-          </a:prstGeom>
-          <a:ln w="0">
-            <a:noFill/>
-          </a:ln>
-        </p:spPr>
-      </p:sp>
-      <p:sp>
-        <p:nvSpPr>
-          <p:cNvPr id="711" name="PlaceHolder 2"/>
+            <a:ext cx="7121880" cy="4003560"/>
+          </a:xfrm>
+          <a:prstGeom prst="rect">
+            <a:avLst/>
+          </a:prstGeom>
+          <a:ln w="0">
+            <a:noFill/>
+          </a:ln>
+        </p:spPr>
+      </p:sp>
+      <p:sp>
+        <p:nvSpPr>
+          <p:cNvPr id="721" name="PlaceHolder 2"/>
           <p:cNvSpPr>
             <a:spLocks noGrp="1"/>
           </p:cNvSpPr>
@@ -3472,7 +4089,7 @@
         <p:spPr>
           <a:xfrm>
             <a:off x="756000" y="5078520"/>
-            <a:ext cx="6042600" cy="5378400"/>
+            <a:ext cx="6042240" cy="5378040"/>
           </a:xfrm>
           <a:prstGeom prst="rect">
             <a:avLst/>
@@ -3634,7 +4251,7 @@
       </p:grpSpPr>
       <p:sp>
         <p:nvSpPr>
-          <p:cNvPr id="712" name="PlaceHolder 1"/>
+          <p:cNvPr id="722" name="PlaceHolder 1"/>
           <p:cNvSpPr>
             <a:spLocks noGrp="1"/>
           </p:cNvSpPr>
@@ -3645,19 +4262,19 @@
         <p:spPr>
           <a:xfrm>
             <a:off x="216000" y="812520"/>
-            <a:ext cx="7122240" cy="4003920"/>
-          </a:xfrm>
-          <a:prstGeom prst="rect">
-            <a:avLst/>
-          </a:prstGeom>
-          <a:ln w="0">
-            <a:noFill/>
-          </a:ln>
-        </p:spPr>
-      </p:sp>
-      <p:sp>
-        <p:nvSpPr>
-          <p:cNvPr id="713" name="PlaceHolder 2"/>
+            <a:ext cx="7121880" cy="4003560"/>
+          </a:xfrm>
+          <a:prstGeom prst="rect">
+            <a:avLst/>
+          </a:prstGeom>
+          <a:ln w="0">
+            <a:noFill/>
+          </a:ln>
+        </p:spPr>
+      </p:sp>
+      <p:sp>
+        <p:nvSpPr>
+          <p:cNvPr id="723" name="PlaceHolder 2"/>
           <p:cNvSpPr>
             <a:spLocks noGrp="1"/>
           </p:cNvSpPr>
@@ -3668,7 +4285,7 @@
         <p:spPr>
           <a:xfrm>
             <a:off x="756000" y="5078520"/>
-            <a:ext cx="6042600" cy="5095080"/>
+            <a:ext cx="6042240" cy="5094720"/>
           </a:xfrm>
           <a:prstGeom prst="rect">
             <a:avLst/>
@@ -3844,7 +4461,7 @@
       </p:grpSpPr>
       <p:sp>
         <p:nvSpPr>
-          <p:cNvPr id="714" name="PlaceHolder 1"/>
+          <p:cNvPr id="724" name="PlaceHolder 1"/>
           <p:cNvSpPr>
             <a:spLocks noGrp="1"/>
           </p:cNvSpPr>
@@ -3855,19 +4472,19 @@
         <p:spPr>
           <a:xfrm>
             <a:off x="216000" y="812520"/>
-            <a:ext cx="7122240" cy="4003920"/>
-          </a:xfrm>
-          <a:prstGeom prst="rect">
-            <a:avLst/>
-          </a:prstGeom>
-          <a:ln w="0">
-            <a:noFill/>
-          </a:ln>
-        </p:spPr>
-      </p:sp>
-      <p:sp>
-        <p:nvSpPr>
-          <p:cNvPr id="715" name="PlaceHolder 2"/>
+            <a:ext cx="7121880" cy="4003560"/>
+          </a:xfrm>
+          <a:prstGeom prst="rect">
+            <a:avLst/>
+          </a:prstGeom>
+          <a:ln w="0">
+            <a:noFill/>
+          </a:ln>
+        </p:spPr>
+      </p:sp>
+      <p:sp>
+        <p:nvSpPr>
+          <p:cNvPr id="725" name="PlaceHolder 2"/>
           <p:cNvSpPr>
             <a:spLocks noGrp="1"/>
           </p:cNvSpPr>
@@ -3878,7 +4495,7 @@
         <p:spPr>
           <a:xfrm>
             <a:off x="756000" y="5078520"/>
-            <a:ext cx="6042600" cy="4806000"/>
+            <a:ext cx="6042240" cy="4805640"/>
           </a:xfrm>
           <a:prstGeom prst="rect">
             <a:avLst/>
@@ -4000,7 +4617,7 @@
       </p:grpSpPr>
       <p:sp>
         <p:nvSpPr>
-          <p:cNvPr id="716" name="PlaceHolder 1"/>
+          <p:cNvPr id="726" name="PlaceHolder 1"/>
           <p:cNvSpPr>
             <a:spLocks noGrp="1"/>
           </p:cNvSpPr>
@@ -4011,19 +4628,19 @@
         <p:spPr>
           <a:xfrm>
             <a:off x="216000" y="812520"/>
-            <a:ext cx="7122240" cy="4003920"/>
-          </a:xfrm>
-          <a:prstGeom prst="rect">
-            <a:avLst/>
-          </a:prstGeom>
-          <a:ln w="0">
-            <a:noFill/>
-          </a:ln>
-        </p:spPr>
-      </p:sp>
-      <p:sp>
-        <p:nvSpPr>
-          <p:cNvPr id="717" name="PlaceHolder 2"/>
+            <a:ext cx="7121880" cy="4003560"/>
+          </a:xfrm>
+          <a:prstGeom prst="rect">
+            <a:avLst/>
+          </a:prstGeom>
+          <a:ln w="0">
+            <a:noFill/>
+          </a:ln>
+        </p:spPr>
+      </p:sp>
+      <p:sp>
+        <p:nvSpPr>
+          <p:cNvPr id="727" name="PlaceHolder 2"/>
           <p:cNvSpPr>
             <a:spLocks noGrp="1"/>
           </p:cNvSpPr>
@@ -4034,7 +4651,7 @@
         <p:spPr>
           <a:xfrm>
             <a:off x="756000" y="5078520"/>
-            <a:ext cx="6042600" cy="4806000"/>
+            <a:ext cx="6042240" cy="4805640"/>
           </a:xfrm>
           <a:prstGeom prst="rect">
             <a:avLst/>
@@ -4156,7 +4773,7 @@
       </p:grpSpPr>
       <p:sp>
         <p:nvSpPr>
-          <p:cNvPr id="718" name="PlaceHolder 1"/>
+          <p:cNvPr id="728" name="PlaceHolder 1"/>
           <p:cNvSpPr>
             <a:spLocks noGrp="1"/>
           </p:cNvSpPr>
@@ -4167,19 +4784,19 @@
         <p:spPr>
           <a:xfrm>
             <a:off x="216000" y="812520"/>
-            <a:ext cx="7122240" cy="4003920"/>
-          </a:xfrm>
-          <a:prstGeom prst="rect">
-            <a:avLst/>
-          </a:prstGeom>
-          <a:ln w="0">
-            <a:noFill/>
-          </a:ln>
-        </p:spPr>
-      </p:sp>
-      <p:sp>
-        <p:nvSpPr>
-          <p:cNvPr id="719" name="PlaceHolder 2"/>
+            <a:ext cx="7121880" cy="4003560"/>
+          </a:xfrm>
+          <a:prstGeom prst="rect">
+            <a:avLst/>
+          </a:prstGeom>
+          <a:ln w="0">
+            <a:noFill/>
+          </a:ln>
+        </p:spPr>
+      </p:sp>
+      <p:sp>
+        <p:nvSpPr>
+          <p:cNvPr id="729" name="PlaceHolder 2"/>
           <p:cNvSpPr>
             <a:spLocks noGrp="1"/>
           </p:cNvSpPr>
@@ -4190,7 +4807,7 @@
         <p:spPr>
           <a:xfrm>
             <a:off x="756000" y="5078520"/>
-            <a:ext cx="6042600" cy="4806000"/>
+            <a:ext cx="6042240" cy="4805640"/>
           </a:xfrm>
           <a:prstGeom prst="rect">
             <a:avLst/>
@@ -4264,7 +4881,7 @@
       </p:grpSpPr>
       <p:sp>
         <p:nvSpPr>
-          <p:cNvPr id="720" name="PlaceHolder 1"/>
+          <p:cNvPr id="730" name="PlaceHolder 1"/>
           <p:cNvSpPr>
             <a:spLocks noGrp="1"/>
           </p:cNvSpPr>
@@ -4275,19 +4892,19 @@
         <p:spPr>
           <a:xfrm>
             <a:off x="216000" y="812520"/>
-            <a:ext cx="7122240" cy="4003920"/>
-          </a:xfrm>
-          <a:prstGeom prst="rect">
-            <a:avLst/>
-          </a:prstGeom>
-          <a:ln w="0">
-            <a:noFill/>
-          </a:ln>
-        </p:spPr>
-      </p:sp>
-      <p:sp>
-        <p:nvSpPr>
-          <p:cNvPr id="721" name="PlaceHolder 2"/>
+            <a:ext cx="7121880" cy="4003560"/>
+          </a:xfrm>
+          <a:prstGeom prst="rect">
+            <a:avLst/>
+          </a:prstGeom>
+          <a:ln w="0">
+            <a:noFill/>
+          </a:ln>
+        </p:spPr>
+      </p:sp>
+      <p:sp>
+        <p:nvSpPr>
+          <p:cNvPr id="731" name="PlaceHolder 2"/>
           <p:cNvSpPr>
             <a:spLocks noGrp="1"/>
           </p:cNvSpPr>
@@ -4298,7 +4915,7 @@
         <p:spPr>
           <a:xfrm>
             <a:off x="756000" y="5078520"/>
-            <a:ext cx="6042600" cy="4806000"/>
+            <a:ext cx="6042240" cy="4805640"/>
           </a:xfrm>
           <a:prstGeom prst="rect">
             <a:avLst/>
@@ -4404,7 +5021,7 @@
         <p:txBody>
           <a:bodyPr/>
           <a:p>
-            <a:fld id="{0E0FBAC4-BAFC-47D9-8FEC-DE278D5D2BAB}" type="slidenum">
+            <a:fld id="{68C6FE00-CD31-41AA-8ED0-00D7558B4CE7}" type="slidenum">
               <a:t>&lt;#&gt;</a:t>
             </a:fld>
           </a:p>
@@ -4592,7 +5209,7 @@
         <p:txBody>
           <a:bodyPr/>
           <a:p>
-            <a:fld id="{63545BE2-8FBF-4A35-AE33-0ECACCF340C9}" type="slidenum">
+            <a:fld id="{B07843DA-F3CE-4560-9723-02A0F1E5AA58}" type="slidenum">
               <a:t>&lt;#&gt;</a:t>
             </a:fld>
           </a:p>
@@ -4780,7 +5397,7 @@
         <p:txBody>
           <a:bodyPr/>
           <a:p>
-            <a:fld id="{15C4D6AC-6BFC-4403-BA37-A61C0DD5EF22}" type="slidenum">
+            <a:fld id="{B76D69A4-06F6-49EE-A452-A8DF22C1D147}" type="slidenum">
               <a:t>&lt;#&gt;</a:t>
             </a:fld>
           </a:p>
@@ -4900,7 +5517,7 @@
         <p:txBody>
           <a:bodyPr/>
           <a:p>
-            <a:fld id="{3080B004-FB2C-49C7-96B1-80F1F8BC4908}" type="slidenum">
+            <a:fld id="{759EF547-D995-4EA2-8D9C-82DB8FDC3751}" type="slidenum">
               <a:t>&lt;#&gt;</a:t>
             </a:fld>
           </a:p>
@@ -5020,7 +5637,7 @@
         <p:txBody>
           <a:bodyPr/>
           <a:p>
-            <a:fld id="{A986AB6F-581E-4CAB-A0B3-EDF91A5FB57F}" type="slidenum">
+            <a:fld id="{055B92EF-7B3D-4E9F-93A9-198BA47EE40B}" type="slidenum">
               <a:t>&lt;#&gt;</a:t>
             </a:fld>
           </a:p>
@@ -5242,7 +5859,7 @@
         <p:txBody>
           <a:bodyPr/>
           <a:p>
-            <a:fld id="{C25F0C8D-2688-48CD-BBA3-D03762C21623}" type="slidenum">
+            <a:fld id="{B9174BDE-83B6-4831-9A22-31412A03A14D}" type="slidenum">
               <a:t>&lt;#&gt;</a:t>
             </a:fld>
           </a:p>
@@ -5464,7 +6081,7 @@
         <p:txBody>
           <a:bodyPr/>
           <a:p>
-            <a:fld id="{91C0441A-307D-4752-9FEF-EA9281738971}" type="slidenum">
+            <a:fld id="{1A1D3A93-06EA-4375-A1A5-96596C966B8E}" type="slidenum">
               <a:t>&lt;#&gt;</a:t>
             </a:fld>
           </a:p>
@@ -5686,7 +6303,7 @@
         <p:txBody>
           <a:bodyPr/>
           <a:p>
-            <a:fld id="{12A3EB8B-5BAB-4B7C-BC1A-D8ECAB6FCCD7}" type="slidenum">
+            <a:fld id="{5D4F0B22-16C2-4361-A007-F462CC49E333}" type="slidenum">
               <a:t>&lt;#&gt;</a:t>
             </a:fld>
           </a:p>
@@ -5874,7 +6491,7 @@
         <p:txBody>
           <a:bodyPr/>
           <a:p>
-            <a:fld id="{FDE3C81C-D7E6-48B0-9F57-AF9586ACA12F}" type="slidenum">
+            <a:fld id="{D029B4E8-32E8-4C2A-9CEC-96240F257FFD}" type="slidenum">
               <a:t>&lt;#&gt;</a:t>
             </a:fld>
           </a:p>
@@ -6130,7 +6747,7 @@
         <p:txBody>
           <a:bodyPr/>
           <a:p>
-            <a:fld id="{D44C4B2C-8B8B-4925-8D15-DC19C0B0B059}" type="slidenum">
+            <a:fld id="{8055D9AE-AE17-47D3-898A-22F435753409}" type="slidenum">
               <a:t>&lt;#&gt;</a:t>
             </a:fld>
           </a:p>
@@ -6454,7 +7071,7 @@
         <p:txBody>
           <a:bodyPr/>
           <a:p>
-            <a:fld id="{1ECFA922-23C0-4DBB-9313-2FEC546D4C22}" type="slidenum">
+            <a:fld id="{DA6C7D35-76AC-4E52-A14E-4D089E27EF31}" type="slidenum">
               <a:t>&lt;#&gt;</a:t>
             </a:fld>
           </a:p>
@@ -6537,7 +7154,7 @@
         <p:txBody>
           <a:bodyPr/>
           <a:p>
-            <a:fld id="{A3DDADC2-5E82-401B-9C88-AED8D91642F1}" type="slidenum">
+            <a:fld id="{C9B00E5C-F617-40E5-95D1-E6CD4BA6D2E9}" type="slidenum">
               <a:t>&lt;#&gt;</a:t>
             </a:fld>
           </a:p>
@@ -6793,7 +7410,7 @@
         <p:txBody>
           <a:bodyPr/>
           <a:p>
-            <a:fld id="{67C368E9-48F8-45B2-9D5A-5D9B14B39AB9}" type="slidenum">
+            <a:fld id="{C891D9C3-113E-42CD-898C-83E23B6921D5}" type="slidenum">
               <a:t>&lt;#&gt;</a:t>
             </a:fld>
           </a:p>
@@ -6950,7 +7567,7 @@
         <p:txBody>
           <a:bodyPr/>
           <a:p>
-            <a:fld id="{D25ECD40-6AB5-49D1-B4E4-8F66075AAC1E}" type="slidenum">
+            <a:fld id="{C26B8AE1-334A-420E-B268-9BED7F0BCE32}" type="slidenum">
               <a:t>&lt;#&gt;</a:t>
             </a:fld>
           </a:p>
@@ -7104,7 +7721,7 @@
         <p:txBody>
           <a:bodyPr/>
           <a:p>
-            <a:fld id="{B8BC1DB6-C8B7-455F-840B-F95162F813AA}" type="slidenum">
+            <a:fld id="{7EC94AB7-45F9-4094-B2A9-D79EA038A55D}" type="slidenum">
               <a:t>&lt;#&gt;</a:t>
             </a:fld>
           </a:p>
@@ -7292,7 +7909,7 @@
         <p:txBody>
           <a:bodyPr/>
           <a:p>
-            <a:fld id="{DCF84887-6B41-4F73-B67A-563F5F977452}" type="slidenum">
+            <a:fld id="{124B4C1C-9702-47FE-98AD-92E71A4ED236}" type="slidenum">
               <a:t>&lt;#&gt;</a:t>
             </a:fld>
           </a:p>
@@ -7412,7 +8029,7 @@
         <p:txBody>
           <a:bodyPr/>
           <a:p>
-            <a:fld id="{A6EDB4D3-FB16-4B5A-B347-51637B75BD24}" type="slidenum">
+            <a:fld id="{E9620C1D-3250-49AF-8503-151512A1C9D7}" type="slidenum">
               <a:t>&lt;#&gt;</a:t>
             </a:fld>
           </a:p>
@@ -7532,7 +8149,7 @@
         <p:txBody>
           <a:bodyPr/>
           <a:p>
-            <a:fld id="{BDC389F2-3883-4E58-BDC1-C9C30D263E3E}" type="slidenum">
+            <a:fld id="{A54EF2D0-EFA1-4711-B4D0-221E404C4874}" type="slidenum">
               <a:t>&lt;#&gt;</a:t>
             </a:fld>
           </a:p>
@@ -7754,7 +8371,7 @@
         <p:txBody>
           <a:bodyPr/>
           <a:p>
-            <a:fld id="{C793DDB3-DDBB-4DB8-8E88-FF7854E96FF3}" type="slidenum">
+            <a:fld id="{26B76BD7-3C19-4B0B-8D05-F5CE242766BE}" type="slidenum">
               <a:t>&lt;#&gt;</a:t>
             </a:fld>
           </a:p>
@@ -7976,7 +8593,7 @@
         <p:txBody>
           <a:bodyPr/>
           <a:p>
-            <a:fld id="{4B814D9E-03DC-4BC6-BF08-5A4DB5288AAC}" type="slidenum">
+            <a:fld id="{D22F6222-B961-4144-A46F-290F78C9F8DC}" type="slidenum">
               <a:t>&lt;#&gt;</a:t>
             </a:fld>
           </a:p>
@@ -8198,7 +8815,7 @@
         <p:txBody>
           <a:bodyPr/>
           <a:p>
-            <a:fld id="{F8F5A887-1C25-4BE2-9D66-36339ED6CAA1}" type="slidenum">
+            <a:fld id="{E16EBA18-CBEC-4A7D-B9B3-83FA5255EDE6}" type="slidenum">
               <a:t>&lt;#&gt;</a:t>
             </a:fld>
           </a:p>
@@ -8386,7 +9003,7 @@
         <p:txBody>
           <a:bodyPr/>
           <a:p>
-            <a:fld id="{BA5742A2-564C-4FEE-B500-B0E4549D88A7}" type="slidenum">
+            <a:fld id="{D33C6351-F448-401D-969E-88531E7B9E33}" type="slidenum">
               <a:t>&lt;#&gt;</a:t>
             </a:fld>
           </a:p>
@@ -8642,7 +9259,7 @@
         <p:txBody>
           <a:bodyPr/>
           <a:p>
-            <a:fld id="{AB2CCFF7-2EF1-4F2B-A395-88E49A6F240D}" type="slidenum">
+            <a:fld id="{CE015F8C-F759-4844-80D7-B33D36BB6E7F}" type="slidenum">
               <a:t>&lt;#&gt;</a:t>
             </a:fld>
           </a:p>
@@ -8966,7 +9583,7 @@
         <p:txBody>
           <a:bodyPr/>
           <a:p>
-            <a:fld id="{7DDF41F5-8ED8-497A-93EF-D67E2A223AC6}" type="slidenum">
+            <a:fld id="{16E04675-76DC-4A3B-BE70-78C2ECB8B2E5}" type="slidenum">
               <a:t>&lt;#&gt;</a:t>
             </a:fld>
           </a:p>
@@ -9290,7 +9907,7 @@
         <p:txBody>
           <a:bodyPr/>
           <a:p>
-            <a:fld id="{28469423-ED50-4AE1-9D8D-9B3FD79C2872}" type="slidenum">
+            <a:fld id="{B3BAE97B-1A8D-402C-92ED-472861A22DF3}" type="slidenum">
               <a:t>&lt;#&gt;</a:t>
             </a:fld>
           </a:p>
@@ -9373,7 +9990,7 @@
         <p:txBody>
           <a:bodyPr/>
           <a:p>
-            <a:fld id="{55D90966-54CC-4600-AC14-9D2295289158}" type="slidenum">
+            <a:fld id="{EC70FC06-911A-4B22-8C08-8AA30162A964}" type="slidenum">
               <a:t>&lt;#&gt;</a:t>
             </a:fld>
           </a:p>
@@ -9530,7 +10147,7 @@
         <p:txBody>
           <a:bodyPr/>
           <a:p>
-            <a:fld id="{C6528397-BD63-4265-8610-2C884E5D4E6B}" type="slidenum">
+            <a:fld id="{B78DF81B-E32A-4EC1-AFAB-354632F5082C}" type="slidenum">
               <a:t>&lt;#&gt;</a:t>
             </a:fld>
           </a:p>
@@ -9684,7 +10301,7 @@
         <p:txBody>
           <a:bodyPr/>
           <a:p>
-            <a:fld id="{190FD685-DDF2-4C16-BBC0-8724B1C64F48}" type="slidenum">
+            <a:fld id="{D13A868B-A1D2-4524-95CB-A130323704C8}" type="slidenum">
               <a:t>&lt;#&gt;</a:t>
             </a:fld>
           </a:p>
@@ -9872,7 +10489,7 @@
         <p:txBody>
           <a:bodyPr/>
           <a:p>
-            <a:fld id="{A9786C99-97DA-43FC-A05D-9A044FDD1195}" type="slidenum">
+            <a:fld id="{6961C486-CF8E-41C4-833B-578DF39FB4A4}" type="slidenum">
               <a:t>&lt;#&gt;</a:t>
             </a:fld>
           </a:p>
@@ -9992,7 +10609,7 @@
         <p:txBody>
           <a:bodyPr/>
           <a:p>
-            <a:fld id="{93908597-C743-4936-9692-AA677CDEDB9B}" type="slidenum">
+            <a:fld id="{D10029E2-7B30-4498-8E8F-8260E1553DCE}" type="slidenum">
               <a:t>&lt;#&gt;</a:t>
             </a:fld>
           </a:p>
@@ -10112,7 +10729,7 @@
         <p:txBody>
           <a:bodyPr/>
           <a:p>
-            <a:fld id="{BAEC6ED1-D8D8-429E-A471-BE42EFC1B49D}" type="slidenum">
+            <a:fld id="{695D3264-7984-4696-A73C-2CCCDDD55073}" type="slidenum">
               <a:t>&lt;#&gt;</a:t>
             </a:fld>
           </a:p>
@@ -10334,7 +10951,7 @@
         <p:txBody>
           <a:bodyPr/>
           <a:p>
-            <a:fld id="{2423F0F9-A5FF-43B6-9587-AB9C809D9B65}" type="slidenum">
+            <a:fld id="{AE1C4375-7A7A-42EB-BE16-759BB4E2AF7A}" type="slidenum">
               <a:t>&lt;#&gt;</a:t>
             </a:fld>
           </a:p>
@@ -10556,7 +11173,7 @@
         <p:txBody>
           <a:bodyPr/>
           <a:p>
-            <a:fld id="{99E2740A-7750-4E02-983B-A4A06DBC2A28}" type="slidenum">
+            <a:fld id="{24F0C6B7-2769-4851-B03F-5BEE68F45A80}" type="slidenum">
               <a:t>&lt;#&gt;</a:t>
             </a:fld>
           </a:p>
@@ -10778,7 +11395,7 @@
         <p:txBody>
           <a:bodyPr/>
           <a:p>
-            <a:fld id="{075EF493-E094-488A-A76E-CCE1B232E5D3}" type="slidenum">
+            <a:fld id="{D112625F-A424-4ED0-9C27-3A1A3DDBF3DC}" type="slidenum">
               <a:t>&lt;#&gt;</a:t>
             </a:fld>
           </a:p>
@@ -10861,7 +11478,7 @@
         <p:txBody>
           <a:bodyPr/>
           <a:p>
-            <a:fld id="{C7B53612-2A64-4900-8A77-06A36288010B}" type="slidenum">
+            <a:fld id="{2FE0C33B-11B6-44B6-B127-57764B4977EA}" type="slidenum">
               <a:t>&lt;#&gt;</a:t>
             </a:fld>
           </a:p>
@@ -11049,7 +11666,7 @@
         <p:txBody>
           <a:bodyPr/>
           <a:p>
-            <a:fld id="{6479214A-E463-4833-B109-E26900F5AF01}" type="slidenum">
+            <a:fld id="{BDAB0158-39A4-409B-A51A-A1FEE2BD68A4}" type="slidenum">
               <a:t>&lt;#&gt;</a:t>
             </a:fld>
           </a:p>
@@ -11305,7 +11922,7 @@
         <p:txBody>
           <a:bodyPr/>
           <a:p>
-            <a:fld id="{89A41408-48E8-476B-BFDD-34A41AD014E6}" type="slidenum">
+            <a:fld id="{9330F9FE-B664-48A0-B3E8-CEF30A607F9A}" type="slidenum">
               <a:t>&lt;#&gt;</a:t>
             </a:fld>
           </a:p>
@@ -11629,7 +12246,7 @@
         <p:txBody>
           <a:bodyPr/>
           <a:p>
-            <a:fld id="{E4E98808-0CFC-45D1-AB7D-CCB19FA4F169}" type="slidenum">
+            <a:fld id="{11B966CC-87AD-43F0-8D97-F232AD8BEA24}" type="slidenum">
               <a:t>&lt;#&gt;</a:t>
             </a:fld>
           </a:p>
@@ -11712,7 +12329,7 @@
         <p:txBody>
           <a:bodyPr/>
           <a:p>
-            <a:fld id="{2A31BF08-DC27-4175-9731-4E228FE4075A}" type="slidenum">
+            <a:fld id="{2F36FF2A-6086-476B-A6FC-942A668FC6E4}" type="slidenum">
               <a:t>&lt;#&gt;</a:t>
             </a:fld>
           </a:p>
@@ -11869,7 +12486,7 @@
         <p:txBody>
           <a:bodyPr/>
           <a:p>
-            <a:fld id="{55FB134F-4CA9-41BA-8352-823AB6117912}" type="slidenum">
+            <a:fld id="{311A379F-200C-4CFE-A5CA-658203F5639B}" type="slidenum">
               <a:t>&lt;#&gt;</a:t>
             </a:fld>
           </a:p>
@@ -12023,7 +12640,7 @@
         <p:txBody>
           <a:bodyPr/>
           <a:p>
-            <a:fld id="{089CBD00-BDA1-4230-B327-2AC3760CD4A4}" type="slidenum">
+            <a:fld id="{49509B63-1D2C-4D11-8762-ABEF25545037}" type="slidenum">
               <a:t>&lt;#&gt;</a:t>
             </a:fld>
           </a:p>
@@ -12211,7 +12828,7 @@
         <p:txBody>
           <a:bodyPr/>
           <a:p>
-            <a:fld id="{32B139D5-EE9F-42C3-B5E7-7815196F3ACC}" type="slidenum">
+            <a:fld id="{F7E0C926-C33D-4C4D-9996-6427F9B7EA4A}" type="slidenum">
               <a:t>&lt;#&gt;</a:t>
             </a:fld>
           </a:p>
@@ -12331,7 +12948,7 @@
         <p:txBody>
           <a:bodyPr/>
           <a:p>
-            <a:fld id="{C8CED944-3304-4CBA-9CEA-7C0B4123F87E}" type="slidenum">
+            <a:fld id="{EDBF3D34-67B2-4894-92FD-DD27058A8D9D}" type="slidenum">
               <a:t>&lt;#&gt;</a:t>
             </a:fld>
           </a:p>
@@ -12451,7 +13068,7 @@
         <p:txBody>
           <a:bodyPr/>
           <a:p>
-            <a:fld id="{8F88AB96-B160-451A-AFCC-BF196D4C6674}" type="slidenum">
+            <a:fld id="{94824F88-66C6-477C-ACE0-9D5CCD5D1FED}" type="slidenum">
               <a:t>&lt;#&gt;</a:t>
             </a:fld>
           </a:p>
@@ -12673,7 +13290,7 @@
         <p:txBody>
           <a:bodyPr/>
           <a:p>
-            <a:fld id="{6C7BBBAA-99D6-49DC-AC3B-53331C067C61}" type="slidenum">
+            <a:fld id="{ED8977AC-C0C9-44B3-BABE-59D55E4BCE68}" type="slidenum">
               <a:t>&lt;#&gt;</a:t>
             </a:fld>
           </a:p>
@@ -12830,7 +13447,7 @@
         <p:txBody>
           <a:bodyPr/>
           <a:p>
-            <a:fld id="{8039E040-3E2C-4D91-A824-5787BFC8E575}" type="slidenum">
+            <a:fld id="{B7A97866-A837-4045-9055-3EC40AB60D17}" type="slidenum">
               <a:t>&lt;#&gt;</a:t>
             </a:fld>
           </a:p>
@@ -13052,7 +13669,7 @@
         <p:txBody>
           <a:bodyPr/>
           <a:p>
-            <a:fld id="{FDE23DF7-34EE-4E44-AA21-132D8A716260}" type="slidenum">
+            <a:fld id="{F1104C66-80FB-46D5-9C66-3B4598A522DA}" type="slidenum">
               <a:t>&lt;#&gt;</a:t>
             </a:fld>
           </a:p>
@@ -13274,7 +13891,7 @@
         <p:txBody>
           <a:bodyPr/>
           <a:p>
-            <a:fld id="{917132A9-7F6F-4E61-A86C-B610D75D78F4}" type="slidenum">
+            <a:fld id="{38A07C8E-2EDB-46A2-B575-ED20C204FF79}" type="slidenum">
               <a:t>&lt;#&gt;</a:t>
             </a:fld>
           </a:p>
@@ -13462,7 +14079,7 @@
         <p:txBody>
           <a:bodyPr/>
           <a:p>
-            <a:fld id="{D263C829-9CAF-4410-8D9D-B71BBB4DABEF}" type="slidenum">
+            <a:fld id="{86961B4C-8DB2-411B-883F-D9D1DFCBF478}" type="slidenum">
               <a:t>&lt;#&gt;</a:t>
             </a:fld>
           </a:p>
@@ -13718,7 +14335,7 @@
         <p:txBody>
           <a:bodyPr/>
           <a:p>
-            <a:fld id="{A127D962-4762-4D0C-8D48-2678F721846C}" type="slidenum">
+            <a:fld id="{6ACDFFFC-32CB-48D3-B2EA-029FA155FF9A}" type="slidenum">
               <a:t>&lt;#&gt;</a:t>
             </a:fld>
           </a:p>
@@ -14042,7 +14659,7 @@
         <p:txBody>
           <a:bodyPr/>
           <a:p>
-            <a:fld id="{DA2EB312-3834-4E1F-9AD5-BB310EC30EFE}" type="slidenum">
+            <a:fld id="{5B2A62F0-1345-41C8-8F9E-60D0F0567BB9}" type="slidenum">
               <a:t>&lt;#&gt;</a:t>
             </a:fld>
           </a:p>
@@ -14196,7 +14813,7 @@
         <p:txBody>
           <a:bodyPr/>
           <a:p>
-            <a:fld id="{EDD7D7AF-D432-447F-8C9C-F53FAD5A9C9F}" type="slidenum">
+            <a:fld id="{EDF230F3-021C-44CC-A3AD-F95EF82EA62C}" type="slidenum">
               <a:t>&lt;#&gt;</a:t>
             </a:fld>
           </a:p>
@@ -14384,7 +15001,7 @@
         <p:txBody>
           <a:bodyPr/>
           <a:p>
-            <a:fld id="{6722758E-127B-46CB-830B-442E7CB22ED6}" type="slidenum">
+            <a:fld id="{148CED6C-48D4-4C69-9EBA-C4715AC4696D}" type="slidenum">
               <a:t>&lt;#&gt;</a:t>
             </a:fld>
           </a:p>
@@ -14504,7 +15121,7 @@
         <p:txBody>
           <a:bodyPr/>
           <a:p>
-            <a:fld id="{3F20DF92-9356-40D0-B2E9-2ADB24A6C4BE}" type="slidenum">
+            <a:fld id="{14AD8CA1-8105-44B1-95CD-8B827C2AFE0B}" type="slidenum">
               <a:t>&lt;#&gt;</a:t>
             </a:fld>
           </a:p>
@@ -14624,7 +15241,7 @@
         <p:txBody>
           <a:bodyPr/>
           <a:p>
-            <a:fld id="{73A0DB0D-5591-45A9-B636-DD2293F57073}" type="slidenum">
+            <a:fld id="{20187365-266C-4B4C-9A1E-3B742DCBD644}" type="slidenum">
               <a:t>&lt;#&gt;</a:t>
             </a:fld>
           </a:p>
@@ -14846,7 +15463,7 @@
         <p:txBody>
           <a:bodyPr/>
           <a:p>
-            <a:fld id="{5A8E0F1F-2410-483E-86AA-5608550706F9}" type="slidenum">
+            <a:fld id="{D559B6D9-4ED2-439C-BFF7-8D41761AC721}" type="slidenum">
               <a:t>&lt;#&gt;</a:t>
             </a:fld>
           </a:p>
@@ -15003,7 +15620,7 @@
         <p:txBody>
           <a:bodyPr/>
           <a:p>
-            <a:fld id="{AF07D776-15EE-4107-B677-4B014A1F595F}" type="slidenum">
+            <a:fld id="{CBF36FF8-5679-433B-997D-11EA80BB1449}" type="slidenum">
               <a:t>&lt;#&gt;</a:t>
             </a:fld>
           </a:p>
@@ -15225,7 +15842,7 @@
         <p:txBody>
           <a:bodyPr/>
           <a:p>
-            <a:fld id="{D1AE72AD-6081-4CE8-A55D-90C138ABE78F}" type="slidenum">
+            <a:fld id="{8104BD74-A7E6-46CE-AEC4-A6CA09A98D58}" type="slidenum">
               <a:t>&lt;#&gt;</a:t>
             </a:fld>
           </a:p>
@@ -15447,7 +16064,7 @@
         <p:txBody>
           <a:bodyPr/>
           <a:p>
-            <a:fld id="{4D0DC917-E71B-4FC3-873D-D9DC6B7AF98F}" type="slidenum">
+            <a:fld id="{E5A31E3D-AB86-4F54-9173-08B875176537}" type="slidenum">
               <a:t>&lt;#&gt;</a:t>
             </a:fld>
           </a:p>
@@ -15635,7 +16252,7 @@
         <p:txBody>
           <a:bodyPr/>
           <a:p>
-            <a:fld id="{A4D0951B-1013-4D7E-859A-026C0436A45E}" type="slidenum">
+            <a:fld id="{1A100B25-CF50-4F8A-B913-26C94800375C}" type="slidenum">
               <a:t>&lt;#&gt;</a:t>
             </a:fld>
           </a:p>
@@ -15891,7 +16508,7 @@
         <p:txBody>
           <a:bodyPr/>
           <a:p>
-            <a:fld id="{B5A94B61-388A-498A-AAE7-C1C7A8C9B1E4}" type="slidenum">
+            <a:fld id="{7B5F4B1B-E2B7-424F-8DA8-90DB91707814}" type="slidenum">
               <a:t>&lt;#&gt;</a:t>
             </a:fld>
           </a:p>
@@ -16215,7 +16832,7 @@
         <p:txBody>
           <a:bodyPr/>
           <a:p>
-            <a:fld id="{E5859F86-3343-4B72-A528-A13BA8B763DB}" type="slidenum">
+            <a:fld id="{02DD9A03-53B8-4F86-B938-B8802F5F7564}" type="slidenum">
               <a:t>&lt;#&gt;</a:t>
             </a:fld>
           </a:p>
@@ -16298,7 +16915,7 @@
         <p:txBody>
           <a:bodyPr/>
           <a:p>
-            <a:fld id="{F5CE91B2-69BB-4388-9AA3-B00C70A6C504}" type="slidenum">
+            <a:fld id="{B35D7D81-6636-47C5-9A1F-B7DF03A58B53}" type="slidenum">
               <a:t>&lt;#&gt;</a:t>
             </a:fld>
           </a:p>
@@ -16455,7 +17072,7 @@
         <p:txBody>
           <a:bodyPr/>
           <a:p>
-            <a:fld id="{31F15376-8335-4C65-86C9-BFDB21448999}" type="slidenum">
+            <a:fld id="{80D835F4-D38F-4356-8DE3-3E1637F083FD}" type="slidenum">
               <a:t>&lt;#&gt;</a:t>
             </a:fld>
           </a:p>
@@ -16609,7 +17226,7 @@
         <p:txBody>
           <a:bodyPr/>
           <a:p>
-            <a:fld id="{5D26EE61-B61F-4BAB-874A-99F144F9AAA6}" type="slidenum">
+            <a:fld id="{F04E3021-B054-40BB-80F9-E648A243FD76}" type="slidenum">
               <a:t>&lt;#&gt;</a:t>
             </a:fld>
           </a:p>
@@ -16797,7 +17414,7 @@
         <p:txBody>
           <a:bodyPr/>
           <a:p>
-            <a:fld id="{13A12208-6FCB-4C04-85F1-4779B33F8D78}" type="slidenum">
+            <a:fld id="{27374AE8-27B0-4B7A-9EB6-8FF74052F3B1}" type="slidenum">
               <a:t>&lt;#&gt;</a:t>
             </a:fld>
           </a:p>
@@ -16917,7 +17534,7 @@
         <p:txBody>
           <a:bodyPr/>
           <a:p>
-            <a:fld id="{E8F2893D-2B52-4DBA-9B01-956D0B94549A}" type="slidenum">
+            <a:fld id="{89FD6B81-E086-4A73-A1F3-2A4728E295B7}" type="slidenum">
               <a:t>&lt;#&gt;</a:t>
             </a:fld>
           </a:p>
@@ -17071,7 +17688,7 @@
         <p:txBody>
           <a:bodyPr/>
           <a:p>
-            <a:fld id="{69F97015-7A9B-40BB-B535-E96A7BDEA3D1}" type="slidenum">
+            <a:fld id="{3298D0F6-B076-4B1B-B849-7F591FA6A7B5}" type="slidenum">
               <a:t>&lt;#&gt;</a:t>
             </a:fld>
           </a:p>
@@ -17191,7 +17808,7 @@
         <p:txBody>
           <a:bodyPr/>
           <a:p>
-            <a:fld id="{A56BE04A-4F72-4B89-9DB6-C71888E47E84}" type="slidenum">
+            <a:fld id="{DC8F5AAE-97A0-441F-AD21-A4272F2CF39E}" type="slidenum">
               <a:t>&lt;#&gt;</a:t>
             </a:fld>
           </a:p>
@@ -17413,7 +18030,7 @@
         <p:txBody>
           <a:bodyPr/>
           <a:p>
-            <a:fld id="{FA86F2AB-CD99-4663-A3D4-B678C898C4AE}" type="slidenum">
+            <a:fld id="{8E83F5F7-DC12-49B6-886A-4A4D8735345C}" type="slidenum">
               <a:t>&lt;#&gt;</a:t>
             </a:fld>
           </a:p>
@@ -17635,7 +18252,7 @@
         <p:txBody>
           <a:bodyPr/>
           <a:p>
-            <a:fld id="{EB4E6CBE-96AD-4EC8-B129-CA14BC1BA204}" type="slidenum">
+            <a:fld id="{36425A01-9F87-4830-95AE-ACC8EB7163D9}" type="slidenum">
               <a:t>&lt;#&gt;</a:t>
             </a:fld>
           </a:p>
@@ -17857,7 +18474,7 @@
         <p:txBody>
           <a:bodyPr/>
           <a:p>
-            <a:fld id="{94B9B463-4878-4FD1-883C-454CF72D741E}" type="slidenum">
+            <a:fld id="{71897C32-7E5E-4655-9306-C20AB3A759C7}" type="slidenum">
               <a:t>&lt;#&gt;</a:t>
             </a:fld>
           </a:p>
@@ -18045,7 +18662,7 @@
         <p:txBody>
           <a:bodyPr/>
           <a:p>
-            <a:fld id="{153AC807-7856-4BB5-8DC9-3B26C5F287F2}" type="slidenum">
+            <a:fld id="{5273B6B1-B3E3-42C3-A97F-9B1333041B2E}" type="slidenum">
               <a:t>&lt;#&gt;</a:t>
             </a:fld>
           </a:p>
@@ -18301,7 +18918,7 @@
         <p:txBody>
           <a:bodyPr/>
           <a:p>
-            <a:fld id="{DE9FCA53-513E-446B-B004-5B6D6654034E}" type="slidenum">
+            <a:fld id="{C25B2B0C-9DC5-4553-887C-30242E8EDC08}" type="slidenum">
               <a:t>&lt;#&gt;</a:t>
             </a:fld>
           </a:p>
@@ -18625,7 +19242,7 @@
         <p:txBody>
           <a:bodyPr/>
           <a:p>
-            <a:fld id="{FBA779EF-0FE8-4C98-B6B3-48BC10533B5D}" type="slidenum">
+            <a:fld id="{990033E6-2FD3-495D-A742-14462182EF19}" type="slidenum">
               <a:t>&lt;#&gt;</a:t>
             </a:fld>
           </a:p>
@@ -18708,7 +19325,7 @@
         <p:txBody>
           <a:bodyPr/>
           <a:p>
-            <a:fld id="{6466DD69-6CC8-477F-8DB9-14AFA6712F29}" type="slidenum">
+            <a:fld id="{849F895E-23CE-4D20-A285-24EB1B456CC2}" type="slidenum">
               <a:t>&lt;#&gt;</a:t>
             </a:fld>
           </a:p>
@@ -18865,7 +19482,7 @@
         <p:txBody>
           <a:bodyPr/>
           <a:p>
-            <a:fld id="{CF1F0D12-6E30-40C1-89D0-3F08D1EF4659}" type="slidenum">
+            <a:fld id="{C2EB7CD0-1F2D-4915-88E7-0DC817A5B8FD}" type="slidenum">
               <a:t>&lt;#&gt;</a:t>
             </a:fld>
           </a:p>
@@ -19019,7 +19636,7 @@
         <p:txBody>
           <a:bodyPr/>
           <a:p>
-            <a:fld id="{E513D5E0-6267-49AB-80A8-7D8ADF357954}" type="slidenum">
+            <a:fld id="{B2D1CCA3-56E7-45EA-8EC0-E029748BE5F3}" type="slidenum">
               <a:t>&lt;#&gt;</a:t>
             </a:fld>
           </a:p>
@@ -19207,7 +19824,7 @@
         <p:txBody>
           <a:bodyPr/>
           <a:p>
-            <a:fld id="{C417732E-19B3-46B1-B8C9-B7FB48B64045}" type="slidenum">
+            <a:fld id="{53EED1C9-A66E-4A5B-B27E-228DDC85874B}" type="slidenum">
               <a:t>&lt;#&gt;</a:t>
             </a:fld>
           </a:p>
@@ -19395,7 +20012,7 @@
         <p:txBody>
           <a:bodyPr/>
           <a:p>
-            <a:fld id="{B218BBA9-6BA9-4992-989D-97519F2CF576}" type="slidenum">
+            <a:fld id="{B298B809-6F5E-423B-9FA8-18E19A3523C5}" type="slidenum">
               <a:t>&lt;#&gt;</a:t>
             </a:fld>
           </a:p>
@@ -19515,7 +20132,7 @@
         <p:txBody>
           <a:bodyPr/>
           <a:p>
-            <a:fld id="{67123100-E2FD-4112-B9A0-14E8510C83DC}" type="slidenum">
+            <a:fld id="{D6138537-9B7D-43CB-AE30-BEA650046B7A}" type="slidenum">
               <a:t>&lt;#&gt;</a:t>
             </a:fld>
           </a:p>
@@ -19635,7 +20252,7 @@
         <p:txBody>
           <a:bodyPr/>
           <a:p>
-            <a:fld id="{79C1255A-7D3D-49F2-BC32-B2ACC1A4A011}" type="slidenum">
+            <a:fld id="{20A6A198-C1B2-4361-B04E-13BC1E44FD1D}" type="slidenum">
               <a:t>&lt;#&gt;</a:t>
             </a:fld>
           </a:p>
@@ -19857,7 +20474,7 @@
         <p:txBody>
           <a:bodyPr/>
           <a:p>
-            <a:fld id="{EA347200-7F3F-461E-B8CB-F0DCDB92337C}" type="slidenum">
+            <a:fld id="{486E1F56-CAE9-400D-930A-7FA5874BF7CE}" type="slidenum">
               <a:t>&lt;#&gt;</a:t>
             </a:fld>
           </a:p>
@@ -20079,7 +20696,7 @@
         <p:txBody>
           <a:bodyPr/>
           <a:p>
-            <a:fld id="{C990025C-CE2B-448D-97C4-2E3B8DC4172A}" type="slidenum">
+            <a:fld id="{E7B5E343-3E0C-4FE5-A025-D52E1CD63C92}" type="slidenum">
               <a:t>&lt;#&gt;</a:t>
             </a:fld>
           </a:p>
@@ -20301,7 +20918,7 @@
         <p:txBody>
           <a:bodyPr/>
           <a:p>
-            <a:fld id="{5387A608-41A8-4B57-A89D-79E036543B39}" type="slidenum">
+            <a:fld id="{F86084BF-8AFA-4221-9F50-07740E70156A}" type="slidenum">
               <a:t>&lt;#&gt;</a:t>
             </a:fld>
           </a:p>
@@ -20489,7 +21106,7 @@
         <p:txBody>
           <a:bodyPr/>
           <a:p>
-            <a:fld id="{26470FE7-5D36-4254-9630-B61079325918}" type="slidenum">
+            <a:fld id="{ADC0D590-6752-4489-9757-B86516FAF794}" type="slidenum">
               <a:t>&lt;#&gt;</a:t>
             </a:fld>
           </a:p>
@@ -20745,7 +21362,7 @@
         <p:txBody>
           <a:bodyPr/>
           <a:p>
-            <a:fld id="{3CEA9649-2435-451E-AEAE-98C4547FD159}" type="slidenum">
+            <a:fld id="{A269D914-5CE7-44C7-9CBF-CFA7982715F6}" type="slidenum">
               <a:t>&lt;#&gt;</a:t>
             </a:fld>
           </a:p>
@@ -21069,7 +21686,7 @@
         <p:txBody>
           <a:bodyPr/>
           <a:p>
-            <a:fld id="{201CF21F-1525-4FE6-85D6-870BE7525091}" type="slidenum">
+            <a:fld id="{B79CB120-A1CE-4C07-86DF-3B4CC93E50D3}" type="slidenum">
               <a:t>&lt;#&gt;</a:t>
             </a:fld>
           </a:p>
@@ -21152,7 +21769,7 @@
         <p:txBody>
           <a:bodyPr/>
           <a:p>
-            <a:fld id="{4B5E8F56-BFEE-4735-B3A7-4C590BC817D7}" type="slidenum">
+            <a:fld id="{8783E50E-F5CD-44A4-9EA0-6C1F0D486351}" type="slidenum">
               <a:t>&lt;#&gt;</a:t>
             </a:fld>
           </a:p>
@@ -21272,7 +21889,7 @@
         <p:txBody>
           <a:bodyPr/>
           <a:p>
-            <a:fld id="{CF0A0747-65B6-472D-8E13-820B4CE79D99}" type="slidenum">
+            <a:fld id="{128A08C6-2667-4A64-9AFA-EBB6236A983E}" type="slidenum">
               <a:t>&lt;#&gt;</a:t>
             </a:fld>
           </a:p>
@@ -21429,7 +22046,7 @@
         <p:txBody>
           <a:bodyPr/>
           <a:p>
-            <a:fld id="{6A4C4B50-E7E7-4DBE-A6C6-9F3AEE77AA56}" type="slidenum">
+            <a:fld id="{988D7092-BB02-4199-AED4-F6BF1E47E904}" type="slidenum">
               <a:t>&lt;#&gt;</a:t>
             </a:fld>
           </a:p>
@@ -21583,7 +22200,7 @@
         <p:txBody>
           <a:bodyPr/>
           <a:p>
-            <a:fld id="{0AF02ABB-1FA4-4AFF-9CD8-F66DB3B7EF71}" type="slidenum">
+            <a:fld id="{8B32474D-333E-4172-819F-812FCCD8F899}" type="slidenum">
               <a:t>&lt;#&gt;</a:t>
             </a:fld>
           </a:p>
@@ -21771,7 +22388,7 @@
         <p:txBody>
           <a:bodyPr/>
           <a:p>
-            <a:fld id="{EF1D0E2C-4B50-40D9-9459-6B115B62B19C}" type="slidenum">
+            <a:fld id="{9A434C08-E584-4AF3-8202-AE4B1CB0033B}" type="slidenum">
               <a:t>&lt;#&gt;</a:t>
             </a:fld>
           </a:p>
@@ -21891,7 +22508,7 @@
         <p:txBody>
           <a:bodyPr/>
           <a:p>
-            <a:fld id="{C5E55418-81D6-4FB6-9F63-BEE2BC024EB4}" type="slidenum">
+            <a:fld id="{3BD254B5-5B02-4460-94A9-3BCB57987545}" type="slidenum">
               <a:t>&lt;#&gt;</a:t>
             </a:fld>
           </a:p>
@@ -22011,7 +22628,7 @@
         <p:txBody>
           <a:bodyPr/>
           <a:p>
-            <a:fld id="{802F094A-D03C-40B1-ACCD-7906F7CBB4C7}" type="slidenum">
+            <a:fld id="{87C818EA-EBBC-48E1-BEBE-FB3D07F0EA06}" type="slidenum">
               <a:t>&lt;#&gt;</a:t>
             </a:fld>
           </a:p>
@@ -22233,7 +22850,7 @@
         <p:txBody>
           <a:bodyPr/>
           <a:p>
-            <a:fld id="{02CAA539-4C67-4A51-BACB-BE90DC4D3B1E}" type="slidenum">
+            <a:fld id="{5DC674CA-479D-416B-84B6-C4D76E8644FD}" type="slidenum">
               <a:t>&lt;#&gt;</a:t>
             </a:fld>
           </a:p>
@@ -22455,7 +23072,7 @@
         <p:txBody>
           <a:bodyPr/>
           <a:p>
-            <a:fld id="{AF3667B3-7D1D-43EE-92FF-6498B4E3B6B8}" type="slidenum">
+            <a:fld id="{8B9E1155-7125-4178-8968-C8A199032EFF}" type="slidenum">
               <a:t>&lt;#&gt;</a:t>
             </a:fld>
           </a:p>
@@ -22677,7 +23294,7 @@
         <p:txBody>
           <a:bodyPr/>
           <a:p>
-            <a:fld id="{D5EF697B-F410-46B7-99E5-4865227BE622}" type="slidenum">
+            <a:fld id="{65254FE3-ABA1-42EB-9188-AC61BFA2CBB4}" type="slidenum">
               <a:t>&lt;#&gt;</a:t>
             </a:fld>
           </a:p>
@@ -22865,7 +23482,7 @@
         <p:txBody>
           <a:bodyPr/>
           <a:p>
-            <a:fld id="{B0782AB4-B384-4F8F-B7FF-D885E5F4D492}" type="slidenum">
+            <a:fld id="{12ED4144-3B6F-49A7-8F61-33A8F08AC60A}" type="slidenum">
               <a:t>&lt;#&gt;</a:t>
             </a:fld>
           </a:p>
@@ -23121,7 +23738,7 @@
         <p:txBody>
           <a:bodyPr/>
           <a:p>
-            <a:fld id="{814632DB-9E9E-48A7-9C9A-32FCA6C6AB97}" type="slidenum">
+            <a:fld id="{5E857C37-F33D-498F-8728-5D55D16C0BFD}" type="slidenum">
               <a:t>&lt;#&gt;</a:t>
             </a:fld>
           </a:p>
@@ -23241,7 +23858,7 @@
         <p:txBody>
           <a:bodyPr/>
           <a:p>
-            <a:fld id="{01A97536-AE61-4C4A-89BF-D97BD22F7BCF}" type="slidenum">
+            <a:fld id="{02B222EA-E24F-4BA5-84F1-7E6DC137B21F}" type="slidenum">
               <a:t>&lt;#&gt;</a:t>
             </a:fld>
           </a:p>
@@ -23565,7 +24182,7 @@
         <p:txBody>
           <a:bodyPr/>
           <a:p>
-            <a:fld id="{63CE8EAD-7D70-4360-8521-35A9E79E25DA}" type="slidenum">
+            <a:fld id="{385442EA-8A74-4F5E-AF6A-599A3D297CA4}" type="slidenum">
               <a:t>&lt;#&gt;</a:t>
             </a:fld>
           </a:p>
@@ -23648,7 +24265,7 @@
         <p:txBody>
           <a:bodyPr/>
           <a:p>
-            <a:fld id="{3BFACEF3-61D1-431E-BA90-D41C4CD150C9}" type="slidenum">
+            <a:fld id="{FC5106EC-3EF3-4097-A12F-B152B0A0F0EC}" type="slidenum">
               <a:t>&lt;#&gt;</a:t>
             </a:fld>
           </a:p>
@@ -23805,7 +24422,7 @@
         <p:txBody>
           <a:bodyPr/>
           <a:p>
-            <a:fld id="{2AC1426A-3605-4A77-8DA3-28EF33EFE84A}" type="slidenum">
+            <a:fld id="{6E57B7B3-EB85-4061-96AD-94719048E759}" type="slidenum">
               <a:t>&lt;#&gt;</a:t>
             </a:fld>
           </a:p>
@@ -23959,7 +24576,7 @@
         <p:txBody>
           <a:bodyPr/>
           <a:p>
-            <a:fld id="{234DCAE7-F799-4687-A8AF-0DF3FB2C9CA5}" type="slidenum">
+            <a:fld id="{B1F19657-DD78-4404-B34F-777C25D29C9A}" type="slidenum">
               <a:t>&lt;#&gt;</a:t>
             </a:fld>
           </a:p>
@@ -24147,7 +24764,7 @@
         <p:txBody>
           <a:bodyPr/>
           <a:p>
-            <a:fld id="{2324159F-7581-449C-8CE7-1653521D1F7F}" type="slidenum">
+            <a:fld id="{D8BF731C-AE56-487F-BA4A-15BF9BD9FD9B}" type="slidenum">
               <a:t>&lt;#&gt;</a:t>
             </a:fld>
           </a:p>
@@ -24267,7 +24884,7 @@
         <p:txBody>
           <a:bodyPr/>
           <a:p>
-            <a:fld id="{0AA4806A-5711-4603-8678-5DCD22B8FCF9}" type="slidenum">
+            <a:fld id="{14C7B36A-9B57-4394-BCDA-B24AD59FDCDF}" type="slidenum">
               <a:t>&lt;#&gt;</a:t>
             </a:fld>
           </a:p>
@@ -24387,7 +25004,7 @@
         <p:txBody>
           <a:bodyPr/>
           <a:p>
-            <a:fld id="{980151B4-028B-4485-BDF8-AFC6791C2483}" type="slidenum">
+            <a:fld id="{E0BADDF5-3EFA-4CAC-B1A3-AF2DD2CF5584}" type="slidenum">
               <a:t>&lt;#&gt;</a:t>
             </a:fld>
           </a:p>
@@ -24609,7 +25226,7 @@
         <p:txBody>
           <a:bodyPr/>
           <a:p>
-            <a:fld id="{87278456-ADA6-45B4-9E8B-E658BC6A8875}" type="slidenum">
+            <a:fld id="{6DAB0247-BAF7-4C16-AC34-CC5FE717A101}" type="slidenum">
               <a:t>&lt;#&gt;</a:t>
             </a:fld>
           </a:p>
@@ -24831,7 +25448,7 @@
         <p:txBody>
           <a:bodyPr/>
           <a:p>
-            <a:fld id="{20E2C89E-9F23-43FF-A3E6-BFDB4E7F83A1}" type="slidenum">
+            <a:fld id="{9CDD3DE0-44DF-4D1B-8E4B-BA0F008E6012}" type="slidenum">
               <a:t>&lt;#&gt;</a:t>
             </a:fld>
           </a:p>
@@ -25053,7 +25670,7 @@
         <p:txBody>
           <a:bodyPr/>
           <a:p>
-            <a:fld id="{1C93BD58-0650-4761-9CB7-6D7B85061DF6}" type="slidenum">
+            <a:fld id="{3CDBFE8A-C170-4BF7-BDE1-07EA5EE3D9D4}" type="slidenum">
               <a:t>&lt;#&gt;</a:t>
             </a:fld>
           </a:p>
@@ -25275,7 +25892,7 @@
         <p:txBody>
           <a:bodyPr/>
           <a:p>
-            <a:fld id="{8043924F-306F-4230-B005-AC830423A5A8}" type="slidenum">
+            <a:fld id="{E934155A-7682-4C7D-9218-1491D63818D6}" type="slidenum">
               <a:t>&lt;#&gt;</a:t>
             </a:fld>
           </a:p>
@@ -25463,7 +26080,7 @@
         <p:txBody>
           <a:bodyPr/>
           <a:p>
-            <a:fld id="{796D3619-E936-4DEE-8C2B-12C7B06C9D1F}" type="slidenum">
+            <a:fld id="{C51CBAEE-4FE2-429C-A279-B681DF4EDCD9}" type="slidenum">
               <a:t>&lt;#&gt;</a:t>
             </a:fld>
           </a:p>
@@ -25719,7 +26336,7 @@
         <p:txBody>
           <a:bodyPr/>
           <a:p>
-            <a:fld id="{5B956651-70D2-4218-B995-1BAE4151816F}" type="slidenum">
+            <a:fld id="{4AE3F2CC-239E-4B8B-B1F8-ABF72BA512AD}" type="slidenum">
               <a:t>&lt;#&gt;</a:t>
             </a:fld>
           </a:p>
@@ -26043,7 +26660,7 @@
         <p:txBody>
           <a:bodyPr/>
           <a:p>
-            <a:fld id="{173D1A91-A0A4-4951-8401-9E1F52F49667}" type="slidenum">
+            <a:fld id="{7E8E4940-45BB-4E16-B5CE-605FD6521360}" type="slidenum">
               <a:t>&lt;#&gt;</a:t>
             </a:fld>
           </a:p>
@@ -26126,7 +26743,7 @@
         <p:txBody>
           <a:bodyPr/>
           <a:p>
-            <a:fld id="{50B8157F-805C-4CA1-8526-3EF3FD6BA20D}" type="slidenum">
+            <a:fld id="{55B49CBA-EB85-4C63-A01D-6F84C205F2A1}" type="slidenum">
               <a:t>&lt;#&gt;</a:t>
             </a:fld>
           </a:p>
@@ -26283,7 +26900,7 @@
         <p:txBody>
           <a:bodyPr/>
           <a:p>
-            <a:fld id="{93F66AEC-F0DA-48B9-8584-5E0784E464E7}" type="slidenum">
+            <a:fld id="{F527E9D9-D37F-4BAE-99DA-EDE742C6FC54}" type="slidenum">
               <a:t>&lt;#&gt;</a:t>
             </a:fld>
           </a:p>
@@ -26437,7 +27054,7 @@
         <p:txBody>
           <a:bodyPr/>
           <a:p>
-            <a:fld id="{D91A4A90-195D-4942-B9A8-B851E9EC13EE}" type="slidenum">
+            <a:fld id="{0A2C9E56-F3F8-45C9-8681-A507602E0B22}" type="slidenum">
               <a:t>&lt;#&gt;</a:t>
             </a:fld>
           </a:p>
@@ -26625,7 +27242,7 @@
         <p:txBody>
           <a:bodyPr/>
           <a:p>
-            <a:fld id="{57C3477A-5EA6-43D6-A162-FCFAB0057841}" type="slidenum">
+            <a:fld id="{E422780F-3449-47A6-B543-FC099563F947}" type="slidenum">
               <a:t>&lt;#&gt;</a:t>
             </a:fld>
           </a:p>
@@ -26745,7 +27362,7 @@
         <p:txBody>
           <a:bodyPr/>
           <a:p>
-            <a:fld id="{19235C93-3C4E-4F8C-855D-1CB0F50863F0}" type="slidenum">
+            <a:fld id="{70A39F83-7261-425D-B01D-39A6A6792C3E}" type="slidenum">
               <a:t>&lt;#&gt;</a:t>
             </a:fld>
           </a:p>
@@ -26865,7 +27482,7 @@
         <p:txBody>
           <a:bodyPr/>
           <a:p>
-            <a:fld id="{F0BABF17-3AB6-4C93-A8EA-EDE4EEE6D476}" type="slidenum">
+            <a:fld id="{15A327B2-45AC-453F-83B9-BC7F0CB192A3}" type="slidenum">
               <a:t>&lt;#&gt;</a:t>
             </a:fld>
           </a:p>
@@ -27087,7 +27704,7 @@
         <p:txBody>
           <a:bodyPr/>
           <a:p>
-            <a:fld id="{B3E0C9D5-8174-4B5C-A020-C35A611FA389}" type="slidenum">
+            <a:fld id="{6F1B5D7B-EC26-4D99-9D76-2BF8D182B449}" type="slidenum">
               <a:t>&lt;#&gt;</a:t>
             </a:fld>
           </a:p>
@@ -27309,7 +27926,7 @@
         <p:txBody>
           <a:bodyPr/>
           <a:p>
-            <a:fld id="{023DB755-9C3A-49CB-AA66-30BD867BC5F4}" type="slidenum">
+            <a:fld id="{25DFACA0-ED56-4851-A94A-85DA5075CC5F}" type="slidenum">
               <a:t>&lt;#&gt;</a:t>
             </a:fld>
           </a:p>
@@ -27531,7 +28148,7 @@
         <p:txBody>
           <a:bodyPr/>
           <a:p>
-            <a:fld id="{45A8566B-B31F-4646-B1B1-5DD3EBD55B51}" type="slidenum">
+            <a:fld id="{6DC30616-A38F-4408-ADE7-C067F2991C47}" type="slidenum">
               <a:t>&lt;#&gt;</a:t>
             </a:fld>
           </a:p>
@@ -27753,7 +28370,7 @@
         <p:txBody>
           <a:bodyPr/>
           <a:p>
-            <a:fld id="{76BDA504-9A17-4581-8749-38CC18AE0EE1}" type="slidenum">
+            <a:fld id="{CEECA47E-E713-407D-9495-7E049B648E81}" type="slidenum">
               <a:t>&lt;#&gt;</a:t>
             </a:fld>
           </a:p>
@@ -27941,7 +28558,7 @@
         <p:txBody>
           <a:bodyPr/>
           <a:p>
-            <a:fld id="{AE1C9252-AD26-4A18-9B43-B33FFFD069D0}" type="slidenum">
+            <a:fld id="{82984BD9-F25B-4F2F-8B15-3A750B9CB0AA}" type="slidenum">
               <a:t>&lt;#&gt;</a:t>
             </a:fld>
           </a:p>
@@ -28197,7 +28814,7 @@
         <p:txBody>
           <a:bodyPr/>
           <a:p>
-            <a:fld id="{FE4807BA-42BC-4C3D-954A-10ED482B2C96}" type="slidenum">
+            <a:fld id="{F0B01074-A87E-44F1-86F6-1E38845D0E0C}" type="slidenum">
               <a:t>&lt;#&gt;</a:t>
             </a:fld>
           </a:p>
@@ -28521,7 +29138,7 @@
         <p:txBody>
           <a:bodyPr/>
           <a:p>
-            <a:fld id="{99F26872-E222-4AD7-9C94-1C952375E22E}" type="slidenum">
+            <a:fld id="{72B4D5A5-9345-4D0B-8FD5-42A39003F689}" type="slidenum">
               <a:t>&lt;#&gt;</a:t>
             </a:fld>
           </a:p>
@@ -28604,7 +29221,7 @@
         <p:txBody>
           <a:bodyPr/>
           <a:p>
-            <a:fld id="{CC7C64F5-FA03-40DA-9876-851E14AC9DB0}" type="slidenum">
+            <a:fld id="{0E213FCC-B680-4C89-9933-DC20849CBFE3}" type="slidenum">
               <a:t>&lt;#&gt;</a:t>
             </a:fld>
           </a:p>
@@ -28761,7 +29378,7 @@
         <p:txBody>
           <a:bodyPr/>
           <a:p>
-            <a:fld id="{A073ED50-269C-47C1-B3A9-937D81B5A104}" type="slidenum">
+            <a:fld id="{13FA8FF3-C6ED-41B2-9E10-4581D72D78C8}" type="slidenum">
               <a:t>&lt;#&gt;</a:t>
             </a:fld>
           </a:p>
@@ -28915,7 +29532,7 @@
         <p:txBody>
           <a:bodyPr/>
           <a:p>
-            <a:fld id="{23A8A012-D64E-42E7-B0FB-954D4DB9DC87}" type="slidenum">
+            <a:fld id="{8B8535FD-A7A8-4CDA-A0BD-E29BD280D51B}" type="slidenum">
               <a:t>&lt;#&gt;</a:t>
             </a:fld>
           </a:p>
@@ -29103,7 +29720,7 @@
         <p:txBody>
           <a:bodyPr/>
           <a:p>
-            <a:fld id="{EDD3FA62-CC21-40DF-9CAE-25BF39E2F625}" type="slidenum">
+            <a:fld id="{2D02CE41-4B17-49C6-AF88-2A69E2A854FD}" type="slidenum">
               <a:t>&lt;#&gt;</a:t>
             </a:fld>
           </a:p>
@@ -29223,7 +29840,7 @@
         <p:txBody>
           <a:bodyPr/>
           <a:p>
-            <a:fld id="{9BCA84EC-6C57-4565-B517-9B4C04CCB9F4}" type="slidenum">
+            <a:fld id="{EEE52A35-859E-484C-BBF6-C1893D9EC3A5}" type="slidenum">
               <a:t>&lt;#&gt;</a:t>
             </a:fld>
           </a:p>
@@ -29445,7 +30062,7 @@
         <p:txBody>
           <a:bodyPr/>
           <a:p>
-            <a:fld id="{BB82307D-2CAC-4A91-8C26-082B4B6E7AF8}" type="slidenum">
+            <a:fld id="{78C69168-6CE3-412D-81FC-343D15935A25}" type="slidenum">
               <a:t>&lt;#&gt;</a:t>
             </a:fld>
           </a:p>
@@ -29565,7 +30182,7 @@
         <p:txBody>
           <a:bodyPr/>
           <a:p>
-            <a:fld id="{7E9A0C54-922D-43D1-A522-07600D496A79}" type="slidenum">
+            <a:fld id="{A07D26BB-8067-4E2E-9AD5-34E04C9BF118}" type="slidenum">
               <a:t>&lt;#&gt;</a:t>
             </a:fld>
           </a:p>
@@ -29787,7 +30404,7 @@
         <p:txBody>
           <a:bodyPr/>
           <a:p>
-            <a:fld id="{AB5C7735-0011-4C3F-B1C4-ECD931FB7317}" type="slidenum">
+            <a:fld id="{30492F45-F1F2-4D1E-AF2B-E3B54D9378B4}" type="slidenum">
               <a:t>&lt;#&gt;</a:t>
             </a:fld>
           </a:p>
@@ -30009,7 +30626,7 @@
         <p:txBody>
           <a:bodyPr/>
           <a:p>
-            <a:fld id="{AE8CAF8D-A6C0-4E4D-9FAC-857DDF8425DD}" type="slidenum">
+            <a:fld id="{5A655480-7926-4C80-B34E-7584361C76C3}" type="slidenum">
               <a:t>&lt;#&gt;</a:t>
             </a:fld>
           </a:p>
@@ -30231,7 +30848,7 @@
         <p:txBody>
           <a:bodyPr/>
           <a:p>
-            <a:fld id="{413EB5C3-E2C7-49F2-9566-8A92BC380E07}" type="slidenum">
+            <a:fld id="{B28282DE-2579-466E-9F69-F4C814FA0C88}" type="slidenum">
               <a:t>&lt;#&gt;</a:t>
             </a:fld>
           </a:p>
@@ -30419,7 +31036,7 @@
         <p:txBody>
           <a:bodyPr/>
           <a:p>
-            <a:fld id="{E41A8C03-EBAA-4817-9C2E-A94073A9868E}" type="slidenum">
+            <a:fld id="{8B23485D-F188-4780-B880-F19D6D1ED6DF}" type="slidenum">
               <a:t>&lt;#&gt;</a:t>
             </a:fld>
           </a:p>
@@ -30675,7 +31292,7 @@
         <p:txBody>
           <a:bodyPr/>
           <a:p>
-            <a:fld id="{C1575770-7C4C-482C-9B73-339541022CD6}" type="slidenum">
+            <a:fld id="{4E6B58A3-42B6-4358-AC26-1724ABF536FD}" type="slidenum">
               <a:t>&lt;#&gt;</a:t>
             </a:fld>
           </a:p>
@@ -30999,7 +31616,7 @@
         <p:txBody>
           <a:bodyPr/>
           <a:p>
-            <a:fld id="{E4E63562-E3C0-4979-96E2-E3EE4CD716F7}" type="slidenum">
+            <a:fld id="{984ACF94-AD55-4FA7-92B1-0EF4562DD7D4}" type="slidenum">
               <a:t>&lt;#&gt;</a:t>
             </a:fld>
           </a:p>
@@ -31082,7 +31699,7 @@
         <p:txBody>
           <a:bodyPr/>
           <a:p>
-            <a:fld id="{C18B88A8-361F-462B-85A1-DD0D3FE7CCE9}" type="slidenum">
+            <a:fld id="{4361C93A-CBBC-47D6-A8AB-9EF53E5FDBC2}" type="slidenum">
               <a:t>&lt;#&gt;</a:t>
             </a:fld>
           </a:p>
@@ -31239,7 +31856,7 @@
         <p:txBody>
           <a:bodyPr/>
           <a:p>
-            <a:fld id="{8D70ECA4-391A-4E37-B068-5EBD1393EC00}" type="slidenum">
+            <a:fld id="{D17258BE-80C3-499B-8A4A-EF1F2B79FE30}" type="slidenum">
               <a:t>&lt;#&gt;</a:t>
             </a:fld>
           </a:p>
@@ -31393,7 +32010,7 @@
         <p:txBody>
           <a:bodyPr/>
           <a:p>
-            <a:fld id="{AACDA44A-A3A6-43F3-9FDA-81A9143553F7}" type="slidenum">
+            <a:fld id="{567C9D99-CDD0-49E1-995E-0073CE087EAF}" type="slidenum">
               <a:t>&lt;#&gt;</a:t>
             </a:fld>
           </a:p>
@@ -31451,7 +32068,7 @@
         <p:spPr>
           <a:xfrm>
             <a:off x="0" y="0"/>
-            <a:ext cx="10073520" cy="5666040"/>
+            <a:ext cx="10073160" cy="5665680"/>
           </a:xfrm>
           <a:prstGeom prst="rect">
             <a:avLst/>
@@ -31487,7 +32104,7 @@
         <p:spPr>
           <a:xfrm>
             <a:off x="1439280" y="1079640"/>
-            <a:ext cx="1436040" cy="1256400"/>
+            <a:ext cx="1435680" cy="1256040"/>
           </a:xfrm>
           <a:prstGeom prst="ellipse">
             <a:avLst/>
@@ -31517,7 +32134,7 @@
         <p:spPr>
           <a:xfrm>
             <a:off x="7377120" y="3959280"/>
-            <a:ext cx="1436040" cy="1256400"/>
+            <a:ext cx="1435680" cy="1256040"/>
           </a:xfrm>
           <a:prstGeom prst="ellipse">
             <a:avLst/>
@@ -31547,7 +32164,7 @@
         <p:spPr>
           <a:xfrm>
             <a:off x="8996760" y="2699280"/>
-            <a:ext cx="1256400" cy="1076400"/>
+            <a:ext cx="1256040" cy="1076040"/>
           </a:xfrm>
           <a:prstGeom prst="ellipse">
             <a:avLst/>
@@ -31577,7 +32194,7 @@
         <p:spPr>
           <a:xfrm>
             <a:off x="-179640" y="2429280"/>
-            <a:ext cx="1436040" cy="1346400"/>
+            <a:ext cx="1435680" cy="1346040"/>
           </a:xfrm>
           <a:prstGeom prst="ellipse">
             <a:avLst/>
@@ -31607,7 +32224,7 @@
         <p:spPr>
           <a:xfrm>
             <a:off x="539640" y="1079640"/>
-            <a:ext cx="716400" cy="716400"/>
+            <a:ext cx="716040" cy="716040"/>
           </a:xfrm>
           <a:prstGeom prst="ellipse">
             <a:avLst/>
@@ -31637,7 +32254,7 @@
         <p:spPr>
           <a:xfrm>
             <a:off x="0" y="1259640"/>
-            <a:ext cx="716400" cy="716400"/>
+            <a:ext cx="716040" cy="716040"/>
           </a:xfrm>
           <a:prstGeom prst="ellipse">
             <a:avLst/>
@@ -31667,7 +32284,7 @@
         <p:spPr>
           <a:xfrm>
             <a:off x="0" y="5218920"/>
-            <a:ext cx="1616040" cy="1256400"/>
+            <a:ext cx="1615680" cy="1256040"/>
           </a:xfrm>
           <a:prstGeom prst="ellipse">
             <a:avLst/>
@@ -31697,7 +32314,7 @@
         <p:spPr>
           <a:xfrm>
             <a:off x="9716400" y="4678920"/>
-            <a:ext cx="716400" cy="716400"/>
+            <a:ext cx="716040" cy="716040"/>
           </a:xfrm>
           <a:prstGeom prst="ellipse">
             <a:avLst/>
@@ -31727,7 +32344,7 @@
         <p:spPr>
           <a:xfrm>
             <a:off x="9536400" y="3419280"/>
-            <a:ext cx="716400" cy="716400"/>
+            <a:ext cx="716040" cy="716040"/>
           </a:xfrm>
           <a:prstGeom prst="ellipse">
             <a:avLst/>
@@ -31757,7 +32374,7 @@
         <p:spPr>
           <a:xfrm>
             <a:off x="8097120" y="4678920"/>
-            <a:ext cx="1076400" cy="838800"/>
+            <a:ext cx="1076040" cy="838440"/>
           </a:xfrm>
           <a:prstGeom prst="ellipse">
             <a:avLst/>
@@ -31787,7 +32404,7 @@
         <p:spPr>
           <a:xfrm>
             <a:off x="7917120" y="5398920"/>
-            <a:ext cx="896400" cy="896400"/>
+            <a:ext cx="896040" cy="896040"/>
           </a:xfrm>
           <a:prstGeom prst="ellipse">
             <a:avLst/>
@@ -31821,7 +32438,7 @@
         <p:spPr>
           <a:xfrm>
             <a:off x="3418560" y="5128920"/>
-            <a:ext cx="3235680" cy="389160"/>
+            <a:ext cx="3235320" cy="388800"/>
           </a:xfrm>
           <a:prstGeom prst="rect">
             <a:avLst/>
@@ -31884,7 +32501,7 @@
         <p:spPr>
           <a:xfrm>
             <a:off x="7557120" y="5128920"/>
-            <a:ext cx="2335680" cy="389160"/>
+            <a:ext cx="2335320" cy="388800"/>
           </a:xfrm>
           <a:prstGeom prst="rect">
             <a:avLst/>
@@ -31919,7 +32536,7 @@
               </a:lnSpc>
               <a:buNone/>
             </a:pPr>
-            <a:fld id="{B0874C47-9010-4025-B20F-C7ADEB6C8855}" type="slidenum">
+            <a:fld id="{F1337207-D20E-4849-8EFD-400C44351226}" type="slidenum">
               <a:rPr b="0" lang="en-US" sz="1400" spc="-1" strike="noStrike">
                 <a:solidFill>
                   <a:srgbClr val="ffffff"/>
@@ -31947,7 +32564,7 @@
         <p:spPr>
           <a:xfrm>
             <a:off x="179640" y="5128920"/>
-            <a:ext cx="2335680" cy="389160"/>
+            <a:ext cx="2335320" cy="388800"/>
           </a:xfrm>
           <a:prstGeom prst="rect">
             <a:avLst/>
@@ -32253,7 +32870,7 @@
         <p:spPr>
           <a:xfrm>
             <a:off x="0" y="0"/>
-            <a:ext cx="10073520" cy="5666040"/>
+            <a:ext cx="10073160" cy="5665680"/>
           </a:xfrm>
           <a:prstGeom prst="rect">
             <a:avLst/>
@@ -32289,7 +32906,7 @@
         <p:spPr>
           <a:xfrm>
             <a:off x="1439280" y="1079640"/>
-            <a:ext cx="1436040" cy="1256400"/>
+            <a:ext cx="1435680" cy="1256040"/>
           </a:xfrm>
           <a:prstGeom prst="ellipse">
             <a:avLst/>
@@ -32319,7 +32936,7 @@
         <p:spPr>
           <a:xfrm>
             <a:off x="7377120" y="3959280"/>
-            <a:ext cx="1436040" cy="1256400"/>
+            <a:ext cx="1435680" cy="1256040"/>
           </a:xfrm>
           <a:prstGeom prst="ellipse">
             <a:avLst/>
@@ -32349,7 +32966,7 @@
         <p:spPr>
           <a:xfrm>
             <a:off x="8996760" y="2699280"/>
-            <a:ext cx="1256400" cy="1076400"/>
+            <a:ext cx="1256040" cy="1076040"/>
           </a:xfrm>
           <a:prstGeom prst="ellipse">
             <a:avLst/>
@@ -32379,7 +32996,7 @@
         <p:spPr>
           <a:xfrm>
             <a:off x="-179640" y="2429280"/>
-            <a:ext cx="1436040" cy="1346400"/>
+            <a:ext cx="1435680" cy="1346040"/>
           </a:xfrm>
           <a:prstGeom prst="ellipse">
             <a:avLst/>
@@ -32409,7 +33026,7 @@
         <p:spPr>
           <a:xfrm>
             <a:off x="539640" y="1079640"/>
-            <a:ext cx="716400" cy="716400"/>
+            <a:ext cx="716040" cy="716040"/>
           </a:xfrm>
           <a:prstGeom prst="ellipse">
             <a:avLst/>
@@ -32439,7 +33056,7 @@
         <p:spPr>
           <a:xfrm>
             <a:off x="0" y="1259640"/>
-            <a:ext cx="716400" cy="716400"/>
+            <a:ext cx="716040" cy="716040"/>
           </a:xfrm>
           <a:prstGeom prst="ellipse">
             <a:avLst/>
@@ -32469,7 +33086,7 @@
         <p:spPr>
           <a:xfrm>
             <a:off x="0" y="5218920"/>
-            <a:ext cx="1616040" cy="1256400"/>
+            <a:ext cx="1615680" cy="1256040"/>
           </a:xfrm>
           <a:prstGeom prst="ellipse">
             <a:avLst/>
@@ -32499,7 +33116,7 @@
         <p:spPr>
           <a:xfrm>
             <a:off x="9716400" y="4678920"/>
-            <a:ext cx="716400" cy="716400"/>
+            <a:ext cx="716040" cy="716040"/>
           </a:xfrm>
           <a:prstGeom prst="ellipse">
             <a:avLst/>
@@ -32529,7 +33146,7 @@
         <p:spPr>
           <a:xfrm>
             <a:off x="9536400" y="3419280"/>
-            <a:ext cx="716400" cy="716400"/>
+            <a:ext cx="716040" cy="716040"/>
           </a:xfrm>
           <a:prstGeom prst="ellipse">
             <a:avLst/>
@@ -32559,7 +33176,7 @@
         <p:spPr>
           <a:xfrm>
             <a:off x="8097120" y="4678920"/>
-            <a:ext cx="1076400" cy="838800"/>
+            <a:ext cx="1076040" cy="838440"/>
           </a:xfrm>
           <a:prstGeom prst="ellipse">
             <a:avLst/>
@@ -32589,7 +33206,7 @@
         <p:spPr>
           <a:xfrm>
             <a:off x="7917120" y="5398920"/>
-            <a:ext cx="896400" cy="896400"/>
+            <a:ext cx="896040" cy="896040"/>
           </a:xfrm>
           <a:prstGeom prst="ellipse">
             <a:avLst/>
@@ -32623,7 +33240,7 @@
         <p:spPr>
           <a:xfrm>
             <a:off x="3418560" y="5128920"/>
-            <a:ext cx="3235680" cy="389160"/>
+            <a:ext cx="3235320" cy="388800"/>
           </a:xfrm>
           <a:prstGeom prst="rect">
             <a:avLst/>
@@ -32680,7 +33297,7 @@
         <p:spPr>
           <a:xfrm>
             <a:off x="7557120" y="5128920"/>
-            <a:ext cx="2335680" cy="389160"/>
+            <a:ext cx="2335320" cy="388800"/>
           </a:xfrm>
           <a:prstGeom prst="rect">
             <a:avLst/>
@@ -32712,7 +33329,7 @@
               </a:lnSpc>
               <a:buNone/>
             </a:pPr>
-            <a:fld id="{C03F9504-37AC-45D0-BA31-9BE18C36D799}" type="slidenum">
+            <a:fld id="{0590380C-C51D-4668-8FE0-61F66D7E55FE}" type="slidenum">
               <a:rPr b="0" lang="en-US" sz="1400" spc="-1" strike="noStrike">
                 <a:latin typeface="Times New Roman"/>
               </a:rPr>
@@ -32737,7 +33354,7 @@
         <p:spPr>
           <a:xfrm>
             <a:off x="179640" y="5128920"/>
-            <a:ext cx="2335680" cy="389160"/>
+            <a:ext cx="2335320" cy="388800"/>
           </a:xfrm>
           <a:prstGeom prst="rect">
             <a:avLst/>
@@ -33043,7 +33660,7 @@
         <p:spPr>
           <a:xfrm>
             <a:off x="0" y="0"/>
-            <a:ext cx="10073520" cy="5666040"/>
+            <a:ext cx="10073160" cy="5665680"/>
           </a:xfrm>
           <a:prstGeom prst="rect">
             <a:avLst/>
@@ -33079,7 +33696,7 @@
         <p:spPr>
           <a:xfrm>
             <a:off x="1439280" y="1079640"/>
-            <a:ext cx="1436040" cy="1256400"/>
+            <a:ext cx="1435680" cy="1256040"/>
           </a:xfrm>
           <a:prstGeom prst="ellipse">
             <a:avLst/>
@@ -33109,7 +33726,7 @@
         <p:spPr>
           <a:xfrm>
             <a:off x="7377120" y="3959280"/>
-            <a:ext cx="1436040" cy="1256400"/>
+            <a:ext cx="1435680" cy="1256040"/>
           </a:xfrm>
           <a:prstGeom prst="ellipse">
             <a:avLst/>
@@ -33139,7 +33756,7 @@
         <p:spPr>
           <a:xfrm>
             <a:off x="8996760" y="2699280"/>
-            <a:ext cx="1256400" cy="1076400"/>
+            <a:ext cx="1256040" cy="1076040"/>
           </a:xfrm>
           <a:prstGeom prst="ellipse">
             <a:avLst/>
@@ -33169,7 +33786,7 @@
         <p:spPr>
           <a:xfrm>
             <a:off x="-179640" y="2429280"/>
-            <a:ext cx="1436040" cy="1346400"/>
+            <a:ext cx="1435680" cy="1346040"/>
           </a:xfrm>
           <a:prstGeom prst="ellipse">
             <a:avLst/>
@@ -33199,7 +33816,7 @@
         <p:spPr>
           <a:xfrm>
             <a:off x="539640" y="1079640"/>
-            <a:ext cx="716400" cy="716400"/>
+            <a:ext cx="716040" cy="716040"/>
           </a:xfrm>
           <a:prstGeom prst="ellipse">
             <a:avLst/>
@@ -33229,7 +33846,7 @@
         <p:spPr>
           <a:xfrm>
             <a:off x="0" y="1259640"/>
-            <a:ext cx="716400" cy="716400"/>
+            <a:ext cx="716040" cy="716040"/>
           </a:xfrm>
           <a:prstGeom prst="ellipse">
             <a:avLst/>
@@ -33259,7 +33876,7 @@
         <p:spPr>
           <a:xfrm>
             <a:off x="0" y="5218920"/>
-            <a:ext cx="1616040" cy="1256400"/>
+            <a:ext cx="1615680" cy="1256040"/>
           </a:xfrm>
           <a:prstGeom prst="ellipse">
             <a:avLst/>
@@ -33289,7 +33906,7 @@
         <p:spPr>
           <a:xfrm>
             <a:off x="9716400" y="4678920"/>
-            <a:ext cx="716400" cy="716400"/>
+            <a:ext cx="716040" cy="716040"/>
           </a:xfrm>
           <a:prstGeom prst="ellipse">
             <a:avLst/>
@@ -33319,7 +33936,7 @@
         <p:spPr>
           <a:xfrm>
             <a:off x="9536400" y="3419280"/>
-            <a:ext cx="716400" cy="716400"/>
+            <a:ext cx="716040" cy="716040"/>
           </a:xfrm>
           <a:prstGeom prst="ellipse">
             <a:avLst/>
@@ -33349,7 +33966,7 @@
         <p:spPr>
           <a:xfrm>
             <a:off x="8097120" y="4678920"/>
-            <a:ext cx="1076400" cy="838800"/>
+            <a:ext cx="1076040" cy="838440"/>
           </a:xfrm>
           <a:prstGeom prst="ellipse">
             <a:avLst/>
@@ -33379,7 +33996,7 @@
         <p:spPr>
           <a:xfrm>
             <a:off x="7917120" y="5398920"/>
-            <a:ext cx="896400" cy="896400"/>
+            <a:ext cx="896040" cy="896040"/>
           </a:xfrm>
           <a:prstGeom prst="ellipse">
             <a:avLst/>
@@ -33413,7 +34030,7 @@
         <p:spPr>
           <a:xfrm>
             <a:off x="3418560" y="5128920"/>
-            <a:ext cx="3235680" cy="389160"/>
+            <a:ext cx="3235320" cy="388800"/>
           </a:xfrm>
           <a:prstGeom prst="rect">
             <a:avLst/>
@@ -33470,7 +34087,7 @@
         <p:spPr>
           <a:xfrm>
             <a:off x="7557120" y="5128920"/>
-            <a:ext cx="2335680" cy="389160"/>
+            <a:ext cx="2335320" cy="388800"/>
           </a:xfrm>
           <a:prstGeom prst="rect">
             <a:avLst/>
@@ -33502,7 +34119,7 @@
               </a:lnSpc>
               <a:buNone/>
             </a:pPr>
-            <a:fld id="{587DC3DB-9B5B-4EF7-9313-9DF38AF238DF}" type="slidenum">
+            <a:fld id="{4D6A7DFD-2840-4CE9-A51F-80376DAB9CC6}" type="slidenum">
               <a:rPr b="0" lang="en-US" sz="1400" spc="-1" strike="noStrike">
                 <a:latin typeface="Times New Roman"/>
               </a:rPr>
@@ -33527,7 +34144,7 @@
         <p:spPr>
           <a:xfrm>
             <a:off x="179640" y="5128920"/>
-            <a:ext cx="2335680" cy="389160"/>
+            <a:ext cx="2335320" cy="388800"/>
           </a:xfrm>
           <a:prstGeom prst="rect">
             <a:avLst/>
@@ -33833,7 +34450,7 @@
         <p:spPr>
           <a:xfrm>
             <a:off x="0" y="0"/>
-            <a:ext cx="10073520" cy="5666040"/>
+            <a:ext cx="10073160" cy="5665680"/>
           </a:xfrm>
           <a:prstGeom prst="rect">
             <a:avLst/>
@@ -33869,7 +34486,7 @@
         <p:spPr>
           <a:xfrm>
             <a:off x="1439280" y="1079640"/>
-            <a:ext cx="1436040" cy="1256400"/>
+            <a:ext cx="1435680" cy="1256040"/>
           </a:xfrm>
           <a:prstGeom prst="ellipse">
             <a:avLst/>
@@ -33899,7 +34516,7 @@
         <p:spPr>
           <a:xfrm>
             <a:off x="7377120" y="3959280"/>
-            <a:ext cx="1436040" cy="1256400"/>
+            <a:ext cx="1435680" cy="1256040"/>
           </a:xfrm>
           <a:prstGeom prst="ellipse">
             <a:avLst/>
@@ -33929,7 +34546,7 @@
         <p:spPr>
           <a:xfrm>
             <a:off x="8996760" y="2699280"/>
-            <a:ext cx="1256400" cy="1076400"/>
+            <a:ext cx="1256040" cy="1076040"/>
           </a:xfrm>
           <a:prstGeom prst="ellipse">
             <a:avLst/>
@@ -33959,7 +34576,7 @@
         <p:spPr>
           <a:xfrm>
             <a:off x="-179640" y="2429280"/>
-            <a:ext cx="1436040" cy="1346400"/>
+            <a:ext cx="1435680" cy="1346040"/>
           </a:xfrm>
           <a:prstGeom prst="ellipse">
             <a:avLst/>
@@ -33989,7 +34606,7 @@
         <p:spPr>
           <a:xfrm>
             <a:off x="539640" y="1079640"/>
-            <a:ext cx="716400" cy="716400"/>
+            <a:ext cx="716040" cy="716040"/>
           </a:xfrm>
           <a:prstGeom prst="ellipse">
             <a:avLst/>
@@ -34019,7 +34636,7 @@
         <p:spPr>
           <a:xfrm>
             <a:off x="0" y="1259640"/>
-            <a:ext cx="716400" cy="716400"/>
+            <a:ext cx="716040" cy="716040"/>
           </a:xfrm>
           <a:prstGeom prst="ellipse">
             <a:avLst/>
@@ -34049,7 +34666,7 @@
         <p:spPr>
           <a:xfrm>
             <a:off x="0" y="5218920"/>
-            <a:ext cx="1616040" cy="1256400"/>
+            <a:ext cx="1615680" cy="1256040"/>
           </a:xfrm>
           <a:prstGeom prst="ellipse">
             <a:avLst/>
@@ -34079,7 +34696,7 @@
         <p:spPr>
           <a:xfrm>
             <a:off x="9716400" y="4678920"/>
-            <a:ext cx="716400" cy="716400"/>
+            <a:ext cx="716040" cy="716040"/>
           </a:xfrm>
           <a:prstGeom prst="ellipse">
             <a:avLst/>
@@ -34109,7 +34726,7 @@
         <p:spPr>
           <a:xfrm>
             <a:off x="9536400" y="3419280"/>
-            <a:ext cx="716400" cy="716400"/>
+            <a:ext cx="716040" cy="716040"/>
           </a:xfrm>
           <a:prstGeom prst="ellipse">
             <a:avLst/>
@@ -34139,7 +34756,7 @@
         <p:spPr>
           <a:xfrm>
             <a:off x="8097120" y="4678920"/>
-            <a:ext cx="1076400" cy="838800"/>
+            <a:ext cx="1076040" cy="838440"/>
           </a:xfrm>
           <a:prstGeom prst="ellipse">
             <a:avLst/>
@@ -34169,7 +34786,7 @@
         <p:spPr>
           <a:xfrm>
             <a:off x="7917120" y="5398920"/>
-            <a:ext cx="896400" cy="896400"/>
+            <a:ext cx="896040" cy="896040"/>
           </a:xfrm>
           <a:prstGeom prst="ellipse">
             <a:avLst/>
@@ -34203,7 +34820,7 @@
         <p:spPr>
           <a:xfrm>
             <a:off x="3418560" y="5128920"/>
-            <a:ext cx="3235680" cy="389160"/>
+            <a:ext cx="3235320" cy="388800"/>
           </a:xfrm>
           <a:prstGeom prst="rect">
             <a:avLst/>
@@ -34260,7 +34877,7 @@
         <p:spPr>
           <a:xfrm>
             <a:off x="7557120" y="5128920"/>
-            <a:ext cx="2335680" cy="389160"/>
+            <a:ext cx="2335320" cy="388800"/>
           </a:xfrm>
           <a:prstGeom prst="rect">
             <a:avLst/>
@@ -34292,7 +34909,7 @@
               </a:lnSpc>
               <a:buNone/>
             </a:pPr>
-            <a:fld id="{CB76D1E0-F7A8-4D0B-8A9A-B07F31A68BD0}" type="slidenum">
+            <a:fld id="{CD669689-C04F-4744-8DC1-ADADA14F7779}" type="slidenum">
               <a:rPr b="0" lang="en-US" sz="1400" spc="-1" strike="noStrike">
                 <a:latin typeface="Times New Roman"/>
               </a:rPr>
@@ -34317,7 +34934,7 @@
         <p:spPr>
           <a:xfrm>
             <a:off x="179640" y="5128920"/>
-            <a:ext cx="2335680" cy="389160"/>
+            <a:ext cx="2335320" cy="388800"/>
           </a:xfrm>
           <a:prstGeom prst="rect">
             <a:avLst/>
@@ -34623,7 +35240,7 @@
         <p:spPr>
           <a:xfrm>
             <a:off x="0" y="0"/>
-            <a:ext cx="10073520" cy="5666040"/>
+            <a:ext cx="10073160" cy="5665680"/>
           </a:xfrm>
           <a:prstGeom prst="rect">
             <a:avLst/>
@@ -34659,7 +35276,7 @@
         <p:spPr>
           <a:xfrm>
             <a:off x="1439280" y="1079640"/>
-            <a:ext cx="1436040" cy="1256400"/>
+            <a:ext cx="1435680" cy="1256040"/>
           </a:xfrm>
           <a:prstGeom prst="ellipse">
             <a:avLst/>
@@ -34689,7 +35306,7 @@
         <p:spPr>
           <a:xfrm>
             <a:off x="7377120" y="3959280"/>
-            <a:ext cx="1436040" cy="1256400"/>
+            <a:ext cx="1435680" cy="1256040"/>
           </a:xfrm>
           <a:prstGeom prst="ellipse">
             <a:avLst/>
@@ -34719,7 +35336,7 @@
         <p:spPr>
           <a:xfrm>
             <a:off x="8996760" y="2699280"/>
-            <a:ext cx="1256400" cy="1076400"/>
+            <a:ext cx="1256040" cy="1076040"/>
           </a:xfrm>
           <a:prstGeom prst="ellipse">
             <a:avLst/>
@@ -34749,7 +35366,7 @@
         <p:spPr>
           <a:xfrm>
             <a:off x="-179640" y="2429280"/>
-            <a:ext cx="1436040" cy="1346400"/>
+            <a:ext cx="1435680" cy="1346040"/>
           </a:xfrm>
           <a:prstGeom prst="ellipse">
             <a:avLst/>
@@ -34779,7 +35396,7 @@
         <p:spPr>
           <a:xfrm>
             <a:off x="539640" y="1079640"/>
-            <a:ext cx="716400" cy="716400"/>
+            <a:ext cx="716040" cy="716040"/>
           </a:xfrm>
           <a:prstGeom prst="ellipse">
             <a:avLst/>
@@ -34809,7 +35426,7 @@
         <p:spPr>
           <a:xfrm>
             <a:off x="0" y="1259640"/>
-            <a:ext cx="716400" cy="716400"/>
+            <a:ext cx="716040" cy="716040"/>
           </a:xfrm>
           <a:prstGeom prst="ellipse">
             <a:avLst/>
@@ -34839,7 +35456,7 @@
         <p:spPr>
           <a:xfrm>
             <a:off x="0" y="5218920"/>
-            <a:ext cx="1616040" cy="1256400"/>
+            <a:ext cx="1615680" cy="1256040"/>
           </a:xfrm>
           <a:prstGeom prst="ellipse">
             <a:avLst/>
@@ -34869,7 +35486,7 @@
         <p:spPr>
           <a:xfrm>
             <a:off x="9716400" y="4678920"/>
-            <a:ext cx="716400" cy="716400"/>
+            <a:ext cx="716040" cy="716040"/>
           </a:xfrm>
           <a:prstGeom prst="ellipse">
             <a:avLst/>
@@ -34899,7 +35516,7 @@
         <p:spPr>
           <a:xfrm>
             <a:off x="9536400" y="3419280"/>
-            <a:ext cx="716400" cy="716400"/>
+            <a:ext cx="716040" cy="716040"/>
           </a:xfrm>
           <a:prstGeom prst="ellipse">
             <a:avLst/>
@@ -34929,7 +35546,7 @@
         <p:spPr>
           <a:xfrm>
             <a:off x="8097120" y="4678920"/>
-            <a:ext cx="1076400" cy="838800"/>
+            <a:ext cx="1076040" cy="838440"/>
           </a:xfrm>
           <a:prstGeom prst="ellipse">
             <a:avLst/>
@@ -34959,7 +35576,7 @@
         <p:spPr>
           <a:xfrm>
             <a:off x="7917120" y="5398920"/>
-            <a:ext cx="896400" cy="896400"/>
+            <a:ext cx="896040" cy="896040"/>
           </a:xfrm>
           <a:prstGeom prst="ellipse">
             <a:avLst/>
@@ -34993,7 +35610,7 @@
         <p:spPr>
           <a:xfrm>
             <a:off x="3418560" y="5128920"/>
-            <a:ext cx="3235680" cy="389160"/>
+            <a:ext cx="3235320" cy="388800"/>
           </a:xfrm>
           <a:prstGeom prst="rect">
             <a:avLst/>
@@ -35050,7 +35667,7 @@
         <p:spPr>
           <a:xfrm>
             <a:off x="7557120" y="5128920"/>
-            <a:ext cx="2335680" cy="389160"/>
+            <a:ext cx="2335320" cy="388800"/>
           </a:xfrm>
           <a:prstGeom prst="rect">
             <a:avLst/>
@@ -35082,7 +35699,7 @@
               </a:lnSpc>
               <a:buNone/>
             </a:pPr>
-            <a:fld id="{5A25BCC5-3B47-45DC-94C0-A6D7EDAC657F}" type="slidenum">
+            <a:fld id="{E4132248-29EB-48BD-8E73-E0F4BD54F761}" type="slidenum">
               <a:rPr b="0" lang="en-US" sz="1400" spc="-1" strike="noStrike">
                 <a:latin typeface="Times New Roman"/>
               </a:rPr>
@@ -35107,7 +35724,7 @@
         <p:spPr>
           <a:xfrm>
             <a:off x="179640" y="5128920"/>
-            <a:ext cx="2335680" cy="389160"/>
+            <a:ext cx="2335320" cy="388800"/>
           </a:xfrm>
           <a:prstGeom prst="rect">
             <a:avLst/>
@@ -35413,7 +36030,7 @@
         <p:spPr>
           <a:xfrm>
             <a:off x="0" y="0"/>
-            <a:ext cx="10073520" cy="5666040"/>
+            <a:ext cx="10073160" cy="5665680"/>
           </a:xfrm>
           <a:prstGeom prst="rect">
             <a:avLst/>
@@ -35449,7 +36066,7 @@
         <p:spPr>
           <a:xfrm>
             <a:off x="1439280" y="1079640"/>
-            <a:ext cx="1436040" cy="1256400"/>
+            <a:ext cx="1435680" cy="1256040"/>
           </a:xfrm>
           <a:prstGeom prst="ellipse">
             <a:avLst/>
@@ -35479,7 +36096,7 @@
         <p:spPr>
           <a:xfrm>
             <a:off x="7377120" y="3959280"/>
-            <a:ext cx="1436040" cy="1256400"/>
+            <a:ext cx="1435680" cy="1256040"/>
           </a:xfrm>
           <a:prstGeom prst="ellipse">
             <a:avLst/>
@@ -35509,7 +36126,7 @@
         <p:spPr>
           <a:xfrm>
             <a:off x="8996760" y="2699280"/>
-            <a:ext cx="1256400" cy="1076400"/>
+            <a:ext cx="1256040" cy="1076040"/>
           </a:xfrm>
           <a:prstGeom prst="ellipse">
             <a:avLst/>
@@ -35539,7 +36156,7 @@
         <p:spPr>
           <a:xfrm>
             <a:off x="-179640" y="2429280"/>
-            <a:ext cx="1436040" cy="1346400"/>
+            <a:ext cx="1435680" cy="1346040"/>
           </a:xfrm>
           <a:prstGeom prst="ellipse">
             <a:avLst/>
@@ -35569,7 +36186,7 @@
         <p:spPr>
           <a:xfrm>
             <a:off x="539640" y="1079640"/>
-            <a:ext cx="716400" cy="716400"/>
+            <a:ext cx="716040" cy="716040"/>
           </a:xfrm>
           <a:prstGeom prst="ellipse">
             <a:avLst/>
@@ -35599,7 +36216,7 @@
         <p:spPr>
           <a:xfrm>
             <a:off x="0" y="1259640"/>
-            <a:ext cx="716400" cy="716400"/>
+            <a:ext cx="716040" cy="716040"/>
           </a:xfrm>
           <a:prstGeom prst="ellipse">
             <a:avLst/>
@@ -35629,7 +36246,7 @@
         <p:spPr>
           <a:xfrm>
             <a:off x="0" y="5218920"/>
-            <a:ext cx="1616040" cy="1256400"/>
+            <a:ext cx="1615680" cy="1256040"/>
           </a:xfrm>
           <a:prstGeom prst="ellipse">
             <a:avLst/>
@@ -35659,7 +36276,7 @@
         <p:spPr>
           <a:xfrm>
             <a:off x="9716400" y="4678920"/>
-            <a:ext cx="716400" cy="716400"/>
+            <a:ext cx="716040" cy="716040"/>
           </a:xfrm>
           <a:prstGeom prst="ellipse">
             <a:avLst/>
@@ -35689,7 +36306,7 @@
         <p:spPr>
           <a:xfrm>
             <a:off x="9536400" y="3419280"/>
-            <a:ext cx="716400" cy="716400"/>
+            <a:ext cx="716040" cy="716040"/>
           </a:xfrm>
           <a:prstGeom prst="ellipse">
             <a:avLst/>
@@ -35719,7 +36336,7 @@
         <p:spPr>
           <a:xfrm>
             <a:off x="8097120" y="4678920"/>
-            <a:ext cx="1076400" cy="838800"/>
+            <a:ext cx="1076040" cy="838440"/>
           </a:xfrm>
           <a:prstGeom prst="ellipse">
             <a:avLst/>
@@ -35749,7 +36366,7 @@
         <p:spPr>
           <a:xfrm>
             <a:off x="7917120" y="5398920"/>
-            <a:ext cx="896400" cy="896400"/>
+            <a:ext cx="896040" cy="896040"/>
           </a:xfrm>
           <a:prstGeom prst="ellipse">
             <a:avLst/>
@@ -35783,7 +36400,7 @@
         <p:spPr>
           <a:xfrm>
             <a:off x="3418560" y="5128920"/>
-            <a:ext cx="3235680" cy="389160"/>
+            <a:ext cx="3235320" cy="388800"/>
           </a:xfrm>
           <a:prstGeom prst="rect">
             <a:avLst/>
@@ -35840,7 +36457,7 @@
         <p:spPr>
           <a:xfrm>
             <a:off x="7557120" y="5128920"/>
-            <a:ext cx="2335680" cy="389160"/>
+            <a:ext cx="2335320" cy="388800"/>
           </a:xfrm>
           <a:prstGeom prst="rect">
             <a:avLst/>
@@ -35872,7 +36489,7 @@
               </a:lnSpc>
               <a:buNone/>
             </a:pPr>
-            <a:fld id="{CC2AC1E0-B862-4ECB-A753-6CD532C8C03D}" type="slidenum">
+            <a:fld id="{AB56E547-8886-4AF8-ADBC-BA1DA1BF4836}" type="slidenum">
               <a:rPr b="0" lang="en-US" sz="1400" spc="-1" strike="noStrike">
                 <a:latin typeface="Times New Roman"/>
               </a:rPr>
@@ -35897,7 +36514,7 @@
         <p:spPr>
           <a:xfrm>
             <a:off x="179640" y="5128920"/>
-            <a:ext cx="2335680" cy="389160"/>
+            <a:ext cx="2335320" cy="388800"/>
           </a:xfrm>
           <a:prstGeom prst="rect">
             <a:avLst/>
@@ -36203,7 +36820,7 @@
         <p:spPr>
           <a:xfrm>
             <a:off x="0" y="0"/>
-            <a:ext cx="10073520" cy="5666040"/>
+            <a:ext cx="10073160" cy="5665680"/>
           </a:xfrm>
           <a:prstGeom prst="rect">
             <a:avLst/>
@@ -36239,7 +36856,7 @@
         <p:spPr>
           <a:xfrm>
             <a:off x="1439280" y="1079640"/>
-            <a:ext cx="1436040" cy="1256400"/>
+            <a:ext cx="1435680" cy="1256040"/>
           </a:xfrm>
           <a:prstGeom prst="ellipse">
             <a:avLst/>
@@ -36269,7 +36886,7 @@
         <p:spPr>
           <a:xfrm>
             <a:off x="7377120" y="3959280"/>
-            <a:ext cx="1436040" cy="1256400"/>
+            <a:ext cx="1435680" cy="1256040"/>
           </a:xfrm>
           <a:prstGeom prst="ellipse">
             <a:avLst/>
@@ -36299,7 +36916,7 @@
         <p:spPr>
           <a:xfrm>
             <a:off x="8996760" y="2699280"/>
-            <a:ext cx="1256400" cy="1076400"/>
+            <a:ext cx="1256040" cy="1076040"/>
           </a:xfrm>
           <a:prstGeom prst="ellipse">
             <a:avLst/>
@@ -36329,7 +36946,7 @@
         <p:spPr>
           <a:xfrm>
             <a:off x="-179640" y="2429280"/>
-            <a:ext cx="1436040" cy="1346400"/>
+            <a:ext cx="1435680" cy="1346040"/>
           </a:xfrm>
           <a:prstGeom prst="ellipse">
             <a:avLst/>
@@ -36359,7 +36976,7 @@
         <p:spPr>
           <a:xfrm>
             <a:off x="539640" y="1079640"/>
-            <a:ext cx="716400" cy="716400"/>
+            <a:ext cx="716040" cy="716040"/>
           </a:xfrm>
           <a:prstGeom prst="ellipse">
             <a:avLst/>
@@ -36389,7 +37006,7 @@
         <p:spPr>
           <a:xfrm>
             <a:off x="0" y="1259640"/>
-            <a:ext cx="716400" cy="716400"/>
+            <a:ext cx="716040" cy="716040"/>
           </a:xfrm>
           <a:prstGeom prst="ellipse">
             <a:avLst/>
@@ -36419,7 +37036,7 @@
         <p:spPr>
           <a:xfrm>
             <a:off x="0" y="5218920"/>
-            <a:ext cx="1616040" cy="1256400"/>
+            <a:ext cx="1615680" cy="1256040"/>
           </a:xfrm>
           <a:prstGeom prst="ellipse">
             <a:avLst/>
@@ -36449,7 +37066,7 @@
         <p:spPr>
           <a:xfrm>
             <a:off x="9716400" y="4678920"/>
-            <a:ext cx="716400" cy="716400"/>
+            <a:ext cx="716040" cy="716040"/>
           </a:xfrm>
           <a:prstGeom prst="ellipse">
             <a:avLst/>
@@ -36479,7 +37096,7 @@
         <p:spPr>
           <a:xfrm>
             <a:off x="9536400" y="3419280"/>
-            <a:ext cx="716400" cy="716400"/>
+            <a:ext cx="716040" cy="716040"/>
           </a:xfrm>
           <a:prstGeom prst="ellipse">
             <a:avLst/>
@@ -36509,7 +37126,7 @@
         <p:spPr>
           <a:xfrm>
             <a:off x="8097120" y="4678920"/>
-            <a:ext cx="1076400" cy="838800"/>
+            <a:ext cx="1076040" cy="838440"/>
           </a:xfrm>
           <a:prstGeom prst="ellipse">
             <a:avLst/>
@@ -36539,7 +37156,7 @@
         <p:spPr>
           <a:xfrm>
             <a:off x="7917120" y="5398920"/>
-            <a:ext cx="896400" cy="896400"/>
+            <a:ext cx="896040" cy="896040"/>
           </a:xfrm>
           <a:prstGeom prst="ellipse">
             <a:avLst/>
@@ -36573,7 +37190,7 @@
         <p:spPr>
           <a:xfrm>
             <a:off x="3418560" y="5128920"/>
-            <a:ext cx="3235680" cy="389160"/>
+            <a:ext cx="3235320" cy="388800"/>
           </a:xfrm>
           <a:prstGeom prst="rect">
             <a:avLst/>
@@ -36630,7 +37247,7 @@
         <p:spPr>
           <a:xfrm>
             <a:off x="7557120" y="5128920"/>
-            <a:ext cx="2335680" cy="389160"/>
+            <a:ext cx="2335320" cy="388800"/>
           </a:xfrm>
           <a:prstGeom prst="rect">
             <a:avLst/>
@@ -36662,7 +37279,7 @@
               </a:lnSpc>
               <a:buNone/>
             </a:pPr>
-            <a:fld id="{51BD5A11-BEF1-4637-A5C8-EF8624B76D49}" type="slidenum">
+            <a:fld id="{B88DA093-8058-43F1-9A1E-EEB3C077C5FA}" type="slidenum">
               <a:rPr b="0" lang="en-US" sz="1400" spc="-1" strike="noStrike">
                 <a:latin typeface="Times New Roman"/>
               </a:rPr>
@@ -36687,7 +37304,7 @@
         <p:spPr>
           <a:xfrm>
             <a:off x="179640" y="5128920"/>
-            <a:ext cx="2335680" cy="389160"/>
+            <a:ext cx="2335320" cy="388800"/>
           </a:xfrm>
           <a:prstGeom prst="rect">
             <a:avLst/>
@@ -36993,7 +37610,7 @@
         <p:spPr>
           <a:xfrm>
             <a:off x="0" y="0"/>
-            <a:ext cx="10073520" cy="5666040"/>
+            <a:ext cx="10073160" cy="5665680"/>
           </a:xfrm>
           <a:prstGeom prst="rect">
             <a:avLst/>
@@ -37029,7 +37646,7 @@
         <p:spPr>
           <a:xfrm>
             <a:off x="1439280" y="1079640"/>
-            <a:ext cx="1436040" cy="1256400"/>
+            <a:ext cx="1435680" cy="1256040"/>
           </a:xfrm>
           <a:prstGeom prst="ellipse">
             <a:avLst/>
@@ -37059,7 +37676,7 @@
         <p:spPr>
           <a:xfrm>
             <a:off x="7377120" y="3959280"/>
-            <a:ext cx="1436040" cy="1256400"/>
+            <a:ext cx="1435680" cy="1256040"/>
           </a:xfrm>
           <a:prstGeom prst="ellipse">
             <a:avLst/>
@@ -37089,7 +37706,7 @@
         <p:spPr>
           <a:xfrm>
             <a:off x="8996760" y="2699280"/>
-            <a:ext cx="1256400" cy="1076400"/>
+            <a:ext cx="1256040" cy="1076040"/>
           </a:xfrm>
           <a:prstGeom prst="ellipse">
             <a:avLst/>
@@ -37119,7 +37736,7 @@
         <p:spPr>
           <a:xfrm>
             <a:off x="-179640" y="2429280"/>
-            <a:ext cx="1436040" cy="1346400"/>
+            <a:ext cx="1435680" cy="1346040"/>
           </a:xfrm>
           <a:prstGeom prst="ellipse">
             <a:avLst/>
@@ -37149,7 +37766,7 @@
         <p:spPr>
           <a:xfrm>
             <a:off x="539640" y="1079640"/>
-            <a:ext cx="716400" cy="716400"/>
+            <a:ext cx="716040" cy="716040"/>
           </a:xfrm>
           <a:prstGeom prst="ellipse">
             <a:avLst/>
@@ -37179,7 +37796,7 @@
         <p:spPr>
           <a:xfrm>
             <a:off x="0" y="1259640"/>
-            <a:ext cx="716400" cy="716400"/>
+            <a:ext cx="716040" cy="716040"/>
           </a:xfrm>
           <a:prstGeom prst="ellipse">
             <a:avLst/>
@@ -37209,7 +37826,7 @@
         <p:spPr>
           <a:xfrm>
             <a:off x="0" y="5218920"/>
-            <a:ext cx="1616040" cy="1256400"/>
+            <a:ext cx="1615680" cy="1256040"/>
           </a:xfrm>
           <a:prstGeom prst="ellipse">
             <a:avLst/>
@@ -37239,7 +37856,7 @@
         <p:spPr>
           <a:xfrm>
             <a:off x="9716400" y="4678920"/>
-            <a:ext cx="716400" cy="716400"/>
+            <a:ext cx="716040" cy="716040"/>
           </a:xfrm>
           <a:prstGeom prst="ellipse">
             <a:avLst/>
@@ -37269,7 +37886,7 @@
         <p:spPr>
           <a:xfrm>
             <a:off x="9536400" y="3419280"/>
-            <a:ext cx="716400" cy="716400"/>
+            <a:ext cx="716040" cy="716040"/>
           </a:xfrm>
           <a:prstGeom prst="ellipse">
             <a:avLst/>
@@ -37299,7 +37916,7 @@
         <p:spPr>
           <a:xfrm>
             <a:off x="8097120" y="4678920"/>
-            <a:ext cx="1076400" cy="838800"/>
+            <a:ext cx="1076040" cy="838440"/>
           </a:xfrm>
           <a:prstGeom prst="ellipse">
             <a:avLst/>
@@ -37329,7 +37946,7 @@
         <p:spPr>
           <a:xfrm>
             <a:off x="7917120" y="5398920"/>
-            <a:ext cx="896400" cy="896400"/>
+            <a:ext cx="896040" cy="896040"/>
           </a:xfrm>
           <a:prstGeom prst="ellipse">
             <a:avLst/>
@@ -37363,7 +37980,7 @@
         <p:spPr>
           <a:xfrm>
             <a:off x="3418560" y="5128920"/>
-            <a:ext cx="3235680" cy="389160"/>
+            <a:ext cx="3235320" cy="388800"/>
           </a:xfrm>
           <a:prstGeom prst="rect">
             <a:avLst/>
@@ -37420,7 +38037,7 @@
         <p:spPr>
           <a:xfrm>
             <a:off x="7557120" y="5128920"/>
-            <a:ext cx="2335680" cy="389160"/>
+            <a:ext cx="2335320" cy="388800"/>
           </a:xfrm>
           <a:prstGeom prst="rect">
             <a:avLst/>
@@ -37452,7 +38069,7 @@
               </a:lnSpc>
               <a:buNone/>
             </a:pPr>
-            <a:fld id="{BB9F16F1-9FF5-4EAD-87B2-36179286C282}" type="slidenum">
+            <a:fld id="{B6AACBFB-2890-425E-9759-BD419AC5461A}" type="slidenum">
               <a:rPr b="0" lang="en-US" sz="1400" spc="-1" strike="noStrike">
                 <a:latin typeface="Times New Roman"/>
               </a:rPr>
@@ -37477,7 +38094,7 @@
         <p:spPr>
           <a:xfrm>
             <a:off x="179640" y="5128920"/>
-            <a:ext cx="2335680" cy="389160"/>
+            <a:ext cx="2335320" cy="388800"/>
           </a:xfrm>
           <a:prstGeom prst="rect">
             <a:avLst/>
@@ -37783,7 +38400,7 @@
         <p:spPr>
           <a:xfrm>
             <a:off x="0" y="0"/>
-            <a:ext cx="10073520" cy="5666040"/>
+            <a:ext cx="10073160" cy="5665680"/>
           </a:xfrm>
           <a:prstGeom prst="rect">
             <a:avLst/>
@@ -37819,7 +38436,7 @@
         <p:spPr>
           <a:xfrm>
             <a:off x="1439280" y="1079640"/>
-            <a:ext cx="1436040" cy="1256400"/>
+            <a:ext cx="1435680" cy="1256040"/>
           </a:xfrm>
           <a:prstGeom prst="ellipse">
             <a:avLst/>
@@ -37849,7 +38466,7 @@
         <p:spPr>
           <a:xfrm>
             <a:off x="7377120" y="3959280"/>
-            <a:ext cx="1436040" cy="1256400"/>
+            <a:ext cx="1435680" cy="1256040"/>
           </a:xfrm>
           <a:prstGeom prst="ellipse">
             <a:avLst/>
@@ -37879,7 +38496,7 @@
         <p:spPr>
           <a:xfrm>
             <a:off x="8996760" y="2699280"/>
-            <a:ext cx="1256400" cy="1076400"/>
+            <a:ext cx="1256040" cy="1076040"/>
           </a:xfrm>
           <a:prstGeom prst="ellipse">
             <a:avLst/>
@@ -37909,7 +38526,7 @@
         <p:spPr>
           <a:xfrm>
             <a:off x="-179640" y="2429280"/>
-            <a:ext cx="1436040" cy="1346400"/>
+            <a:ext cx="1435680" cy="1346040"/>
           </a:xfrm>
           <a:prstGeom prst="ellipse">
             <a:avLst/>
@@ -37939,7 +38556,7 @@
         <p:spPr>
           <a:xfrm>
             <a:off x="539640" y="1079640"/>
-            <a:ext cx="716400" cy="716400"/>
+            <a:ext cx="716040" cy="716040"/>
           </a:xfrm>
           <a:prstGeom prst="ellipse">
             <a:avLst/>
@@ -37969,7 +38586,7 @@
         <p:spPr>
           <a:xfrm>
             <a:off x="0" y="1259640"/>
-            <a:ext cx="716400" cy="716400"/>
+            <a:ext cx="716040" cy="716040"/>
           </a:xfrm>
           <a:prstGeom prst="ellipse">
             <a:avLst/>
@@ -37999,7 +38616,7 @@
         <p:spPr>
           <a:xfrm>
             <a:off x="0" y="5218920"/>
-            <a:ext cx="1616040" cy="1256400"/>
+            <a:ext cx="1615680" cy="1256040"/>
           </a:xfrm>
           <a:prstGeom prst="ellipse">
             <a:avLst/>
@@ -38029,7 +38646,7 @@
         <p:spPr>
           <a:xfrm>
             <a:off x="9716400" y="4678920"/>
-            <a:ext cx="716400" cy="716400"/>
+            <a:ext cx="716040" cy="716040"/>
           </a:xfrm>
           <a:prstGeom prst="ellipse">
             <a:avLst/>
@@ -38059,7 +38676,7 @@
         <p:spPr>
           <a:xfrm>
             <a:off x="9536400" y="3419280"/>
-            <a:ext cx="716400" cy="716400"/>
+            <a:ext cx="716040" cy="716040"/>
           </a:xfrm>
           <a:prstGeom prst="ellipse">
             <a:avLst/>
@@ -38089,7 +38706,7 @@
         <p:spPr>
           <a:xfrm>
             <a:off x="8097120" y="4678920"/>
-            <a:ext cx="1076400" cy="838800"/>
+            <a:ext cx="1076040" cy="838440"/>
           </a:xfrm>
           <a:prstGeom prst="ellipse">
             <a:avLst/>
@@ -38119,7 +38736,7 @@
         <p:spPr>
           <a:xfrm>
             <a:off x="7917120" y="5398920"/>
-            <a:ext cx="896400" cy="896400"/>
+            <a:ext cx="896040" cy="896040"/>
           </a:xfrm>
           <a:prstGeom prst="ellipse">
             <a:avLst/>
@@ -38153,7 +38770,7 @@
         <p:spPr>
           <a:xfrm>
             <a:off x="3418560" y="5128920"/>
-            <a:ext cx="3235680" cy="389160"/>
+            <a:ext cx="3235320" cy="388800"/>
           </a:xfrm>
           <a:prstGeom prst="rect">
             <a:avLst/>
@@ -38210,7 +38827,7 @@
         <p:spPr>
           <a:xfrm>
             <a:off x="7557120" y="5128920"/>
-            <a:ext cx="2335680" cy="389160"/>
+            <a:ext cx="2335320" cy="388800"/>
           </a:xfrm>
           <a:prstGeom prst="rect">
             <a:avLst/>
@@ -38242,7 +38859,7 @@
               </a:lnSpc>
               <a:buNone/>
             </a:pPr>
-            <a:fld id="{F135F9B6-6DA0-41DD-8CA0-D9E9E3F24A9C}" type="slidenum">
+            <a:fld id="{A3A858E4-CCEF-43CB-B83D-AF3E7573547D}" type="slidenum">
               <a:rPr b="0" lang="en-US" sz="1400" spc="-1" strike="noStrike">
                 <a:latin typeface="Times New Roman"/>
               </a:rPr>
@@ -38267,7 +38884,7 @@
         <p:spPr>
           <a:xfrm>
             <a:off x="179640" y="5128920"/>
-            <a:ext cx="2335680" cy="389160"/>
+            <a:ext cx="2335320" cy="388800"/>
           </a:xfrm>
           <a:prstGeom prst="rect">
             <a:avLst/>
@@ -38573,7 +39190,7 @@
         <p:spPr>
           <a:xfrm>
             <a:off x="0" y="0"/>
-            <a:ext cx="10073520" cy="5666040"/>
+            <a:ext cx="10073160" cy="5665680"/>
           </a:xfrm>
           <a:prstGeom prst="rect">
             <a:avLst/>
@@ -38609,7 +39226,7 @@
         <p:spPr>
           <a:xfrm>
             <a:off x="1439280" y="1079640"/>
-            <a:ext cx="1436040" cy="1256400"/>
+            <a:ext cx="1435680" cy="1256040"/>
           </a:xfrm>
           <a:prstGeom prst="ellipse">
             <a:avLst/>
@@ -38639,7 +39256,7 @@
         <p:spPr>
           <a:xfrm>
             <a:off x="7377120" y="3959280"/>
-            <a:ext cx="1436040" cy="1256400"/>
+            <a:ext cx="1435680" cy="1256040"/>
           </a:xfrm>
           <a:prstGeom prst="ellipse">
             <a:avLst/>
@@ -38669,7 +39286,7 @@
         <p:spPr>
           <a:xfrm>
             <a:off x="8996760" y="2699280"/>
-            <a:ext cx="1256400" cy="1076400"/>
+            <a:ext cx="1256040" cy="1076040"/>
           </a:xfrm>
           <a:prstGeom prst="ellipse">
             <a:avLst/>
@@ -38699,7 +39316,7 @@
         <p:spPr>
           <a:xfrm>
             <a:off x="-179640" y="2429280"/>
-            <a:ext cx="1436040" cy="1346400"/>
+            <a:ext cx="1435680" cy="1346040"/>
           </a:xfrm>
           <a:prstGeom prst="ellipse">
             <a:avLst/>
@@ -38729,7 +39346,7 @@
         <p:spPr>
           <a:xfrm>
             <a:off x="539640" y="1079640"/>
-            <a:ext cx="716400" cy="716400"/>
+            <a:ext cx="716040" cy="716040"/>
           </a:xfrm>
           <a:prstGeom prst="ellipse">
             <a:avLst/>
@@ -38759,7 +39376,7 @@
         <p:spPr>
           <a:xfrm>
             <a:off x="0" y="1259640"/>
-            <a:ext cx="716400" cy="716400"/>
+            <a:ext cx="716040" cy="716040"/>
           </a:xfrm>
           <a:prstGeom prst="ellipse">
             <a:avLst/>
@@ -38789,7 +39406,7 @@
         <p:spPr>
           <a:xfrm>
             <a:off x="0" y="5218920"/>
-            <a:ext cx="1616040" cy="1256400"/>
+            <a:ext cx="1615680" cy="1256040"/>
           </a:xfrm>
           <a:prstGeom prst="ellipse">
             <a:avLst/>
@@ -38819,7 +39436,7 @@
         <p:spPr>
           <a:xfrm>
             <a:off x="9716400" y="4678920"/>
-            <a:ext cx="716400" cy="716400"/>
+            <a:ext cx="716040" cy="716040"/>
           </a:xfrm>
           <a:prstGeom prst="ellipse">
             <a:avLst/>
@@ -38849,7 +39466,7 @@
         <p:spPr>
           <a:xfrm>
             <a:off x="9536400" y="3419280"/>
-            <a:ext cx="716400" cy="716400"/>
+            <a:ext cx="716040" cy="716040"/>
           </a:xfrm>
           <a:prstGeom prst="ellipse">
             <a:avLst/>
@@ -38879,7 +39496,7 @@
         <p:spPr>
           <a:xfrm>
             <a:off x="8097120" y="4678920"/>
-            <a:ext cx="1076400" cy="838800"/>
+            <a:ext cx="1076040" cy="838440"/>
           </a:xfrm>
           <a:prstGeom prst="ellipse">
             <a:avLst/>
@@ -38909,7 +39526,7 @@
         <p:spPr>
           <a:xfrm>
             <a:off x="7917120" y="5398920"/>
-            <a:ext cx="896400" cy="896400"/>
+            <a:ext cx="896040" cy="896040"/>
           </a:xfrm>
           <a:prstGeom prst="ellipse">
             <a:avLst/>
@@ -38943,7 +39560,7 @@
         <p:spPr>
           <a:xfrm>
             <a:off x="3418560" y="5128920"/>
-            <a:ext cx="3235680" cy="389160"/>
+            <a:ext cx="3235320" cy="388800"/>
           </a:xfrm>
           <a:prstGeom prst="rect">
             <a:avLst/>
@@ -39000,7 +39617,7 @@
         <p:spPr>
           <a:xfrm>
             <a:off x="7557120" y="5128920"/>
-            <a:ext cx="2335680" cy="389160"/>
+            <a:ext cx="2335320" cy="388800"/>
           </a:xfrm>
           <a:prstGeom prst="rect">
             <a:avLst/>
@@ -39032,7 +39649,7 @@
               </a:lnSpc>
               <a:buNone/>
             </a:pPr>
-            <a:fld id="{394BB456-9143-480F-A293-4D5A8CCD85C7}" type="slidenum">
+            <a:fld id="{8AC7D304-7DEF-4CE3-BDF5-54F5F4C9863F}" type="slidenum">
               <a:rPr b="0" lang="en-US" sz="1400" spc="-1" strike="noStrike">
                 <a:latin typeface="Times New Roman"/>
               </a:rPr>
@@ -39057,7 +39674,7 @@
         <p:spPr>
           <a:xfrm>
             <a:off x="179640" y="5128920"/>
-            <a:ext cx="2335680" cy="389160"/>
+            <a:ext cx="2335320" cy="388800"/>
           </a:xfrm>
           <a:prstGeom prst="rect">
             <a:avLst/>
@@ -39363,7 +39980,7 @@
         <p:spPr>
           <a:xfrm>
             <a:off x="0" y="0"/>
-            <a:ext cx="10073520" cy="5666040"/>
+            <a:ext cx="10073160" cy="5665680"/>
           </a:xfrm>
           <a:prstGeom prst="rect">
             <a:avLst/>
@@ -39399,7 +40016,7 @@
         <p:spPr>
           <a:xfrm>
             <a:off x="1439280" y="1079640"/>
-            <a:ext cx="1436040" cy="1256400"/>
+            <a:ext cx="1435680" cy="1256040"/>
           </a:xfrm>
           <a:prstGeom prst="ellipse">
             <a:avLst/>
@@ -39429,7 +40046,7 @@
         <p:spPr>
           <a:xfrm>
             <a:off x="7377120" y="3959280"/>
-            <a:ext cx="1436040" cy="1256400"/>
+            <a:ext cx="1435680" cy="1256040"/>
           </a:xfrm>
           <a:prstGeom prst="ellipse">
             <a:avLst/>
@@ -39459,7 +40076,7 @@
         <p:spPr>
           <a:xfrm>
             <a:off x="8996760" y="2699280"/>
-            <a:ext cx="1256400" cy="1076400"/>
+            <a:ext cx="1256040" cy="1076040"/>
           </a:xfrm>
           <a:prstGeom prst="ellipse">
             <a:avLst/>
@@ -39489,7 +40106,7 @@
         <p:spPr>
           <a:xfrm>
             <a:off x="-179640" y="2429280"/>
-            <a:ext cx="1436040" cy="1346400"/>
+            <a:ext cx="1435680" cy="1346040"/>
           </a:xfrm>
           <a:prstGeom prst="ellipse">
             <a:avLst/>
@@ -39519,7 +40136,7 @@
         <p:spPr>
           <a:xfrm>
             <a:off x="539640" y="1079640"/>
-            <a:ext cx="716400" cy="716400"/>
+            <a:ext cx="716040" cy="716040"/>
           </a:xfrm>
           <a:prstGeom prst="ellipse">
             <a:avLst/>
@@ -39549,7 +40166,7 @@
         <p:spPr>
           <a:xfrm>
             <a:off x="0" y="1259640"/>
-            <a:ext cx="716400" cy="716400"/>
+            <a:ext cx="716040" cy="716040"/>
           </a:xfrm>
           <a:prstGeom prst="ellipse">
             <a:avLst/>
@@ -39579,7 +40196,7 @@
         <p:spPr>
           <a:xfrm>
             <a:off x="0" y="5218920"/>
-            <a:ext cx="1616040" cy="1256400"/>
+            <a:ext cx="1615680" cy="1256040"/>
           </a:xfrm>
           <a:prstGeom prst="ellipse">
             <a:avLst/>
@@ -39609,7 +40226,7 @@
         <p:spPr>
           <a:xfrm>
             <a:off x="9716400" y="4678920"/>
-            <a:ext cx="716400" cy="716400"/>
+            <a:ext cx="716040" cy="716040"/>
           </a:xfrm>
           <a:prstGeom prst="ellipse">
             <a:avLst/>
@@ -39639,7 +40256,7 @@
         <p:spPr>
           <a:xfrm>
             <a:off x="9536400" y="3419280"/>
-            <a:ext cx="716400" cy="716400"/>
+            <a:ext cx="716040" cy="716040"/>
           </a:xfrm>
           <a:prstGeom prst="ellipse">
             <a:avLst/>
@@ -39669,7 +40286,7 @@
         <p:spPr>
           <a:xfrm>
             <a:off x="8097120" y="4678920"/>
-            <a:ext cx="1076400" cy="838800"/>
+            <a:ext cx="1076040" cy="838440"/>
           </a:xfrm>
           <a:prstGeom prst="ellipse">
             <a:avLst/>
@@ -39699,7 +40316,7 @@
         <p:spPr>
           <a:xfrm>
             <a:off x="7917120" y="5398920"/>
-            <a:ext cx="896400" cy="896400"/>
+            <a:ext cx="896040" cy="896040"/>
           </a:xfrm>
           <a:prstGeom prst="ellipse">
             <a:avLst/>
@@ -39733,7 +40350,7 @@
         <p:spPr>
           <a:xfrm>
             <a:off x="3418560" y="5128920"/>
-            <a:ext cx="3235680" cy="389160"/>
+            <a:ext cx="3235320" cy="388800"/>
           </a:xfrm>
           <a:prstGeom prst="rect">
             <a:avLst/>
@@ -39790,7 +40407,7 @@
         <p:spPr>
           <a:xfrm>
             <a:off x="7557120" y="5128920"/>
-            <a:ext cx="2335680" cy="389160"/>
+            <a:ext cx="2335320" cy="388800"/>
           </a:xfrm>
           <a:prstGeom prst="rect">
             <a:avLst/>
@@ -39822,7 +40439,7 @@
               </a:lnSpc>
               <a:buNone/>
             </a:pPr>
-            <a:fld id="{4AF15BE7-4C92-429A-B5E5-B9280471CCE8}" type="slidenum">
+            <a:fld id="{CD512C86-9961-4E3B-AD85-D6DE61DA9ECC}" type="slidenum">
               <a:rPr b="0" lang="en-US" sz="1400" spc="-1" strike="noStrike">
                 <a:latin typeface="Times New Roman"/>
               </a:rPr>
@@ -39847,7 +40464,7 @@
         <p:spPr>
           <a:xfrm>
             <a:off x="179640" y="5128920"/>
-            <a:ext cx="2335680" cy="389160"/>
+            <a:ext cx="2335320" cy="388800"/>
           </a:xfrm>
           <a:prstGeom prst="rect">
             <a:avLst/>
@@ -40153,7 +40770,7 @@
         <p:spPr>
           <a:xfrm>
             <a:off x="0" y="0"/>
-            <a:ext cx="10073520" cy="5666040"/>
+            <a:ext cx="10073160" cy="5665680"/>
           </a:xfrm>
           <a:prstGeom prst="rect">
             <a:avLst/>
@@ -40189,7 +40806,7 @@
         <p:spPr>
           <a:xfrm>
             <a:off x="1439280" y="1079640"/>
-            <a:ext cx="1436040" cy="1256400"/>
+            <a:ext cx="1435680" cy="1256040"/>
           </a:xfrm>
           <a:prstGeom prst="ellipse">
             <a:avLst/>
@@ -40219,7 +40836,7 @@
         <p:spPr>
           <a:xfrm>
             <a:off x="7377120" y="3959280"/>
-            <a:ext cx="1436040" cy="1256400"/>
+            <a:ext cx="1435680" cy="1256040"/>
           </a:xfrm>
           <a:prstGeom prst="ellipse">
             <a:avLst/>
@@ -40249,7 +40866,7 @@
         <p:spPr>
           <a:xfrm>
             <a:off x="8996760" y="2699280"/>
-            <a:ext cx="1256400" cy="1076400"/>
+            <a:ext cx="1256040" cy="1076040"/>
           </a:xfrm>
           <a:prstGeom prst="ellipse">
             <a:avLst/>
@@ -40279,7 +40896,7 @@
         <p:spPr>
           <a:xfrm>
             <a:off x="-179640" y="2429280"/>
-            <a:ext cx="1436040" cy="1346400"/>
+            <a:ext cx="1435680" cy="1346040"/>
           </a:xfrm>
           <a:prstGeom prst="ellipse">
             <a:avLst/>
@@ -40309,7 +40926,7 @@
         <p:spPr>
           <a:xfrm>
             <a:off x="539640" y="1079640"/>
-            <a:ext cx="716400" cy="716400"/>
+            <a:ext cx="716040" cy="716040"/>
           </a:xfrm>
           <a:prstGeom prst="ellipse">
             <a:avLst/>
@@ -40339,7 +40956,7 @@
         <p:spPr>
           <a:xfrm>
             <a:off x="0" y="1259640"/>
-            <a:ext cx="716400" cy="716400"/>
+            <a:ext cx="716040" cy="716040"/>
           </a:xfrm>
           <a:prstGeom prst="ellipse">
             <a:avLst/>
@@ -40369,7 +40986,7 @@
         <p:spPr>
           <a:xfrm>
             <a:off x="0" y="5218920"/>
-            <a:ext cx="1616040" cy="1256400"/>
+            <a:ext cx="1615680" cy="1256040"/>
           </a:xfrm>
           <a:prstGeom prst="ellipse">
             <a:avLst/>
@@ -40399,7 +41016,7 @@
         <p:spPr>
           <a:xfrm>
             <a:off x="9716400" y="4678920"/>
-            <a:ext cx="716400" cy="716400"/>
+            <a:ext cx="716040" cy="716040"/>
           </a:xfrm>
           <a:prstGeom prst="ellipse">
             <a:avLst/>
@@ -40429,7 +41046,7 @@
         <p:spPr>
           <a:xfrm>
             <a:off x="9536400" y="3419280"/>
-            <a:ext cx="716400" cy="716400"/>
+            <a:ext cx="716040" cy="716040"/>
           </a:xfrm>
           <a:prstGeom prst="ellipse">
             <a:avLst/>
@@ -40459,7 +41076,7 @@
         <p:spPr>
           <a:xfrm>
             <a:off x="8097120" y="4678920"/>
-            <a:ext cx="1076400" cy="838800"/>
+            <a:ext cx="1076040" cy="838440"/>
           </a:xfrm>
           <a:prstGeom prst="ellipse">
             <a:avLst/>
@@ -40489,7 +41106,7 @@
         <p:spPr>
           <a:xfrm>
             <a:off x="7917120" y="5398920"/>
-            <a:ext cx="896400" cy="896400"/>
+            <a:ext cx="896040" cy="896040"/>
           </a:xfrm>
           <a:prstGeom prst="ellipse">
             <a:avLst/>
@@ -40523,7 +41140,7 @@
         <p:spPr>
           <a:xfrm>
             <a:off x="3418560" y="5128920"/>
-            <a:ext cx="3235680" cy="389160"/>
+            <a:ext cx="3235320" cy="388800"/>
           </a:xfrm>
           <a:prstGeom prst="rect">
             <a:avLst/>
@@ -40580,7 +41197,7 @@
         <p:spPr>
           <a:xfrm>
             <a:off x="7557120" y="5128920"/>
-            <a:ext cx="2335680" cy="389160"/>
+            <a:ext cx="2335320" cy="388800"/>
           </a:xfrm>
           <a:prstGeom prst="rect">
             <a:avLst/>
@@ -40612,7 +41229,7 @@
               </a:lnSpc>
               <a:buNone/>
             </a:pPr>
-            <a:fld id="{6BC02070-8DD6-4586-B546-462704F70BFC}" type="slidenum">
+            <a:fld id="{D4685F34-9192-440D-B0DF-CC55ECCD51A8}" type="slidenum">
               <a:rPr b="0" lang="en-US" sz="1400" spc="-1" strike="noStrike">
                 <a:latin typeface="Times New Roman"/>
               </a:rPr>
@@ -40637,7 +41254,7 @@
         <p:spPr>
           <a:xfrm>
             <a:off x="179640" y="5128920"/>
-            <a:ext cx="2335680" cy="389160"/>
+            <a:ext cx="2335320" cy="388800"/>
           </a:xfrm>
           <a:prstGeom prst="rect">
             <a:avLst/>
@@ -40943,7 +41560,7 @@
         <p:spPr>
           <a:xfrm>
             <a:off x="503640" y="809640"/>
-            <a:ext cx="9063000" cy="1290600"/>
+            <a:ext cx="9062640" cy="1290240"/>
           </a:xfrm>
           <a:prstGeom prst="rect">
             <a:avLst/>
@@ -40995,7 +41612,7 @@
         <p:spPr>
           <a:xfrm>
             <a:off x="503640" y="2375280"/>
-            <a:ext cx="9063000" cy="2748240"/>
+            <a:ext cx="9062640" cy="2747880"/>
           </a:xfrm>
           <a:prstGeom prst="rect">
             <a:avLst/>
@@ -41098,7 +41715,7 @@
         <p:spPr>
           <a:xfrm>
             <a:off x="503640" y="809640"/>
-            <a:ext cx="9063000" cy="1290600"/>
+            <a:ext cx="9062640" cy="1290240"/>
           </a:xfrm>
           <a:prstGeom prst="rect">
             <a:avLst/>
@@ -41150,7 +41767,7 @@
         <p:spPr>
           <a:xfrm>
             <a:off x="503640" y="2375280"/>
-            <a:ext cx="9063000" cy="2748240"/>
+            <a:ext cx="9062640" cy="2747880"/>
           </a:xfrm>
           <a:prstGeom prst="rect">
             <a:avLst/>
@@ -41399,7 +42016,7 @@
         <p:spPr>
           <a:xfrm>
             <a:off x="503640" y="809640"/>
-            <a:ext cx="9063000" cy="1290600"/>
+            <a:ext cx="9062640" cy="1290240"/>
           </a:xfrm>
           <a:prstGeom prst="rect">
             <a:avLst/>
@@ -41451,7 +42068,7 @@
         <p:spPr>
           <a:xfrm>
             <a:off x="503640" y="2375280"/>
-            <a:ext cx="9063000" cy="2748240"/>
+            <a:ext cx="9062640" cy="2747880"/>
           </a:xfrm>
           <a:prstGeom prst="rect">
             <a:avLst/>
@@ -41672,7 +42289,7 @@
         <p:spPr>
           <a:xfrm>
             <a:off x="503640" y="809640"/>
-            <a:ext cx="9063000" cy="1290600"/>
+            <a:ext cx="9062640" cy="1290240"/>
           </a:xfrm>
           <a:prstGeom prst="rect">
             <a:avLst/>
@@ -41724,7 +42341,7 @@
         <p:spPr>
           <a:xfrm>
             <a:off x="503640" y="2375280"/>
-            <a:ext cx="9063000" cy="2748240"/>
+            <a:ext cx="9062640" cy="2747880"/>
           </a:xfrm>
           <a:prstGeom prst="rect">
             <a:avLst/>
@@ -41783,7 +42400,7 @@
         <p:spPr>
           <a:xfrm>
             <a:off x="87120" y="2056680"/>
-            <a:ext cx="9964080" cy="2739600"/>
+            <a:ext cx="9963720" cy="2739240"/>
           </a:xfrm>
           <a:prstGeom prst="rect">
             <a:avLst/>
@@ -41906,7 +42523,7 @@
         <p:spPr>
           <a:xfrm>
             <a:off x="503640" y="809640"/>
-            <a:ext cx="9063000" cy="1290600"/>
+            <a:ext cx="9062640" cy="1290240"/>
           </a:xfrm>
           <a:prstGeom prst="rect">
             <a:avLst/>
@@ -41958,7 +42575,7 @@
         <p:spPr>
           <a:xfrm>
             <a:off x="503640" y="2375280"/>
-            <a:ext cx="9063000" cy="2748240"/>
+            <a:ext cx="9062640" cy="2747880"/>
           </a:xfrm>
           <a:prstGeom prst="rect">
             <a:avLst/>
@@ -42106,7 +42723,7 @@
         <p:spPr>
           <a:xfrm>
             <a:off x="503640" y="809640"/>
-            <a:ext cx="9063000" cy="1290600"/>
+            <a:ext cx="9062640" cy="1290240"/>
           </a:xfrm>
           <a:prstGeom prst="rect">
             <a:avLst/>
@@ -42158,7 +42775,7 @@
         <p:spPr>
           <a:xfrm>
             <a:off x="503640" y="2375280"/>
-            <a:ext cx="9063000" cy="2748240"/>
+            <a:ext cx="9062640" cy="2747880"/>
           </a:xfrm>
           <a:prstGeom prst="rect">
             <a:avLst/>
@@ -42375,7 +42992,7 @@
         <p:spPr>
           <a:xfrm>
             <a:off x="503640" y="809640"/>
-            <a:ext cx="9063000" cy="1290600"/>
+            <a:ext cx="9062640" cy="1290240"/>
           </a:xfrm>
           <a:prstGeom prst="rect">
             <a:avLst/>
@@ -42427,7 +43044,7 @@
         <p:spPr>
           <a:xfrm>
             <a:off x="503640" y="2375280"/>
-            <a:ext cx="9063000" cy="2748240"/>
+            <a:ext cx="9062640" cy="2747880"/>
           </a:xfrm>
           <a:prstGeom prst="rect">
             <a:avLst/>
@@ -42517,7 +43134,7 @@
         <p:spPr>
           <a:xfrm>
             <a:off x="503640" y="809640"/>
-            <a:ext cx="9063000" cy="1290600"/>
+            <a:ext cx="9062640" cy="1290240"/>
           </a:xfrm>
           <a:prstGeom prst="rect">
             <a:avLst/>
@@ -42569,7 +43186,7 @@
         <p:spPr>
           <a:xfrm>
             <a:off x="503640" y="2375280"/>
-            <a:ext cx="9063000" cy="2748240"/>
+            <a:ext cx="9062640" cy="2747880"/>
           </a:xfrm>
           <a:prstGeom prst="rect">
             <a:avLst/>
@@ -42717,7 +43334,7 @@
         <p:spPr>
           <a:xfrm>
             <a:off x="503640" y="809640"/>
-            <a:ext cx="9063000" cy="1290600"/>
+            <a:ext cx="9062640" cy="1290240"/>
           </a:xfrm>
           <a:prstGeom prst="rect">
             <a:avLst/>
@@ -42769,7 +43386,7 @@
         <p:spPr>
           <a:xfrm>
             <a:off x="503640" y="2375280"/>
-            <a:ext cx="9063000" cy="2748240"/>
+            <a:ext cx="9062640" cy="2747880"/>
           </a:xfrm>
           <a:prstGeom prst="rect">
             <a:avLst/>
@@ -42966,7 +43583,7 @@
         <p:spPr>
           <a:xfrm>
             <a:off x="503640" y="809640"/>
-            <a:ext cx="9063000" cy="1290600"/>
+            <a:ext cx="9062640" cy="1290240"/>
           </a:xfrm>
           <a:prstGeom prst="rect">
             <a:avLst/>
@@ -43018,7 +43635,7 @@
         <p:spPr>
           <a:xfrm>
             <a:off x="503640" y="2375280"/>
-            <a:ext cx="9063000" cy="2748240"/>
+            <a:ext cx="9062640" cy="2747880"/>
           </a:xfrm>
           <a:prstGeom prst="rect">
             <a:avLst/>
@@ -43166,7 +43783,7 @@
         <p:spPr>
           <a:xfrm>
             <a:off x="503640" y="809640"/>
-            <a:ext cx="9063000" cy="1290600"/>
+            <a:ext cx="9062640" cy="1290240"/>
           </a:xfrm>
           <a:prstGeom prst="rect">
             <a:avLst/>
@@ -43218,7 +43835,7 @@
         <p:spPr>
           <a:xfrm>
             <a:off x="503640" y="2375280"/>
-            <a:ext cx="9063000" cy="2748240"/>
+            <a:ext cx="9062640" cy="2747880"/>
           </a:xfrm>
           <a:prstGeom prst="rect">
             <a:avLst/>
@@ -43375,7 +43992,7 @@
         <p:spPr>
           <a:xfrm>
             <a:off x="503640" y="809640"/>
-            <a:ext cx="9063000" cy="1290600"/>
+            <a:ext cx="9062640" cy="1290240"/>
           </a:xfrm>
           <a:prstGeom prst="rect">
             <a:avLst/>
@@ -43427,7 +44044,7 @@
         <p:spPr>
           <a:xfrm>
             <a:off x="503640" y="2375280"/>
-            <a:ext cx="9063000" cy="2748240"/>
+            <a:ext cx="9062640" cy="2747880"/>
           </a:xfrm>
           <a:prstGeom prst="rect">
             <a:avLst/>
@@ -43453,7 +44070,7 @@
         <p:spPr>
           <a:xfrm>
             <a:off x="-75240" y="-1809720"/>
-            <a:ext cx="10231920" cy="9299520"/>
+            <a:ext cx="10231560" cy="9299160"/>
           </a:xfrm>
           <a:prstGeom prst="rect">
             <a:avLst/>
@@ -44185,7 +44802,7 @@
         <p:spPr>
           <a:xfrm>
             <a:off x="503640" y="809640"/>
-            <a:ext cx="9063000" cy="1290600"/>
+            <a:ext cx="9062640" cy="1290240"/>
           </a:xfrm>
           <a:prstGeom prst="rect">
             <a:avLst/>
@@ -44237,7 +44854,7 @@
         <p:spPr>
           <a:xfrm>
             <a:off x="503640" y="2375280"/>
-            <a:ext cx="9063000" cy="2748240"/>
+            <a:ext cx="9062640" cy="2747880"/>
           </a:xfrm>
           <a:prstGeom prst="rect">
             <a:avLst/>
@@ -44356,7 +44973,7 @@
         <p:spPr>
           <a:xfrm>
             <a:off x="503640" y="809640"/>
-            <a:ext cx="9063000" cy="1290600"/>
+            <a:ext cx="9062640" cy="1290240"/>
           </a:xfrm>
           <a:prstGeom prst="rect">
             <a:avLst/>
@@ -44408,7 +45025,7 @@
         <p:spPr>
           <a:xfrm>
             <a:off x="503640" y="2375280"/>
-            <a:ext cx="9063000" cy="2748240"/>
+            <a:ext cx="9062640" cy="2747880"/>
           </a:xfrm>
           <a:prstGeom prst="rect">
             <a:avLst/>
@@ -44527,7 +45144,7 @@
         <p:spPr>
           <a:xfrm>
             <a:off x="503640" y="809640"/>
-            <a:ext cx="9063000" cy="1290600"/>
+            <a:ext cx="9062640" cy="1290240"/>
           </a:xfrm>
           <a:prstGeom prst="rect">
             <a:avLst/>
@@ -44579,7 +45196,7 @@
         <p:spPr>
           <a:xfrm>
             <a:off x="503640" y="2375280"/>
-            <a:ext cx="9063000" cy="2748240"/>
+            <a:ext cx="9062640" cy="2747880"/>
           </a:xfrm>
           <a:prstGeom prst="rect">
             <a:avLst/>
@@ -44756,7 +45373,7 @@
         <p:spPr>
           <a:xfrm>
             <a:off x="503640" y="809640"/>
-            <a:ext cx="9063000" cy="1290600"/>
+            <a:ext cx="9062640" cy="1290240"/>
           </a:xfrm>
           <a:prstGeom prst="rect">
             <a:avLst/>
@@ -44808,7 +45425,7 @@
         <p:spPr>
           <a:xfrm>
             <a:off x="503640" y="2375280"/>
-            <a:ext cx="9063000" cy="2748240"/>
+            <a:ext cx="9062640" cy="2747880"/>
           </a:xfrm>
           <a:prstGeom prst="rect">
             <a:avLst/>
@@ -44985,7 +45602,7 @@
         <p:spPr>
           <a:xfrm>
             <a:off x="503640" y="809640"/>
-            <a:ext cx="9063000" cy="1290600"/>
+            <a:ext cx="9062640" cy="1290240"/>
           </a:xfrm>
           <a:prstGeom prst="rect">
             <a:avLst/>
@@ -45037,7 +45654,7 @@
         <p:spPr>
           <a:xfrm>
             <a:off x="503640" y="2375280"/>
-            <a:ext cx="9063000" cy="2748240"/>
+            <a:ext cx="9062640" cy="2747880"/>
           </a:xfrm>
           <a:prstGeom prst="rect">
             <a:avLst/>
@@ -45214,7 +45831,7 @@
         <p:spPr>
           <a:xfrm>
             <a:off x="503640" y="809640"/>
-            <a:ext cx="9063000" cy="1290600"/>
+            <a:ext cx="9062640" cy="1290240"/>
           </a:xfrm>
           <a:prstGeom prst="rect">
             <a:avLst/>
@@ -45266,7 +45883,7 @@
         <p:spPr>
           <a:xfrm>
             <a:off x="503640" y="2375280"/>
-            <a:ext cx="9063000" cy="2748240"/>
+            <a:ext cx="9062640" cy="2747880"/>
           </a:xfrm>
           <a:prstGeom prst="rect">
             <a:avLst/>
@@ -45443,7 +46060,7 @@
         <p:spPr>
           <a:xfrm>
             <a:off x="503640" y="809640"/>
-            <a:ext cx="9063000" cy="1290600"/>
+            <a:ext cx="9062640" cy="1290240"/>
           </a:xfrm>
           <a:prstGeom prst="rect">
             <a:avLst/>
@@ -45495,7 +46112,7 @@
         <p:spPr>
           <a:xfrm>
             <a:off x="503640" y="2375280"/>
-            <a:ext cx="9063000" cy="2748240"/>
+            <a:ext cx="9062640" cy="2747880"/>
           </a:xfrm>
           <a:prstGeom prst="rect">
             <a:avLst/>
@@ -45643,7 +46260,7 @@
         <p:spPr>
           <a:xfrm>
             <a:off x="503640" y="809640"/>
-            <a:ext cx="9063000" cy="1290600"/>
+            <a:ext cx="9062640" cy="1290240"/>
           </a:xfrm>
           <a:prstGeom prst="rect">
             <a:avLst/>
@@ -45695,7 +46312,7 @@
         <p:spPr>
           <a:xfrm>
             <a:off x="503640" y="2375280"/>
-            <a:ext cx="9063000" cy="2748240"/>
+            <a:ext cx="9062640" cy="2747880"/>
           </a:xfrm>
           <a:prstGeom prst="rect">
             <a:avLst/>
@@ -45901,7 +46518,7 @@
         <p:spPr>
           <a:xfrm>
             <a:off x="503640" y="809640"/>
-            <a:ext cx="9063000" cy="1290600"/>
+            <a:ext cx="9062640" cy="1290240"/>
           </a:xfrm>
           <a:prstGeom prst="rect">
             <a:avLst/>
@@ -45953,7 +46570,7 @@
         <p:spPr>
           <a:xfrm>
             <a:off x="503640" y="2375280"/>
-            <a:ext cx="9063000" cy="2748240"/>
+            <a:ext cx="9062640" cy="2747880"/>
           </a:xfrm>
           <a:prstGeom prst="rect">
             <a:avLst/>
@@ -46159,7 +46776,7 @@
         <p:spPr>
           <a:xfrm>
             <a:off x="503640" y="809640"/>
-            <a:ext cx="9063000" cy="1290600"/>
+            <a:ext cx="9062640" cy="1290240"/>
           </a:xfrm>
           <a:prstGeom prst="rect">
             <a:avLst/>
@@ -46211,7 +46828,7 @@
         <p:spPr>
           <a:xfrm>
             <a:off x="503640" y="2375280"/>
-            <a:ext cx="9063000" cy="2748240"/>
+            <a:ext cx="9062640" cy="2747880"/>
           </a:xfrm>
           <a:prstGeom prst="rect">
             <a:avLst/>
@@ -46254,7 +46871,7 @@
                 <a:latin typeface="Arial"/>
                 <a:ea typeface="DejaVu Sans"/>
               </a:rPr>
-              <a:t>Changing Landscape</a:t>
+              <a:t>Changing Landscape (show Metzger)</a:t>
             </a:r>
             <a:endParaRPr b="0" lang="en-US" sz="3150" spc="-1" strike="noStrike">
               <a:latin typeface="Arial"/>
@@ -46417,7 +47034,7 @@
         <p:spPr>
           <a:xfrm>
             <a:off x="503640" y="809640"/>
-            <a:ext cx="9063000" cy="1290600"/>
+            <a:ext cx="9062640" cy="1290240"/>
           </a:xfrm>
           <a:prstGeom prst="rect">
             <a:avLst/>
@@ -46469,7 +47086,7 @@
         <p:spPr>
           <a:xfrm>
             <a:off x="503640" y="2375280"/>
-            <a:ext cx="9063000" cy="2748240"/>
+            <a:ext cx="9062640" cy="2747880"/>
           </a:xfrm>
           <a:prstGeom prst="rect">
             <a:avLst/>
@@ -46617,7 +47234,7 @@
         <p:spPr>
           <a:xfrm>
             <a:off x="503640" y="809640"/>
-            <a:ext cx="9063000" cy="1290600"/>
+            <a:ext cx="9062640" cy="1290240"/>
           </a:xfrm>
           <a:prstGeom prst="rect">
             <a:avLst/>
@@ -46652,7 +47269,7 @@
                 <a:latin typeface="Arial"/>
                 <a:ea typeface="DejaVu Sans"/>
               </a:rPr>
-              <a:t>TODO</a:t>
+              <a:t>CBGM Introduction</a:t>
             </a:r>
             <a:endParaRPr b="0" lang="en-US" sz="4400" spc="-1" strike="noStrike">
               <a:latin typeface="Arial"/>
@@ -46669,7 +47286,7 @@
         <p:spPr>
           <a:xfrm>
             <a:off x="503640" y="2375280"/>
-            <a:ext cx="9063000" cy="2748240"/>
+            <a:ext cx="9062640" cy="2747880"/>
           </a:xfrm>
           <a:prstGeom prst="rect">
             <a:avLst/>
@@ -46687,7 +47304,7 @@
         </p:style>
         <p:txBody>
           <a:bodyPr lIns="0" rIns="0" tIns="0" bIns="0" anchor="t">
-            <a:normAutofit/>
+            <a:normAutofit fontScale="99000"/>
           </a:bodyPr>
           <a:p>
             <a:pPr marL="432000" indent="-324000">
@@ -46705,16 +47322,16 @@
               <a:buChar char=""/>
             </a:pPr>
             <a:r>
-              <a:rPr b="0" lang="en-US" sz="1300" spc="-1" strike="noStrike">
+              <a:rPr b="0" lang="en-US" sz="3150" spc="-1" strike="noStrike">
                 <a:solidFill>
                   <a:srgbClr val="ffffff"/>
                 </a:solidFill>
                 <a:latin typeface="Arial"/>
                 <a:ea typeface="DejaVu Sans"/>
               </a:rPr>
-              <a:t>Give Metzger commentary example of variant resolution</a:t>
-            </a:r>
-            <a:endParaRPr b="0" lang="en-US" sz="1300" spc="-1" strike="noStrike">
+              <a:t>Gurry’s definition of TC</a:t>
+            </a:r>
+            <a:endParaRPr b="0" lang="en-US" sz="3150" spc="-1" strike="noStrike">
               <a:latin typeface="Arial"/>
             </a:endParaRPr>
           </a:p>
@@ -46734,16 +47351,16 @@
               <a:buChar char=""/>
             </a:pPr>
             <a:r>
-              <a:rPr b="0" lang="en-US" sz="1300" spc="-1" strike="noStrike">
+              <a:rPr b="0" lang="en-US" sz="3150" spc="-1" strike="noStrike">
                 <a:solidFill>
                   <a:srgbClr val="ffffff"/>
                 </a:solidFill>
                 <a:latin typeface="Arial"/>
                 <a:ea typeface="DejaVu Sans"/>
               </a:rPr>
-              <a:t>CBGM record, text, mss, CBGM source code</a:t>
-            </a:r>
-            <a:endParaRPr b="0" lang="en-US" sz="1300" spc="-1" strike="noStrike">
+              <a:t>ECM to NA and UBS to vulgar languages</a:t>
+            </a:r>
+            <a:endParaRPr b="0" lang="en-US" sz="3150" spc="-1" strike="noStrike">
               <a:latin typeface="Arial"/>
             </a:endParaRPr>
           </a:p>
@@ -46763,19 +47380,132 @@
               <a:buChar char=""/>
             </a:pPr>
             <a:r>
-              <a:rPr b="0" lang="en-US" sz="1300" spc="-1" strike="noStrike">
+              <a:rPr b="0" lang="en-US" sz="3150" spc="-1" strike="noStrike">
                 <a:solidFill>
                   <a:srgbClr val="ffffff"/>
                 </a:solidFill>
                 <a:latin typeface="Arial"/>
                 <a:ea typeface="DejaVu Sans"/>
               </a:rPr>
-              <a:t>Define predicate e.g. generic swap</a:t>
-            </a:r>
-            <a:endParaRPr b="0" lang="en-US" sz="1300" spc="-1" strike="noStrike">
-              <a:latin typeface="Arial"/>
-            </a:endParaRPr>
-          </a:p>
+              <a:t>CBGM is a method that uses computer tools in a new way of relating MSS designed to better understand the origins and history.</a:t>
+            </a:r>
+            <a:endParaRPr b="0" lang="en-US" sz="3150" spc="-1" strike="noStrike">
+              <a:latin typeface="Arial"/>
+            </a:endParaRPr>
+          </a:p>
+        </p:txBody>
+      </p:sp>
+    </p:spTree>
+  </p:cSld>
+  <mc:AlternateContent>
+    <mc:Choice Requires="p14">
+      <p:transition spd="slow" p14:dur="2000"/>
+    </mc:Choice>
+    <mc:Fallback>
+      <p:transition spd="slow"/>
+    </mc:Fallback>
+  </mc:AlternateContent>
+</p:sld>
+</file>
+
+<file path=ppt/slides/slide31.xml><?xml version="1.0" encoding="utf-8"?>
+<p:sld xmlns:a="http://schemas.openxmlformats.org/drawingml/2006/main" xmlns:p="http://schemas.openxmlformats.org/presentationml/2006/main" xmlns:r="http://schemas.openxmlformats.org/officeDocument/2006/relationships" xmlns:p14="http://schemas.microsoft.com/office/powerpoint/2010/main" xmlns:p15="http://schemas.microsoft.com/office/powerpoint/2012/main" xmlns:mc="http://schemas.openxmlformats.org/markup-compatibility/2006">
+  <p:cSld>
+    <p:spTree>
+      <p:nvGrpSpPr>
+        <p:cNvPr id="1" name=""/>
+        <p:cNvGrpSpPr/>
+        <p:nvPr/>
+      </p:nvGrpSpPr>
+      <p:grpSpPr>
+        <a:xfrm>
+          <a:off x="0" y="0"/>
+          <a:ext cx="0" cy="0"/>
+          <a:chOff x="0" y="0"/>
+          <a:chExt cx="0" cy="0"/>
+        </a:xfrm>
+      </p:grpSpPr>
+      <p:sp>
+        <p:nvSpPr>
+          <p:cNvPr id="704" name=""/>
+          <p:cNvSpPr/>
+          <p:nvPr/>
+        </p:nvSpPr>
+        <p:spPr>
+          <a:xfrm>
+            <a:off x="503640" y="809640"/>
+            <a:ext cx="9062640" cy="1290240"/>
+          </a:xfrm>
+          <a:prstGeom prst="rect">
+            <a:avLst/>
+          </a:prstGeom>
+          <a:noFill/>
+          <a:ln w="0">
+            <a:noFill/>
+          </a:ln>
+        </p:spPr>
+        <p:style>
+          <a:lnRef idx="0"/>
+          <a:fillRef idx="0"/>
+          <a:effectRef idx="0"/>
+          <a:fontRef idx="minor"/>
+        </p:style>
+        <p:txBody>
+          <a:bodyPr lIns="0" rIns="0" tIns="0" bIns="0" anchor="ctr">
+            <a:noAutofit/>
+          </a:bodyPr>
+          <a:p>
+            <a:pPr algn="ctr">
+              <a:lnSpc>
+                <a:spcPct val="100000"/>
+              </a:lnSpc>
+              <a:buNone/>
+            </a:pPr>
+            <a:r>
+              <a:rPr b="0" lang="en-US" sz="4400" spc="-1" strike="noStrike">
+                <a:solidFill>
+                  <a:srgbClr val="ffffff"/>
+                </a:solidFill>
+                <a:latin typeface="Arial"/>
+                <a:ea typeface="DejaVu Sans"/>
+              </a:rPr>
+              <a:t>Texts, MSS, Witnesses</a:t>
+            </a:r>
+            <a:endParaRPr b="0" lang="en-US" sz="4400" spc="-1" strike="noStrike">
+              <a:latin typeface="Arial"/>
+            </a:endParaRPr>
+          </a:p>
+        </p:txBody>
+      </p:sp>
+      <p:sp>
+        <p:nvSpPr>
+          <p:cNvPr id="705" name=""/>
+          <p:cNvSpPr/>
+          <p:nvPr/>
+        </p:nvSpPr>
+        <p:spPr>
+          <a:xfrm>
+            <a:off x="503640" y="2375280"/>
+            <a:ext cx="9062640" cy="2747880"/>
+          </a:xfrm>
+          <a:prstGeom prst="rect">
+            <a:avLst/>
+          </a:prstGeom>
+          <a:noFill/>
+          <a:ln w="0">
+            <a:noFill/>
+          </a:ln>
+        </p:spPr>
+        <p:style>
+          <a:lnRef idx="0"/>
+          <a:fillRef idx="0"/>
+          <a:effectRef idx="0"/>
+          <a:fontRef idx="minor"/>
+        </p:style>
+        <p:txBody>
+          <a:bodyPr lIns="0" rIns="0" tIns="0" bIns="0" anchor="t">
+            <a:normAutofit/>
+          </a:bodyPr>
           <a:p>
             <a:pPr marL="432000" indent="-324000">
               <a:lnSpc>
@@ -46792,16 +47522,16 @@
               <a:buChar char=""/>
             </a:pPr>
             <a:r>
-              <a:rPr b="0" lang="en-US" sz="1300" spc="-1" strike="noStrike">
+              <a:rPr b="0" lang="en-US" sz="3150" spc="-1" strike="noStrike">
                 <a:solidFill>
                   <a:srgbClr val="ffffff"/>
                 </a:solidFill>
                 <a:latin typeface="Arial"/>
                 <a:ea typeface="DejaVu Sans"/>
               </a:rPr>
-              <a:t>What is ‘a’, ‘b’</a:t>
-            </a:r>
-            <a:endParaRPr b="0" lang="en-US" sz="1300" spc="-1" strike="noStrike">
+              <a:t>CBGM relates texts, not MSS</a:t>
+            </a:r>
+            <a:endParaRPr b="0" lang="en-US" sz="3150" spc="-1" strike="noStrike">
               <a:latin typeface="Arial"/>
             </a:endParaRPr>
           </a:p>
@@ -46821,16 +47551,16 @@
               <a:buChar char=""/>
             </a:pPr>
             <a:r>
-              <a:rPr b="0" lang="en-US" sz="1300" spc="-1" strike="noStrike">
+              <a:rPr b="0" lang="en-US" sz="3150" spc="-1" strike="noStrike">
                 <a:solidFill>
                   <a:srgbClr val="ffffff"/>
                 </a:solidFill>
                 <a:latin typeface="Arial"/>
                 <a:ea typeface="DejaVu Sans"/>
               </a:rPr>
-              <a:t>Run queries, ask if we will be online</a:t>
-            </a:r>
-            <a:endParaRPr b="0" lang="en-US" sz="1300" spc="-1" strike="noStrike">
+              <a:t>Witness in CBGM context: text of a MSS in distinction from the MSS itself</a:t>
+            </a:r>
+            <a:endParaRPr b="0" lang="en-US" sz="3150" spc="-1" strike="noStrike">
               <a:latin typeface="Arial"/>
             </a:endParaRPr>
           </a:p>
@@ -46850,19 +47580,132 @@
               <a:buChar char=""/>
             </a:pPr>
             <a:r>
-              <a:rPr b="0" lang="en-US" sz="1300" spc="-1" strike="noStrike">
+              <a:rPr b="0" lang="en-US" sz="3150" spc="-1" strike="noStrike">
                 <a:solidFill>
                   <a:srgbClr val="ffffff"/>
                 </a:solidFill>
                 <a:latin typeface="Arial"/>
                 <a:ea typeface="DejaVu Sans"/>
               </a:rPr>
-              <a:t>Show examples, 2 peter 3 10</a:t>
-            </a:r>
-            <a:endParaRPr b="0" lang="en-US" sz="1300" spc="-1" strike="noStrike">
-              <a:latin typeface="Arial"/>
-            </a:endParaRPr>
-          </a:p>
+              <a:t>Give Declaration of Independence example</a:t>
+            </a:r>
+            <a:endParaRPr b="0" lang="en-US" sz="3150" spc="-1" strike="noStrike">
+              <a:latin typeface="Arial"/>
+            </a:endParaRPr>
+          </a:p>
+        </p:txBody>
+      </p:sp>
+    </p:spTree>
+  </p:cSld>
+  <mc:AlternateContent>
+    <mc:Choice Requires="p14">
+      <p:transition spd="slow" p14:dur="2000"/>
+    </mc:Choice>
+    <mc:Fallback>
+      <p:transition spd="slow"/>
+    </mc:Fallback>
+  </mc:AlternateContent>
+</p:sld>
+</file>
+
+<file path=ppt/slides/slide32.xml><?xml version="1.0" encoding="utf-8"?>
+<p:sld xmlns:a="http://schemas.openxmlformats.org/drawingml/2006/main" xmlns:p="http://schemas.openxmlformats.org/presentationml/2006/main" xmlns:r="http://schemas.openxmlformats.org/officeDocument/2006/relationships" xmlns:p14="http://schemas.microsoft.com/office/powerpoint/2010/main" xmlns:p15="http://schemas.microsoft.com/office/powerpoint/2012/main" xmlns:mc="http://schemas.openxmlformats.org/markup-compatibility/2006">
+  <p:cSld>
+    <p:spTree>
+      <p:nvGrpSpPr>
+        <p:cNvPr id="1" name=""/>
+        <p:cNvGrpSpPr/>
+        <p:nvPr/>
+      </p:nvGrpSpPr>
+      <p:grpSpPr>
+        <a:xfrm>
+          <a:off x="0" y="0"/>
+          <a:ext cx="0" cy="0"/>
+          <a:chOff x="0" y="0"/>
+          <a:chExt cx="0" cy="0"/>
+        </a:xfrm>
+      </p:grpSpPr>
+      <p:sp>
+        <p:nvSpPr>
+          <p:cNvPr id="706" name=""/>
+          <p:cNvSpPr/>
+          <p:nvPr/>
+        </p:nvSpPr>
+        <p:spPr>
+          <a:xfrm>
+            <a:off x="503640" y="809640"/>
+            <a:ext cx="9062640" cy="1290240"/>
+          </a:xfrm>
+          <a:prstGeom prst="rect">
+            <a:avLst/>
+          </a:prstGeom>
+          <a:noFill/>
+          <a:ln w="0">
+            <a:noFill/>
+          </a:ln>
+        </p:spPr>
+        <p:style>
+          <a:lnRef idx="0"/>
+          <a:fillRef idx="0"/>
+          <a:effectRef idx="0"/>
+          <a:fontRef idx="minor"/>
+        </p:style>
+        <p:txBody>
+          <a:bodyPr lIns="0" rIns="0" tIns="0" bIns="0" anchor="ctr">
+            <a:noAutofit/>
+          </a:bodyPr>
+          <a:p>
+            <a:pPr algn="ctr">
+              <a:lnSpc>
+                <a:spcPct val="100000"/>
+              </a:lnSpc>
+              <a:buNone/>
+            </a:pPr>
+            <a:r>
+              <a:rPr b="0" lang="en-US" sz="4400" spc="-1" strike="noStrike">
+                <a:solidFill>
+                  <a:srgbClr val="ffffff"/>
+                </a:solidFill>
+                <a:latin typeface="Arial"/>
+                <a:ea typeface="DejaVu Sans"/>
+              </a:rPr>
+              <a:t>CBGM New Principals</a:t>
+            </a:r>
+            <a:endParaRPr b="0" lang="en-US" sz="4400" spc="-1" strike="noStrike">
+              <a:latin typeface="Arial"/>
+            </a:endParaRPr>
+          </a:p>
+        </p:txBody>
+      </p:sp>
+      <p:sp>
+        <p:nvSpPr>
+          <p:cNvPr id="707" name=""/>
+          <p:cNvSpPr/>
+          <p:nvPr/>
+        </p:nvSpPr>
+        <p:spPr>
+          <a:xfrm>
+            <a:off x="503640" y="2375280"/>
+            <a:ext cx="9062640" cy="2747880"/>
+          </a:xfrm>
+          <a:prstGeom prst="rect">
+            <a:avLst/>
+          </a:prstGeom>
+          <a:noFill/>
+          <a:ln w="0">
+            <a:noFill/>
+          </a:ln>
+        </p:spPr>
+        <p:style>
+          <a:lnRef idx="0"/>
+          <a:fillRef idx="0"/>
+          <a:effectRef idx="0"/>
+          <a:fontRef idx="minor"/>
+        </p:style>
+        <p:txBody>
+          <a:bodyPr lIns="0" rIns="0" tIns="0" bIns="0" anchor="t">
+            <a:normAutofit/>
+          </a:bodyPr>
           <a:p>
             <a:pPr marL="432000" indent="-324000">
               <a:lnSpc>
@@ -46879,6 +47722,497 @@
               <a:buChar char=""/>
             </a:pPr>
             <a:r>
+              <a:rPr b="0" lang="en-US" sz="3150" spc="-1" strike="noStrike">
+                <a:solidFill>
+                  <a:srgbClr val="ffffff"/>
+                </a:solidFill>
+                <a:latin typeface="Arial"/>
+                <a:ea typeface="DejaVu Sans"/>
+              </a:rPr>
+              <a:t>Texts related using relationships of their variants</a:t>
+            </a:r>
+            <a:endParaRPr b="0" lang="en-US" sz="3150" spc="-1" strike="noStrike">
+              <a:latin typeface="Arial"/>
+            </a:endParaRPr>
+          </a:p>
+          <a:p>
+            <a:pPr marL="432000" indent="-324000">
+              <a:lnSpc>
+                <a:spcPct val="100000"/>
+              </a:lnSpc>
+              <a:spcBef>
+                <a:spcPts val="1414"/>
+              </a:spcBef>
+              <a:buClr>
+                <a:srgbClr val="ffffff"/>
+              </a:buClr>
+              <a:buSzPct val="45000"/>
+              <a:buFont typeface="Wingdings" charset="2"/>
+              <a:buChar char=""/>
+            </a:pPr>
+            <a:r>
+              <a:rPr b="0" lang="en-US" sz="3150" spc="-1" strike="noStrike">
+                <a:solidFill>
+                  <a:srgbClr val="ffffff"/>
+                </a:solidFill>
+                <a:latin typeface="Arial"/>
+                <a:ea typeface="DejaVu Sans"/>
+              </a:rPr>
+              <a:t>CBGM shines when one derives from the other.</a:t>
+            </a:r>
+            <a:endParaRPr b="0" lang="en-US" sz="3150" spc="-1" strike="noStrike">
+              <a:latin typeface="Arial"/>
+            </a:endParaRPr>
+          </a:p>
+          <a:p>
+            <a:pPr marL="432000" indent="-324000">
+              <a:lnSpc>
+                <a:spcPct val="100000"/>
+              </a:lnSpc>
+              <a:spcBef>
+                <a:spcPts val="1414"/>
+              </a:spcBef>
+              <a:buClr>
+                <a:srgbClr val="ffffff"/>
+              </a:buClr>
+              <a:buSzPct val="45000"/>
+              <a:buFont typeface="Wingdings" charset="2"/>
+              <a:buChar char=""/>
+            </a:pPr>
+            <a:r>
+              <a:rPr b="0" lang="en-US" sz="3150" spc="-1" strike="noStrike">
+                <a:solidFill>
+                  <a:srgbClr val="ffffff"/>
+                </a:solidFill>
+                <a:latin typeface="Arial"/>
+                <a:ea typeface="DejaVu Sans"/>
+              </a:rPr>
+              <a:t>Other methods based on agreements alone, CBGM uses disagreements as well.</a:t>
+            </a:r>
+            <a:endParaRPr b="0" lang="en-US" sz="3150" spc="-1" strike="noStrike">
+              <a:latin typeface="Arial"/>
+            </a:endParaRPr>
+          </a:p>
+        </p:txBody>
+      </p:sp>
+    </p:spTree>
+  </p:cSld>
+  <mc:AlternateContent>
+    <mc:Choice Requires="p14">
+      <p:transition spd="slow" p14:dur="2000"/>
+    </mc:Choice>
+    <mc:Fallback>
+      <p:transition spd="slow"/>
+    </mc:Fallback>
+  </mc:AlternateContent>
+</p:sld>
+</file>
+
+<file path=ppt/slides/slide33.xml><?xml version="1.0" encoding="utf-8"?>
+<p:sld xmlns:a="http://schemas.openxmlformats.org/drawingml/2006/main" xmlns:p="http://schemas.openxmlformats.org/presentationml/2006/main" xmlns:r="http://schemas.openxmlformats.org/officeDocument/2006/relationships" xmlns:p14="http://schemas.microsoft.com/office/powerpoint/2010/main" xmlns:p15="http://schemas.microsoft.com/office/powerpoint/2012/main" xmlns:mc="http://schemas.openxmlformats.org/markup-compatibility/2006">
+  <p:cSld>
+    <p:spTree>
+      <p:nvGrpSpPr>
+        <p:cNvPr id="1" name=""/>
+        <p:cNvGrpSpPr/>
+        <p:nvPr/>
+      </p:nvGrpSpPr>
+      <p:grpSpPr>
+        <a:xfrm>
+          <a:off x="0" y="0"/>
+          <a:ext cx="0" cy="0"/>
+          <a:chOff x="0" y="0"/>
+          <a:chExt cx="0" cy="0"/>
+        </a:xfrm>
+      </p:grpSpPr>
+      <p:sp>
+        <p:nvSpPr>
+          <p:cNvPr id="708" name=""/>
+          <p:cNvSpPr/>
+          <p:nvPr/>
+        </p:nvSpPr>
+        <p:spPr>
+          <a:xfrm>
+            <a:off x="503640" y="809640"/>
+            <a:ext cx="9062640" cy="1290240"/>
+          </a:xfrm>
+          <a:prstGeom prst="rect">
+            <a:avLst/>
+          </a:prstGeom>
+          <a:noFill/>
+          <a:ln w="0">
+            <a:noFill/>
+          </a:ln>
+        </p:spPr>
+        <p:style>
+          <a:lnRef idx="0"/>
+          <a:fillRef idx="0"/>
+          <a:effectRef idx="0"/>
+          <a:fontRef idx="minor"/>
+        </p:style>
+        <p:txBody>
+          <a:bodyPr lIns="0" rIns="0" tIns="0" bIns="0" anchor="ctr">
+            <a:noAutofit/>
+          </a:bodyPr>
+          <a:p>
+            <a:pPr algn="ctr">
+              <a:lnSpc>
+                <a:spcPct val="100000"/>
+              </a:lnSpc>
+              <a:buNone/>
+            </a:pPr>
+            <a:r>
+              <a:rPr b="0" lang="en-US" sz="4400" spc="-1" strike="noStrike">
+                <a:solidFill>
+                  <a:srgbClr val="ffffff"/>
+                </a:solidFill>
+                <a:latin typeface="Arial"/>
+                <a:ea typeface="DejaVu Sans"/>
+              </a:rPr>
+              <a:t>CBGM Changes to NT</a:t>
+            </a:r>
+            <a:endParaRPr b="0" lang="en-US" sz="4400" spc="-1" strike="noStrike">
+              <a:latin typeface="Arial"/>
+            </a:endParaRPr>
+          </a:p>
+        </p:txBody>
+      </p:sp>
+      <p:sp>
+        <p:nvSpPr>
+          <p:cNvPr id="709" name=""/>
+          <p:cNvSpPr/>
+          <p:nvPr/>
+        </p:nvSpPr>
+        <p:spPr>
+          <a:xfrm>
+            <a:off x="503640" y="2375280"/>
+            <a:ext cx="9062640" cy="2747880"/>
+          </a:xfrm>
+          <a:prstGeom prst="rect">
+            <a:avLst/>
+          </a:prstGeom>
+          <a:noFill/>
+          <a:ln w="0">
+            <a:noFill/>
+          </a:ln>
+        </p:spPr>
+        <p:style>
+          <a:lnRef idx="0"/>
+          <a:fillRef idx="0"/>
+          <a:effectRef idx="0"/>
+          <a:fontRef idx="minor"/>
+        </p:style>
+        <p:txBody>
+          <a:bodyPr lIns="0" rIns="0" tIns="0" bIns="0" anchor="t">
+            <a:normAutofit fontScale="88000"/>
+          </a:bodyPr>
+          <a:p>
+            <a:pPr marL="432000" indent="-324000">
+              <a:lnSpc>
+                <a:spcPct val="100000"/>
+              </a:lnSpc>
+              <a:spcBef>
+                <a:spcPts val="1414"/>
+              </a:spcBef>
+              <a:buClr>
+                <a:srgbClr val="ffffff"/>
+              </a:buClr>
+              <a:buSzPct val="45000"/>
+              <a:buFont typeface="Wingdings" charset="2"/>
+              <a:buChar char=""/>
+            </a:pPr>
+            <a:r>
+              <a:rPr b="0" lang="en-US" sz="3150" spc="-1" strike="noStrike">
+                <a:solidFill>
+                  <a:srgbClr val="ffffff"/>
+                </a:solidFill>
+                <a:latin typeface="Arial"/>
+                <a:ea typeface="DejaVu Sans"/>
+              </a:rPr>
+              <a:t>Catholic Epistles: 34 changes, Acts: 52</a:t>
+            </a:r>
+            <a:endParaRPr b="0" lang="en-US" sz="3150" spc="-1" strike="noStrike">
+              <a:latin typeface="Arial"/>
+            </a:endParaRPr>
+          </a:p>
+          <a:p>
+            <a:pPr marL="432000" indent="-324000">
+              <a:lnSpc>
+                <a:spcPct val="100000"/>
+              </a:lnSpc>
+              <a:spcBef>
+                <a:spcPts val="1414"/>
+              </a:spcBef>
+              <a:buClr>
+                <a:srgbClr val="ffffff"/>
+              </a:buClr>
+              <a:buSzPct val="45000"/>
+              <a:buFont typeface="Wingdings" charset="2"/>
+              <a:buChar char=""/>
+            </a:pPr>
+            <a:r>
+              <a:rPr b="0" lang="en-US" sz="3150" spc="-1" strike="noStrike">
+                <a:solidFill>
+                  <a:srgbClr val="ffffff"/>
+                </a:solidFill>
+                <a:latin typeface="Arial"/>
+                <a:ea typeface="DejaVu Sans"/>
+              </a:rPr>
+              <a:t>Jude 5, 1 Peter 4:16, 2 Peter 3:10</a:t>
+            </a:r>
+            <a:endParaRPr b="0" lang="en-US" sz="3150" spc="-1" strike="noStrike">
+              <a:latin typeface="Arial"/>
+            </a:endParaRPr>
+          </a:p>
+          <a:p>
+            <a:pPr marL="432000" indent="-324000">
+              <a:lnSpc>
+                <a:spcPct val="100000"/>
+              </a:lnSpc>
+              <a:spcBef>
+                <a:spcPts val="1414"/>
+              </a:spcBef>
+              <a:buClr>
+                <a:srgbClr val="ffffff"/>
+              </a:buClr>
+              <a:buSzPct val="45000"/>
+              <a:buFont typeface="Wingdings" charset="2"/>
+              <a:buChar char=""/>
+            </a:pPr>
+            <a:r>
+              <a:rPr b="0" lang="en-US" sz="3150" spc="-1" strike="noStrike">
+                <a:solidFill>
+                  <a:srgbClr val="ffffff"/>
+                </a:solidFill>
+                <a:latin typeface="Arial"/>
+                <a:ea typeface="DejaVu Sans"/>
+              </a:rPr>
+              <a:t>Less Certainty Overall, diamonds, bracket</a:t>
+            </a:r>
+            <a:endParaRPr b="0" lang="en-US" sz="3150" spc="-1" strike="noStrike">
+              <a:latin typeface="Arial"/>
+            </a:endParaRPr>
+          </a:p>
+          <a:p>
+            <a:pPr marL="432000" indent="-324000">
+              <a:lnSpc>
+                <a:spcPct val="100000"/>
+              </a:lnSpc>
+              <a:spcBef>
+                <a:spcPts val="1414"/>
+              </a:spcBef>
+              <a:buClr>
+                <a:srgbClr val="ffffff"/>
+              </a:buClr>
+              <a:buSzPct val="45000"/>
+              <a:buFont typeface="Wingdings" charset="2"/>
+              <a:buChar char=""/>
+            </a:pPr>
+            <a:r>
+              <a:rPr b="0" lang="en-US" sz="3150" spc="-1" strike="noStrike">
+                <a:solidFill>
+                  <a:srgbClr val="ffffff"/>
+                </a:solidFill>
+                <a:latin typeface="Arial"/>
+                <a:ea typeface="DejaVu Sans"/>
+              </a:rPr>
+              <a:t>Ability to define user criteria, postmodern bibles.</a:t>
+            </a:r>
+            <a:endParaRPr b="0" lang="en-US" sz="3150" spc="-1" strike="noStrike">
+              <a:latin typeface="Arial"/>
+            </a:endParaRPr>
+          </a:p>
+          <a:p>
+            <a:pPr marL="432000" indent="-324000">
+              <a:lnSpc>
+                <a:spcPct val="100000"/>
+              </a:lnSpc>
+              <a:spcBef>
+                <a:spcPts val="1414"/>
+              </a:spcBef>
+              <a:buClr>
+                <a:srgbClr val="ffffff"/>
+              </a:buClr>
+              <a:buSzPct val="45000"/>
+              <a:buFont typeface="Wingdings" charset="2"/>
+              <a:buChar char=""/>
+            </a:pPr>
+            <a:r>
+              <a:rPr b="0" lang="en-US" sz="3150" spc="-1" strike="noStrike">
+                <a:solidFill>
+                  <a:srgbClr val="ffffff"/>
+                </a:solidFill>
+                <a:latin typeface="Arial"/>
+                <a:ea typeface="DejaVu Sans"/>
+              </a:rPr>
+              <a:t>Always churning, publishers love it.</a:t>
+            </a:r>
+            <a:endParaRPr b="0" lang="en-US" sz="3150" spc="-1" strike="noStrike">
+              <a:latin typeface="Arial"/>
+            </a:endParaRPr>
+          </a:p>
+          <a:p>
+            <a:pPr marL="432000" indent="-324000">
+              <a:lnSpc>
+                <a:spcPct val="100000"/>
+              </a:lnSpc>
+              <a:spcBef>
+                <a:spcPts val="1414"/>
+              </a:spcBef>
+              <a:buClr>
+                <a:srgbClr val="ffffff"/>
+              </a:buClr>
+              <a:buSzPct val="45000"/>
+              <a:buFont typeface="Wingdings" charset="2"/>
+              <a:buChar char=""/>
+            </a:pPr>
+            <a:endParaRPr b="0" lang="en-US" sz="3150" spc="-1" strike="noStrike">
+              <a:latin typeface="Arial"/>
+            </a:endParaRPr>
+          </a:p>
+        </p:txBody>
+      </p:sp>
+    </p:spTree>
+  </p:cSld>
+  <mc:AlternateContent>
+    <mc:Choice Requires="p14">
+      <p:transition spd="slow" p14:dur="2000"/>
+    </mc:Choice>
+    <mc:Fallback>
+      <p:transition spd="slow"/>
+    </mc:Fallback>
+  </mc:AlternateContent>
+</p:sld>
+</file>
+
+<file path=ppt/slides/slide34.xml><?xml version="1.0" encoding="utf-8"?>
+<p:sld xmlns:a="http://schemas.openxmlformats.org/drawingml/2006/main" xmlns:p="http://schemas.openxmlformats.org/presentationml/2006/main" xmlns:r="http://schemas.openxmlformats.org/officeDocument/2006/relationships" xmlns:p14="http://schemas.microsoft.com/office/powerpoint/2010/main" xmlns:p15="http://schemas.microsoft.com/office/powerpoint/2012/main" xmlns:mc="http://schemas.openxmlformats.org/markup-compatibility/2006">
+  <p:cSld>
+    <p:spTree>
+      <p:nvGrpSpPr>
+        <p:cNvPr id="1" name=""/>
+        <p:cNvGrpSpPr/>
+        <p:nvPr/>
+      </p:nvGrpSpPr>
+      <p:grpSpPr>
+        <a:xfrm>
+          <a:off x="0" y="0"/>
+          <a:ext cx="0" cy="0"/>
+          <a:chOff x="0" y="0"/>
+          <a:chExt cx="0" cy="0"/>
+        </a:xfrm>
+      </p:grpSpPr>
+      <p:sp>
+        <p:nvSpPr>
+          <p:cNvPr id="710" name=""/>
+          <p:cNvSpPr/>
+          <p:nvPr/>
+        </p:nvSpPr>
+        <p:spPr>
+          <a:xfrm>
+            <a:off x="503640" y="809640"/>
+            <a:ext cx="9062640" cy="1290240"/>
+          </a:xfrm>
+          <a:prstGeom prst="rect">
+            <a:avLst/>
+          </a:prstGeom>
+          <a:noFill/>
+          <a:ln w="0">
+            <a:noFill/>
+          </a:ln>
+        </p:spPr>
+        <p:style>
+          <a:lnRef idx="0"/>
+          <a:fillRef idx="0"/>
+          <a:effectRef idx="0"/>
+          <a:fontRef idx="minor"/>
+        </p:style>
+        <p:txBody>
+          <a:bodyPr lIns="0" rIns="0" tIns="0" bIns="0" anchor="ctr">
+            <a:noAutofit/>
+          </a:bodyPr>
+          <a:p>
+            <a:pPr algn="ctr">
+              <a:lnSpc>
+                <a:spcPct val="100000"/>
+              </a:lnSpc>
+              <a:buNone/>
+            </a:pPr>
+            <a:r>
+              <a:rPr b="0" lang="en-US" sz="4400" spc="-1" strike="noStrike">
+                <a:solidFill>
+                  <a:srgbClr val="ffffff"/>
+                </a:solidFill>
+                <a:latin typeface="Arial"/>
+                <a:ea typeface="DejaVu Sans"/>
+              </a:rPr>
+              <a:t>Resistance</a:t>
+            </a:r>
+            <a:endParaRPr b="0" lang="en-US" sz="4400" spc="-1" strike="noStrike">
+              <a:latin typeface="Arial"/>
+            </a:endParaRPr>
+          </a:p>
+        </p:txBody>
+      </p:sp>
+      <p:sp>
+        <p:nvSpPr>
+          <p:cNvPr id="711" name=""/>
+          <p:cNvSpPr/>
+          <p:nvPr/>
+        </p:nvSpPr>
+        <p:spPr>
+          <a:xfrm>
+            <a:off x="503640" y="2375280"/>
+            <a:ext cx="9062640" cy="2747880"/>
+          </a:xfrm>
+          <a:prstGeom prst="rect">
+            <a:avLst/>
+          </a:prstGeom>
+          <a:noFill/>
+          <a:ln w="0">
+            <a:noFill/>
+          </a:ln>
+        </p:spPr>
+        <p:style>
+          <a:lnRef idx="0"/>
+          <a:fillRef idx="0"/>
+          <a:effectRef idx="0"/>
+          <a:fontRef idx="minor"/>
+        </p:style>
+        <p:txBody>
+          <a:bodyPr lIns="0" rIns="0" tIns="0" bIns="0" anchor="t">
+            <a:normAutofit/>
+          </a:bodyPr>
+          <a:p>
+            <a:pPr>
+              <a:lnSpc>
+                <a:spcPct val="100000"/>
+              </a:lnSpc>
+              <a:spcBef>
+                <a:spcPts val="1414"/>
+              </a:spcBef>
+              <a:buNone/>
+            </a:pPr>
+            <a:endParaRPr b="0" lang="en-US" sz="1800" spc="-1" strike="noStrike">
+              <a:latin typeface="Arial"/>
+            </a:endParaRPr>
+          </a:p>
+          <a:p>
+            <a:pPr marL="432000" indent="-324000">
+              <a:lnSpc>
+                <a:spcPct val="100000"/>
+              </a:lnSpc>
+              <a:spcBef>
+                <a:spcPts val="1414"/>
+              </a:spcBef>
+              <a:buClr>
+                <a:srgbClr val="ffffff"/>
+              </a:buClr>
+              <a:buSzPct val="45000"/>
+              <a:buFont typeface="Wingdings" charset="2"/>
+              <a:buChar char=""/>
+            </a:pPr>
+            <a:r>
               <a:rPr b="0" lang="en-US" sz="1300" spc="-1" strike="noStrike">
                 <a:solidFill>
                   <a:srgbClr val="ffffff"/>
@@ -46886,9 +48220,325 @@
                 <a:latin typeface="Arial"/>
                 <a:ea typeface="DejaVu Sans"/>
               </a:rPr>
-              <a:t>Show MSS</a:t>
+              <a:t>John MacArthur sees the problem, came out with Legacy NASB.</a:t>
             </a:r>
             <a:endParaRPr b="0" lang="en-US" sz="1300" spc="-1" strike="noStrike">
+              <a:latin typeface="Arial"/>
+            </a:endParaRPr>
+          </a:p>
+          <a:p>
+            <a:pPr marL="432000" indent="-324000">
+              <a:lnSpc>
+                <a:spcPct val="100000"/>
+              </a:lnSpc>
+              <a:spcBef>
+                <a:spcPts val="1414"/>
+              </a:spcBef>
+              <a:buClr>
+                <a:srgbClr val="ffffff"/>
+              </a:buClr>
+              <a:buSzPct val="45000"/>
+              <a:buFont typeface="Wingdings" charset="2"/>
+              <a:buChar char=""/>
+            </a:pPr>
+            <a:r>
+              <a:rPr b="0" lang="en-US" sz="1300" spc="-1" strike="noStrike">
+                <a:solidFill>
+                  <a:srgbClr val="ffffff"/>
+                </a:solidFill>
+                <a:latin typeface="Arial"/>
+                <a:ea typeface="DejaVu Sans"/>
+              </a:rPr>
+              <a:t>Crossway was going to do the same years back, announced, but recanted after push back.</a:t>
+            </a:r>
+            <a:endParaRPr b="0" lang="en-US" sz="1300" spc="-1" strike="noStrike">
+              <a:latin typeface="Arial"/>
+            </a:endParaRPr>
+          </a:p>
+          <a:p>
+            <a:pPr marL="432000" indent="-324000">
+              <a:lnSpc>
+                <a:spcPct val="100000"/>
+              </a:lnSpc>
+              <a:spcBef>
+                <a:spcPts val="1414"/>
+              </a:spcBef>
+              <a:buClr>
+                <a:srgbClr val="ffffff"/>
+              </a:buClr>
+              <a:buSzPct val="45000"/>
+              <a:buFont typeface="Wingdings" charset="2"/>
+              <a:buChar char=""/>
+            </a:pPr>
+            <a:r>
+              <a:rPr b="0" lang="en-US" sz="1300" spc="-1" strike="noStrike">
+                <a:solidFill>
+                  <a:srgbClr val="ffffff"/>
+                </a:solidFill>
+                <a:latin typeface="Arial"/>
+                <a:ea typeface="DejaVu Sans"/>
+              </a:rPr>
+              <a:t>King James Only is a response from an earlier era, the 20th C paradigm and is now stronger than ever.</a:t>
+            </a:r>
+            <a:endParaRPr b="0" lang="en-US" sz="1300" spc="-1" strike="noStrike">
+              <a:latin typeface="Arial"/>
+            </a:endParaRPr>
+          </a:p>
+          <a:p>
+            <a:pPr marL="432000" indent="-324000">
+              <a:lnSpc>
+                <a:spcPct val="100000"/>
+              </a:lnSpc>
+              <a:spcBef>
+                <a:spcPts val="1414"/>
+              </a:spcBef>
+              <a:buClr>
+                <a:srgbClr val="ffffff"/>
+              </a:buClr>
+              <a:buSzPct val="45000"/>
+              <a:buFont typeface="Wingdings" charset="2"/>
+              <a:buChar char=""/>
+            </a:pPr>
+            <a:r>
+              <a:rPr b="0" lang="en-US" sz="1300" spc="-1" strike="noStrike">
+                <a:solidFill>
+                  <a:srgbClr val="ffffff"/>
+                </a:solidFill>
+                <a:latin typeface="Arial"/>
+                <a:ea typeface="DejaVu Sans"/>
+              </a:rPr>
+              <a:t>Some Reformed Protestants are arguing for a “Divinely Preserved” push for TR, Reformation “Providence”</a:t>
+            </a:r>
+            <a:endParaRPr b="0" lang="en-US" sz="1300" spc="-1" strike="noStrike">
+              <a:latin typeface="Arial"/>
+            </a:endParaRPr>
+          </a:p>
+          <a:p>
+            <a:pPr marL="432000" indent="-324000">
+              <a:lnSpc>
+                <a:spcPct val="100000"/>
+              </a:lnSpc>
+              <a:spcBef>
+                <a:spcPts val="1414"/>
+              </a:spcBef>
+              <a:buClr>
+                <a:srgbClr val="ffffff"/>
+              </a:buClr>
+              <a:buSzPct val="45000"/>
+              <a:buFont typeface="Wingdings" charset="2"/>
+              <a:buChar char=""/>
+            </a:pPr>
+            <a:r>
+              <a:rPr b="0" lang="en-US" sz="1300" spc="-1" strike="noStrike">
+                <a:solidFill>
+                  <a:srgbClr val="ffffff"/>
+                </a:solidFill>
+                <a:latin typeface="Arial"/>
+                <a:ea typeface="DejaVu Sans"/>
+              </a:rPr>
+              <a:t>Byzantine Priority (majority text method) Eastern Orthodox</a:t>
+            </a:r>
+            <a:endParaRPr b="0" lang="en-US" sz="1300" spc="-1" strike="noStrike">
+              <a:latin typeface="Arial"/>
+            </a:endParaRPr>
+          </a:p>
+        </p:txBody>
+      </p:sp>
+    </p:spTree>
+  </p:cSld>
+  <mc:AlternateContent>
+    <mc:Choice Requires="p14">
+      <p:transition spd="slow" p14:dur="2000"/>
+    </mc:Choice>
+    <mc:Fallback>
+      <p:transition spd="slow"/>
+    </mc:Fallback>
+  </mc:AlternateContent>
+</p:sld>
+</file>
+
+<file path=ppt/slides/slide35.xml><?xml version="1.0" encoding="utf-8"?>
+<p:sld xmlns:a="http://schemas.openxmlformats.org/drawingml/2006/main" xmlns:p="http://schemas.openxmlformats.org/presentationml/2006/main" xmlns:r="http://schemas.openxmlformats.org/officeDocument/2006/relationships" xmlns:p14="http://schemas.microsoft.com/office/powerpoint/2010/main" xmlns:p15="http://schemas.microsoft.com/office/powerpoint/2012/main" xmlns:mc="http://schemas.openxmlformats.org/markup-compatibility/2006">
+  <p:cSld>
+    <p:spTree>
+      <p:nvGrpSpPr>
+        <p:cNvPr id="1" name=""/>
+        <p:cNvGrpSpPr/>
+        <p:nvPr/>
+      </p:nvGrpSpPr>
+      <p:grpSpPr>
+        <a:xfrm>
+          <a:off x="0" y="0"/>
+          <a:ext cx="0" cy="0"/>
+          <a:chOff x="0" y="0"/>
+          <a:chExt cx="0" cy="0"/>
+        </a:xfrm>
+      </p:grpSpPr>
+      <p:sp>
+        <p:nvSpPr>
+          <p:cNvPr id="712" name=""/>
+          <p:cNvSpPr/>
+          <p:nvPr/>
+        </p:nvSpPr>
+        <p:spPr>
+          <a:xfrm>
+            <a:off x="503640" y="809640"/>
+            <a:ext cx="9062640" cy="1290240"/>
+          </a:xfrm>
+          <a:prstGeom prst="rect">
+            <a:avLst/>
+          </a:prstGeom>
+          <a:noFill/>
+          <a:ln w="0">
+            <a:noFill/>
+          </a:ln>
+        </p:spPr>
+        <p:style>
+          <a:lnRef idx="0"/>
+          <a:fillRef idx="0"/>
+          <a:effectRef idx="0"/>
+          <a:fontRef idx="minor"/>
+        </p:style>
+        <p:txBody>
+          <a:bodyPr lIns="0" rIns="0" tIns="0" bIns="0" anchor="ctr">
+            <a:noAutofit/>
+          </a:bodyPr>
+          <a:p>
+            <a:pPr algn="ctr">
+              <a:lnSpc>
+                <a:spcPct val="100000"/>
+              </a:lnSpc>
+              <a:buNone/>
+            </a:pPr>
+            <a:r>
+              <a:rPr b="0" lang="en-US" sz="4400" spc="-1" strike="noStrike">
+                <a:solidFill>
+                  <a:srgbClr val="ffffff"/>
+                </a:solidFill>
+                <a:latin typeface="Arial"/>
+                <a:ea typeface="DejaVu Sans"/>
+              </a:rPr>
+              <a:t>Sacred Tradition</a:t>
+            </a:r>
+            <a:endParaRPr b="0" lang="en-US" sz="4400" spc="-1" strike="noStrike">
+              <a:latin typeface="Arial"/>
+            </a:endParaRPr>
+          </a:p>
+        </p:txBody>
+      </p:sp>
+      <p:sp>
+        <p:nvSpPr>
+          <p:cNvPr id="713" name=""/>
+          <p:cNvSpPr/>
+          <p:nvPr/>
+        </p:nvSpPr>
+        <p:spPr>
+          <a:xfrm>
+            <a:off x="503640" y="2375280"/>
+            <a:ext cx="9062640" cy="2747880"/>
+          </a:xfrm>
+          <a:prstGeom prst="rect">
+            <a:avLst/>
+          </a:prstGeom>
+          <a:noFill/>
+          <a:ln w="0">
+            <a:noFill/>
+          </a:ln>
+        </p:spPr>
+        <p:style>
+          <a:lnRef idx="0"/>
+          <a:fillRef idx="0"/>
+          <a:effectRef idx="0"/>
+          <a:fontRef idx="minor"/>
+        </p:style>
+        <p:txBody>
+          <a:bodyPr lIns="0" rIns="0" tIns="0" bIns="0" anchor="t">
+            <a:normAutofit/>
+          </a:bodyPr>
+          <a:p>
+            <a:pPr marL="432000" indent="-324000">
+              <a:lnSpc>
+                <a:spcPct val="100000"/>
+              </a:lnSpc>
+              <a:spcBef>
+                <a:spcPts val="1414"/>
+              </a:spcBef>
+              <a:buClr>
+                <a:srgbClr val="ffffff"/>
+              </a:buClr>
+              <a:buSzPct val="45000"/>
+              <a:buFont typeface="Wingdings" charset="2"/>
+              <a:buChar char=""/>
+            </a:pPr>
+            <a:r>
+              <a:rPr b="0" lang="en-US" sz="3150" spc="-1" strike="noStrike">
+                <a:solidFill>
+                  <a:srgbClr val="ffffff"/>
+                </a:solidFill>
+                <a:latin typeface="Arial"/>
+                <a:ea typeface="DejaVu Sans"/>
+              </a:rPr>
+              <a:t>Dogmatic Constitution on Divine Revelation (Dei Verbum from Vatican II).</a:t>
+            </a:r>
+            <a:endParaRPr b="0" lang="en-US" sz="3150" spc="-1" strike="noStrike">
+              <a:latin typeface="Arial"/>
+            </a:endParaRPr>
+          </a:p>
+          <a:p>
+            <a:pPr marL="432000" indent="-324000">
+              <a:lnSpc>
+                <a:spcPct val="100000"/>
+              </a:lnSpc>
+              <a:spcBef>
+                <a:spcPts val="1414"/>
+              </a:spcBef>
+              <a:buClr>
+                <a:srgbClr val="ffffff"/>
+              </a:buClr>
+              <a:buSzPct val="45000"/>
+              <a:buFont typeface="Wingdings" charset="2"/>
+              <a:buChar char=""/>
+            </a:pPr>
+            <a:r>
+              <a:rPr b="0" lang="en-US" sz="3150" spc="-1" strike="noStrike">
+                <a:solidFill>
+                  <a:srgbClr val="ffffff"/>
+                </a:solidFill>
+                <a:latin typeface="Arial"/>
+                <a:ea typeface="DejaVu Sans"/>
+              </a:rPr>
+              <a:t>Transmission of Divine Revelation</a:t>
+            </a:r>
+            <a:endParaRPr b="0" lang="en-US" sz="3150" spc="-1" strike="noStrike">
+              <a:latin typeface="Arial"/>
+            </a:endParaRPr>
+          </a:p>
+          <a:p>
+            <a:pPr marL="432000" indent="-324000">
+              <a:lnSpc>
+                <a:spcPct val="100000"/>
+              </a:lnSpc>
+              <a:spcBef>
+                <a:spcPts val="1414"/>
+              </a:spcBef>
+              <a:buClr>
+                <a:srgbClr val="ffffff"/>
+              </a:buClr>
+              <a:buSzPct val="45000"/>
+              <a:buFont typeface="Wingdings" charset="2"/>
+              <a:buChar char=""/>
+            </a:pPr>
+            <a:r>
+              <a:rPr b="0" lang="en-US" sz="3150" spc="-1" strike="noStrike">
+                <a:solidFill>
+                  <a:srgbClr val="ffffff"/>
+                </a:solidFill>
+                <a:latin typeface="Arial"/>
+                <a:ea typeface="DejaVu Sans"/>
+              </a:rPr>
+              <a:t>Sacred Tradition and Sacred Scripture bound. </a:t>
+            </a:r>
+            <a:endParaRPr b="0" lang="en-US" sz="3150" spc="-1" strike="noStrike">
               <a:latin typeface="Arial"/>
             </a:endParaRPr>
           </a:p>
@@ -46933,7 +48583,7 @@
         <p:spPr>
           <a:xfrm>
             <a:off x="503640" y="809640"/>
-            <a:ext cx="9063000" cy="1290600"/>
+            <a:ext cx="9062640" cy="1290240"/>
           </a:xfrm>
           <a:prstGeom prst="rect">
             <a:avLst/>
@@ -46985,7 +48635,7 @@
         <p:spPr>
           <a:xfrm>
             <a:off x="503640" y="2375280"/>
-            <a:ext cx="9063000" cy="2748240"/>
+            <a:ext cx="9062640" cy="2747880"/>
           </a:xfrm>
           <a:prstGeom prst="rect">
             <a:avLst/>
@@ -47133,7 +48783,7 @@
         <p:spPr>
           <a:xfrm>
             <a:off x="503640" y="809640"/>
-            <a:ext cx="9063000" cy="1290600"/>
+            <a:ext cx="9062640" cy="1290240"/>
           </a:xfrm>
           <a:prstGeom prst="rect">
             <a:avLst/>
@@ -47185,7 +48835,7 @@
         <p:spPr>
           <a:xfrm>
             <a:off x="503640" y="2375280"/>
-            <a:ext cx="9063000" cy="2748240"/>
+            <a:ext cx="9062640" cy="2747880"/>
           </a:xfrm>
           <a:prstGeom prst="rect">
             <a:avLst/>
@@ -47304,7 +48954,7 @@
         <p:spPr>
           <a:xfrm>
             <a:off x="503640" y="809640"/>
-            <a:ext cx="9063000" cy="1290600"/>
+            <a:ext cx="9062640" cy="1290240"/>
           </a:xfrm>
           <a:prstGeom prst="rect">
             <a:avLst/>
@@ -47356,7 +49006,7 @@
         <p:spPr>
           <a:xfrm>
             <a:off x="503640" y="2375280"/>
-            <a:ext cx="9063000" cy="2748240"/>
+            <a:ext cx="9062640" cy="2747880"/>
           </a:xfrm>
           <a:prstGeom prst="rect">
             <a:avLst/>
@@ -47475,7 +49125,7 @@
         <p:spPr>
           <a:xfrm>
             <a:off x="503640" y="809640"/>
-            <a:ext cx="9063000" cy="1290600"/>
+            <a:ext cx="9062640" cy="1290240"/>
           </a:xfrm>
           <a:prstGeom prst="rect">
             <a:avLst/>
@@ -47527,7 +49177,7 @@
         <p:spPr>
           <a:xfrm>
             <a:off x="503640" y="2375280"/>
-            <a:ext cx="9063000" cy="2748240"/>
+            <a:ext cx="9062640" cy="2747880"/>
           </a:xfrm>
           <a:prstGeom prst="rect">
             <a:avLst/>
@@ -47715,7 +49365,7 @@
         <p:spPr>
           <a:xfrm>
             <a:off x="503640" y="809640"/>
-            <a:ext cx="9063000" cy="1290600"/>
+            <a:ext cx="9062640" cy="1290240"/>
           </a:xfrm>
           <a:prstGeom prst="rect">
             <a:avLst/>
@@ -47767,7 +49417,7 @@
         <p:spPr>
           <a:xfrm>
             <a:off x="503640" y="2375280"/>
-            <a:ext cx="9063000" cy="2748240"/>
+            <a:ext cx="9062640" cy="2747880"/>
           </a:xfrm>
           <a:prstGeom prst="rect">
             <a:avLst/>
@@ -47871,7 +49521,7 @@
         <p:spPr>
           <a:xfrm>
             <a:off x="503640" y="809640"/>
-            <a:ext cx="9063000" cy="1290600"/>
+            <a:ext cx="9062640" cy="1290240"/>
           </a:xfrm>
           <a:prstGeom prst="rect">
             <a:avLst/>
@@ -47923,7 +49573,7 @@
         <p:spPr>
           <a:xfrm>
             <a:off x="503640" y="2375280"/>
-            <a:ext cx="9063000" cy="2748240"/>
+            <a:ext cx="9062640" cy="2747880"/>
           </a:xfrm>
           <a:prstGeom prst="rect">
             <a:avLst/>
